--- a/slides/On-Campus/03_01_Branching.pptx
+++ b/slides/On-Campus/03_01_Branching.pptx
@@ -5,19 +5,23 @@
     <p:sldMasterId id="2147483648" r:id="rId1"/>
   </p:sldMasterIdLst>
   <p:notesMasterIdLst>
-    <p:notesMasterId r:id="rId9"/>
+    <p:notesMasterId r:id="rId13"/>
   </p:notesMasterIdLst>
   <p:handoutMasterIdLst>
-    <p:handoutMasterId r:id="rId10"/>
+    <p:handoutMasterId r:id="rId14"/>
   </p:handoutMasterIdLst>
   <p:sldIdLst>
     <p:sldId id="256" r:id="rId2"/>
-    <p:sldId id="257" r:id="rId3"/>
-    <p:sldId id="258" r:id="rId4"/>
-    <p:sldId id="259" r:id="rId5"/>
-    <p:sldId id="260" r:id="rId6"/>
-    <p:sldId id="261" r:id="rId7"/>
-    <p:sldId id="262" r:id="rId8"/>
+    <p:sldId id="263" r:id="rId3"/>
+    <p:sldId id="264" r:id="rId4"/>
+    <p:sldId id="257" r:id="rId5"/>
+    <p:sldId id="258" r:id="rId6"/>
+    <p:sldId id="259" r:id="rId7"/>
+    <p:sldId id="260" r:id="rId8"/>
+    <p:sldId id="261" r:id="rId9"/>
+    <p:sldId id="265" r:id="rId10"/>
+    <p:sldId id="266" r:id="rId11"/>
+    <p:sldId id="262" r:id="rId12"/>
   </p:sldIdLst>
   <p:sldSz cx="13817600" cy="7772400"/>
   <p:notesSz cx="6858000" cy="9144000"/>
@@ -220,7 +224,7 @@
           <a:p>
             <a:fld id="{4D7E51A5-B478-1E40-8CBB-0DAA8831E99D}" type="datetimeFigureOut">
               <a:rPr lang="en-US" smtClean="0"/>
-              <a:t>5/6/20</a:t>
+              <a:t>8/16/21</a:t>
             </a:fld>
             <a:endParaRPr lang="en-US"/>
           </a:p>
@@ -385,7 +389,7 @@
           <a:p>
             <a:fld id="{D0ED587F-861E-6740-9643-E3DDAE89B8D6}" type="datetimeFigureOut">
               <a:rPr lang="en-US" smtClean="0"/>
-              <a:t>5/6/20</a:t>
+              <a:t>8/16/21</a:t>
             </a:fld>
             <a:endParaRPr lang="en-US"/>
           </a:p>
@@ -6709,7 +6713,2147 @@
 </p:sld>
 </file>
 
+<file path=ppt/slides/slide10.xml><?xml version="1.0" encoding="utf-8"?>
+<p:sld xmlns:a="http://schemas.openxmlformats.org/drawingml/2006/main" xmlns:r="http://schemas.openxmlformats.org/officeDocument/2006/relationships" xmlns:p="http://schemas.openxmlformats.org/presentationml/2006/main">
+  <p:cSld>
+    <p:spTree>
+      <p:nvGrpSpPr>
+        <p:cNvPr id="1" name=""/>
+        <p:cNvGrpSpPr/>
+        <p:nvPr/>
+      </p:nvGrpSpPr>
+      <p:grpSpPr>
+        <a:xfrm>
+          <a:off x="0" y="0"/>
+          <a:ext cx="0" cy="0"/>
+          <a:chOff x="0" y="0"/>
+          <a:chExt cx="0" cy="0"/>
+        </a:xfrm>
+      </p:grpSpPr>
+      <p:sp>
+        <p:nvSpPr>
+          <p:cNvPr id="2" name="Title 1">
+            <a:extLst>
+              <a:ext uri="{FF2B5EF4-FFF2-40B4-BE49-F238E27FC236}">
+                <a16:creationId xmlns:a16="http://schemas.microsoft.com/office/drawing/2014/main" id="{DCC88597-DB15-D040-A2E3-0D01AA6995C1}"/>
+              </a:ext>
+            </a:extLst>
+          </p:cNvPr>
+          <p:cNvSpPr>
+            <a:spLocks noGrp="1"/>
+          </p:cNvSpPr>
+          <p:nvPr>
+            <p:ph type="title"/>
+          </p:nvPr>
+        </p:nvSpPr>
+        <p:spPr/>
+        <p:txBody>
+          <a:bodyPr/>
+          <a:lstStyle/>
+          <a:p>
+            <a:r>
+              <a:rPr lang="en-US" dirty="0"/>
+              <a:t>Answer the following</a:t>
+            </a:r>
+          </a:p>
+        </p:txBody>
+      </p:sp>
+      <p:sp>
+        <p:nvSpPr>
+          <p:cNvPr id="3" name="Text Placeholder 2">
+            <a:extLst>
+              <a:ext uri="{FF2B5EF4-FFF2-40B4-BE49-F238E27FC236}">
+                <a16:creationId xmlns:a16="http://schemas.microsoft.com/office/drawing/2014/main" id="{E40F3497-4143-704D-80AE-52B1E62D34A8}"/>
+              </a:ext>
+            </a:extLst>
+          </p:cNvPr>
+          <p:cNvSpPr>
+            <a:spLocks noGrp="1"/>
+          </p:cNvSpPr>
+          <p:nvPr>
+            <p:ph type="body" sz="quarter" idx="10"/>
+          </p:nvPr>
+        </p:nvSpPr>
+        <p:spPr>
+          <a:xfrm>
+            <a:off x="628075" y="1776683"/>
+            <a:ext cx="4693225" cy="2438488"/>
+          </a:xfrm>
+        </p:spPr>
+        <p:txBody>
+          <a:bodyPr/>
+          <a:lstStyle/>
+          <a:p>
+            <a:pPr>
+              <a:buFont typeface="+mj-lt"/>
+              <a:buAutoNum type="arabicPeriod"/>
+            </a:pPr>
+            <a:r>
+              <a:rPr lang="en-US" dirty="0" err="1">
+                <a:latin typeface="Consolas" panose="020B0609020204030204" pitchFamily="49" charset="0"/>
+                <a:cs typeface="Consolas" panose="020B0609020204030204" pitchFamily="49" charset="0"/>
+              </a:rPr>
+              <a:t>branchingCheck</a:t>
+            </a:r>
+            <a:r>
+              <a:rPr lang="en-US" dirty="0">
+                <a:latin typeface="Consolas" panose="020B0609020204030204" pitchFamily="49" charset="0"/>
+                <a:cs typeface="Consolas" panose="020B0609020204030204" pitchFamily="49" charset="0"/>
+              </a:rPr>
+              <a:t>(10, 20, 30) </a:t>
+            </a:r>
+          </a:p>
+          <a:p>
+            <a:pPr>
+              <a:buFont typeface="+mj-lt"/>
+              <a:buAutoNum type="arabicPeriod"/>
+            </a:pPr>
+            <a:r>
+              <a:rPr lang="en-US" dirty="0" err="1">
+                <a:latin typeface="Consolas" panose="020B0609020204030204" pitchFamily="49" charset="0"/>
+                <a:cs typeface="Consolas" panose="020B0609020204030204" pitchFamily="49" charset="0"/>
+              </a:rPr>
+              <a:t>branchingCheck</a:t>
+            </a:r>
+            <a:r>
+              <a:rPr lang="en-US" dirty="0">
+                <a:latin typeface="Consolas" panose="020B0609020204030204" pitchFamily="49" charset="0"/>
+                <a:cs typeface="Consolas" panose="020B0609020204030204" pitchFamily="49" charset="0"/>
+              </a:rPr>
+              <a:t>(-1, -1, -1)</a:t>
+            </a:r>
+          </a:p>
+          <a:p>
+            <a:pPr>
+              <a:buFont typeface="+mj-lt"/>
+              <a:buAutoNum type="arabicPeriod"/>
+            </a:pPr>
+            <a:r>
+              <a:rPr lang="en-US" dirty="0" err="1">
+                <a:latin typeface="Consolas" panose="020B0609020204030204" pitchFamily="49" charset="0"/>
+                <a:cs typeface="Consolas" panose="020B0609020204030204" pitchFamily="49" charset="0"/>
+              </a:rPr>
+              <a:t>branchingCheck</a:t>
+            </a:r>
+            <a:r>
+              <a:rPr lang="en-US" dirty="0">
+                <a:latin typeface="Consolas" panose="020B0609020204030204" pitchFamily="49" charset="0"/>
+                <a:cs typeface="Consolas" panose="020B0609020204030204" pitchFamily="49" charset="0"/>
+              </a:rPr>
+              <a:t>(3, 0, 2)</a:t>
+            </a:r>
+          </a:p>
+          <a:p>
+            <a:pPr>
+              <a:buFont typeface="+mj-lt"/>
+              <a:buAutoNum type="arabicPeriod"/>
+            </a:pPr>
+            <a:r>
+              <a:rPr lang="en-US" dirty="0" err="1">
+                <a:latin typeface="Consolas" panose="020B0609020204030204" pitchFamily="49" charset="0"/>
+                <a:cs typeface="Consolas" panose="020B0609020204030204" pitchFamily="49" charset="0"/>
+              </a:rPr>
+              <a:t>branchingCheck</a:t>
+            </a:r>
+            <a:r>
+              <a:rPr lang="en-US" dirty="0">
+                <a:latin typeface="Consolas" panose="020B0609020204030204" pitchFamily="49" charset="0"/>
+                <a:cs typeface="Consolas" panose="020B0609020204030204" pitchFamily="49" charset="0"/>
+              </a:rPr>
+              <a:t>(-1, 0, 1)</a:t>
+            </a:r>
+          </a:p>
+          <a:p>
+            <a:pPr>
+              <a:buFont typeface="+mj-lt"/>
+              <a:buAutoNum type="arabicPeriod"/>
+            </a:pPr>
+            <a:r>
+              <a:rPr lang="en-US" dirty="0" err="1">
+                <a:latin typeface="Consolas" panose="020B0609020204030204" pitchFamily="49" charset="0"/>
+                <a:cs typeface="Consolas" panose="020B0609020204030204" pitchFamily="49" charset="0"/>
+              </a:rPr>
+              <a:t>branchingCheck</a:t>
+            </a:r>
+            <a:r>
+              <a:rPr lang="en-US" dirty="0">
+                <a:latin typeface="Consolas" panose="020B0609020204030204" pitchFamily="49" charset="0"/>
+                <a:cs typeface="Consolas" panose="020B0609020204030204" pitchFamily="49" charset="0"/>
+              </a:rPr>
+              <a:t>(20, 19, 18)</a:t>
+            </a:r>
+          </a:p>
+        </p:txBody>
+      </p:sp>
+      <p:sp>
+        <p:nvSpPr>
+          <p:cNvPr id="5" name="TextBox 4">
+            <a:extLst>
+              <a:ext uri="{FF2B5EF4-FFF2-40B4-BE49-F238E27FC236}">
+                <a16:creationId xmlns:a16="http://schemas.microsoft.com/office/drawing/2014/main" id="{32222D90-EB77-AB4A-8241-2A5D8AE6528E}"/>
+              </a:ext>
+            </a:extLst>
+          </p:cNvPr>
+          <p:cNvSpPr txBox="1"/>
+          <p:nvPr/>
+        </p:nvSpPr>
+        <p:spPr>
+          <a:xfrm>
+            <a:off x="4007044" y="4448145"/>
+            <a:ext cx="2901756" cy="400110"/>
+          </a:xfrm>
+          <a:prstGeom prst="rect">
+            <a:avLst/>
+          </a:prstGeom>
+          <a:noFill/>
+        </p:spPr>
+        <p:txBody>
+          <a:bodyPr wrap="none" rtlCol="0">
+            <a:spAutoFit/>
+          </a:bodyPr>
+          <a:lstStyle/>
+          <a:p>
+            <a:r>
+              <a:rPr lang="en-US" dirty="0"/>
+              <a:t>Use the tree you drew ! </a:t>
+            </a:r>
+          </a:p>
+        </p:txBody>
+      </p:sp>
+      <p:sp>
+        <p:nvSpPr>
+          <p:cNvPr id="6" name="Text Placeholder 2">
+            <a:extLst>
+              <a:ext uri="{FF2B5EF4-FFF2-40B4-BE49-F238E27FC236}">
+                <a16:creationId xmlns:a16="http://schemas.microsoft.com/office/drawing/2014/main" id="{BC944B35-F630-D64A-B227-A5DE5B4ACE37}"/>
+              </a:ext>
+            </a:extLst>
+          </p:cNvPr>
+          <p:cNvSpPr txBox="1">
+            <a:spLocks/>
+          </p:cNvSpPr>
+          <p:nvPr/>
+        </p:nvSpPr>
+        <p:spPr>
+          <a:xfrm>
+            <a:off x="6812975" y="1776683"/>
+            <a:ext cx="4693225" cy="2438488"/>
+          </a:xfrm>
+          <a:prstGeom prst="rect">
+            <a:avLst/>
+          </a:prstGeom>
+        </p:spPr>
+        <p:txBody>
+          <a:bodyPr vert="horz" lIns="91440" tIns="91440" rIns="91440" bIns="91440" rtlCol="0">
+            <a:spAutoFit/>
+          </a:bodyPr>
+          <a:lstStyle>
+            <a:lvl1pPr marL="524712" indent="-524712" algn="l" defTabSz="699614" rtl="0" eaLnBrk="1" latinLnBrk="0" hangingPunct="1">
+              <a:lnSpc>
+                <a:spcPct val="120000"/>
+              </a:lnSpc>
+              <a:spcBef>
+                <a:spcPts val="600"/>
+              </a:spcBef>
+              <a:spcAft>
+                <a:spcPts val="600"/>
+              </a:spcAft>
+              <a:buFont typeface="Arial"/>
+              <a:buChar char="•"/>
+              <a:defRPr sz="1800" b="0" i="0" kern="1200">
+                <a:solidFill>
+                  <a:srgbClr val="092529"/>
+                </a:solidFill>
+                <a:latin typeface="Proxima Nova" charset="0"/>
+                <a:ea typeface="Proxima Nova" charset="0"/>
+                <a:cs typeface="Proxima Nova" charset="0"/>
+              </a:defRPr>
+            </a:lvl1pPr>
+            <a:lvl2pPr marL="1136875" indent="-437261" algn="l" defTabSz="699614" rtl="0" eaLnBrk="1" latinLnBrk="0" hangingPunct="1">
+              <a:lnSpc>
+                <a:spcPct val="120000"/>
+              </a:lnSpc>
+              <a:spcBef>
+                <a:spcPts val="0"/>
+              </a:spcBef>
+              <a:spcAft>
+                <a:spcPts val="600"/>
+              </a:spcAft>
+              <a:buFont typeface="Arial"/>
+              <a:buChar char="–"/>
+              <a:defRPr sz="1600" b="0" i="0" kern="1200">
+                <a:solidFill>
+                  <a:srgbClr val="092529"/>
+                </a:solidFill>
+                <a:latin typeface="Proxima Nova" charset="0"/>
+                <a:ea typeface="Proxima Nova" charset="0"/>
+                <a:cs typeface="Proxima Nova" charset="0"/>
+              </a:defRPr>
+            </a:lvl2pPr>
+            <a:lvl3pPr marL="1749040" indent="-349807" algn="l" defTabSz="699614" rtl="0" eaLnBrk="1" latinLnBrk="0" hangingPunct="1">
+              <a:lnSpc>
+                <a:spcPct val="120000"/>
+              </a:lnSpc>
+              <a:spcBef>
+                <a:spcPts val="0"/>
+              </a:spcBef>
+              <a:spcAft>
+                <a:spcPts val="600"/>
+              </a:spcAft>
+              <a:buFont typeface="Arial"/>
+              <a:buChar char="•"/>
+              <a:defRPr sz="1600" b="0" i="0" kern="1200">
+                <a:solidFill>
+                  <a:srgbClr val="092529"/>
+                </a:solidFill>
+                <a:latin typeface="Proxima Nova" charset="0"/>
+                <a:ea typeface="Proxima Nova" charset="0"/>
+                <a:cs typeface="Proxima Nova" charset="0"/>
+              </a:defRPr>
+            </a:lvl3pPr>
+            <a:lvl4pPr marL="2448655" indent="-349807" algn="l" defTabSz="699614" rtl="0" eaLnBrk="1" latinLnBrk="0" hangingPunct="1">
+              <a:lnSpc>
+                <a:spcPct val="120000"/>
+              </a:lnSpc>
+              <a:spcBef>
+                <a:spcPts val="0"/>
+              </a:spcBef>
+              <a:spcAft>
+                <a:spcPts val="600"/>
+              </a:spcAft>
+              <a:buFont typeface="Arial"/>
+              <a:buChar char="–"/>
+              <a:defRPr sz="1600" b="0" i="0" kern="1200">
+                <a:solidFill>
+                  <a:srgbClr val="092529"/>
+                </a:solidFill>
+                <a:latin typeface="Proxima Nova" charset="0"/>
+                <a:ea typeface="Proxima Nova" charset="0"/>
+                <a:cs typeface="Proxima Nova" charset="0"/>
+              </a:defRPr>
+            </a:lvl4pPr>
+            <a:lvl5pPr marL="3148272" indent="-349807" algn="l" defTabSz="699614" rtl="0" eaLnBrk="1" latinLnBrk="0" hangingPunct="1">
+              <a:spcBef>
+                <a:spcPct val="20000"/>
+              </a:spcBef>
+              <a:buFont typeface="Arial"/>
+              <a:buChar char="»"/>
+              <a:defRPr sz="1648" b="0" kern="1200">
+                <a:solidFill>
+                  <a:srgbClr val="092529"/>
+                </a:solidFill>
+                <a:latin typeface="Franklin Gothic Book" charset="0"/>
+                <a:ea typeface="Franklin Gothic Book" charset="0"/>
+                <a:cs typeface="Franklin Gothic Book" charset="0"/>
+              </a:defRPr>
+            </a:lvl5pPr>
+            <a:lvl6pPr marL="3847888" indent="-349807" algn="l" defTabSz="699614" rtl="0" eaLnBrk="1" latinLnBrk="0" hangingPunct="1">
+              <a:spcBef>
+                <a:spcPct val="20000"/>
+              </a:spcBef>
+              <a:buFont typeface="Arial"/>
+              <a:buChar char="•"/>
+              <a:defRPr sz="3022" kern="1200">
+                <a:solidFill>
+                  <a:schemeClr val="tx1"/>
+                </a:solidFill>
+                <a:latin typeface="+mn-lt"/>
+                <a:ea typeface="+mn-ea"/>
+                <a:cs typeface="+mn-cs"/>
+              </a:defRPr>
+            </a:lvl6pPr>
+            <a:lvl7pPr marL="4547505" indent="-349807" algn="l" defTabSz="699614" rtl="0" eaLnBrk="1" latinLnBrk="0" hangingPunct="1">
+              <a:spcBef>
+                <a:spcPct val="20000"/>
+              </a:spcBef>
+              <a:buFont typeface="Arial"/>
+              <a:buChar char="•"/>
+              <a:defRPr sz="3022" kern="1200">
+                <a:solidFill>
+                  <a:schemeClr val="tx1"/>
+                </a:solidFill>
+                <a:latin typeface="+mn-lt"/>
+                <a:ea typeface="+mn-ea"/>
+                <a:cs typeface="+mn-cs"/>
+              </a:defRPr>
+            </a:lvl7pPr>
+            <a:lvl8pPr marL="5247119" indent="-349807" algn="l" defTabSz="699614" rtl="0" eaLnBrk="1" latinLnBrk="0" hangingPunct="1">
+              <a:spcBef>
+                <a:spcPct val="20000"/>
+              </a:spcBef>
+              <a:buFont typeface="Arial"/>
+              <a:buChar char="•"/>
+              <a:defRPr sz="3022" kern="1200">
+                <a:solidFill>
+                  <a:schemeClr val="tx1"/>
+                </a:solidFill>
+                <a:latin typeface="+mn-lt"/>
+                <a:ea typeface="+mn-ea"/>
+                <a:cs typeface="+mn-cs"/>
+              </a:defRPr>
+            </a:lvl8pPr>
+            <a:lvl9pPr marL="5946736" indent="-349807" algn="l" defTabSz="699614" rtl="0" eaLnBrk="1" latinLnBrk="0" hangingPunct="1">
+              <a:spcBef>
+                <a:spcPct val="20000"/>
+              </a:spcBef>
+              <a:buFont typeface="Arial"/>
+              <a:buChar char="•"/>
+              <a:defRPr sz="3022" kern="1200">
+                <a:solidFill>
+                  <a:schemeClr val="tx1"/>
+                </a:solidFill>
+                <a:latin typeface="+mn-lt"/>
+                <a:ea typeface="+mn-ea"/>
+                <a:cs typeface="+mn-cs"/>
+              </a:defRPr>
+            </a:lvl9pPr>
+          </a:lstStyle>
+          <a:p>
+            <a:pPr>
+              <a:buFont typeface="+mj-lt"/>
+              <a:buAutoNum type="arabicPeriod"/>
+            </a:pPr>
+            <a:r>
+              <a:rPr lang="en-US" dirty="0">
+                <a:latin typeface="+mn-lt"/>
+                <a:cs typeface="Consolas" panose="020B0609020204030204" pitchFamily="49" charset="0"/>
+              </a:rPr>
+              <a:t>The value of pi is: 3.14</a:t>
+            </a:r>
+          </a:p>
+          <a:p>
+            <a:pPr>
+              <a:buFont typeface="+mj-lt"/>
+              <a:buAutoNum type="arabicPeriod"/>
+            </a:pPr>
+            <a:r>
+              <a:rPr lang="en-US" dirty="0">
+                <a:latin typeface="+mn-lt"/>
+                <a:cs typeface="Consolas" panose="020B0609020204030204" pitchFamily="49" charset="0"/>
+              </a:rPr>
+              <a:t>I need more</a:t>
+            </a:r>
+          </a:p>
+          <a:p>
+            <a:pPr>
+              <a:buFont typeface="+mj-lt"/>
+              <a:buAutoNum type="arabicPeriod"/>
+            </a:pPr>
+            <a:r>
+              <a:rPr lang="en-US" dirty="0">
+                <a:latin typeface="+mn-lt"/>
+                <a:cs typeface="Consolas" panose="020B0609020204030204" pitchFamily="49" charset="0"/>
+              </a:rPr>
+              <a:t>no pie</a:t>
+            </a:r>
+          </a:p>
+          <a:p>
+            <a:pPr>
+              <a:buFont typeface="+mj-lt"/>
+              <a:buAutoNum type="arabicPeriod"/>
+            </a:pPr>
+            <a:r>
+              <a:rPr lang="el-GR" dirty="0">
+                <a:latin typeface="+mn-lt"/>
+                <a:cs typeface="Consolas" panose="020B0609020204030204" pitchFamily="49" charset="0"/>
+              </a:rPr>
+              <a:t>π</a:t>
+            </a:r>
+            <a:endParaRPr lang="en-US" dirty="0">
+              <a:latin typeface="+mn-lt"/>
+              <a:cs typeface="Consolas" panose="020B0609020204030204" pitchFamily="49" charset="0"/>
+            </a:endParaRPr>
+          </a:p>
+          <a:p>
+            <a:pPr>
+              <a:buFont typeface="+mj-lt"/>
+              <a:buAutoNum type="arabicPeriod"/>
+            </a:pPr>
+            <a:r>
+              <a:rPr lang="en-US" dirty="0">
+                <a:latin typeface="+mn-lt"/>
+                <a:cs typeface="Consolas" panose="020B0609020204030204" pitchFamily="49" charset="0"/>
+              </a:rPr>
+              <a:t>I like pie</a:t>
+            </a:r>
+          </a:p>
+        </p:txBody>
+      </p:sp>
+    </p:spTree>
+    <p:extLst>
+      <p:ext uri="{BB962C8B-B14F-4D97-AF65-F5344CB8AC3E}">
+        <p14:creationId xmlns:p14="http://schemas.microsoft.com/office/powerpoint/2010/main" val="1459189595"/>
+      </p:ext>
+    </p:extLst>
+  </p:cSld>
+  <p:clrMapOvr>
+    <a:masterClrMapping/>
+  </p:clrMapOvr>
+  <mc:AlternateContent xmlns:mc="http://schemas.openxmlformats.org/markup-compatibility/2006" xmlns:p14="http://schemas.microsoft.com/office/powerpoint/2010/main">
+    <mc:Choice Requires="p14">
+      <p:transition p14:dur="300">
+        <p:fade/>
+      </p:transition>
+    </mc:Choice>
+    <mc:Fallback xmlns="">
+      <p:transition>
+        <p:fade/>
+      </p:transition>
+    </mc:Fallback>
+  </mc:AlternateContent>
+  <p:timing>
+    <p:tnLst>
+      <p:par>
+        <p:cTn id="1" dur="indefinite" restart="never" nodeType="tmRoot">
+          <p:childTnLst>
+            <p:seq concurrent="1" nextAc="seek">
+              <p:cTn id="2" dur="indefinite" nodeType="mainSeq">
+                <p:childTnLst>
+                  <p:par>
+                    <p:cTn id="3" fill="hold">
+                      <p:stCondLst>
+                        <p:cond delay="indefinite"/>
+                      </p:stCondLst>
+                      <p:childTnLst>
+                        <p:par>
+                          <p:cTn id="4" fill="hold">
+                            <p:stCondLst>
+                              <p:cond delay="0"/>
+                            </p:stCondLst>
+                            <p:childTnLst>
+                              <p:par>
+                                <p:cTn id="5" presetID="45" presetClass="entr" presetSubtype="0" fill="hold" grpId="0" nodeType="clickEffect">
+                                  <p:stCondLst>
+                                    <p:cond delay="0"/>
+                                  </p:stCondLst>
+                                  <p:childTnLst>
+                                    <p:set>
+                                      <p:cBhvr>
+                                        <p:cTn id="6" dur="1" fill="hold">
+                                          <p:stCondLst>
+                                            <p:cond delay="0"/>
+                                          </p:stCondLst>
+                                        </p:cTn>
+                                        <p:tgtEl>
+                                          <p:spTgt spid="6"/>
+                                        </p:tgtEl>
+                                        <p:attrNameLst>
+                                          <p:attrName>style.visibility</p:attrName>
+                                        </p:attrNameLst>
+                                      </p:cBhvr>
+                                      <p:to>
+                                        <p:strVal val="visible"/>
+                                      </p:to>
+                                    </p:set>
+                                    <p:animEffect transition="in" filter="fade">
+                                      <p:cBhvr>
+                                        <p:cTn id="7" dur="2000"/>
+                                        <p:tgtEl>
+                                          <p:spTgt spid="6"/>
+                                        </p:tgtEl>
+                                      </p:cBhvr>
+                                    </p:animEffect>
+                                    <p:anim calcmode="lin" valueType="num">
+                                      <p:cBhvr>
+                                        <p:cTn id="8" dur="2000" fill="hold"/>
+                                        <p:tgtEl>
+                                          <p:spTgt spid="6"/>
+                                        </p:tgtEl>
+                                        <p:attrNameLst>
+                                          <p:attrName>ppt_w</p:attrName>
+                                        </p:attrNameLst>
+                                      </p:cBhvr>
+                                      <p:tavLst>
+                                        <p:tav tm="0" fmla="#ppt_w*sin(2.5*pi*$)">
+                                          <p:val>
+                                            <p:fltVal val="0"/>
+                                          </p:val>
+                                        </p:tav>
+                                        <p:tav tm="100000">
+                                          <p:val>
+                                            <p:fltVal val="1"/>
+                                          </p:val>
+                                        </p:tav>
+                                      </p:tavLst>
+                                    </p:anim>
+                                    <p:anim calcmode="lin" valueType="num">
+                                      <p:cBhvr>
+                                        <p:cTn id="9" dur="2000" fill="hold"/>
+                                        <p:tgtEl>
+                                          <p:spTgt spid="6"/>
+                                        </p:tgtEl>
+                                        <p:attrNameLst>
+                                          <p:attrName>ppt_h</p:attrName>
+                                        </p:attrNameLst>
+                                      </p:cBhvr>
+                                      <p:tavLst>
+                                        <p:tav tm="0">
+                                          <p:val>
+                                            <p:strVal val="#ppt_h"/>
+                                          </p:val>
+                                        </p:tav>
+                                        <p:tav tm="100000">
+                                          <p:val>
+                                            <p:strVal val="#ppt_h"/>
+                                          </p:val>
+                                        </p:tav>
+                                      </p:tavLst>
+                                    </p:anim>
+                                  </p:childTnLst>
+                                </p:cTn>
+                              </p:par>
+                            </p:childTnLst>
+                          </p:cTn>
+                        </p:par>
+                      </p:childTnLst>
+                    </p:cTn>
+                  </p:par>
+                </p:childTnLst>
+              </p:cTn>
+              <p:prevCondLst>
+                <p:cond evt="onPrev" delay="0">
+                  <p:tgtEl>
+                    <p:sldTgt/>
+                  </p:tgtEl>
+                </p:cond>
+              </p:prevCondLst>
+              <p:nextCondLst>
+                <p:cond evt="onNext" delay="0">
+                  <p:tgtEl>
+                    <p:sldTgt/>
+                  </p:tgtEl>
+                </p:cond>
+              </p:nextCondLst>
+            </p:seq>
+          </p:childTnLst>
+        </p:cTn>
+      </p:par>
+    </p:tnLst>
+    <p:bldLst>
+      <p:bldP spid="6" grpId="0"/>
+    </p:bldLst>
+  </p:timing>
+</p:sld>
+</file>
+
+<file path=ppt/slides/slide11.xml><?xml version="1.0" encoding="utf-8"?>
+<p:sld xmlns:a="http://schemas.openxmlformats.org/drawingml/2006/main" xmlns:r="http://schemas.openxmlformats.org/officeDocument/2006/relationships" xmlns:p="http://schemas.openxmlformats.org/presentationml/2006/main">
+  <p:cSld>
+    <p:spTree>
+      <p:nvGrpSpPr>
+        <p:cNvPr id="1" name=""/>
+        <p:cNvGrpSpPr/>
+        <p:nvPr/>
+      </p:nvGrpSpPr>
+      <p:grpSpPr>
+        <a:xfrm>
+          <a:off x="0" y="0"/>
+          <a:ext cx="0" cy="0"/>
+          <a:chOff x="0" y="0"/>
+          <a:chExt cx="0" cy="0"/>
+        </a:xfrm>
+      </p:grpSpPr>
+      <p:sp>
+        <p:nvSpPr>
+          <p:cNvPr id="2" name="Title 1">
+            <a:extLst>
+              <a:ext uri="{FF2B5EF4-FFF2-40B4-BE49-F238E27FC236}">
+                <a16:creationId xmlns:a16="http://schemas.microsoft.com/office/drawing/2014/main" id="{8A960FE9-0770-C34E-A6A1-30B718ADCE1A}"/>
+              </a:ext>
+            </a:extLst>
+          </p:cNvPr>
+          <p:cNvSpPr>
+            <a:spLocks noGrp="1"/>
+          </p:cNvSpPr>
+          <p:nvPr>
+            <p:ph type="title"/>
+          </p:nvPr>
+        </p:nvSpPr>
+        <p:spPr/>
+        <p:txBody>
+          <a:bodyPr/>
+          <a:lstStyle/>
+          <a:p>
+            <a:r>
+              <a:rPr lang="en-US" dirty="0"/>
+              <a:t>Review</a:t>
+            </a:r>
+          </a:p>
+        </p:txBody>
+      </p:sp>
+      <p:sp>
+        <p:nvSpPr>
+          <p:cNvPr id="3" name="Text Placeholder 2">
+            <a:extLst>
+              <a:ext uri="{FF2B5EF4-FFF2-40B4-BE49-F238E27FC236}">
+                <a16:creationId xmlns:a16="http://schemas.microsoft.com/office/drawing/2014/main" id="{58623002-8530-7041-8EE6-F33173423322}"/>
+              </a:ext>
+            </a:extLst>
+          </p:cNvPr>
+          <p:cNvSpPr>
+            <a:spLocks noGrp="1"/>
+          </p:cNvSpPr>
+          <p:nvPr>
+            <p:ph type="body" sz="quarter" idx="10"/>
+          </p:nvPr>
+        </p:nvSpPr>
+        <p:spPr>
+          <a:xfrm>
+            <a:off x="628075" y="1776683"/>
+            <a:ext cx="12561453" cy="5405839"/>
+          </a:xfrm>
+        </p:spPr>
+        <p:txBody>
+          <a:bodyPr/>
+          <a:lstStyle/>
+          <a:p>
+            <a:r>
+              <a:rPr lang="en-US" dirty="0"/>
+              <a:t>Conditional operators compare </a:t>
+            </a:r>
+            <a:r>
+              <a:rPr lang="en-US" b="1" dirty="0"/>
+              <a:t>primitives</a:t>
+            </a:r>
+            <a:r>
+              <a:rPr lang="en-US" dirty="0"/>
+              <a:t> to evaluate to </a:t>
+            </a:r>
+            <a:r>
+              <a:rPr lang="en-US" b="1" dirty="0"/>
+              <a:t>true </a:t>
+            </a:r>
+            <a:r>
+              <a:rPr lang="en-US" dirty="0"/>
+              <a:t>or </a:t>
+            </a:r>
+            <a:r>
+              <a:rPr lang="en-US" b="1" dirty="0"/>
+              <a:t>false</a:t>
+            </a:r>
+          </a:p>
+          <a:p>
+            <a:pPr lvl="1" fontAlgn="base"/>
+            <a:r>
+              <a:rPr lang="en-US" dirty="0"/>
+              <a:t>==   Equals</a:t>
+            </a:r>
+          </a:p>
+          <a:p>
+            <a:pPr lvl="1" fontAlgn="base"/>
+            <a:r>
+              <a:rPr lang="en-US" dirty="0"/>
+              <a:t>&lt;     Less than (is left less than right)</a:t>
+            </a:r>
+          </a:p>
+          <a:p>
+            <a:pPr lvl="1" fontAlgn="base"/>
+            <a:r>
+              <a:rPr lang="en-US" dirty="0"/>
+              <a:t>&gt;     Greater than</a:t>
+            </a:r>
+          </a:p>
+          <a:p>
+            <a:pPr lvl="1" fontAlgn="base"/>
+            <a:r>
+              <a:rPr lang="en-US" dirty="0"/>
+              <a:t>&lt;=   Less than OR equal</a:t>
+            </a:r>
+          </a:p>
+          <a:p>
+            <a:pPr lvl="1" fontAlgn="base"/>
+            <a:r>
+              <a:rPr lang="en-US" dirty="0"/>
+              <a:t>&gt;=   Greater than OR equal</a:t>
+            </a:r>
+          </a:p>
+          <a:p>
+            <a:pPr lvl="1" fontAlgn="base"/>
+            <a:r>
+              <a:rPr lang="en-US" dirty="0"/>
+              <a:t>!=    NOT equal ( ! is your NOT character)</a:t>
+            </a:r>
+          </a:p>
+          <a:p>
+            <a:pPr fontAlgn="base"/>
+            <a:r>
+              <a:rPr lang="en-US" dirty="0"/>
+              <a:t>if statements execute a block of code, if </a:t>
+            </a:r>
+            <a:r>
+              <a:rPr lang="en-US" b="1" dirty="0"/>
+              <a:t>true</a:t>
+            </a:r>
+            <a:r>
+              <a:rPr lang="en-US" dirty="0"/>
+              <a:t> in the condition </a:t>
+            </a:r>
+          </a:p>
+          <a:p>
+            <a:pPr fontAlgn="base"/>
+            <a:r>
+              <a:rPr lang="en-US" dirty="0"/>
+              <a:t>else statements execute a block of code, if </a:t>
+            </a:r>
+            <a:r>
+              <a:rPr lang="en-US" b="1" dirty="0"/>
+              <a:t>false</a:t>
+            </a:r>
+            <a:r>
+              <a:rPr lang="en-US" dirty="0"/>
+              <a:t> in an if condition (else is optional)</a:t>
+            </a:r>
+          </a:p>
+          <a:p>
+            <a:pPr fontAlgn="base"/>
+            <a:r>
+              <a:rPr lang="en-US" dirty="0"/>
+              <a:t>Practice </a:t>
+            </a:r>
+            <a:r>
+              <a:rPr lang="en-US" b="1" dirty="0"/>
+              <a:t>drawing</a:t>
+            </a:r>
+            <a:r>
+              <a:rPr lang="en-US" dirty="0"/>
+              <a:t> the tree!!</a:t>
+            </a:r>
+          </a:p>
+          <a:p>
+            <a:pPr lvl="1" fontAlgn="base"/>
+            <a:r>
+              <a:rPr lang="en-US" dirty="0"/>
+              <a:t>Really, makes them a lot easier, especially when nested</a:t>
+            </a:r>
+          </a:p>
+          <a:p>
+            <a:pPr lvl="1" fontAlgn="base"/>
+            <a:r>
+              <a:rPr lang="en-US" dirty="0"/>
+              <a:t>“never the two shall pass”</a:t>
+            </a:r>
+          </a:p>
+          <a:p>
+            <a:endParaRPr lang="en-US" dirty="0"/>
+          </a:p>
+        </p:txBody>
+      </p:sp>
+    </p:spTree>
+    <p:extLst>
+      <p:ext uri="{BB962C8B-B14F-4D97-AF65-F5344CB8AC3E}">
+        <p14:creationId xmlns:p14="http://schemas.microsoft.com/office/powerpoint/2010/main" val="3877744934"/>
+      </p:ext>
+    </p:extLst>
+  </p:cSld>
+  <p:clrMapOvr>
+    <a:masterClrMapping/>
+  </p:clrMapOvr>
+  <mc:AlternateContent xmlns:mc="http://schemas.openxmlformats.org/markup-compatibility/2006" xmlns:p14="http://schemas.microsoft.com/office/powerpoint/2010/main">
+    <mc:Choice Requires="p14">
+      <p:transition p14:dur="300">
+        <p:fade/>
+      </p:transition>
+    </mc:Choice>
+    <mc:Fallback xmlns="">
+      <p:transition>
+        <p:fade/>
+      </p:transition>
+    </mc:Fallback>
+  </mc:AlternateContent>
+</p:sld>
+</file>
+
 <file path=ppt/slides/slide2.xml><?xml version="1.0" encoding="utf-8"?>
+<p:sld xmlns:a="http://schemas.openxmlformats.org/drawingml/2006/main" xmlns:r="http://schemas.openxmlformats.org/officeDocument/2006/relationships" xmlns:p="http://schemas.openxmlformats.org/presentationml/2006/main">
+  <p:cSld>
+    <p:spTree>
+      <p:nvGrpSpPr>
+        <p:cNvPr id="1" name=""/>
+        <p:cNvGrpSpPr/>
+        <p:nvPr/>
+      </p:nvGrpSpPr>
+      <p:grpSpPr>
+        <a:xfrm>
+          <a:off x="0" y="0"/>
+          <a:ext cx="0" cy="0"/>
+          <a:chOff x="0" y="0"/>
+          <a:chExt cx="0" cy="0"/>
+        </a:xfrm>
+      </p:grpSpPr>
+      <p:sp>
+        <p:nvSpPr>
+          <p:cNvPr id="4" name="Title 3">
+            <a:extLst>
+              <a:ext uri="{FF2B5EF4-FFF2-40B4-BE49-F238E27FC236}">
+                <a16:creationId xmlns:a16="http://schemas.microsoft.com/office/drawing/2014/main" id="{620A3359-A41D-9C40-935A-8F4252BF43C8}"/>
+              </a:ext>
+            </a:extLst>
+          </p:cNvPr>
+          <p:cNvSpPr>
+            <a:spLocks noGrp="1"/>
+          </p:cNvSpPr>
+          <p:nvPr>
+            <p:ph type="title"/>
+          </p:nvPr>
+        </p:nvSpPr>
+        <p:spPr/>
+        <p:txBody>
+          <a:bodyPr/>
+          <a:lstStyle/>
+          <a:p>
+            <a:r>
+              <a:rPr lang="en-US" dirty="0"/>
+              <a:t>Announcements  </a:t>
+            </a:r>
+          </a:p>
+        </p:txBody>
+      </p:sp>
+      <p:sp>
+        <p:nvSpPr>
+          <p:cNvPr id="5" name="Text Placeholder 4">
+            <a:extLst>
+              <a:ext uri="{FF2B5EF4-FFF2-40B4-BE49-F238E27FC236}">
+                <a16:creationId xmlns:a16="http://schemas.microsoft.com/office/drawing/2014/main" id="{1B7401AB-3619-7845-BD24-DBB2ED3FAD99}"/>
+              </a:ext>
+            </a:extLst>
+          </p:cNvPr>
+          <p:cNvSpPr>
+            <a:spLocks noGrp="1"/>
+          </p:cNvSpPr>
+          <p:nvPr>
+            <p:ph type="body" sz="quarter" idx="10"/>
+          </p:nvPr>
+        </p:nvSpPr>
+        <p:spPr>
+          <a:xfrm>
+            <a:off x="628075" y="1776683"/>
+            <a:ext cx="12561453" cy="3590470"/>
+          </a:xfrm>
+        </p:spPr>
+        <p:txBody>
+          <a:bodyPr/>
+          <a:lstStyle/>
+          <a:p>
+            <a:r>
+              <a:rPr lang="en-US" dirty="0"/>
+              <a:t>Practical 1  -  work on it right away!</a:t>
+            </a:r>
+          </a:p>
+          <a:p>
+            <a:pPr lvl="1"/>
+            <a:r>
+              <a:rPr lang="en-US" dirty="0"/>
+              <a:t>Only three files have errors (rest are read only)</a:t>
+            </a:r>
+          </a:p>
+          <a:p>
+            <a:pPr lvl="1"/>
+            <a:r>
+              <a:rPr lang="en-US" dirty="0"/>
+              <a:t>Debugging is hard! </a:t>
+            </a:r>
+          </a:p>
+          <a:p>
+            <a:pPr lvl="2"/>
+            <a:r>
+              <a:rPr lang="en-US" dirty="0"/>
+              <a:t>Especially if you wait until all the code is written…</a:t>
+            </a:r>
+          </a:p>
+          <a:p>
+            <a:r>
+              <a:rPr lang="en-US" dirty="0"/>
+              <a:t>Next week:</a:t>
+            </a:r>
+          </a:p>
+          <a:p>
+            <a:pPr lvl="1"/>
+            <a:r>
+              <a:rPr lang="en-US" dirty="0"/>
+              <a:t>Monday – help on debugging / coding follow along</a:t>
+            </a:r>
+          </a:p>
+          <a:p>
+            <a:pPr lvl="1"/>
+            <a:r>
+              <a:rPr lang="en-US" dirty="0"/>
+              <a:t>Coding exam – Tuesday in Lab</a:t>
+            </a:r>
+          </a:p>
+          <a:p>
+            <a:pPr lvl="1"/>
+            <a:r>
+              <a:rPr lang="en-US" dirty="0"/>
+              <a:t>Wednesday  - review session – based purely on your questions</a:t>
+            </a:r>
+          </a:p>
+          <a:p>
+            <a:pPr lvl="1"/>
+            <a:r>
+              <a:rPr lang="en-US" dirty="0"/>
+              <a:t>Canvas exam – Thursday in Lab</a:t>
+            </a:r>
+          </a:p>
+        </p:txBody>
+      </p:sp>
+    </p:spTree>
+    <p:extLst>
+      <p:ext uri="{BB962C8B-B14F-4D97-AF65-F5344CB8AC3E}">
+        <p14:creationId xmlns:p14="http://schemas.microsoft.com/office/powerpoint/2010/main" val="2526592150"/>
+      </p:ext>
+    </p:extLst>
+  </p:cSld>
+  <p:clrMapOvr>
+    <a:masterClrMapping/>
+  </p:clrMapOvr>
+  <mc:AlternateContent xmlns:mc="http://schemas.openxmlformats.org/markup-compatibility/2006" xmlns:p14="http://schemas.microsoft.com/office/powerpoint/2010/main">
+    <mc:Choice Requires="p14">
+      <p:transition p14:dur="300">
+        <p:fade/>
+      </p:transition>
+    </mc:Choice>
+    <mc:Fallback xmlns="">
+      <p:transition>
+        <p:fade/>
+      </p:transition>
+    </mc:Fallback>
+  </mc:AlternateContent>
+</p:sld>
+</file>
+
+<file path=ppt/slides/slide3.xml><?xml version="1.0" encoding="utf-8"?>
+<p:sld xmlns:a="http://schemas.openxmlformats.org/drawingml/2006/main" xmlns:r="http://schemas.openxmlformats.org/officeDocument/2006/relationships" xmlns:p="http://schemas.openxmlformats.org/presentationml/2006/main">
+  <p:cSld>
+    <p:spTree>
+      <p:nvGrpSpPr>
+        <p:cNvPr id="1" name=""/>
+        <p:cNvGrpSpPr/>
+        <p:nvPr/>
+      </p:nvGrpSpPr>
+      <p:grpSpPr>
+        <a:xfrm>
+          <a:off x="0" y="0"/>
+          <a:ext cx="0" cy="0"/>
+          <a:chOff x="0" y="0"/>
+          <a:chExt cx="0" cy="0"/>
+        </a:xfrm>
+      </p:grpSpPr>
+      <p:sp>
+        <p:nvSpPr>
+          <p:cNvPr id="2" name="Title 1">
+            <a:extLst>
+              <a:ext uri="{FF2B5EF4-FFF2-40B4-BE49-F238E27FC236}">
+                <a16:creationId xmlns:a16="http://schemas.microsoft.com/office/drawing/2014/main" id="{83DD6C50-9D9F-9842-A32B-19B9DF43486E}"/>
+              </a:ext>
+            </a:extLst>
+          </p:cNvPr>
+          <p:cNvSpPr>
+            <a:spLocks noGrp="1"/>
+          </p:cNvSpPr>
+          <p:nvPr>
+            <p:ph type="title"/>
+          </p:nvPr>
+        </p:nvSpPr>
+        <p:spPr/>
+        <p:txBody>
+          <a:bodyPr/>
+          <a:lstStyle/>
+          <a:p>
+            <a:r>
+              <a:rPr lang="en-US" dirty="0"/>
+              <a:t>Reading Check-in</a:t>
+            </a:r>
+          </a:p>
+        </p:txBody>
+      </p:sp>
+      <p:sp>
+        <p:nvSpPr>
+          <p:cNvPr id="3" name="Text Placeholder 2">
+            <a:extLst>
+              <a:ext uri="{FF2B5EF4-FFF2-40B4-BE49-F238E27FC236}">
+                <a16:creationId xmlns:a16="http://schemas.microsoft.com/office/drawing/2014/main" id="{CD1C9BB5-2FD4-BD4D-BD0C-C8B2391EC783}"/>
+              </a:ext>
+            </a:extLst>
+          </p:cNvPr>
+          <p:cNvSpPr>
+            <a:spLocks noGrp="1"/>
+          </p:cNvSpPr>
+          <p:nvPr>
+            <p:ph type="body" sz="quarter" idx="10"/>
+          </p:nvPr>
+        </p:nvSpPr>
+        <p:spPr>
+          <a:xfrm>
+            <a:off x="6908800" y="4735782"/>
+            <a:ext cx="3753428" cy="529376"/>
+          </a:xfrm>
+        </p:spPr>
+        <p:txBody>
+          <a:bodyPr/>
+          <a:lstStyle/>
+          <a:p>
+            <a:r>
+              <a:rPr lang="en-US" sz="2000" dirty="0"/>
+              <a:t>What is printed?</a:t>
+            </a:r>
+          </a:p>
+        </p:txBody>
+      </p:sp>
+      <p:sp>
+        <p:nvSpPr>
+          <p:cNvPr id="5" name="TextBox 4">
+            <a:extLst>
+              <a:ext uri="{FF2B5EF4-FFF2-40B4-BE49-F238E27FC236}">
+                <a16:creationId xmlns:a16="http://schemas.microsoft.com/office/drawing/2014/main" id="{B4B559FD-F27B-3645-A4BD-29CBE57221AE}"/>
+              </a:ext>
+            </a:extLst>
+          </p:cNvPr>
+          <p:cNvSpPr txBox="1"/>
+          <p:nvPr/>
+        </p:nvSpPr>
+        <p:spPr>
+          <a:xfrm>
+            <a:off x="628075" y="1576257"/>
+            <a:ext cx="6908800" cy="5016758"/>
+          </a:xfrm>
+          <a:prstGeom prst="rect">
+            <a:avLst/>
+          </a:prstGeom>
+          <a:noFill/>
+        </p:spPr>
+        <p:txBody>
+          <a:bodyPr wrap="square">
+            <a:spAutoFit/>
+          </a:bodyPr>
+          <a:lstStyle/>
+          <a:p>
+            <a:r>
+              <a:rPr lang="en-US" dirty="0">
+                <a:solidFill>
+                  <a:srgbClr val="CC7832"/>
+                </a:solidFill>
+                <a:effectLst/>
+                <a:latin typeface="Consolas" panose="020B0609020204030204" pitchFamily="49" charset="0"/>
+                <a:cs typeface="Consolas" panose="020B0609020204030204" pitchFamily="49" charset="0"/>
+              </a:rPr>
+              <a:t>public static int </a:t>
+            </a:r>
+            <a:r>
+              <a:rPr lang="en-US" dirty="0" err="1">
+                <a:solidFill>
+                  <a:srgbClr val="FFC66D"/>
+                </a:solidFill>
+                <a:effectLst/>
+                <a:latin typeface="Consolas" panose="020B0609020204030204" pitchFamily="49" charset="0"/>
+                <a:cs typeface="Consolas" panose="020B0609020204030204" pitchFamily="49" charset="0"/>
+              </a:rPr>
+              <a:t>signCheck</a:t>
+            </a:r>
+            <a:r>
+              <a:rPr lang="en-US" dirty="0">
+                <a:latin typeface="Consolas" panose="020B0609020204030204" pitchFamily="49" charset="0"/>
+                <a:cs typeface="Consolas" panose="020B0609020204030204" pitchFamily="49" charset="0"/>
+              </a:rPr>
+              <a:t>(</a:t>
+            </a:r>
+            <a:r>
+              <a:rPr lang="en-US" dirty="0">
+                <a:solidFill>
+                  <a:srgbClr val="CC7832"/>
+                </a:solidFill>
+                <a:effectLst/>
+                <a:latin typeface="Consolas" panose="020B0609020204030204" pitchFamily="49" charset="0"/>
+                <a:cs typeface="Consolas" panose="020B0609020204030204" pitchFamily="49" charset="0"/>
+              </a:rPr>
+              <a:t>int </a:t>
+            </a:r>
+            <a:r>
+              <a:rPr lang="en-US" i="1" dirty="0">
+                <a:solidFill>
+                  <a:srgbClr val="9876AA"/>
+                </a:solidFill>
+                <a:effectLst/>
+                <a:latin typeface="Consolas" panose="020B0609020204030204" pitchFamily="49" charset="0"/>
+                <a:cs typeface="Consolas" panose="020B0609020204030204" pitchFamily="49" charset="0"/>
+              </a:rPr>
+              <a:t>y</a:t>
+            </a:r>
+            <a:r>
+              <a:rPr lang="en-US" dirty="0">
+                <a:latin typeface="Consolas" panose="020B0609020204030204" pitchFamily="49" charset="0"/>
+                <a:cs typeface="Consolas" panose="020B0609020204030204" pitchFamily="49" charset="0"/>
+              </a:rPr>
+              <a:t>) {</a:t>
+            </a:r>
+            <a:br>
+              <a:rPr lang="en-US" dirty="0">
+                <a:latin typeface="Consolas" panose="020B0609020204030204" pitchFamily="49" charset="0"/>
+                <a:cs typeface="Consolas" panose="020B0609020204030204" pitchFamily="49" charset="0"/>
+              </a:rPr>
+            </a:br>
+            <a:r>
+              <a:rPr lang="en-US" dirty="0">
+                <a:latin typeface="Consolas" panose="020B0609020204030204" pitchFamily="49" charset="0"/>
+                <a:cs typeface="Consolas" panose="020B0609020204030204" pitchFamily="49" charset="0"/>
+              </a:rPr>
+              <a:t>    </a:t>
+            </a:r>
+            <a:r>
+              <a:rPr lang="en-US" dirty="0">
+                <a:solidFill>
+                  <a:srgbClr val="CC7832"/>
+                </a:solidFill>
+                <a:effectLst/>
+                <a:latin typeface="Consolas" panose="020B0609020204030204" pitchFamily="49" charset="0"/>
+                <a:cs typeface="Consolas" panose="020B0609020204030204" pitchFamily="49" charset="0"/>
+              </a:rPr>
+              <a:t>int </a:t>
+            </a:r>
+            <a:r>
+              <a:rPr lang="en-US" i="1" dirty="0">
+                <a:solidFill>
+                  <a:srgbClr val="9876AA"/>
+                </a:solidFill>
+                <a:effectLst/>
+                <a:latin typeface="Consolas" panose="020B0609020204030204" pitchFamily="49" charset="0"/>
+                <a:cs typeface="Consolas" panose="020B0609020204030204" pitchFamily="49" charset="0"/>
+              </a:rPr>
+              <a:t>x </a:t>
+            </a:r>
+            <a:r>
+              <a:rPr lang="en-US" dirty="0">
+                <a:latin typeface="Consolas" panose="020B0609020204030204" pitchFamily="49" charset="0"/>
+                <a:cs typeface="Consolas" panose="020B0609020204030204" pitchFamily="49" charset="0"/>
+              </a:rPr>
+              <a:t>= </a:t>
+            </a:r>
+            <a:r>
+              <a:rPr lang="en-US" dirty="0">
+                <a:solidFill>
+                  <a:srgbClr val="6897BB"/>
+                </a:solidFill>
+                <a:effectLst/>
+                <a:latin typeface="Consolas" panose="020B0609020204030204" pitchFamily="49" charset="0"/>
+                <a:cs typeface="Consolas" panose="020B0609020204030204" pitchFamily="49" charset="0"/>
+              </a:rPr>
+              <a:t>0</a:t>
+            </a:r>
+            <a:r>
+              <a:rPr lang="en-US" dirty="0">
+                <a:solidFill>
+                  <a:srgbClr val="CC7832"/>
+                </a:solidFill>
+                <a:effectLst/>
+                <a:latin typeface="Consolas" panose="020B0609020204030204" pitchFamily="49" charset="0"/>
+                <a:cs typeface="Consolas" panose="020B0609020204030204" pitchFamily="49" charset="0"/>
+              </a:rPr>
+              <a:t>;</a:t>
+            </a:r>
+            <a:br>
+              <a:rPr lang="en-US" dirty="0">
+                <a:solidFill>
+                  <a:srgbClr val="CC7832"/>
+                </a:solidFill>
+                <a:effectLst/>
+                <a:latin typeface="Consolas" panose="020B0609020204030204" pitchFamily="49" charset="0"/>
+                <a:cs typeface="Consolas" panose="020B0609020204030204" pitchFamily="49" charset="0"/>
+              </a:rPr>
+            </a:br>
+            <a:r>
+              <a:rPr lang="en-US" dirty="0">
+                <a:solidFill>
+                  <a:srgbClr val="CC7832"/>
+                </a:solidFill>
+                <a:effectLst/>
+                <a:latin typeface="Consolas" panose="020B0609020204030204" pitchFamily="49" charset="0"/>
+                <a:cs typeface="Consolas" panose="020B0609020204030204" pitchFamily="49" charset="0"/>
+              </a:rPr>
+              <a:t>    if</a:t>
+            </a:r>
+            <a:r>
+              <a:rPr lang="en-US" dirty="0">
+                <a:latin typeface="Consolas" panose="020B0609020204030204" pitchFamily="49" charset="0"/>
+                <a:cs typeface="Consolas" panose="020B0609020204030204" pitchFamily="49" charset="0"/>
+              </a:rPr>
+              <a:t>(</a:t>
+            </a:r>
+            <a:r>
+              <a:rPr lang="en-US" i="1" dirty="0">
+                <a:solidFill>
+                  <a:srgbClr val="9876AA"/>
+                </a:solidFill>
+                <a:effectLst/>
+                <a:latin typeface="Consolas" panose="020B0609020204030204" pitchFamily="49" charset="0"/>
+                <a:cs typeface="Consolas" panose="020B0609020204030204" pitchFamily="49" charset="0"/>
+              </a:rPr>
+              <a:t>y </a:t>
+            </a:r>
+            <a:r>
+              <a:rPr lang="en-US" dirty="0">
+                <a:latin typeface="Consolas" panose="020B0609020204030204" pitchFamily="49" charset="0"/>
+                <a:cs typeface="Consolas" panose="020B0609020204030204" pitchFamily="49" charset="0"/>
+              </a:rPr>
+              <a:t>&gt; </a:t>
+            </a:r>
+            <a:r>
+              <a:rPr lang="en-US" i="1" dirty="0">
+                <a:solidFill>
+                  <a:srgbClr val="9876AA"/>
+                </a:solidFill>
+                <a:effectLst/>
+                <a:latin typeface="Consolas" panose="020B0609020204030204" pitchFamily="49" charset="0"/>
+                <a:cs typeface="Consolas" panose="020B0609020204030204" pitchFamily="49" charset="0"/>
+              </a:rPr>
+              <a:t>x</a:t>
+            </a:r>
+            <a:r>
+              <a:rPr lang="en-US" dirty="0">
+                <a:latin typeface="Consolas" panose="020B0609020204030204" pitchFamily="49" charset="0"/>
+                <a:cs typeface="Consolas" panose="020B0609020204030204" pitchFamily="49" charset="0"/>
+              </a:rPr>
+              <a:t>) {</a:t>
+            </a:r>
+            <a:br>
+              <a:rPr lang="en-US" dirty="0">
+                <a:latin typeface="Consolas" panose="020B0609020204030204" pitchFamily="49" charset="0"/>
+                <a:cs typeface="Consolas" panose="020B0609020204030204" pitchFamily="49" charset="0"/>
+              </a:rPr>
+            </a:br>
+            <a:r>
+              <a:rPr lang="en-US" dirty="0">
+                <a:latin typeface="Consolas" panose="020B0609020204030204" pitchFamily="49" charset="0"/>
+                <a:cs typeface="Consolas" panose="020B0609020204030204" pitchFamily="49" charset="0"/>
+              </a:rPr>
+              <a:t>        </a:t>
+            </a:r>
+            <a:r>
+              <a:rPr lang="en-US" i="1" dirty="0">
+                <a:solidFill>
+                  <a:srgbClr val="9876AA"/>
+                </a:solidFill>
+                <a:effectLst/>
+                <a:latin typeface="Consolas" panose="020B0609020204030204" pitchFamily="49" charset="0"/>
+                <a:cs typeface="Consolas" panose="020B0609020204030204" pitchFamily="49" charset="0"/>
+              </a:rPr>
+              <a:t>x </a:t>
+            </a:r>
+            <a:r>
+              <a:rPr lang="en-US" dirty="0">
+                <a:latin typeface="Consolas" panose="020B0609020204030204" pitchFamily="49" charset="0"/>
+                <a:cs typeface="Consolas" panose="020B0609020204030204" pitchFamily="49" charset="0"/>
+              </a:rPr>
+              <a:t>= -</a:t>
+            </a:r>
+            <a:r>
+              <a:rPr lang="en-US" i="1" dirty="0">
+                <a:solidFill>
+                  <a:srgbClr val="9876AA"/>
+                </a:solidFill>
+                <a:effectLst/>
+                <a:latin typeface="Consolas" panose="020B0609020204030204" pitchFamily="49" charset="0"/>
+                <a:cs typeface="Consolas" panose="020B0609020204030204" pitchFamily="49" charset="0"/>
+              </a:rPr>
+              <a:t>y</a:t>
+            </a:r>
+            <a:r>
+              <a:rPr lang="en-US" dirty="0">
+                <a:solidFill>
+                  <a:srgbClr val="CC7832"/>
+                </a:solidFill>
+                <a:effectLst/>
+                <a:latin typeface="Consolas" panose="020B0609020204030204" pitchFamily="49" charset="0"/>
+                <a:cs typeface="Consolas" panose="020B0609020204030204" pitchFamily="49" charset="0"/>
+              </a:rPr>
+              <a:t>;</a:t>
+            </a:r>
+            <a:br>
+              <a:rPr lang="en-US" dirty="0">
+                <a:solidFill>
+                  <a:srgbClr val="CC7832"/>
+                </a:solidFill>
+                <a:effectLst/>
+                <a:latin typeface="Consolas" panose="020B0609020204030204" pitchFamily="49" charset="0"/>
+                <a:cs typeface="Consolas" panose="020B0609020204030204" pitchFamily="49" charset="0"/>
+              </a:rPr>
+            </a:br>
+            <a:r>
+              <a:rPr lang="en-US" dirty="0">
+                <a:solidFill>
+                  <a:srgbClr val="CC7832"/>
+                </a:solidFill>
+                <a:effectLst/>
+                <a:latin typeface="Consolas" panose="020B0609020204030204" pitchFamily="49" charset="0"/>
+                <a:cs typeface="Consolas" panose="020B0609020204030204" pitchFamily="49" charset="0"/>
+              </a:rPr>
+              <a:t>    </a:t>
+            </a:r>
+            <a:r>
+              <a:rPr lang="en-US" dirty="0">
+                <a:latin typeface="Consolas" panose="020B0609020204030204" pitchFamily="49" charset="0"/>
+                <a:cs typeface="Consolas" panose="020B0609020204030204" pitchFamily="49" charset="0"/>
+              </a:rPr>
+              <a:t>}</a:t>
+            </a:r>
+            <a:br>
+              <a:rPr lang="en-US" dirty="0">
+                <a:latin typeface="Consolas" panose="020B0609020204030204" pitchFamily="49" charset="0"/>
+                <a:cs typeface="Consolas" panose="020B0609020204030204" pitchFamily="49" charset="0"/>
+              </a:rPr>
+            </a:br>
+            <a:r>
+              <a:rPr lang="en-US" dirty="0">
+                <a:latin typeface="Consolas" panose="020B0609020204030204" pitchFamily="49" charset="0"/>
+                <a:cs typeface="Consolas" panose="020B0609020204030204" pitchFamily="49" charset="0"/>
+              </a:rPr>
+              <a:t>    </a:t>
+            </a:r>
+            <a:r>
+              <a:rPr lang="en-US" dirty="0">
+                <a:solidFill>
+                  <a:srgbClr val="CC7832"/>
+                </a:solidFill>
+                <a:effectLst/>
+                <a:latin typeface="Consolas" panose="020B0609020204030204" pitchFamily="49" charset="0"/>
+                <a:cs typeface="Consolas" panose="020B0609020204030204" pitchFamily="49" charset="0"/>
+              </a:rPr>
+              <a:t>if</a:t>
+            </a:r>
+            <a:r>
+              <a:rPr lang="en-US" dirty="0">
+                <a:latin typeface="Consolas" panose="020B0609020204030204" pitchFamily="49" charset="0"/>
+                <a:cs typeface="Consolas" panose="020B0609020204030204" pitchFamily="49" charset="0"/>
+              </a:rPr>
+              <a:t>(</a:t>
+            </a:r>
+            <a:r>
+              <a:rPr lang="en-US" i="1" dirty="0">
+                <a:solidFill>
+                  <a:srgbClr val="9876AA"/>
+                </a:solidFill>
+                <a:effectLst/>
+                <a:latin typeface="Consolas" panose="020B0609020204030204" pitchFamily="49" charset="0"/>
+                <a:cs typeface="Consolas" panose="020B0609020204030204" pitchFamily="49" charset="0"/>
+              </a:rPr>
+              <a:t>y </a:t>
+            </a:r>
+            <a:r>
+              <a:rPr lang="en-US" dirty="0">
+                <a:latin typeface="Consolas" panose="020B0609020204030204" pitchFamily="49" charset="0"/>
+                <a:cs typeface="Consolas" panose="020B0609020204030204" pitchFamily="49" charset="0"/>
+              </a:rPr>
+              <a:t>&lt; </a:t>
+            </a:r>
+            <a:r>
+              <a:rPr lang="en-US" i="1" dirty="0">
+                <a:solidFill>
+                  <a:srgbClr val="9876AA"/>
+                </a:solidFill>
+                <a:effectLst/>
+                <a:latin typeface="Consolas" panose="020B0609020204030204" pitchFamily="49" charset="0"/>
+                <a:cs typeface="Consolas" panose="020B0609020204030204" pitchFamily="49" charset="0"/>
+              </a:rPr>
+              <a:t>x</a:t>
+            </a:r>
+            <a:r>
+              <a:rPr lang="en-US" dirty="0">
+                <a:latin typeface="Consolas" panose="020B0609020204030204" pitchFamily="49" charset="0"/>
+                <a:cs typeface="Consolas" panose="020B0609020204030204" pitchFamily="49" charset="0"/>
+              </a:rPr>
+              <a:t>) {</a:t>
+            </a:r>
+            <a:br>
+              <a:rPr lang="en-US" dirty="0">
+                <a:latin typeface="Consolas" panose="020B0609020204030204" pitchFamily="49" charset="0"/>
+                <a:cs typeface="Consolas" panose="020B0609020204030204" pitchFamily="49" charset="0"/>
+              </a:rPr>
+            </a:br>
+            <a:r>
+              <a:rPr lang="en-US" dirty="0">
+                <a:latin typeface="Consolas" panose="020B0609020204030204" pitchFamily="49" charset="0"/>
+                <a:cs typeface="Consolas" panose="020B0609020204030204" pitchFamily="49" charset="0"/>
+              </a:rPr>
+              <a:t>        </a:t>
+            </a:r>
+            <a:r>
+              <a:rPr lang="en-US" i="1" dirty="0">
+                <a:solidFill>
+                  <a:srgbClr val="9876AA"/>
+                </a:solidFill>
+                <a:effectLst/>
+                <a:latin typeface="Consolas" panose="020B0609020204030204" pitchFamily="49" charset="0"/>
+                <a:cs typeface="Consolas" panose="020B0609020204030204" pitchFamily="49" charset="0"/>
+              </a:rPr>
+              <a:t>x </a:t>
+            </a:r>
+            <a:r>
+              <a:rPr lang="en-US" dirty="0">
+                <a:latin typeface="Consolas" panose="020B0609020204030204" pitchFamily="49" charset="0"/>
+                <a:cs typeface="Consolas" panose="020B0609020204030204" pitchFamily="49" charset="0"/>
+              </a:rPr>
+              <a:t>= </a:t>
+            </a:r>
+            <a:r>
+              <a:rPr lang="en-US" i="1" dirty="0">
+                <a:solidFill>
+                  <a:srgbClr val="9876AA"/>
+                </a:solidFill>
+                <a:effectLst/>
+                <a:latin typeface="Consolas" panose="020B0609020204030204" pitchFamily="49" charset="0"/>
+                <a:cs typeface="Consolas" panose="020B0609020204030204" pitchFamily="49" charset="0"/>
+              </a:rPr>
+              <a:t>y</a:t>
+            </a:r>
+            <a:r>
+              <a:rPr lang="en-US" dirty="0">
+                <a:solidFill>
+                  <a:srgbClr val="CC7832"/>
+                </a:solidFill>
+                <a:effectLst/>
+                <a:latin typeface="Consolas" panose="020B0609020204030204" pitchFamily="49" charset="0"/>
+                <a:cs typeface="Consolas" panose="020B0609020204030204" pitchFamily="49" charset="0"/>
+              </a:rPr>
+              <a:t>;</a:t>
+            </a:r>
+            <a:br>
+              <a:rPr lang="en-US" dirty="0">
+                <a:solidFill>
+                  <a:srgbClr val="CC7832"/>
+                </a:solidFill>
+                <a:effectLst/>
+                <a:latin typeface="Consolas" panose="020B0609020204030204" pitchFamily="49" charset="0"/>
+                <a:cs typeface="Consolas" panose="020B0609020204030204" pitchFamily="49" charset="0"/>
+              </a:rPr>
+            </a:br>
+            <a:r>
+              <a:rPr lang="en-US" dirty="0">
+                <a:solidFill>
+                  <a:srgbClr val="CC7832"/>
+                </a:solidFill>
+                <a:effectLst/>
+                <a:latin typeface="Consolas" panose="020B0609020204030204" pitchFamily="49" charset="0"/>
+                <a:cs typeface="Consolas" panose="020B0609020204030204" pitchFamily="49" charset="0"/>
+              </a:rPr>
+              <a:t>    </a:t>
+            </a:r>
+            <a:r>
+              <a:rPr lang="en-US" dirty="0">
+                <a:latin typeface="Consolas" panose="020B0609020204030204" pitchFamily="49" charset="0"/>
+                <a:cs typeface="Consolas" panose="020B0609020204030204" pitchFamily="49" charset="0"/>
+              </a:rPr>
+              <a:t>}</a:t>
+            </a:r>
+            <a:br>
+              <a:rPr lang="en-US" dirty="0">
+                <a:latin typeface="Consolas" panose="020B0609020204030204" pitchFamily="49" charset="0"/>
+                <a:cs typeface="Consolas" panose="020B0609020204030204" pitchFamily="49" charset="0"/>
+              </a:rPr>
+            </a:br>
+            <a:r>
+              <a:rPr lang="en-US" dirty="0">
+                <a:latin typeface="Consolas" panose="020B0609020204030204" pitchFamily="49" charset="0"/>
+                <a:cs typeface="Consolas" panose="020B0609020204030204" pitchFamily="49" charset="0"/>
+              </a:rPr>
+              <a:t>    </a:t>
+            </a:r>
+            <a:r>
+              <a:rPr lang="en-US" dirty="0">
+                <a:solidFill>
+                  <a:srgbClr val="CC7832"/>
+                </a:solidFill>
+                <a:effectLst/>
+                <a:latin typeface="Consolas" panose="020B0609020204030204" pitchFamily="49" charset="0"/>
+                <a:cs typeface="Consolas" panose="020B0609020204030204" pitchFamily="49" charset="0"/>
+              </a:rPr>
+              <a:t>if </a:t>
+            </a:r>
+            <a:r>
+              <a:rPr lang="en-US" dirty="0">
+                <a:latin typeface="Consolas" panose="020B0609020204030204" pitchFamily="49" charset="0"/>
+                <a:cs typeface="Consolas" panose="020B0609020204030204" pitchFamily="49" charset="0"/>
+              </a:rPr>
+              <a:t>(</a:t>
+            </a:r>
+            <a:r>
+              <a:rPr lang="en-US" i="1" dirty="0" err="1">
+                <a:solidFill>
+                  <a:srgbClr val="9876AA"/>
+                </a:solidFill>
+                <a:effectLst/>
+                <a:latin typeface="Consolas" panose="020B0609020204030204" pitchFamily="49" charset="0"/>
+                <a:cs typeface="Consolas" panose="020B0609020204030204" pitchFamily="49" charset="0"/>
+              </a:rPr>
+              <a:t>y</a:t>
+            </a:r>
+            <a:r>
+              <a:rPr lang="en-US" dirty="0" err="1">
+                <a:latin typeface="Consolas" panose="020B0609020204030204" pitchFamily="49" charset="0"/>
+                <a:cs typeface="Consolas" panose="020B0609020204030204" pitchFamily="49" charset="0"/>
+              </a:rPr>
+              <a:t>+</a:t>
+            </a:r>
+            <a:r>
+              <a:rPr lang="en-US" i="1" dirty="0" err="1">
+                <a:solidFill>
+                  <a:srgbClr val="9876AA"/>
+                </a:solidFill>
+                <a:effectLst/>
+                <a:latin typeface="Consolas" panose="020B0609020204030204" pitchFamily="49" charset="0"/>
+                <a:cs typeface="Consolas" panose="020B0609020204030204" pitchFamily="49" charset="0"/>
+              </a:rPr>
+              <a:t>x</a:t>
+            </a:r>
+            <a:r>
+              <a:rPr lang="en-US" i="1" dirty="0">
+                <a:solidFill>
+                  <a:srgbClr val="9876AA"/>
+                </a:solidFill>
+                <a:effectLst/>
+                <a:latin typeface="Consolas" panose="020B0609020204030204" pitchFamily="49" charset="0"/>
+                <a:cs typeface="Consolas" panose="020B0609020204030204" pitchFamily="49" charset="0"/>
+              </a:rPr>
+              <a:t> </a:t>
+            </a:r>
+            <a:r>
+              <a:rPr lang="en-US" dirty="0">
+                <a:latin typeface="Consolas" panose="020B0609020204030204" pitchFamily="49" charset="0"/>
+                <a:cs typeface="Consolas" panose="020B0609020204030204" pitchFamily="49" charset="0"/>
+              </a:rPr>
+              <a:t>&lt; </a:t>
+            </a:r>
+            <a:r>
+              <a:rPr lang="en-US" i="1" dirty="0">
+                <a:solidFill>
+                  <a:srgbClr val="9876AA"/>
+                </a:solidFill>
+                <a:effectLst/>
+                <a:latin typeface="Consolas" panose="020B0609020204030204" pitchFamily="49" charset="0"/>
+                <a:cs typeface="Consolas" panose="020B0609020204030204" pitchFamily="49" charset="0"/>
+              </a:rPr>
+              <a:t>x</a:t>
+            </a:r>
+            <a:r>
+              <a:rPr lang="en-US" dirty="0">
+                <a:latin typeface="Consolas" panose="020B0609020204030204" pitchFamily="49" charset="0"/>
+                <a:cs typeface="Consolas" panose="020B0609020204030204" pitchFamily="49" charset="0"/>
+              </a:rPr>
+              <a:t>) {</a:t>
+            </a:r>
+            <a:br>
+              <a:rPr lang="en-US" dirty="0">
+                <a:latin typeface="Consolas" panose="020B0609020204030204" pitchFamily="49" charset="0"/>
+                <a:cs typeface="Consolas" panose="020B0609020204030204" pitchFamily="49" charset="0"/>
+              </a:rPr>
+            </a:br>
+            <a:r>
+              <a:rPr lang="en-US" dirty="0">
+                <a:latin typeface="Consolas" panose="020B0609020204030204" pitchFamily="49" charset="0"/>
+                <a:cs typeface="Consolas" panose="020B0609020204030204" pitchFamily="49" charset="0"/>
+              </a:rPr>
+              <a:t>        </a:t>
+            </a:r>
+            <a:r>
+              <a:rPr lang="en-US" dirty="0">
+                <a:solidFill>
+                  <a:srgbClr val="CC7832"/>
+                </a:solidFill>
+                <a:effectLst/>
+                <a:latin typeface="Consolas" panose="020B0609020204030204" pitchFamily="49" charset="0"/>
+                <a:cs typeface="Consolas" panose="020B0609020204030204" pitchFamily="49" charset="0"/>
+              </a:rPr>
+              <a:t>return </a:t>
+            </a:r>
+            <a:r>
+              <a:rPr lang="en-US" dirty="0">
+                <a:latin typeface="Consolas" panose="020B0609020204030204" pitchFamily="49" charset="0"/>
+                <a:cs typeface="Consolas" panose="020B0609020204030204" pitchFamily="49" charset="0"/>
+              </a:rPr>
+              <a:t>-</a:t>
+            </a:r>
+            <a:r>
+              <a:rPr lang="en-US" dirty="0">
+                <a:solidFill>
+                  <a:srgbClr val="6897BB"/>
+                </a:solidFill>
+                <a:effectLst/>
+                <a:latin typeface="Consolas" panose="020B0609020204030204" pitchFamily="49" charset="0"/>
+                <a:cs typeface="Consolas" panose="020B0609020204030204" pitchFamily="49" charset="0"/>
+              </a:rPr>
+              <a:t>1</a:t>
+            </a:r>
+            <a:r>
+              <a:rPr lang="en-US" dirty="0">
+                <a:solidFill>
+                  <a:srgbClr val="CC7832"/>
+                </a:solidFill>
+                <a:effectLst/>
+                <a:latin typeface="Consolas" panose="020B0609020204030204" pitchFamily="49" charset="0"/>
+                <a:cs typeface="Consolas" panose="020B0609020204030204" pitchFamily="49" charset="0"/>
+              </a:rPr>
+              <a:t>;</a:t>
+            </a:r>
+            <a:br>
+              <a:rPr lang="en-US" dirty="0">
+                <a:solidFill>
+                  <a:srgbClr val="CC7832"/>
+                </a:solidFill>
+                <a:effectLst/>
+                <a:latin typeface="Consolas" panose="020B0609020204030204" pitchFamily="49" charset="0"/>
+                <a:cs typeface="Consolas" panose="020B0609020204030204" pitchFamily="49" charset="0"/>
+              </a:rPr>
+            </a:br>
+            <a:r>
+              <a:rPr lang="en-US" dirty="0">
+                <a:solidFill>
+                  <a:srgbClr val="CC7832"/>
+                </a:solidFill>
+                <a:effectLst/>
+                <a:latin typeface="Consolas" panose="020B0609020204030204" pitchFamily="49" charset="0"/>
+                <a:cs typeface="Consolas" panose="020B0609020204030204" pitchFamily="49" charset="0"/>
+              </a:rPr>
+              <a:t>    </a:t>
+            </a:r>
+            <a:r>
+              <a:rPr lang="en-US" dirty="0">
+                <a:latin typeface="Consolas" panose="020B0609020204030204" pitchFamily="49" charset="0"/>
+                <a:cs typeface="Consolas" panose="020B0609020204030204" pitchFamily="49" charset="0"/>
+              </a:rPr>
+              <a:t>}</a:t>
+            </a:r>
+            <a:br>
+              <a:rPr lang="en-US" dirty="0">
+                <a:latin typeface="Consolas" panose="020B0609020204030204" pitchFamily="49" charset="0"/>
+                <a:cs typeface="Consolas" panose="020B0609020204030204" pitchFamily="49" charset="0"/>
+              </a:rPr>
+            </a:br>
+            <a:r>
+              <a:rPr lang="en-US" dirty="0">
+                <a:latin typeface="Consolas" panose="020B0609020204030204" pitchFamily="49" charset="0"/>
+                <a:cs typeface="Consolas" panose="020B0609020204030204" pitchFamily="49" charset="0"/>
+              </a:rPr>
+              <a:t>    </a:t>
+            </a:r>
+            <a:r>
+              <a:rPr lang="en-US" dirty="0">
+                <a:solidFill>
+                  <a:srgbClr val="CC7832"/>
+                </a:solidFill>
+                <a:effectLst/>
+                <a:latin typeface="Consolas" panose="020B0609020204030204" pitchFamily="49" charset="0"/>
+                <a:cs typeface="Consolas" panose="020B0609020204030204" pitchFamily="49" charset="0"/>
+              </a:rPr>
+              <a:t>if </a:t>
+            </a:r>
+            <a:r>
+              <a:rPr lang="en-US" dirty="0">
+                <a:latin typeface="Consolas" panose="020B0609020204030204" pitchFamily="49" charset="0"/>
+                <a:cs typeface="Consolas" panose="020B0609020204030204" pitchFamily="49" charset="0"/>
+              </a:rPr>
+              <a:t>(</a:t>
+            </a:r>
+            <a:r>
+              <a:rPr lang="en-US" i="1" dirty="0">
+                <a:solidFill>
+                  <a:srgbClr val="9876AA"/>
+                </a:solidFill>
+                <a:effectLst/>
+                <a:latin typeface="Consolas" panose="020B0609020204030204" pitchFamily="49" charset="0"/>
+                <a:cs typeface="Consolas" panose="020B0609020204030204" pitchFamily="49" charset="0"/>
+              </a:rPr>
+              <a:t>x</a:t>
+            </a:r>
+            <a:r>
+              <a:rPr lang="en-US" dirty="0">
+                <a:latin typeface="Consolas" panose="020B0609020204030204" pitchFamily="49" charset="0"/>
+                <a:cs typeface="Consolas" panose="020B0609020204030204" pitchFamily="49" charset="0"/>
+              </a:rPr>
+              <a:t>-</a:t>
+            </a:r>
+            <a:r>
+              <a:rPr lang="en-US" i="1" dirty="0">
+                <a:solidFill>
+                  <a:srgbClr val="9876AA"/>
+                </a:solidFill>
+                <a:effectLst/>
+                <a:latin typeface="Consolas" panose="020B0609020204030204" pitchFamily="49" charset="0"/>
+                <a:cs typeface="Consolas" panose="020B0609020204030204" pitchFamily="49" charset="0"/>
+              </a:rPr>
+              <a:t>y </a:t>
+            </a:r>
+            <a:r>
+              <a:rPr lang="en-US" dirty="0">
+                <a:latin typeface="Consolas" panose="020B0609020204030204" pitchFamily="49" charset="0"/>
+                <a:cs typeface="Consolas" panose="020B0609020204030204" pitchFamily="49" charset="0"/>
+              </a:rPr>
+              <a:t>&lt; </a:t>
+            </a:r>
+            <a:r>
+              <a:rPr lang="en-US" i="1" dirty="0">
+                <a:solidFill>
+                  <a:srgbClr val="9876AA"/>
+                </a:solidFill>
+                <a:effectLst/>
+                <a:latin typeface="Consolas" panose="020B0609020204030204" pitchFamily="49" charset="0"/>
+                <a:cs typeface="Consolas" panose="020B0609020204030204" pitchFamily="49" charset="0"/>
+              </a:rPr>
+              <a:t>x </a:t>
+            </a:r>
+            <a:r>
+              <a:rPr lang="en-US" dirty="0">
+                <a:latin typeface="Consolas" panose="020B0609020204030204" pitchFamily="49" charset="0"/>
+                <a:cs typeface="Consolas" panose="020B0609020204030204" pitchFamily="49" charset="0"/>
+              </a:rPr>
+              <a:t>) {</a:t>
+            </a:r>
+            <a:br>
+              <a:rPr lang="en-US" dirty="0">
+                <a:latin typeface="Consolas" panose="020B0609020204030204" pitchFamily="49" charset="0"/>
+                <a:cs typeface="Consolas" panose="020B0609020204030204" pitchFamily="49" charset="0"/>
+              </a:rPr>
+            </a:br>
+            <a:r>
+              <a:rPr lang="en-US" dirty="0">
+                <a:latin typeface="Consolas" panose="020B0609020204030204" pitchFamily="49" charset="0"/>
+                <a:cs typeface="Consolas" panose="020B0609020204030204" pitchFamily="49" charset="0"/>
+              </a:rPr>
+              <a:t>        </a:t>
+            </a:r>
+            <a:r>
+              <a:rPr lang="en-US" dirty="0">
+                <a:solidFill>
+                  <a:srgbClr val="CC7832"/>
+                </a:solidFill>
+                <a:effectLst/>
+                <a:latin typeface="Consolas" panose="020B0609020204030204" pitchFamily="49" charset="0"/>
+                <a:cs typeface="Consolas" panose="020B0609020204030204" pitchFamily="49" charset="0"/>
+              </a:rPr>
+              <a:t>return </a:t>
+            </a:r>
+            <a:r>
+              <a:rPr lang="en-US" dirty="0">
+                <a:solidFill>
+                  <a:srgbClr val="6897BB"/>
+                </a:solidFill>
+                <a:effectLst/>
+                <a:latin typeface="Consolas" panose="020B0609020204030204" pitchFamily="49" charset="0"/>
+                <a:cs typeface="Consolas" panose="020B0609020204030204" pitchFamily="49" charset="0"/>
+              </a:rPr>
+              <a:t>1</a:t>
+            </a:r>
+            <a:r>
+              <a:rPr lang="en-US" dirty="0">
+                <a:solidFill>
+                  <a:srgbClr val="CC7832"/>
+                </a:solidFill>
+                <a:effectLst/>
+                <a:latin typeface="Consolas" panose="020B0609020204030204" pitchFamily="49" charset="0"/>
+                <a:cs typeface="Consolas" panose="020B0609020204030204" pitchFamily="49" charset="0"/>
+              </a:rPr>
+              <a:t>;</a:t>
+            </a:r>
+            <a:br>
+              <a:rPr lang="en-US" dirty="0">
+                <a:solidFill>
+                  <a:srgbClr val="CC7832"/>
+                </a:solidFill>
+                <a:effectLst/>
+                <a:latin typeface="Consolas" panose="020B0609020204030204" pitchFamily="49" charset="0"/>
+                <a:cs typeface="Consolas" panose="020B0609020204030204" pitchFamily="49" charset="0"/>
+              </a:rPr>
+            </a:br>
+            <a:r>
+              <a:rPr lang="en-US" dirty="0">
+                <a:solidFill>
+                  <a:srgbClr val="CC7832"/>
+                </a:solidFill>
+                <a:effectLst/>
+                <a:latin typeface="Consolas" panose="020B0609020204030204" pitchFamily="49" charset="0"/>
+                <a:cs typeface="Consolas" panose="020B0609020204030204" pitchFamily="49" charset="0"/>
+              </a:rPr>
+              <a:t>    </a:t>
+            </a:r>
+            <a:r>
+              <a:rPr lang="en-US" dirty="0">
+                <a:latin typeface="Consolas" panose="020B0609020204030204" pitchFamily="49" charset="0"/>
+                <a:cs typeface="Consolas" panose="020B0609020204030204" pitchFamily="49" charset="0"/>
+              </a:rPr>
+              <a:t>}</a:t>
+            </a:r>
+            <a:br>
+              <a:rPr lang="en-US" dirty="0">
+                <a:latin typeface="Consolas" panose="020B0609020204030204" pitchFamily="49" charset="0"/>
+                <a:cs typeface="Consolas" panose="020B0609020204030204" pitchFamily="49" charset="0"/>
+              </a:rPr>
+            </a:br>
+            <a:r>
+              <a:rPr lang="en-US" dirty="0">
+                <a:latin typeface="Consolas" panose="020B0609020204030204" pitchFamily="49" charset="0"/>
+                <a:cs typeface="Consolas" panose="020B0609020204030204" pitchFamily="49" charset="0"/>
+              </a:rPr>
+              <a:t>    </a:t>
+            </a:r>
+            <a:r>
+              <a:rPr lang="en-US" dirty="0">
+                <a:solidFill>
+                  <a:srgbClr val="CC7832"/>
+                </a:solidFill>
+                <a:effectLst/>
+                <a:latin typeface="Consolas" panose="020B0609020204030204" pitchFamily="49" charset="0"/>
+                <a:cs typeface="Consolas" panose="020B0609020204030204" pitchFamily="49" charset="0"/>
+              </a:rPr>
+              <a:t>return </a:t>
+            </a:r>
+            <a:r>
+              <a:rPr lang="en-US" dirty="0">
+                <a:solidFill>
+                  <a:srgbClr val="6897BB"/>
+                </a:solidFill>
+                <a:effectLst/>
+                <a:latin typeface="Consolas" panose="020B0609020204030204" pitchFamily="49" charset="0"/>
+                <a:cs typeface="Consolas" panose="020B0609020204030204" pitchFamily="49" charset="0"/>
+              </a:rPr>
+              <a:t>0</a:t>
+            </a:r>
+            <a:r>
+              <a:rPr lang="en-US" dirty="0">
+                <a:solidFill>
+                  <a:srgbClr val="CC7832"/>
+                </a:solidFill>
+                <a:effectLst/>
+                <a:latin typeface="Consolas" panose="020B0609020204030204" pitchFamily="49" charset="0"/>
+                <a:cs typeface="Consolas" panose="020B0609020204030204" pitchFamily="49" charset="0"/>
+              </a:rPr>
+              <a:t>;</a:t>
+            </a:r>
+            <a:br>
+              <a:rPr lang="en-US" dirty="0">
+                <a:solidFill>
+                  <a:srgbClr val="CC7832"/>
+                </a:solidFill>
+                <a:effectLst/>
+                <a:latin typeface="Consolas" panose="020B0609020204030204" pitchFamily="49" charset="0"/>
+                <a:cs typeface="Consolas" panose="020B0609020204030204" pitchFamily="49" charset="0"/>
+              </a:rPr>
+            </a:br>
+            <a:r>
+              <a:rPr lang="en-US" dirty="0">
+                <a:latin typeface="Consolas" panose="020B0609020204030204" pitchFamily="49" charset="0"/>
+                <a:cs typeface="Consolas" panose="020B0609020204030204" pitchFamily="49" charset="0"/>
+              </a:rPr>
+              <a:t>}</a:t>
+            </a:r>
+          </a:p>
+        </p:txBody>
+      </p:sp>
+      <p:sp>
+        <p:nvSpPr>
+          <p:cNvPr id="7" name="TextBox 6">
+            <a:extLst>
+              <a:ext uri="{FF2B5EF4-FFF2-40B4-BE49-F238E27FC236}">
+                <a16:creationId xmlns:a16="http://schemas.microsoft.com/office/drawing/2014/main" id="{C29FFE73-70F1-3E40-B696-D43F0FE3D7F6}"/>
+              </a:ext>
+            </a:extLst>
+          </p:cNvPr>
+          <p:cNvSpPr txBox="1"/>
+          <p:nvPr/>
+        </p:nvSpPr>
+        <p:spPr>
+          <a:xfrm>
+            <a:off x="6908800" y="1576257"/>
+            <a:ext cx="6032500" cy="1015663"/>
+          </a:xfrm>
+          <a:prstGeom prst="rect">
+            <a:avLst/>
+          </a:prstGeom>
+          <a:noFill/>
+        </p:spPr>
+        <p:txBody>
+          <a:bodyPr wrap="square">
+            <a:spAutoFit/>
+          </a:bodyPr>
+          <a:lstStyle/>
+          <a:p>
+            <a:r>
+              <a:rPr lang="en-US" dirty="0">
+                <a:solidFill>
+                  <a:srgbClr val="CC7832"/>
+                </a:solidFill>
+                <a:effectLst/>
+                <a:latin typeface="Consolas" panose="020B0609020204030204" pitchFamily="49" charset="0"/>
+                <a:cs typeface="Consolas" panose="020B0609020204030204" pitchFamily="49" charset="0"/>
+              </a:rPr>
+              <a:t>public static void </a:t>
+            </a:r>
+            <a:r>
+              <a:rPr lang="en-US" dirty="0">
+                <a:solidFill>
+                  <a:srgbClr val="FFC66D"/>
+                </a:solidFill>
+                <a:effectLst/>
+                <a:latin typeface="Consolas" panose="020B0609020204030204" pitchFamily="49" charset="0"/>
+                <a:cs typeface="Consolas" panose="020B0609020204030204" pitchFamily="49" charset="0"/>
+              </a:rPr>
+              <a:t>main</a:t>
+            </a:r>
+            <a:r>
+              <a:rPr lang="en-US" dirty="0">
+                <a:latin typeface="Consolas" panose="020B0609020204030204" pitchFamily="49" charset="0"/>
+                <a:cs typeface="Consolas" panose="020B0609020204030204" pitchFamily="49" charset="0"/>
+              </a:rPr>
+              <a:t>(String[] </a:t>
+            </a:r>
+            <a:r>
+              <a:rPr lang="en-US" i="1" dirty="0" err="1">
+                <a:solidFill>
+                  <a:srgbClr val="9876AA"/>
+                </a:solidFill>
+                <a:effectLst/>
+                <a:latin typeface="Consolas" panose="020B0609020204030204" pitchFamily="49" charset="0"/>
+                <a:cs typeface="Consolas" panose="020B0609020204030204" pitchFamily="49" charset="0"/>
+              </a:rPr>
+              <a:t>args</a:t>
+            </a:r>
+            <a:r>
+              <a:rPr lang="en-US" dirty="0">
+                <a:latin typeface="Consolas" panose="020B0609020204030204" pitchFamily="49" charset="0"/>
+                <a:cs typeface="Consolas" panose="020B0609020204030204" pitchFamily="49" charset="0"/>
+              </a:rPr>
+              <a:t>){</a:t>
+            </a:r>
+            <a:br>
+              <a:rPr lang="en-US" dirty="0">
+                <a:latin typeface="Consolas" panose="020B0609020204030204" pitchFamily="49" charset="0"/>
+                <a:cs typeface="Consolas" panose="020B0609020204030204" pitchFamily="49" charset="0"/>
+              </a:rPr>
+            </a:br>
+            <a:r>
+              <a:rPr lang="en-US" dirty="0">
+                <a:latin typeface="Consolas" panose="020B0609020204030204" pitchFamily="49" charset="0"/>
+                <a:cs typeface="Consolas" panose="020B0609020204030204" pitchFamily="49" charset="0"/>
+              </a:rPr>
+              <a:t>    </a:t>
+            </a:r>
+            <a:r>
+              <a:rPr lang="en-US" dirty="0" err="1">
+                <a:latin typeface="Consolas" panose="020B0609020204030204" pitchFamily="49" charset="0"/>
+                <a:cs typeface="Consolas" panose="020B0609020204030204" pitchFamily="49" charset="0"/>
+              </a:rPr>
+              <a:t>System.</a:t>
+            </a:r>
+            <a:r>
+              <a:rPr lang="en-US" i="1" dirty="0" err="1">
+                <a:solidFill>
+                  <a:srgbClr val="9876AA"/>
+                </a:solidFill>
+                <a:effectLst/>
+                <a:latin typeface="Consolas" panose="020B0609020204030204" pitchFamily="49" charset="0"/>
+                <a:cs typeface="Consolas" panose="020B0609020204030204" pitchFamily="49" charset="0"/>
+              </a:rPr>
+              <a:t>out</a:t>
+            </a:r>
+            <a:r>
+              <a:rPr lang="en-US" dirty="0" err="1">
+                <a:latin typeface="Consolas" panose="020B0609020204030204" pitchFamily="49" charset="0"/>
+                <a:cs typeface="Consolas" panose="020B0609020204030204" pitchFamily="49" charset="0"/>
+              </a:rPr>
+              <a:t>.println</a:t>
+            </a:r>
+            <a:r>
+              <a:rPr lang="en-US" dirty="0">
+                <a:latin typeface="Consolas" panose="020B0609020204030204" pitchFamily="49" charset="0"/>
+                <a:cs typeface="Consolas" panose="020B0609020204030204" pitchFamily="49" charset="0"/>
+              </a:rPr>
+              <a:t>(</a:t>
+            </a:r>
+            <a:r>
+              <a:rPr lang="en-US" i="1" dirty="0" err="1">
+                <a:effectLst/>
+                <a:latin typeface="Consolas" panose="020B0609020204030204" pitchFamily="49" charset="0"/>
+                <a:cs typeface="Consolas" panose="020B0609020204030204" pitchFamily="49" charset="0"/>
+              </a:rPr>
+              <a:t>signCheck</a:t>
+            </a:r>
+            <a:r>
+              <a:rPr lang="en-US" dirty="0">
+                <a:latin typeface="Consolas" panose="020B0609020204030204" pitchFamily="49" charset="0"/>
+                <a:cs typeface="Consolas" panose="020B0609020204030204" pitchFamily="49" charset="0"/>
+              </a:rPr>
+              <a:t>(</a:t>
+            </a:r>
+            <a:r>
+              <a:rPr lang="en-US" dirty="0">
+                <a:solidFill>
+                  <a:srgbClr val="6897BB"/>
+                </a:solidFill>
+                <a:effectLst/>
+                <a:latin typeface="Consolas" panose="020B0609020204030204" pitchFamily="49" charset="0"/>
+                <a:cs typeface="Consolas" panose="020B0609020204030204" pitchFamily="49" charset="0"/>
+              </a:rPr>
+              <a:t>0</a:t>
+            </a:r>
+            <a:r>
+              <a:rPr lang="en-US" dirty="0">
+                <a:latin typeface="Consolas" panose="020B0609020204030204" pitchFamily="49" charset="0"/>
+                <a:cs typeface="Consolas" panose="020B0609020204030204" pitchFamily="49" charset="0"/>
+              </a:rPr>
+              <a:t>))</a:t>
+            </a:r>
+            <a:r>
+              <a:rPr lang="en-US" dirty="0">
+                <a:solidFill>
+                  <a:srgbClr val="CC7832"/>
+                </a:solidFill>
+                <a:effectLst/>
+                <a:latin typeface="Consolas" panose="020B0609020204030204" pitchFamily="49" charset="0"/>
+                <a:cs typeface="Consolas" panose="020B0609020204030204" pitchFamily="49" charset="0"/>
+              </a:rPr>
+              <a:t>;</a:t>
+            </a:r>
+            <a:br>
+              <a:rPr lang="en-US" dirty="0">
+                <a:solidFill>
+                  <a:srgbClr val="CC7832"/>
+                </a:solidFill>
+                <a:effectLst/>
+                <a:latin typeface="Consolas" panose="020B0609020204030204" pitchFamily="49" charset="0"/>
+                <a:cs typeface="Consolas" panose="020B0609020204030204" pitchFamily="49" charset="0"/>
+              </a:rPr>
+            </a:br>
+            <a:r>
+              <a:rPr lang="en-US" dirty="0">
+                <a:latin typeface="Consolas" panose="020B0609020204030204" pitchFamily="49" charset="0"/>
+                <a:cs typeface="Consolas" panose="020B0609020204030204" pitchFamily="49" charset="0"/>
+              </a:rPr>
+              <a:t>}</a:t>
+            </a:r>
+          </a:p>
+        </p:txBody>
+      </p:sp>
+    </p:spTree>
+    <p:extLst>
+      <p:ext uri="{BB962C8B-B14F-4D97-AF65-F5344CB8AC3E}">
+        <p14:creationId xmlns:p14="http://schemas.microsoft.com/office/powerpoint/2010/main" val="43283813"/>
+      </p:ext>
+    </p:extLst>
+  </p:cSld>
+  <p:clrMapOvr>
+    <a:masterClrMapping/>
+  </p:clrMapOvr>
+  <mc:AlternateContent xmlns:mc="http://schemas.openxmlformats.org/markup-compatibility/2006" xmlns:p14="http://schemas.microsoft.com/office/powerpoint/2010/main">
+    <mc:Choice Requires="p14">
+      <p:transition p14:dur="300">
+        <p:fade/>
+      </p:transition>
+    </mc:Choice>
+    <mc:Fallback xmlns="">
+      <p:transition>
+        <p:fade/>
+      </p:transition>
+    </mc:Fallback>
+  </mc:AlternateContent>
+</p:sld>
+</file>
+
+<file path=ppt/slides/slide4.xml><?xml version="1.0" encoding="utf-8"?>
 <p:sld xmlns:a="http://schemas.openxmlformats.org/drawingml/2006/main" xmlns:r="http://schemas.openxmlformats.org/officeDocument/2006/relationships" xmlns:p="http://schemas.openxmlformats.org/presentationml/2006/main">
   <p:cSld>
     <p:spTree>
@@ -6910,7 +9054,7 @@
 </p:sld>
 </file>
 
-<file path=ppt/slides/slide3.xml><?xml version="1.0" encoding="utf-8"?>
+<file path=ppt/slides/slide5.xml><?xml version="1.0" encoding="utf-8"?>
 <p:sld xmlns:a="http://schemas.openxmlformats.org/drawingml/2006/main" xmlns:r="http://schemas.openxmlformats.org/officeDocument/2006/relationships" xmlns:p="http://schemas.openxmlformats.org/presentationml/2006/main">
   <p:cSld>
     <p:spTree>
@@ -7887,7 +10031,7 @@
 </p:sld>
 </file>
 
-<file path=ppt/slides/slide4.xml><?xml version="1.0" encoding="utf-8"?>
+<file path=ppt/slides/slide6.xml><?xml version="1.0" encoding="utf-8"?>
 <p:sld xmlns:a="http://schemas.openxmlformats.org/drawingml/2006/main" xmlns:r="http://schemas.openxmlformats.org/officeDocument/2006/relationships" xmlns:p="http://schemas.openxmlformats.org/presentationml/2006/main">
   <p:cSld>
     <p:spTree>
@@ -8627,7 +10771,7 @@
 </p:sld>
 </file>
 
-<file path=ppt/slides/slide5.xml><?xml version="1.0" encoding="utf-8"?>
+<file path=ppt/slides/slide7.xml><?xml version="1.0" encoding="utf-8"?>
 <p:sld xmlns:a="http://schemas.openxmlformats.org/drawingml/2006/main" xmlns:r="http://schemas.openxmlformats.org/officeDocument/2006/relationships" xmlns:p="http://schemas.openxmlformats.org/presentationml/2006/main">
   <p:cSld>
     <p:spTree>
@@ -8998,7 +11142,7 @@
 </p:sld>
 </file>
 
-<file path=ppt/slides/slide6.xml><?xml version="1.0" encoding="utf-8"?>
+<file path=ppt/slides/slide8.xml><?xml version="1.0" encoding="utf-8"?>
 <p:sld xmlns:a="http://schemas.openxmlformats.org/drawingml/2006/main" xmlns:r="http://schemas.openxmlformats.org/officeDocument/2006/relationships" xmlns:p="http://schemas.openxmlformats.org/presentationml/2006/main">
   <p:cSld>
     <p:spTree>
@@ -10485,7 +12629,7 @@
 </p:sld>
 </file>
 
-<file path=ppt/slides/slide7.xml><?xml version="1.0" encoding="utf-8"?>
+<file path=ppt/slides/slide9.xml><?xml version="1.0" encoding="utf-8"?>
 <p:sld xmlns:a="http://schemas.openxmlformats.org/drawingml/2006/main" xmlns:r="http://schemas.openxmlformats.org/officeDocument/2006/relationships" xmlns:p="http://schemas.openxmlformats.org/presentationml/2006/main">
   <p:cSld>
     <p:spTree>
@@ -10507,7 +12651,7 @@
           <p:cNvPr id="2" name="Title 1">
             <a:extLst>
               <a:ext uri="{FF2B5EF4-FFF2-40B4-BE49-F238E27FC236}">
-                <a16:creationId xmlns:a16="http://schemas.microsoft.com/office/drawing/2014/main" id="{8A960FE9-0770-C34E-A6A1-30B718ADCE1A}"/>
+                <a16:creationId xmlns:a16="http://schemas.microsoft.com/office/drawing/2014/main" id="{63420226-FDB6-7544-AA77-83C2EABED697}"/>
               </a:ext>
             </a:extLst>
           </p:cNvPr>
@@ -10525,172 +12669,1198 @@
           <a:p>
             <a:r>
               <a:rPr lang="en-US" dirty="0"/>
-              <a:t>Review</a:t>
+              <a:t>Group Activity – Draw the Tree</a:t>
             </a:r>
           </a:p>
         </p:txBody>
       </p:sp>
       <p:sp>
         <p:nvSpPr>
-          <p:cNvPr id="3" name="Text Placeholder 2">
+          <p:cNvPr id="5" name="TextBox 4">
             <a:extLst>
               <a:ext uri="{FF2B5EF4-FFF2-40B4-BE49-F238E27FC236}">
-                <a16:creationId xmlns:a16="http://schemas.microsoft.com/office/drawing/2014/main" id="{58623002-8530-7041-8EE6-F33173423322}"/>
+                <a16:creationId xmlns:a16="http://schemas.microsoft.com/office/drawing/2014/main" id="{9A32EE5F-E99E-254F-9537-8235609D18AD}"/>
               </a:ext>
             </a:extLst>
           </p:cNvPr>
-          <p:cNvSpPr>
-            <a:spLocks noGrp="1"/>
-          </p:cNvSpPr>
-          <p:nvPr>
-            <p:ph type="body" sz="quarter" idx="10"/>
-          </p:nvPr>
+          <p:cNvSpPr txBox="1"/>
+          <p:nvPr/>
         </p:nvSpPr>
         <p:spPr>
           <a:xfrm>
-            <a:off x="628075" y="1776683"/>
-            <a:ext cx="12561453" cy="5405839"/>
+            <a:off x="2279650" y="1652118"/>
+            <a:ext cx="9258300" cy="5262979"/>
           </a:xfrm>
+          <a:prstGeom prst="rect">
+            <a:avLst/>
+          </a:prstGeom>
+          <a:noFill/>
         </p:spPr>
         <p:txBody>
-          <a:bodyPr/>
+          <a:bodyPr wrap="square">
+            <a:spAutoFit/>
+          </a:bodyPr>
           <a:lstStyle/>
           <a:p>
             <a:r>
-              <a:rPr lang="en-US" dirty="0"/>
-              <a:t>Conditional operators compare </a:t>
-            </a:r>
-            <a:r>
-              <a:rPr lang="en-US" b="1" dirty="0"/>
-              <a:t>primitives</a:t>
-            </a:r>
-            <a:r>
-              <a:rPr lang="en-US" dirty="0"/>
-              <a:t> to evaluate to </a:t>
-            </a:r>
-            <a:r>
-              <a:rPr lang="en-US" b="1" dirty="0"/>
-              <a:t>true </a:t>
-            </a:r>
-            <a:r>
-              <a:rPr lang="en-US" dirty="0"/>
-              <a:t>or </a:t>
-            </a:r>
-            <a:r>
-              <a:rPr lang="en-US" b="1" dirty="0"/>
-              <a:t>false</a:t>
-            </a:r>
-          </a:p>
-          <a:p>
-            <a:pPr lvl="1" fontAlgn="base"/>
-            <a:r>
-              <a:rPr lang="en-US" dirty="0"/>
-              <a:t>==   Equals</a:t>
-            </a:r>
-          </a:p>
-          <a:p>
-            <a:pPr lvl="1" fontAlgn="base"/>
-            <a:r>
-              <a:rPr lang="en-US" dirty="0"/>
-              <a:t>&lt;     Less than (is left less than right)</a:t>
-            </a:r>
-          </a:p>
-          <a:p>
-            <a:pPr lvl="1" fontAlgn="base"/>
-            <a:r>
-              <a:rPr lang="en-US" dirty="0"/>
-              <a:t>&gt;     Greater than</a:t>
-            </a:r>
-          </a:p>
-          <a:p>
-            <a:pPr lvl="1" fontAlgn="base"/>
-            <a:r>
-              <a:rPr lang="en-US" dirty="0"/>
-              <a:t>&lt;=   Less than OR equal</a:t>
-            </a:r>
-          </a:p>
-          <a:p>
-            <a:pPr lvl="1" fontAlgn="base"/>
-            <a:r>
-              <a:rPr lang="en-US" dirty="0"/>
-              <a:t>&gt;=   Greater than OR equal</a:t>
-            </a:r>
-          </a:p>
-          <a:p>
-            <a:pPr lvl="1" fontAlgn="base"/>
-            <a:r>
-              <a:rPr lang="en-US" dirty="0"/>
-              <a:t>!=    NOT equal ( ! is your NOT character)</a:t>
-            </a:r>
-          </a:p>
-          <a:p>
-            <a:pPr fontAlgn="base"/>
-            <a:r>
-              <a:rPr lang="en-US" dirty="0"/>
-              <a:t>if statements execute a block of code, if </a:t>
-            </a:r>
-            <a:r>
-              <a:rPr lang="en-US" b="1" dirty="0"/>
-              <a:t>true</a:t>
-            </a:r>
-            <a:r>
-              <a:rPr lang="en-US" dirty="0"/>
-              <a:t> in the condition </a:t>
-            </a:r>
-          </a:p>
-          <a:p>
-            <a:pPr fontAlgn="base"/>
-            <a:r>
-              <a:rPr lang="en-US" dirty="0"/>
-              <a:t>else statements execute a block of code, if </a:t>
-            </a:r>
-            <a:r>
-              <a:rPr lang="en-US" b="1" dirty="0"/>
-              <a:t>false</a:t>
-            </a:r>
-            <a:r>
-              <a:rPr lang="en-US" dirty="0"/>
-              <a:t> in an if condition (else is optional)</a:t>
-            </a:r>
-          </a:p>
-          <a:p>
-            <a:pPr fontAlgn="base"/>
-            <a:r>
-              <a:rPr lang="en-US" dirty="0"/>
-              <a:t>Practice </a:t>
-            </a:r>
-            <a:r>
-              <a:rPr lang="en-US" b="1" dirty="0"/>
-              <a:t>drawing</a:t>
-            </a:r>
-            <a:r>
-              <a:rPr lang="en-US" dirty="0"/>
-              <a:t> the tree!!</a:t>
-            </a:r>
-          </a:p>
-          <a:p>
-            <a:pPr lvl="1" fontAlgn="base"/>
-            <a:r>
-              <a:rPr lang="en-US" dirty="0"/>
-              <a:t>Really, makes them a lot easier, especially when nested</a:t>
-            </a:r>
-          </a:p>
-          <a:p>
-            <a:pPr lvl="1" fontAlgn="base"/>
-            <a:r>
-              <a:rPr lang="en-US" dirty="0"/>
-              <a:t>“never the two shall pass”</a:t>
-            </a:r>
-          </a:p>
-          <a:p>
-            <a:endParaRPr lang="en-US" dirty="0"/>
+              <a:rPr lang="en-US" sz="1600" dirty="0">
+                <a:solidFill>
+                  <a:srgbClr val="CC7832"/>
+                </a:solidFill>
+                <a:effectLst/>
+                <a:latin typeface="Consolas" panose="020B0609020204030204" pitchFamily="49" charset="0"/>
+                <a:cs typeface="Consolas" panose="020B0609020204030204" pitchFamily="49" charset="0"/>
+              </a:rPr>
+              <a:t>public </a:t>
+            </a:r>
+            <a:r>
+              <a:rPr lang="en-US" sz="1600" dirty="0">
+                <a:latin typeface="Consolas" panose="020B0609020204030204" pitchFamily="49" charset="0"/>
+                <a:cs typeface="Consolas" panose="020B0609020204030204" pitchFamily="49" charset="0"/>
+              </a:rPr>
+              <a:t>String </a:t>
+            </a:r>
+            <a:r>
+              <a:rPr lang="en-US" sz="1600" dirty="0" err="1">
+                <a:solidFill>
+                  <a:srgbClr val="FFC66D"/>
+                </a:solidFill>
+                <a:effectLst/>
+                <a:latin typeface="Consolas" panose="020B0609020204030204" pitchFamily="49" charset="0"/>
+                <a:cs typeface="Consolas" panose="020B0609020204030204" pitchFamily="49" charset="0"/>
+              </a:rPr>
+              <a:t>branchingCheck</a:t>
+            </a:r>
+            <a:r>
+              <a:rPr lang="en-US" sz="1600" dirty="0">
+                <a:latin typeface="Consolas" panose="020B0609020204030204" pitchFamily="49" charset="0"/>
+                <a:cs typeface="Consolas" panose="020B0609020204030204" pitchFamily="49" charset="0"/>
+              </a:rPr>
+              <a:t>(</a:t>
+            </a:r>
+            <a:r>
+              <a:rPr lang="en-US" sz="1600" dirty="0">
+                <a:solidFill>
+                  <a:srgbClr val="CC7832"/>
+                </a:solidFill>
+                <a:effectLst/>
+                <a:latin typeface="Consolas" panose="020B0609020204030204" pitchFamily="49" charset="0"/>
+                <a:cs typeface="Consolas" panose="020B0609020204030204" pitchFamily="49" charset="0"/>
+              </a:rPr>
+              <a:t>int </a:t>
+            </a:r>
+            <a:r>
+              <a:rPr lang="en-US" sz="1600" i="1" dirty="0" err="1">
+                <a:solidFill>
+                  <a:srgbClr val="9876AA"/>
+                </a:solidFill>
+                <a:effectLst/>
+                <a:latin typeface="Consolas" panose="020B0609020204030204" pitchFamily="49" charset="0"/>
+                <a:cs typeface="Consolas" panose="020B0609020204030204" pitchFamily="49" charset="0"/>
+              </a:rPr>
+              <a:t>valOne</a:t>
+            </a:r>
+            <a:r>
+              <a:rPr lang="en-US" sz="1600" dirty="0">
+                <a:solidFill>
+                  <a:srgbClr val="CC7832"/>
+                </a:solidFill>
+                <a:effectLst/>
+                <a:latin typeface="Consolas" panose="020B0609020204030204" pitchFamily="49" charset="0"/>
+                <a:cs typeface="Consolas" panose="020B0609020204030204" pitchFamily="49" charset="0"/>
+              </a:rPr>
+              <a:t>, int </a:t>
+            </a:r>
+            <a:r>
+              <a:rPr lang="en-US" sz="1600" i="1" dirty="0" err="1">
+                <a:solidFill>
+                  <a:srgbClr val="9876AA"/>
+                </a:solidFill>
+                <a:effectLst/>
+                <a:latin typeface="Consolas" panose="020B0609020204030204" pitchFamily="49" charset="0"/>
+                <a:cs typeface="Consolas" panose="020B0609020204030204" pitchFamily="49" charset="0"/>
+              </a:rPr>
+              <a:t>valTwo</a:t>
+            </a:r>
+            <a:r>
+              <a:rPr lang="en-US" sz="1600" dirty="0">
+                <a:solidFill>
+                  <a:srgbClr val="CC7832"/>
+                </a:solidFill>
+                <a:effectLst/>
+                <a:latin typeface="Consolas" panose="020B0609020204030204" pitchFamily="49" charset="0"/>
+                <a:cs typeface="Consolas" panose="020B0609020204030204" pitchFamily="49" charset="0"/>
+              </a:rPr>
+              <a:t>, int </a:t>
+            </a:r>
+            <a:r>
+              <a:rPr lang="en-US" sz="1600" i="1" dirty="0" err="1">
+                <a:solidFill>
+                  <a:srgbClr val="9876AA"/>
+                </a:solidFill>
+                <a:effectLst/>
+                <a:latin typeface="Consolas" panose="020B0609020204030204" pitchFamily="49" charset="0"/>
+                <a:cs typeface="Consolas" panose="020B0609020204030204" pitchFamily="49" charset="0"/>
+              </a:rPr>
+              <a:t>valThree</a:t>
+            </a:r>
+            <a:r>
+              <a:rPr lang="en-US" sz="1600" dirty="0">
+                <a:latin typeface="Consolas" panose="020B0609020204030204" pitchFamily="49" charset="0"/>
+                <a:cs typeface="Consolas" panose="020B0609020204030204" pitchFamily="49" charset="0"/>
+              </a:rPr>
+              <a:t>) {</a:t>
+            </a:r>
+            <a:br>
+              <a:rPr lang="en-US" sz="1600" dirty="0">
+                <a:latin typeface="Consolas" panose="020B0609020204030204" pitchFamily="49" charset="0"/>
+                <a:cs typeface="Consolas" panose="020B0609020204030204" pitchFamily="49" charset="0"/>
+              </a:rPr>
+            </a:br>
+            <a:br>
+              <a:rPr lang="en-US" sz="1600" dirty="0">
+                <a:latin typeface="Consolas" panose="020B0609020204030204" pitchFamily="49" charset="0"/>
+                <a:cs typeface="Consolas" panose="020B0609020204030204" pitchFamily="49" charset="0"/>
+              </a:rPr>
+            </a:br>
+            <a:r>
+              <a:rPr lang="en-US" sz="1600" dirty="0">
+                <a:latin typeface="Consolas" panose="020B0609020204030204" pitchFamily="49" charset="0"/>
+                <a:cs typeface="Consolas" panose="020B0609020204030204" pitchFamily="49" charset="0"/>
+              </a:rPr>
+              <a:t>    </a:t>
+            </a:r>
+            <a:r>
+              <a:rPr lang="en-US" sz="1600" dirty="0">
+                <a:solidFill>
+                  <a:srgbClr val="CC7832"/>
+                </a:solidFill>
+                <a:effectLst/>
+                <a:latin typeface="Consolas" panose="020B0609020204030204" pitchFamily="49" charset="0"/>
+                <a:cs typeface="Consolas" panose="020B0609020204030204" pitchFamily="49" charset="0"/>
+              </a:rPr>
+              <a:t>double </a:t>
+            </a:r>
+            <a:r>
+              <a:rPr lang="en-US" sz="1600" i="1" dirty="0">
+                <a:solidFill>
+                  <a:srgbClr val="9876AA"/>
+                </a:solidFill>
+                <a:effectLst/>
+                <a:latin typeface="Consolas" panose="020B0609020204030204" pitchFamily="49" charset="0"/>
+                <a:cs typeface="Consolas" panose="020B0609020204030204" pitchFamily="49" charset="0"/>
+              </a:rPr>
+              <a:t>pi </a:t>
+            </a:r>
+            <a:r>
+              <a:rPr lang="en-US" sz="1600" dirty="0">
+                <a:latin typeface="Consolas" panose="020B0609020204030204" pitchFamily="49" charset="0"/>
+                <a:cs typeface="Consolas" panose="020B0609020204030204" pitchFamily="49" charset="0"/>
+              </a:rPr>
+              <a:t>= </a:t>
+            </a:r>
+            <a:r>
+              <a:rPr lang="en-US" sz="1600" dirty="0">
+                <a:solidFill>
+                  <a:srgbClr val="6897BB"/>
+                </a:solidFill>
+                <a:effectLst/>
+                <a:latin typeface="Consolas" panose="020B0609020204030204" pitchFamily="49" charset="0"/>
+                <a:cs typeface="Consolas" panose="020B0609020204030204" pitchFamily="49" charset="0"/>
+              </a:rPr>
+              <a:t>3.14</a:t>
+            </a:r>
+            <a:r>
+              <a:rPr lang="en-US" sz="1600" dirty="0">
+                <a:solidFill>
+                  <a:srgbClr val="CC7832"/>
+                </a:solidFill>
+                <a:effectLst/>
+                <a:latin typeface="Consolas" panose="020B0609020204030204" pitchFamily="49" charset="0"/>
+                <a:cs typeface="Consolas" panose="020B0609020204030204" pitchFamily="49" charset="0"/>
+              </a:rPr>
+              <a:t>;</a:t>
+            </a:r>
+            <a:br>
+              <a:rPr lang="en-US" sz="1600" dirty="0">
+                <a:solidFill>
+                  <a:srgbClr val="CC7832"/>
+                </a:solidFill>
+                <a:effectLst/>
+                <a:latin typeface="Consolas" panose="020B0609020204030204" pitchFamily="49" charset="0"/>
+                <a:cs typeface="Consolas" panose="020B0609020204030204" pitchFamily="49" charset="0"/>
+              </a:rPr>
+            </a:br>
+            <a:r>
+              <a:rPr lang="en-US" sz="1600" dirty="0">
+                <a:solidFill>
+                  <a:srgbClr val="CC7832"/>
+                </a:solidFill>
+                <a:effectLst/>
+                <a:latin typeface="Consolas" panose="020B0609020204030204" pitchFamily="49" charset="0"/>
+                <a:cs typeface="Consolas" panose="020B0609020204030204" pitchFamily="49" charset="0"/>
+              </a:rPr>
+              <a:t>    </a:t>
+            </a:r>
+            <a:r>
+              <a:rPr lang="en-US" sz="1600" dirty="0">
+                <a:latin typeface="Consolas" panose="020B0609020204030204" pitchFamily="49" charset="0"/>
+                <a:cs typeface="Consolas" panose="020B0609020204030204" pitchFamily="49" charset="0"/>
+              </a:rPr>
+              <a:t>String </a:t>
+            </a:r>
+            <a:r>
+              <a:rPr lang="en-US" sz="1600" i="1" dirty="0" err="1">
+                <a:solidFill>
+                  <a:srgbClr val="9876AA"/>
+                </a:solidFill>
+                <a:effectLst/>
+                <a:latin typeface="Consolas" panose="020B0609020204030204" pitchFamily="49" charset="0"/>
+                <a:cs typeface="Consolas" panose="020B0609020204030204" pitchFamily="49" charset="0"/>
+              </a:rPr>
+              <a:t>hasPie</a:t>
+            </a:r>
+            <a:r>
+              <a:rPr lang="en-US" sz="1600" i="1" dirty="0">
+                <a:solidFill>
+                  <a:srgbClr val="9876AA"/>
+                </a:solidFill>
+                <a:effectLst/>
+                <a:latin typeface="Consolas" panose="020B0609020204030204" pitchFamily="49" charset="0"/>
+                <a:cs typeface="Consolas" panose="020B0609020204030204" pitchFamily="49" charset="0"/>
+              </a:rPr>
+              <a:t> </a:t>
+            </a:r>
+            <a:r>
+              <a:rPr lang="en-US" sz="1600" dirty="0">
+                <a:latin typeface="Consolas" panose="020B0609020204030204" pitchFamily="49" charset="0"/>
+                <a:cs typeface="Consolas" panose="020B0609020204030204" pitchFamily="49" charset="0"/>
+              </a:rPr>
+              <a:t>= </a:t>
+            </a:r>
+            <a:r>
+              <a:rPr lang="en-US" sz="1600" dirty="0">
+                <a:solidFill>
+                  <a:srgbClr val="6A8759"/>
+                </a:solidFill>
+                <a:effectLst/>
+                <a:latin typeface="Consolas" panose="020B0609020204030204" pitchFamily="49" charset="0"/>
+                <a:cs typeface="Consolas" panose="020B0609020204030204" pitchFamily="49" charset="0"/>
+              </a:rPr>
+              <a:t>"I like pie"</a:t>
+            </a:r>
+            <a:r>
+              <a:rPr lang="en-US" sz="1600" dirty="0">
+                <a:solidFill>
+                  <a:srgbClr val="CC7832"/>
+                </a:solidFill>
+                <a:effectLst/>
+                <a:latin typeface="Consolas" panose="020B0609020204030204" pitchFamily="49" charset="0"/>
+                <a:cs typeface="Consolas" panose="020B0609020204030204" pitchFamily="49" charset="0"/>
+              </a:rPr>
+              <a:t>;</a:t>
+            </a:r>
+            <a:br>
+              <a:rPr lang="en-US" sz="1600" dirty="0">
+                <a:solidFill>
+                  <a:srgbClr val="CC7832"/>
+                </a:solidFill>
+                <a:effectLst/>
+                <a:latin typeface="Consolas" panose="020B0609020204030204" pitchFamily="49" charset="0"/>
+                <a:cs typeface="Consolas" panose="020B0609020204030204" pitchFamily="49" charset="0"/>
+              </a:rPr>
+            </a:br>
+            <a:r>
+              <a:rPr lang="en-US" sz="1600" dirty="0">
+                <a:solidFill>
+                  <a:srgbClr val="CC7832"/>
+                </a:solidFill>
+                <a:effectLst/>
+                <a:latin typeface="Consolas" panose="020B0609020204030204" pitchFamily="49" charset="0"/>
+                <a:cs typeface="Consolas" panose="020B0609020204030204" pitchFamily="49" charset="0"/>
+              </a:rPr>
+              <a:t>    </a:t>
+            </a:r>
+            <a:r>
+              <a:rPr lang="en-US" sz="1600" dirty="0">
+                <a:latin typeface="Consolas" panose="020B0609020204030204" pitchFamily="49" charset="0"/>
+                <a:cs typeface="Consolas" panose="020B0609020204030204" pitchFamily="49" charset="0"/>
+              </a:rPr>
+              <a:t>String </a:t>
+            </a:r>
+            <a:r>
+              <a:rPr lang="en-US" sz="1600" i="1" dirty="0" err="1">
+                <a:solidFill>
+                  <a:srgbClr val="9876AA"/>
+                </a:solidFill>
+                <a:effectLst/>
+                <a:latin typeface="Consolas" panose="020B0609020204030204" pitchFamily="49" charset="0"/>
+                <a:cs typeface="Consolas" panose="020B0609020204030204" pitchFamily="49" charset="0"/>
+              </a:rPr>
+              <a:t>morePie</a:t>
+            </a:r>
+            <a:r>
+              <a:rPr lang="en-US" sz="1600" i="1" dirty="0">
+                <a:solidFill>
+                  <a:srgbClr val="9876AA"/>
+                </a:solidFill>
+                <a:effectLst/>
+                <a:latin typeface="Consolas" panose="020B0609020204030204" pitchFamily="49" charset="0"/>
+                <a:cs typeface="Consolas" panose="020B0609020204030204" pitchFamily="49" charset="0"/>
+              </a:rPr>
+              <a:t> </a:t>
+            </a:r>
+            <a:r>
+              <a:rPr lang="en-US" sz="1600" dirty="0">
+                <a:latin typeface="Consolas" panose="020B0609020204030204" pitchFamily="49" charset="0"/>
+                <a:cs typeface="Consolas" panose="020B0609020204030204" pitchFamily="49" charset="0"/>
+              </a:rPr>
+              <a:t>= </a:t>
+            </a:r>
+            <a:r>
+              <a:rPr lang="en-US" sz="1600" dirty="0">
+                <a:solidFill>
+                  <a:srgbClr val="6A8759"/>
+                </a:solidFill>
+                <a:effectLst/>
+                <a:latin typeface="Consolas" panose="020B0609020204030204" pitchFamily="49" charset="0"/>
+                <a:cs typeface="Consolas" panose="020B0609020204030204" pitchFamily="49" charset="0"/>
+              </a:rPr>
+              <a:t>"I need more pie"</a:t>
+            </a:r>
+            <a:r>
+              <a:rPr lang="en-US" sz="1600" dirty="0">
+                <a:solidFill>
+                  <a:srgbClr val="CC7832"/>
+                </a:solidFill>
+                <a:effectLst/>
+                <a:latin typeface="Consolas" panose="020B0609020204030204" pitchFamily="49" charset="0"/>
+                <a:cs typeface="Consolas" panose="020B0609020204030204" pitchFamily="49" charset="0"/>
+              </a:rPr>
+              <a:t>;</a:t>
+            </a:r>
+            <a:br>
+              <a:rPr lang="en-US" sz="1600" dirty="0">
+                <a:solidFill>
+                  <a:srgbClr val="CC7832"/>
+                </a:solidFill>
+                <a:effectLst/>
+                <a:latin typeface="Consolas" panose="020B0609020204030204" pitchFamily="49" charset="0"/>
+                <a:cs typeface="Consolas" panose="020B0609020204030204" pitchFamily="49" charset="0"/>
+              </a:rPr>
+            </a:br>
+            <a:r>
+              <a:rPr lang="en-US" sz="1600" dirty="0">
+                <a:solidFill>
+                  <a:srgbClr val="CC7832"/>
+                </a:solidFill>
+                <a:effectLst/>
+                <a:latin typeface="Consolas" panose="020B0609020204030204" pitchFamily="49" charset="0"/>
+                <a:cs typeface="Consolas" panose="020B0609020204030204" pitchFamily="49" charset="0"/>
+              </a:rPr>
+              <a:t>    </a:t>
+            </a:r>
+            <a:r>
+              <a:rPr lang="en-US" sz="1600" dirty="0">
+                <a:latin typeface="Consolas" panose="020B0609020204030204" pitchFamily="49" charset="0"/>
+                <a:cs typeface="Consolas" panose="020B0609020204030204" pitchFamily="49" charset="0"/>
+              </a:rPr>
+              <a:t>String </a:t>
+            </a:r>
+            <a:r>
+              <a:rPr lang="en-US" sz="1600" i="1" dirty="0" err="1">
+                <a:solidFill>
+                  <a:srgbClr val="9876AA"/>
+                </a:solidFill>
+                <a:effectLst/>
+                <a:latin typeface="Consolas" panose="020B0609020204030204" pitchFamily="49" charset="0"/>
+                <a:cs typeface="Consolas" panose="020B0609020204030204" pitchFamily="49" charset="0"/>
+              </a:rPr>
+              <a:t>actualPie</a:t>
+            </a:r>
+            <a:r>
+              <a:rPr lang="en-US" sz="1600" i="1" dirty="0">
+                <a:solidFill>
+                  <a:srgbClr val="9876AA"/>
+                </a:solidFill>
+                <a:effectLst/>
+                <a:latin typeface="Consolas" panose="020B0609020204030204" pitchFamily="49" charset="0"/>
+                <a:cs typeface="Consolas" panose="020B0609020204030204" pitchFamily="49" charset="0"/>
+              </a:rPr>
+              <a:t> </a:t>
+            </a:r>
+            <a:r>
+              <a:rPr lang="en-US" sz="1600" dirty="0">
+                <a:latin typeface="Consolas" panose="020B0609020204030204" pitchFamily="49" charset="0"/>
+                <a:cs typeface="Consolas" panose="020B0609020204030204" pitchFamily="49" charset="0"/>
+              </a:rPr>
+              <a:t>= </a:t>
+            </a:r>
+            <a:r>
+              <a:rPr lang="en-US" sz="1600" dirty="0">
+                <a:solidFill>
+                  <a:srgbClr val="6A8759"/>
+                </a:solidFill>
+                <a:effectLst/>
+                <a:latin typeface="Consolas" panose="020B0609020204030204" pitchFamily="49" charset="0"/>
+                <a:cs typeface="Consolas" panose="020B0609020204030204" pitchFamily="49" charset="0"/>
+              </a:rPr>
+              <a:t>"</a:t>
+            </a:r>
+            <a:r>
+              <a:rPr lang="el-GR" sz="1600" dirty="0">
+                <a:solidFill>
+                  <a:srgbClr val="6A8759"/>
+                </a:solidFill>
+                <a:effectLst/>
+                <a:latin typeface="Consolas" panose="020B0609020204030204" pitchFamily="49" charset="0"/>
+                <a:cs typeface="Consolas" panose="020B0609020204030204" pitchFamily="49" charset="0"/>
+              </a:rPr>
+              <a:t>π"</a:t>
+            </a:r>
+            <a:r>
+              <a:rPr lang="el-GR" sz="1600" dirty="0">
+                <a:solidFill>
+                  <a:srgbClr val="CC7832"/>
+                </a:solidFill>
+                <a:effectLst/>
+                <a:latin typeface="Consolas" panose="020B0609020204030204" pitchFamily="49" charset="0"/>
+                <a:cs typeface="Consolas" panose="020B0609020204030204" pitchFamily="49" charset="0"/>
+              </a:rPr>
+              <a:t>;</a:t>
+            </a:r>
+            <a:br>
+              <a:rPr lang="el-GR" sz="1600" dirty="0">
+                <a:solidFill>
+                  <a:srgbClr val="CC7832"/>
+                </a:solidFill>
+                <a:effectLst/>
+                <a:latin typeface="Consolas" panose="020B0609020204030204" pitchFamily="49" charset="0"/>
+                <a:cs typeface="Consolas" panose="020B0609020204030204" pitchFamily="49" charset="0"/>
+              </a:rPr>
+            </a:br>
+            <a:br>
+              <a:rPr lang="el-GR" sz="1600" dirty="0">
+                <a:solidFill>
+                  <a:srgbClr val="CC7832"/>
+                </a:solidFill>
+                <a:effectLst/>
+                <a:latin typeface="Consolas" panose="020B0609020204030204" pitchFamily="49" charset="0"/>
+                <a:cs typeface="Consolas" panose="020B0609020204030204" pitchFamily="49" charset="0"/>
+              </a:rPr>
+            </a:br>
+            <a:r>
+              <a:rPr lang="el-GR" sz="1600" dirty="0">
+                <a:solidFill>
+                  <a:srgbClr val="CC7832"/>
+                </a:solidFill>
+                <a:effectLst/>
+                <a:latin typeface="Consolas" panose="020B0609020204030204" pitchFamily="49" charset="0"/>
+                <a:cs typeface="Consolas" panose="020B0609020204030204" pitchFamily="49" charset="0"/>
+              </a:rPr>
+              <a:t>    </a:t>
+            </a:r>
+            <a:r>
+              <a:rPr lang="en-US" sz="1600" dirty="0">
+                <a:solidFill>
+                  <a:srgbClr val="CC7832"/>
+                </a:solidFill>
+                <a:effectLst/>
+                <a:latin typeface="Consolas" panose="020B0609020204030204" pitchFamily="49" charset="0"/>
+                <a:cs typeface="Consolas" panose="020B0609020204030204" pitchFamily="49" charset="0"/>
+              </a:rPr>
+              <a:t>if </a:t>
+            </a:r>
+            <a:r>
+              <a:rPr lang="en-US" sz="1600" dirty="0">
+                <a:latin typeface="Consolas" panose="020B0609020204030204" pitchFamily="49" charset="0"/>
+                <a:cs typeface="Consolas" panose="020B0609020204030204" pitchFamily="49" charset="0"/>
+              </a:rPr>
+              <a:t>(</a:t>
+            </a:r>
+            <a:r>
+              <a:rPr lang="en-US" sz="1600" i="1" dirty="0" err="1">
+                <a:solidFill>
+                  <a:srgbClr val="9876AA"/>
+                </a:solidFill>
+                <a:effectLst/>
+                <a:latin typeface="Consolas" panose="020B0609020204030204" pitchFamily="49" charset="0"/>
+                <a:cs typeface="Consolas" panose="020B0609020204030204" pitchFamily="49" charset="0"/>
+              </a:rPr>
+              <a:t>valOne</a:t>
+            </a:r>
+            <a:r>
+              <a:rPr lang="en-US" sz="1600" i="1" dirty="0">
+                <a:solidFill>
+                  <a:srgbClr val="9876AA"/>
+                </a:solidFill>
+                <a:effectLst/>
+                <a:latin typeface="Consolas" panose="020B0609020204030204" pitchFamily="49" charset="0"/>
+                <a:cs typeface="Consolas" panose="020B0609020204030204" pitchFamily="49" charset="0"/>
+              </a:rPr>
+              <a:t> </a:t>
+            </a:r>
+            <a:r>
+              <a:rPr lang="en-US" sz="1600" dirty="0">
+                <a:latin typeface="Consolas" panose="020B0609020204030204" pitchFamily="49" charset="0"/>
+                <a:cs typeface="Consolas" panose="020B0609020204030204" pitchFamily="49" charset="0"/>
+              </a:rPr>
+              <a:t>&gt; </a:t>
+            </a:r>
+            <a:r>
+              <a:rPr lang="en-US" sz="1600" i="1" dirty="0" err="1">
+                <a:solidFill>
+                  <a:srgbClr val="9876AA"/>
+                </a:solidFill>
+                <a:effectLst/>
+                <a:latin typeface="Consolas" panose="020B0609020204030204" pitchFamily="49" charset="0"/>
+                <a:cs typeface="Consolas" panose="020B0609020204030204" pitchFamily="49" charset="0"/>
+              </a:rPr>
+              <a:t>valTwo</a:t>
+            </a:r>
+            <a:r>
+              <a:rPr lang="en-US" sz="1600" dirty="0">
+                <a:latin typeface="Consolas" panose="020B0609020204030204" pitchFamily="49" charset="0"/>
+                <a:cs typeface="Consolas" panose="020B0609020204030204" pitchFamily="49" charset="0"/>
+              </a:rPr>
+              <a:t>) {</a:t>
+            </a:r>
+            <a:br>
+              <a:rPr lang="en-US" sz="1600" dirty="0">
+                <a:latin typeface="Consolas" panose="020B0609020204030204" pitchFamily="49" charset="0"/>
+                <a:cs typeface="Consolas" panose="020B0609020204030204" pitchFamily="49" charset="0"/>
+              </a:rPr>
+            </a:br>
+            <a:r>
+              <a:rPr lang="en-US" sz="1600" dirty="0">
+                <a:latin typeface="Consolas" panose="020B0609020204030204" pitchFamily="49" charset="0"/>
+                <a:cs typeface="Consolas" panose="020B0609020204030204" pitchFamily="49" charset="0"/>
+              </a:rPr>
+              <a:t>        </a:t>
+            </a:r>
+            <a:r>
+              <a:rPr lang="en-US" sz="1600" dirty="0">
+                <a:solidFill>
+                  <a:srgbClr val="CC7832"/>
+                </a:solidFill>
+                <a:effectLst/>
+                <a:latin typeface="Consolas" panose="020B0609020204030204" pitchFamily="49" charset="0"/>
+                <a:cs typeface="Consolas" panose="020B0609020204030204" pitchFamily="49" charset="0"/>
+              </a:rPr>
+              <a:t>if </a:t>
+            </a:r>
+            <a:r>
+              <a:rPr lang="en-US" sz="1600" dirty="0">
+                <a:latin typeface="Consolas" panose="020B0609020204030204" pitchFamily="49" charset="0"/>
+                <a:cs typeface="Consolas" panose="020B0609020204030204" pitchFamily="49" charset="0"/>
+              </a:rPr>
+              <a:t>(</a:t>
+            </a:r>
+            <a:r>
+              <a:rPr lang="en-US" sz="1600" i="1" dirty="0" err="1">
+                <a:solidFill>
+                  <a:srgbClr val="9876AA"/>
+                </a:solidFill>
+                <a:effectLst/>
+                <a:latin typeface="Consolas" panose="020B0609020204030204" pitchFamily="49" charset="0"/>
+                <a:cs typeface="Consolas" panose="020B0609020204030204" pitchFamily="49" charset="0"/>
+              </a:rPr>
+              <a:t>valOne</a:t>
+            </a:r>
+            <a:r>
+              <a:rPr lang="en-US" sz="1600" i="1" dirty="0">
+                <a:solidFill>
+                  <a:srgbClr val="9876AA"/>
+                </a:solidFill>
+                <a:effectLst/>
+                <a:latin typeface="Consolas" panose="020B0609020204030204" pitchFamily="49" charset="0"/>
+                <a:cs typeface="Consolas" panose="020B0609020204030204" pitchFamily="49" charset="0"/>
+              </a:rPr>
+              <a:t> </a:t>
+            </a:r>
+            <a:r>
+              <a:rPr lang="en-US" sz="1600" dirty="0">
+                <a:latin typeface="Consolas" panose="020B0609020204030204" pitchFamily="49" charset="0"/>
+                <a:cs typeface="Consolas" panose="020B0609020204030204" pitchFamily="49" charset="0"/>
+              </a:rPr>
+              <a:t>&gt; </a:t>
+            </a:r>
+            <a:r>
+              <a:rPr lang="en-US" sz="1600" i="1" dirty="0">
+                <a:solidFill>
+                  <a:srgbClr val="9876AA"/>
+                </a:solidFill>
+                <a:effectLst/>
+                <a:latin typeface="Consolas" panose="020B0609020204030204" pitchFamily="49" charset="0"/>
+                <a:cs typeface="Consolas" panose="020B0609020204030204" pitchFamily="49" charset="0"/>
+              </a:rPr>
+              <a:t>pi</a:t>
+            </a:r>
+            <a:r>
+              <a:rPr lang="en-US" sz="1600" dirty="0">
+                <a:latin typeface="Consolas" panose="020B0609020204030204" pitchFamily="49" charset="0"/>
+                <a:cs typeface="Consolas" panose="020B0609020204030204" pitchFamily="49" charset="0"/>
+              </a:rPr>
+              <a:t>) {</a:t>
+            </a:r>
+            <a:br>
+              <a:rPr lang="en-US" sz="1600" dirty="0">
+                <a:latin typeface="Consolas" panose="020B0609020204030204" pitchFamily="49" charset="0"/>
+                <a:cs typeface="Consolas" panose="020B0609020204030204" pitchFamily="49" charset="0"/>
+              </a:rPr>
+            </a:br>
+            <a:r>
+              <a:rPr lang="en-US" sz="1600" dirty="0">
+                <a:latin typeface="Consolas" panose="020B0609020204030204" pitchFamily="49" charset="0"/>
+                <a:cs typeface="Consolas" panose="020B0609020204030204" pitchFamily="49" charset="0"/>
+              </a:rPr>
+              <a:t>            </a:t>
+            </a:r>
+            <a:r>
+              <a:rPr lang="en-US" sz="1600" dirty="0">
+                <a:solidFill>
+                  <a:srgbClr val="CC7832"/>
+                </a:solidFill>
+                <a:effectLst/>
+                <a:latin typeface="Consolas" panose="020B0609020204030204" pitchFamily="49" charset="0"/>
+                <a:cs typeface="Consolas" panose="020B0609020204030204" pitchFamily="49" charset="0"/>
+              </a:rPr>
+              <a:t>return </a:t>
+            </a:r>
+            <a:r>
+              <a:rPr lang="en-US" sz="1600" i="1" dirty="0" err="1">
+                <a:solidFill>
+                  <a:srgbClr val="9876AA"/>
+                </a:solidFill>
+                <a:effectLst/>
+                <a:latin typeface="Consolas" panose="020B0609020204030204" pitchFamily="49" charset="0"/>
+                <a:cs typeface="Consolas" panose="020B0609020204030204" pitchFamily="49" charset="0"/>
+              </a:rPr>
+              <a:t>hasPie</a:t>
+            </a:r>
+            <a:r>
+              <a:rPr lang="en-US" sz="1600" dirty="0">
+                <a:solidFill>
+                  <a:srgbClr val="CC7832"/>
+                </a:solidFill>
+                <a:effectLst/>
+                <a:latin typeface="Consolas" panose="020B0609020204030204" pitchFamily="49" charset="0"/>
+                <a:cs typeface="Consolas" panose="020B0609020204030204" pitchFamily="49" charset="0"/>
+              </a:rPr>
+              <a:t>;</a:t>
+            </a:r>
+            <a:br>
+              <a:rPr lang="en-US" sz="1600" dirty="0">
+                <a:solidFill>
+                  <a:srgbClr val="CC7832"/>
+                </a:solidFill>
+                <a:effectLst/>
+                <a:latin typeface="Consolas" panose="020B0609020204030204" pitchFamily="49" charset="0"/>
+                <a:cs typeface="Consolas" panose="020B0609020204030204" pitchFamily="49" charset="0"/>
+              </a:rPr>
+            </a:br>
+            <a:r>
+              <a:rPr lang="en-US" sz="1600" dirty="0">
+                <a:solidFill>
+                  <a:srgbClr val="CC7832"/>
+                </a:solidFill>
+                <a:effectLst/>
+                <a:latin typeface="Consolas" panose="020B0609020204030204" pitchFamily="49" charset="0"/>
+                <a:cs typeface="Consolas" panose="020B0609020204030204" pitchFamily="49" charset="0"/>
+              </a:rPr>
+              <a:t>        </a:t>
+            </a:r>
+            <a:r>
+              <a:rPr lang="en-US" sz="1600" dirty="0">
+                <a:latin typeface="Consolas" panose="020B0609020204030204" pitchFamily="49" charset="0"/>
+                <a:cs typeface="Consolas" panose="020B0609020204030204" pitchFamily="49" charset="0"/>
+              </a:rPr>
+              <a:t>}</a:t>
+            </a:r>
+            <a:br>
+              <a:rPr lang="en-US" sz="1600" dirty="0">
+                <a:latin typeface="Consolas" panose="020B0609020204030204" pitchFamily="49" charset="0"/>
+                <a:cs typeface="Consolas" panose="020B0609020204030204" pitchFamily="49" charset="0"/>
+              </a:rPr>
+            </a:br>
+            <a:r>
+              <a:rPr lang="en-US" sz="1600" dirty="0">
+                <a:latin typeface="Consolas" panose="020B0609020204030204" pitchFamily="49" charset="0"/>
+                <a:cs typeface="Consolas" panose="020B0609020204030204" pitchFamily="49" charset="0"/>
+              </a:rPr>
+              <a:t>    } </a:t>
+            </a:r>
+            <a:r>
+              <a:rPr lang="en-US" sz="1600" dirty="0">
+                <a:solidFill>
+                  <a:srgbClr val="CC7832"/>
+                </a:solidFill>
+                <a:effectLst/>
+                <a:latin typeface="Consolas" panose="020B0609020204030204" pitchFamily="49" charset="0"/>
+                <a:cs typeface="Consolas" panose="020B0609020204030204" pitchFamily="49" charset="0"/>
+              </a:rPr>
+              <a:t>else if </a:t>
+            </a:r>
+            <a:r>
+              <a:rPr lang="en-US" sz="1600" dirty="0">
+                <a:latin typeface="Consolas" panose="020B0609020204030204" pitchFamily="49" charset="0"/>
+                <a:cs typeface="Consolas" panose="020B0609020204030204" pitchFamily="49" charset="0"/>
+              </a:rPr>
+              <a:t>(</a:t>
+            </a:r>
+            <a:r>
+              <a:rPr lang="en-US" sz="1600" i="1" dirty="0" err="1">
+                <a:solidFill>
+                  <a:srgbClr val="9876AA"/>
+                </a:solidFill>
+                <a:effectLst/>
+                <a:latin typeface="Consolas" panose="020B0609020204030204" pitchFamily="49" charset="0"/>
+                <a:cs typeface="Consolas" panose="020B0609020204030204" pitchFamily="49" charset="0"/>
+              </a:rPr>
+              <a:t>valTwo</a:t>
+            </a:r>
+            <a:r>
+              <a:rPr lang="en-US" sz="1600" i="1" dirty="0">
+                <a:solidFill>
+                  <a:srgbClr val="9876AA"/>
+                </a:solidFill>
+                <a:effectLst/>
+                <a:latin typeface="Consolas" panose="020B0609020204030204" pitchFamily="49" charset="0"/>
+                <a:cs typeface="Consolas" panose="020B0609020204030204" pitchFamily="49" charset="0"/>
+              </a:rPr>
+              <a:t> </a:t>
+            </a:r>
+            <a:r>
+              <a:rPr lang="en-US" sz="1600" dirty="0">
+                <a:latin typeface="Consolas" panose="020B0609020204030204" pitchFamily="49" charset="0"/>
+                <a:cs typeface="Consolas" panose="020B0609020204030204" pitchFamily="49" charset="0"/>
+              </a:rPr>
+              <a:t>&gt;= </a:t>
+            </a:r>
+            <a:r>
+              <a:rPr lang="en-US" sz="1600" i="1" dirty="0" err="1">
+                <a:solidFill>
+                  <a:srgbClr val="9876AA"/>
+                </a:solidFill>
+                <a:effectLst/>
+                <a:latin typeface="Consolas" panose="020B0609020204030204" pitchFamily="49" charset="0"/>
+                <a:cs typeface="Consolas" panose="020B0609020204030204" pitchFamily="49" charset="0"/>
+              </a:rPr>
+              <a:t>valThree</a:t>
+            </a:r>
+            <a:r>
+              <a:rPr lang="en-US" sz="1600" dirty="0">
+                <a:latin typeface="Consolas" panose="020B0609020204030204" pitchFamily="49" charset="0"/>
+                <a:cs typeface="Consolas" panose="020B0609020204030204" pitchFamily="49" charset="0"/>
+              </a:rPr>
+              <a:t>) {</a:t>
+            </a:r>
+            <a:br>
+              <a:rPr lang="en-US" sz="1600" dirty="0">
+                <a:latin typeface="Consolas" panose="020B0609020204030204" pitchFamily="49" charset="0"/>
+                <a:cs typeface="Consolas" panose="020B0609020204030204" pitchFamily="49" charset="0"/>
+              </a:rPr>
+            </a:br>
+            <a:r>
+              <a:rPr lang="en-US" sz="1600" dirty="0">
+                <a:latin typeface="Consolas" panose="020B0609020204030204" pitchFamily="49" charset="0"/>
+                <a:cs typeface="Consolas" panose="020B0609020204030204" pitchFamily="49" charset="0"/>
+              </a:rPr>
+              <a:t>        </a:t>
+            </a:r>
+            <a:r>
+              <a:rPr lang="en-US" sz="1600" dirty="0">
+                <a:solidFill>
+                  <a:srgbClr val="CC7832"/>
+                </a:solidFill>
+                <a:effectLst/>
+                <a:latin typeface="Consolas" panose="020B0609020204030204" pitchFamily="49" charset="0"/>
+                <a:cs typeface="Consolas" panose="020B0609020204030204" pitchFamily="49" charset="0"/>
+              </a:rPr>
+              <a:t>return </a:t>
+            </a:r>
+            <a:r>
+              <a:rPr lang="en-US" sz="1600" i="1" dirty="0" err="1">
+                <a:solidFill>
+                  <a:srgbClr val="9876AA"/>
+                </a:solidFill>
+                <a:effectLst/>
+                <a:latin typeface="Consolas" panose="020B0609020204030204" pitchFamily="49" charset="0"/>
+                <a:cs typeface="Consolas" panose="020B0609020204030204" pitchFamily="49" charset="0"/>
+              </a:rPr>
+              <a:t>morePie</a:t>
+            </a:r>
+            <a:r>
+              <a:rPr lang="en-US" sz="1600" dirty="0">
+                <a:solidFill>
+                  <a:srgbClr val="CC7832"/>
+                </a:solidFill>
+                <a:effectLst/>
+                <a:latin typeface="Consolas" panose="020B0609020204030204" pitchFamily="49" charset="0"/>
+                <a:cs typeface="Consolas" panose="020B0609020204030204" pitchFamily="49" charset="0"/>
+              </a:rPr>
+              <a:t>;</a:t>
+            </a:r>
+            <a:br>
+              <a:rPr lang="en-US" sz="1600" dirty="0">
+                <a:solidFill>
+                  <a:srgbClr val="CC7832"/>
+                </a:solidFill>
+                <a:effectLst/>
+                <a:latin typeface="Consolas" panose="020B0609020204030204" pitchFamily="49" charset="0"/>
+                <a:cs typeface="Consolas" panose="020B0609020204030204" pitchFamily="49" charset="0"/>
+              </a:rPr>
+            </a:br>
+            <a:r>
+              <a:rPr lang="en-US" sz="1600" dirty="0">
+                <a:solidFill>
+                  <a:srgbClr val="CC7832"/>
+                </a:solidFill>
+                <a:effectLst/>
+                <a:latin typeface="Consolas" panose="020B0609020204030204" pitchFamily="49" charset="0"/>
+                <a:cs typeface="Consolas" panose="020B0609020204030204" pitchFamily="49" charset="0"/>
+              </a:rPr>
+              <a:t>    </a:t>
+            </a:r>
+            <a:r>
+              <a:rPr lang="en-US" sz="1600" dirty="0">
+                <a:latin typeface="Consolas" panose="020B0609020204030204" pitchFamily="49" charset="0"/>
+                <a:cs typeface="Consolas" panose="020B0609020204030204" pitchFamily="49" charset="0"/>
+              </a:rPr>
+              <a:t>} </a:t>
+            </a:r>
+            <a:r>
+              <a:rPr lang="en-US" sz="1600" dirty="0">
+                <a:solidFill>
+                  <a:srgbClr val="CC7832"/>
+                </a:solidFill>
+                <a:effectLst/>
+                <a:latin typeface="Consolas" panose="020B0609020204030204" pitchFamily="49" charset="0"/>
+                <a:cs typeface="Consolas" panose="020B0609020204030204" pitchFamily="49" charset="0"/>
+              </a:rPr>
+              <a:t>else </a:t>
+            </a:r>
+            <a:r>
+              <a:rPr lang="en-US" sz="1600" dirty="0">
+                <a:latin typeface="Consolas" panose="020B0609020204030204" pitchFamily="49" charset="0"/>
+                <a:cs typeface="Consolas" panose="020B0609020204030204" pitchFamily="49" charset="0"/>
+              </a:rPr>
+              <a:t>{</a:t>
+            </a:r>
+            <a:br>
+              <a:rPr lang="en-US" sz="1600" dirty="0">
+                <a:latin typeface="Consolas" panose="020B0609020204030204" pitchFamily="49" charset="0"/>
+                <a:cs typeface="Consolas" panose="020B0609020204030204" pitchFamily="49" charset="0"/>
+              </a:rPr>
+            </a:br>
+            <a:r>
+              <a:rPr lang="en-US" sz="1600" dirty="0">
+                <a:latin typeface="Consolas" panose="020B0609020204030204" pitchFamily="49" charset="0"/>
+                <a:cs typeface="Consolas" panose="020B0609020204030204" pitchFamily="49" charset="0"/>
+              </a:rPr>
+              <a:t>        </a:t>
+            </a:r>
+            <a:r>
+              <a:rPr lang="en-US" sz="1600" dirty="0">
+                <a:solidFill>
+                  <a:srgbClr val="CC7832"/>
+                </a:solidFill>
+                <a:effectLst/>
+                <a:latin typeface="Consolas" panose="020B0609020204030204" pitchFamily="49" charset="0"/>
+                <a:cs typeface="Consolas" panose="020B0609020204030204" pitchFamily="49" charset="0"/>
+              </a:rPr>
+              <a:t>if </a:t>
+            </a:r>
+            <a:r>
+              <a:rPr lang="en-US" sz="1600" dirty="0">
+                <a:latin typeface="Consolas" panose="020B0609020204030204" pitchFamily="49" charset="0"/>
+                <a:cs typeface="Consolas" panose="020B0609020204030204" pitchFamily="49" charset="0"/>
+              </a:rPr>
+              <a:t>(</a:t>
+            </a:r>
+            <a:r>
+              <a:rPr lang="en-US" sz="1600" i="1" dirty="0" err="1">
+                <a:solidFill>
+                  <a:srgbClr val="9876AA"/>
+                </a:solidFill>
+                <a:effectLst/>
+                <a:latin typeface="Consolas" panose="020B0609020204030204" pitchFamily="49" charset="0"/>
+                <a:cs typeface="Consolas" panose="020B0609020204030204" pitchFamily="49" charset="0"/>
+              </a:rPr>
+              <a:t>valThree</a:t>
+            </a:r>
+            <a:r>
+              <a:rPr lang="en-US" sz="1600" i="1" dirty="0">
+                <a:solidFill>
+                  <a:srgbClr val="9876AA"/>
+                </a:solidFill>
+                <a:effectLst/>
+                <a:latin typeface="Consolas" panose="020B0609020204030204" pitchFamily="49" charset="0"/>
+                <a:cs typeface="Consolas" panose="020B0609020204030204" pitchFamily="49" charset="0"/>
+              </a:rPr>
+              <a:t> </a:t>
+            </a:r>
+            <a:r>
+              <a:rPr lang="en-US" sz="1600" dirty="0">
+                <a:latin typeface="Consolas" panose="020B0609020204030204" pitchFamily="49" charset="0"/>
+                <a:cs typeface="Consolas" panose="020B0609020204030204" pitchFamily="49" charset="0"/>
+              </a:rPr>
+              <a:t>&lt; </a:t>
+            </a:r>
+            <a:r>
+              <a:rPr lang="en-US" sz="1600" dirty="0">
+                <a:solidFill>
+                  <a:srgbClr val="6897BB"/>
+                </a:solidFill>
+                <a:effectLst/>
+                <a:latin typeface="Consolas" panose="020B0609020204030204" pitchFamily="49" charset="0"/>
+                <a:cs typeface="Consolas" panose="020B0609020204030204" pitchFamily="49" charset="0"/>
+              </a:rPr>
+              <a:t>3.14</a:t>
+            </a:r>
+            <a:r>
+              <a:rPr lang="en-US" sz="1600" dirty="0">
+                <a:latin typeface="Consolas" panose="020B0609020204030204" pitchFamily="49" charset="0"/>
+                <a:cs typeface="Consolas" panose="020B0609020204030204" pitchFamily="49" charset="0"/>
+              </a:rPr>
+              <a:t>) {</a:t>
+            </a:r>
+            <a:br>
+              <a:rPr lang="en-US" sz="1600" dirty="0">
+                <a:latin typeface="Consolas" panose="020B0609020204030204" pitchFamily="49" charset="0"/>
+                <a:cs typeface="Consolas" panose="020B0609020204030204" pitchFamily="49" charset="0"/>
+              </a:rPr>
+            </a:br>
+            <a:r>
+              <a:rPr lang="en-US" sz="1600" dirty="0">
+                <a:latin typeface="Consolas" panose="020B0609020204030204" pitchFamily="49" charset="0"/>
+                <a:cs typeface="Consolas" panose="020B0609020204030204" pitchFamily="49" charset="0"/>
+              </a:rPr>
+              <a:t>            </a:t>
+            </a:r>
+            <a:r>
+              <a:rPr lang="en-US" sz="1600" dirty="0">
+                <a:solidFill>
+                  <a:srgbClr val="CC7832"/>
+                </a:solidFill>
+                <a:effectLst/>
+                <a:latin typeface="Consolas" panose="020B0609020204030204" pitchFamily="49" charset="0"/>
+                <a:cs typeface="Consolas" panose="020B0609020204030204" pitchFamily="49" charset="0"/>
+              </a:rPr>
+              <a:t>return </a:t>
+            </a:r>
+            <a:r>
+              <a:rPr lang="en-US" sz="1600" i="1" dirty="0" err="1">
+                <a:solidFill>
+                  <a:srgbClr val="9876AA"/>
+                </a:solidFill>
+                <a:effectLst/>
+                <a:latin typeface="Consolas" panose="020B0609020204030204" pitchFamily="49" charset="0"/>
+                <a:cs typeface="Consolas" panose="020B0609020204030204" pitchFamily="49" charset="0"/>
+              </a:rPr>
+              <a:t>actualPie</a:t>
+            </a:r>
+            <a:r>
+              <a:rPr lang="en-US" sz="1600" dirty="0">
+                <a:solidFill>
+                  <a:srgbClr val="CC7832"/>
+                </a:solidFill>
+                <a:effectLst/>
+                <a:latin typeface="Consolas" panose="020B0609020204030204" pitchFamily="49" charset="0"/>
+                <a:cs typeface="Consolas" panose="020B0609020204030204" pitchFamily="49" charset="0"/>
+              </a:rPr>
+              <a:t>;</a:t>
+            </a:r>
+            <a:br>
+              <a:rPr lang="en-US" sz="1600" dirty="0">
+                <a:solidFill>
+                  <a:srgbClr val="CC7832"/>
+                </a:solidFill>
+                <a:effectLst/>
+                <a:latin typeface="Consolas" panose="020B0609020204030204" pitchFamily="49" charset="0"/>
+                <a:cs typeface="Consolas" panose="020B0609020204030204" pitchFamily="49" charset="0"/>
+              </a:rPr>
+            </a:br>
+            <a:r>
+              <a:rPr lang="en-US" sz="1600" dirty="0">
+                <a:solidFill>
+                  <a:srgbClr val="CC7832"/>
+                </a:solidFill>
+                <a:effectLst/>
+                <a:latin typeface="Consolas" panose="020B0609020204030204" pitchFamily="49" charset="0"/>
+                <a:cs typeface="Consolas" panose="020B0609020204030204" pitchFamily="49" charset="0"/>
+              </a:rPr>
+              <a:t>        </a:t>
+            </a:r>
+            <a:r>
+              <a:rPr lang="en-US" sz="1600" dirty="0">
+                <a:latin typeface="Consolas" panose="020B0609020204030204" pitchFamily="49" charset="0"/>
+                <a:cs typeface="Consolas" panose="020B0609020204030204" pitchFamily="49" charset="0"/>
+              </a:rPr>
+              <a:t>}</a:t>
+            </a:r>
+            <a:br>
+              <a:rPr lang="en-US" sz="1600" dirty="0">
+                <a:latin typeface="Consolas" panose="020B0609020204030204" pitchFamily="49" charset="0"/>
+                <a:cs typeface="Consolas" panose="020B0609020204030204" pitchFamily="49" charset="0"/>
+              </a:rPr>
+            </a:br>
+            <a:r>
+              <a:rPr lang="en-US" sz="1600" dirty="0">
+                <a:latin typeface="Consolas" panose="020B0609020204030204" pitchFamily="49" charset="0"/>
+                <a:cs typeface="Consolas" panose="020B0609020204030204" pitchFamily="49" charset="0"/>
+              </a:rPr>
+              <a:t>        </a:t>
+            </a:r>
+            <a:r>
+              <a:rPr lang="en-US" sz="1600" dirty="0">
+                <a:solidFill>
+                  <a:srgbClr val="CC7832"/>
+                </a:solidFill>
+                <a:effectLst/>
+                <a:latin typeface="Consolas" panose="020B0609020204030204" pitchFamily="49" charset="0"/>
+                <a:cs typeface="Consolas" panose="020B0609020204030204" pitchFamily="49" charset="0"/>
+              </a:rPr>
+              <a:t>return </a:t>
+            </a:r>
+            <a:r>
+              <a:rPr lang="en-US" sz="1600" dirty="0">
+                <a:solidFill>
+                  <a:srgbClr val="6A8759"/>
+                </a:solidFill>
+                <a:effectLst/>
+                <a:latin typeface="Consolas" panose="020B0609020204030204" pitchFamily="49" charset="0"/>
+                <a:cs typeface="Consolas" panose="020B0609020204030204" pitchFamily="49" charset="0"/>
+              </a:rPr>
+              <a:t>"The value of pi is: " </a:t>
+            </a:r>
+            <a:r>
+              <a:rPr lang="en-US" sz="1600" dirty="0">
+                <a:latin typeface="Consolas" panose="020B0609020204030204" pitchFamily="49" charset="0"/>
+                <a:cs typeface="Consolas" panose="020B0609020204030204" pitchFamily="49" charset="0"/>
+              </a:rPr>
+              <a:t>+ </a:t>
+            </a:r>
+            <a:r>
+              <a:rPr lang="en-US" sz="1600" i="1" dirty="0">
+                <a:solidFill>
+                  <a:srgbClr val="9876AA"/>
+                </a:solidFill>
+                <a:effectLst/>
+                <a:latin typeface="Consolas" panose="020B0609020204030204" pitchFamily="49" charset="0"/>
+                <a:cs typeface="Consolas" panose="020B0609020204030204" pitchFamily="49" charset="0"/>
+              </a:rPr>
+              <a:t>pi</a:t>
+            </a:r>
+            <a:r>
+              <a:rPr lang="en-US" sz="1600" dirty="0">
+                <a:solidFill>
+                  <a:srgbClr val="CC7832"/>
+                </a:solidFill>
+                <a:effectLst/>
+                <a:latin typeface="Consolas" panose="020B0609020204030204" pitchFamily="49" charset="0"/>
+                <a:cs typeface="Consolas" panose="020B0609020204030204" pitchFamily="49" charset="0"/>
+              </a:rPr>
+              <a:t>;</a:t>
+            </a:r>
+            <a:br>
+              <a:rPr lang="en-US" sz="1600" dirty="0">
+                <a:solidFill>
+                  <a:srgbClr val="CC7832"/>
+                </a:solidFill>
+                <a:effectLst/>
+                <a:latin typeface="Consolas" panose="020B0609020204030204" pitchFamily="49" charset="0"/>
+                <a:cs typeface="Consolas" panose="020B0609020204030204" pitchFamily="49" charset="0"/>
+              </a:rPr>
+            </a:br>
+            <a:r>
+              <a:rPr lang="en-US" sz="1600" dirty="0">
+                <a:solidFill>
+                  <a:srgbClr val="CC7832"/>
+                </a:solidFill>
+                <a:effectLst/>
+                <a:latin typeface="Consolas" panose="020B0609020204030204" pitchFamily="49" charset="0"/>
+                <a:cs typeface="Consolas" panose="020B0609020204030204" pitchFamily="49" charset="0"/>
+              </a:rPr>
+              <a:t>    </a:t>
+            </a:r>
+            <a:r>
+              <a:rPr lang="en-US" sz="1600" dirty="0">
+                <a:latin typeface="Consolas" panose="020B0609020204030204" pitchFamily="49" charset="0"/>
+                <a:cs typeface="Consolas" panose="020B0609020204030204" pitchFamily="49" charset="0"/>
+              </a:rPr>
+              <a:t>}</a:t>
+            </a:r>
+            <a:br>
+              <a:rPr lang="en-US" sz="1600" dirty="0">
+                <a:latin typeface="Consolas" panose="020B0609020204030204" pitchFamily="49" charset="0"/>
+                <a:cs typeface="Consolas" panose="020B0609020204030204" pitchFamily="49" charset="0"/>
+              </a:rPr>
+            </a:br>
+            <a:r>
+              <a:rPr lang="en-US" sz="1600" dirty="0">
+                <a:latin typeface="Consolas" panose="020B0609020204030204" pitchFamily="49" charset="0"/>
+                <a:cs typeface="Consolas" panose="020B0609020204030204" pitchFamily="49" charset="0"/>
+              </a:rPr>
+              <a:t>    </a:t>
+            </a:r>
+            <a:r>
+              <a:rPr lang="en-US" sz="1600" dirty="0">
+                <a:solidFill>
+                  <a:srgbClr val="CC7832"/>
+                </a:solidFill>
+                <a:effectLst/>
+                <a:latin typeface="Consolas" panose="020B0609020204030204" pitchFamily="49" charset="0"/>
+                <a:cs typeface="Consolas" panose="020B0609020204030204" pitchFamily="49" charset="0"/>
+              </a:rPr>
+              <a:t>return </a:t>
+            </a:r>
+            <a:r>
+              <a:rPr lang="en-US" sz="1600" dirty="0">
+                <a:solidFill>
+                  <a:srgbClr val="6A8759"/>
+                </a:solidFill>
+                <a:effectLst/>
+                <a:latin typeface="Consolas" panose="020B0609020204030204" pitchFamily="49" charset="0"/>
+                <a:cs typeface="Consolas" panose="020B0609020204030204" pitchFamily="49" charset="0"/>
+              </a:rPr>
+              <a:t>"no pie"</a:t>
+            </a:r>
+            <a:r>
+              <a:rPr lang="en-US" sz="1600" dirty="0">
+                <a:solidFill>
+                  <a:srgbClr val="CC7832"/>
+                </a:solidFill>
+                <a:effectLst/>
+                <a:latin typeface="Consolas" panose="020B0609020204030204" pitchFamily="49" charset="0"/>
+                <a:cs typeface="Consolas" panose="020B0609020204030204" pitchFamily="49" charset="0"/>
+              </a:rPr>
+              <a:t>;</a:t>
+            </a:r>
+            <a:br>
+              <a:rPr lang="en-US" sz="1600" dirty="0">
+                <a:solidFill>
+                  <a:srgbClr val="CC7832"/>
+                </a:solidFill>
+                <a:effectLst/>
+                <a:latin typeface="Consolas" panose="020B0609020204030204" pitchFamily="49" charset="0"/>
+                <a:cs typeface="Consolas" panose="020B0609020204030204" pitchFamily="49" charset="0"/>
+              </a:rPr>
+            </a:br>
+            <a:r>
+              <a:rPr lang="en-US" sz="1600" dirty="0">
+                <a:latin typeface="Consolas" panose="020B0609020204030204" pitchFamily="49" charset="0"/>
+                <a:cs typeface="Consolas" panose="020B0609020204030204" pitchFamily="49" charset="0"/>
+              </a:rPr>
+              <a:t>}</a:t>
+            </a:r>
           </a:p>
         </p:txBody>
       </p:sp>
     </p:spTree>
     <p:extLst>
       <p:ext uri="{BB962C8B-B14F-4D97-AF65-F5344CB8AC3E}">
-        <p14:creationId xmlns:p14="http://schemas.microsoft.com/office/powerpoint/2010/main" val="3877744934"/>
+        <p14:creationId xmlns:p14="http://schemas.microsoft.com/office/powerpoint/2010/main" val="2484722036"/>
       </p:ext>
     </p:extLst>
   </p:cSld>

--- a/slides/On-Campus/03_01_Branching.pptx
+++ b/slides/On-Campus/03_01_Branching.pptx
@@ -12,7 +12,7 @@
   </p:handoutMasterIdLst>
   <p:sldIdLst>
     <p:sldId id="256" r:id="rId2"/>
-    <p:sldId id="267" r:id="rId3"/>
+    <p:sldId id="270" r:id="rId3"/>
     <p:sldId id="264" r:id="rId4"/>
     <p:sldId id="257" r:id="rId5"/>
     <p:sldId id="258" r:id="rId6"/>
@@ -226,7 +226,7 @@
           <a:p>
             <a:fld id="{4D7E51A5-B478-1E40-8CBB-0DAA8831E99D}" type="datetimeFigureOut">
               <a:rPr lang="en-US" smtClean="0"/>
-              <a:t>9/7/21</a:t>
+              <a:t>1/30/2022</a:t>
             </a:fld>
             <a:endParaRPr lang="en-US"/>
           </a:p>
@@ -391,7 +391,7 @@
           <a:p>
             <a:fld id="{D0ED587F-861E-6740-9643-E3DDAE89B8D6}" type="datetimeFigureOut">
               <a:rPr lang="en-US" smtClean="0"/>
-              <a:t>9/7/21</a:t>
+              <a:t>1/30/2022</a:t>
             </a:fld>
             <a:endParaRPr lang="en-US"/>
           </a:p>
@@ -10327,7 +10327,7 @@
           <p:cNvPr id="4" name="Title 3">
             <a:extLst>
               <a:ext uri="{FF2B5EF4-FFF2-40B4-BE49-F238E27FC236}">
-                <a16:creationId xmlns:a16="http://schemas.microsoft.com/office/drawing/2014/main" id="{4EB85848-D40E-C644-8BBD-356CFF5598D6}"/>
+                <a16:creationId xmlns:a16="http://schemas.microsoft.com/office/drawing/2014/main" id="{11F69212-F891-5844-91B0-396F6B018064}"/>
               </a:ext>
             </a:extLst>
           </p:cNvPr>
@@ -10345,17 +10345,167 @@
           <a:p>
             <a:r>
               <a:rPr lang="en-US" dirty="0"/>
-              <a:t>Announcements </a:t>
+              <a:t>Announcements</a:t>
             </a:r>
           </a:p>
         </p:txBody>
       </p:sp>
       <p:sp>
         <p:nvSpPr>
-          <p:cNvPr id="6" name="TextBox 5">
+          <p:cNvPr id="5" name="Text Placeholder 4">
             <a:extLst>
               <a:ext uri="{FF2B5EF4-FFF2-40B4-BE49-F238E27FC236}">
-                <a16:creationId xmlns:a16="http://schemas.microsoft.com/office/drawing/2014/main" id="{C004D9EF-2FA6-DD44-94EF-6C8F29647067}"/>
+                <a16:creationId xmlns:a16="http://schemas.microsoft.com/office/drawing/2014/main" id="{D45B7610-981A-7441-A483-AB5BABDA0AB4}"/>
+              </a:ext>
+            </a:extLst>
+          </p:cNvPr>
+          <p:cNvSpPr>
+            <a:spLocks noGrp="1"/>
+          </p:cNvSpPr>
+          <p:nvPr>
+            <p:ph type="body" sz="quarter" idx="10"/>
+          </p:nvPr>
+        </p:nvSpPr>
+        <p:spPr>
+          <a:xfrm>
+            <a:off x="628075" y="1776683"/>
+            <a:ext cx="6574699" cy="4174733"/>
+          </a:xfrm>
+        </p:spPr>
+        <p:txBody>
+          <a:bodyPr/>
+          <a:lstStyle/>
+          <a:p>
+            <a:r>
+              <a:rPr lang="en-US" dirty="0">
+                <a:solidFill>
+                  <a:srgbClr val="092529"/>
+                </a:solidFill>
+              </a:rPr>
+              <a:t>Reminder – readings are due </a:t>
+            </a:r>
+            <a:r>
+              <a:rPr lang="en-US" b="1" dirty="0">
+                <a:solidFill>
+                  <a:srgbClr val="092529"/>
+                </a:solidFill>
+              </a:rPr>
+              <a:t>before</a:t>
+            </a:r>
+            <a:r>
+              <a:rPr lang="en-US" dirty="0">
+                <a:solidFill>
+                  <a:srgbClr val="092529"/>
+                </a:solidFill>
+              </a:rPr>
+              <a:t> lecture</a:t>
+            </a:r>
+          </a:p>
+          <a:p>
+            <a:pPr lvl="1"/>
+            <a:r>
+              <a:rPr lang="en-US" dirty="0">
+                <a:solidFill>
+                  <a:srgbClr val="092529"/>
+                </a:solidFill>
+              </a:rPr>
+              <a:t>You don’t have to do all of it - challenge problems can be challenging…</a:t>
+            </a:r>
+          </a:p>
+          <a:p>
+            <a:pPr lvl="1"/>
+            <a:r>
+              <a:rPr lang="en-US" dirty="0">
+                <a:solidFill>
+                  <a:srgbClr val="092529"/>
+                </a:solidFill>
+              </a:rPr>
+              <a:t>You can return to them. </a:t>
+            </a:r>
+          </a:p>
+          <a:p>
+            <a:pPr lvl="1"/>
+            <a:r>
+              <a:rPr lang="en-US" dirty="0">
+                <a:solidFill>
+                  <a:srgbClr val="092529"/>
+                </a:solidFill>
+              </a:rPr>
+              <a:t>We start off each lecture with a quiz from your reading! </a:t>
+            </a:r>
+          </a:p>
+          <a:p>
+            <a:r>
+              <a:rPr lang="en-US" dirty="0">
+                <a:solidFill>
+                  <a:srgbClr val="092529"/>
+                </a:solidFill>
+              </a:rPr>
+              <a:t>Help Sessions</a:t>
+            </a:r>
+          </a:p>
+          <a:p>
+            <a:pPr lvl="1"/>
+            <a:r>
+              <a:rPr lang="en-US" dirty="0"/>
+              <a:t>Go to them! They make a difference</a:t>
+            </a:r>
+          </a:p>
+          <a:p>
+            <a:pPr lvl="1"/>
+            <a:r>
+              <a:rPr lang="en-US" dirty="0"/>
+              <a:t>Lab teams should be setup</a:t>
+            </a:r>
+          </a:p>
+          <a:p>
+            <a:pPr lvl="2"/>
+            <a:r>
+              <a:rPr lang="en-US" dirty="0">
+                <a:solidFill>
+                  <a:srgbClr val="092529"/>
+                </a:solidFill>
+              </a:rPr>
+              <a:t>If you are not on a private </a:t>
+            </a:r>
+            <a:r>
+              <a:rPr lang="en-US" dirty="0"/>
+              <a:t>channel with your other lab mates, let us know </a:t>
+            </a:r>
+          </a:p>
+          <a:p>
+            <a:r>
+              <a:rPr lang="en-US" dirty="0">
+                <a:solidFill>
+                  <a:srgbClr val="092529"/>
+                </a:solidFill>
+              </a:rPr>
+              <a:t>Thursday </a:t>
+            </a:r>
+            <a:r>
+              <a:rPr lang="en-US" dirty="0"/>
+              <a:t>lab – meant to be done by Tuesday</a:t>
+            </a:r>
+            <a:r>
+              <a:rPr lang="en-US" dirty="0">
+                <a:solidFill>
+                  <a:srgbClr val="092529"/>
+                </a:solidFill>
+              </a:rPr>
+              <a:t> </a:t>
+            </a:r>
+          </a:p>
+          <a:p>
+            <a:endParaRPr lang="en-US" b="1" dirty="0"/>
+          </a:p>
+        </p:txBody>
+      </p:sp>
+      <p:sp>
+        <p:nvSpPr>
+          <p:cNvPr id="7" name="TextBox 6">
+            <a:extLst>
+              <a:ext uri="{FF2B5EF4-FFF2-40B4-BE49-F238E27FC236}">
+                <a16:creationId xmlns:a16="http://schemas.microsoft.com/office/drawing/2014/main" id="{CB1D3C32-157D-4AB2-8254-1075DFAB882C}"/>
               </a:ext>
             </a:extLst>
           </p:cNvPr>
@@ -10364,8 +10514,8 @@
         </p:nvSpPr>
         <p:spPr>
           <a:xfrm>
-            <a:off x="7545080" y="2494740"/>
-            <a:ext cx="5394618" cy="1323439"/>
+            <a:off x="7202774" y="299645"/>
+            <a:ext cx="6910464" cy="707886"/>
           </a:xfrm>
           <a:prstGeom prst="rect">
             <a:avLst/>
@@ -10378,83 +10528,81 @@
           </a:bodyPr>
           <a:lstStyle/>
           <a:p>
-            <a:pPr algn="l"/>
-            <a:r>
-              <a:rPr lang="en-US" sz="2000" b="0" i="0" u="none" strike="noStrike" dirty="0">
-                <a:solidFill>
-                  <a:srgbClr val="000000"/>
-                </a:solidFill>
+            <a:pPr marL="0" marR="0">
+              <a:spcBef>
+                <a:spcPts val="0"/>
+              </a:spcBef>
+              <a:spcAft>
+                <a:spcPts val="0"/>
+              </a:spcAft>
+            </a:pPr>
+            <a:r>
+              <a:rPr lang="en-US" sz="2000" dirty="0">
                 <a:effectLst/>
                 <a:latin typeface="Calibri" panose="020F0502020204030204" pitchFamily="34" charset="0"/>
-              </a:rPr>
-              <a:t>ACM – Caldera Talk </a:t>
-            </a:r>
-          </a:p>
-          <a:p>
-            <a:pPr algn="l"/>
-            <a:r>
-              <a:rPr lang="en-US" sz="2000" b="0" i="0" u="none" strike="noStrike" dirty="0">
-                <a:solidFill>
-                  <a:srgbClr val="000000"/>
-                </a:solidFill>
+                <a:ea typeface="Calibri" panose="020F0502020204030204" pitchFamily="34" charset="0"/>
+              </a:rPr>
+              <a:t>February 2</a:t>
+            </a:r>
+            <a:r>
+              <a:rPr lang="en-US" sz="2000" baseline="30000" dirty="0">
                 <a:effectLst/>
                 <a:latin typeface="Calibri" panose="020F0502020204030204" pitchFamily="34" charset="0"/>
-              </a:rPr>
-              <a:t>When: Wednesday, September 8 at 6:00pm</a:t>
-            </a:r>
-          </a:p>
-          <a:p>
-            <a:pPr algn="l"/>
-            <a:r>
-              <a:rPr lang="en-US" sz="2000" b="0" i="0" u="none" strike="noStrike" dirty="0">
-                <a:solidFill>
-                  <a:srgbClr val="000000"/>
-                </a:solidFill>
+                <a:ea typeface="Calibri" panose="020F0502020204030204" pitchFamily="34" charset="0"/>
+              </a:rPr>
+              <a:t>nd</a:t>
+            </a:r>
+            <a:r>
+              <a:rPr lang="en-US" sz="2000" dirty="0">
                 <a:effectLst/>
                 <a:latin typeface="Calibri" panose="020F0502020204030204" pitchFamily="34" charset="0"/>
-              </a:rPr>
-              <a:t>Where: Computer Science Building room 130</a:t>
-            </a:r>
-          </a:p>
-          <a:p>
-            <a:pPr algn="l"/>
-            <a:r>
-              <a:rPr lang="en-US" sz="2000" b="0" i="0" u="none" strike="noStrike" dirty="0">
-                <a:solidFill>
-                  <a:srgbClr val="000000"/>
-                </a:solidFill>
+                <a:ea typeface="Calibri" panose="020F0502020204030204" pitchFamily="34" charset="0"/>
+              </a:rPr>
+              <a:t> : ACM – Presentation: Tech Interviews</a:t>
+            </a:r>
+          </a:p>
+          <a:p>
+            <a:pPr marL="0" marR="0">
+              <a:spcBef>
+                <a:spcPts val="0"/>
+              </a:spcBef>
+              <a:spcAft>
+                <a:spcPts val="0"/>
+              </a:spcAft>
+            </a:pPr>
+            <a:r>
+              <a:rPr lang="en-US" sz="2000" dirty="0">
                 <a:effectLst/>
                 <a:latin typeface="Calibri" panose="020F0502020204030204" pitchFamily="34" charset="0"/>
-              </a:rPr>
-              <a:t>RSVP: </a:t>
-            </a:r>
-            <a:r>
-              <a:rPr lang="en-US" sz="2000" b="0" i="0" u="none" strike="noStrike" dirty="0">
-                <a:solidFill>
-                  <a:srgbClr val="000000"/>
-                </a:solidFill>
+                <a:ea typeface="Calibri" panose="020F0502020204030204" pitchFamily="34" charset="0"/>
+              </a:rPr>
+              <a:t>February 3</a:t>
+            </a:r>
+            <a:r>
+              <a:rPr lang="en-US" sz="2000" baseline="30000" dirty="0">
                 <a:effectLst/>
                 <a:latin typeface="Calibri" panose="020F0502020204030204" pitchFamily="34" charset="0"/>
-                <a:hlinkClick r:id="rId2" tooltip="Original URL:&#10;https://forms.gle/oV272NkPVFp8eN2P8&#10;&#10;Click to follow link."/>
-              </a:rPr>
-              <a:t>https://forms.gle/oV272NkPVFp8eN2P8</a:t>
-            </a:r>
-            <a:endParaRPr lang="en-US" sz="2000" b="0" i="0" u="none" strike="noStrike" dirty="0">
-              <a:solidFill>
-                <a:srgbClr val="000000"/>
-              </a:solidFill>
-              <a:effectLst/>
-              <a:latin typeface="Calibri" panose="020F0502020204030204" pitchFamily="34" charset="0"/>
-            </a:endParaRPr>
+                <a:ea typeface="Calibri" panose="020F0502020204030204" pitchFamily="34" charset="0"/>
+              </a:rPr>
+              <a:t>rd</a:t>
+            </a:r>
+            <a:r>
+              <a:rPr lang="en-US" sz="2000" dirty="0">
+                <a:effectLst/>
+                <a:latin typeface="Calibri" panose="020F0502020204030204" pitchFamily="34" charset="0"/>
+                <a:ea typeface="Calibri" panose="020F0502020204030204" pitchFamily="34" charset="0"/>
+              </a:rPr>
+              <a:t> : ACM-W – Career Fair Prep</a:t>
+            </a:r>
           </a:p>
         </p:txBody>
       </p:sp>
       <p:sp>
         <p:nvSpPr>
-          <p:cNvPr id="7" name="TextBox 6">
+          <p:cNvPr id="8" name="TextBox 7">
             <a:extLst>
               <a:ext uri="{FF2B5EF4-FFF2-40B4-BE49-F238E27FC236}">
-                <a16:creationId xmlns:a16="http://schemas.microsoft.com/office/drawing/2014/main" id="{F488C2B6-F16F-CB4E-85C5-7E44AA51FB00}"/>
+                <a16:creationId xmlns:a16="http://schemas.microsoft.com/office/drawing/2014/main" id="{0143AC70-D4B9-42A1-ABE1-CE635EEDB153}"/>
               </a:ext>
             </a:extLst>
           </p:cNvPr>
@@ -10463,225 +10611,7 @@
         </p:nvSpPr>
         <p:spPr>
           <a:xfrm>
-            <a:off x="7545080" y="4091677"/>
-            <a:ext cx="5394618" cy="1631216"/>
-          </a:xfrm>
-          <a:prstGeom prst="rect">
-            <a:avLst/>
-          </a:prstGeom>
-          <a:noFill/>
-        </p:spPr>
-        <p:txBody>
-          <a:bodyPr wrap="none" rtlCol="0">
-            <a:spAutoFit/>
-          </a:bodyPr>
-          <a:lstStyle/>
-          <a:p>
-            <a:r>
-              <a:rPr lang="en-US" dirty="0"/>
-              <a:t>ACM-W Ice-cream Social</a:t>
-            </a:r>
-          </a:p>
-          <a:p>
-            <a:r>
-              <a:rPr lang="en-US" dirty="0"/>
-              <a:t>When: Thursday September 9</a:t>
-            </a:r>
-            <a:r>
-              <a:rPr lang="en-US" baseline="30000" dirty="0"/>
-              <a:t>th</a:t>
-            </a:r>
-            <a:r>
-              <a:rPr lang="en-US" dirty="0"/>
-              <a:t> at 5:30pm</a:t>
-            </a:r>
-          </a:p>
-          <a:p>
-            <a:r>
-              <a:rPr lang="en-US" dirty="0"/>
-              <a:t>Where: CSB third floor lounge</a:t>
-            </a:r>
-          </a:p>
-          <a:p>
-            <a:r>
-              <a:rPr lang="en-US" dirty="0"/>
-              <a:t>RSVP: </a:t>
-            </a:r>
-            <a:r>
-              <a:rPr lang="en-US" dirty="0">
-                <a:hlinkClick r:id="rId3" tooltip="Original URL:&#10;https://forms.gle/diegr3b9MR1VadUX6&#10;&#10;Click to follow link."/>
-              </a:rPr>
-              <a:t>https://forms.gle/diegr3b9MR1VadUX6</a:t>
-            </a:r>
-            <a:endParaRPr lang="en-US" dirty="0"/>
-          </a:p>
-          <a:p>
-            <a:endParaRPr lang="en-US" dirty="0"/>
-          </a:p>
-        </p:txBody>
-      </p:sp>
-      <p:sp>
-        <p:nvSpPr>
-          <p:cNvPr id="9" name="TextBox 8">
-            <a:extLst>
-              <a:ext uri="{FF2B5EF4-FFF2-40B4-BE49-F238E27FC236}">
-                <a16:creationId xmlns:a16="http://schemas.microsoft.com/office/drawing/2014/main" id="{175001E9-0D5B-864B-AB16-328450214CEC}"/>
-              </a:ext>
-            </a:extLst>
-          </p:cNvPr>
-          <p:cNvSpPr txBox="1"/>
-          <p:nvPr/>
-        </p:nvSpPr>
-        <p:spPr>
-          <a:xfrm>
-            <a:off x="7545080" y="5722893"/>
-            <a:ext cx="5644445" cy="1323439"/>
-          </a:xfrm>
-          <a:prstGeom prst="rect">
-            <a:avLst/>
-          </a:prstGeom>
-          <a:noFill/>
-        </p:spPr>
-        <p:txBody>
-          <a:bodyPr wrap="square">
-            <a:spAutoFit/>
-          </a:bodyPr>
-          <a:lstStyle/>
-          <a:p>
-            <a:pPr marL="0" marR="0" algn="l">
-              <a:spcBef>
-                <a:spcPts val="0"/>
-              </a:spcBef>
-              <a:spcAft>
-                <a:spcPts val="0"/>
-              </a:spcAft>
-            </a:pPr>
-            <a:r>
-              <a:rPr lang="en-US" sz="2000" b="0" i="0" u="none" strike="noStrike" dirty="0">
-                <a:solidFill>
-                  <a:srgbClr val="000000"/>
-                </a:solidFill>
-                <a:effectLst/>
-                <a:latin typeface="Calibri" panose="020F0502020204030204" pitchFamily="34" charset="0"/>
-              </a:rPr>
-              <a:t>ACM-W Diversity in Computing Dinner</a:t>
-            </a:r>
-          </a:p>
-          <a:p>
-            <a:pPr marL="0" marR="0" algn="l">
-              <a:spcBef>
-                <a:spcPts val="0"/>
-              </a:spcBef>
-              <a:spcAft>
-                <a:spcPts val="0"/>
-              </a:spcAft>
-            </a:pPr>
-            <a:r>
-              <a:rPr lang="en-US" sz="2000" b="0" i="0" u="none" strike="noStrike" dirty="0">
-                <a:solidFill>
-                  <a:srgbClr val="000000"/>
-                </a:solidFill>
-                <a:effectLst/>
-                <a:latin typeface="Calibri" panose="020F0502020204030204" pitchFamily="34" charset="0"/>
-              </a:rPr>
-              <a:t>When: Thursday September 16</a:t>
-            </a:r>
-            <a:r>
-              <a:rPr lang="en-US" sz="2000" b="0" i="0" u="none" strike="noStrike" baseline="30000" dirty="0">
-                <a:solidFill>
-                  <a:srgbClr val="000000"/>
-                </a:solidFill>
-                <a:effectLst/>
-                <a:latin typeface="Calibri" panose="020F0502020204030204" pitchFamily="34" charset="0"/>
-              </a:rPr>
-              <a:t>th</a:t>
-            </a:r>
-            <a:r>
-              <a:rPr lang="en-US" sz="2000" b="0" i="0" u="none" strike="noStrike" dirty="0">
-                <a:solidFill>
-                  <a:srgbClr val="000000"/>
-                </a:solidFill>
-                <a:effectLst/>
-                <a:latin typeface="Calibri" panose="020F0502020204030204" pitchFamily="34" charset="0"/>
-              </a:rPr>
-              <a:t> at 5:30pm</a:t>
-            </a:r>
-          </a:p>
-          <a:p>
-            <a:pPr marL="0" marR="0" algn="l">
-              <a:spcBef>
-                <a:spcPts val="0"/>
-              </a:spcBef>
-              <a:spcAft>
-                <a:spcPts val="0"/>
-              </a:spcAft>
-            </a:pPr>
-            <a:r>
-              <a:rPr lang="en-US" sz="2000" b="0" i="0" u="none" strike="noStrike" dirty="0">
-                <a:solidFill>
-                  <a:srgbClr val="000000"/>
-                </a:solidFill>
-                <a:effectLst/>
-                <a:latin typeface="Calibri" panose="020F0502020204030204" pitchFamily="34" charset="0"/>
-              </a:rPr>
-              <a:t>Where: LSC room 382</a:t>
-            </a:r>
-          </a:p>
-          <a:p>
-            <a:pPr marL="0" marR="0" algn="l">
-              <a:spcBef>
-                <a:spcPts val="0"/>
-              </a:spcBef>
-              <a:spcAft>
-                <a:spcPts val="0"/>
-              </a:spcAft>
-            </a:pPr>
-            <a:r>
-              <a:rPr lang="en-US" sz="2000" b="0" i="0" u="none" strike="noStrike" dirty="0">
-                <a:solidFill>
-                  <a:srgbClr val="000000"/>
-                </a:solidFill>
-                <a:effectLst/>
-                <a:latin typeface="Calibri" panose="020F0502020204030204" pitchFamily="34" charset="0"/>
-              </a:rPr>
-              <a:t>RSVP: </a:t>
-            </a:r>
-            <a:r>
-              <a:rPr lang="en-US" sz="2000" b="0" i="0" u="none" strike="noStrike" dirty="0">
-                <a:solidFill>
-                  <a:srgbClr val="000000"/>
-                </a:solidFill>
-                <a:effectLst/>
-                <a:latin typeface="Calibri" panose="020F0502020204030204" pitchFamily="34" charset="0"/>
-                <a:hlinkClick r:id="rId4" tooltip="Original URL:&#10;https://forms.gle/LdDiVAPaui5Ctgw38&#10;&#10;Click to follow link."/>
-              </a:rPr>
-              <a:t>https://forms.gle/LdDiVAPaui5Ctgw38</a:t>
-            </a:r>
-            <a:endParaRPr lang="en-US" sz="2000" b="0" i="0" u="none" strike="noStrike" dirty="0">
-              <a:solidFill>
-                <a:srgbClr val="000000"/>
-              </a:solidFill>
-              <a:effectLst/>
-              <a:latin typeface="Calibri" panose="020F0502020204030204" pitchFamily="34" charset="0"/>
-            </a:endParaRPr>
-          </a:p>
-        </p:txBody>
-      </p:sp>
-      <p:sp>
-        <p:nvSpPr>
-          <p:cNvPr id="10" name="TextBox 9">
-            <a:extLst>
-              <a:ext uri="{FF2B5EF4-FFF2-40B4-BE49-F238E27FC236}">
-                <a16:creationId xmlns:a16="http://schemas.microsoft.com/office/drawing/2014/main" id="{04687C0F-3162-FD47-BF00-761D96A9475E}"/>
-              </a:ext>
-            </a:extLst>
-          </p:cNvPr>
-          <p:cNvSpPr txBox="1"/>
-          <p:nvPr/>
-        </p:nvSpPr>
-        <p:spPr>
-          <a:xfrm>
-            <a:off x="5802489" y="174561"/>
+            <a:off x="2651665" y="6264377"/>
             <a:ext cx="7880153" cy="1015663"/>
           </a:xfrm>
           <a:prstGeom prst="rect">
@@ -10712,10 +10642,10 @@
       </p:sp>
       <p:sp>
         <p:nvSpPr>
-          <p:cNvPr id="8" name="Text Placeholder 4">
+          <p:cNvPr id="9" name="Text Placeholder 4">
             <a:extLst>
               <a:ext uri="{FF2B5EF4-FFF2-40B4-BE49-F238E27FC236}">
-                <a16:creationId xmlns:a16="http://schemas.microsoft.com/office/drawing/2014/main" id="{85ED3DE7-849C-6A4D-8F0B-681286F91A4C}"/>
+                <a16:creationId xmlns:a16="http://schemas.microsoft.com/office/drawing/2014/main" id="{B06B4A78-C810-42EF-9A72-6B2BEA732F0E}"/>
               </a:ext>
             </a:extLst>
           </p:cNvPr>
@@ -10726,12 +10656,17 @@
         </p:nvSpPr>
         <p:spPr>
           <a:xfrm>
-            <a:off x="431800" y="1765842"/>
-            <a:ext cx="6725359" cy="3950825"/>
+            <a:off x="7665797" y="1101333"/>
+            <a:ext cx="5984417" cy="5006563"/>
           </a:xfrm>
           <a:prstGeom prst="rect">
             <a:avLst/>
           </a:prstGeom>
+          <a:ln>
+            <a:solidFill>
+              <a:schemeClr val="tx2"/>
+            </a:solidFill>
+          </a:ln>
         </p:spPr>
         <p:txBody>
           <a:bodyPr vert="horz" wrap="square" lIns="91440" tIns="91440" rIns="91440" bIns="91440" rtlCol="0">
@@ -10899,75 +10834,88 @@
             </a:lvl9pPr>
           </a:lstStyle>
           <a:p>
+            <a:pPr marL="0" indent="0">
+              <a:buNone/>
+            </a:pPr>
+            <a:r>
+              <a:rPr lang="en-US" b="1" dirty="0"/>
+              <a:t>NEXT WEEK</a:t>
+            </a:r>
+          </a:p>
+          <a:p>
             <a:r>
               <a:rPr lang="en-US" dirty="0"/>
-              <a:t>Practical 1  -  work on it right away!</a:t>
+              <a:t>Monday: Lecture on </a:t>
+            </a:r>
+            <a:r>
+              <a:rPr lang="en-US" dirty="0" err="1"/>
+              <a:t>github</a:t>
+            </a:r>
+            <a:r>
+              <a:rPr lang="en-US" dirty="0"/>
+              <a:t> and IDEs </a:t>
+            </a:r>
+          </a:p>
+          <a:p>
+            <a:r>
+              <a:rPr lang="en-US" dirty="0"/>
+              <a:t>Tuesday: Setup IDE in lab and review</a:t>
             </a:r>
           </a:p>
           <a:p>
             <a:pPr lvl="1"/>
             <a:r>
               <a:rPr lang="en-US" dirty="0"/>
-              <a:t>Only three files have errors (rest are read only)</a:t>
+              <a:t>bring your laptop if you want help</a:t>
+            </a:r>
+          </a:p>
+          <a:p>
+            <a:r>
+              <a:rPr lang="en-US" dirty="0"/>
+              <a:t>Wednesday: Review Lecture</a:t>
             </a:r>
           </a:p>
           <a:p>
             <a:pPr lvl="1"/>
             <a:r>
               <a:rPr lang="en-US" dirty="0"/>
-              <a:t>Debugging is hard! </a:t>
-            </a:r>
-          </a:p>
-          <a:p>
-            <a:pPr lvl="2"/>
+              <a:t>Send me questions to review by EOD Monday</a:t>
+            </a:r>
+          </a:p>
+          <a:p>
             <a:r>
               <a:rPr lang="en-US" dirty="0"/>
-              <a:t>Especially if you wait until all the code is written…</a:t>
-            </a:r>
-          </a:p>
-          <a:p>
-            <a:r>
-              <a:rPr lang="en-US" u="sng" dirty="0"/>
-              <a:t>Next week</a:t>
-            </a:r>
+              <a:t>Thursday: EXAM </a:t>
+            </a:r>
+            <a:r>
+              <a:rPr lang="en-US" b="1" u="sng" dirty="0"/>
+              <a:t>in lab</a:t>
+            </a:r>
+          </a:p>
+          <a:p>
+            <a:pPr lvl="1"/>
             <a:r>
               <a:rPr lang="en-US" dirty="0"/>
-              <a:t>:</a:t>
+              <a:t>(most) Accommodations on Friday at help desk</a:t>
+            </a:r>
+          </a:p>
+          <a:p>
+            <a:r>
+              <a:rPr lang="en-US" dirty="0"/>
+              <a:t>Friday: No Class</a:t>
+            </a:r>
+          </a:p>
+          <a:p>
+            <a:r>
+              <a:rPr lang="en-US" dirty="0"/>
+              <a:t>Throughout the week </a:t>
             </a:r>
           </a:p>
           <a:p>
             <a:pPr lvl="1"/>
             <a:r>
               <a:rPr lang="en-US" dirty="0"/>
-              <a:t>Monday Lecture – help on debugging / coding follow along</a:t>
-            </a:r>
-          </a:p>
-          <a:p>
-            <a:pPr lvl="1"/>
-            <a:r>
-              <a:rPr lang="en-US" dirty="0"/>
-              <a:t>Coding exam – Tuesday in Lab</a:t>
-            </a:r>
-          </a:p>
-          <a:p>
-            <a:pPr lvl="1"/>
-            <a:r>
-              <a:rPr lang="en-US" dirty="0"/>
-              <a:t>Wednesday Lecture - review session</a:t>
-            </a:r>
-          </a:p>
-          <a:p>
-            <a:pPr lvl="1"/>
-            <a:r>
-              <a:rPr lang="en-US" dirty="0"/>
-              <a:t>Canvas exam – Thursday in Lab</a:t>
-            </a:r>
-          </a:p>
-          <a:p>
-            <a:pPr lvl="1"/>
-            <a:r>
-              <a:rPr lang="en-US" dirty="0"/>
-              <a:t>Friday Lecture – Cancelled (take time to catch up)</a:t>
+              <a:t>coding exam / one submission attempt assignment</a:t>
             </a:r>
           </a:p>
         </p:txBody>
@@ -10975,7 +10923,7 @@
     </p:spTree>
     <p:extLst>
       <p:ext uri="{BB962C8B-B14F-4D97-AF65-F5344CB8AC3E}">
-        <p14:creationId xmlns:p14="http://schemas.microsoft.com/office/powerpoint/2010/main" val="3989986971"/>
+        <p14:creationId xmlns:p14="http://schemas.microsoft.com/office/powerpoint/2010/main" val="876244202"/>
       </p:ext>
     </p:extLst>
   </p:cSld>
@@ -11044,43 +10992,1135 @@
       </p:sp>
       <p:sp>
         <p:nvSpPr>
-          <p:cNvPr id="3" name="Text Placeholder 2">
+          <p:cNvPr id="8" name="Rectangle 1">
             <a:extLst>
               <a:ext uri="{FF2B5EF4-FFF2-40B4-BE49-F238E27FC236}">
-                <a16:creationId xmlns:a16="http://schemas.microsoft.com/office/drawing/2014/main" id="{CD1C9BB5-2FD4-BD4D-BD0C-C8B2391EC783}"/>
+                <a16:creationId xmlns:a16="http://schemas.microsoft.com/office/drawing/2014/main" id="{42CAB46C-2D5A-466F-ACC8-A913721D5440}"/>
               </a:ext>
             </a:extLst>
           </p:cNvPr>
           <p:cNvSpPr>
-            <a:spLocks noGrp="1"/>
+            <a:spLocks noChangeArrowheads="1"/>
           </p:cNvSpPr>
-          <p:nvPr>
-            <p:ph type="body" sz="quarter" idx="10"/>
-          </p:nvPr>
+          <p:nvPr/>
         </p:nvSpPr>
-        <p:spPr>
+        <p:spPr bwMode="auto">
           <a:xfrm>
-            <a:off x="6908800" y="4735782"/>
-            <a:ext cx="3753428" cy="529376"/>
+            <a:off x="925530" y="1587501"/>
+            <a:ext cx="9461244" cy="3385542"/>
           </a:xfrm>
+          <a:prstGeom prst="rect">
+            <a:avLst/>
+          </a:prstGeom>
+          <a:noFill/>
+          <a:ln>
+            <a:noFill/>
+          </a:ln>
+          <a:effectLst/>
+          <a:extLst>
+            <a:ext uri="{909E8E84-426E-40DD-AFC4-6F175D3DCCD1}">
+              <a14:hiddenFill xmlns:a14="http://schemas.microsoft.com/office/drawing/2010/main">
+                <a:solidFill>
+                  <a:schemeClr val="accent1"/>
+                </a:solidFill>
+              </a14:hiddenFill>
+            </a:ext>
+            <a:ext uri="{91240B29-F687-4F45-9708-019B960494DF}">
+              <a14:hiddenLine xmlns:a14="http://schemas.microsoft.com/office/drawing/2010/main" w="9525">
+                <a:solidFill>
+                  <a:schemeClr val="tx1"/>
+                </a:solidFill>
+                <a:miter lim="800000"/>
+                <a:headEnd/>
+                <a:tailEnd/>
+              </a14:hiddenLine>
+            </a:ext>
+            <a:ext uri="{AF507438-7753-43E0-B8FC-AC1667EBCBE1}">
+              <a14:hiddenEffects xmlns:a14="http://schemas.microsoft.com/office/drawing/2010/main">
+                <a:effectLst>
+                  <a:outerShdw dist="35921" dir="2700000" algn="ctr" rotWithShape="0">
+                    <a:schemeClr val="bg2"/>
+                  </a:outerShdw>
+                </a:effectLst>
+              </a14:hiddenEffects>
+            </a:ext>
+          </a:extLst>
         </p:spPr>
         <p:txBody>
-          <a:bodyPr/>
-          <a:lstStyle/>
-          <a:p>
-            <a:r>
-              <a:rPr lang="en-US" sz="2000" dirty="0"/>
-              <a:t>What is printed?</a:t>
-            </a:r>
+          <a:bodyPr vert="horz" wrap="none" lIns="91440" tIns="45720" rIns="91440" bIns="45720" numCol="1" anchor="ctr" anchorCtr="0" compatLnSpc="1">
+            <a:prstTxWarp prst="textNoShape">
+              <a:avLst/>
+            </a:prstTxWarp>
+            <a:spAutoFit/>
+          </a:bodyPr>
+          <a:lstStyle>
+            <a:lvl1pPr eaLnBrk="0" fontAlgn="base" hangingPunct="0">
+              <a:spcBef>
+                <a:spcPct val="0"/>
+              </a:spcBef>
+              <a:spcAft>
+                <a:spcPct val="0"/>
+              </a:spcAft>
+              <a:defRPr>
+                <a:solidFill>
+                  <a:schemeClr val="tx1"/>
+                </a:solidFill>
+                <a:latin typeface="Arial" panose="020B0604020202020204" pitchFamily="34" charset="0"/>
+              </a:defRPr>
+            </a:lvl1pPr>
+            <a:lvl2pPr marL="457200" eaLnBrk="0" fontAlgn="base" hangingPunct="0">
+              <a:spcBef>
+                <a:spcPct val="0"/>
+              </a:spcBef>
+              <a:spcAft>
+                <a:spcPct val="0"/>
+              </a:spcAft>
+              <a:defRPr>
+                <a:solidFill>
+                  <a:schemeClr val="tx1"/>
+                </a:solidFill>
+                <a:latin typeface="Arial" panose="020B0604020202020204" pitchFamily="34" charset="0"/>
+              </a:defRPr>
+            </a:lvl2pPr>
+            <a:lvl3pPr marL="914400" eaLnBrk="0" fontAlgn="base" hangingPunct="0">
+              <a:spcBef>
+                <a:spcPct val="0"/>
+              </a:spcBef>
+              <a:spcAft>
+                <a:spcPct val="0"/>
+              </a:spcAft>
+              <a:defRPr>
+                <a:solidFill>
+                  <a:schemeClr val="tx1"/>
+                </a:solidFill>
+                <a:latin typeface="Arial" panose="020B0604020202020204" pitchFamily="34" charset="0"/>
+              </a:defRPr>
+            </a:lvl3pPr>
+            <a:lvl4pPr marL="1371600" eaLnBrk="0" fontAlgn="base" hangingPunct="0">
+              <a:spcBef>
+                <a:spcPct val="0"/>
+              </a:spcBef>
+              <a:spcAft>
+                <a:spcPct val="0"/>
+              </a:spcAft>
+              <a:defRPr>
+                <a:solidFill>
+                  <a:schemeClr val="tx1"/>
+                </a:solidFill>
+                <a:latin typeface="Arial" panose="020B0604020202020204" pitchFamily="34" charset="0"/>
+              </a:defRPr>
+            </a:lvl4pPr>
+            <a:lvl5pPr marL="1828800" eaLnBrk="0" fontAlgn="base" hangingPunct="0">
+              <a:spcBef>
+                <a:spcPct val="0"/>
+              </a:spcBef>
+              <a:spcAft>
+                <a:spcPct val="0"/>
+              </a:spcAft>
+              <a:defRPr>
+                <a:solidFill>
+                  <a:schemeClr val="tx1"/>
+                </a:solidFill>
+                <a:latin typeface="Arial" panose="020B0604020202020204" pitchFamily="34" charset="0"/>
+              </a:defRPr>
+            </a:lvl5pPr>
+            <a:lvl6pPr marL="2286000" eaLnBrk="0" fontAlgn="base" hangingPunct="0">
+              <a:spcBef>
+                <a:spcPct val="0"/>
+              </a:spcBef>
+              <a:spcAft>
+                <a:spcPct val="0"/>
+              </a:spcAft>
+              <a:defRPr>
+                <a:solidFill>
+                  <a:schemeClr val="tx1"/>
+                </a:solidFill>
+                <a:latin typeface="Arial" panose="020B0604020202020204" pitchFamily="34" charset="0"/>
+              </a:defRPr>
+            </a:lvl6pPr>
+            <a:lvl7pPr marL="2743200" eaLnBrk="0" fontAlgn="base" hangingPunct="0">
+              <a:spcBef>
+                <a:spcPct val="0"/>
+              </a:spcBef>
+              <a:spcAft>
+                <a:spcPct val="0"/>
+              </a:spcAft>
+              <a:defRPr>
+                <a:solidFill>
+                  <a:schemeClr val="tx1"/>
+                </a:solidFill>
+                <a:latin typeface="Arial" panose="020B0604020202020204" pitchFamily="34" charset="0"/>
+              </a:defRPr>
+            </a:lvl7pPr>
+            <a:lvl8pPr marL="3200400" eaLnBrk="0" fontAlgn="base" hangingPunct="0">
+              <a:spcBef>
+                <a:spcPct val="0"/>
+              </a:spcBef>
+              <a:spcAft>
+                <a:spcPct val="0"/>
+              </a:spcAft>
+              <a:defRPr>
+                <a:solidFill>
+                  <a:schemeClr val="tx1"/>
+                </a:solidFill>
+                <a:latin typeface="Arial" panose="020B0604020202020204" pitchFamily="34" charset="0"/>
+              </a:defRPr>
+            </a:lvl8pPr>
+            <a:lvl9pPr marL="3657600" eaLnBrk="0" fontAlgn="base" hangingPunct="0">
+              <a:spcBef>
+                <a:spcPct val="0"/>
+              </a:spcBef>
+              <a:spcAft>
+                <a:spcPct val="0"/>
+              </a:spcAft>
+              <a:defRPr>
+                <a:solidFill>
+                  <a:schemeClr val="tx1"/>
+                </a:solidFill>
+                <a:latin typeface="Arial" panose="020B0604020202020204" pitchFamily="34" charset="0"/>
+              </a:defRPr>
+            </a:lvl9pPr>
+          </a:lstStyle>
+          <a:p>
+            <a:pPr marL="0" marR="0" lvl="0" indent="0" algn="l" defTabSz="914400" rtl="0" eaLnBrk="0" fontAlgn="base" latinLnBrk="0" hangingPunct="0">
+              <a:lnSpc>
+                <a:spcPct val="100000"/>
+              </a:lnSpc>
+              <a:spcBef>
+                <a:spcPct val="0"/>
+              </a:spcBef>
+              <a:spcAft>
+                <a:spcPct val="0"/>
+              </a:spcAft>
+              <a:buClrTx/>
+              <a:buSzTx/>
+              <a:buFontTx/>
+              <a:buNone/>
+              <a:tabLst/>
+            </a:pPr>
+            <a:r>
+              <a:rPr kumimoji="0" lang="en-US" altLang="en-US" sz="1800" b="0" i="0" u="none" strike="noStrike" cap="none" normalizeH="0" baseline="0" dirty="0">
+                <a:ln>
+                  <a:noFill/>
+                </a:ln>
+                <a:solidFill>
+                  <a:srgbClr val="000000"/>
+                </a:solidFill>
+                <a:effectLst/>
+                <a:latin typeface="Arial" panose="020B0604020202020204" pitchFamily="34" charset="0"/>
+              </a:rPr>
+              <a:t>Given the output for the given code, what is conditional operator needed at </a:t>
+            </a:r>
+            <a:r>
+              <a:rPr kumimoji="0" lang="en-US" altLang="en-US" sz="1800" b="1" i="0" u="none" strike="noStrike" cap="none" normalizeH="0" baseline="0" dirty="0">
+                <a:ln>
+                  <a:noFill/>
+                </a:ln>
+                <a:solidFill>
+                  <a:srgbClr val="000000"/>
+                </a:solidFill>
+                <a:effectLst/>
+                <a:latin typeface="Arial" panose="020B0604020202020204" pitchFamily="34" charset="0"/>
+              </a:rPr>
+              <a:t>??</a:t>
+            </a:r>
+            <a:endParaRPr kumimoji="0" lang="en-US" altLang="en-US" sz="1800" b="0" i="0" u="none" strike="noStrike" cap="none" normalizeH="0" baseline="0" dirty="0">
+              <a:ln>
+                <a:noFill/>
+              </a:ln>
+              <a:solidFill>
+                <a:schemeClr val="tx1"/>
+              </a:solidFill>
+              <a:effectLst/>
+            </a:endParaRPr>
+          </a:p>
+          <a:p>
+            <a:pPr marL="0" marR="0" lvl="0" indent="0" algn="l" defTabSz="914400" rtl="0" eaLnBrk="0" fontAlgn="base" latinLnBrk="0" hangingPunct="0">
+              <a:lnSpc>
+                <a:spcPct val="100000"/>
+              </a:lnSpc>
+              <a:spcBef>
+                <a:spcPct val="0"/>
+              </a:spcBef>
+              <a:spcAft>
+                <a:spcPct val="0"/>
+              </a:spcAft>
+              <a:buClrTx/>
+              <a:buSzTx/>
+              <a:buFontTx/>
+              <a:buNone/>
+              <a:tabLst/>
+            </a:pPr>
+            <a:br>
+              <a:rPr kumimoji="0" lang="en-US" altLang="en-US" sz="1800" b="0" i="0" u="none" strike="noStrike" cap="none" normalizeH="0" baseline="0" dirty="0">
+                <a:ln>
+                  <a:noFill/>
+                </a:ln>
+                <a:solidFill>
+                  <a:srgbClr val="000000"/>
+                </a:solidFill>
+                <a:effectLst/>
+                <a:latin typeface="Arial" panose="020B0604020202020204" pitchFamily="34" charset="0"/>
+              </a:rPr>
+            </a:br>
+            <a:endParaRPr kumimoji="0" lang="en-US" altLang="en-US" sz="1800" b="0" i="0" u="none" strike="noStrike" cap="none" normalizeH="0" baseline="0" dirty="0">
+              <a:ln>
+                <a:noFill/>
+              </a:ln>
+              <a:solidFill>
+                <a:schemeClr val="tx1"/>
+              </a:solidFill>
+              <a:effectLst/>
+            </a:endParaRPr>
+          </a:p>
+          <a:p>
+            <a:pPr marL="0" marR="0" lvl="0" indent="0" algn="l" defTabSz="914400" rtl="0" eaLnBrk="0" fontAlgn="base" latinLnBrk="0" hangingPunct="0">
+              <a:lnSpc>
+                <a:spcPct val="100000"/>
+              </a:lnSpc>
+              <a:spcBef>
+                <a:spcPct val="0"/>
+              </a:spcBef>
+              <a:spcAft>
+                <a:spcPct val="0"/>
+              </a:spcAft>
+              <a:buClrTx/>
+              <a:buSzTx/>
+              <a:buFontTx/>
+              <a:buNone/>
+              <a:tabLst/>
+            </a:pPr>
+            <a:r>
+              <a:rPr kumimoji="0" lang="en-US" altLang="en-US" b="0" i="0" u="none" strike="noStrike" cap="none" normalizeH="0" baseline="0" dirty="0">
+                <a:ln>
+                  <a:noFill/>
+                </a:ln>
+                <a:solidFill>
+                  <a:srgbClr val="0000FF"/>
+                </a:solidFill>
+                <a:effectLst/>
+                <a:latin typeface="Arial Unicode MS"/>
+              </a:rPr>
+              <a:t>public</a:t>
+            </a:r>
+            <a:r>
+              <a:rPr kumimoji="0" lang="en-US" altLang="en-US" b="0" i="0" u="none" strike="noStrike" cap="none" normalizeH="0" baseline="0" dirty="0">
+                <a:ln>
+                  <a:noFill/>
+                </a:ln>
+                <a:solidFill>
+                  <a:srgbClr val="000000"/>
+                </a:solidFill>
+                <a:effectLst/>
+                <a:latin typeface="Arial Unicode MS"/>
+              </a:rPr>
+              <a:t> </a:t>
+            </a:r>
+            <a:r>
+              <a:rPr kumimoji="0" lang="en-US" altLang="en-US" b="0" i="0" u="none" strike="noStrike" cap="none" normalizeH="0" baseline="0" dirty="0">
+                <a:ln>
+                  <a:noFill/>
+                </a:ln>
+                <a:solidFill>
+                  <a:srgbClr val="0000FF"/>
+                </a:solidFill>
+                <a:effectLst/>
+                <a:latin typeface="Arial Unicode MS"/>
+              </a:rPr>
+              <a:t>static</a:t>
+            </a:r>
+            <a:r>
+              <a:rPr kumimoji="0" lang="en-US" altLang="en-US" b="0" i="0" u="none" strike="noStrike" cap="none" normalizeH="0" baseline="0" dirty="0">
+                <a:ln>
+                  <a:noFill/>
+                </a:ln>
+                <a:solidFill>
+                  <a:srgbClr val="000000"/>
+                </a:solidFill>
+                <a:effectLst/>
+                <a:latin typeface="Arial Unicode MS"/>
+              </a:rPr>
+              <a:t> </a:t>
+            </a:r>
+            <a:r>
+              <a:rPr kumimoji="0" lang="en-US" altLang="en-US" b="0" i="0" u="none" strike="noStrike" cap="none" normalizeH="0" baseline="0" dirty="0" err="1">
+                <a:ln>
+                  <a:noFill/>
+                </a:ln>
+                <a:solidFill>
+                  <a:srgbClr val="267F99"/>
+                </a:solidFill>
+                <a:effectLst/>
+                <a:latin typeface="Arial Unicode MS"/>
+              </a:rPr>
+              <a:t>boolean</a:t>
+            </a:r>
+            <a:r>
+              <a:rPr kumimoji="0" lang="en-US" altLang="en-US" b="0" i="0" u="none" strike="noStrike" cap="none" normalizeH="0" baseline="0" dirty="0">
+                <a:ln>
+                  <a:noFill/>
+                </a:ln>
+                <a:solidFill>
+                  <a:srgbClr val="000000"/>
+                </a:solidFill>
+                <a:effectLst/>
+                <a:latin typeface="Arial Unicode MS"/>
+              </a:rPr>
+              <a:t> </a:t>
+            </a:r>
+            <a:r>
+              <a:rPr kumimoji="0" lang="en-US" altLang="en-US" b="0" i="0" u="none" strike="noStrike" cap="none" normalizeH="0" baseline="0" dirty="0" err="1">
+                <a:ln>
+                  <a:noFill/>
+                </a:ln>
+                <a:solidFill>
+                  <a:srgbClr val="795E26"/>
+                </a:solidFill>
+                <a:effectLst/>
+                <a:latin typeface="Arial Unicode MS"/>
+              </a:rPr>
+              <a:t>signCheck</a:t>
+            </a:r>
+            <a:r>
+              <a:rPr kumimoji="0" lang="en-US" altLang="en-US" b="0" i="0" u="none" strike="noStrike" cap="none" normalizeH="0" baseline="0" dirty="0">
+                <a:ln>
+                  <a:noFill/>
+                </a:ln>
+                <a:solidFill>
+                  <a:srgbClr val="000000"/>
+                </a:solidFill>
+                <a:effectLst/>
+                <a:latin typeface="Arial Unicode MS"/>
+              </a:rPr>
+              <a:t>(</a:t>
+            </a:r>
+            <a:r>
+              <a:rPr kumimoji="0" lang="en-US" altLang="en-US" b="0" i="0" u="none" strike="noStrike" cap="none" normalizeH="0" baseline="0" dirty="0">
+                <a:ln>
+                  <a:noFill/>
+                </a:ln>
+                <a:solidFill>
+                  <a:srgbClr val="267F99"/>
+                </a:solidFill>
+                <a:effectLst/>
+                <a:latin typeface="Arial Unicode MS"/>
+              </a:rPr>
+              <a:t>int</a:t>
+            </a:r>
+            <a:r>
+              <a:rPr kumimoji="0" lang="en-US" altLang="en-US" b="0" i="0" u="none" strike="noStrike" cap="none" normalizeH="0" baseline="0" dirty="0">
+                <a:ln>
+                  <a:noFill/>
+                </a:ln>
+                <a:solidFill>
+                  <a:srgbClr val="000000"/>
+                </a:solidFill>
+                <a:effectLst/>
+                <a:latin typeface="Arial Unicode MS"/>
+              </a:rPr>
+              <a:t> </a:t>
+            </a:r>
+            <a:r>
+              <a:rPr kumimoji="0" lang="en-US" altLang="en-US" b="0" i="0" u="none" strike="noStrike" cap="none" normalizeH="0" baseline="0" dirty="0" err="1">
+                <a:ln>
+                  <a:noFill/>
+                </a:ln>
+                <a:solidFill>
+                  <a:srgbClr val="001080"/>
+                </a:solidFill>
+                <a:effectLst/>
+                <a:latin typeface="Arial Unicode MS"/>
+              </a:rPr>
+              <a:t>val</a:t>
+            </a:r>
+            <a:r>
+              <a:rPr kumimoji="0" lang="en-US" altLang="en-US" b="0" i="0" u="none" strike="noStrike" cap="none" normalizeH="0" baseline="0" dirty="0">
+                <a:ln>
+                  <a:noFill/>
+                </a:ln>
+                <a:solidFill>
+                  <a:srgbClr val="000000"/>
+                </a:solidFill>
+                <a:effectLst/>
+                <a:latin typeface="Arial Unicode MS"/>
+              </a:rPr>
+              <a:t>) {</a:t>
+            </a:r>
+            <a:br>
+              <a:rPr kumimoji="0" lang="en-US" altLang="en-US" b="0" i="0" u="none" strike="noStrike" cap="none" normalizeH="0" baseline="0" dirty="0">
+                <a:ln>
+                  <a:noFill/>
+                </a:ln>
+                <a:solidFill>
+                  <a:srgbClr val="000000"/>
+                </a:solidFill>
+                <a:effectLst/>
+                <a:latin typeface="Arial Unicode MS"/>
+              </a:rPr>
+            </a:br>
+            <a:r>
+              <a:rPr kumimoji="0" lang="en-US" altLang="en-US" b="0" i="0" u="none" strike="noStrike" cap="none" normalizeH="0" baseline="0" dirty="0">
+                <a:ln>
+                  <a:noFill/>
+                </a:ln>
+                <a:solidFill>
+                  <a:srgbClr val="000000"/>
+                </a:solidFill>
+                <a:effectLst/>
+                <a:latin typeface="Arial Unicode MS"/>
+              </a:rPr>
+              <a:t>   </a:t>
+            </a:r>
+            <a:r>
+              <a:rPr kumimoji="0" lang="en-US" altLang="en-US" b="0" i="0" u="none" strike="noStrike" cap="none" normalizeH="0" baseline="0" dirty="0">
+                <a:ln>
+                  <a:noFill/>
+                </a:ln>
+                <a:solidFill>
+                  <a:srgbClr val="AF00DB"/>
+                </a:solidFill>
+                <a:effectLst/>
+                <a:latin typeface="Arial Unicode MS"/>
+              </a:rPr>
+              <a:t>return</a:t>
+            </a:r>
+            <a:r>
+              <a:rPr kumimoji="0" lang="en-US" altLang="en-US" b="0" i="0" u="none" strike="noStrike" cap="none" normalizeH="0" baseline="0" dirty="0">
+                <a:ln>
+                  <a:noFill/>
+                </a:ln>
+                <a:solidFill>
+                  <a:srgbClr val="000000"/>
+                </a:solidFill>
+                <a:effectLst/>
+                <a:latin typeface="Arial Unicode MS"/>
+              </a:rPr>
+              <a:t> </a:t>
+            </a:r>
+            <a:r>
+              <a:rPr kumimoji="0" lang="en-US" altLang="en-US" b="0" i="0" u="none" strike="noStrike" cap="none" normalizeH="0" baseline="0" dirty="0">
+                <a:ln>
+                  <a:noFill/>
+                </a:ln>
+                <a:solidFill>
+                  <a:srgbClr val="098658"/>
+                </a:solidFill>
+                <a:effectLst/>
+                <a:latin typeface="Arial Unicode MS"/>
+              </a:rPr>
+              <a:t>0</a:t>
+            </a:r>
+            <a:r>
+              <a:rPr kumimoji="0" lang="en-US" altLang="en-US" b="0" i="0" u="none" strike="noStrike" cap="none" normalizeH="0" baseline="0" dirty="0">
+                <a:ln>
+                  <a:noFill/>
+                </a:ln>
+                <a:solidFill>
+                  <a:srgbClr val="000000"/>
+                </a:solidFill>
+                <a:effectLst/>
+                <a:latin typeface="Arial Unicode MS"/>
+              </a:rPr>
+              <a:t> </a:t>
+            </a:r>
+            <a:r>
+              <a:rPr kumimoji="0" lang="en-US" altLang="en-US" b="1" i="0" u="none" strike="noStrike" cap="none" normalizeH="0" baseline="0" dirty="0">
+                <a:ln>
+                  <a:noFill/>
+                </a:ln>
+                <a:solidFill>
+                  <a:srgbClr val="000000"/>
+                </a:solidFill>
+                <a:effectLst/>
+                <a:latin typeface="Arial Unicode MS"/>
+              </a:rPr>
+              <a:t>??</a:t>
+            </a:r>
+            <a:r>
+              <a:rPr kumimoji="0" lang="en-US" altLang="en-US" b="0" i="0" u="none" strike="noStrike" cap="none" normalizeH="0" baseline="0" dirty="0">
+                <a:ln>
+                  <a:noFill/>
+                </a:ln>
+                <a:solidFill>
+                  <a:srgbClr val="000000"/>
+                </a:solidFill>
+                <a:effectLst/>
+                <a:latin typeface="Arial Unicode MS"/>
+              </a:rPr>
+              <a:t> </a:t>
+            </a:r>
+            <a:r>
+              <a:rPr kumimoji="0" lang="en-US" altLang="en-US" b="0" i="0" u="none" strike="noStrike" cap="none" normalizeH="0" baseline="0" dirty="0" err="1">
+                <a:ln>
+                  <a:noFill/>
+                </a:ln>
+                <a:solidFill>
+                  <a:srgbClr val="001080"/>
+                </a:solidFill>
+                <a:effectLst/>
+                <a:latin typeface="Arial Unicode MS"/>
+              </a:rPr>
+              <a:t>val</a:t>
+            </a:r>
+            <a:r>
+              <a:rPr kumimoji="0" lang="en-US" altLang="en-US" b="0" i="0" u="none" strike="noStrike" cap="none" normalizeH="0" baseline="0" dirty="0">
+                <a:ln>
+                  <a:noFill/>
+                </a:ln>
+                <a:solidFill>
+                  <a:srgbClr val="000000"/>
+                </a:solidFill>
+                <a:effectLst/>
+                <a:latin typeface="Arial Unicode MS"/>
+              </a:rPr>
+              <a:t>;</a:t>
+            </a:r>
+            <a:br>
+              <a:rPr kumimoji="0" lang="en-US" altLang="en-US" b="0" i="0" u="none" strike="noStrike" cap="none" normalizeH="0" baseline="0" dirty="0">
+                <a:ln>
+                  <a:noFill/>
+                </a:ln>
+                <a:solidFill>
+                  <a:srgbClr val="000000"/>
+                </a:solidFill>
+                <a:effectLst/>
+                <a:latin typeface="Arial Unicode MS"/>
+              </a:rPr>
+            </a:br>
+            <a:r>
+              <a:rPr kumimoji="0" lang="en-US" altLang="en-US" b="0" i="0" u="none" strike="noStrike" cap="none" normalizeH="0" baseline="0" dirty="0">
+                <a:ln>
+                  <a:noFill/>
+                </a:ln>
+                <a:solidFill>
+                  <a:srgbClr val="000000"/>
+                </a:solidFill>
+                <a:effectLst/>
+                <a:latin typeface="Arial Unicode MS"/>
+              </a:rPr>
+              <a:t>}</a:t>
+            </a:r>
+            <a:br>
+              <a:rPr kumimoji="0" lang="en-US" altLang="en-US" b="0" i="0" u="none" strike="noStrike" cap="none" normalizeH="0" baseline="0" dirty="0">
+                <a:ln>
+                  <a:noFill/>
+                </a:ln>
+                <a:solidFill>
+                  <a:srgbClr val="000000"/>
+                </a:solidFill>
+                <a:effectLst/>
+                <a:latin typeface="Arial Unicode MS"/>
+              </a:rPr>
+            </a:br>
+            <a:br>
+              <a:rPr kumimoji="0" lang="en-US" altLang="en-US" b="0" i="0" u="none" strike="noStrike" cap="none" normalizeH="0" baseline="0" dirty="0">
+                <a:ln>
+                  <a:noFill/>
+                </a:ln>
+                <a:solidFill>
+                  <a:srgbClr val="000000"/>
+                </a:solidFill>
+                <a:effectLst/>
+                <a:latin typeface="Arial Unicode MS"/>
+              </a:rPr>
+            </a:br>
+            <a:br>
+              <a:rPr kumimoji="0" lang="en-US" altLang="en-US" b="0" i="0" u="none" strike="noStrike" cap="none" normalizeH="0" baseline="0" dirty="0">
+                <a:ln>
+                  <a:noFill/>
+                </a:ln>
+                <a:solidFill>
+                  <a:srgbClr val="000000"/>
+                </a:solidFill>
+                <a:effectLst/>
+                <a:latin typeface="Arial Unicode MS"/>
+              </a:rPr>
+            </a:br>
+            <a:r>
+              <a:rPr kumimoji="0" lang="en-US" altLang="en-US" b="0" i="0" u="none" strike="noStrike" cap="none" normalizeH="0" baseline="0" dirty="0">
+                <a:ln>
+                  <a:noFill/>
+                </a:ln>
+                <a:solidFill>
+                  <a:srgbClr val="0000FF"/>
+                </a:solidFill>
+                <a:effectLst/>
+                <a:latin typeface="Arial Unicode MS"/>
+              </a:rPr>
+              <a:t>public</a:t>
+            </a:r>
+            <a:r>
+              <a:rPr kumimoji="0" lang="en-US" altLang="en-US" b="0" i="0" u="none" strike="noStrike" cap="none" normalizeH="0" baseline="0" dirty="0">
+                <a:ln>
+                  <a:noFill/>
+                </a:ln>
+                <a:solidFill>
+                  <a:srgbClr val="000000"/>
+                </a:solidFill>
+                <a:effectLst/>
+                <a:latin typeface="Arial Unicode MS"/>
+              </a:rPr>
+              <a:t> </a:t>
+            </a:r>
+            <a:r>
+              <a:rPr kumimoji="0" lang="en-US" altLang="en-US" b="0" i="0" u="none" strike="noStrike" cap="none" normalizeH="0" baseline="0" dirty="0">
+                <a:ln>
+                  <a:noFill/>
+                </a:ln>
+                <a:solidFill>
+                  <a:srgbClr val="0000FF"/>
+                </a:solidFill>
+                <a:effectLst/>
+                <a:latin typeface="Arial Unicode MS"/>
+              </a:rPr>
+              <a:t>static</a:t>
+            </a:r>
+            <a:r>
+              <a:rPr kumimoji="0" lang="en-US" altLang="en-US" b="0" i="0" u="none" strike="noStrike" cap="none" normalizeH="0" baseline="0" dirty="0">
+                <a:ln>
+                  <a:noFill/>
+                </a:ln>
+                <a:solidFill>
+                  <a:srgbClr val="000000"/>
+                </a:solidFill>
+                <a:effectLst/>
+                <a:latin typeface="Arial Unicode MS"/>
+              </a:rPr>
+              <a:t> </a:t>
+            </a:r>
+            <a:r>
+              <a:rPr kumimoji="0" lang="en-US" altLang="en-US" b="0" i="0" u="none" strike="noStrike" cap="none" normalizeH="0" baseline="0" dirty="0">
+                <a:ln>
+                  <a:noFill/>
+                </a:ln>
+                <a:solidFill>
+                  <a:srgbClr val="267F99"/>
+                </a:solidFill>
+                <a:effectLst/>
+                <a:latin typeface="Arial Unicode MS"/>
+              </a:rPr>
+              <a:t>void</a:t>
+            </a:r>
+            <a:r>
+              <a:rPr kumimoji="0" lang="en-US" altLang="en-US" b="0" i="0" u="none" strike="noStrike" cap="none" normalizeH="0" baseline="0" dirty="0">
+                <a:ln>
+                  <a:noFill/>
+                </a:ln>
+                <a:solidFill>
+                  <a:srgbClr val="000000"/>
+                </a:solidFill>
+                <a:effectLst/>
+                <a:latin typeface="Arial Unicode MS"/>
+              </a:rPr>
+              <a:t> </a:t>
+            </a:r>
+            <a:r>
+              <a:rPr kumimoji="0" lang="en-US" altLang="en-US" b="0" i="0" u="none" strike="noStrike" cap="none" normalizeH="0" baseline="0" dirty="0">
+                <a:ln>
+                  <a:noFill/>
+                </a:ln>
+                <a:solidFill>
+                  <a:srgbClr val="795E26"/>
+                </a:solidFill>
+                <a:effectLst/>
+                <a:latin typeface="Arial Unicode MS"/>
+              </a:rPr>
+              <a:t>main</a:t>
+            </a:r>
+            <a:r>
+              <a:rPr kumimoji="0" lang="en-US" altLang="en-US" b="0" i="0" u="none" strike="noStrike" cap="none" normalizeH="0" baseline="0" dirty="0">
+                <a:ln>
+                  <a:noFill/>
+                </a:ln>
+                <a:solidFill>
+                  <a:srgbClr val="000000"/>
+                </a:solidFill>
+                <a:effectLst/>
+                <a:latin typeface="Arial Unicode MS"/>
+              </a:rPr>
+              <a:t>(</a:t>
+            </a:r>
+            <a:r>
+              <a:rPr kumimoji="0" lang="en-US" altLang="en-US" b="0" i="0" u="none" strike="noStrike" cap="none" normalizeH="0" baseline="0" dirty="0">
+                <a:ln>
+                  <a:noFill/>
+                </a:ln>
+                <a:solidFill>
+                  <a:srgbClr val="267F99"/>
+                </a:solidFill>
+                <a:effectLst/>
+                <a:latin typeface="Arial Unicode MS"/>
+              </a:rPr>
+              <a:t>String</a:t>
+            </a:r>
+            <a:r>
+              <a:rPr kumimoji="0" lang="en-US" altLang="en-US" b="0" i="0" u="none" strike="noStrike" cap="none" normalizeH="0" baseline="0" dirty="0">
+                <a:ln>
+                  <a:noFill/>
+                </a:ln>
+                <a:solidFill>
+                  <a:srgbClr val="000000"/>
+                </a:solidFill>
+                <a:effectLst/>
+                <a:latin typeface="Arial Unicode MS"/>
+              </a:rPr>
+              <a:t>[] </a:t>
+            </a:r>
+            <a:r>
+              <a:rPr kumimoji="0" lang="en-US" altLang="en-US" b="0" i="0" u="none" strike="noStrike" cap="none" normalizeH="0" baseline="0" dirty="0" err="1">
+                <a:ln>
+                  <a:noFill/>
+                </a:ln>
+                <a:solidFill>
+                  <a:srgbClr val="001080"/>
+                </a:solidFill>
+                <a:effectLst/>
+                <a:latin typeface="Arial Unicode MS"/>
+              </a:rPr>
+              <a:t>args</a:t>
+            </a:r>
+            <a:r>
+              <a:rPr kumimoji="0" lang="en-US" altLang="en-US" b="0" i="0" u="none" strike="noStrike" cap="none" normalizeH="0" baseline="0" dirty="0">
+                <a:ln>
+                  <a:noFill/>
+                </a:ln>
+                <a:solidFill>
+                  <a:srgbClr val="000000"/>
+                </a:solidFill>
+                <a:effectLst/>
+                <a:latin typeface="Arial Unicode MS"/>
+              </a:rPr>
+              <a:t>) {</a:t>
+            </a:r>
+            <a:br>
+              <a:rPr kumimoji="0" lang="en-US" altLang="en-US" b="0" i="0" u="none" strike="noStrike" cap="none" normalizeH="0" baseline="0" dirty="0">
+                <a:ln>
+                  <a:noFill/>
+                </a:ln>
+                <a:solidFill>
+                  <a:srgbClr val="000000"/>
+                </a:solidFill>
+                <a:effectLst/>
+                <a:latin typeface="Arial Unicode MS"/>
+              </a:rPr>
+            </a:br>
+            <a:r>
+              <a:rPr kumimoji="0" lang="en-US" altLang="en-US" b="0" i="0" u="none" strike="noStrike" cap="none" normalizeH="0" baseline="0" dirty="0">
+                <a:ln>
+                  <a:noFill/>
+                </a:ln>
+                <a:solidFill>
+                  <a:srgbClr val="000000"/>
+                </a:solidFill>
+                <a:effectLst/>
+                <a:latin typeface="Arial Unicode MS"/>
+              </a:rPr>
+              <a:t>   </a:t>
+            </a:r>
+            <a:r>
+              <a:rPr kumimoji="0" lang="en-US" altLang="en-US" b="0" i="0" u="none" strike="noStrike" cap="none" normalizeH="0" baseline="0" dirty="0" err="1">
+                <a:ln>
+                  <a:noFill/>
+                </a:ln>
+                <a:solidFill>
+                  <a:srgbClr val="267F99"/>
+                </a:solidFill>
+                <a:effectLst/>
+                <a:latin typeface="Arial Unicode MS"/>
+              </a:rPr>
+              <a:t>System</a:t>
+            </a:r>
+            <a:r>
+              <a:rPr kumimoji="0" lang="en-US" altLang="en-US" b="0" i="0" u="none" strike="noStrike" cap="none" normalizeH="0" baseline="0" dirty="0" err="1">
+                <a:ln>
+                  <a:noFill/>
+                </a:ln>
+                <a:solidFill>
+                  <a:srgbClr val="000000"/>
+                </a:solidFill>
+                <a:effectLst/>
+                <a:latin typeface="Arial Unicode MS"/>
+              </a:rPr>
+              <a:t>.</a:t>
+            </a:r>
+            <a:r>
+              <a:rPr kumimoji="0" lang="en-US" altLang="en-US" b="0" i="0" u="none" strike="noStrike" cap="none" normalizeH="0" baseline="0" dirty="0" err="1">
+                <a:ln>
+                  <a:noFill/>
+                </a:ln>
+                <a:solidFill>
+                  <a:srgbClr val="0070C1"/>
+                </a:solidFill>
+                <a:effectLst/>
+                <a:latin typeface="Arial Unicode MS"/>
+              </a:rPr>
+              <a:t>out</a:t>
+            </a:r>
+            <a:r>
+              <a:rPr kumimoji="0" lang="en-US" altLang="en-US" b="0" i="0" u="none" strike="noStrike" cap="none" normalizeH="0" baseline="0" dirty="0" err="1">
+                <a:ln>
+                  <a:noFill/>
+                </a:ln>
+                <a:solidFill>
+                  <a:srgbClr val="000000"/>
+                </a:solidFill>
+                <a:effectLst/>
+                <a:latin typeface="Arial Unicode MS"/>
+              </a:rPr>
+              <a:t>.</a:t>
+            </a:r>
+            <a:r>
+              <a:rPr kumimoji="0" lang="en-US" altLang="en-US" b="0" i="0" u="none" strike="noStrike" cap="none" normalizeH="0" baseline="0" dirty="0" err="1">
+                <a:ln>
+                  <a:noFill/>
+                </a:ln>
+                <a:solidFill>
+                  <a:srgbClr val="795E26"/>
+                </a:solidFill>
+                <a:effectLst/>
+                <a:latin typeface="Arial Unicode MS"/>
+              </a:rPr>
+              <a:t>printf</a:t>
+            </a:r>
+            <a:r>
+              <a:rPr kumimoji="0" lang="en-US" altLang="en-US" b="0" i="0" u="none" strike="noStrike" cap="none" normalizeH="0" baseline="0" dirty="0">
+                <a:ln>
+                  <a:noFill/>
+                </a:ln>
+                <a:solidFill>
+                  <a:srgbClr val="000000"/>
+                </a:solidFill>
+                <a:effectLst/>
+                <a:latin typeface="Arial Unicode MS"/>
+              </a:rPr>
+              <a:t>(</a:t>
+            </a:r>
+            <a:r>
+              <a:rPr kumimoji="0" lang="en-US" altLang="en-US" b="0" i="0" u="none" strike="noStrike" cap="none" normalizeH="0" baseline="0" dirty="0">
+                <a:ln>
+                  <a:noFill/>
+                </a:ln>
+                <a:solidFill>
+                  <a:srgbClr val="A31515"/>
+                </a:solidFill>
+                <a:effectLst/>
+                <a:latin typeface="Arial Unicode MS"/>
+              </a:rPr>
+              <a:t>"%b, %b, %b"</a:t>
+            </a:r>
+            <a:r>
+              <a:rPr kumimoji="0" lang="en-US" altLang="en-US" b="0" i="0" u="none" strike="noStrike" cap="none" normalizeH="0" baseline="0" dirty="0">
+                <a:ln>
+                  <a:noFill/>
+                </a:ln>
+                <a:solidFill>
+                  <a:srgbClr val="000000"/>
+                </a:solidFill>
+                <a:effectLst/>
+                <a:latin typeface="Arial Unicode MS"/>
+              </a:rPr>
+              <a:t>, </a:t>
+            </a:r>
+            <a:r>
+              <a:rPr kumimoji="0" lang="en-US" altLang="en-US" b="0" i="0" u="none" strike="noStrike" cap="none" normalizeH="0" baseline="0" dirty="0" err="1">
+                <a:ln>
+                  <a:noFill/>
+                </a:ln>
+                <a:solidFill>
+                  <a:srgbClr val="795E26"/>
+                </a:solidFill>
+                <a:effectLst/>
+                <a:latin typeface="Arial Unicode MS"/>
+              </a:rPr>
+              <a:t>signCheck</a:t>
+            </a:r>
+            <a:r>
+              <a:rPr kumimoji="0" lang="en-US" altLang="en-US" b="0" i="0" u="none" strike="noStrike" cap="none" normalizeH="0" baseline="0" dirty="0">
+                <a:ln>
+                  <a:noFill/>
+                </a:ln>
+                <a:solidFill>
+                  <a:srgbClr val="000000"/>
+                </a:solidFill>
+                <a:effectLst/>
+                <a:latin typeface="Arial Unicode MS"/>
+              </a:rPr>
+              <a:t>(</a:t>
+            </a:r>
+            <a:r>
+              <a:rPr kumimoji="0" lang="en-US" altLang="en-US" b="0" i="0" u="none" strike="noStrike" cap="none" normalizeH="0" baseline="0" dirty="0">
+                <a:ln>
+                  <a:noFill/>
+                </a:ln>
+                <a:solidFill>
+                  <a:srgbClr val="098658"/>
+                </a:solidFill>
+                <a:effectLst/>
+                <a:latin typeface="Arial Unicode MS"/>
+              </a:rPr>
+              <a:t>10</a:t>
+            </a:r>
+            <a:r>
+              <a:rPr kumimoji="0" lang="en-US" altLang="en-US" b="0" i="0" u="none" strike="noStrike" cap="none" normalizeH="0" baseline="0" dirty="0">
+                <a:ln>
+                  <a:noFill/>
+                </a:ln>
+                <a:solidFill>
+                  <a:srgbClr val="000000"/>
+                </a:solidFill>
+                <a:effectLst/>
+                <a:latin typeface="Arial Unicode MS"/>
+              </a:rPr>
+              <a:t>), </a:t>
+            </a:r>
+            <a:r>
+              <a:rPr kumimoji="0" lang="en-US" altLang="en-US" b="0" i="0" u="none" strike="noStrike" cap="none" normalizeH="0" baseline="0" dirty="0" err="1">
+                <a:ln>
+                  <a:noFill/>
+                </a:ln>
+                <a:solidFill>
+                  <a:srgbClr val="795E26"/>
+                </a:solidFill>
+                <a:effectLst/>
+                <a:latin typeface="Arial Unicode MS"/>
+              </a:rPr>
+              <a:t>signCheck</a:t>
+            </a:r>
+            <a:r>
+              <a:rPr kumimoji="0" lang="en-US" altLang="en-US" b="0" i="0" u="none" strike="noStrike" cap="none" normalizeH="0" baseline="0" dirty="0">
+                <a:ln>
+                  <a:noFill/>
+                </a:ln>
+                <a:solidFill>
+                  <a:srgbClr val="000000"/>
+                </a:solidFill>
+                <a:effectLst/>
+                <a:latin typeface="Arial Unicode MS"/>
+              </a:rPr>
+              <a:t>(</a:t>
+            </a:r>
+            <a:r>
+              <a:rPr kumimoji="0" lang="en-US" altLang="en-US" b="0" i="0" u="none" strike="noStrike" cap="none" normalizeH="0" baseline="0" dirty="0">
+                <a:ln>
+                  <a:noFill/>
+                </a:ln>
+                <a:solidFill>
+                  <a:srgbClr val="098658"/>
+                </a:solidFill>
+                <a:effectLst/>
+                <a:latin typeface="Arial Unicode MS"/>
+              </a:rPr>
+              <a:t>0</a:t>
+            </a:r>
+            <a:r>
+              <a:rPr kumimoji="0" lang="en-US" altLang="en-US" b="0" i="0" u="none" strike="noStrike" cap="none" normalizeH="0" baseline="0" dirty="0">
+                <a:ln>
+                  <a:noFill/>
+                </a:ln>
+                <a:solidFill>
+                  <a:srgbClr val="000000"/>
+                </a:solidFill>
+                <a:effectLst/>
+                <a:latin typeface="Arial Unicode MS"/>
+              </a:rPr>
+              <a:t>), </a:t>
+            </a:r>
+            <a:r>
+              <a:rPr kumimoji="0" lang="en-US" altLang="en-US" b="0" i="0" u="none" strike="noStrike" cap="none" normalizeH="0" baseline="0" dirty="0" err="1">
+                <a:ln>
+                  <a:noFill/>
+                </a:ln>
+                <a:solidFill>
+                  <a:srgbClr val="795E26"/>
+                </a:solidFill>
+                <a:effectLst/>
+                <a:latin typeface="Arial Unicode MS"/>
+              </a:rPr>
+              <a:t>signCheck</a:t>
+            </a:r>
+            <a:r>
+              <a:rPr kumimoji="0" lang="en-US" altLang="en-US" b="0" i="0" u="none" strike="noStrike" cap="none" normalizeH="0" baseline="0" dirty="0">
+                <a:ln>
+                  <a:noFill/>
+                </a:ln>
+                <a:solidFill>
+                  <a:srgbClr val="000000"/>
+                </a:solidFill>
+                <a:effectLst/>
+                <a:latin typeface="Arial Unicode MS"/>
+              </a:rPr>
+              <a:t>(-</a:t>
+            </a:r>
+            <a:r>
+              <a:rPr kumimoji="0" lang="en-US" altLang="en-US" b="0" i="0" u="none" strike="noStrike" cap="none" normalizeH="0" baseline="0" dirty="0">
+                <a:ln>
+                  <a:noFill/>
+                </a:ln>
+                <a:solidFill>
+                  <a:srgbClr val="098658"/>
+                </a:solidFill>
+                <a:effectLst/>
+                <a:latin typeface="Arial Unicode MS"/>
+              </a:rPr>
+              <a:t>10</a:t>
+            </a:r>
+            <a:r>
+              <a:rPr kumimoji="0" lang="en-US" altLang="en-US" b="0" i="0" u="none" strike="noStrike" cap="none" normalizeH="0" baseline="0" dirty="0">
+                <a:ln>
+                  <a:noFill/>
+                </a:ln>
+                <a:solidFill>
+                  <a:srgbClr val="000000"/>
+                </a:solidFill>
+                <a:effectLst/>
+                <a:latin typeface="Arial Unicode MS"/>
+              </a:rPr>
+              <a:t>));</a:t>
+            </a:r>
+            <a:br>
+              <a:rPr kumimoji="0" lang="en-US" altLang="en-US" b="0" i="0" u="none" strike="noStrike" cap="none" normalizeH="0" baseline="0" dirty="0">
+                <a:ln>
+                  <a:noFill/>
+                </a:ln>
+                <a:solidFill>
+                  <a:srgbClr val="000000"/>
+                </a:solidFill>
+                <a:effectLst/>
+                <a:latin typeface="Arial Unicode MS"/>
+              </a:rPr>
+            </a:br>
+            <a:r>
+              <a:rPr kumimoji="0" lang="en-US" altLang="en-US" b="0" i="0" u="none" strike="noStrike" cap="none" normalizeH="0" baseline="0" dirty="0">
+                <a:ln>
+                  <a:noFill/>
+                </a:ln>
+                <a:solidFill>
+                  <a:srgbClr val="000000"/>
+                </a:solidFill>
+                <a:effectLst/>
+                <a:latin typeface="Arial Unicode MS"/>
+              </a:rPr>
+              <a:t>}</a:t>
+            </a:r>
+            <a:endParaRPr kumimoji="0" lang="en-US" altLang="en-US" b="0" i="0" u="none" strike="noStrike" cap="none" normalizeH="0" baseline="0" dirty="0">
+              <a:ln>
+                <a:noFill/>
+              </a:ln>
+              <a:solidFill>
+                <a:schemeClr val="tx1"/>
+              </a:solidFill>
+              <a:effectLst/>
+              <a:latin typeface="Arial" panose="020B0604020202020204" pitchFamily="34" charset="0"/>
+            </a:endParaRPr>
           </a:p>
         </p:txBody>
       </p:sp>
       <p:sp>
         <p:nvSpPr>
-          <p:cNvPr id="5" name="TextBox 4">
+          <p:cNvPr id="9" name="TextBox 8">
             <a:extLst>
               <a:ext uri="{FF2B5EF4-FFF2-40B4-BE49-F238E27FC236}">
-                <a16:creationId xmlns:a16="http://schemas.microsoft.com/office/drawing/2014/main" id="{B4B559FD-F27B-3645-A4BD-29CBE57221AE}"/>
+                <a16:creationId xmlns:a16="http://schemas.microsoft.com/office/drawing/2014/main" id="{7F47CCFC-63FE-431E-BEDE-18869D514285}"/>
               </a:ext>
             </a:extLst>
           </p:cNvPr>
@@ -11089,8 +12129,8 @@
         </p:nvSpPr>
         <p:spPr>
           <a:xfrm>
-            <a:off x="628075" y="1576257"/>
-            <a:ext cx="6908800" cy="5016758"/>
+            <a:off x="925529" y="5244029"/>
+            <a:ext cx="2049025" cy="400110"/>
           </a:xfrm>
           <a:prstGeom prst="rect">
             <a:avLst/>
@@ -11098,834 +12138,24 @@
           <a:noFill/>
         </p:spPr>
         <p:txBody>
-          <a:bodyPr wrap="square">
+          <a:bodyPr wrap="square" rtlCol="0">
             <a:spAutoFit/>
           </a:bodyPr>
           <a:lstStyle/>
           <a:p>
             <a:r>
-              <a:rPr lang="en-US" dirty="0">
-                <a:solidFill>
-                  <a:srgbClr val="CC7832"/>
-                </a:solidFill>
-                <a:effectLst/>
-                <a:latin typeface="Consolas" panose="020B0609020204030204" pitchFamily="49" charset="0"/>
-                <a:cs typeface="Consolas" panose="020B0609020204030204" pitchFamily="49" charset="0"/>
-              </a:rPr>
-              <a:t>public static int </a:t>
-            </a:r>
-            <a:r>
-              <a:rPr lang="en-US" dirty="0" err="1">
-                <a:solidFill>
-                  <a:srgbClr val="FFC66D"/>
-                </a:solidFill>
-                <a:effectLst/>
-                <a:latin typeface="Consolas" panose="020B0609020204030204" pitchFamily="49" charset="0"/>
-                <a:cs typeface="Consolas" panose="020B0609020204030204" pitchFamily="49" charset="0"/>
-              </a:rPr>
-              <a:t>signCheck</a:t>
-            </a:r>
-            <a:r>
-              <a:rPr lang="en-US" dirty="0">
-                <a:latin typeface="Consolas" panose="020B0609020204030204" pitchFamily="49" charset="0"/>
-                <a:cs typeface="Consolas" panose="020B0609020204030204" pitchFamily="49" charset="0"/>
-              </a:rPr>
-              <a:t>(</a:t>
-            </a:r>
-            <a:r>
-              <a:rPr lang="en-US" dirty="0">
-                <a:solidFill>
-                  <a:srgbClr val="CC7832"/>
-                </a:solidFill>
-                <a:effectLst/>
-                <a:latin typeface="Consolas" panose="020B0609020204030204" pitchFamily="49" charset="0"/>
-                <a:cs typeface="Consolas" panose="020B0609020204030204" pitchFamily="49" charset="0"/>
-              </a:rPr>
-              <a:t>int </a:t>
-            </a:r>
-            <a:r>
-              <a:rPr lang="en-US" i="1" dirty="0">
-                <a:solidFill>
-                  <a:srgbClr val="9876AA"/>
-                </a:solidFill>
-                <a:effectLst/>
-                <a:latin typeface="Consolas" panose="020B0609020204030204" pitchFamily="49" charset="0"/>
-                <a:cs typeface="Consolas" panose="020B0609020204030204" pitchFamily="49" charset="0"/>
-              </a:rPr>
-              <a:t>y</a:t>
-            </a:r>
-            <a:r>
-              <a:rPr lang="en-US" dirty="0">
-                <a:latin typeface="Consolas" panose="020B0609020204030204" pitchFamily="49" charset="0"/>
-                <a:cs typeface="Consolas" panose="020B0609020204030204" pitchFamily="49" charset="0"/>
-              </a:rPr>
-              <a:t>) {</a:t>
-            </a:r>
-            <a:br>
-              <a:rPr lang="en-US" dirty="0">
-                <a:latin typeface="Consolas" panose="020B0609020204030204" pitchFamily="49" charset="0"/>
-                <a:cs typeface="Consolas" panose="020B0609020204030204" pitchFamily="49" charset="0"/>
-              </a:rPr>
-            </a:br>
-            <a:r>
-              <a:rPr lang="en-US" dirty="0">
-                <a:latin typeface="Consolas" panose="020B0609020204030204" pitchFamily="49" charset="0"/>
-                <a:cs typeface="Consolas" panose="020B0609020204030204" pitchFamily="49" charset="0"/>
-              </a:rPr>
-              <a:t>    </a:t>
-            </a:r>
-            <a:r>
-              <a:rPr lang="en-US" dirty="0">
-                <a:solidFill>
-                  <a:srgbClr val="CC7832"/>
-                </a:solidFill>
-                <a:effectLst/>
-                <a:latin typeface="Consolas" panose="020B0609020204030204" pitchFamily="49" charset="0"/>
-                <a:cs typeface="Consolas" panose="020B0609020204030204" pitchFamily="49" charset="0"/>
-              </a:rPr>
-              <a:t>int </a:t>
-            </a:r>
-            <a:r>
-              <a:rPr lang="en-US" i="1" dirty="0">
-                <a:solidFill>
-                  <a:srgbClr val="9876AA"/>
-                </a:solidFill>
-                <a:effectLst/>
-                <a:latin typeface="Consolas" panose="020B0609020204030204" pitchFamily="49" charset="0"/>
-                <a:cs typeface="Consolas" panose="020B0609020204030204" pitchFamily="49" charset="0"/>
-              </a:rPr>
-              <a:t>x </a:t>
-            </a:r>
-            <a:r>
-              <a:rPr lang="en-US" dirty="0">
-                <a:latin typeface="Consolas" panose="020B0609020204030204" pitchFamily="49" charset="0"/>
-                <a:cs typeface="Consolas" panose="020B0609020204030204" pitchFamily="49" charset="0"/>
-              </a:rPr>
-              <a:t>= </a:t>
-            </a:r>
-            <a:r>
-              <a:rPr lang="en-US" dirty="0">
-                <a:solidFill>
-                  <a:srgbClr val="6897BB"/>
-                </a:solidFill>
-                <a:effectLst/>
-                <a:latin typeface="Consolas" panose="020B0609020204030204" pitchFamily="49" charset="0"/>
-                <a:cs typeface="Consolas" panose="020B0609020204030204" pitchFamily="49" charset="0"/>
-              </a:rPr>
-              <a:t>0</a:t>
-            </a:r>
-            <a:r>
-              <a:rPr lang="en-US" dirty="0">
-                <a:solidFill>
-                  <a:srgbClr val="CC7832"/>
-                </a:solidFill>
-                <a:effectLst/>
-                <a:latin typeface="Consolas" panose="020B0609020204030204" pitchFamily="49" charset="0"/>
-                <a:cs typeface="Consolas" panose="020B0609020204030204" pitchFamily="49" charset="0"/>
-              </a:rPr>
-              <a:t>;</a:t>
-            </a:r>
-            <a:br>
-              <a:rPr lang="en-US" dirty="0">
-                <a:solidFill>
-                  <a:srgbClr val="CC7832"/>
-                </a:solidFill>
-                <a:effectLst/>
-                <a:latin typeface="Consolas" panose="020B0609020204030204" pitchFamily="49" charset="0"/>
-                <a:cs typeface="Consolas" panose="020B0609020204030204" pitchFamily="49" charset="0"/>
-              </a:rPr>
-            </a:br>
-            <a:r>
-              <a:rPr lang="en-US" dirty="0">
-                <a:solidFill>
-                  <a:srgbClr val="CC7832"/>
-                </a:solidFill>
-                <a:effectLst/>
-                <a:latin typeface="Consolas" panose="020B0609020204030204" pitchFamily="49" charset="0"/>
-                <a:cs typeface="Consolas" panose="020B0609020204030204" pitchFamily="49" charset="0"/>
-              </a:rPr>
-              <a:t>    if</a:t>
-            </a:r>
-            <a:r>
-              <a:rPr lang="en-US" dirty="0">
-                <a:latin typeface="Consolas" panose="020B0609020204030204" pitchFamily="49" charset="0"/>
-                <a:cs typeface="Consolas" panose="020B0609020204030204" pitchFamily="49" charset="0"/>
-              </a:rPr>
-              <a:t>(</a:t>
-            </a:r>
-            <a:r>
-              <a:rPr lang="en-US" i="1" dirty="0">
-                <a:solidFill>
-                  <a:srgbClr val="9876AA"/>
-                </a:solidFill>
-                <a:effectLst/>
-                <a:latin typeface="Consolas" panose="020B0609020204030204" pitchFamily="49" charset="0"/>
-                <a:cs typeface="Consolas" panose="020B0609020204030204" pitchFamily="49" charset="0"/>
-              </a:rPr>
-              <a:t>y </a:t>
-            </a:r>
-            <a:r>
-              <a:rPr lang="en-US" dirty="0">
-                <a:latin typeface="Consolas" panose="020B0609020204030204" pitchFamily="49" charset="0"/>
-                <a:cs typeface="Consolas" panose="020B0609020204030204" pitchFamily="49" charset="0"/>
-              </a:rPr>
-              <a:t>&gt; </a:t>
-            </a:r>
-            <a:r>
-              <a:rPr lang="en-US" i="1" dirty="0">
-                <a:solidFill>
-                  <a:srgbClr val="9876AA"/>
-                </a:solidFill>
-                <a:effectLst/>
-                <a:latin typeface="Consolas" panose="020B0609020204030204" pitchFamily="49" charset="0"/>
-                <a:cs typeface="Consolas" panose="020B0609020204030204" pitchFamily="49" charset="0"/>
-              </a:rPr>
-              <a:t>x</a:t>
-            </a:r>
-            <a:r>
-              <a:rPr lang="en-US" dirty="0">
-                <a:latin typeface="Consolas" panose="020B0609020204030204" pitchFamily="49" charset="0"/>
-                <a:cs typeface="Consolas" panose="020B0609020204030204" pitchFamily="49" charset="0"/>
-              </a:rPr>
-              <a:t>) {</a:t>
-            </a:r>
-            <a:br>
-              <a:rPr lang="en-US" dirty="0">
-                <a:latin typeface="Consolas" panose="020B0609020204030204" pitchFamily="49" charset="0"/>
-                <a:cs typeface="Consolas" panose="020B0609020204030204" pitchFamily="49" charset="0"/>
-              </a:rPr>
-            </a:br>
-            <a:r>
-              <a:rPr lang="en-US" dirty="0">
-                <a:latin typeface="Consolas" panose="020B0609020204030204" pitchFamily="49" charset="0"/>
-                <a:cs typeface="Consolas" panose="020B0609020204030204" pitchFamily="49" charset="0"/>
-              </a:rPr>
-              <a:t>        </a:t>
-            </a:r>
-            <a:r>
-              <a:rPr lang="en-US" i="1" dirty="0">
-                <a:solidFill>
-                  <a:srgbClr val="9876AA"/>
-                </a:solidFill>
-                <a:effectLst/>
-                <a:latin typeface="Consolas" panose="020B0609020204030204" pitchFamily="49" charset="0"/>
-                <a:cs typeface="Consolas" panose="020B0609020204030204" pitchFamily="49" charset="0"/>
-              </a:rPr>
-              <a:t>x </a:t>
-            </a:r>
-            <a:r>
-              <a:rPr lang="en-US" dirty="0">
-                <a:latin typeface="Consolas" panose="020B0609020204030204" pitchFamily="49" charset="0"/>
-                <a:cs typeface="Consolas" panose="020B0609020204030204" pitchFamily="49" charset="0"/>
-              </a:rPr>
-              <a:t>= -</a:t>
-            </a:r>
-            <a:r>
-              <a:rPr lang="en-US" i="1" dirty="0">
-                <a:solidFill>
-                  <a:srgbClr val="9876AA"/>
-                </a:solidFill>
-                <a:effectLst/>
-                <a:latin typeface="Consolas" panose="020B0609020204030204" pitchFamily="49" charset="0"/>
-                <a:cs typeface="Consolas" panose="020B0609020204030204" pitchFamily="49" charset="0"/>
-              </a:rPr>
-              <a:t>y</a:t>
-            </a:r>
-            <a:r>
-              <a:rPr lang="en-US" dirty="0">
-                <a:solidFill>
-                  <a:srgbClr val="CC7832"/>
-                </a:solidFill>
-                <a:effectLst/>
-                <a:latin typeface="Consolas" panose="020B0609020204030204" pitchFamily="49" charset="0"/>
-                <a:cs typeface="Consolas" panose="020B0609020204030204" pitchFamily="49" charset="0"/>
-              </a:rPr>
-              <a:t>;</a:t>
-            </a:r>
-            <a:br>
-              <a:rPr lang="en-US" dirty="0">
-                <a:solidFill>
-                  <a:srgbClr val="CC7832"/>
-                </a:solidFill>
-                <a:effectLst/>
-                <a:latin typeface="Consolas" panose="020B0609020204030204" pitchFamily="49" charset="0"/>
-                <a:cs typeface="Consolas" panose="020B0609020204030204" pitchFamily="49" charset="0"/>
-              </a:rPr>
-            </a:br>
-            <a:r>
-              <a:rPr lang="en-US" dirty="0">
-                <a:solidFill>
-                  <a:srgbClr val="CC7832"/>
-                </a:solidFill>
-                <a:effectLst/>
-                <a:latin typeface="Consolas" panose="020B0609020204030204" pitchFamily="49" charset="0"/>
-                <a:cs typeface="Consolas" panose="020B0609020204030204" pitchFamily="49" charset="0"/>
-              </a:rPr>
-              <a:t>    </a:t>
-            </a:r>
-            <a:r>
-              <a:rPr lang="en-US" dirty="0">
-                <a:latin typeface="Consolas" panose="020B0609020204030204" pitchFamily="49" charset="0"/>
-                <a:cs typeface="Consolas" panose="020B0609020204030204" pitchFamily="49" charset="0"/>
-              </a:rPr>
-              <a:t>}</a:t>
-            </a:r>
-            <a:br>
-              <a:rPr lang="en-US" dirty="0">
-                <a:latin typeface="Consolas" panose="020B0609020204030204" pitchFamily="49" charset="0"/>
-                <a:cs typeface="Consolas" panose="020B0609020204030204" pitchFamily="49" charset="0"/>
-              </a:rPr>
-            </a:br>
-            <a:r>
-              <a:rPr lang="en-US" dirty="0">
-                <a:latin typeface="Consolas" panose="020B0609020204030204" pitchFamily="49" charset="0"/>
-                <a:cs typeface="Consolas" panose="020B0609020204030204" pitchFamily="49" charset="0"/>
-              </a:rPr>
-              <a:t>    </a:t>
-            </a:r>
-            <a:r>
-              <a:rPr lang="en-US" dirty="0">
-                <a:solidFill>
-                  <a:srgbClr val="CC7832"/>
-                </a:solidFill>
-                <a:effectLst/>
-                <a:latin typeface="Consolas" panose="020B0609020204030204" pitchFamily="49" charset="0"/>
-                <a:cs typeface="Consolas" panose="020B0609020204030204" pitchFamily="49" charset="0"/>
-              </a:rPr>
-              <a:t>if</a:t>
-            </a:r>
-            <a:r>
-              <a:rPr lang="en-US" dirty="0">
-                <a:latin typeface="Consolas" panose="020B0609020204030204" pitchFamily="49" charset="0"/>
-                <a:cs typeface="Consolas" panose="020B0609020204030204" pitchFamily="49" charset="0"/>
-              </a:rPr>
-              <a:t>(</a:t>
-            </a:r>
-            <a:r>
-              <a:rPr lang="en-US" i="1" dirty="0">
-                <a:solidFill>
-                  <a:srgbClr val="9876AA"/>
-                </a:solidFill>
-                <a:effectLst/>
-                <a:latin typeface="Consolas" panose="020B0609020204030204" pitchFamily="49" charset="0"/>
-                <a:cs typeface="Consolas" panose="020B0609020204030204" pitchFamily="49" charset="0"/>
-              </a:rPr>
-              <a:t>y </a:t>
-            </a:r>
-            <a:r>
-              <a:rPr lang="en-US" dirty="0">
-                <a:latin typeface="Consolas" panose="020B0609020204030204" pitchFamily="49" charset="0"/>
-                <a:cs typeface="Consolas" panose="020B0609020204030204" pitchFamily="49" charset="0"/>
-              </a:rPr>
-              <a:t>&lt; </a:t>
-            </a:r>
-            <a:r>
-              <a:rPr lang="en-US" i="1" dirty="0">
-                <a:solidFill>
-                  <a:srgbClr val="9876AA"/>
-                </a:solidFill>
-                <a:effectLst/>
-                <a:latin typeface="Consolas" panose="020B0609020204030204" pitchFamily="49" charset="0"/>
-                <a:cs typeface="Consolas" panose="020B0609020204030204" pitchFamily="49" charset="0"/>
-              </a:rPr>
-              <a:t>x</a:t>
-            </a:r>
-            <a:r>
-              <a:rPr lang="en-US" dirty="0">
-                <a:latin typeface="Consolas" panose="020B0609020204030204" pitchFamily="49" charset="0"/>
-                <a:cs typeface="Consolas" panose="020B0609020204030204" pitchFamily="49" charset="0"/>
-              </a:rPr>
-              <a:t>) {</a:t>
-            </a:r>
-            <a:br>
-              <a:rPr lang="en-US" dirty="0">
-                <a:latin typeface="Consolas" panose="020B0609020204030204" pitchFamily="49" charset="0"/>
-                <a:cs typeface="Consolas" panose="020B0609020204030204" pitchFamily="49" charset="0"/>
-              </a:rPr>
-            </a:br>
-            <a:r>
-              <a:rPr lang="en-US" dirty="0">
-                <a:latin typeface="Consolas" panose="020B0609020204030204" pitchFamily="49" charset="0"/>
-                <a:cs typeface="Consolas" panose="020B0609020204030204" pitchFamily="49" charset="0"/>
-              </a:rPr>
-              <a:t>        </a:t>
-            </a:r>
-            <a:r>
-              <a:rPr lang="en-US" i="1" dirty="0">
-                <a:solidFill>
-                  <a:srgbClr val="9876AA"/>
-                </a:solidFill>
-                <a:effectLst/>
-                <a:latin typeface="Consolas" panose="020B0609020204030204" pitchFamily="49" charset="0"/>
-                <a:cs typeface="Consolas" panose="020B0609020204030204" pitchFamily="49" charset="0"/>
-              </a:rPr>
-              <a:t>x </a:t>
-            </a:r>
-            <a:r>
-              <a:rPr lang="en-US" dirty="0">
-                <a:latin typeface="Consolas" panose="020B0609020204030204" pitchFamily="49" charset="0"/>
-                <a:cs typeface="Consolas" panose="020B0609020204030204" pitchFamily="49" charset="0"/>
-              </a:rPr>
-              <a:t>= </a:t>
-            </a:r>
-            <a:r>
-              <a:rPr lang="en-US" i="1" dirty="0">
-                <a:solidFill>
-                  <a:srgbClr val="9876AA"/>
-                </a:solidFill>
-                <a:effectLst/>
-                <a:latin typeface="Consolas" panose="020B0609020204030204" pitchFamily="49" charset="0"/>
-                <a:cs typeface="Consolas" panose="020B0609020204030204" pitchFamily="49" charset="0"/>
-              </a:rPr>
-              <a:t>y</a:t>
-            </a:r>
-            <a:r>
-              <a:rPr lang="en-US" dirty="0">
-                <a:solidFill>
-                  <a:srgbClr val="CC7832"/>
-                </a:solidFill>
-                <a:effectLst/>
-                <a:latin typeface="Consolas" panose="020B0609020204030204" pitchFamily="49" charset="0"/>
-                <a:cs typeface="Consolas" panose="020B0609020204030204" pitchFamily="49" charset="0"/>
-              </a:rPr>
-              <a:t>;</a:t>
-            </a:r>
-            <a:br>
-              <a:rPr lang="en-US" dirty="0">
-                <a:solidFill>
-                  <a:srgbClr val="CC7832"/>
-                </a:solidFill>
-                <a:effectLst/>
-                <a:latin typeface="Consolas" panose="020B0609020204030204" pitchFamily="49" charset="0"/>
-                <a:cs typeface="Consolas" panose="020B0609020204030204" pitchFamily="49" charset="0"/>
-              </a:rPr>
-            </a:br>
-            <a:r>
-              <a:rPr lang="en-US" dirty="0">
-                <a:solidFill>
-                  <a:srgbClr val="CC7832"/>
-                </a:solidFill>
-                <a:effectLst/>
-                <a:latin typeface="Consolas" panose="020B0609020204030204" pitchFamily="49" charset="0"/>
-                <a:cs typeface="Consolas" panose="020B0609020204030204" pitchFamily="49" charset="0"/>
-              </a:rPr>
-              <a:t>    </a:t>
-            </a:r>
-            <a:r>
-              <a:rPr lang="en-US" dirty="0">
-                <a:latin typeface="Consolas" panose="020B0609020204030204" pitchFamily="49" charset="0"/>
-                <a:cs typeface="Consolas" panose="020B0609020204030204" pitchFamily="49" charset="0"/>
-              </a:rPr>
-              <a:t>}</a:t>
-            </a:r>
-            <a:br>
-              <a:rPr lang="en-US" dirty="0">
-                <a:latin typeface="Consolas" panose="020B0609020204030204" pitchFamily="49" charset="0"/>
-                <a:cs typeface="Consolas" panose="020B0609020204030204" pitchFamily="49" charset="0"/>
-              </a:rPr>
-            </a:br>
-            <a:r>
-              <a:rPr lang="en-US" dirty="0">
-                <a:latin typeface="Consolas" panose="020B0609020204030204" pitchFamily="49" charset="0"/>
-                <a:cs typeface="Consolas" panose="020B0609020204030204" pitchFamily="49" charset="0"/>
-              </a:rPr>
-              <a:t>    </a:t>
-            </a:r>
-            <a:r>
-              <a:rPr lang="en-US" dirty="0">
-                <a:solidFill>
-                  <a:srgbClr val="CC7832"/>
-                </a:solidFill>
-                <a:effectLst/>
-                <a:latin typeface="Consolas" panose="020B0609020204030204" pitchFamily="49" charset="0"/>
-                <a:cs typeface="Consolas" panose="020B0609020204030204" pitchFamily="49" charset="0"/>
-              </a:rPr>
-              <a:t>if </a:t>
-            </a:r>
-            <a:r>
-              <a:rPr lang="en-US" dirty="0">
-                <a:latin typeface="Consolas" panose="020B0609020204030204" pitchFamily="49" charset="0"/>
-                <a:cs typeface="Consolas" panose="020B0609020204030204" pitchFamily="49" charset="0"/>
-              </a:rPr>
-              <a:t>(</a:t>
-            </a:r>
-            <a:r>
-              <a:rPr lang="en-US" i="1" dirty="0" err="1">
-                <a:solidFill>
-                  <a:srgbClr val="9876AA"/>
-                </a:solidFill>
-                <a:effectLst/>
-                <a:latin typeface="Consolas" panose="020B0609020204030204" pitchFamily="49" charset="0"/>
-                <a:cs typeface="Consolas" panose="020B0609020204030204" pitchFamily="49" charset="0"/>
-              </a:rPr>
-              <a:t>y</a:t>
-            </a:r>
-            <a:r>
-              <a:rPr lang="en-US" dirty="0" err="1">
-                <a:latin typeface="Consolas" panose="020B0609020204030204" pitchFamily="49" charset="0"/>
-                <a:cs typeface="Consolas" panose="020B0609020204030204" pitchFamily="49" charset="0"/>
-              </a:rPr>
-              <a:t>+</a:t>
-            </a:r>
-            <a:r>
-              <a:rPr lang="en-US" i="1" dirty="0" err="1">
-                <a:solidFill>
-                  <a:srgbClr val="9876AA"/>
-                </a:solidFill>
-                <a:effectLst/>
-                <a:latin typeface="Consolas" panose="020B0609020204030204" pitchFamily="49" charset="0"/>
-                <a:cs typeface="Consolas" panose="020B0609020204030204" pitchFamily="49" charset="0"/>
-              </a:rPr>
-              <a:t>x</a:t>
-            </a:r>
-            <a:r>
-              <a:rPr lang="en-US" i="1" dirty="0">
-                <a:solidFill>
-                  <a:srgbClr val="9876AA"/>
-                </a:solidFill>
-                <a:effectLst/>
-                <a:latin typeface="Consolas" panose="020B0609020204030204" pitchFamily="49" charset="0"/>
-                <a:cs typeface="Consolas" panose="020B0609020204030204" pitchFamily="49" charset="0"/>
-              </a:rPr>
-              <a:t> </a:t>
-            </a:r>
-            <a:r>
-              <a:rPr lang="en-US" dirty="0">
-                <a:latin typeface="Consolas" panose="020B0609020204030204" pitchFamily="49" charset="0"/>
-                <a:cs typeface="Consolas" panose="020B0609020204030204" pitchFamily="49" charset="0"/>
-              </a:rPr>
-              <a:t>&lt; </a:t>
-            </a:r>
-            <a:r>
-              <a:rPr lang="en-US" i="1" dirty="0">
-                <a:solidFill>
-                  <a:srgbClr val="9876AA"/>
-                </a:solidFill>
-                <a:effectLst/>
-                <a:latin typeface="Consolas" panose="020B0609020204030204" pitchFamily="49" charset="0"/>
-                <a:cs typeface="Consolas" panose="020B0609020204030204" pitchFamily="49" charset="0"/>
-              </a:rPr>
-              <a:t>x</a:t>
-            </a:r>
-            <a:r>
-              <a:rPr lang="en-US" dirty="0">
-                <a:latin typeface="Consolas" panose="020B0609020204030204" pitchFamily="49" charset="0"/>
-                <a:cs typeface="Consolas" panose="020B0609020204030204" pitchFamily="49" charset="0"/>
-              </a:rPr>
-              <a:t>) {</a:t>
-            </a:r>
-            <a:br>
-              <a:rPr lang="en-US" dirty="0">
-                <a:latin typeface="Consolas" panose="020B0609020204030204" pitchFamily="49" charset="0"/>
-                <a:cs typeface="Consolas" panose="020B0609020204030204" pitchFamily="49" charset="0"/>
-              </a:rPr>
-            </a:br>
-            <a:r>
-              <a:rPr lang="en-US" dirty="0">
-                <a:latin typeface="Consolas" panose="020B0609020204030204" pitchFamily="49" charset="0"/>
-                <a:cs typeface="Consolas" panose="020B0609020204030204" pitchFamily="49" charset="0"/>
-              </a:rPr>
-              <a:t>        </a:t>
-            </a:r>
-            <a:r>
-              <a:rPr lang="en-US" dirty="0">
-                <a:solidFill>
-                  <a:srgbClr val="CC7832"/>
-                </a:solidFill>
-                <a:effectLst/>
-                <a:latin typeface="Consolas" panose="020B0609020204030204" pitchFamily="49" charset="0"/>
-                <a:cs typeface="Consolas" panose="020B0609020204030204" pitchFamily="49" charset="0"/>
-              </a:rPr>
-              <a:t>return </a:t>
-            </a:r>
-            <a:r>
-              <a:rPr lang="en-US" dirty="0">
-                <a:latin typeface="Consolas" panose="020B0609020204030204" pitchFamily="49" charset="0"/>
-                <a:cs typeface="Consolas" panose="020B0609020204030204" pitchFamily="49" charset="0"/>
-              </a:rPr>
-              <a:t>-</a:t>
-            </a:r>
-            <a:r>
-              <a:rPr lang="en-US" dirty="0">
-                <a:solidFill>
-                  <a:srgbClr val="6897BB"/>
-                </a:solidFill>
-                <a:effectLst/>
-                <a:latin typeface="Consolas" panose="020B0609020204030204" pitchFamily="49" charset="0"/>
-                <a:cs typeface="Consolas" panose="020B0609020204030204" pitchFamily="49" charset="0"/>
-              </a:rPr>
-              <a:t>1</a:t>
-            </a:r>
-            <a:r>
-              <a:rPr lang="en-US" dirty="0">
-                <a:solidFill>
-                  <a:srgbClr val="CC7832"/>
-                </a:solidFill>
-                <a:effectLst/>
-                <a:latin typeface="Consolas" panose="020B0609020204030204" pitchFamily="49" charset="0"/>
-                <a:cs typeface="Consolas" panose="020B0609020204030204" pitchFamily="49" charset="0"/>
-              </a:rPr>
-              <a:t>;</a:t>
-            </a:r>
-            <a:br>
-              <a:rPr lang="en-US" dirty="0">
-                <a:solidFill>
-                  <a:srgbClr val="CC7832"/>
-                </a:solidFill>
-                <a:effectLst/>
-                <a:latin typeface="Consolas" panose="020B0609020204030204" pitchFamily="49" charset="0"/>
-                <a:cs typeface="Consolas" panose="020B0609020204030204" pitchFamily="49" charset="0"/>
-              </a:rPr>
-            </a:br>
-            <a:r>
-              <a:rPr lang="en-US" dirty="0">
-                <a:solidFill>
-                  <a:srgbClr val="CC7832"/>
-                </a:solidFill>
-                <a:effectLst/>
-                <a:latin typeface="Consolas" panose="020B0609020204030204" pitchFamily="49" charset="0"/>
-                <a:cs typeface="Consolas" panose="020B0609020204030204" pitchFamily="49" charset="0"/>
-              </a:rPr>
-              <a:t>    </a:t>
-            </a:r>
-            <a:r>
-              <a:rPr lang="en-US" dirty="0">
-                <a:latin typeface="Consolas" panose="020B0609020204030204" pitchFamily="49" charset="0"/>
-                <a:cs typeface="Consolas" panose="020B0609020204030204" pitchFamily="49" charset="0"/>
-              </a:rPr>
-              <a:t>}</a:t>
-            </a:r>
-            <a:br>
-              <a:rPr lang="en-US" dirty="0">
-                <a:latin typeface="Consolas" panose="020B0609020204030204" pitchFamily="49" charset="0"/>
-                <a:cs typeface="Consolas" panose="020B0609020204030204" pitchFamily="49" charset="0"/>
-              </a:rPr>
-            </a:br>
-            <a:r>
-              <a:rPr lang="en-US" dirty="0">
-                <a:latin typeface="Consolas" panose="020B0609020204030204" pitchFamily="49" charset="0"/>
-                <a:cs typeface="Consolas" panose="020B0609020204030204" pitchFamily="49" charset="0"/>
-              </a:rPr>
-              <a:t>    </a:t>
-            </a:r>
-            <a:r>
-              <a:rPr lang="en-US" dirty="0">
-                <a:solidFill>
-                  <a:srgbClr val="CC7832"/>
-                </a:solidFill>
-                <a:effectLst/>
-                <a:latin typeface="Consolas" panose="020B0609020204030204" pitchFamily="49" charset="0"/>
-                <a:cs typeface="Consolas" panose="020B0609020204030204" pitchFamily="49" charset="0"/>
-              </a:rPr>
-              <a:t>if </a:t>
-            </a:r>
-            <a:r>
-              <a:rPr lang="en-US" dirty="0">
-                <a:latin typeface="Consolas" panose="020B0609020204030204" pitchFamily="49" charset="0"/>
-                <a:cs typeface="Consolas" panose="020B0609020204030204" pitchFamily="49" charset="0"/>
-              </a:rPr>
-              <a:t>(</a:t>
-            </a:r>
-            <a:r>
-              <a:rPr lang="en-US" i="1" dirty="0">
-                <a:solidFill>
-                  <a:srgbClr val="9876AA"/>
-                </a:solidFill>
-                <a:effectLst/>
-                <a:latin typeface="Consolas" panose="020B0609020204030204" pitchFamily="49" charset="0"/>
-                <a:cs typeface="Consolas" panose="020B0609020204030204" pitchFamily="49" charset="0"/>
-              </a:rPr>
-              <a:t>x</a:t>
-            </a:r>
-            <a:r>
-              <a:rPr lang="en-US" dirty="0">
-                <a:latin typeface="Consolas" panose="020B0609020204030204" pitchFamily="49" charset="0"/>
-                <a:cs typeface="Consolas" panose="020B0609020204030204" pitchFamily="49" charset="0"/>
-              </a:rPr>
-              <a:t>-</a:t>
-            </a:r>
-            <a:r>
-              <a:rPr lang="en-US" i="1" dirty="0">
-                <a:solidFill>
-                  <a:srgbClr val="9876AA"/>
-                </a:solidFill>
-                <a:effectLst/>
-                <a:latin typeface="Consolas" panose="020B0609020204030204" pitchFamily="49" charset="0"/>
-                <a:cs typeface="Consolas" panose="020B0609020204030204" pitchFamily="49" charset="0"/>
-              </a:rPr>
-              <a:t>y </a:t>
-            </a:r>
-            <a:r>
-              <a:rPr lang="en-US" dirty="0">
-                <a:latin typeface="Consolas" panose="020B0609020204030204" pitchFamily="49" charset="0"/>
-                <a:cs typeface="Consolas" panose="020B0609020204030204" pitchFamily="49" charset="0"/>
-              </a:rPr>
-              <a:t>&lt; </a:t>
-            </a:r>
-            <a:r>
-              <a:rPr lang="en-US" i="1" dirty="0">
-                <a:solidFill>
-                  <a:srgbClr val="9876AA"/>
-                </a:solidFill>
-                <a:effectLst/>
-                <a:latin typeface="Consolas" panose="020B0609020204030204" pitchFamily="49" charset="0"/>
-                <a:cs typeface="Consolas" panose="020B0609020204030204" pitchFamily="49" charset="0"/>
-              </a:rPr>
-              <a:t>x </a:t>
-            </a:r>
-            <a:r>
-              <a:rPr lang="en-US" dirty="0">
-                <a:latin typeface="Consolas" panose="020B0609020204030204" pitchFamily="49" charset="0"/>
-                <a:cs typeface="Consolas" panose="020B0609020204030204" pitchFamily="49" charset="0"/>
-              </a:rPr>
-              <a:t>) {</a:t>
-            </a:r>
-            <a:br>
-              <a:rPr lang="en-US" dirty="0">
-                <a:latin typeface="Consolas" panose="020B0609020204030204" pitchFamily="49" charset="0"/>
-                <a:cs typeface="Consolas" panose="020B0609020204030204" pitchFamily="49" charset="0"/>
-              </a:rPr>
-            </a:br>
-            <a:r>
-              <a:rPr lang="en-US" dirty="0">
-                <a:latin typeface="Consolas" panose="020B0609020204030204" pitchFamily="49" charset="0"/>
-                <a:cs typeface="Consolas" panose="020B0609020204030204" pitchFamily="49" charset="0"/>
-              </a:rPr>
-              <a:t>        </a:t>
-            </a:r>
-            <a:r>
-              <a:rPr lang="en-US" dirty="0">
-                <a:solidFill>
-                  <a:srgbClr val="CC7832"/>
-                </a:solidFill>
-                <a:effectLst/>
-                <a:latin typeface="Consolas" panose="020B0609020204030204" pitchFamily="49" charset="0"/>
-                <a:cs typeface="Consolas" panose="020B0609020204030204" pitchFamily="49" charset="0"/>
-              </a:rPr>
-              <a:t>return </a:t>
-            </a:r>
-            <a:r>
-              <a:rPr lang="en-US" dirty="0">
-                <a:solidFill>
-                  <a:srgbClr val="6897BB"/>
-                </a:solidFill>
-                <a:effectLst/>
-                <a:latin typeface="Consolas" panose="020B0609020204030204" pitchFamily="49" charset="0"/>
-                <a:cs typeface="Consolas" panose="020B0609020204030204" pitchFamily="49" charset="0"/>
-              </a:rPr>
-              <a:t>1</a:t>
-            </a:r>
-            <a:r>
-              <a:rPr lang="en-US" dirty="0">
-                <a:solidFill>
-                  <a:srgbClr val="CC7832"/>
-                </a:solidFill>
-                <a:effectLst/>
-                <a:latin typeface="Consolas" panose="020B0609020204030204" pitchFamily="49" charset="0"/>
-                <a:cs typeface="Consolas" panose="020B0609020204030204" pitchFamily="49" charset="0"/>
-              </a:rPr>
-              <a:t>;</a:t>
-            </a:r>
-            <a:br>
-              <a:rPr lang="en-US" dirty="0">
-                <a:solidFill>
-                  <a:srgbClr val="CC7832"/>
-                </a:solidFill>
-                <a:effectLst/>
-                <a:latin typeface="Consolas" panose="020B0609020204030204" pitchFamily="49" charset="0"/>
-                <a:cs typeface="Consolas" panose="020B0609020204030204" pitchFamily="49" charset="0"/>
-              </a:rPr>
-            </a:br>
-            <a:r>
-              <a:rPr lang="en-US" dirty="0">
-                <a:solidFill>
-                  <a:srgbClr val="CC7832"/>
-                </a:solidFill>
-                <a:effectLst/>
-                <a:latin typeface="Consolas" panose="020B0609020204030204" pitchFamily="49" charset="0"/>
-                <a:cs typeface="Consolas" panose="020B0609020204030204" pitchFamily="49" charset="0"/>
-              </a:rPr>
-              <a:t>    </a:t>
-            </a:r>
-            <a:r>
-              <a:rPr lang="en-US" dirty="0">
-                <a:latin typeface="Consolas" panose="020B0609020204030204" pitchFamily="49" charset="0"/>
-                <a:cs typeface="Consolas" panose="020B0609020204030204" pitchFamily="49" charset="0"/>
-              </a:rPr>
-              <a:t>}</a:t>
-            </a:r>
-            <a:br>
-              <a:rPr lang="en-US" dirty="0">
-                <a:latin typeface="Consolas" panose="020B0609020204030204" pitchFamily="49" charset="0"/>
-                <a:cs typeface="Consolas" panose="020B0609020204030204" pitchFamily="49" charset="0"/>
-              </a:rPr>
-            </a:br>
-            <a:r>
-              <a:rPr lang="en-US" dirty="0">
-                <a:latin typeface="Consolas" panose="020B0609020204030204" pitchFamily="49" charset="0"/>
-                <a:cs typeface="Consolas" panose="020B0609020204030204" pitchFamily="49" charset="0"/>
-              </a:rPr>
-              <a:t>    </a:t>
-            </a:r>
-            <a:r>
-              <a:rPr lang="en-US" dirty="0">
-                <a:solidFill>
-                  <a:srgbClr val="CC7832"/>
-                </a:solidFill>
-                <a:effectLst/>
-                <a:latin typeface="Consolas" panose="020B0609020204030204" pitchFamily="49" charset="0"/>
-                <a:cs typeface="Consolas" panose="020B0609020204030204" pitchFamily="49" charset="0"/>
-              </a:rPr>
-              <a:t>return </a:t>
-            </a:r>
-            <a:r>
-              <a:rPr lang="en-US" dirty="0">
-                <a:solidFill>
-                  <a:srgbClr val="6897BB"/>
-                </a:solidFill>
-                <a:effectLst/>
-                <a:latin typeface="Consolas" panose="020B0609020204030204" pitchFamily="49" charset="0"/>
-                <a:cs typeface="Consolas" panose="020B0609020204030204" pitchFamily="49" charset="0"/>
-              </a:rPr>
-              <a:t>0</a:t>
-            </a:r>
-            <a:r>
-              <a:rPr lang="en-US" dirty="0">
-                <a:solidFill>
-                  <a:srgbClr val="CC7832"/>
-                </a:solidFill>
-                <a:effectLst/>
-                <a:latin typeface="Consolas" panose="020B0609020204030204" pitchFamily="49" charset="0"/>
-                <a:cs typeface="Consolas" panose="020B0609020204030204" pitchFamily="49" charset="0"/>
-              </a:rPr>
-              <a:t>;</a:t>
-            </a:r>
-            <a:br>
-              <a:rPr lang="en-US" dirty="0">
-                <a:solidFill>
-                  <a:srgbClr val="CC7832"/>
-                </a:solidFill>
-                <a:effectLst/>
-                <a:latin typeface="Consolas" panose="020B0609020204030204" pitchFamily="49" charset="0"/>
-                <a:cs typeface="Consolas" panose="020B0609020204030204" pitchFamily="49" charset="0"/>
-              </a:rPr>
-            </a:br>
-            <a:r>
-              <a:rPr lang="en-US" dirty="0">
-                <a:latin typeface="Consolas" panose="020B0609020204030204" pitchFamily="49" charset="0"/>
-                <a:cs typeface="Consolas" panose="020B0609020204030204" pitchFamily="49" charset="0"/>
-              </a:rPr>
-              <a:t>}</a:t>
+              <a:rPr lang="en-US" dirty="0"/>
+              <a:t>false, false, true</a:t>
             </a:r>
           </a:p>
         </p:txBody>
       </p:sp>
       <p:sp>
         <p:nvSpPr>
-          <p:cNvPr id="7" name="TextBox 6">
+          <p:cNvPr id="10" name="TextBox 9">
             <a:extLst>
               <a:ext uri="{FF2B5EF4-FFF2-40B4-BE49-F238E27FC236}">
-                <a16:creationId xmlns:a16="http://schemas.microsoft.com/office/drawing/2014/main" id="{C29FFE73-70F1-3E40-B696-D43F0FE3D7F6}"/>
+                <a16:creationId xmlns:a16="http://schemas.microsoft.com/office/drawing/2014/main" id="{4B5CE85D-FF7C-4B09-852D-36A7AF1F57F3}"/>
               </a:ext>
             </a:extLst>
           </p:cNvPr>
@@ -11934,8 +12164,8 @@
         </p:nvSpPr>
         <p:spPr>
           <a:xfrm>
-            <a:off x="6908800" y="1576257"/>
-            <a:ext cx="6032500" cy="1015663"/>
+            <a:off x="11391441" y="352540"/>
+            <a:ext cx="1685581" cy="1938992"/>
           </a:xfrm>
           <a:prstGeom prst="rect">
             <a:avLst/>
@@ -11943,163 +12173,219 @@
           <a:noFill/>
         </p:spPr>
         <p:txBody>
-          <a:bodyPr wrap="square">
+          <a:bodyPr wrap="square" rtlCol="0">
             <a:spAutoFit/>
           </a:bodyPr>
           <a:lstStyle/>
           <a:p>
             <a:r>
-              <a:rPr lang="en-US" dirty="0">
-                <a:solidFill>
-                  <a:srgbClr val="CC7832"/>
-                </a:solidFill>
-                <a:effectLst/>
-                <a:latin typeface="Consolas" panose="020B0609020204030204" pitchFamily="49" charset="0"/>
-                <a:cs typeface="Consolas" panose="020B0609020204030204" pitchFamily="49" charset="0"/>
-              </a:rPr>
-              <a:t>public static void </a:t>
-            </a:r>
-            <a:r>
-              <a:rPr lang="en-US" dirty="0">
-                <a:solidFill>
-                  <a:srgbClr val="FFC66D"/>
-                </a:solidFill>
-                <a:effectLst/>
-                <a:latin typeface="Consolas" panose="020B0609020204030204" pitchFamily="49" charset="0"/>
-                <a:cs typeface="Consolas" panose="020B0609020204030204" pitchFamily="49" charset="0"/>
-              </a:rPr>
-              <a:t>main</a:t>
-            </a:r>
-            <a:r>
-              <a:rPr lang="en-US" dirty="0">
-                <a:latin typeface="Consolas" panose="020B0609020204030204" pitchFamily="49" charset="0"/>
-                <a:cs typeface="Consolas" panose="020B0609020204030204" pitchFamily="49" charset="0"/>
-              </a:rPr>
-              <a:t>(String[] </a:t>
-            </a:r>
-            <a:r>
-              <a:rPr lang="en-US" i="1" dirty="0" err="1">
-                <a:solidFill>
-                  <a:srgbClr val="9876AA"/>
-                </a:solidFill>
-                <a:effectLst/>
-                <a:latin typeface="Consolas" panose="020B0609020204030204" pitchFamily="49" charset="0"/>
-                <a:cs typeface="Consolas" panose="020B0609020204030204" pitchFamily="49" charset="0"/>
-              </a:rPr>
-              <a:t>args</a:t>
-            </a:r>
-            <a:r>
-              <a:rPr lang="en-US" dirty="0">
-                <a:latin typeface="Consolas" panose="020B0609020204030204" pitchFamily="49" charset="0"/>
-                <a:cs typeface="Consolas" panose="020B0609020204030204" pitchFamily="49" charset="0"/>
-              </a:rPr>
-              <a:t>){</a:t>
-            </a:r>
-            <a:br>
-              <a:rPr lang="en-US" dirty="0">
-                <a:latin typeface="Consolas" panose="020B0609020204030204" pitchFamily="49" charset="0"/>
-                <a:cs typeface="Consolas" panose="020B0609020204030204" pitchFamily="49" charset="0"/>
-              </a:rPr>
-            </a:br>
-            <a:r>
-              <a:rPr lang="en-US" dirty="0">
-                <a:latin typeface="Consolas" panose="020B0609020204030204" pitchFamily="49" charset="0"/>
-                <a:cs typeface="Consolas" panose="020B0609020204030204" pitchFamily="49" charset="0"/>
-              </a:rPr>
-              <a:t>    </a:t>
-            </a:r>
-            <a:r>
-              <a:rPr lang="en-US" dirty="0" err="1">
-                <a:latin typeface="Consolas" panose="020B0609020204030204" pitchFamily="49" charset="0"/>
-                <a:cs typeface="Consolas" panose="020B0609020204030204" pitchFamily="49" charset="0"/>
-              </a:rPr>
-              <a:t>System.</a:t>
-            </a:r>
-            <a:r>
-              <a:rPr lang="en-US" i="1" dirty="0" err="1">
-                <a:solidFill>
-                  <a:srgbClr val="9876AA"/>
-                </a:solidFill>
-                <a:effectLst/>
-                <a:latin typeface="Consolas" panose="020B0609020204030204" pitchFamily="49" charset="0"/>
-                <a:cs typeface="Consolas" panose="020B0609020204030204" pitchFamily="49" charset="0"/>
-              </a:rPr>
-              <a:t>out</a:t>
-            </a:r>
-            <a:r>
-              <a:rPr lang="en-US" dirty="0" err="1">
-                <a:latin typeface="Consolas" panose="020B0609020204030204" pitchFamily="49" charset="0"/>
-                <a:cs typeface="Consolas" panose="020B0609020204030204" pitchFamily="49" charset="0"/>
-              </a:rPr>
-              <a:t>.println</a:t>
-            </a:r>
-            <a:r>
-              <a:rPr lang="en-US" dirty="0">
-                <a:latin typeface="Consolas" panose="020B0609020204030204" pitchFamily="49" charset="0"/>
-                <a:cs typeface="Consolas" panose="020B0609020204030204" pitchFamily="49" charset="0"/>
-              </a:rPr>
-              <a:t>(</a:t>
-            </a:r>
-            <a:r>
-              <a:rPr lang="en-US" i="1" dirty="0" err="1">
-                <a:effectLst/>
-                <a:latin typeface="Consolas" panose="020B0609020204030204" pitchFamily="49" charset="0"/>
-                <a:cs typeface="Consolas" panose="020B0609020204030204" pitchFamily="49" charset="0"/>
-              </a:rPr>
-              <a:t>signCheck</a:t>
-            </a:r>
-            <a:r>
-              <a:rPr lang="en-US" dirty="0">
-                <a:latin typeface="Consolas" panose="020B0609020204030204" pitchFamily="49" charset="0"/>
-                <a:cs typeface="Consolas" panose="020B0609020204030204" pitchFamily="49" charset="0"/>
-              </a:rPr>
-              <a:t>(</a:t>
-            </a:r>
-            <a:r>
-              <a:rPr lang="en-US" dirty="0">
-                <a:solidFill>
-                  <a:srgbClr val="6897BB"/>
-                </a:solidFill>
-                <a:effectLst/>
-                <a:latin typeface="Consolas" panose="020B0609020204030204" pitchFamily="49" charset="0"/>
-                <a:cs typeface="Consolas" panose="020B0609020204030204" pitchFamily="49" charset="0"/>
-              </a:rPr>
-              <a:t>0</a:t>
-            </a:r>
-            <a:r>
-              <a:rPr lang="en-US" dirty="0">
-                <a:latin typeface="Consolas" panose="020B0609020204030204" pitchFamily="49" charset="0"/>
-                <a:cs typeface="Consolas" panose="020B0609020204030204" pitchFamily="49" charset="0"/>
-              </a:rPr>
-              <a:t>))</a:t>
-            </a:r>
-            <a:r>
-              <a:rPr lang="en-US" dirty="0">
-                <a:solidFill>
-                  <a:srgbClr val="CC7832"/>
-                </a:solidFill>
-                <a:effectLst/>
-                <a:latin typeface="Consolas" panose="020B0609020204030204" pitchFamily="49" charset="0"/>
-                <a:cs typeface="Consolas" panose="020B0609020204030204" pitchFamily="49" charset="0"/>
-              </a:rPr>
-              <a:t>;</a:t>
-            </a:r>
-            <a:br>
-              <a:rPr lang="en-US" dirty="0">
-                <a:solidFill>
-                  <a:srgbClr val="CC7832"/>
-                </a:solidFill>
-                <a:effectLst/>
-                <a:latin typeface="Consolas" panose="020B0609020204030204" pitchFamily="49" charset="0"/>
-                <a:cs typeface="Consolas" panose="020B0609020204030204" pitchFamily="49" charset="0"/>
-              </a:rPr>
-            </a:br>
-            <a:r>
-              <a:rPr lang="en-US" dirty="0">
-                <a:latin typeface="Consolas" panose="020B0609020204030204" pitchFamily="49" charset="0"/>
-                <a:cs typeface="Consolas" panose="020B0609020204030204" pitchFamily="49" charset="0"/>
-              </a:rPr>
-              <a:t>}</a:t>
+              <a:rPr lang="en-US" dirty="0"/>
+              <a:t>Options:</a:t>
+            </a:r>
+          </a:p>
+          <a:p>
+            <a:r>
+              <a:rPr lang="en-US" dirty="0"/>
+              <a:t>A: &gt;</a:t>
+            </a:r>
+          </a:p>
+          <a:p>
+            <a:r>
+              <a:rPr lang="en-US" dirty="0"/>
+              <a:t>B: &lt;</a:t>
+            </a:r>
+          </a:p>
+          <a:p>
+            <a:r>
+              <a:rPr lang="en-US" dirty="0"/>
+              <a:t>C: &gt;=</a:t>
+            </a:r>
+          </a:p>
+          <a:p>
+            <a:r>
+              <a:rPr lang="en-US" dirty="0"/>
+              <a:t>D: &lt;=</a:t>
+            </a:r>
+          </a:p>
+          <a:p>
+            <a:r>
+              <a:rPr lang="en-US" dirty="0"/>
+              <a:t>E: ==</a:t>
+            </a:r>
+          </a:p>
+        </p:txBody>
+      </p:sp>
+      <p:sp>
+        <p:nvSpPr>
+          <p:cNvPr id="11" name="TextBox 10">
+            <a:extLst>
+              <a:ext uri="{FF2B5EF4-FFF2-40B4-BE49-F238E27FC236}">
+                <a16:creationId xmlns:a16="http://schemas.microsoft.com/office/drawing/2014/main" id="{DBC96204-A3FF-4169-B886-70750A703A34}"/>
+              </a:ext>
+            </a:extLst>
+          </p:cNvPr>
+          <p:cNvSpPr txBox="1"/>
+          <p:nvPr/>
+        </p:nvSpPr>
+        <p:spPr>
+          <a:xfrm>
+            <a:off x="3279354" y="5244029"/>
+            <a:ext cx="1557051" cy="400110"/>
+          </a:xfrm>
+          <a:prstGeom prst="rect">
+            <a:avLst/>
+          </a:prstGeom>
+          <a:noFill/>
+        </p:spPr>
+        <p:txBody>
+          <a:bodyPr wrap="square" rtlCol="0">
+            <a:spAutoFit/>
+          </a:bodyPr>
+          <a:lstStyle/>
+          <a:p>
+            <a:r>
+              <a:rPr lang="en-US" dirty="0"/>
+              <a:t>&gt; (A)</a:t>
+            </a:r>
+          </a:p>
+        </p:txBody>
+      </p:sp>
+      <p:sp>
+        <p:nvSpPr>
+          <p:cNvPr id="12" name="TextBox 11">
+            <a:extLst>
+              <a:ext uri="{FF2B5EF4-FFF2-40B4-BE49-F238E27FC236}">
+                <a16:creationId xmlns:a16="http://schemas.microsoft.com/office/drawing/2014/main" id="{8042A1A1-6E85-4749-AC5E-7ABEFC4F0107}"/>
+              </a:ext>
+            </a:extLst>
+          </p:cNvPr>
+          <p:cNvSpPr txBox="1"/>
+          <p:nvPr/>
+        </p:nvSpPr>
+        <p:spPr>
+          <a:xfrm>
+            <a:off x="925530" y="5700042"/>
+            <a:ext cx="2049025" cy="400110"/>
+          </a:xfrm>
+          <a:prstGeom prst="rect">
+            <a:avLst/>
+          </a:prstGeom>
+          <a:noFill/>
+        </p:spPr>
+        <p:txBody>
+          <a:bodyPr wrap="square" rtlCol="0">
+            <a:spAutoFit/>
+          </a:bodyPr>
+          <a:lstStyle/>
+          <a:p>
+            <a:r>
+              <a:rPr lang="en-US" dirty="0"/>
+              <a:t>true, true, false</a:t>
+            </a:r>
+          </a:p>
+        </p:txBody>
+      </p:sp>
+      <p:sp>
+        <p:nvSpPr>
+          <p:cNvPr id="13" name="TextBox 12">
+            <a:extLst>
+              <a:ext uri="{FF2B5EF4-FFF2-40B4-BE49-F238E27FC236}">
+                <a16:creationId xmlns:a16="http://schemas.microsoft.com/office/drawing/2014/main" id="{381023EC-747D-42C2-8B80-5FCABB2BC1DB}"/>
+              </a:ext>
+            </a:extLst>
+          </p:cNvPr>
+          <p:cNvSpPr txBox="1"/>
+          <p:nvPr/>
+        </p:nvSpPr>
+        <p:spPr>
+          <a:xfrm>
+            <a:off x="3279354" y="5715070"/>
+            <a:ext cx="1557051" cy="400110"/>
+          </a:xfrm>
+          <a:prstGeom prst="rect">
+            <a:avLst/>
+          </a:prstGeom>
+          <a:noFill/>
+        </p:spPr>
+        <p:txBody>
+          <a:bodyPr wrap="square" rtlCol="0">
+            <a:spAutoFit/>
+          </a:bodyPr>
+          <a:lstStyle/>
+          <a:p>
+            <a:r>
+              <a:rPr lang="en-US" dirty="0"/>
+              <a:t>&lt;= (D)</a:t>
+            </a:r>
+          </a:p>
+        </p:txBody>
+      </p:sp>
+      <p:sp>
+        <p:nvSpPr>
+          <p:cNvPr id="14" name="TextBox 13">
+            <a:extLst>
+              <a:ext uri="{FF2B5EF4-FFF2-40B4-BE49-F238E27FC236}">
+                <a16:creationId xmlns:a16="http://schemas.microsoft.com/office/drawing/2014/main" id="{AC6ABD88-72A7-4260-9077-6481BB1D2232}"/>
+              </a:ext>
+            </a:extLst>
+          </p:cNvPr>
+          <p:cNvSpPr txBox="1"/>
+          <p:nvPr/>
+        </p:nvSpPr>
+        <p:spPr>
+          <a:xfrm>
+            <a:off x="925530" y="6240518"/>
+            <a:ext cx="2049025" cy="400110"/>
+          </a:xfrm>
+          <a:prstGeom prst="rect">
+            <a:avLst/>
+          </a:prstGeom>
+          <a:noFill/>
+        </p:spPr>
+        <p:txBody>
+          <a:bodyPr wrap="square" rtlCol="0">
+            <a:spAutoFit/>
+          </a:bodyPr>
+          <a:lstStyle/>
+          <a:p>
+            <a:r>
+              <a:rPr lang="en-US" dirty="0"/>
+              <a:t>false, true, false</a:t>
+            </a:r>
+          </a:p>
+        </p:txBody>
+      </p:sp>
+      <p:sp>
+        <p:nvSpPr>
+          <p:cNvPr id="15" name="TextBox 14">
+            <a:extLst>
+              <a:ext uri="{FF2B5EF4-FFF2-40B4-BE49-F238E27FC236}">
+                <a16:creationId xmlns:a16="http://schemas.microsoft.com/office/drawing/2014/main" id="{6540EDA1-B0AD-47A4-9C61-E2B44D58BCCD}"/>
+              </a:ext>
+            </a:extLst>
+          </p:cNvPr>
+          <p:cNvSpPr txBox="1"/>
+          <p:nvPr/>
+        </p:nvSpPr>
+        <p:spPr>
+          <a:xfrm>
+            <a:off x="3279354" y="6255546"/>
+            <a:ext cx="1557051" cy="400110"/>
+          </a:xfrm>
+          <a:prstGeom prst="rect">
+            <a:avLst/>
+          </a:prstGeom>
+          <a:noFill/>
+        </p:spPr>
+        <p:txBody>
+          <a:bodyPr wrap="square" rtlCol="0">
+            <a:spAutoFit/>
+          </a:bodyPr>
+          <a:lstStyle/>
+          <a:p>
+            <a:r>
+              <a:rPr lang="en-US" dirty="0"/>
+              <a:t>== (E)</a:t>
             </a:r>
           </a:p>
         </p:txBody>
@@ -12126,6 +12412,369 @@
       </p:transition>
     </mc:Fallback>
   </mc:AlternateContent>
+  <p:timing>
+    <p:tnLst>
+      <p:par>
+        <p:cTn id="1" dur="indefinite" restart="never" nodeType="tmRoot">
+          <p:childTnLst>
+            <p:seq concurrent="1" nextAc="seek">
+              <p:cTn id="2" dur="indefinite" nodeType="mainSeq">
+                <p:childTnLst>
+                  <p:par>
+                    <p:cTn id="3" fill="hold">
+                      <p:stCondLst>
+                        <p:cond delay="indefinite"/>
+                      </p:stCondLst>
+                      <p:childTnLst>
+                        <p:par>
+                          <p:cTn id="4" fill="hold">
+                            <p:stCondLst>
+                              <p:cond delay="0"/>
+                            </p:stCondLst>
+                            <p:childTnLst>
+                              <p:par>
+                                <p:cTn id="5" presetID="10" presetClass="entr" presetSubtype="0" fill="hold" grpId="0" nodeType="clickEffect">
+                                  <p:stCondLst>
+                                    <p:cond delay="0"/>
+                                  </p:stCondLst>
+                                  <p:childTnLst>
+                                    <p:set>
+                                      <p:cBhvr>
+                                        <p:cTn id="6" dur="1" fill="hold">
+                                          <p:stCondLst>
+                                            <p:cond delay="0"/>
+                                          </p:stCondLst>
+                                        </p:cTn>
+                                        <p:tgtEl>
+                                          <p:spTgt spid="9"/>
+                                        </p:tgtEl>
+                                        <p:attrNameLst>
+                                          <p:attrName>style.visibility</p:attrName>
+                                        </p:attrNameLst>
+                                      </p:cBhvr>
+                                      <p:to>
+                                        <p:strVal val="visible"/>
+                                      </p:to>
+                                    </p:set>
+                                    <p:animEffect transition="in" filter="fade">
+                                      <p:cBhvr>
+                                        <p:cTn id="7" dur="500"/>
+                                        <p:tgtEl>
+                                          <p:spTgt spid="9"/>
+                                        </p:tgtEl>
+                                      </p:cBhvr>
+                                    </p:animEffect>
+                                  </p:childTnLst>
+                                </p:cTn>
+                              </p:par>
+                            </p:childTnLst>
+                          </p:cTn>
+                        </p:par>
+                      </p:childTnLst>
+                    </p:cTn>
+                  </p:par>
+                  <p:par>
+                    <p:cTn id="8" fill="hold">
+                      <p:stCondLst>
+                        <p:cond delay="indefinite"/>
+                      </p:stCondLst>
+                      <p:childTnLst>
+                        <p:par>
+                          <p:cTn id="9" fill="hold">
+                            <p:stCondLst>
+                              <p:cond delay="0"/>
+                            </p:stCondLst>
+                            <p:childTnLst>
+                              <p:par>
+                                <p:cTn id="10" presetID="10" presetClass="entr" presetSubtype="0" fill="hold" grpId="0" nodeType="clickEffect">
+                                  <p:stCondLst>
+                                    <p:cond delay="0"/>
+                                  </p:stCondLst>
+                                  <p:childTnLst>
+                                    <p:set>
+                                      <p:cBhvr>
+                                        <p:cTn id="11" dur="1" fill="hold">
+                                          <p:stCondLst>
+                                            <p:cond delay="0"/>
+                                          </p:stCondLst>
+                                        </p:cTn>
+                                        <p:tgtEl>
+                                          <p:spTgt spid="11"/>
+                                        </p:tgtEl>
+                                        <p:attrNameLst>
+                                          <p:attrName>style.visibility</p:attrName>
+                                        </p:attrNameLst>
+                                      </p:cBhvr>
+                                      <p:to>
+                                        <p:strVal val="visible"/>
+                                      </p:to>
+                                    </p:set>
+                                    <p:animEffect transition="in" filter="fade">
+                                      <p:cBhvr>
+                                        <p:cTn id="12" dur="500"/>
+                                        <p:tgtEl>
+                                          <p:spTgt spid="11"/>
+                                        </p:tgtEl>
+                                      </p:cBhvr>
+                                    </p:animEffect>
+                                  </p:childTnLst>
+                                </p:cTn>
+                              </p:par>
+                            </p:childTnLst>
+                          </p:cTn>
+                        </p:par>
+                      </p:childTnLst>
+                    </p:cTn>
+                  </p:par>
+                  <p:par>
+                    <p:cTn id="13" fill="hold">
+                      <p:stCondLst>
+                        <p:cond delay="indefinite"/>
+                      </p:stCondLst>
+                      <p:childTnLst>
+                        <p:par>
+                          <p:cTn id="14" fill="hold">
+                            <p:stCondLst>
+                              <p:cond delay="0"/>
+                            </p:stCondLst>
+                            <p:childTnLst>
+                              <p:par>
+                                <p:cTn id="15" presetID="10" presetClass="entr" presetSubtype="0" fill="hold" grpId="0" nodeType="clickEffect">
+                                  <p:stCondLst>
+                                    <p:cond delay="0"/>
+                                  </p:stCondLst>
+                                  <p:childTnLst>
+                                    <p:set>
+                                      <p:cBhvr>
+                                        <p:cTn id="16" dur="1" fill="hold">
+                                          <p:stCondLst>
+                                            <p:cond delay="0"/>
+                                          </p:stCondLst>
+                                        </p:cTn>
+                                        <p:tgtEl>
+                                          <p:spTgt spid="12"/>
+                                        </p:tgtEl>
+                                        <p:attrNameLst>
+                                          <p:attrName>style.visibility</p:attrName>
+                                        </p:attrNameLst>
+                                      </p:cBhvr>
+                                      <p:to>
+                                        <p:strVal val="visible"/>
+                                      </p:to>
+                                    </p:set>
+                                    <p:animEffect transition="in" filter="fade">
+                                      <p:cBhvr>
+                                        <p:cTn id="17" dur="500"/>
+                                        <p:tgtEl>
+                                          <p:spTgt spid="12"/>
+                                        </p:tgtEl>
+                                      </p:cBhvr>
+                                    </p:animEffect>
+                                  </p:childTnLst>
+                                </p:cTn>
+                              </p:par>
+                            </p:childTnLst>
+                          </p:cTn>
+                        </p:par>
+                      </p:childTnLst>
+                    </p:cTn>
+                  </p:par>
+                  <p:par>
+                    <p:cTn id="18" fill="hold">
+                      <p:stCondLst>
+                        <p:cond delay="indefinite"/>
+                      </p:stCondLst>
+                      <p:childTnLst>
+                        <p:par>
+                          <p:cTn id="19" fill="hold">
+                            <p:stCondLst>
+                              <p:cond delay="0"/>
+                            </p:stCondLst>
+                            <p:childTnLst>
+                              <p:par>
+                                <p:cTn id="20" presetID="10" presetClass="entr" presetSubtype="0" fill="hold" nodeType="clickEffect">
+                                  <p:stCondLst>
+                                    <p:cond delay="0"/>
+                                  </p:stCondLst>
+                                  <p:childTnLst>
+                                    <p:set>
+                                      <p:cBhvr>
+                                        <p:cTn id="21" dur="1" fill="hold">
+                                          <p:stCondLst>
+                                            <p:cond delay="0"/>
+                                          </p:stCondLst>
+                                        </p:cTn>
+                                        <p:tgtEl>
+                                          <p:spTgt spid="13">
+                                            <p:txEl>
+                                              <p:pRg st="0" end="0"/>
+                                            </p:txEl>
+                                          </p:spTgt>
+                                        </p:tgtEl>
+                                        <p:attrNameLst>
+                                          <p:attrName>style.visibility</p:attrName>
+                                        </p:attrNameLst>
+                                      </p:cBhvr>
+                                      <p:to>
+                                        <p:strVal val="visible"/>
+                                      </p:to>
+                                    </p:set>
+                                    <p:animEffect transition="in" filter="fade">
+                                      <p:cBhvr>
+                                        <p:cTn id="22" dur="500"/>
+                                        <p:tgtEl>
+                                          <p:spTgt spid="13">
+                                            <p:txEl>
+                                              <p:pRg st="0" end="0"/>
+                                            </p:txEl>
+                                          </p:spTgt>
+                                        </p:tgtEl>
+                                      </p:cBhvr>
+                                    </p:animEffect>
+                                  </p:childTnLst>
+                                </p:cTn>
+                              </p:par>
+                            </p:childTnLst>
+                          </p:cTn>
+                        </p:par>
+                      </p:childTnLst>
+                    </p:cTn>
+                  </p:par>
+                  <p:par>
+                    <p:cTn id="23" fill="hold">
+                      <p:stCondLst>
+                        <p:cond delay="indefinite"/>
+                      </p:stCondLst>
+                      <p:childTnLst>
+                        <p:par>
+                          <p:cTn id="24" fill="hold">
+                            <p:stCondLst>
+                              <p:cond delay="0"/>
+                            </p:stCondLst>
+                            <p:childTnLst>
+                              <p:par>
+                                <p:cTn id="25" presetID="10" presetClass="entr" presetSubtype="0" fill="hold" grpId="0" nodeType="clickEffect">
+                                  <p:stCondLst>
+                                    <p:cond delay="0"/>
+                                  </p:stCondLst>
+                                  <p:childTnLst>
+                                    <p:set>
+                                      <p:cBhvr>
+                                        <p:cTn id="26" dur="1" fill="hold">
+                                          <p:stCondLst>
+                                            <p:cond delay="0"/>
+                                          </p:stCondLst>
+                                        </p:cTn>
+                                        <p:tgtEl>
+                                          <p:spTgt spid="14"/>
+                                        </p:tgtEl>
+                                        <p:attrNameLst>
+                                          <p:attrName>style.visibility</p:attrName>
+                                        </p:attrNameLst>
+                                      </p:cBhvr>
+                                      <p:to>
+                                        <p:strVal val="visible"/>
+                                      </p:to>
+                                    </p:set>
+                                    <p:animEffect transition="in" filter="fade">
+                                      <p:cBhvr>
+                                        <p:cTn id="27" dur="500"/>
+                                        <p:tgtEl>
+                                          <p:spTgt spid="14"/>
+                                        </p:tgtEl>
+                                      </p:cBhvr>
+                                    </p:animEffect>
+                                  </p:childTnLst>
+                                </p:cTn>
+                              </p:par>
+                            </p:childTnLst>
+                          </p:cTn>
+                        </p:par>
+                      </p:childTnLst>
+                    </p:cTn>
+                  </p:par>
+                  <p:par>
+                    <p:cTn id="28" fill="hold">
+                      <p:stCondLst>
+                        <p:cond delay="indefinite"/>
+                      </p:stCondLst>
+                      <p:childTnLst>
+                        <p:par>
+                          <p:cTn id="29" fill="hold">
+                            <p:stCondLst>
+                              <p:cond delay="0"/>
+                            </p:stCondLst>
+                            <p:childTnLst>
+                              <p:par>
+                                <p:cTn id="30" presetID="10" presetClass="entr" presetSubtype="0" fill="hold" grpId="0" nodeType="clickEffect">
+                                  <p:stCondLst>
+                                    <p:cond delay="0"/>
+                                  </p:stCondLst>
+                                  <p:childTnLst>
+                                    <p:set>
+                                      <p:cBhvr>
+                                        <p:cTn id="31" dur="1" fill="hold">
+                                          <p:stCondLst>
+                                            <p:cond delay="0"/>
+                                          </p:stCondLst>
+                                        </p:cTn>
+                                        <p:tgtEl>
+                                          <p:spTgt spid="15"/>
+                                        </p:tgtEl>
+                                        <p:attrNameLst>
+                                          <p:attrName>style.visibility</p:attrName>
+                                        </p:attrNameLst>
+                                      </p:cBhvr>
+                                      <p:to>
+                                        <p:strVal val="visible"/>
+                                      </p:to>
+                                    </p:set>
+                                    <p:animEffect transition="in" filter="fade">
+                                      <p:cBhvr>
+                                        <p:cTn id="32" dur="500"/>
+                                        <p:tgtEl>
+                                          <p:spTgt spid="15"/>
+                                        </p:tgtEl>
+                                      </p:cBhvr>
+                                    </p:animEffect>
+                                  </p:childTnLst>
+                                </p:cTn>
+                              </p:par>
+                            </p:childTnLst>
+                          </p:cTn>
+                        </p:par>
+                      </p:childTnLst>
+                    </p:cTn>
+                  </p:par>
+                </p:childTnLst>
+              </p:cTn>
+              <p:prevCondLst>
+                <p:cond evt="onPrev" delay="0">
+                  <p:tgtEl>
+                    <p:sldTgt/>
+                  </p:tgtEl>
+                </p:cond>
+              </p:prevCondLst>
+              <p:nextCondLst>
+                <p:cond evt="onNext" delay="0">
+                  <p:tgtEl>
+                    <p:sldTgt/>
+                  </p:tgtEl>
+                </p:cond>
+              </p:nextCondLst>
+            </p:seq>
+          </p:childTnLst>
+        </p:cTn>
+      </p:par>
+    </p:tnLst>
+    <p:bldLst>
+      <p:bldP spid="9" grpId="0"/>
+      <p:bldP spid="11" grpId="0"/>
+      <p:bldP spid="12" grpId="0"/>
+      <p:bldP spid="14" grpId="0"/>
+      <p:bldP spid="15" grpId="0"/>
+    </p:bldLst>
+  </p:timing>
 </p:sld>
 </file>
 
@@ -12487,11 +13136,11 @@
           <a:prstGeom prst="rect">
             <a:avLst/>
           </a:prstGeom>
-          <a:solidFill>
-            <a:schemeClr val="bg2"/>
-          </a:solidFill>
+          <a:noFill/>
           <a:ln>
-            <a:noFill/>
+            <a:solidFill>
+              <a:schemeClr val="accent1"/>
+            </a:solidFill>
           </a:ln>
           <a:effectLst/>
         </p:spPr>
@@ -12513,161 +13162,303 @@
           <a:bodyPr lIns="274320" tIns="182880" rIns="274320" bIns="182880" rtlCol="0" anchor="ctr"/>
           <a:lstStyle/>
           <a:p>
-            <a:pPr>
-              <a:lnSpc>
-                <a:spcPct val="150000"/>
-              </a:lnSpc>
-            </a:pPr>
             <a:r>
               <a:rPr lang="en-US" sz="1200" dirty="0">
                 <a:solidFill>
-                  <a:schemeClr val="tx1"/>
-                </a:solidFill>
-                <a:latin typeface="Consolas" panose="020B0609020204030204" pitchFamily="49" charset="0"/>
-                <a:ea typeface="Proxima Nova" charset="0"/>
-                <a:cs typeface="Consolas" panose="020B0609020204030204" pitchFamily="49" charset="0"/>
-              </a:rPr>
-              <a:t>public static void main(String[] </a:t>
+                  <a:srgbClr val="0000FF"/>
+                </a:solidFill>
+                <a:latin typeface="Consolas" panose="020B0609020204030204" pitchFamily="49" charset="0"/>
+              </a:rPr>
+              <a:t>public</a:t>
+            </a:r>
+            <a:r>
+              <a:rPr lang="en-US" sz="1200" dirty="0">
+                <a:solidFill>
+                  <a:srgbClr val="000000"/>
+                </a:solidFill>
+                <a:latin typeface="Consolas" panose="020B0609020204030204" pitchFamily="49" charset="0"/>
+              </a:rPr>
+              <a:t> </a:t>
+            </a:r>
+            <a:r>
+              <a:rPr lang="en-US" sz="1200" dirty="0">
+                <a:solidFill>
+                  <a:srgbClr val="0000FF"/>
+                </a:solidFill>
+                <a:latin typeface="Consolas" panose="020B0609020204030204" pitchFamily="49" charset="0"/>
+              </a:rPr>
+              <a:t>static</a:t>
+            </a:r>
+            <a:r>
+              <a:rPr lang="en-US" sz="1200" dirty="0">
+                <a:solidFill>
+                  <a:srgbClr val="000000"/>
+                </a:solidFill>
+                <a:latin typeface="Consolas" panose="020B0609020204030204" pitchFamily="49" charset="0"/>
+              </a:rPr>
+              <a:t> </a:t>
+            </a:r>
+            <a:r>
+              <a:rPr lang="en-US" sz="1200" dirty="0">
+                <a:solidFill>
+                  <a:srgbClr val="267F99"/>
+                </a:solidFill>
+                <a:latin typeface="Consolas" panose="020B0609020204030204" pitchFamily="49" charset="0"/>
+              </a:rPr>
+              <a:t>void</a:t>
+            </a:r>
+            <a:r>
+              <a:rPr lang="en-US" sz="1200" dirty="0">
+                <a:solidFill>
+                  <a:srgbClr val="000000"/>
+                </a:solidFill>
+                <a:latin typeface="Consolas" panose="020B0609020204030204" pitchFamily="49" charset="0"/>
+              </a:rPr>
+              <a:t> </a:t>
+            </a:r>
+            <a:r>
+              <a:rPr lang="en-US" sz="1200" dirty="0">
+                <a:solidFill>
+                  <a:srgbClr val="795E26"/>
+                </a:solidFill>
+                <a:latin typeface="Consolas" panose="020B0609020204030204" pitchFamily="49" charset="0"/>
+              </a:rPr>
+              <a:t>main</a:t>
+            </a:r>
+            <a:r>
+              <a:rPr lang="en-US" sz="1200" dirty="0">
+                <a:solidFill>
+                  <a:srgbClr val="000000"/>
+                </a:solidFill>
+                <a:latin typeface="Consolas" panose="020B0609020204030204" pitchFamily="49" charset="0"/>
+              </a:rPr>
+              <a:t>(</a:t>
+            </a:r>
+            <a:r>
+              <a:rPr lang="en-US" sz="1200" dirty="0">
+                <a:solidFill>
+                  <a:srgbClr val="267F99"/>
+                </a:solidFill>
+                <a:latin typeface="Consolas" panose="020B0609020204030204" pitchFamily="49" charset="0"/>
+              </a:rPr>
+              <a:t>String</a:t>
+            </a:r>
+            <a:r>
+              <a:rPr lang="en-US" sz="1200" dirty="0">
+                <a:solidFill>
+                  <a:srgbClr val="000000"/>
+                </a:solidFill>
+                <a:latin typeface="Consolas" panose="020B0609020204030204" pitchFamily="49" charset="0"/>
+              </a:rPr>
+              <a:t>[] </a:t>
             </a:r>
             <a:r>
               <a:rPr lang="en-US" sz="1200" dirty="0" err="1">
                 <a:solidFill>
-                  <a:schemeClr val="tx1"/>
-                </a:solidFill>
-                <a:latin typeface="Consolas" panose="020B0609020204030204" pitchFamily="49" charset="0"/>
-                <a:ea typeface="Proxima Nova" charset="0"/>
-                <a:cs typeface="Consolas" panose="020B0609020204030204" pitchFamily="49" charset="0"/>
+                  <a:srgbClr val="001080"/>
+                </a:solidFill>
+                <a:latin typeface="Consolas" panose="020B0609020204030204" pitchFamily="49" charset="0"/>
               </a:rPr>
               <a:t>args</a:t>
             </a:r>
             <a:r>
               <a:rPr lang="en-US" sz="1200" dirty="0">
                 <a:solidFill>
-                  <a:schemeClr val="tx1"/>
-                </a:solidFill>
-                <a:latin typeface="Consolas" panose="020B0609020204030204" pitchFamily="49" charset="0"/>
-                <a:ea typeface="Proxima Nova" charset="0"/>
-                <a:cs typeface="Consolas" panose="020B0609020204030204" pitchFamily="49" charset="0"/>
+                  <a:srgbClr val="000000"/>
+                </a:solidFill>
+                <a:latin typeface="Consolas" panose="020B0609020204030204" pitchFamily="49" charset="0"/>
               </a:rPr>
               <a:t>) {</a:t>
             </a:r>
           </a:p>
           <a:p>
-            <a:pPr>
-              <a:lnSpc>
-                <a:spcPct val="150000"/>
-              </a:lnSpc>
-            </a:pPr>
             <a:r>
               <a:rPr lang="en-US" sz="1200" dirty="0">
                 <a:solidFill>
-                  <a:schemeClr val="tx1"/>
-                </a:solidFill>
-                <a:latin typeface="Consolas" panose="020B0609020204030204" pitchFamily="49" charset="0"/>
-                <a:ea typeface="Proxima Nova" charset="0"/>
-                <a:cs typeface="Consolas" panose="020B0609020204030204" pitchFamily="49" charset="0"/>
-              </a:rPr>
-              <a:t>   boolean </a:t>
+                  <a:srgbClr val="000000"/>
+                </a:solidFill>
+                <a:latin typeface="Consolas" panose="020B0609020204030204" pitchFamily="49" charset="0"/>
+              </a:rPr>
+              <a:t>   </a:t>
             </a:r>
             <a:r>
               <a:rPr lang="en-US" sz="1200" dirty="0" err="1">
                 <a:solidFill>
-                  <a:schemeClr val="tx1"/>
-                </a:solidFill>
-                <a:latin typeface="Consolas" panose="020B0609020204030204" pitchFamily="49" charset="0"/>
-                <a:ea typeface="Proxima Nova" charset="0"/>
-                <a:cs typeface="Consolas" panose="020B0609020204030204" pitchFamily="49" charset="0"/>
+                  <a:srgbClr val="267F99"/>
+                </a:solidFill>
+                <a:latin typeface="Consolas" panose="020B0609020204030204" pitchFamily="49" charset="0"/>
+              </a:rPr>
+              <a:t>boolean</a:t>
+            </a:r>
+            <a:r>
+              <a:rPr lang="en-US" sz="1200" dirty="0">
+                <a:solidFill>
+                  <a:srgbClr val="000000"/>
+                </a:solidFill>
+                <a:latin typeface="Consolas" panose="020B0609020204030204" pitchFamily="49" charset="0"/>
+              </a:rPr>
+              <a:t> </a:t>
+            </a:r>
+            <a:r>
+              <a:rPr lang="en-US" sz="1200" dirty="0" err="1">
+                <a:solidFill>
+                  <a:srgbClr val="001080"/>
+                </a:solidFill>
+                <a:latin typeface="Consolas" panose="020B0609020204030204" pitchFamily="49" charset="0"/>
               </a:rPr>
               <a:t>myVal</a:t>
             </a:r>
             <a:r>
               <a:rPr lang="en-US" sz="1200" dirty="0">
                 <a:solidFill>
-                  <a:schemeClr val="tx1"/>
-                </a:solidFill>
-                <a:latin typeface="Consolas" panose="020B0609020204030204" pitchFamily="49" charset="0"/>
-                <a:ea typeface="Proxima Nova" charset="0"/>
-                <a:cs typeface="Consolas" panose="020B0609020204030204" pitchFamily="49" charset="0"/>
-              </a:rPr>
-              <a:t> = 10 &gt; 2;  </a:t>
-            </a:r>
-          </a:p>
-          <a:p>
-            <a:pPr>
-              <a:lnSpc>
-                <a:spcPct val="150000"/>
-              </a:lnSpc>
-            </a:pPr>
+                  <a:srgbClr val="000000"/>
+                </a:solidFill>
+                <a:latin typeface="Consolas" panose="020B0609020204030204" pitchFamily="49" charset="0"/>
+              </a:rPr>
+              <a:t> = </a:t>
+            </a:r>
             <a:r>
               <a:rPr lang="en-US" sz="1200" dirty="0">
                 <a:solidFill>
-                  <a:schemeClr val="tx1"/>
-                </a:solidFill>
-                <a:latin typeface="Consolas" panose="020B0609020204030204" pitchFamily="49" charset="0"/>
-                <a:ea typeface="Proxima Nova" charset="0"/>
-                <a:cs typeface="Consolas" panose="020B0609020204030204" pitchFamily="49" charset="0"/>
-              </a:rPr>
-              <a:t>   </a:t>
+                  <a:srgbClr val="098658"/>
+                </a:solidFill>
+                <a:latin typeface="Consolas" panose="020B0609020204030204" pitchFamily="49" charset="0"/>
+              </a:rPr>
+              <a:t>10</a:t>
+            </a:r>
+            <a:r>
+              <a:rPr lang="en-US" sz="1200" dirty="0">
+                <a:solidFill>
+                  <a:srgbClr val="000000"/>
+                </a:solidFill>
+                <a:latin typeface="Consolas" panose="020B0609020204030204" pitchFamily="49" charset="0"/>
+              </a:rPr>
+              <a:t> &gt; </a:t>
+            </a:r>
+            <a:r>
+              <a:rPr lang="en-US" sz="1200" dirty="0">
+                <a:solidFill>
+                  <a:srgbClr val="098658"/>
+                </a:solidFill>
+                <a:latin typeface="Consolas" panose="020B0609020204030204" pitchFamily="49" charset="0"/>
+              </a:rPr>
+              <a:t>2</a:t>
+            </a:r>
+            <a:r>
+              <a:rPr lang="en-US" sz="1200" dirty="0">
+                <a:solidFill>
+                  <a:srgbClr val="000000"/>
+                </a:solidFill>
+                <a:latin typeface="Consolas" panose="020B0609020204030204" pitchFamily="49" charset="0"/>
+              </a:rPr>
+              <a:t>;</a:t>
+            </a:r>
+          </a:p>
+          <a:p>
+            <a:r>
+              <a:rPr lang="en-US" sz="1200" dirty="0">
+                <a:solidFill>
+                  <a:srgbClr val="000000"/>
+                </a:solidFill>
+                <a:latin typeface="Consolas" panose="020B0609020204030204" pitchFamily="49" charset="0"/>
+              </a:rPr>
+              <a:t>   </a:t>
             </a:r>
             <a:r>
               <a:rPr lang="en-US" sz="1200" dirty="0" err="1">
                 <a:solidFill>
-                  <a:schemeClr val="tx1"/>
-                </a:solidFill>
-                <a:latin typeface="Consolas" panose="020B0609020204030204" pitchFamily="49" charset="0"/>
-                <a:ea typeface="Proxima Nova" charset="0"/>
-                <a:cs typeface="Consolas" panose="020B0609020204030204" pitchFamily="49" charset="0"/>
-              </a:rPr>
-              <a:t>System.out.println</a:t>
+                  <a:srgbClr val="267F99"/>
+                </a:solidFill>
+                <a:latin typeface="Consolas" panose="020B0609020204030204" pitchFamily="49" charset="0"/>
+              </a:rPr>
+              <a:t>System</a:t>
+            </a:r>
+            <a:r>
+              <a:rPr lang="en-US" sz="1200" dirty="0" err="1">
+                <a:solidFill>
+                  <a:srgbClr val="000000"/>
+                </a:solidFill>
+                <a:latin typeface="Consolas" panose="020B0609020204030204" pitchFamily="49" charset="0"/>
+              </a:rPr>
+              <a:t>.</a:t>
+            </a:r>
+            <a:r>
+              <a:rPr lang="en-US" sz="1200" dirty="0" err="1">
+                <a:solidFill>
+                  <a:srgbClr val="0070C1"/>
+                </a:solidFill>
+                <a:latin typeface="Consolas" panose="020B0609020204030204" pitchFamily="49" charset="0"/>
+              </a:rPr>
+              <a:t>out</a:t>
+            </a:r>
+            <a:r>
+              <a:rPr lang="en-US" sz="1200" dirty="0" err="1">
+                <a:solidFill>
+                  <a:srgbClr val="000000"/>
+                </a:solidFill>
+                <a:latin typeface="Consolas" panose="020B0609020204030204" pitchFamily="49" charset="0"/>
+              </a:rPr>
+              <a:t>.</a:t>
+            </a:r>
+            <a:r>
+              <a:rPr lang="en-US" sz="1200" dirty="0" err="1">
+                <a:solidFill>
+                  <a:srgbClr val="795E26"/>
+                </a:solidFill>
+                <a:latin typeface="Consolas" panose="020B0609020204030204" pitchFamily="49" charset="0"/>
+              </a:rPr>
+              <a:t>println</a:t>
             </a:r>
             <a:r>
               <a:rPr lang="en-US" sz="1200" dirty="0">
                 <a:solidFill>
-                  <a:schemeClr val="tx1"/>
-                </a:solidFill>
-                <a:latin typeface="Consolas" panose="020B0609020204030204" pitchFamily="49" charset="0"/>
-                <a:ea typeface="Proxima Nova" charset="0"/>
-                <a:cs typeface="Consolas" panose="020B0609020204030204" pitchFamily="49" charset="0"/>
+                  <a:srgbClr val="000000"/>
+                </a:solidFill>
+                <a:latin typeface="Consolas" panose="020B0609020204030204" pitchFamily="49" charset="0"/>
               </a:rPr>
               <a:t>(</a:t>
             </a:r>
             <a:r>
               <a:rPr lang="en-US" sz="1200" dirty="0" err="1">
                 <a:solidFill>
-                  <a:schemeClr val="tx1"/>
-                </a:solidFill>
-                <a:latin typeface="Consolas" panose="020B0609020204030204" pitchFamily="49" charset="0"/>
-                <a:ea typeface="Proxima Nova" charset="0"/>
-                <a:cs typeface="Consolas" panose="020B0609020204030204" pitchFamily="49" charset="0"/>
+                  <a:srgbClr val="001080"/>
+                </a:solidFill>
+                <a:latin typeface="Consolas" panose="020B0609020204030204" pitchFamily="49" charset="0"/>
               </a:rPr>
               <a:t>myVal</a:t>
             </a:r>
             <a:r>
               <a:rPr lang="en-US" sz="1200" dirty="0">
                 <a:solidFill>
-                  <a:schemeClr val="tx1"/>
-                </a:solidFill>
-                <a:latin typeface="Consolas" panose="020B0609020204030204" pitchFamily="49" charset="0"/>
-                <a:ea typeface="Proxima Nova" charset="0"/>
-                <a:cs typeface="Consolas" panose="020B0609020204030204" pitchFamily="49" charset="0"/>
-              </a:rPr>
-              <a:t>);  // prints true to the screen</a:t>
-            </a:r>
-          </a:p>
-          <a:p>
-            <a:pPr>
-              <a:lnSpc>
-                <a:spcPct val="150000"/>
-              </a:lnSpc>
-            </a:pPr>
+                  <a:srgbClr val="000000"/>
+                </a:solidFill>
+                <a:latin typeface="Consolas" panose="020B0609020204030204" pitchFamily="49" charset="0"/>
+              </a:rPr>
+              <a:t>); </a:t>
+            </a:r>
             <a:r>
               <a:rPr lang="en-US" sz="1200" dirty="0">
                 <a:solidFill>
-                  <a:schemeClr val="tx1"/>
-                </a:solidFill>
-                <a:latin typeface="Consolas" panose="020B0609020204030204" pitchFamily="49" charset="0"/>
-                <a:ea typeface="Proxima Nova" charset="0"/>
-                <a:cs typeface="Consolas" panose="020B0609020204030204" pitchFamily="49" charset="0"/>
+                  <a:srgbClr val="008000"/>
+                </a:solidFill>
+                <a:latin typeface="Consolas" panose="020B0609020204030204" pitchFamily="49" charset="0"/>
+              </a:rPr>
+              <a:t>// prints true to the screen</a:t>
+            </a:r>
+            <a:endParaRPr lang="en-US" sz="1200" dirty="0">
+              <a:solidFill>
+                <a:srgbClr val="000000"/>
+              </a:solidFill>
+              <a:latin typeface="Consolas" panose="020B0609020204030204" pitchFamily="49" charset="0"/>
+            </a:endParaRPr>
+          </a:p>
+          <a:p>
+            <a:r>
+              <a:rPr lang="en-US" sz="1200" dirty="0">
+                <a:solidFill>
+                  <a:srgbClr val="000000"/>
+                </a:solidFill>
+                <a:latin typeface="Consolas" panose="020B0609020204030204" pitchFamily="49" charset="0"/>
               </a:rPr>
               <a:t>}</a:t>
             </a:r>
@@ -12694,11 +13485,11 @@
           <a:prstGeom prst="rect">
             <a:avLst/>
           </a:prstGeom>
-          <a:solidFill>
-            <a:schemeClr val="bg2"/>
-          </a:solidFill>
+          <a:noFill/>
           <a:ln>
-            <a:noFill/>
+            <a:solidFill>
+              <a:schemeClr val="accent1"/>
+            </a:solidFill>
           </a:ln>
           <a:effectLst/>
         </p:spPr>
@@ -12720,161 +13511,375 @@
           <a:bodyPr lIns="274320" tIns="182880" rIns="274320" bIns="182880" rtlCol="0" anchor="ctr"/>
           <a:lstStyle/>
           <a:p>
-            <a:pPr>
-              <a:lnSpc>
-                <a:spcPct val="150000"/>
-              </a:lnSpc>
-            </a:pPr>
             <a:r>
               <a:rPr lang="en-US" sz="1200" dirty="0">
                 <a:solidFill>
-                  <a:schemeClr val="tx1"/>
-                </a:solidFill>
-                <a:latin typeface="Consolas" panose="020B0609020204030204" pitchFamily="49" charset="0"/>
-                <a:ea typeface="Proxima Nova" charset="0"/>
-                <a:cs typeface="Consolas" panose="020B0609020204030204" pitchFamily="49" charset="0"/>
-              </a:rPr>
-              <a:t>public static void main(String[] </a:t>
+                  <a:srgbClr val="0000FF"/>
+                </a:solidFill>
+                <a:latin typeface="Consolas" panose="020B0609020204030204" pitchFamily="49" charset="0"/>
+              </a:rPr>
+              <a:t>public</a:t>
+            </a:r>
+            <a:r>
+              <a:rPr lang="en-US" sz="1200" dirty="0">
+                <a:solidFill>
+                  <a:srgbClr val="000000"/>
+                </a:solidFill>
+                <a:latin typeface="Consolas" panose="020B0609020204030204" pitchFamily="49" charset="0"/>
+              </a:rPr>
+              <a:t> </a:t>
+            </a:r>
+            <a:r>
+              <a:rPr lang="en-US" sz="1200" dirty="0">
+                <a:solidFill>
+                  <a:srgbClr val="0000FF"/>
+                </a:solidFill>
+                <a:latin typeface="Consolas" panose="020B0609020204030204" pitchFamily="49" charset="0"/>
+              </a:rPr>
+              <a:t>static</a:t>
+            </a:r>
+            <a:r>
+              <a:rPr lang="en-US" sz="1200" dirty="0">
+                <a:solidFill>
+                  <a:srgbClr val="000000"/>
+                </a:solidFill>
+                <a:latin typeface="Consolas" panose="020B0609020204030204" pitchFamily="49" charset="0"/>
+              </a:rPr>
+              <a:t> </a:t>
+            </a:r>
+            <a:r>
+              <a:rPr lang="en-US" sz="1200" dirty="0">
+                <a:solidFill>
+                  <a:srgbClr val="267F99"/>
+                </a:solidFill>
+                <a:latin typeface="Consolas" panose="020B0609020204030204" pitchFamily="49" charset="0"/>
+              </a:rPr>
+              <a:t>void</a:t>
+            </a:r>
+            <a:r>
+              <a:rPr lang="en-US" sz="1200" dirty="0">
+                <a:solidFill>
+                  <a:srgbClr val="000000"/>
+                </a:solidFill>
+                <a:latin typeface="Consolas" panose="020B0609020204030204" pitchFamily="49" charset="0"/>
+              </a:rPr>
+              <a:t> </a:t>
+            </a:r>
+            <a:r>
+              <a:rPr lang="en-US" sz="1200" dirty="0">
+                <a:solidFill>
+                  <a:srgbClr val="795E26"/>
+                </a:solidFill>
+                <a:latin typeface="Consolas" panose="020B0609020204030204" pitchFamily="49" charset="0"/>
+              </a:rPr>
+              <a:t>main</a:t>
+            </a:r>
+            <a:r>
+              <a:rPr lang="en-US" sz="1200" dirty="0">
+                <a:solidFill>
+                  <a:srgbClr val="000000"/>
+                </a:solidFill>
+                <a:latin typeface="Consolas" panose="020B0609020204030204" pitchFamily="49" charset="0"/>
+              </a:rPr>
+              <a:t>(</a:t>
+            </a:r>
+            <a:r>
+              <a:rPr lang="en-US" sz="1200" dirty="0">
+                <a:solidFill>
+                  <a:srgbClr val="267F99"/>
+                </a:solidFill>
+                <a:latin typeface="Consolas" panose="020B0609020204030204" pitchFamily="49" charset="0"/>
+              </a:rPr>
+              <a:t>String</a:t>
+            </a:r>
+            <a:r>
+              <a:rPr lang="en-US" sz="1200" dirty="0">
+                <a:solidFill>
+                  <a:srgbClr val="000000"/>
+                </a:solidFill>
+                <a:latin typeface="Consolas" panose="020B0609020204030204" pitchFamily="49" charset="0"/>
+              </a:rPr>
+              <a:t>[] </a:t>
             </a:r>
             <a:r>
               <a:rPr lang="en-US" sz="1200" dirty="0" err="1">
                 <a:solidFill>
-                  <a:schemeClr val="tx1"/>
-                </a:solidFill>
-                <a:latin typeface="Consolas" panose="020B0609020204030204" pitchFamily="49" charset="0"/>
-                <a:ea typeface="Proxima Nova" charset="0"/>
-                <a:cs typeface="Consolas" panose="020B0609020204030204" pitchFamily="49" charset="0"/>
+                  <a:srgbClr val="001080"/>
+                </a:solidFill>
+                <a:latin typeface="Consolas" panose="020B0609020204030204" pitchFamily="49" charset="0"/>
               </a:rPr>
               <a:t>args</a:t>
             </a:r>
             <a:r>
               <a:rPr lang="en-US" sz="1200" dirty="0">
                 <a:solidFill>
-                  <a:schemeClr val="tx1"/>
-                </a:solidFill>
-                <a:latin typeface="Consolas" panose="020B0609020204030204" pitchFamily="49" charset="0"/>
-                <a:ea typeface="Proxima Nova" charset="0"/>
-                <a:cs typeface="Consolas" panose="020B0609020204030204" pitchFamily="49" charset="0"/>
+                  <a:srgbClr val="000000"/>
+                </a:solidFill>
+                <a:latin typeface="Consolas" panose="020B0609020204030204" pitchFamily="49" charset="0"/>
               </a:rPr>
               <a:t>) {</a:t>
             </a:r>
           </a:p>
           <a:p>
-            <a:pPr>
-              <a:lnSpc>
-                <a:spcPct val="150000"/>
-              </a:lnSpc>
-            </a:pPr>
             <a:r>
               <a:rPr lang="en-US" sz="1200" dirty="0">
                 <a:solidFill>
-                  <a:schemeClr val="tx1"/>
-                </a:solidFill>
-                <a:latin typeface="Consolas" panose="020B0609020204030204" pitchFamily="49" charset="0"/>
-                <a:ea typeface="Proxima Nova" charset="0"/>
-                <a:cs typeface="Consolas" panose="020B0609020204030204" pitchFamily="49" charset="0"/>
-              </a:rPr>
-              <a:t>   boolean </a:t>
+                  <a:srgbClr val="000000"/>
+                </a:solidFill>
+                <a:latin typeface="Consolas" panose="020B0609020204030204" pitchFamily="49" charset="0"/>
+              </a:rPr>
+              <a:t>   </a:t>
             </a:r>
             <a:r>
               <a:rPr lang="en-US" sz="1200" dirty="0" err="1">
                 <a:solidFill>
-                  <a:schemeClr val="tx1"/>
-                </a:solidFill>
-                <a:latin typeface="Consolas" panose="020B0609020204030204" pitchFamily="49" charset="0"/>
-                <a:ea typeface="Proxima Nova" charset="0"/>
-                <a:cs typeface="Consolas" panose="020B0609020204030204" pitchFamily="49" charset="0"/>
+                  <a:srgbClr val="267F99"/>
+                </a:solidFill>
+                <a:latin typeface="Consolas" panose="020B0609020204030204" pitchFamily="49" charset="0"/>
+              </a:rPr>
+              <a:t>boolean</a:t>
+            </a:r>
+            <a:r>
+              <a:rPr lang="en-US" sz="1200" dirty="0">
+                <a:solidFill>
+                  <a:srgbClr val="000000"/>
+                </a:solidFill>
+                <a:latin typeface="Consolas" panose="020B0609020204030204" pitchFamily="49" charset="0"/>
+              </a:rPr>
+              <a:t> </a:t>
+            </a:r>
+            <a:r>
+              <a:rPr lang="en-US" sz="1200" dirty="0" err="1">
+                <a:solidFill>
+                  <a:srgbClr val="001080"/>
+                </a:solidFill>
+                <a:latin typeface="Consolas" panose="020B0609020204030204" pitchFamily="49" charset="0"/>
               </a:rPr>
               <a:t>myVal</a:t>
             </a:r>
             <a:r>
               <a:rPr lang="en-US" sz="1200" dirty="0">
                 <a:solidFill>
-                  <a:schemeClr val="tx1"/>
-                </a:solidFill>
-                <a:latin typeface="Consolas" panose="020B0609020204030204" pitchFamily="49" charset="0"/>
-                <a:ea typeface="Proxima Nova" charset="0"/>
-                <a:cs typeface="Consolas" panose="020B0609020204030204" pitchFamily="49" charset="0"/>
-              </a:rPr>
-              <a:t> = 10 &lt;= (20*2) + 1 / 2 - 39;  </a:t>
-            </a:r>
-          </a:p>
-          <a:p>
-            <a:pPr>
-              <a:lnSpc>
-                <a:spcPct val="150000"/>
-              </a:lnSpc>
-            </a:pPr>
+                  <a:srgbClr val="000000"/>
+                </a:solidFill>
+                <a:latin typeface="Consolas" panose="020B0609020204030204" pitchFamily="49" charset="0"/>
+              </a:rPr>
+              <a:t> = </a:t>
+            </a:r>
             <a:r>
               <a:rPr lang="en-US" sz="1200" dirty="0">
                 <a:solidFill>
-                  <a:schemeClr val="tx1"/>
-                </a:solidFill>
-                <a:latin typeface="Consolas" panose="020B0609020204030204" pitchFamily="49" charset="0"/>
-                <a:ea typeface="Proxima Nova" charset="0"/>
-                <a:cs typeface="Consolas" panose="020B0609020204030204" pitchFamily="49" charset="0"/>
-              </a:rPr>
-              <a:t>   </a:t>
+                  <a:srgbClr val="098658"/>
+                </a:solidFill>
+                <a:latin typeface="Consolas" panose="020B0609020204030204" pitchFamily="49" charset="0"/>
+              </a:rPr>
+              <a:t>10</a:t>
+            </a:r>
+            <a:r>
+              <a:rPr lang="en-US" sz="1200" dirty="0">
+                <a:solidFill>
+                  <a:srgbClr val="000000"/>
+                </a:solidFill>
+                <a:latin typeface="Consolas" panose="020B0609020204030204" pitchFamily="49" charset="0"/>
+              </a:rPr>
+              <a:t> &lt;= (</a:t>
+            </a:r>
+            <a:r>
+              <a:rPr lang="en-US" sz="1200" dirty="0">
+                <a:solidFill>
+                  <a:srgbClr val="098658"/>
+                </a:solidFill>
+                <a:latin typeface="Consolas" panose="020B0609020204030204" pitchFamily="49" charset="0"/>
+              </a:rPr>
+              <a:t>20</a:t>
+            </a:r>
+            <a:r>
+              <a:rPr lang="en-US" sz="1200" dirty="0">
+                <a:solidFill>
+                  <a:srgbClr val="000000"/>
+                </a:solidFill>
+                <a:latin typeface="Consolas" panose="020B0609020204030204" pitchFamily="49" charset="0"/>
+              </a:rPr>
+              <a:t> * </a:t>
+            </a:r>
+            <a:r>
+              <a:rPr lang="en-US" sz="1200" dirty="0">
+                <a:solidFill>
+                  <a:srgbClr val="098658"/>
+                </a:solidFill>
+                <a:latin typeface="Consolas" panose="020B0609020204030204" pitchFamily="49" charset="0"/>
+              </a:rPr>
+              <a:t>2</a:t>
+            </a:r>
+            <a:r>
+              <a:rPr lang="en-US" sz="1200" dirty="0">
+                <a:solidFill>
+                  <a:srgbClr val="000000"/>
+                </a:solidFill>
+                <a:latin typeface="Consolas" panose="020B0609020204030204" pitchFamily="49" charset="0"/>
+              </a:rPr>
+              <a:t>) + </a:t>
+            </a:r>
+            <a:r>
+              <a:rPr lang="en-US" sz="1200" dirty="0">
+                <a:solidFill>
+                  <a:srgbClr val="098658"/>
+                </a:solidFill>
+                <a:latin typeface="Consolas" panose="020B0609020204030204" pitchFamily="49" charset="0"/>
+              </a:rPr>
+              <a:t>1</a:t>
+            </a:r>
+            <a:r>
+              <a:rPr lang="en-US" sz="1200" dirty="0">
+                <a:solidFill>
+                  <a:srgbClr val="000000"/>
+                </a:solidFill>
+                <a:latin typeface="Consolas" panose="020B0609020204030204" pitchFamily="49" charset="0"/>
+              </a:rPr>
+              <a:t> / </a:t>
+            </a:r>
+            <a:r>
+              <a:rPr lang="en-US" sz="1200" dirty="0">
+                <a:solidFill>
+                  <a:srgbClr val="098658"/>
+                </a:solidFill>
+                <a:latin typeface="Consolas" panose="020B0609020204030204" pitchFamily="49" charset="0"/>
+              </a:rPr>
+              <a:t>2</a:t>
+            </a:r>
+            <a:r>
+              <a:rPr lang="en-US" sz="1200" dirty="0">
+                <a:solidFill>
+                  <a:srgbClr val="000000"/>
+                </a:solidFill>
+                <a:latin typeface="Consolas" panose="020B0609020204030204" pitchFamily="49" charset="0"/>
+              </a:rPr>
+              <a:t> - </a:t>
+            </a:r>
+            <a:r>
+              <a:rPr lang="en-US" sz="1200" dirty="0">
+                <a:solidFill>
+                  <a:srgbClr val="098658"/>
+                </a:solidFill>
+                <a:latin typeface="Consolas" panose="020B0609020204030204" pitchFamily="49" charset="0"/>
+              </a:rPr>
+              <a:t>39</a:t>
+            </a:r>
+            <a:r>
+              <a:rPr lang="en-US" sz="1200" dirty="0">
+                <a:solidFill>
+                  <a:srgbClr val="000000"/>
+                </a:solidFill>
+                <a:latin typeface="Consolas" panose="020B0609020204030204" pitchFamily="49" charset="0"/>
+              </a:rPr>
+              <a:t>;</a:t>
+            </a:r>
+          </a:p>
+          <a:p>
+            <a:r>
+              <a:rPr lang="en-US" sz="1200" dirty="0">
+                <a:solidFill>
+                  <a:srgbClr val="000000"/>
+                </a:solidFill>
+                <a:latin typeface="Consolas" panose="020B0609020204030204" pitchFamily="49" charset="0"/>
+              </a:rPr>
+              <a:t>   </a:t>
             </a:r>
             <a:r>
               <a:rPr lang="en-US" sz="1200" dirty="0" err="1">
                 <a:solidFill>
-                  <a:schemeClr val="tx1"/>
-                </a:solidFill>
-                <a:latin typeface="Consolas" panose="020B0609020204030204" pitchFamily="49" charset="0"/>
-                <a:ea typeface="Proxima Nova" charset="0"/>
-                <a:cs typeface="Consolas" panose="020B0609020204030204" pitchFamily="49" charset="0"/>
-              </a:rPr>
-              <a:t>System.out.println</a:t>
+                  <a:srgbClr val="267F99"/>
+                </a:solidFill>
+                <a:latin typeface="Consolas" panose="020B0609020204030204" pitchFamily="49" charset="0"/>
+              </a:rPr>
+              <a:t>System</a:t>
+            </a:r>
+            <a:r>
+              <a:rPr lang="en-US" sz="1200" dirty="0" err="1">
+                <a:solidFill>
+                  <a:srgbClr val="000000"/>
+                </a:solidFill>
+                <a:latin typeface="Consolas" panose="020B0609020204030204" pitchFamily="49" charset="0"/>
+              </a:rPr>
+              <a:t>.</a:t>
+            </a:r>
+            <a:r>
+              <a:rPr lang="en-US" sz="1200" dirty="0" err="1">
+                <a:solidFill>
+                  <a:srgbClr val="0070C1"/>
+                </a:solidFill>
+                <a:latin typeface="Consolas" panose="020B0609020204030204" pitchFamily="49" charset="0"/>
+              </a:rPr>
+              <a:t>out</a:t>
+            </a:r>
+            <a:r>
+              <a:rPr lang="en-US" sz="1200" dirty="0" err="1">
+                <a:solidFill>
+                  <a:srgbClr val="000000"/>
+                </a:solidFill>
+                <a:latin typeface="Consolas" panose="020B0609020204030204" pitchFamily="49" charset="0"/>
+              </a:rPr>
+              <a:t>.</a:t>
+            </a:r>
+            <a:r>
+              <a:rPr lang="en-US" sz="1200" dirty="0" err="1">
+                <a:solidFill>
+                  <a:srgbClr val="795E26"/>
+                </a:solidFill>
+                <a:latin typeface="Consolas" panose="020B0609020204030204" pitchFamily="49" charset="0"/>
+              </a:rPr>
+              <a:t>println</a:t>
             </a:r>
             <a:r>
               <a:rPr lang="en-US" sz="1200" dirty="0">
                 <a:solidFill>
-                  <a:schemeClr val="tx1"/>
-                </a:solidFill>
-                <a:latin typeface="Consolas" panose="020B0609020204030204" pitchFamily="49" charset="0"/>
-                <a:ea typeface="Proxima Nova" charset="0"/>
-                <a:cs typeface="Consolas" panose="020B0609020204030204" pitchFamily="49" charset="0"/>
+                  <a:srgbClr val="000000"/>
+                </a:solidFill>
+                <a:latin typeface="Consolas" panose="020B0609020204030204" pitchFamily="49" charset="0"/>
               </a:rPr>
               <a:t>(</a:t>
             </a:r>
             <a:r>
               <a:rPr lang="en-US" sz="1200" dirty="0" err="1">
                 <a:solidFill>
-                  <a:schemeClr val="tx1"/>
-                </a:solidFill>
-                <a:latin typeface="Consolas" panose="020B0609020204030204" pitchFamily="49" charset="0"/>
-                <a:ea typeface="Proxima Nova" charset="0"/>
-                <a:cs typeface="Consolas" panose="020B0609020204030204" pitchFamily="49" charset="0"/>
+                  <a:srgbClr val="001080"/>
+                </a:solidFill>
+                <a:latin typeface="Consolas" panose="020B0609020204030204" pitchFamily="49" charset="0"/>
               </a:rPr>
               <a:t>myVal</a:t>
             </a:r>
             <a:r>
               <a:rPr lang="en-US" sz="1200" dirty="0">
                 <a:solidFill>
-                  <a:schemeClr val="tx1"/>
-                </a:solidFill>
-                <a:latin typeface="Consolas" panose="020B0609020204030204" pitchFamily="49" charset="0"/>
-                <a:ea typeface="Proxima Nova" charset="0"/>
-                <a:cs typeface="Consolas" panose="020B0609020204030204" pitchFamily="49" charset="0"/>
-              </a:rPr>
-              <a:t>);  // prints false to the screen</a:t>
-            </a:r>
-          </a:p>
-          <a:p>
-            <a:pPr>
-              <a:lnSpc>
-                <a:spcPct val="150000"/>
-              </a:lnSpc>
-            </a:pPr>
+                  <a:srgbClr val="000000"/>
+                </a:solidFill>
+                <a:latin typeface="Consolas" panose="020B0609020204030204" pitchFamily="49" charset="0"/>
+              </a:rPr>
+              <a:t>); </a:t>
+            </a:r>
             <a:r>
               <a:rPr lang="en-US" sz="1200" dirty="0">
                 <a:solidFill>
-                  <a:schemeClr val="tx1"/>
-                </a:solidFill>
-                <a:latin typeface="Consolas" panose="020B0609020204030204" pitchFamily="49" charset="0"/>
-                <a:ea typeface="Proxima Nova" charset="0"/>
-                <a:cs typeface="Consolas" panose="020B0609020204030204" pitchFamily="49" charset="0"/>
+                  <a:srgbClr val="008000"/>
+                </a:solidFill>
+                <a:latin typeface="Consolas" panose="020B0609020204030204" pitchFamily="49" charset="0"/>
+              </a:rPr>
+              <a:t>// prints false to the screen</a:t>
+            </a:r>
+            <a:endParaRPr lang="en-US" sz="1200" dirty="0">
+              <a:solidFill>
+                <a:srgbClr val="000000"/>
+              </a:solidFill>
+              <a:latin typeface="Consolas" panose="020B0609020204030204" pitchFamily="49" charset="0"/>
+            </a:endParaRPr>
+          </a:p>
+          <a:p>
+            <a:r>
+              <a:rPr lang="en-US" sz="1200" dirty="0">
+                <a:solidFill>
+                  <a:srgbClr val="000000"/>
+                </a:solidFill>
+                <a:latin typeface="Consolas" panose="020B0609020204030204" pitchFamily="49" charset="0"/>
               </a:rPr>
               <a:t>}</a:t>
             </a:r>
@@ -12896,16 +13901,16 @@
         <p:spPr>
           <a:xfrm>
             <a:off x="7740071" y="4379389"/>
-            <a:ext cx="5693705" cy="1237451"/>
+            <a:ext cx="5693705" cy="1459551"/>
           </a:xfrm>
           <a:prstGeom prst="rect">
             <a:avLst/>
           </a:prstGeom>
-          <a:solidFill>
-            <a:schemeClr val="bg2"/>
-          </a:solidFill>
+          <a:noFill/>
           <a:ln>
-            <a:noFill/>
+            <a:solidFill>
+              <a:schemeClr val="accent1"/>
+            </a:solidFill>
           </a:ln>
           <a:effectLst/>
         </p:spPr>
@@ -12927,163 +13932,380 @@
           <a:bodyPr lIns="274320" tIns="182880" rIns="274320" bIns="182880" rtlCol="0" anchor="ctr"/>
           <a:lstStyle/>
           <a:p>
-            <a:pPr>
-              <a:lnSpc>
-                <a:spcPct val="150000"/>
-              </a:lnSpc>
-            </a:pPr>
             <a:r>
               <a:rPr lang="en-US" sz="1200" dirty="0">
                 <a:solidFill>
-                  <a:schemeClr val="tx1"/>
-                </a:solidFill>
-                <a:latin typeface="Consolas" panose="020B0609020204030204" pitchFamily="49" charset="0"/>
-                <a:ea typeface="Proxima Nova" charset="0"/>
-                <a:cs typeface="Consolas" panose="020B0609020204030204" pitchFamily="49" charset="0"/>
-              </a:rPr>
-              <a:t>public static void main(String[] </a:t>
+                  <a:srgbClr val="0000FF"/>
+                </a:solidFill>
+                <a:latin typeface="Consolas" panose="020B0609020204030204" pitchFamily="49" charset="0"/>
+              </a:rPr>
+              <a:t>public</a:t>
+            </a:r>
+            <a:r>
+              <a:rPr lang="en-US" sz="1200" dirty="0">
+                <a:solidFill>
+                  <a:srgbClr val="000000"/>
+                </a:solidFill>
+                <a:latin typeface="Consolas" panose="020B0609020204030204" pitchFamily="49" charset="0"/>
+              </a:rPr>
+              <a:t> </a:t>
+            </a:r>
+            <a:r>
+              <a:rPr lang="en-US" sz="1200" dirty="0">
+                <a:solidFill>
+                  <a:srgbClr val="0000FF"/>
+                </a:solidFill>
+                <a:latin typeface="Consolas" panose="020B0609020204030204" pitchFamily="49" charset="0"/>
+              </a:rPr>
+              <a:t>static</a:t>
+            </a:r>
+            <a:r>
+              <a:rPr lang="en-US" sz="1200" dirty="0">
+                <a:solidFill>
+                  <a:srgbClr val="000000"/>
+                </a:solidFill>
+                <a:latin typeface="Consolas" panose="020B0609020204030204" pitchFamily="49" charset="0"/>
+              </a:rPr>
+              <a:t> </a:t>
+            </a:r>
+            <a:r>
+              <a:rPr lang="en-US" sz="1200" dirty="0">
+                <a:solidFill>
+                  <a:srgbClr val="267F99"/>
+                </a:solidFill>
+                <a:latin typeface="Consolas" panose="020B0609020204030204" pitchFamily="49" charset="0"/>
+              </a:rPr>
+              <a:t>void</a:t>
+            </a:r>
+            <a:r>
+              <a:rPr lang="en-US" sz="1200" dirty="0">
+                <a:solidFill>
+                  <a:srgbClr val="000000"/>
+                </a:solidFill>
+                <a:latin typeface="Consolas" panose="020B0609020204030204" pitchFamily="49" charset="0"/>
+              </a:rPr>
+              <a:t> </a:t>
+            </a:r>
+            <a:r>
+              <a:rPr lang="en-US" sz="1200" dirty="0">
+                <a:solidFill>
+                  <a:srgbClr val="795E26"/>
+                </a:solidFill>
+                <a:latin typeface="Consolas" panose="020B0609020204030204" pitchFamily="49" charset="0"/>
+              </a:rPr>
+              <a:t>main</a:t>
+            </a:r>
+            <a:r>
+              <a:rPr lang="en-US" sz="1200" dirty="0">
+                <a:solidFill>
+                  <a:srgbClr val="000000"/>
+                </a:solidFill>
+                <a:latin typeface="Consolas" panose="020B0609020204030204" pitchFamily="49" charset="0"/>
+              </a:rPr>
+              <a:t>(</a:t>
+            </a:r>
+            <a:r>
+              <a:rPr lang="en-US" sz="1200" dirty="0">
+                <a:solidFill>
+                  <a:srgbClr val="267F99"/>
+                </a:solidFill>
+                <a:latin typeface="Consolas" panose="020B0609020204030204" pitchFamily="49" charset="0"/>
+              </a:rPr>
+              <a:t>String</a:t>
+            </a:r>
+            <a:r>
+              <a:rPr lang="en-US" sz="1200" dirty="0">
+                <a:solidFill>
+                  <a:srgbClr val="000000"/>
+                </a:solidFill>
+                <a:latin typeface="Consolas" panose="020B0609020204030204" pitchFamily="49" charset="0"/>
+              </a:rPr>
+              <a:t>[] </a:t>
             </a:r>
             <a:r>
               <a:rPr lang="en-US" sz="1200" dirty="0" err="1">
                 <a:solidFill>
-                  <a:schemeClr val="tx1"/>
-                </a:solidFill>
-                <a:latin typeface="Consolas" panose="020B0609020204030204" pitchFamily="49" charset="0"/>
-                <a:ea typeface="Proxima Nova" charset="0"/>
-                <a:cs typeface="Consolas" panose="020B0609020204030204" pitchFamily="49" charset="0"/>
+                  <a:srgbClr val="001080"/>
+                </a:solidFill>
+                <a:latin typeface="Consolas" panose="020B0609020204030204" pitchFamily="49" charset="0"/>
               </a:rPr>
               <a:t>args</a:t>
             </a:r>
             <a:r>
               <a:rPr lang="en-US" sz="1200" dirty="0">
                 <a:solidFill>
-                  <a:schemeClr val="tx1"/>
-                </a:solidFill>
-                <a:latin typeface="Consolas" panose="020B0609020204030204" pitchFamily="49" charset="0"/>
-                <a:ea typeface="Proxima Nova" charset="0"/>
-                <a:cs typeface="Consolas" panose="020B0609020204030204" pitchFamily="49" charset="0"/>
+                  <a:srgbClr val="000000"/>
+                </a:solidFill>
+                <a:latin typeface="Consolas" panose="020B0609020204030204" pitchFamily="49" charset="0"/>
               </a:rPr>
               <a:t>) {</a:t>
             </a:r>
           </a:p>
           <a:p>
-            <a:pPr>
-              <a:lnSpc>
-                <a:spcPct val="150000"/>
-              </a:lnSpc>
-            </a:pPr>
             <a:r>
               <a:rPr lang="en-US" sz="1200" dirty="0">
                 <a:solidFill>
-                  <a:schemeClr val="tx1"/>
-                </a:solidFill>
-                <a:latin typeface="Consolas" panose="020B0609020204030204" pitchFamily="49" charset="0"/>
-                <a:ea typeface="Proxima Nova" charset="0"/>
-                <a:cs typeface="Consolas" panose="020B0609020204030204" pitchFamily="49" charset="0"/>
-              </a:rPr>
-              <a:t>  </a:t>
+                  <a:srgbClr val="000000"/>
+                </a:solidFill>
+                <a:latin typeface="Consolas" panose="020B0609020204030204" pitchFamily="49" charset="0"/>
+              </a:rPr>
+              <a:t>   </a:t>
             </a:r>
             <a:r>
               <a:rPr lang="en-US" sz="1200" dirty="0" err="1">
                 <a:solidFill>
-                  <a:schemeClr val="tx1"/>
-                </a:solidFill>
-                <a:latin typeface="Consolas" panose="020B0609020204030204" pitchFamily="49" charset="0"/>
-                <a:ea typeface="Proxima Nova" charset="0"/>
-                <a:cs typeface="Consolas" panose="020B0609020204030204" pitchFamily="49" charset="0"/>
-              </a:rPr>
-              <a:t>System.out.println</a:t>
+                  <a:srgbClr val="267F99"/>
+                </a:solidFill>
+                <a:latin typeface="Consolas" panose="020B0609020204030204" pitchFamily="49" charset="0"/>
+              </a:rPr>
+              <a:t>System</a:t>
+            </a:r>
+            <a:r>
+              <a:rPr lang="en-US" sz="1200" dirty="0" err="1">
+                <a:solidFill>
+                  <a:srgbClr val="000000"/>
+                </a:solidFill>
+                <a:latin typeface="Consolas" panose="020B0609020204030204" pitchFamily="49" charset="0"/>
+              </a:rPr>
+              <a:t>.</a:t>
+            </a:r>
+            <a:r>
+              <a:rPr lang="en-US" sz="1200" dirty="0" err="1">
+                <a:solidFill>
+                  <a:srgbClr val="0070C1"/>
+                </a:solidFill>
+                <a:latin typeface="Consolas" panose="020B0609020204030204" pitchFamily="49" charset="0"/>
+              </a:rPr>
+              <a:t>out</a:t>
+            </a:r>
+            <a:r>
+              <a:rPr lang="en-US" sz="1200" dirty="0" err="1">
+                <a:solidFill>
+                  <a:srgbClr val="000000"/>
+                </a:solidFill>
+                <a:latin typeface="Consolas" panose="020B0609020204030204" pitchFamily="49" charset="0"/>
+              </a:rPr>
+              <a:t>.</a:t>
+            </a:r>
+            <a:r>
+              <a:rPr lang="en-US" sz="1200" dirty="0" err="1">
+                <a:solidFill>
+                  <a:srgbClr val="795E26"/>
+                </a:solidFill>
+                <a:latin typeface="Consolas" panose="020B0609020204030204" pitchFamily="49" charset="0"/>
+              </a:rPr>
+              <a:t>println</a:t>
             </a:r>
             <a:r>
               <a:rPr lang="en-US" sz="1200" dirty="0">
                 <a:solidFill>
-                  <a:schemeClr val="tx1"/>
-                </a:solidFill>
-                <a:latin typeface="Consolas" panose="020B0609020204030204" pitchFamily="49" charset="0"/>
-                <a:ea typeface="Proxima Nova" charset="0"/>
-                <a:cs typeface="Consolas" panose="020B0609020204030204" pitchFamily="49" charset="0"/>
+                  <a:srgbClr val="000000"/>
+                </a:solidFill>
+                <a:latin typeface="Consolas" panose="020B0609020204030204" pitchFamily="49" charset="0"/>
               </a:rPr>
               <a:t>(</a:t>
             </a:r>
             <a:r>
               <a:rPr lang="en-US" sz="1200" dirty="0" err="1">
                 <a:solidFill>
-                  <a:schemeClr val="tx1"/>
-                </a:solidFill>
-                <a:latin typeface="Consolas" panose="020B0609020204030204" pitchFamily="49" charset="0"/>
-                <a:ea typeface="Proxima Nova" charset="0"/>
-                <a:cs typeface="Consolas" panose="020B0609020204030204" pitchFamily="49" charset="0"/>
+                  <a:srgbClr val="795E26"/>
+                </a:solidFill>
+                <a:latin typeface="Consolas" panose="020B0609020204030204" pitchFamily="49" charset="0"/>
               </a:rPr>
               <a:t>myCoolMethod</a:t>
             </a:r>
             <a:r>
               <a:rPr lang="en-US" sz="1200" dirty="0">
                 <a:solidFill>
-                  <a:schemeClr val="tx1"/>
-                </a:solidFill>
-                <a:latin typeface="Consolas" panose="020B0609020204030204" pitchFamily="49" charset="0"/>
-                <a:ea typeface="Proxima Nova" charset="0"/>
-                <a:cs typeface="Consolas" panose="020B0609020204030204" pitchFamily="49" charset="0"/>
-              </a:rPr>
-              <a:t>()); // prints true</a:t>
-            </a:r>
-          </a:p>
-          <a:p>
-            <a:pPr>
-              <a:lnSpc>
-                <a:spcPct val="150000"/>
-              </a:lnSpc>
-            </a:pPr>
+                  <a:srgbClr val="000000"/>
+                </a:solidFill>
+                <a:latin typeface="Consolas" panose="020B0609020204030204" pitchFamily="49" charset="0"/>
+              </a:rPr>
+              <a:t>()); </a:t>
+            </a:r>
             <a:r>
               <a:rPr lang="en-US" sz="1200" dirty="0">
                 <a:solidFill>
-                  <a:schemeClr val="tx1"/>
-                </a:solidFill>
-                <a:latin typeface="Consolas" panose="020B0609020204030204" pitchFamily="49" charset="0"/>
-                <a:ea typeface="Proxima Nova" charset="0"/>
-                <a:cs typeface="Consolas" panose="020B0609020204030204" pitchFamily="49" charset="0"/>
+                  <a:srgbClr val="008000"/>
+                </a:solidFill>
+                <a:latin typeface="Consolas" panose="020B0609020204030204" pitchFamily="49" charset="0"/>
+              </a:rPr>
+              <a:t>// prints true</a:t>
+            </a:r>
+            <a:endParaRPr lang="en-US" sz="1200" dirty="0">
+              <a:solidFill>
+                <a:srgbClr val="000000"/>
+              </a:solidFill>
+              <a:latin typeface="Consolas" panose="020B0609020204030204" pitchFamily="49" charset="0"/>
+            </a:endParaRPr>
+          </a:p>
+          <a:p>
+            <a:r>
+              <a:rPr lang="en-US" sz="1200" dirty="0">
+                <a:solidFill>
+                  <a:srgbClr val="000000"/>
+                </a:solidFill>
+                <a:latin typeface="Consolas" panose="020B0609020204030204" pitchFamily="49" charset="0"/>
               </a:rPr>
               <a:t>}</a:t>
             </a:r>
           </a:p>
           <a:p>
-            <a:pPr>
-              <a:lnSpc>
-                <a:spcPct val="150000"/>
-              </a:lnSpc>
-            </a:pPr>
-            <a:r>
+            <a:br>
               <a:rPr lang="en-US" sz="1200" dirty="0">
                 <a:solidFill>
-                  <a:schemeClr val="tx1"/>
-                </a:solidFill>
-                <a:latin typeface="Consolas" panose="020B0609020204030204" pitchFamily="49" charset="0"/>
-                <a:ea typeface="Proxima Nova" charset="0"/>
-                <a:cs typeface="Consolas" panose="020B0609020204030204" pitchFamily="49" charset="0"/>
-              </a:rPr>
-              <a:t>public static boolean </a:t>
+                  <a:srgbClr val="000000"/>
+                </a:solidFill>
+                <a:latin typeface="Consolas" panose="020B0609020204030204" pitchFamily="49" charset="0"/>
+              </a:rPr>
+            </a:br>
+            <a:r>
+              <a:rPr lang="en-US" sz="1200" dirty="0">
+                <a:solidFill>
+                  <a:srgbClr val="0000FF"/>
+                </a:solidFill>
+                <a:latin typeface="Consolas" panose="020B0609020204030204" pitchFamily="49" charset="0"/>
+              </a:rPr>
+              <a:t>public</a:t>
+            </a:r>
+            <a:r>
+              <a:rPr lang="en-US" sz="1200" dirty="0">
+                <a:solidFill>
+                  <a:srgbClr val="000000"/>
+                </a:solidFill>
+                <a:latin typeface="Consolas" panose="020B0609020204030204" pitchFamily="49" charset="0"/>
+              </a:rPr>
+              <a:t> </a:t>
+            </a:r>
+            <a:r>
+              <a:rPr lang="en-US" sz="1200" dirty="0">
+                <a:solidFill>
+                  <a:srgbClr val="0000FF"/>
+                </a:solidFill>
+                <a:latin typeface="Consolas" panose="020B0609020204030204" pitchFamily="49" charset="0"/>
+              </a:rPr>
+              <a:t>static</a:t>
+            </a:r>
+            <a:r>
+              <a:rPr lang="en-US" sz="1200" dirty="0">
+                <a:solidFill>
+                  <a:srgbClr val="000000"/>
+                </a:solidFill>
+                <a:latin typeface="Consolas" panose="020B0609020204030204" pitchFamily="49" charset="0"/>
+              </a:rPr>
+              <a:t> </a:t>
             </a:r>
             <a:r>
               <a:rPr lang="en-US" sz="1200" dirty="0" err="1">
                 <a:solidFill>
-                  <a:schemeClr val="tx1"/>
-                </a:solidFill>
-                <a:latin typeface="Consolas" panose="020B0609020204030204" pitchFamily="49" charset="0"/>
-                <a:ea typeface="Proxima Nova" charset="0"/>
-                <a:cs typeface="Consolas" panose="020B0609020204030204" pitchFamily="49" charset="0"/>
+                  <a:srgbClr val="267F99"/>
+                </a:solidFill>
+                <a:latin typeface="Consolas" panose="020B0609020204030204" pitchFamily="49" charset="0"/>
+              </a:rPr>
+              <a:t>boolean</a:t>
+            </a:r>
+            <a:r>
+              <a:rPr lang="en-US" sz="1200" dirty="0">
+                <a:solidFill>
+                  <a:srgbClr val="000000"/>
+                </a:solidFill>
+                <a:latin typeface="Consolas" panose="020B0609020204030204" pitchFamily="49" charset="0"/>
+              </a:rPr>
+              <a:t> </a:t>
+            </a:r>
+            <a:r>
+              <a:rPr lang="en-US" sz="1200" dirty="0" err="1">
+                <a:solidFill>
+                  <a:srgbClr val="795E26"/>
+                </a:solidFill>
+                <a:latin typeface="Consolas" panose="020B0609020204030204" pitchFamily="49" charset="0"/>
               </a:rPr>
               <a:t>myCoolMethod</a:t>
             </a:r>
             <a:r>
               <a:rPr lang="en-US" sz="1200" dirty="0">
                 <a:solidFill>
-                  <a:schemeClr val="tx1"/>
-                </a:solidFill>
-                <a:latin typeface="Consolas" panose="020B0609020204030204" pitchFamily="49" charset="0"/>
-                <a:ea typeface="Proxima Nova" charset="0"/>
-                <a:cs typeface="Consolas" panose="020B0609020204030204" pitchFamily="49" charset="0"/>
-              </a:rPr>
-              <a:t>() { return 10.5 &lt; 20; } </a:t>
+                  <a:srgbClr val="000000"/>
+                </a:solidFill>
+                <a:latin typeface="Consolas" panose="020B0609020204030204" pitchFamily="49" charset="0"/>
+              </a:rPr>
+              <a:t>() {</a:t>
+            </a:r>
+          </a:p>
+          <a:p>
+            <a:r>
+              <a:rPr lang="en-US" sz="1200" dirty="0">
+                <a:solidFill>
+                  <a:srgbClr val="000000"/>
+                </a:solidFill>
+                <a:latin typeface="Consolas" panose="020B0609020204030204" pitchFamily="49" charset="0"/>
+              </a:rPr>
+              <a:t>   </a:t>
+            </a:r>
+            <a:r>
+              <a:rPr lang="en-US" sz="1200" dirty="0">
+                <a:solidFill>
+                  <a:srgbClr val="AF00DB"/>
+                </a:solidFill>
+                <a:latin typeface="Consolas" panose="020B0609020204030204" pitchFamily="49" charset="0"/>
+              </a:rPr>
+              <a:t>return</a:t>
+            </a:r>
+            <a:r>
+              <a:rPr lang="en-US" sz="1200" dirty="0">
+                <a:solidFill>
+                  <a:srgbClr val="000000"/>
+                </a:solidFill>
+                <a:latin typeface="Consolas" panose="020B0609020204030204" pitchFamily="49" charset="0"/>
+              </a:rPr>
+              <a:t> </a:t>
+            </a:r>
+            <a:r>
+              <a:rPr lang="en-US" sz="1200" dirty="0">
+                <a:solidFill>
+                  <a:srgbClr val="098658"/>
+                </a:solidFill>
+                <a:latin typeface="Consolas" panose="020B0609020204030204" pitchFamily="49" charset="0"/>
+              </a:rPr>
+              <a:t>10.5</a:t>
+            </a:r>
+            <a:r>
+              <a:rPr lang="en-US" sz="1200" dirty="0">
+                <a:solidFill>
+                  <a:srgbClr val="000000"/>
+                </a:solidFill>
+                <a:latin typeface="Consolas" panose="020B0609020204030204" pitchFamily="49" charset="0"/>
+              </a:rPr>
+              <a:t> &lt; </a:t>
+            </a:r>
+            <a:r>
+              <a:rPr lang="en-US" sz="1200" dirty="0">
+                <a:solidFill>
+                  <a:srgbClr val="098658"/>
+                </a:solidFill>
+                <a:latin typeface="Consolas" panose="020B0609020204030204" pitchFamily="49" charset="0"/>
+              </a:rPr>
+              <a:t>20</a:t>
+            </a:r>
+            <a:r>
+              <a:rPr lang="en-US" sz="1200" dirty="0">
+                <a:solidFill>
+                  <a:srgbClr val="000000"/>
+                </a:solidFill>
+                <a:latin typeface="Consolas" panose="020B0609020204030204" pitchFamily="49" charset="0"/>
+              </a:rPr>
+              <a:t>;</a:t>
+            </a:r>
+          </a:p>
+          <a:p>
+            <a:r>
+              <a:rPr lang="en-US" sz="1200" dirty="0">
+                <a:solidFill>
+                  <a:srgbClr val="000000"/>
+                </a:solidFill>
+                <a:latin typeface="Consolas" panose="020B0609020204030204" pitchFamily="49" charset="0"/>
+              </a:rPr>
+              <a:t>}</a:t>
             </a:r>
           </a:p>
         </p:txBody>
@@ -13347,7 +14569,7 @@
           <a:p>
             <a:r>
               <a:rPr lang="en-US" dirty="0"/>
-              <a:t>Group Practice 1</a:t>
+              <a:t>In Class Activity: Group Practice 1</a:t>
             </a:r>
           </a:p>
         </p:txBody>
@@ -13380,7 +14602,7 @@
           <a:p>
             <a:r>
               <a:rPr lang="en-US" dirty="0"/>
-              <a:t>Complete the following code with a conditional expression</a:t>
+              <a:t>Complete the following code with a conditional expression (available on canvas / in zyBooks)</a:t>
             </a:r>
           </a:p>
         </p:txBody>
@@ -14028,9 +15250,12 @@
           <a:prstGeom prst="rect">
             <a:avLst/>
           </a:prstGeom>
-          <a:solidFill>
-            <a:schemeClr val="bg2"/>
-          </a:solidFill>
+          <a:noFill/>
+          <a:ln>
+            <a:solidFill>
+              <a:schemeClr val="accent1"/>
+            </a:solidFill>
+          </a:ln>
         </p:spPr>
         <p:txBody>
           <a:bodyPr wrap="square">
@@ -14041,22 +15266,83 @@
             <a:r>
               <a:rPr lang="en-US" sz="1800" dirty="0">
                 <a:solidFill>
+                  <a:srgbClr val="AF00DB"/>
+                </a:solidFill>
+                <a:latin typeface="Consolas" panose="020B0609020204030204" pitchFamily="49" charset="0"/>
+              </a:rPr>
+              <a:t>if</a:t>
+            </a:r>
+            <a:r>
+              <a:rPr lang="en-US" sz="1800" dirty="0">
+                <a:solidFill>
                   <a:srgbClr val="000000"/>
                 </a:solidFill>
                 <a:latin typeface="Consolas" panose="020B0609020204030204" pitchFamily="49" charset="0"/>
-                <a:cs typeface="Consolas" panose="020B0609020204030204" pitchFamily="49" charset="0"/>
-              </a:rPr>
-              <a:t>if (puppies &gt; 100) </a:t>
+              </a:rPr>
+              <a:t>(puppies &gt; </a:t>
+            </a:r>
+            <a:r>
+              <a:rPr lang="en-US" sz="1800" dirty="0">
+                <a:solidFill>
+                  <a:srgbClr val="098658"/>
+                </a:solidFill>
+                <a:latin typeface="Consolas" panose="020B0609020204030204" pitchFamily="49" charset="0"/>
+              </a:rPr>
+              <a:t>100</a:t>
+            </a:r>
+            <a:r>
+              <a:rPr lang="en-US" sz="1800" dirty="0">
+                <a:solidFill>
+                  <a:srgbClr val="000000"/>
+                </a:solidFill>
+                <a:latin typeface="Consolas" panose="020B0609020204030204" pitchFamily="49" charset="0"/>
+              </a:rPr>
+              <a:t>) </a:t>
             </a:r>
             <a:r>
               <a:rPr lang="en-US" sz="1800" dirty="0" err="1">
                 <a:solidFill>
+                  <a:srgbClr val="267F99"/>
+                </a:solidFill>
+                <a:latin typeface="Consolas" panose="020B0609020204030204" pitchFamily="49" charset="0"/>
+              </a:rPr>
+              <a:t>System</a:t>
+            </a:r>
+            <a:r>
+              <a:rPr lang="en-US" sz="1800" dirty="0" err="1">
+                <a:solidFill>
                   <a:srgbClr val="000000"/>
                 </a:solidFill>
                 <a:latin typeface="Consolas" panose="020B0609020204030204" pitchFamily="49" charset="0"/>
-                <a:cs typeface="Consolas" panose="020B0609020204030204" pitchFamily="49" charset="0"/>
-              </a:rPr>
-              <a:t>System.out.println</a:t>
+              </a:rPr>
+              <a:t>.</a:t>
+            </a:r>
+            <a:r>
+              <a:rPr lang="en-US" sz="1800" dirty="0" err="1">
+                <a:solidFill>
+                  <a:srgbClr val="0070C1"/>
+                </a:solidFill>
+                <a:latin typeface="Consolas" panose="020B0609020204030204" pitchFamily="49" charset="0"/>
+              </a:rPr>
+              <a:t>out</a:t>
+            </a:r>
+            <a:r>
+              <a:rPr lang="en-US" sz="1800" dirty="0" err="1">
+                <a:solidFill>
+                  <a:srgbClr val="000000"/>
+                </a:solidFill>
+                <a:latin typeface="Consolas" panose="020B0609020204030204" pitchFamily="49" charset="0"/>
+              </a:rPr>
+              <a:t>.</a:t>
+            </a:r>
+            <a:r>
+              <a:rPr lang="en-US" sz="1800" dirty="0" err="1">
+                <a:solidFill>
+                  <a:srgbClr val="795E26"/>
+                </a:solidFill>
+                <a:latin typeface="Consolas" panose="020B0609020204030204" pitchFamily="49" charset="0"/>
+              </a:rPr>
+              <a:t>println</a:t>
             </a:r>
             <a:r>
               <a:rPr lang="en-US" sz="1800" dirty="0">
@@ -14064,13 +15350,41 @@
                   <a:srgbClr val="000000"/>
                 </a:solidFill>
                 <a:latin typeface="Consolas" panose="020B0609020204030204" pitchFamily="49" charset="0"/>
-                <a:cs typeface="Consolas" panose="020B0609020204030204" pitchFamily="49" charset="0"/>
-              </a:rPr>
-              <a:t>(“Yay puppies”); // one line, allowed but not common</a:t>
+              </a:rPr>
+              <a:t>(“</a:t>
+            </a:r>
+            <a:r>
+              <a:rPr lang="en-US" sz="1800" dirty="0">
+                <a:solidFill>
+                  <a:srgbClr val="267F99"/>
+                </a:solidFill>
+                <a:latin typeface="Consolas" panose="020B0609020204030204" pitchFamily="49" charset="0"/>
+              </a:rPr>
+              <a:t>Yay</a:t>
+            </a:r>
+            <a:r>
+              <a:rPr lang="en-US" sz="1800" dirty="0">
+                <a:solidFill>
+                  <a:srgbClr val="000000"/>
+                </a:solidFill>
+                <a:latin typeface="Consolas" panose="020B0609020204030204" pitchFamily="49" charset="0"/>
+              </a:rPr>
+              <a:t> puppies”); </a:t>
+            </a:r>
+            <a:r>
+              <a:rPr lang="en-US" sz="1800" dirty="0">
+                <a:solidFill>
+                  <a:srgbClr val="008000"/>
+                </a:solidFill>
+                <a:latin typeface="Consolas" panose="020B0609020204030204" pitchFamily="49" charset="0"/>
+              </a:rPr>
+              <a:t>// one line, allowed but not common</a:t>
             </a:r>
             <a:endParaRPr lang="en-US" sz="1800" dirty="0">
+              <a:solidFill>
+                <a:srgbClr val="000000"/>
+              </a:solidFill>
               <a:latin typeface="Consolas" panose="020B0609020204030204" pitchFamily="49" charset="0"/>
-              <a:cs typeface="Consolas" panose="020B0609020204030204" pitchFamily="49" charset="0"/>
             </a:endParaRPr>
           </a:p>
         </p:txBody>
@@ -14089,15 +15403,18 @@
         </p:nvSpPr>
         <p:spPr>
           <a:xfrm>
-            <a:off x="628075" y="3982247"/>
-            <a:ext cx="5181601" cy="1508105"/>
+            <a:off x="870446" y="4163198"/>
+            <a:ext cx="5181601" cy="1200329"/>
           </a:xfrm>
           <a:prstGeom prst="rect">
             <a:avLst/>
           </a:prstGeom>
-          <a:solidFill>
-            <a:schemeClr val="bg2"/>
-          </a:solidFill>
+          <a:noFill/>
+          <a:ln>
+            <a:solidFill>
+              <a:schemeClr val="accent1"/>
+            </a:solidFill>
+          </a:ln>
         </p:spPr>
         <p:txBody>
           <a:bodyPr wrap="square">
@@ -14105,81 +15422,177 @@
           </a:bodyPr>
           <a:lstStyle/>
           <a:p>
-            <a:pPr>
-              <a:spcBef>
-                <a:spcPts val="400"/>
-              </a:spcBef>
-              <a:spcAft>
-                <a:spcPts val="400"/>
-              </a:spcAft>
-            </a:pPr>
             <a:r>
               <a:rPr lang="en-US" sz="1800" dirty="0">
                 <a:solidFill>
+                  <a:srgbClr val="AF00DB"/>
+                </a:solidFill>
+                <a:latin typeface="Consolas" panose="020B0609020204030204" pitchFamily="49" charset="0"/>
+              </a:rPr>
+              <a:t>if</a:t>
+            </a:r>
+            <a:r>
+              <a:rPr lang="en-US" sz="1800" dirty="0">
+                <a:solidFill>
                   <a:srgbClr val="000000"/>
                 </a:solidFill>
                 <a:latin typeface="Consolas" panose="020B0609020204030204" pitchFamily="49" charset="0"/>
-                <a:cs typeface="Consolas" panose="020B0609020204030204" pitchFamily="49" charset="0"/>
-              </a:rPr>
-              <a:t>if (puppies &gt;= 100) { //block of code!</a:t>
+              </a:rPr>
+              <a:t>(puppies &gt;= </a:t>
+            </a:r>
+            <a:r>
+              <a:rPr lang="en-US" sz="1800" dirty="0">
+                <a:solidFill>
+                  <a:srgbClr val="098658"/>
+                </a:solidFill>
+                <a:latin typeface="Consolas" panose="020B0609020204030204" pitchFamily="49" charset="0"/>
+              </a:rPr>
+              <a:t>100</a:t>
+            </a:r>
+            <a:r>
+              <a:rPr lang="en-US" sz="1800" dirty="0">
+                <a:solidFill>
+                  <a:srgbClr val="000000"/>
+                </a:solidFill>
+                <a:latin typeface="Consolas" panose="020B0609020204030204" pitchFamily="49" charset="0"/>
+              </a:rPr>
+              <a:t>) { </a:t>
+            </a:r>
+            <a:r>
+              <a:rPr lang="en-US" sz="1800" dirty="0">
+                <a:solidFill>
+                  <a:srgbClr val="008000"/>
+                </a:solidFill>
+                <a:latin typeface="Consolas" panose="020B0609020204030204" pitchFamily="49" charset="0"/>
+              </a:rPr>
+              <a:t>//block of code!</a:t>
             </a:r>
             <a:endParaRPr lang="en-US" sz="1800" dirty="0">
+              <a:solidFill>
+                <a:srgbClr val="000000"/>
+              </a:solidFill>
               <a:latin typeface="Consolas" panose="020B0609020204030204" pitchFamily="49" charset="0"/>
-              <a:cs typeface="Consolas" panose="020B0609020204030204" pitchFamily="49" charset="0"/>
             </a:endParaRPr>
           </a:p>
           <a:p>
-            <a:pPr>
-              <a:spcBef>
-                <a:spcPts val="400"/>
-              </a:spcBef>
-              <a:spcAft>
-                <a:spcPts val="400"/>
-              </a:spcAft>
-            </a:pPr>
             <a:r>
               <a:rPr lang="en-US" sz="1800" dirty="0">
                 <a:solidFill>
                   <a:srgbClr val="000000"/>
                 </a:solidFill>
                 <a:latin typeface="Consolas" panose="020B0609020204030204" pitchFamily="49" charset="0"/>
-                <a:cs typeface="Consolas" panose="020B0609020204030204" pitchFamily="49" charset="0"/>
-              </a:rPr>
-              <a:t>      int happy  = puppies + 1;</a:t>
-            </a:r>
-            <a:endParaRPr lang="en-US" sz="1800" dirty="0">
-              <a:latin typeface="Consolas" panose="020B0609020204030204" pitchFamily="49" charset="0"/>
-              <a:cs typeface="Consolas" panose="020B0609020204030204" pitchFamily="49" charset="0"/>
-            </a:endParaRPr>
-          </a:p>
-          <a:p>
-            <a:pPr>
-              <a:spcBef>
-                <a:spcPts val="400"/>
-              </a:spcBef>
-              <a:spcAft>
-                <a:spcPts val="400"/>
-              </a:spcAft>
-            </a:pPr>
+              </a:rPr>
+              <a:t>   </a:t>
+            </a:r>
             <a:r>
               <a:rPr lang="en-US" sz="1800" dirty="0">
                 <a:solidFill>
+                  <a:srgbClr val="267F99"/>
+                </a:solidFill>
+                <a:latin typeface="Consolas" panose="020B0609020204030204" pitchFamily="49" charset="0"/>
+              </a:rPr>
+              <a:t>int</a:t>
+            </a:r>
+            <a:r>
+              <a:rPr lang="en-US" sz="1800" dirty="0">
+                <a:solidFill>
                   <a:srgbClr val="000000"/>
                 </a:solidFill>
                 <a:latin typeface="Consolas" panose="020B0609020204030204" pitchFamily="49" charset="0"/>
-                <a:cs typeface="Consolas" panose="020B0609020204030204" pitchFamily="49" charset="0"/>
-              </a:rPr>
-              <a:t>      </a:t>
+              </a:rPr>
+              <a:t> </a:t>
+            </a:r>
+            <a:r>
+              <a:rPr lang="en-US" sz="1800" dirty="0">
+                <a:solidFill>
+                  <a:srgbClr val="001080"/>
+                </a:solidFill>
+                <a:latin typeface="Consolas" panose="020B0609020204030204" pitchFamily="49" charset="0"/>
+              </a:rPr>
+              <a:t>happy</a:t>
+            </a:r>
+            <a:r>
+              <a:rPr lang="en-US" sz="1800" dirty="0">
+                <a:solidFill>
+                  <a:srgbClr val="000000"/>
+                </a:solidFill>
+                <a:latin typeface="Consolas" panose="020B0609020204030204" pitchFamily="49" charset="0"/>
+              </a:rPr>
+              <a:t>  = puppies + </a:t>
+            </a:r>
+            <a:r>
+              <a:rPr lang="en-US" sz="1800" dirty="0">
+                <a:solidFill>
+                  <a:srgbClr val="098658"/>
+                </a:solidFill>
+                <a:latin typeface="Consolas" panose="020B0609020204030204" pitchFamily="49" charset="0"/>
+              </a:rPr>
+              <a:t>1</a:t>
+            </a:r>
+            <a:r>
+              <a:rPr lang="en-US" sz="1800" dirty="0">
+                <a:solidFill>
+                  <a:srgbClr val="000000"/>
+                </a:solidFill>
+                <a:latin typeface="Consolas" panose="020B0609020204030204" pitchFamily="49" charset="0"/>
+              </a:rPr>
+              <a:t>;</a:t>
+            </a:r>
+          </a:p>
+          <a:p>
+            <a:r>
+              <a:rPr lang="en-US" sz="1800" dirty="0">
+                <a:solidFill>
+                  <a:srgbClr val="000000"/>
+                </a:solidFill>
+                <a:latin typeface="Consolas" panose="020B0609020204030204" pitchFamily="49" charset="0"/>
+              </a:rPr>
+              <a:t>   </a:t>
             </a:r>
             <a:r>
               <a:rPr lang="en-US" sz="1800" dirty="0" err="1">
                 <a:solidFill>
+                  <a:srgbClr val="001080"/>
+                </a:solidFill>
+                <a:latin typeface="Consolas" panose="020B0609020204030204" pitchFamily="49" charset="0"/>
+              </a:rPr>
+              <a:t>System</a:t>
+            </a:r>
+            <a:r>
+              <a:rPr lang="en-US" sz="1800" dirty="0" err="1">
+                <a:solidFill>
                   <a:srgbClr val="000000"/>
                 </a:solidFill>
                 <a:latin typeface="Consolas" panose="020B0609020204030204" pitchFamily="49" charset="0"/>
-                <a:cs typeface="Consolas" panose="020B0609020204030204" pitchFamily="49" charset="0"/>
-              </a:rPr>
-              <a:t>System.out.println</a:t>
+              </a:rPr>
+              <a:t>.</a:t>
+            </a:r>
+            <a:r>
+              <a:rPr lang="en-US" sz="1800" dirty="0" err="1">
+                <a:solidFill>
+                  <a:srgbClr val="001080"/>
+                </a:solidFill>
+                <a:latin typeface="Consolas" panose="020B0609020204030204" pitchFamily="49" charset="0"/>
+              </a:rPr>
+              <a:t>out</a:t>
+            </a:r>
+            <a:r>
+              <a:rPr lang="en-US" sz="1800" dirty="0" err="1">
+                <a:solidFill>
+                  <a:srgbClr val="000000"/>
+                </a:solidFill>
+                <a:latin typeface="Consolas" panose="020B0609020204030204" pitchFamily="49" charset="0"/>
+              </a:rPr>
+              <a:t>.</a:t>
+            </a:r>
+            <a:r>
+              <a:rPr lang="en-US" sz="1800" dirty="0" err="1">
+                <a:solidFill>
+                  <a:srgbClr val="795E26"/>
+                </a:solidFill>
+                <a:latin typeface="Consolas" panose="020B0609020204030204" pitchFamily="49" charset="0"/>
+              </a:rPr>
+              <a:t>println</a:t>
             </a:r>
             <a:r>
               <a:rPr lang="en-US" sz="1800" dirty="0">
@@ -14187,38 +15600,38 @@
                   <a:srgbClr val="000000"/>
                 </a:solidFill>
                 <a:latin typeface="Consolas" panose="020B0609020204030204" pitchFamily="49" charset="0"/>
-                <a:cs typeface="Consolas" panose="020B0609020204030204" pitchFamily="49" charset="0"/>
-              </a:rPr>
-              <a:t>(“So happy”);</a:t>
-            </a:r>
-            <a:endParaRPr lang="en-US" sz="1800" dirty="0">
-              <a:latin typeface="Consolas" panose="020B0609020204030204" pitchFamily="49" charset="0"/>
-              <a:cs typeface="Consolas" panose="020B0609020204030204" pitchFamily="49" charset="0"/>
-            </a:endParaRPr>
-          </a:p>
-          <a:p>
-            <a:pPr>
-              <a:spcBef>
-                <a:spcPts val="400"/>
-              </a:spcBef>
-              <a:spcAft>
-                <a:spcPts val="400"/>
-              </a:spcAft>
-            </a:pPr>
+              </a:rPr>
+              <a:t>(“</a:t>
+            </a:r>
             <a:r>
               <a:rPr lang="en-US" sz="1800" dirty="0">
                 <a:solidFill>
+                  <a:srgbClr val="267F99"/>
+                </a:solidFill>
+                <a:latin typeface="Consolas" panose="020B0609020204030204" pitchFamily="49" charset="0"/>
+              </a:rPr>
+              <a:t>So</a:t>
+            </a:r>
+            <a:r>
+              <a:rPr lang="en-US" sz="1800" dirty="0">
+                <a:solidFill>
                   <a:srgbClr val="000000"/>
                 </a:solidFill>
                 <a:latin typeface="Consolas" panose="020B0609020204030204" pitchFamily="49" charset="0"/>
-                <a:cs typeface="Consolas" panose="020B0609020204030204" pitchFamily="49" charset="0"/>
+              </a:rPr>
+              <a:t> happy”);</a:t>
+            </a:r>
+          </a:p>
+          <a:p>
+            <a:r>
+              <a:rPr lang="en-US" sz="1800" dirty="0">
+                <a:solidFill>
+                  <a:srgbClr val="000000"/>
+                </a:solidFill>
+                <a:latin typeface="Consolas" panose="020B0609020204030204" pitchFamily="49" charset="0"/>
               </a:rPr>
               <a:t>}</a:t>
             </a:r>
-            <a:endParaRPr lang="en-US" sz="1800" dirty="0">
-              <a:latin typeface="Consolas" panose="020B0609020204030204" pitchFamily="49" charset="0"/>
-              <a:cs typeface="Consolas" panose="020B0609020204030204" pitchFamily="49" charset="0"/>
-            </a:endParaRPr>
           </a:p>
         </p:txBody>
       </p:sp>
@@ -14237,14 +15650,17 @@
         <p:spPr>
           <a:xfrm>
             <a:off x="6502400" y="3886200"/>
-            <a:ext cx="6908800" cy="2267287"/>
+            <a:ext cx="6908800" cy="1754326"/>
           </a:xfrm>
           <a:prstGeom prst="rect">
             <a:avLst/>
           </a:prstGeom>
-          <a:solidFill>
-            <a:schemeClr val="bg2"/>
-          </a:solidFill>
+          <a:noFill/>
+          <a:ln>
+            <a:solidFill>
+              <a:schemeClr val="accent1"/>
+            </a:solidFill>
+          </a:ln>
         </p:spPr>
         <p:txBody>
           <a:bodyPr>
@@ -14252,81 +15668,162 @@
           </a:bodyPr>
           <a:lstStyle/>
           <a:p>
-            <a:pPr>
-              <a:spcBef>
-                <a:spcPts val="400"/>
-              </a:spcBef>
-              <a:spcAft>
-                <a:spcPts val="400"/>
-              </a:spcAft>
-            </a:pPr>
             <a:r>
               <a:rPr lang="en-US" sz="1800" dirty="0">
                 <a:solidFill>
+                  <a:srgbClr val="AF00DB"/>
+                </a:solidFill>
+                <a:latin typeface="Consolas" panose="020B0609020204030204" pitchFamily="49" charset="0"/>
+              </a:rPr>
+              <a:t>if</a:t>
+            </a:r>
+            <a:r>
+              <a:rPr lang="en-US" sz="1800" dirty="0">
+                <a:solidFill>
                   <a:srgbClr val="000000"/>
                 </a:solidFill>
                 <a:latin typeface="Consolas" panose="020B0609020204030204" pitchFamily="49" charset="0"/>
-                <a:cs typeface="Consolas" panose="020B0609020204030204" pitchFamily="49" charset="0"/>
-              </a:rPr>
-              <a:t>if (puppies &gt;= 100) {</a:t>
-            </a:r>
-            <a:endParaRPr lang="en-US" sz="1800" dirty="0">
-              <a:latin typeface="Consolas" panose="020B0609020204030204" pitchFamily="49" charset="0"/>
-              <a:cs typeface="Consolas" panose="020B0609020204030204" pitchFamily="49" charset="0"/>
-            </a:endParaRPr>
-          </a:p>
-          <a:p>
-            <a:pPr>
-              <a:spcBef>
-                <a:spcPts val="400"/>
-              </a:spcBef>
-              <a:spcAft>
-                <a:spcPts val="400"/>
-              </a:spcAft>
-            </a:pPr>
+              </a:rPr>
+              <a:t>(puppies &gt;= </a:t>
+            </a:r>
             <a:r>
               <a:rPr lang="en-US" sz="1800" dirty="0">
                 <a:solidFill>
+                  <a:srgbClr val="098658"/>
+                </a:solidFill>
+                <a:latin typeface="Consolas" panose="020B0609020204030204" pitchFamily="49" charset="0"/>
+              </a:rPr>
+              <a:t>100</a:t>
+            </a:r>
+            <a:r>
+              <a:rPr lang="en-US" sz="1800" dirty="0">
+                <a:solidFill>
                   <a:srgbClr val="000000"/>
                 </a:solidFill>
                 <a:latin typeface="Consolas" panose="020B0609020204030204" pitchFamily="49" charset="0"/>
-                <a:cs typeface="Consolas" panose="020B0609020204030204" pitchFamily="49" charset="0"/>
-              </a:rPr>
-              <a:t>      int happy  = puppies + 1;</a:t>
-            </a:r>
-            <a:endParaRPr lang="en-US" sz="1800" dirty="0">
-              <a:latin typeface="Consolas" panose="020B0609020204030204" pitchFamily="49" charset="0"/>
-              <a:cs typeface="Consolas" panose="020B0609020204030204" pitchFamily="49" charset="0"/>
-            </a:endParaRPr>
-          </a:p>
-          <a:p>
-            <a:pPr>
-              <a:spcBef>
-                <a:spcPts val="400"/>
-              </a:spcBef>
-              <a:spcAft>
-                <a:spcPts val="400"/>
-              </a:spcAft>
-            </a:pPr>
+              </a:rPr>
+              <a:t>) {</a:t>
+            </a:r>
+          </a:p>
+          <a:p>
             <a:r>
               <a:rPr lang="en-US" sz="1800" dirty="0">
                 <a:solidFill>
                   <a:srgbClr val="000000"/>
                 </a:solidFill>
                 <a:latin typeface="Consolas" panose="020B0609020204030204" pitchFamily="49" charset="0"/>
-                <a:cs typeface="Consolas" panose="020B0609020204030204" pitchFamily="49" charset="0"/>
-              </a:rPr>
-              <a:t>      </a:t>
+              </a:rPr>
+              <a:t>   </a:t>
+            </a:r>
+            <a:r>
+              <a:rPr lang="en-US" sz="1800" dirty="0">
+                <a:solidFill>
+                  <a:srgbClr val="267F99"/>
+                </a:solidFill>
+                <a:latin typeface="Consolas" panose="020B0609020204030204" pitchFamily="49" charset="0"/>
+              </a:rPr>
+              <a:t>int</a:t>
+            </a:r>
+            <a:r>
+              <a:rPr lang="en-US" sz="1800" dirty="0">
+                <a:solidFill>
+                  <a:srgbClr val="000000"/>
+                </a:solidFill>
+                <a:latin typeface="Consolas" panose="020B0609020204030204" pitchFamily="49" charset="0"/>
+              </a:rPr>
+              <a:t> </a:t>
+            </a:r>
+            <a:r>
+              <a:rPr lang="en-US" sz="1800" dirty="0">
+                <a:solidFill>
+                  <a:srgbClr val="001080"/>
+                </a:solidFill>
+                <a:latin typeface="Consolas" panose="020B0609020204030204" pitchFamily="49" charset="0"/>
+              </a:rPr>
+              <a:t>happy</a:t>
+            </a:r>
+            <a:r>
+              <a:rPr lang="en-US" sz="1800" dirty="0">
+                <a:solidFill>
+                  <a:srgbClr val="000000"/>
+                </a:solidFill>
+                <a:latin typeface="Consolas" panose="020B0609020204030204" pitchFamily="49" charset="0"/>
+              </a:rPr>
+              <a:t>  = puppies + </a:t>
+            </a:r>
+            <a:r>
+              <a:rPr lang="en-US" sz="1800" dirty="0">
+                <a:solidFill>
+                  <a:srgbClr val="098658"/>
+                </a:solidFill>
+                <a:latin typeface="Consolas" panose="020B0609020204030204" pitchFamily="49" charset="0"/>
+              </a:rPr>
+              <a:t>1</a:t>
+            </a:r>
+            <a:r>
+              <a:rPr lang="en-US" sz="1800" dirty="0">
+                <a:solidFill>
+                  <a:srgbClr val="000000"/>
+                </a:solidFill>
+                <a:latin typeface="Consolas" panose="020B0609020204030204" pitchFamily="49" charset="0"/>
+              </a:rPr>
+              <a:t>;</a:t>
+            </a:r>
+          </a:p>
+          <a:p>
+            <a:r>
+              <a:rPr lang="en-US" sz="1800" dirty="0">
+                <a:solidFill>
+                  <a:srgbClr val="000000"/>
+                </a:solidFill>
+                <a:latin typeface="Consolas" panose="020B0609020204030204" pitchFamily="49" charset="0"/>
+              </a:rPr>
+              <a:t>   </a:t>
             </a:r>
             <a:r>
               <a:rPr lang="en-US" sz="1800" dirty="0" err="1">
                 <a:solidFill>
+                  <a:srgbClr val="001080"/>
+                </a:solidFill>
+                <a:latin typeface="Consolas" panose="020B0609020204030204" pitchFamily="49" charset="0"/>
+              </a:rPr>
+              <a:t>System</a:t>
+            </a:r>
+            <a:r>
+              <a:rPr lang="en-US" sz="1800" dirty="0" err="1">
+                <a:solidFill>
                   <a:srgbClr val="000000"/>
                 </a:solidFill>
                 <a:latin typeface="Consolas" panose="020B0609020204030204" pitchFamily="49" charset="0"/>
-                <a:cs typeface="Consolas" panose="020B0609020204030204" pitchFamily="49" charset="0"/>
-              </a:rPr>
-              <a:t>System.out.println</a:t>
+              </a:rPr>
+              <a:t>.</a:t>
+            </a:r>
+            <a:r>
+              <a:rPr lang="en-US" sz="1800" dirty="0" err="1">
+                <a:solidFill>
+                  <a:srgbClr val="001080"/>
+                </a:solidFill>
+                <a:latin typeface="Consolas" panose="020B0609020204030204" pitchFamily="49" charset="0"/>
+              </a:rPr>
+              <a:t>out</a:t>
+            </a:r>
+            <a:r>
+              <a:rPr lang="en-US" sz="1800" dirty="0" err="1">
+                <a:solidFill>
+                  <a:srgbClr val="000000"/>
+                </a:solidFill>
+                <a:latin typeface="Consolas" panose="020B0609020204030204" pitchFamily="49" charset="0"/>
+              </a:rPr>
+              <a:t>.</a:t>
+            </a:r>
+            <a:r>
+              <a:rPr lang="en-US" sz="1800" dirty="0" err="1">
+                <a:solidFill>
+                  <a:srgbClr val="795E26"/>
+                </a:solidFill>
+                <a:latin typeface="Consolas" panose="020B0609020204030204" pitchFamily="49" charset="0"/>
+              </a:rPr>
+              <a:t>println</a:t>
             </a:r>
             <a:r>
               <a:rPr lang="en-US" sz="1800" dirty="0">
@@ -14334,67 +15831,111 @@
                   <a:srgbClr val="000000"/>
                 </a:solidFill>
                 <a:latin typeface="Consolas" panose="020B0609020204030204" pitchFamily="49" charset="0"/>
-                <a:cs typeface="Consolas" panose="020B0609020204030204" pitchFamily="49" charset="0"/>
-              </a:rPr>
-              <a:t>(“happy level: ” + happy);</a:t>
-            </a:r>
-            <a:endParaRPr lang="en-US" sz="1800" dirty="0">
-              <a:latin typeface="Consolas" panose="020B0609020204030204" pitchFamily="49" charset="0"/>
-              <a:cs typeface="Consolas" panose="020B0609020204030204" pitchFamily="49" charset="0"/>
-            </a:endParaRPr>
-          </a:p>
-          <a:p>
-            <a:pPr>
-              <a:spcBef>
-                <a:spcPts val="400"/>
-              </a:spcBef>
-              <a:spcAft>
-                <a:spcPts val="400"/>
-              </a:spcAft>
-            </a:pPr>
+              </a:rPr>
+              <a:t>(“happy level</a:t>
+            </a:r>
             <a:r>
               <a:rPr lang="en-US" sz="1800" dirty="0">
                 <a:solidFill>
+                  <a:srgbClr val="AF00DB"/>
+                </a:solidFill>
+                <a:latin typeface="Consolas" panose="020B0609020204030204" pitchFamily="49" charset="0"/>
+              </a:rPr>
+              <a:t>:</a:t>
+            </a:r>
+            <a:r>
+              <a:rPr lang="en-US" sz="1800" dirty="0">
+                <a:solidFill>
                   <a:srgbClr val="000000"/>
                 </a:solidFill>
                 <a:latin typeface="Consolas" panose="020B0609020204030204" pitchFamily="49" charset="0"/>
-                <a:cs typeface="Consolas" panose="020B0609020204030204" pitchFamily="49" charset="0"/>
-              </a:rPr>
-              <a:t>} else {</a:t>
-            </a:r>
-            <a:endParaRPr lang="en-US" sz="1800" dirty="0">
-              <a:latin typeface="Consolas" panose="020B0609020204030204" pitchFamily="49" charset="0"/>
-              <a:cs typeface="Consolas" panose="020B0609020204030204" pitchFamily="49" charset="0"/>
-            </a:endParaRPr>
-          </a:p>
-          <a:p>
-            <a:pPr>
-              <a:spcBef>
-                <a:spcPts val="400"/>
-              </a:spcBef>
-              <a:spcAft>
-                <a:spcPts val="400"/>
-              </a:spcAft>
-            </a:pPr>
+              </a:rPr>
+              <a:t> ” + happy);</a:t>
+            </a:r>
+          </a:p>
+          <a:p>
             <a:r>
               <a:rPr lang="en-US" sz="1800" dirty="0">
                 <a:solidFill>
                   <a:srgbClr val="000000"/>
                 </a:solidFill>
                 <a:latin typeface="Consolas" panose="020B0609020204030204" pitchFamily="49" charset="0"/>
-                <a:cs typeface="Consolas" panose="020B0609020204030204" pitchFamily="49" charset="0"/>
-              </a:rPr>
-              <a:t>      </a:t>
+              </a:rPr>
+              <a:t>} </a:t>
+            </a:r>
+            <a:r>
+              <a:rPr lang="en-US" sz="1800" dirty="0">
+                <a:solidFill>
+                  <a:srgbClr val="AF00DB"/>
+                </a:solidFill>
+                <a:latin typeface="Consolas" panose="020B0609020204030204" pitchFamily="49" charset="0"/>
+              </a:rPr>
+              <a:t>else</a:t>
+            </a:r>
+            <a:r>
+              <a:rPr lang="en-US" sz="1800" dirty="0">
+                <a:solidFill>
+                  <a:srgbClr val="000000"/>
+                </a:solidFill>
+                <a:latin typeface="Consolas" panose="020B0609020204030204" pitchFamily="49" charset="0"/>
+              </a:rPr>
+              <a:t> {</a:t>
+            </a:r>
+          </a:p>
+          <a:p>
+            <a:r>
+              <a:rPr lang="en-US" sz="1800" dirty="0">
+                <a:solidFill>
+                  <a:srgbClr val="000000"/>
+                </a:solidFill>
+                <a:latin typeface="Consolas" panose="020B0609020204030204" pitchFamily="49" charset="0"/>
+              </a:rPr>
+              <a:t>  </a:t>
             </a:r>
             <a:r>
               <a:rPr lang="en-US" sz="1800" dirty="0" err="1">
                 <a:solidFill>
+                  <a:srgbClr val="001080"/>
+                </a:solidFill>
+                <a:latin typeface="Consolas" panose="020B0609020204030204" pitchFamily="49" charset="0"/>
+              </a:rPr>
+              <a:t>System</a:t>
+            </a:r>
+            <a:r>
+              <a:rPr lang="en-US" sz="1800" dirty="0" err="1">
+                <a:solidFill>
                   <a:srgbClr val="000000"/>
                 </a:solidFill>
                 <a:latin typeface="Consolas" panose="020B0609020204030204" pitchFamily="49" charset="0"/>
-                <a:cs typeface="Consolas" panose="020B0609020204030204" pitchFamily="49" charset="0"/>
-              </a:rPr>
-              <a:t>System.out.println</a:t>
+              </a:rPr>
+              <a:t>.</a:t>
+            </a:r>
+            <a:r>
+              <a:rPr lang="en-US" sz="1800" dirty="0" err="1">
+                <a:solidFill>
+                  <a:srgbClr val="001080"/>
+                </a:solidFill>
+                <a:latin typeface="Consolas" panose="020B0609020204030204" pitchFamily="49" charset="0"/>
+              </a:rPr>
+              <a:t>out</a:t>
+            </a:r>
+            <a:r>
+              <a:rPr lang="en-US" sz="1800" dirty="0" err="1">
+                <a:solidFill>
+                  <a:srgbClr val="000000"/>
+                </a:solidFill>
+                <a:latin typeface="Consolas" panose="020B0609020204030204" pitchFamily="49" charset="0"/>
+              </a:rPr>
+              <a:t>.</a:t>
+            </a:r>
+            <a:r>
+              <a:rPr lang="en-US" sz="1800" dirty="0" err="1">
+                <a:solidFill>
+                  <a:srgbClr val="795E26"/>
+                </a:solidFill>
+                <a:latin typeface="Consolas" panose="020B0609020204030204" pitchFamily="49" charset="0"/>
+              </a:rPr>
+              <a:t>println</a:t>
             </a:r>
             <a:r>
               <a:rPr lang="en-US" sz="1800" dirty="0">
@@ -14402,38 +15943,38 @@
                   <a:srgbClr val="000000"/>
                 </a:solidFill>
                 <a:latin typeface="Consolas" panose="020B0609020204030204" pitchFamily="49" charset="0"/>
-                <a:cs typeface="Consolas" panose="020B0609020204030204" pitchFamily="49" charset="0"/>
-              </a:rPr>
-              <a:t>(“Need more puppies”);</a:t>
-            </a:r>
-            <a:endParaRPr lang="en-US" sz="1800" dirty="0">
-              <a:latin typeface="Consolas" panose="020B0609020204030204" pitchFamily="49" charset="0"/>
-              <a:cs typeface="Consolas" panose="020B0609020204030204" pitchFamily="49" charset="0"/>
-            </a:endParaRPr>
-          </a:p>
-          <a:p>
-            <a:pPr>
-              <a:spcBef>
-                <a:spcPts val="400"/>
-              </a:spcBef>
-              <a:spcAft>
-                <a:spcPts val="400"/>
-              </a:spcAft>
-            </a:pPr>
+              </a:rPr>
+              <a:t>(“</a:t>
+            </a:r>
             <a:r>
               <a:rPr lang="en-US" sz="1800" dirty="0">
                 <a:solidFill>
+                  <a:srgbClr val="267F99"/>
+                </a:solidFill>
+                <a:latin typeface="Consolas" panose="020B0609020204030204" pitchFamily="49" charset="0"/>
+              </a:rPr>
+              <a:t>Need</a:t>
+            </a:r>
+            <a:r>
+              <a:rPr lang="en-US" sz="1800" dirty="0">
+                <a:solidFill>
                   <a:srgbClr val="000000"/>
                 </a:solidFill>
                 <a:latin typeface="Consolas" panose="020B0609020204030204" pitchFamily="49" charset="0"/>
-                <a:cs typeface="Consolas" panose="020B0609020204030204" pitchFamily="49" charset="0"/>
+              </a:rPr>
+              <a:t> more puppies”);</a:t>
+            </a:r>
+          </a:p>
+          <a:p>
+            <a:r>
+              <a:rPr lang="en-US" sz="1800" dirty="0">
+                <a:solidFill>
+                  <a:srgbClr val="000000"/>
+                </a:solidFill>
+                <a:latin typeface="Consolas" panose="020B0609020204030204" pitchFamily="49" charset="0"/>
               </a:rPr>
               <a:t>}</a:t>
             </a:r>
-            <a:endParaRPr lang="en-US" sz="1800" dirty="0">
-              <a:latin typeface="Consolas" panose="020B0609020204030204" pitchFamily="49" charset="0"/>
-              <a:cs typeface="Consolas" panose="020B0609020204030204" pitchFamily="49" charset="0"/>
-            </a:endParaRPr>
           </a:p>
         </p:txBody>
       </p:sp>
@@ -14696,7 +16237,7 @@
           <a:p>
             <a:r>
               <a:rPr lang="en-US" dirty="0"/>
-              <a:t>Group Practice 2</a:t>
+              <a:t>In Class Activity: Group Practice 2</a:t>
             </a:r>
           </a:p>
         </p:txBody>
@@ -14729,7 +16270,7 @@
           <a:p>
             <a:r>
               <a:rPr lang="en-US" dirty="0"/>
-              <a:t>Complete the following code with a conditional expression</a:t>
+              <a:t>Complete the following code with a conditional expression. In zyBooks / canvas – same one. </a:t>
             </a:r>
           </a:p>
         </p:txBody>
@@ -15388,14 +16929,17 @@
         <p:spPr>
           <a:xfrm>
             <a:off x="2209800" y="2573559"/>
-            <a:ext cx="9398000" cy="3683060"/>
+            <a:ext cx="9398000" cy="2862322"/>
           </a:xfrm>
           <a:prstGeom prst="rect">
             <a:avLst/>
           </a:prstGeom>
-          <a:solidFill>
-            <a:schemeClr val="bg2"/>
-          </a:solidFill>
+          <a:noFill/>
+          <a:ln>
+            <a:solidFill>
+              <a:schemeClr val="accent1"/>
+            </a:solidFill>
+          </a:ln>
         </p:spPr>
         <p:txBody>
           <a:bodyPr wrap="square">
@@ -15403,241 +16947,519 @@
           </a:bodyPr>
           <a:lstStyle/>
           <a:p>
-            <a:pPr>
-              <a:spcBef>
-                <a:spcPts val="400"/>
-              </a:spcBef>
-              <a:spcAft>
-                <a:spcPts val="400"/>
-              </a:spcAft>
-            </a:pPr>
-            <a:r>
-              <a:rPr lang="en-US" dirty="0">
+            <a:r>
+              <a:rPr lang="en-US" b="0" dirty="0">
+                <a:solidFill>
+                  <a:srgbClr val="AF00DB"/>
+                </a:solidFill>
+                <a:effectLst/>
+                <a:latin typeface="Consolas" panose="020B0609020204030204" pitchFamily="49" charset="0"/>
+              </a:rPr>
+              <a:t>if</a:t>
+            </a:r>
+            <a:r>
+              <a:rPr lang="en-US" b="0" dirty="0">
                 <a:solidFill>
                   <a:srgbClr val="000000"/>
                 </a:solidFill>
-                <a:latin typeface="Consolas" panose="020B0609020204030204" pitchFamily="49" charset="0"/>
-              </a:rPr>
-              <a:t>if (puppies &gt;= 100) {</a:t>
-            </a:r>
-          </a:p>
-          <a:p>
-            <a:pPr>
-              <a:spcBef>
-                <a:spcPts val="400"/>
-              </a:spcBef>
-              <a:spcAft>
-                <a:spcPts val="400"/>
-              </a:spcAft>
-            </a:pPr>
-            <a:r>
-              <a:rPr lang="en-US" dirty="0">
+                <a:effectLst/>
+                <a:latin typeface="Consolas" panose="020B0609020204030204" pitchFamily="49" charset="0"/>
+              </a:rPr>
+              <a:t> (puppies &gt;= </a:t>
+            </a:r>
+            <a:r>
+              <a:rPr lang="en-US" b="0" dirty="0">
+                <a:solidFill>
+                  <a:srgbClr val="098658"/>
+                </a:solidFill>
+                <a:effectLst/>
+                <a:latin typeface="Consolas" panose="020B0609020204030204" pitchFamily="49" charset="0"/>
+              </a:rPr>
+              <a:t>100</a:t>
+            </a:r>
+            <a:r>
+              <a:rPr lang="en-US" b="0" dirty="0">
                 <a:solidFill>
                   <a:srgbClr val="000000"/>
                 </a:solidFill>
-                <a:latin typeface="Consolas" panose="020B0609020204030204" pitchFamily="49" charset="0"/>
-              </a:rPr>
-              <a:t>	if (puppies &lt; 200) {</a:t>
-            </a:r>
-            <a:endParaRPr lang="en-US" dirty="0"/>
-          </a:p>
-          <a:p>
-            <a:pPr>
-              <a:spcBef>
-                <a:spcPts val="400"/>
-              </a:spcBef>
-              <a:spcAft>
-                <a:spcPts val="400"/>
-              </a:spcAft>
-            </a:pPr>
-            <a:r>
-              <a:rPr lang="en-US" dirty="0">
+                <a:effectLst/>
+                <a:latin typeface="Consolas" panose="020B0609020204030204" pitchFamily="49" charset="0"/>
+              </a:rPr>
+              <a:t>) {</a:t>
+            </a:r>
+          </a:p>
+          <a:p>
+            <a:r>
+              <a:rPr lang="en-US" b="0" dirty="0">
                 <a:solidFill>
                   <a:srgbClr val="000000"/>
                 </a:solidFill>
-                <a:latin typeface="Consolas" panose="020B0609020204030204" pitchFamily="49" charset="0"/>
-              </a:rPr>
-              <a:t>      int happy  = puppies + 1;</a:t>
-            </a:r>
-            <a:endParaRPr lang="en-US" dirty="0"/>
-          </a:p>
-          <a:p>
-            <a:pPr>
-              <a:spcBef>
-                <a:spcPts val="400"/>
-              </a:spcBef>
-              <a:spcAft>
-                <a:spcPts val="400"/>
-              </a:spcAft>
-            </a:pPr>
-            <a:r>
-              <a:rPr lang="en-US" dirty="0">
+                <a:effectLst/>
+                <a:latin typeface="Consolas" panose="020B0609020204030204" pitchFamily="49" charset="0"/>
+              </a:rPr>
+              <a:t>    </a:t>
+            </a:r>
+            <a:r>
+              <a:rPr lang="en-US" b="0" dirty="0">
+                <a:solidFill>
+                  <a:srgbClr val="AF00DB"/>
+                </a:solidFill>
+                <a:effectLst/>
+                <a:latin typeface="Consolas" panose="020B0609020204030204" pitchFamily="49" charset="0"/>
+              </a:rPr>
+              <a:t>if</a:t>
+            </a:r>
+            <a:r>
+              <a:rPr lang="en-US" b="0" dirty="0">
                 <a:solidFill>
                   <a:srgbClr val="000000"/>
                 </a:solidFill>
+                <a:effectLst/>
+                <a:latin typeface="Consolas" panose="020B0609020204030204" pitchFamily="49" charset="0"/>
+              </a:rPr>
+              <a:t> (puppies &lt; </a:t>
+            </a:r>
+            <a:r>
+              <a:rPr lang="en-US" b="0" dirty="0">
+                <a:solidFill>
+                  <a:srgbClr val="098658"/>
+                </a:solidFill>
+                <a:effectLst/>
+                <a:latin typeface="Consolas" panose="020B0609020204030204" pitchFamily="49" charset="0"/>
+              </a:rPr>
+              <a:t>200</a:t>
+            </a:r>
+            <a:r>
+              <a:rPr lang="en-US" b="0" dirty="0">
+                <a:solidFill>
+                  <a:srgbClr val="000000"/>
+                </a:solidFill>
+                <a:effectLst/>
+                <a:latin typeface="Consolas" panose="020B0609020204030204" pitchFamily="49" charset="0"/>
+              </a:rPr>
+              <a:t>) {</a:t>
+            </a:r>
+          </a:p>
+          <a:p>
+            <a:r>
+              <a:rPr lang="en-US" b="0" dirty="0">
+                <a:solidFill>
+                  <a:srgbClr val="000000"/>
+                </a:solidFill>
+                <a:effectLst/>
                 <a:latin typeface="Consolas" panose="020B0609020204030204" pitchFamily="49" charset="0"/>
               </a:rPr>
               <a:t>      </a:t>
             </a:r>
             <a:r>
-              <a:rPr lang="en-US" dirty="0" err="1">
+              <a:rPr lang="en-US" b="0" dirty="0">
+                <a:solidFill>
+                  <a:srgbClr val="267F99"/>
+                </a:solidFill>
+                <a:effectLst/>
+                <a:latin typeface="Consolas" panose="020B0609020204030204" pitchFamily="49" charset="0"/>
+              </a:rPr>
+              <a:t>int</a:t>
+            </a:r>
+            <a:r>
+              <a:rPr lang="en-US" b="0" dirty="0">
                 <a:solidFill>
                   <a:srgbClr val="000000"/>
                 </a:solidFill>
-                <a:latin typeface="Consolas" panose="020B0609020204030204" pitchFamily="49" charset="0"/>
-              </a:rPr>
-              <a:t>System.out.println</a:t>
-            </a:r>
-            <a:r>
-              <a:rPr lang="en-US" dirty="0">
+                <a:effectLst/>
+                <a:latin typeface="Consolas" panose="020B0609020204030204" pitchFamily="49" charset="0"/>
+              </a:rPr>
+              <a:t> </a:t>
+            </a:r>
+            <a:r>
+              <a:rPr lang="en-US" b="0" dirty="0">
+                <a:solidFill>
+                  <a:srgbClr val="001080"/>
+                </a:solidFill>
+                <a:effectLst/>
+                <a:latin typeface="Consolas" panose="020B0609020204030204" pitchFamily="49" charset="0"/>
+              </a:rPr>
+              <a:t>happy</a:t>
+            </a:r>
+            <a:r>
+              <a:rPr lang="en-US" b="0" dirty="0">
                 <a:solidFill>
                   <a:srgbClr val="000000"/>
                 </a:solidFill>
-                <a:latin typeface="Consolas" panose="020B0609020204030204" pitchFamily="49" charset="0"/>
-              </a:rPr>
-              <a:t>(“happy level: ” + happy);</a:t>
-            </a:r>
-          </a:p>
-          <a:p>
-            <a:pPr>
-              <a:spcBef>
-                <a:spcPts val="400"/>
-              </a:spcBef>
-              <a:spcAft>
-                <a:spcPts val="400"/>
-              </a:spcAft>
-            </a:pPr>
-            <a:r>
-              <a:rPr lang="en-US" dirty="0">
+                <a:effectLst/>
+                <a:latin typeface="Consolas" panose="020B0609020204030204" pitchFamily="49" charset="0"/>
+              </a:rPr>
+              <a:t>  = puppies + </a:t>
+            </a:r>
+            <a:r>
+              <a:rPr lang="en-US" b="0" dirty="0">
+                <a:solidFill>
+                  <a:srgbClr val="098658"/>
+                </a:solidFill>
+                <a:effectLst/>
+                <a:latin typeface="Consolas" panose="020B0609020204030204" pitchFamily="49" charset="0"/>
+              </a:rPr>
+              <a:t>1</a:t>
+            </a:r>
+            <a:r>
+              <a:rPr lang="en-US" b="0" dirty="0">
                 <a:solidFill>
                   <a:srgbClr val="000000"/>
                 </a:solidFill>
-                <a:latin typeface="Consolas" panose="020B0609020204030204" pitchFamily="49" charset="0"/>
-              </a:rPr>
-              <a:t>    } else { </a:t>
-            </a:r>
-            <a:r>
-              <a:rPr lang="en-US" dirty="0">
+                <a:effectLst/>
+                <a:latin typeface="Consolas" panose="020B0609020204030204" pitchFamily="49" charset="0"/>
+              </a:rPr>
+              <a:t>;</a:t>
+            </a:r>
+          </a:p>
+          <a:p>
+            <a:r>
+              <a:rPr lang="en-US" b="0" dirty="0">
+                <a:solidFill>
+                  <a:srgbClr val="000000"/>
+                </a:solidFill>
+                <a:effectLst/>
+                <a:latin typeface="Consolas" panose="020B0609020204030204" pitchFamily="49" charset="0"/>
+              </a:rPr>
+              <a:t>      </a:t>
+            </a:r>
+            <a:r>
+              <a:rPr lang="en-US" b="0" dirty="0" err="1">
+                <a:solidFill>
+                  <a:srgbClr val="001080"/>
+                </a:solidFill>
+                <a:effectLst/>
+                <a:latin typeface="Consolas" panose="020B0609020204030204" pitchFamily="49" charset="0"/>
+              </a:rPr>
+              <a:t>System</a:t>
+            </a:r>
+            <a:r>
+              <a:rPr lang="en-US" b="0" dirty="0" err="1">
+                <a:solidFill>
+                  <a:srgbClr val="000000"/>
+                </a:solidFill>
+                <a:effectLst/>
+                <a:latin typeface="Consolas" panose="020B0609020204030204" pitchFamily="49" charset="0"/>
+              </a:rPr>
+              <a:t>.</a:t>
+            </a:r>
+            <a:r>
+              <a:rPr lang="en-US" b="0" dirty="0" err="1">
+                <a:solidFill>
+                  <a:srgbClr val="001080"/>
+                </a:solidFill>
+                <a:effectLst/>
+                <a:latin typeface="Consolas" panose="020B0609020204030204" pitchFamily="49" charset="0"/>
+              </a:rPr>
+              <a:t>out</a:t>
+            </a:r>
+            <a:r>
+              <a:rPr lang="en-US" b="0" dirty="0" err="1">
+                <a:solidFill>
+                  <a:srgbClr val="000000"/>
+                </a:solidFill>
+                <a:effectLst/>
+                <a:latin typeface="Consolas" panose="020B0609020204030204" pitchFamily="49" charset="0"/>
+              </a:rPr>
+              <a:t>.</a:t>
+            </a:r>
+            <a:r>
+              <a:rPr lang="en-US" b="0" dirty="0" err="1">
+                <a:solidFill>
+                  <a:srgbClr val="795E26"/>
+                </a:solidFill>
+                <a:effectLst/>
+                <a:latin typeface="Consolas" panose="020B0609020204030204" pitchFamily="49" charset="0"/>
+              </a:rPr>
+              <a:t>println</a:t>
+            </a:r>
+            <a:r>
+              <a:rPr lang="en-US" b="0" dirty="0">
+                <a:solidFill>
+                  <a:srgbClr val="000000"/>
+                </a:solidFill>
+                <a:effectLst/>
+                <a:latin typeface="Consolas" panose="020B0609020204030204" pitchFamily="49" charset="0"/>
+              </a:rPr>
+              <a:t>(“happy level</a:t>
+            </a:r>
+            <a:r>
+              <a:rPr lang="en-US" b="0" dirty="0">
+                <a:solidFill>
+                  <a:srgbClr val="AF00DB"/>
+                </a:solidFill>
+                <a:effectLst/>
+                <a:latin typeface="Consolas" panose="020B0609020204030204" pitchFamily="49" charset="0"/>
+              </a:rPr>
+              <a:t>:</a:t>
+            </a:r>
+            <a:r>
+              <a:rPr lang="en-US" b="0" dirty="0">
+                <a:solidFill>
+                  <a:srgbClr val="000000"/>
+                </a:solidFill>
+                <a:effectLst/>
+                <a:latin typeface="Consolas" panose="020B0609020204030204" pitchFamily="49" charset="0"/>
+              </a:rPr>
+              <a:t> ” + happy);</a:t>
+            </a:r>
+          </a:p>
+          <a:p>
+            <a:r>
+              <a:rPr lang="en-US" b="0" dirty="0">
+                <a:solidFill>
+                  <a:srgbClr val="000000"/>
+                </a:solidFill>
+                <a:effectLst/>
+                <a:latin typeface="Consolas" panose="020B0609020204030204" pitchFamily="49" charset="0"/>
+              </a:rPr>
+              <a:t>    } </a:t>
+            </a:r>
+            <a:r>
+              <a:rPr lang="en-US" b="0" dirty="0">
+                <a:solidFill>
+                  <a:srgbClr val="AF00DB"/>
+                </a:solidFill>
+                <a:effectLst/>
+                <a:latin typeface="Consolas" panose="020B0609020204030204" pitchFamily="49" charset="0"/>
+              </a:rPr>
+              <a:t>else</a:t>
+            </a:r>
+            <a:r>
+              <a:rPr lang="en-US" b="0" dirty="0">
+                <a:solidFill>
+                  <a:srgbClr val="000000"/>
+                </a:solidFill>
+                <a:effectLst/>
+                <a:latin typeface="Consolas" panose="020B0609020204030204" pitchFamily="49" charset="0"/>
+              </a:rPr>
+              <a:t> { </a:t>
+            </a:r>
+            <a:r>
+              <a:rPr lang="en-US" b="0" dirty="0">
+                <a:solidFill>
+                  <a:srgbClr val="008000"/>
+                </a:solidFill>
+                <a:effectLst/>
                 <a:latin typeface="Consolas" panose="020B0609020204030204" pitchFamily="49" charset="0"/>
               </a:rPr>
               <a:t>// puppies is over 200!!</a:t>
             </a:r>
-          </a:p>
-          <a:p>
-            <a:pPr>
-              <a:spcBef>
-                <a:spcPts val="400"/>
-              </a:spcBef>
-              <a:spcAft>
-                <a:spcPts val="400"/>
-              </a:spcAft>
-            </a:pPr>
-            <a:r>
-              <a:rPr lang="en-US" dirty="0">
+            <a:endParaRPr lang="en-US" b="0" dirty="0">
+              <a:solidFill>
+                <a:srgbClr val="000000"/>
+              </a:solidFill>
+              <a:effectLst/>
+              <a:latin typeface="Consolas" panose="020B0609020204030204" pitchFamily="49" charset="0"/>
+            </a:endParaRPr>
+          </a:p>
+          <a:p>
+            <a:r>
+              <a:rPr lang="en-US" b="0" dirty="0">
                 <a:solidFill>
                   <a:srgbClr val="000000"/>
                 </a:solidFill>
-                <a:latin typeface="Consolas" panose="020B0609020204030204" pitchFamily="49" charset="0"/>
-              </a:rPr>
-              <a:t>      </a:t>
-            </a:r>
-            <a:r>
-              <a:rPr lang="en-US" dirty="0" err="1">
+                <a:effectLst/>
+                <a:latin typeface="Consolas" panose="020B0609020204030204" pitchFamily="49" charset="0"/>
+              </a:rPr>
+              <a:t>      </a:t>
+            </a:r>
+            <a:r>
+              <a:rPr lang="en-US" b="0" dirty="0" err="1">
+                <a:solidFill>
+                  <a:srgbClr val="001080"/>
+                </a:solidFill>
+                <a:effectLst/>
+                <a:latin typeface="Consolas" panose="020B0609020204030204" pitchFamily="49" charset="0"/>
+              </a:rPr>
+              <a:t>System</a:t>
+            </a:r>
+            <a:r>
+              <a:rPr lang="en-US" b="0" dirty="0" err="1">
                 <a:solidFill>
                   <a:srgbClr val="000000"/>
                 </a:solidFill>
-                <a:latin typeface="Consolas" panose="020B0609020204030204" pitchFamily="49" charset="0"/>
-              </a:rPr>
-              <a:t>System.out.println</a:t>
-            </a:r>
-            <a:r>
-              <a:rPr lang="en-US" dirty="0">
+                <a:effectLst/>
+                <a:latin typeface="Consolas" panose="020B0609020204030204" pitchFamily="49" charset="0"/>
+              </a:rPr>
+              <a:t>.</a:t>
+            </a:r>
+            <a:r>
+              <a:rPr lang="en-US" b="0" dirty="0" err="1">
+                <a:solidFill>
+                  <a:srgbClr val="001080"/>
+                </a:solidFill>
+                <a:effectLst/>
+                <a:latin typeface="Consolas" panose="020B0609020204030204" pitchFamily="49" charset="0"/>
+              </a:rPr>
+              <a:t>out</a:t>
+            </a:r>
+            <a:r>
+              <a:rPr lang="en-US" b="0" dirty="0" err="1">
                 <a:solidFill>
                   <a:srgbClr val="000000"/>
                 </a:solidFill>
+                <a:effectLst/>
+                <a:latin typeface="Consolas" panose="020B0609020204030204" pitchFamily="49" charset="0"/>
+              </a:rPr>
+              <a:t>.</a:t>
+            </a:r>
+            <a:r>
+              <a:rPr lang="en-US" b="0" dirty="0" err="1">
+                <a:solidFill>
+                  <a:srgbClr val="795E26"/>
+                </a:solidFill>
+                <a:effectLst/>
+                <a:latin typeface="Consolas" panose="020B0609020204030204" pitchFamily="49" charset="0"/>
+              </a:rPr>
+              <a:t>println</a:t>
+            </a:r>
+            <a:r>
+              <a:rPr lang="en-US" b="0" dirty="0">
+                <a:solidFill>
+                  <a:srgbClr val="000000"/>
+                </a:solidFill>
+                <a:effectLst/>
                 <a:latin typeface="Consolas" panose="020B0609020204030204" pitchFamily="49" charset="0"/>
               </a:rPr>
               <a:t>(“ok, that may be too many puppies”);</a:t>
             </a:r>
-            <a:endParaRPr lang="en-US" dirty="0"/>
-          </a:p>
-          <a:p>
-            <a:pPr>
-              <a:spcBef>
-                <a:spcPts val="400"/>
-              </a:spcBef>
-              <a:spcAft>
-                <a:spcPts val="400"/>
-              </a:spcAft>
-            </a:pPr>
-            <a:r>
-              <a:rPr lang="en-US" dirty="0">
+          </a:p>
+          <a:p>
+            <a:r>
+              <a:rPr lang="en-US" b="0" dirty="0">
                 <a:solidFill>
                   <a:srgbClr val="000000"/>
                 </a:solidFill>
-                <a:latin typeface="Consolas" panose="020B0609020204030204" pitchFamily="49" charset="0"/>
-              </a:rPr>
-              <a:t>} else {</a:t>
-            </a:r>
-            <a:endParaRPr lang="en-US" dirty="0"/>
-          </a:p>
-          <a:p>
-            <a:pPr>
-              <a:spcBef>
-                <a:spcPts val="400"/>
-              </a:spcBef>
-              <a:spcAft>
-                <a:spcPts val="400"/>
-              </a:spcAft>
-            </a:pPr>
-            <a:r>
-              <a:rPr lang="en-US" dirty="0">
+                <a:effectLst/>
+                <a:latin typeface="Consolas" panose="020B0609020204030204" pitchFamily="49" charset="0"/>
+              </a:rPr>
+              <a:t>} </a:t>
+            </a:r>
+            <a:r>
+              <a:rPr lang="en-US" b="0" dirty="0">
+                <a:solidFill>
+                  <a:srgbClr val="AF00DB"/>
+                </a:solidFill>
+                <a:effectLst/>
+                <a:latin typeface="Consolas" panose="020B0609020204030204" pitchFamily="49" charset="0"/>
+              </a:rPr>
+              <a:t>else</a:t>
+            </a:r>
+            <a:r>
+              <a:rPr lang="en-US" b="0" dirty="0">
                 <a:solidFill>
                   <a:srgbClr val="000000"/>
                 </a:solidFill>
-                <a:latin typeface="Consolas" panose="020B0609020204030204" pitchFamily="49" charset="0"/>
-              </a:rPr>
-              <a:t>    </a:t>
-            </a:r>
-            <a:r>
-              <a:rPr lang="en-US" dirty="0" err="1">
+                <a:effectLst/>
+                <a:latin typeface="Consolas" panose="020B0609020204030204" pitchFamily="49" charset="0"/>
+              </a:rPr>
+              <a:t> {</a:t>
+            </a:r>
+          </a:p>
+          <a:p>
+            <a:r>
+              <a:rPr lang="en-US" b="0" dirty="0">
                 <a:solidFill>
                   <a:srgbClr val="000000"/>
                 </a:solidFill>
-                <a:latin typeface="Consolas" panose="020B0609020204030204" pitchFamily="49" charset="0"/>
-              </a:rPr>
-              <a:t>System.out.println</a:t>
-            </a:r>
-            <a:r>
-              <a:rPr lang="en-US" dirty="0">
+                <a:effectLst/>
+                <a:latin typeface="Consolas" panose="020B0609020204030204" pitchFamily="49" charset="0"/>
+              </a:rPr>
+              <a:t>    </a:t>
+            </a:r>
+            <a:r>
+              <a:rPr lang="en-US" b="0" dirty="0" err="1">
+                <a:solidFill>
+                  <a:srgbClr val="001080"/>
+                </a:solidFill>
+                <a:effectLst/>
+                <a:latin typeface="Consolas" panose="020B0609020204030204" pitchFamily="49" charset="0"/>
+              </a:rPr>
+              <a:t>System</a:t>
+            </a:r>
+            <a:r>
+              <a:rPr lang="en-US" b="0" dirty="0" err="1">
                 <a:solidFill>
                   <a:srgbClr val="000000"/>
                 </a:solidFill>
-                <a:latin typeface="Consolas" panose="020B0609020204030204" pitchFamily="49" charset="0"/>
-              </a:rPr>
-              <a:t>(“Need more puppies”);</a:t>
-            </a:r>
-            <a:endParaRPr lang="en-US" dirty="0"/>
-          </a:p>
-          <a:p>
-            <a:pPr>
-              <a:spcBef>
-                <a:spcPts val="400"/>
-              </a:spcBef>
-              <a:spcAft>
-                <a:spcPts val="400"/>
-              </a:spcAft>
-            </a:pPr>
-            <a:r>
-              <a:rPr lang="en-US" dirty="0">
+                <a:effectLst/>
+                <a:latin typeface="Consolas" panose="020B0609020204030204" pitchFamily="49" charset="0"/>
+              </a:rPr>
+              <a:t>.</a:t>
+            </a:r>
+            <a:r>
+              <a:rPr lang="en-US" b="0" dirty="0" err="1">
+                <a:solidFill>
+                  <a:srgbClr val="001080"/>
+                </a:solidFill>
+                <a:effectLst/>
+                <a:latin typeface="Consolas" panose="020B0609020204030204" pitchFamily="49" charset="0"/>
+              </a:rPr>
+              <a:t>out</a:t>
+            </a:r>
+            <a:r>
+              <a:rPr lang="en-US" b="0" dirty="0" err="1">
                 <a:solidFill>
                   <a:srgbClr val="000000"/>
                 </a:solidFill>
+                <a:effectLst/>
+                <a:latin typeface="Consolas" panose="020B0609020204030204" pitchFamily="49" charset="0"/>
+              </a:rPr>
+              <a:t>.</a:t>
+            </a:r>
+            <a:r>
+              <a:rPr lang="en-US" b="0" dirty="0" err="1">
+                <a:solidFill>
+                  <a:srgbClr val="795E26"/>
+                </a:solidFill>
+                <a:effectLst/>
+                <a:latin typeface="Consolas" panose="020B0609020204030204" pitchFamily="49" charset="0"/>
+              </a:rPr>
+              <a:t>println</a:t>
+            </a:r>
+            <a:r>
+              <a:rPr lang="en-US" b="0" dirty="0">
+                <a:solidFill>
+                  <a:srgbClr val="000000"/>
+                </a:solidFill>
+                <a:effectLst/>
+                <a:latin typeface="Consolas" panose="020B0609020204030204" pitchFamily="49" charset="0"/>
+              </a:rPr>
+              <a:t>(“</a:t>
+            </a:r>
+            <a:r>
+              <a:rPr lang="en-US" b="0" dirty="0">
+                <a:solidFill>
+                  <a:srgbClr val="267F99"/>
+                </a:solidFill>
+                <a:effectLst/>
+                <a:latin typeface="Consolas" panose="020B0609020204030204" pitchFamily="49" charset="0"/>
+              </a:rPr>
+              <a:t>Need</a:t>
+            </a:r>
+            <a:r>
+              <a:rPr lang="en-US" b="0" dirty="0">
+                <a:solidFill>
+                  <a:srgbClr val="000000"/>
+                </a:solidFill>
+                <a:effectLst/>
+                <a:latin typeface="Consolas" panose="020B0609020204030204" pitchFamily="49" charset="0"/>
+              </a:rPr>
+              <a:t> more puppies”);</a:t>
+            </a:r>
+          </a:p>
+          <a:p>
+            <a:r>
+              <a:rPr lang="en-US" b="0" dirty="0">
+                <a:solidFill>
+                  <a:srgbClr val="000000"/>
+                </a:solidFill>
+                <a:effectLst/>
                 <a:latin typeface="Consolas" panose="020B0609020204030204" pitchFamily="49" charset="0"/>
               </a:rPr>
               <a:t>}</a:t>
             </a:r>
-            <a:endParaRPr lang="en-US" dirty="0"/>
           </a:p>
         </p:txBody>
       </p:sp>

--- a/slides/On-Campus/03_01_Branching.pptx
+++ b/slides/On-Campus/03_01_Branching.pptx
@@ -144,6 +144,35 @@
 </p:presentation>
 </file>
 
+<file path=ppt/changesInfos/changesInfo1.xml><?xml version="1.0" encoding="utf-8"?>
+<pc:chgInfo xmlns:a="http://schemas.openxmlformats.org/drawingml/2006/main" xmlns:r="http://schemas.openxmlformats.org/officeDocument/2006/relationships" xmlns:ac="http://schemas.microsoft.com/office/drawing/2013/main/command" xmlns:pc="http://schemas.microsoft.com/office/powerpoint/2013/main/command">
+  <pc:docChgLst>
+    <pc:chgData name="Moraes,Marcia" userId="c9c67e8a-58e2-4733-9a1c-5d44fec4775b" providerId="ADAL" clId="{2643F433-1038-4849-B59A-84215725AEEF}"/>
+    <pc:docChg chg="custSel modSld">
+      <pc:chgData name="Moraes,Marcia" userId="c9c67e8a-58e2-4733-9a1c-5d44fec4775b" providerId="ADAL" clId="{2643F433-1038-4849-B59A-84215725AEEF}" dt="2022-08-19T01:43:01.672" v="0" actId="478"/>
+      <pc:docMkLst>
+        <pc:docMk/>
+      </pc:docMkLst>
+      <pc:sldChg chg="delSp mod">
+        <pc:chgData name="Moraes,Marcia" userId="c9c67e8a-58e2-4733-9a1c-5d44fec4775b" providerId="ADAL" clId="{2643F433-1038-4849-B59A-84215725AEEF}" dt="2022-08-19T01:43:01.672" v="0" actId="478"/>
+        <pc:sldMkLst>
+          <pc:docMk/>
+          <pc:sldMk cId="876244202" sldId="270"/>
+        </pc:sldMkLst>
+        <pc:spChg chg="del">
+          <ac:chgData name="Moraes,Marcia" userId="c9c67e8a-58e2-4733-9a1c-5d44fec4775b" providerId="ADAL" clId="{2643F433-1038-4849-B59A-84215725AEEF}" dt="2022-08-19T01:43:01.672" v="0" actId="478"/>
+          <ac:spMkLst>
+            <pc:docMk/>
+            <pc:sldMk cId="876244202" sldId="270"/>
+            <ac:spMk id="7" creationId="{CB1D3C32-157D-4AB2-8254-1075DFAB882C}"/>
+          </ac:spMkLst>
+        </pc:spChg>
+      </pc:sldChg>
+    </pc:docChg>
+  </pc:docChgLst>
+</pc:chgInfo>
+</file>
+
 <file path=ppt/handoutMasters/handoutMaster1.xml><?xml version="1.0" encoding="utf-8"?>
 <p:handoutMaster xmlns:a="http://schemas.openxmlformats.org/drawingml/2006/main" xmlns:r="http://schemas.openxmlformats.org/officeDocument/2006/relationships" xmlns:p="http://schemas.openxmlformats.org/presentationml/2006/main">
   <p:cSld>
@@ -226,7 +255,7 @@
           <a:p>
             <a:fld id="{4D7E51A5-B478-1E40-8CBB-0DAA8831E99D}" type="datetimeFigureOut">
               <a:rPr lang="en-US" smtClean="0"/>
-              <a:t>1/30/2022</a:t>
+              <a:t>8/18/2022</a:t>
             </a:fld>
             <a:endParaRPr lang="en-US"/>
           </a:p>
@@ -391,7 +420,7 @@
           <a:p>
             <a:fld id="{D0ED587F-861E-6740-9643-E3DDAE89B8D6}" type="datetimeFigureOut">
               <a:rPr lang="en-US" smtClean="0"/>
-              <a:t>1/30/2022</a:t>
+              <a:t>8/18/2022</a:t>
             </a:fld>
             <a:endParaRPr lang="en-US"/>
           </a:p>
@@ -10497,103 +10526,6 @@
           </a:p>
           <a:p>
             <a:endParaRPr lang="en-US" b="1" dirty="0"/>
-          </a:p>
-        </p:txBody>
-      </p:sp>
-      <p:sp>
-        <p:nvSpPr>
-          <p:cNvPr id="7" name="TextBox 6">
-            <a:extLst>
-              <a:ext uri="{FF2B5EF4-FFF2-40B4-BE49-F238E27FC236}">
-                <a16:creationId xmlns:a16="http://schemas.microsoft.com/office/drawing/2014/main" id="{CB1D3C32-157D-4AB2-8254-1075DFAB882C}"/>
-              </a:ext>
-            </a:extLst>
-          </p:cNvPr>
-          <p:cNvSpPr txBox="1"/>
-          <p:nvPr/>
-        </p:nvSpPr>
-        <p:spPr>
-          <a:xfrm>
-            <a:off x="7202774" y="299645"/>
-            <a:ext cx="6910464" cy="707886"/>
-          </a:xfrm>
-          <a:prstGeom prst="rect">
-            <a:avLst/>
-          </a:prstGeom>
-          <a:noFill/>
-        </p:spPr>
-        <p:txBody>
-          <a:bodyPr wrap="square">
-            <a:spAutoFit/>
-          </a:bodyPr>
-          <a:lstStyle/>
-          <a:p>
-            <a:pPr marL="0" marR="0">
-              <a:spcBef>
-                <a:spcPts val="0"/>
-              </a:spcBef>
-              <a:spcAft>
-                <a:spcPts val="0"/>
-              </a:spcAft>
-            </a:pPr>
-            <a:r>
-              <a:rPr lang="en-US" sz="2000" dirty="0">
-                <a:effectLst/>
-                <a:latin typeface="Calibri" panose="020F0502020204030204" pitchFamily="34" charset="0"/>
-                <a:ea typeface="Calibri" panose="020F0502020204030204" pitchFamily="34" charset="0"/>
-              </a:rPr>
-              <a:t>February 2</a:t>
-            </a:r>
-            <a:r>
-              <a:rPr lang="en-US" sz="2000" baseline="30000" dirty="0">
-                <a:effectLst/>
-                <a:latin typeface="Calibri" panose="020F0502020204030204" pitchFamily="34" charset="0"/>
-                <a:ea typeface="Calibri" panose="020F0502020204030204" pitchFamily="34" charset="0"/>
-              </a:rPr>
-              <a:t>nd</a:t>
-            </a:r>
-            <a:r>
-              <a:rPr lang="en-US" sz="2000" dirty="0">
-                <a:effectLst/>
-                <a:latin typeface="Calibri" panose="020F0502020204030204" pitchFamily="34" charset="0"/>
-                <a:ea typeface="Calibri" panose="020F0502020204030204" pitchFamily="34" charset="0"/>
-              </a:rPr>
-              <a:t> : ACM – Presentation: Tech Interviews</a:t>
-            </a:r>
-          </a:p>
-          <a:p>
-            <a:pPr marL="0" marR="0">
-              <a:spcBef>
-                <a:spcPts val="0"/>
-              </a:spcBef>
-              <a:spcAft>
-                <a:spcPts val="0"/>
-              </a:spcAft>
-            </a:pPr>
-            <a:r>
-              <a:rPr lang="en-US" sz="2000" dirty="0">
-                <a:effectLst/>
-                <a:latin typeface="Calibri" panose="020F0502020204030204" pitchFamily="34" charset="0"/>
-                <a:ea typeface="Calibri" panose="020F0502020204030204" pitchFamily="34" charset="0"/>
-              </a:rPr>
-              <a:t>February 3</a:t>
-            </a:r>
-            <a:r>
-              <a:rPr lang="en-US" sz="2000" baseline="30000" dirty="0">
-                <a:effectLst/>
-                <a:latin typeface="Calibri" panose="020F0502020204030204" pitchFamily="34" charset="0"/>
-                <a:ea typeface="Calibri" panose="020F0502020204030204" pitchFamily="34" charset="0"/>
-              </a:rPr>
-              <a:t>rd</a:t>
-            </a:r>
-            <a:r>
-              <a:rPr lang="en-US" sz="2000" dirty="0">
-                <a:effectLst/>
-                <a:latin typeface="Calibri" panose="020F0502020204030204" pitchFamily="34" charset="0"/>
-                <a:ea typeface="Calibri" panose="020F0502020204030204" pitchFamily="34" charset="0"/>
-              </a:rPr>
-              <a:t> : ACM-W – Career Fair Prep</a:t>
-            </a:r>
           </a:p>
         </p:txBody>
       </p:sp>

--- a/slides/On-Campus/03_01_Branching.pptx
+++ b/slides/On-Campus/03_01_Branching.pptx
@@ -147,6 +147,30 @@
 <file path=ppt/changesInfos/changesInfo1.xml><?xml version="1.0" encoding="utf-8"?>
 <pc:chgInfo xmlns:a="http://schemas.openxmlformats.org/drawingml/2006/main" xmlns:r="http://schemas.openxmlformats.org/officeDocument/2006/relationships" xmlns:ac="http://schemas.microsoft.com/office/drawing/2013/main/command" xmlns:pc="http://schemas.microsoft.com/office/powerpoint/2013/main/command">
   <pc:docChgLst>
+    <pc:chgData name="Moraes,Marcia" userId="c9c67e8a-58e2-4733-9a1c-5d44fec4775b" providerId="ADAL" clId="{86E1F4F7-B7F7-4ADE-97A6-24723EA503E7}"/>
+    <pc:docChg chg="custSel modSld">
+      <pc:chgData name="Moraes,Marcia" userId="c9c67e8a-58e2-4733-9a1c-5d44fec4775b" providerId="ADAL" clId="{86E1F4F7-B7F7-4ADE-97A6-24723EA503E7}" dt="2022-08-19T14:48:48.774" v="28" actId="478"/>
+      <pc:docMkLst>
+        <pc:docMk/>
+      </pc:docMkLst>
+      <pc:sldChg chg="delSp modSp mod">
+        <pc:chgData name="Moraes,Marcia" userId="c9c67e8a-58e2-4733-9a1c-5d44fec4775b" providerId="ADAL" clId="{86E1F4F7-B7F7-4ADE-97A6-24723EA503E7}" dt="2022-08-19T14:48:48.774" v="28" actId="478"/>
+        <pc:sldMkLst>
+          <pc:docMk/>
+          <pc:sldMk cId="876244202" sldId="270"/>
+        </pc:sldMkLst>
+        <pc:spChg chg="del mod">
+          <ac:chgData name="Moraes,Marcia" userId="c9c67e8a-58e2-4733-9a1c-5d44fec4775b" providerId="ADAL" clId="{86E1F4F7-B7F7-4ADE-97A6-24723EA503E7}" dt="2022-08-19T14:48:48.774" v="28" actId="478"/>
+          <ac:spMkLst>
+            <pc:docMk/>
+            <pc:sldMk cId="876244202" sldId="270"/>
+            <ac:spMk id="9" creationId="{B06B4A78-C810-42EF-9A72-6B2BEA732F0E}"/>
+          </ac:spMkLst>
+        </pc:spChg>
+      </pc:sldChg>
+    </pc:docChg>
+  </pc:docChgLst>
+  <pc:docChgLst>
     <pc:chgData name="Moraes,Marcia" userId="c9c67e8a-58e2-4733-9a1c-5d44fec4775b" providerId="ADAL" clId="{2643F433-1038-4849-B59A-84215725AEEF}"/>
     <pc:docChg chg="custSel modSld">
       <pc:chgData name="Moraes,Marcia" userId="c9c67e8a-58e2-4733-9a1c-5d44fec4775b" providerId="ADAL" clId="{2643F433-1038-4849-B59A-84215725AEEF}" dt="2022-08-19T01:43:01.672" v="0" actId="478"/>
@@ -255,7 +279,7 @@
           <a:p>
             <a:fld id="{4D7E51A5-B478-1E40-8CBB-0DAA8831E99D}" type="datetimeFigureOut">
               <a:rPr lang="en-US" smtClean="0"/>
-              <a:t>8/18/2022</a:t>
+              <a:t>8/19/2022</a:t>
             </a:fld>
             <a:endParaRPr lang="en-US"/>
           </a:p>
@@ -420,7 +444,7 @@
           <a:p>
             <a:fld id="{D0ED587F-861E-6740-9643-E3DDAE89B8D6}" type="datetimeFigureOut">
               <a:rPr lang="en-US" smtClean="0"/>
-              <a:t>8/18/2022</a:t>
+              <a:t>8/19/2022</a:t>
             </a:fld>
             <a:endParaRPr lang="en-US"/>
           </a:p>
@@ -10568,286 +10592,6 @@
             <a:r>
               <a:rPr lang="en-US" dirty="0"/>
               <a:t>Try to recall a situation where you had to solve a problem you didn’t know the solution to (usually people interactions)?</a:t>
-            </a:r>
-          </a:p>
-        </p:txBody>
-      </p:sp>
-      <p:sp>
-        <p:nvSpPr>
-          <p:cNvPr id="9" name="Text Placeholder 4">
-            <a:extLst>
-              <a:ext uri="{FF2B5EF4-FFF2-40B4-BE49-F238E27FC236}">
-                <a16:creationId xmlns:a16="http://schemas.microsoft.com/office/drawing/2014/main" id="{B06B4A78-C810-42EF-9A72-6B2BEA732F0E}"/>
-              </a:ext>
-            </a:extLst>
-          </p:cNvPr>
-          <p:cNvSpPr txBox="1">
-            <a:spLocks/>
-          </p:cNvSpPr>
-          <p:nvPr/>
-        </p:nvSpPr>
-        <p:spPr>
-          <a:xfrm>
-            <a:off x="7665797" y="1101333"/>
-            <a:ext cx="5984417" cy="5006563"/>
-          </a:xfrm>
-          <a:prstGeom prst="rect">
-            <a:avLst/>
-          </a:prstGeom>
-          <a:ln>
-            <a:solidFill>
-              <a:schemeClr val="tx2"/>
-            </a:solidFill>
-          </a:ln>
-        </p:spPr>
-        <p:txBody>
-          <a:bodyPr vert="horz" wrap="square" lIns="91440" tIns="91440" rIns="91440" bIns="91440" rtlCol="0">
-            <a:spAutoFit/>
-          </a:bodyPr>
-          <a:lstStyle>
-            <a:lvl1pPr marL="524712" indent="-524712" algn="l" defTabSz="699614" rtl="0" eaLnBrk="1" latinLnBrk="0" hangingPunct="1">
-              <a:lnSpc>
-                <a:spcPct val="120000"/>
-              </a:lnSpc>
-              <a:spcBef>
-                <a:spcPts val="600"/>
-              </a:spcBef>
-              <a:spcAft>
-                <a:spcPts val="600"/>
-              </a:spcAft>
-              <a:buFont typeface="Arial"/>
-              <a:buChar char="•"/>
-              <a:defRPr sz="1800" b="0" i="0" kern="1200">
-                <a:solidFill>
-                  <a:srgbClr val="092529"/>
-                </a:solidFill>
-                <a:latin typeface="Proxima Nova" charset="0"/>
-                <a:ea typeface="Proxima Nova" charset="0"/>
-                <a:cs typeface="Proxima Nova" charset="0"/>
-              </a:defRPr>
-            </a:lvl1pPr>
-            <a:lvl2pPr marL="1136875" indent="-437261" algn="l" defTabSz="699614" rtl="0" eaLnBrk="1" latinLnBrk="0" hangingPunct="1">
-              <a:lnSpc>
-                <a:spcPct val="120000"/>
-              </a:lnSpc>
-              <a:spcBef>
-                <a:spcPts val="0"/>
-              </a:spcBef>
-              <a:spcAft>
-                <a:spcPts val="600"/>
-              </a:spcAft>
-              <a:buFont typeface="Arial"/>
-              <a:buChar char="–"/>
-              <a:defRPr sz="1600" b="0" i="0" kern="1200">
-                <a:solidFill>
-                  <a:srgbClr val="092529"/>
-                </a:solidFill>
-                <a:latin typeface="Proxima Nova" charset="0"/>
-                <a:ea typeface="Proxima Nova" charset="0"/>
-                <a:cs typeface="Proxima Nova" charset="0"/>
-              </a:defRPr>
-            </a:lvl2pPr>
-            <a:lvl3pPr marL="1749040" indent="-349807" algn="l" defTabSz="699614" rtl="0" eaLnBrk="1" latinLnBrk="0" hangingPunct="1">
-              <a:lnSpc>
-                <a:spcPct val="120000"/>
-              </a:lnSpc>
-              <a:spcBef>
-                <a:spcPts val="0"/>
-              </a:spcBef>
-              <a:spcAft>
-                <a:spcPts val="600"/>
-              </a:spcAft>
-              <a:buFont typeface="Arial"/>
-              <a:buChar char="•"/>
-              <a:defRPr sz="1600" b="0" i="0" kern="1200">
-                <a:solidFill>
-                  <a:srgbClr val="092529"/>
-                </a:solidFill>
-                <a:latin typeface="Proxima Nova" charset="0"/>
-                <a:ea typeface="Proxima Nova" charset="0"/>
-                <a:cs typeface="Proxima Nova" charset="0"/>
-              </a:defRPr>
-            </a:lvl3pPr>
-            <a:lvl4pPr marL="2448655" indent="-349807" algn="l" defTabSz="699614" rtl="0" eaLnBrk="1" latinLnBrk="0" hangingPunct="1">
-              <a:lnSpc>
-                <a:spcPct val="120000"/>
-              </a:lnSpc>
-              <a:spcBef>
-                <a:spcPts val="0"/>
-              </a:spcBef>
-              <a:spcAft>
-                <a:spcPts val="600"/>
-              </a:spcAft>
-              <a:buFont typeface="Arial"/>
-              <a:buChar char="–"/>
-              <a:defRPr sz="1600" b="0" i="0" kern="1200">
-                <a:solidFill>
-                  <a:srgbClr val="092529"/>
-                </a:solidFill>
-                <a:latin typeface="Proxima Nova" charset="0"/>
-                <a:ea typeface="Proxima Nova" charset="0"/>
-                <a:cs typeface="Proxima Nova" charset="0"/>
-              </a:defRPr>
-            </a:lvl4pPr>
-            <a:lvl5pPr marL="3148272" indent="-349807" algn="l" defTabSz="699614" rtl="0" eaLnBrk="1" latinLnBrk="0" hangingPunct="1">
-              <a:spcBef>
-                <a:spcPct val="20000"/>
-              </a:spcBef>
-              <a:buFont typeface="Arial"/>
-              <a:buChar char="»"/>
-              <a:defRPr sz="1648" b="0" kern="1200">
-                <a:solidFill>
-                  <a:srgbClr val="092529"/>
-                </a:solidFill>
-                <a:latin typeface="Franklin Gothic Book" charset="0"/>
-                <a:ea typeface="Franklin Gothic Book" charset="0"/>
-                <a:cs typeface="Franklin Gothic Book" charset="0"/>
-              </a:defRPr>
-            </a:lvl5pPr>
-            <a:lvl6pPr marL="3847888" indent="-349807" algn="l" defTabSz="699614" rtl="0" eaLnBrk="1" latinLnBrk="0" hangingPunct="1">
-              <a:spcBef>
-                <a:spcPct val="20000"/>
-              </a:spcBef>
-              <a:buFont typeface="Arial"/>
-              <a:buChar char="•"/>
-              <a:defRPr sz="3022" kern="1200">
-                <a:solidFill>
-                  <a:schemeClr val="tx1"/>
-                </a:solidFill>
-                <a:latin typeface="+mn-lt"/>
-                <a:ea typeface="+mn-ea"/>
-                <a:cs typeface="+mn-cs"/>
-              </a:defRPr>
-            </a:lvl6pPr>
-            <a:lvl7pPr marL="4547505" indent="-349807" algn="l" defTabSz="699614" rtl="0" eaLnBrk="1" latinLnBrk="0" hangingPunct="1">
-              <a:spcBef>
-                <a:spcPct val="20000"/>
-              </a:spcBef>
-              <a:buFont typeface="Arial"/>
-              <a:buChar char="•"/>
-              <a:defRPr sz="3022" kern="1200">
-                <a:solidFill>
-                  <a:schemeClr val="tx1"/>
-                </a:solidFill>
-                <a:latin typeface="+mn-lt"/>
-                <a:ea typeface="+mn-ea"/>
-                <a:cs typeface="+mn-cs"/>
-              </a:defRPr>
-            </a:lvl7pPr>
-            <a:lvl8pPr marL="5247119" indent="-349807" algn="l" defTabSz="699614" rtl="0" eaLnBrk="1" latinLnBrk="0" hangingPunct="1">
-              <a:spcBef>
-                <a:spcPct val="20000"/>
-              </a:spcBef>
-              <a:buFont typeface="Arial"/>
-              <a:buChar char="•"/>
-              <a:defRPr sz="3022" kern="1200">
-                <a:solidFill>
-                  <a:schemeClr val="tx1"/>
-                </a:solidFill>
-                <a:latin typeface="+mn-lt"/>
-                <a:ea typeface="+mn-ea"/>
-                <a:cs typeface="+mn-cs"/>
-              </a:defRPr>
-            </a:lvl8pPr>
-            <a:lvl9pPr marL="5946736" indent="-349807" algn="l" defTabSz="699614" rtl="0" eaLnBrk="1" latinLnBrk="0" hangingPunct="1">
-              <a:spcBef>
-                <a:spcPct val="20000"/>
-              </a:spcBef>
-              <a:buFont typeface="Arial"/>
-              <a:buChar char="•"/>
-              <a:defRPr sz="3022" kern="1200">
-                <a:solidFill>
-                  <a:schemeClr val="tx1"/>
-                </a:solidFill>
-                <a:latin typeface="+mn-lt"/>
-                <a:ea typeface="+mn-ea"/>
-                <a:cs typeface="+mn-cs"/>
-              </a:defRPr>
-            </a:lvl9pPr>
-          </a:lstStyle>
-          <a:p>
-            <a:pPr marL="0" indent="0">
-              <a:buNone/>
-            </a:pPr>
-            <a:r>
-              <a:rPr lang="en-US" b="1" dirty="0"/>
-              <a:t>NEXT WEEK</a:t>
-            </a:r>
-          </a:p>
-          <a:p>
-            <a:r>
-              <a:rPr lang="en-US" dirty="0"/>
-              <a:t>Monday: Lecture on </a:t>
-            </a:r>
-            <a:r>
-              <a:rPr lang="en-US" dirty="0" err="1"/>
-              <a:t>github</a:t>
-            </a:r>
-            <a:r>
-              <a:rPr lang="en-US" dirty="0"/>
-              <a:t> and IDEs </a:t>
-            </a:r>
-          </a:p>
-          <a:p>
-            <a:r>
-              <a:rPr lang="en-US" dirty="0"/>
-              <a:t>Tuesday: Setup IDE in lab and review</a:t>
-            </a:r>
-          </a:p>
-          <a:p>
-            <a:pPr lvl="1"/>
-            <a:r>
-              <a:rPr lang="en-US" dirty="0"/>
-              <a:t>bring your laptop if you want help</a:t>
-            </a:r>
-          </a:p>
-          <a:p>
-            <a:r>
-              <a:rPr lang="en-US" dirty="0"/>
-              <a:t>Wednesday: Review Lecture</a:t>
-            </a:r>
-          </a:p>
-          <a:p>
-            <a:pPr lvl="1"/>
-            <a:r>
-              <a:rPr lang="en-US" dirty="0"/>
-              <a:t>Send me questions to review by EOD Monday</a:t>
-            </a:r>
-          </a:p>
-          <a:p>
-            <a:r>
-              <a:rPr lang="en-US" dirty="0"/>
-              <a:t>Thursday: EXAM </a:t>
-            </a:r>
-            <a:r>
-              <a:rPr lang="en-US" b="1" u="sng" dirty="0"/>
-              <a:t>in lab</a:t>
-            </a:r>
-          </a:p>
-          <a:p>
-            <a:pPr lvl="1"/>
-            <a:r>
-              <a:rPr lang="en-US" dirty="0"/>
-              <a:t>(most) Accommodations on Friday at help desk</a:t>
-            </a:r>
-          </a:p>
-          <a:p>
-            <a:r>
-              <a:rPr lang="en-US" dirty="0"/>
-              <a:t>Friday: No Class</a:t>
-            </a:r>
-          </a:p>
-          <a:p>
-            <a:r>
-              <a:rPr lang="en-US" dirty="0"/>
-              <a:t>Throughout the week </a:t>
-            </a:r>
-          </a:p>
-          <a:p>
-            <a:pPr lvl="1"/>
-            <a:r>
-              <a:rPr lang="en-US" dirty="0"/>
-              <a:t>coding exam / one submission attempt assignment</a:t>
             </a:r>
           </a:p>
         </p:txBody>

--- a/slides/On-Campus/03_01_Branching.pptx
+++ b/slides/On-Campus/03_01_Branching.pptx
@@ -2,28 +2,30 @@
 <file path=ppt/presentation.xml><?xml version="1.0" encoding="utf-8"?>
 <p:presentation xmlns:a="http://schemas.openxmlformats.org/drawingml/2006/main" xmlns:r="http://schemas.openxmlformats.org/officeDocument/2006/relationships" xmlns:p="http://schemas.openxmlformats.org/presentationml/2006/main" saveSubsetFonts="1" autoCompressPictures="0">
   <p:sldMasterIdLst>
-    <p:sldMasterId id="2147483648" r:id="rId1"/>
+    <p:sldMasterId id="2147483648" r:id="rId4"/>
   </p:sldMasterIdLst>
   <p:notesMasterIdLst>
-    <p:notesMasterId r:id="rId15"/>
+    <p:notesMasterId r:id="rId20"/>
   </p:notesMasterIdLst>
   <p:handoutMasterIdLst>
-    <p:handoutMasterId r:id="rId16"/>
+    <p:handoutMasterId r:id="rId21"/>
   </p:handoutMasterIdLst>
   <p:sldIdLst>
-    <p:sldId id="256" r:id="rId2"/>
-    <p:sldId id="270" r:id="rId3"/>
-    <p:sldId id="264" r:id="rId4"/>
-    <p:sldId id="257" r:id="rId5"/>
-    <p:sldId id="258" r:id="rId6"/>
-    <p:sldId id="268" r:id="rId7"/>
-    <p:sldId id="259" r:id="rId8"/>
-    <p:sldId id="269" r:id="rId9"/>
-    <p:sldId id="260" r:id="rId10"/>
-    <p:sldId id="261" r:id="rId11"/>
-    <p:sldId id="265" r:id="rId12"/>
-    <p:sldId id="266" r:id="rId13"/>
-    <p:sldId id="262" r:id="rId14"/>
+    <p:sldId id="256" r:id="rId5"/>
+    <p:sldId id="270" r:id="rId6"/>
+    <p:sldId id="264" r:id="rId7"/>
+    <p:sldId id="257" r:id="rId8"/>
+    <p:sldId id="258" r:id="rId9"/>
+    <p:sldId id="259" r:id="rId10"/>
+    <p:sldId id="271" r:id="rId11"/>
+    <p:sldId id="272" r:id="rId12"/>
+    <p:sldId id="260" r:id="rId13"/>
+    <p:sldId id="261" r:id="rId14"/>
+    <p:sldId id="268" r:id="rId15"/>
+    <p:sldId id="269" r:id="rId16"/>
+    <p:sldId id="265" r:id="rId17"/>
+    <p:sldId id="266" r:id="rId18"/>
+    <p:sldId id="262" r:id="rId19"/>
   </p:sldIdLst>
   <p:sldSz cx="13817600" cy="7772400"/>
   <p:notesSz cx="6858000" cy="9144000"/>
@@ -147,51 +149,287 @@
 <file path=ppt/changesInfos/changesInfo1.xml><?xml version="1.0" encoding="utf-8"?>
 <pc:chgInfo xmlns:a="http://schemas.openxmlformats.org/drawingml/2006/main" xmlns:r="http://schemas.openxmlformats.org/officeDocument/2006/relationships" xmlns:ac="http://schemas.microsoft.com/office/drawing/2013/main/command" xmlns:pc="http://schemas.microsoft.com/office/powerpoint/2013/main/command">
   <pc:docChgLst>
-    <pc:chgData name="Moraes,Marcia" userId="c9c67e8a-58e2-4733-9a1c-5d44fec4775b" providerId="ADAL" clId="{86E1F4F7-B7F7-4ADE-97A6-24723EA503E7}"/>
-    <pc:docChg chg="custSel modSld">
-      <pc:chgData name="Moraes,Marcia" userId="c9c67e8a-58e2-4733-9a1c-5d44fec4775b" providerId="ADAL" clId="{86E1F4F7-B7F7-4ADE-97A6-24723EA503E7}" dt="2022-08-19T14:48:48.774" v="28" actId="478"/>
+    <pc:chgData name="Moraes,Marcia" userId="c9c67e8a-58e2-4733-9a1c-5d44fec4775b" providerId="ADAL" clId="{855530AE-2A12-49C5-A4EF-72AB02B4522F}"/>
+    <pc:docChg chg="undo custSel addSld modSld sldOrd modMainMaster">
+      <pc:chgData name="Moraes,Marcia" userId="c9c67e8a-58e2-4733-9a1c-5d44fec4775b" providerId="ADAL" clId="{855530AE-2A12-49C5-A4EF-72AB02B4522F}" dt="2023-01-29T23:53:38.353" v="1103" actId="20577"/>
       <pc:docMkLst>
         <pc:docMk/>
       </pc:docMkLst>
-      <pc:sldChg chg="delSp modSp mod">
-        <pc:chgData name="Moraes,Marcia" userId="c9c67e8a-58e2-4733-9a1c-5d44fec4775b" providerId="ADAL" clId="{86E1F4F7-B7F7-4ADE-97A6-24723EA503E7}" dt="2022-08-19T14:48:48.774" v="28" actId="478"/>
+      <pc:sldChg chg="ord">
+        <pc:chgData name="Moraes,Marcia" userId="c9c67e8a-58e2-4733-9a1c-5d44fec4775b" providerId="ADAL" clId="{855530AE-2A12-49C5-A4EF-72AB02B4522F}" dt="2023-01-29T23:16:44.854" v="340"/>
         <pc:sldMkLst>
           <pc:docMk/>
-          <pc:sldMk cId="876244202" sldId="270"/>
+          <pc:sldMk cId="2027279746" sldId="259"/>
         </pc:sldMkLst>
-        <pc:spChg chg="del mod">
-          <ac:chgData name="Moraes,Marcia" userId="c9c67e8a-58e2-4733-9a1c-5d44fec4775b" providerId="ADAL" clId="{86E1F4F7-B7F7-4ADE-97A6-24723EA503E7}" dt="2022-08-19T14:48:48.774" v="28" actId="478"/>
+      </pc:sldChg>
+      <pc:sldChg chg="ord">
+        <pc:chgData name="Moraes,Marcia" userId="c9c67e8a-58e2-4733-9a1c-5d44fec4775b" providerId="ADAL" clId="{855530AE-2A12-49C5-A4EF-72AB02B4522F}" dt="2023-01-29T23:16:58.659" v="341"/>
+        <pc:sldMkLst>
+          <pc:docMk/>
+          <pc:sldMk cId="1852027059" sldId="260"/>
+        </pc:sldMkLst>
+      </pc:sldChg>
+      <pc:sldChg chg="ord">
+        <pc:chgData name="Moraes,Marcia" userId="c9c67e8a-58e2-4733-9a1c-5d44fec4775b" providerId="ADAL" clId="{855530AE-2A12-49C5-A4EF-72AB02B4522F}" dt="2023-01-29T23:17:34.978" v="342"/>
+        <pc:sldMkLst>
+          <pc:docMk/>
+          <pc:sldMk cId="2992215749" sldId="261"/>
+        </pc:sldMkLst>
+      </pc:sldChg>
+      <pc:sldChg chg="addSp delSp modSp delAnim">
+        <pc:chgData name="Moraes,Marcia" userId="c9c67e8a-58e2-4733-9a1c-5d44fec4775b" providerId="ADAL" clId="{855530AE-2A12-49C5-A4EF-72AB02B4522F}" dt="2023-01-29T23:14:56.154" v="339" actId="1076"/>
+        <pc:sldMkLst>
+          <pc:docMk/>
+          <pc:sldMk cId="43283813" sldId="264"/>
+        </pc:sldMkLst>
+        <pc:spChg chg="mod">
+          <ac:chgData name="Moraes,Marcia" userId="c9c67e8a-58e2-4733-9a1c-5d44fec4775b" providerId="ADAL" clId="{855530AE-2A12-49C5-A4EF-72AB02B4522F}" dt="2023-01-29T23:14:36.199" v="336" actId="20577"/>
           <ac:spMkLst>
             <pc:docMk/>
-            <pc:sldMk cId="876244202" sldId="270"/>
-            <ac:spMk id="9" creationId="{B06B4A78-C810-42EF-9A72-6B2BEA732F0E}"/>
+            <pc:sldMk cId="43283813" sldId="264"/>
+            <ac:spMk id="2" creationId="{83DD6C50-9D9F-9842-A32B-19B9DF43486E}"/>
+          </ac:spMkLst>
+        </pc:spChg>
+        <pc:spChg chg="add del mod">
+          <ac:chgData name="Moraes,Marcia" userId="c9c67e8a-58e2-4733-9a1c-5d44fec4775b" providerId="ADAL" clId="{855530AE-2A12-49C5-A4EF-72AB02B4522F}" dt="2023-01-29T23:14:56.154" v="339" actId="1076"/>
+          <ac:spMkLst>
+            <pc:docMk/>
+            <pc:sldMk cId="43283813" sldId="264"/>
+            <ac:spMk id="8" creationId="{42CAB46C-2D5A-466F-ACC8-A913721D5440}"/>
+          </ac:spMkLst>
+        </pc:spChg>
+        <pc:spChg chg="del">
+          <ac:chgData name="Moraes,Marcia" userId="c9c67e8a-58e2-4733-9a1c-5d44fec4775b" providerId="ADAL" clId="{855530AE-2A12-49C5-A4EF-72AB02B4522F}" dt="2023-01-29T23:08:54.663" v="7" actId="478"/>
+          <ac:spMkLst>
+            <pc:docMk/>
+            <pc:sldMk cId="43283813" sldId="264"/>
+            <ac:spMk id="9" creationId="{7F47CCFC-63FE-431E-BEDE-18869D514285}"/>
+          </ac:spMkLst>
+        </pc:spChg>
+        <pc:spChg chg="del">
+          <ac:chgData name="Moraes,Marcia" userId="c9c67e8a-58e2-4733-9a1c-5d44fec4775b" providerId="ADAL" clId="{855530AE-2A12-49C5-A4EF-72AB02B4522F}" dt="2023-01-29T23:08:41.516" v="3" actId="478"/>
+          <ac:spMkLst>
+            <pc:docMk/>
+            <pc:sldMk cId="43283813" sldId="264"/>
+            <ac:spMk id="10" creationId="{4B5CE85D-FF7C-4B09-852D-36A7AF1F57F3}"/>
+          </ac:spMkLst>
+        </pc:spChg>
+        <pc:spChg chg="del">
+          <ac:chgData name="Moraes,Marcia" userId="c9c67e8a-58e2-4733-9a1c-5d44fec4775b" providerId="ADAL" clId="{855530AE-2A12-49C5-A4EF-72AB02B4522F}" dt="2023-01-29T23:08:54.663" v="7" actId="478"/>
+          <ac:spMkLst>
+            <pc:docMk/>
+            <pc:sldMk cId="43283813" sldId="264"/>
+            <ac:spMk id="11" creationId="{DBC96204-A3FF-4169-B886-70750A703A34}"/>
+          </ac:spMkLst>
+        </pc:spChg>
+        <pc:spChg chg="del">
+          <ac:chgData name="Moraes,Marcia" userId="c9c67e8a-58e2-4733-9a1c-5d44fec4775b" providerId="ADAL" clId="{855530AE-2A12-49C5-A4EF-72AB02B4522F}" dt="2023-01-29T23:08:54.663" v="7" actId="478"/>
+          <ac:spMkLst>
+            <pc:docMk/>
+            <pc:sldMk cId="43283813" sldId="264"/>
+            <ac:spMk id="12" creationId="{8042A1A1-6E85-4749-AC5E-7ABEFC4F0107}"/>
+          </ac:spMkLst>
+        </pc:spChg>
+        <pc:spChg chg="del">
+          <ac:chgData name="Moraes,Marcia" userId="c9c67e8a-58e2-4733-9a1c-5d44fec4775b" providerId="ADAL" clId="{855530AE-2A12-49C5-A4EF-72AB02B4522F}" dt="2023-01-29T23:08:54.663" v="7" actId="478"/>
+          <ac:spMkLst>
+            <pc:docMk/>
+            <pc:sldMk cId="43283813" sldId="264"/>
+            <ac:spMk id="13" creationId="{381023EC-747D-42C2-8B80-5FCABB2BC1DB}"/>
+          </ac:spMkLst>
+        </pc:spChg>
+        <pc:spChg chg="del">
+          <ac:chgData name="Moraes,Marcia" userId="c9c67e8a-58e2-4733-9a1c-5d44fec4775b" providerId="ADAL" clId="{855530AE-2A12-49C5-A4EF-72AB02B4522F}" dt="2023-01-29T23:08:54.663" v="7" actId="478"/>
+          <ac:spMkLst>
+            <pc:docMk/>
+            <pc:sldMk cId="43283813" sldId="264"/>
+            <ac:spMk id="14" creationId="{AC6ABD88-72A7-4260-9077-6481BB1D2232}"/>
+          </ac:spMkLst>
+        </pc:spChg>
+        <pc:spChg chg="del">
+          <ac:chgData name="Moraes,Marcia" userId="c9c67e8a-58e2-4733-9a1c-5d44fec4775b" providerId="ADAL" clId="{855530AE-2A12-49C5-A4EF-72AB02B4522F}" dt="2023-01-29T23:08:54.663" v="7" actId="478"/>
+          <ac:spMkLst>
+            <pc:docMk/>
+            <pc:sldMk cId="43283813" sldId="264"/>
+            <ac:spMk id="15" creationId="{6540EDA1-B0AD-47A4-9C61-E2B44D58BCCD}"/>
           </ac:spMkLst>
         </pc:spChg>
       </pc:sldChg>
-    </pc:docChg>
-  </pc:docChgLst>
-  <pc:docChgLst>
-    <pc:chgData name="Moraes,Marcia" userId="c9c67e8a-58e2-4733-9a1c-5d44fec4775b" providerId="ADAL" clId="{2643F433-1038-4849-B59A-84215725AEEF}"/>
-    <pc:docChg chg="custSel modSld">
-      <pc:chgData name="Moraes,Marcia" userId="c9c67e8a-58e2-4733-9a1c-5d44fec4775b" providerId="ADAL" clId="{2643F433-1038-4849-B59A-84215725AEEF}" dt="2022-08-19T01:43:01.672" v="0" actId="478"/>
-      <pc:docMkLst>
-        <pc:docMk/>
-      </pc:docMkLst>
-      <pc:sldChg chg="delSp mod">
-        <pc:chgData name="Moraes,Marcia" userId="c9c67e8a-58e2-4733-9a1c-5d44fec4775b" providerId="ADAL" clId="{2643F433-1038-4849-B59A-84215725AEEF}" dt="2022-08-19T01:43:01.672" v="0" actId="478"/>
+      <pc:sldChg chg="modSp">
+        <pc:chgData name="Moraes,Marcia" userId="c9c67e8a-58e2-4733-9a1c-5d44fec4775b" providerId="ADAL" clId="{855530AE-2A12-49C5-A4EF-72AB02B4522F}" dt="2023-01-29T23:51:57.130" v="1077" actId="20577"/>
         <pc:sldMkLst>
           <pc:docMk/>
-          <pc:sldMk cId="876244202" sldId="270"/>
+          <pc:sldMk cId="1154569864" sldId="268"/>
         </pc:sldMkLst>
-        <pc:spChg chg="del">
-          <ac:chgData name="Moraes,Marcia" userId="c9c67e8a-58e2-4733-9a1c-5d44fec4775b" providerId="ADAL" clId="{2643F433-1038-4849-B59A-84215725AEEF}" dt="2022-08-19T01:43:01.672" v="0" actId="478"/>
+        <pc:spChg chg="mod">
+          <ac:chgData name="Moraes,Marcia" userId="c9c67e8a-58e2-4733-9a1c-5d44fec4775b" providerId="ADAL" clId="{855530AE-2A12-49C5-A4EF-72AB02B4522F}" dt="2023-01-29T23:51:57.130" v="1077" actId="20577"/>
           <ac:spMkLst>
             <pc:docMk/>
-            <pc:sldMk cId="876244202" sldId="270"/>
-            <ac:spMk id="7" creationId="{CB1D3C32-157D-4AB2-8254-1075DFAB882C}"/>
+            <pc:sldMk cId="1154569864" sldId="268"/>
+            <ac:spMk id="2" creationId="{6A5ACB51-79B1-3641-B014-C0C80F9AAB6F}"/>
           </ac:spMkLst>
         </pc:spChg>
       </pc:sldChg>
+      <pc:sldChg chg="addSp delSp modSp add delAnim modAnim">
+        <pc:chgData name="Moraes,Marcia" userId="c9c67e8a-58e2-4733-9a1c-5d44fec4775b" providerId="ADAL" clId="{855530AE-2A12-49C5-A4EF-72AB02B4522F}" dt="2023-01-29T23:53:22.309" v="1090" actId="20577"/>
+        <pc:sldMkLst>
+          <pc:docMk/>
+          <pc:sldMk cId="3265938945" sldId="271"/>
+        </pc:sldMkLst>
+        <pc:spChg chg="mod">
+          <ac:chgData name="Moraes,Marcia" userId="c9c67e8a-58e2-4733-9a1c-5d44fec4775b" providerId="ADAL" clId="{855530AE-2A12-49C5-A4EF-72AB02B4522F}" dt="2023-01-29T23:53:22.309" v="1090" actId="20577"/>
+          <ac:spMkLst>
+            <pc:docMk/>
+            <pc:sldMk cId="3265938945" sldId="271"/>
+            <ac:spMk id="2" creationId="{F8787ADA-CBAE-4F40-8D7B-B49545ABD6DD}"/>
+          </ac:spMkLst>
+        </pc:spChg>
+        <pc:spChg chg="mod">
+          <ac:chgData name="Moraes,Marcia" userId="c9c67e8a-58e2-4733-9a1c-5d44fec4775b" providerId="ADAL" clId="{855530AE-2A12-49C5-A4EF-72AB02B4522F}" dt="2023-01-29T23:31:02.616" v="698" actId="20577"/>
+          <ac:spMkLst>
+            <pc:docMk/>
+            <pc:sldMk cId="3265938945" sldId="271"/>
+            <ac:spMk id="3" creationId="{18B63810-99DF-5947-AEB3-98BFCC0D0C44}"/>
+          </ac:spMkLst>
+        </pc:spChg>
+        <pc:spChg chg="del">
+          <ac:chgData name="Moraes,Marcia" userId="c9c67e8a-58e2-4733-9a1c-5d44fec4775b" providerId="ADAL" clId="{855530AE-2A12-49C5-A4EF-72AB02B4522F}" dt="2023-01-29T23:21:02.982" v="652" actId="478"/>
+          <ac:spMkLst>
+            <pc:docMk/>
+            <pc:sldMk cId="3265938945" sldId="271"/>
+            <ac:spMk id="4" creationId="{C09C2107-6E4C-4B4B-9688-13F50F01E673}"/>
+          </ac:spMkLst>
+        </pc:spChg>
+        <pc:spChg chg="del">
+          <ac:chgData name="Moraes,Marcia" userId="c9c67e8a-58e2-4733-9a1c-5d44fec4775b" providerId="ADAL" clId="{855530AE-2A12-49C5-A4EF-72AB02B4522F}" dt="2023-01-29T23:21:04.508" v="653" actId="478"/>
+          <ac:spMkLst>
+            <pc:docMk/>
+            <pc:sldMk cId="3265938945" sldId="271"/>
+            <ac:spMk id="5" creationId="{6A2C0F37-DE6A-C54E-872A-6094374694F6}"/>
+          </ac:spMkLst>
+        </pc:spChg>
+        <pc:spChg chg="add mod">
+          <ac:chgData name="Moraes,Marcia" userId="c9c67e8a-58e2-4733-9a1c-5d44fec4775b" providerId="ADAL" clId="{855530AE-2A12-49C5-A4EF-72AB02B4522F}" dt="2023-01-29T23:29:11.742" v="661" actId="1076"/>
+          <ac:spMkLst>
+            <pc:docMk/>
+            <pc:sldMk cId="3265938945" sldId="271"/>
+            <ac:spMk id="6" creationId="{F121217A-48EE-48F5-8726-2F9105887A61}"/>
+          </ac:spMkLst>
+        </pc:spChg>
+        <pc:spChg chg="del">
+          <ac:chgData name="Moraes,Marcia" userId="c9c67e8a-58e2-4733-9a1c-5d44fec4775b" providerId="ADAL" clId="{855530AE-2A12-49C5-A4EF-72AB02B4522F}" dt="2023-01-29T23:21:05.586" v="654" actId="478"/>
+          <ac:spMkLst>
+            <pc:docMk/>
+            <pc:sldMk cId="3265938945" sldId="271"/>
+            <ac:spMk id="7" creationId="{0B3EF042-33BF-FF4F-A4D4-0EE79BD11192}"/>
+          </ac:spMkLst>
+        </pc:spChg>
+        <pc:spChg chg="add mod">
+          <ac:chgData name="Moraes,Marcia" userId="c9c67e8a-58e2-4733-9a1c-5d44fec4775b" providerId="ADAL" clId="{855530AE-2A12-49C5-A4EF-72AB02B4522F}" dt="2023-01-29T23:32:26.842" v="890" actId="1076"/>
+          <ac:spMkLst>
+            <pc:docMk/>
+            <pc:sldMk cId="3265938945" sldId="271"/>
+            <ac:spMk id="8" creationId="{D6281277-9FDA-4295-A868-0A99FFBD9FBB}"/>
+          </ac:spMkLst>
+        </pc:spChg>
+      </pc:sldChg>
+      <pc:sldChg chg="addSp delSp modSp add delAnim">
+        <pc:chgData name="Moraes,Marcia" userId="c9c67e8a-58e2-4733-9a1c-5d44fec4775b" providerId="ADAL" clId="{855530AE-2A12-49C5-A4EF-72AB02B4522F}" dt="2023-01-29T23:53:38.353" v="1103" actId="20577"/>
+        <pc:sldMkLst>
+          <pc:docMk/>
+          <pc:sldMk cId="3620451227" sldId="272"/>
+        </pc:sldMkLst>
+        <pc:spChg chg="mod">
+          <ac:chgData name="Moraes,Marcia" userId="c9c67e8a-58e2-4733-9a1c-5d44fec4775b" providerId="ADAL" clId="{855530AE-2A12-49C5-A4EF-72AB02B4522F}" dt="2023-01-29T23:53:38.353" v="1103" actId="20577"/>
+          <ac:spMkLst>
+            <pc:docMk/>
+            <pc:sldMk cId="3620451227" sldId="272"/>
+            <ac:spMk id="2" creationId="{F8787ADA-CBAE-4F40-8D7B-B49545ABD6DD}"/>
+          </ac:spMkLst>
+        </pc:spChg>
+        <pc:spChg chg="mod">
+          <ac:chgData name="Moraes,Marcia" userId="c9c67e8a-58e2-4733-9a1c-5d44fec4775b" providerId="ADAL" clId="{855530AE-2A12-49C5-A4EF-72AB02B4522F}" dt="2023-01-29T23:41:23.856" v="966" actId="20577"/>
+          <ac:spMkLst>
+            <pc:docMk/>
+            <pc:sldMk cId="3620451227" sldId="272"/>
+            <ac:spMk id="3" creationId="{18B63810-99DF-5947-AEB3-98BFCC0D0C44}"/>
+          </ac:spMkLst>
+        </pc:spChg>
+        <pc:spChg chg="add del">
+          <ac:chgData name="Moraes,Marcia" userId="c9c67e8a-58e2-4733-9a1c-5d44fec4775b" providerId="ADAL" clId="{855530AE-2A12-49C5-A4EF-72AB02B4522F}" dt="2023-01-29T23:48:38.508" v="1053"/>
+          <ac:spMkLst>
+            <pc:docMk/>
+            <pc:sldMk cId="3620451227" sldId="272"/>
+            <ac:spMk id="4" creationId="{9C341A3B-E657-4B95-8964-E76FCC685879}"/>
+          </ac:spMkLst>
+        </pc:spChg>
+        <pc:spChg chg="add mod">
+          <ac:chgData name="Moraes,Marcia" userId="c9c67e8a-58e2-4733-9a1c-5d44fec4775b" providerId="ADAL" clId="{855530AE-2A12-49C5-A4EF-72AB02B4522F}" dt="2023-01-29T23:49:26.425" v="1071" actId="14100"/>
+          <ac:spMkLst>
+            <pc:docMk/>
+            <pc:sldMk cId="3620451227" sldId="272"/>
+            <ac:spMk id="5" creationId="{46B3365D-5138-49C7-BF9E-D7DA50CA654A}"/>
+          </ac:spMkLst>
+        </pc:spChg>
+        <pc:spChg chg="del mod">
+          <ac:chgData name="Moraes,Marcia" userId="c9c67e8a-58e2-4733-9a1c-5d44fec4775b" providerId="ADAL" clId="{855530AE-2A12-49C5-A4EF-72AB02B4522F}" dt="2023-01-29T23:48:41.656" v="1054" actId="478"/>
+          <ac:spMkLst>
+            <pc:docMk/>
+            <pc:sldMk cId="3620451227" sldId="272"/>
+            <ac:spMk id="6" creationId="{F121217A-48EE-48F5-8726-2F9105887A61}"/>
+          </ac:spMkLst>
+        </pc:spChg>
+        <pc:spChg chg="del">
+          <ac:chgData name="Moraes,Marcia" userId="c9c67e8a-58e2-4733-9a1c-5d44fec4775b" providerId="ADAL" clId="{855530AE-2A12-49C5-A4EF-72AB02B4522F}" dt="2023-01-29T23:41:28.312" v="967" actId="478"/>
+          <ac:spMkLst>
+            <pc:docMk/>
+            <pc:sldMk cId="3620451227" sldId="272"/>
+            <ac:spMk id="8" creationId="{D6281277-9FDA-4295-A868-0A99FFBD9FBB}"/>
+          </ac:spMkLst>
+        </pc:spChg>
+      </pc:sldChg>
+      <pc:sldMasterChg chg="modSldLayout">
+        <pc:chgData name="Moraes,Marcia" userId="c9c67e8a-58e2-4733-9a1c-5d44fec4775b" providerId="ADAL" clId="{855530AE-2A12-49C5-A4EF-72AB02B4522F}" dt="2023-01-29T23:18:59.475" v="424" actId="20577"/>
+        <pc:sldMasterMkLst>
+          <pc:docMk/>
+          <pc:sldMasterMk cId="3965733437" sldId="2147483648"/>
+        </pc:sldMasterMkLst>
+        <pc:sldLayoutChg chg="modSp">
+          <pc:chgData name="Moraes,Marcia" userId="c9c67e8a-58e2-4733-9a1c-5d44fec4775b" providerId="ADAL" clId="{855530AE-2A12-49C5-A4EF-72AB02B4522F}" dt="2023-01-29T23:18:59.475" v="424" actId="20577"/>
+          <pc:sldLayoutMkLst>
+            <pc:docMk/>
+            <pc:sldMasterMk cId="3965733437" sldId="2147483648"/>
+            <pc:sldLayoutMk cId="0" sldId="2147483689"/>
+          </pc:sldLayoutMkLst>
+          <pc:spChg chg="mod">
+            <ac:chgData name="Moraes,Marcia" userId="c9c67e8a-58e2-4733-9a1c-5d44fec4775b" providerId="ADAL" clId="{855530AE-2A12-49C5-A4EF-72AB02B4522F}" dt="2023-01-29T23:18:34.451" v="344" actId="1076"/>
+            <ac:spMkLst>
+              <pc:docMk/>
+              <pc:sldMasterMk cId="3965733437" sldId="2147483648"/>
+              <pc:sldLayoutMk cId="0" sldId="2147483689"/>
+              <ac:spMk id="9" creationId="{518974DB-51D0-2C49-9088-48CE2D84AB1C}"/>
+            </ac:spMkLst>
+          </pc:spChg>
+          <pc:spChg chg="mod">
+            <ac:chgData name="Moraes,Marcia" userId="c9c67e8a-58e2-4733-9a1c-5d44fec4775b" providerId="ADAL" clId="{855530AE-2A12-49C5-A4EF-72AB02B4522F}" dt="2023-01-29T23:18:59.475" v="424" actId="20577"/>
+            <ac:spMkLst>
+              <pc:docMk/>
+              <pc:sldMasterMk cId="3965733437" sldId="2147483648"/>
+              <pc:sldLayoutMk cId="0" sldId="2147483689"/>
+              <ac:spMk id="11" creationId="{F621E987-BD36-AF48-B11C-CC4BAD65092F}"/>
+            </ac:spMkLst>
+          </pc:spChg>
+          <pc:picChg chg="mod">
+            <ac:chgData name="Moraes,Marcia" userId="c9c67e8a-58e2-4733-9a1c-5d44fec4775b" providerId="ADAL" clId="{855530AE-2A12-49C5-A4EF-72AB02B4522F}" dt="2023-01-29T23:18:32.567" v="343" actId="1076"/>
+            <ac:picMkLst>
+              <pc:docMk/>
+              <pc:sldMasterMk cId="3965733437" sldId="2147483648"/>
+              <pc:sldLayoutMk cId="0" sldId="2147483689"/>
+              <ac:picMk id="7" creationId="{00000000-0000-0000-0000-000000000000}"/>
+            </ac:picMkLst>
+          </pc:picChg>
+        </pc:sldLayoutChg>
+      </pc:sldMasterChg>
     </pc:docChg>
   </pc:docChgLst>
 </pc:chgInfo>
@@ -279,7 +517,7 @@
           <a:p>
             <a:fld id="{4D7E51A5-B478-1E40-8CBB-0DAA8831E99D}" type="datetimeFigureOut">
               <a:rPr lang="en-US" smtClean="0"/>
-              <a:t>8/19/2022</a:t>
+              <a:t>1/29/2023</a:t>
             </a:fld>
             <a:endParaRPr lang="en-US"/>
           </a:p>
@@ -444,7 +682,7 @@
           <a:p>
             <a:fld id="{D0ED587F-861E-6740-9643-E3DDAE89B8D6}" type="datetimeFigureOut">
               <a:rPr lang="en-US" smtClean="0"/>
-              <a:t>8/19/2022</a:t>
+              <a:t>1/29/2023</a:t>
             </a:fld>
             <a:endParaRPr lang="en-US"/>
           </a:p>
@@ -4337,7 +4575,7 @@
         </p:blipFill>
         <p:spPr>
           <a:xfrm>
-            <a:off x="9827882" y="6733969"/>
+            <a:off x="9827882" y="6393597"/>
             <a:ext cx="3520440" cy="787424"/>
           </a:xfrm>
           <a:prstGeom prst="rect">
@@ -4359,7 +4597,7 @@
         </p:nvSpPr>
         <p:spPr>
           <a:xfrm>
-            <a:off x="10549054" y="7264322"/>
+            <a:off x="10549054" y="7040393"/>
             <a:ext cx="2497873" cy="276999"/>
           </a:xfrm>
           <a:prstGeom prst="rect">
@@ -4398,8 +4636,8 @@
         </p:nvSpPr>
         <p:spPr>
           <a:xfrm>
-            <a:off x="9287446" y="7508206"/>
-            <a:ext cx="4601311" cy="246221"/>
+            <a:off x="9287446" y="7285414"/>
+            <a:ext cx="4601311" cy="400110"/>
           </a:xfrm>
           <a:prstGeom prst="rect">
             <a:avLst/>
@@ -4427,27 +4665,7 @@
                 <a:effectLst/>
                 <a:latin typeface="Proxima Nova"/>
               </a:rPr>
-              <a:t>Slides Originally Created by Albert Lionelle (</a:t>
-            </a:r>
-            <a:r>
-              <a:rPr lang="en-US" sz="1000" b="0" i="0" u="none" strike="noStrike" dirty="0" err="1">
-                <a:solidFill>
-                  <a:srgbClr val="7F7F7F"/>
-                </a:solidFill>
-                <a:effectLst/>
-                <a:latin typeface="Proxima Nova"/>
-              </a:rPr>
-              <a:t>Albert.Lionelle@colostate.edu</a:t>
-            </a:r>
-            <a:r>
-              <a:rPr lang="en-US" sz="1000" b="0" i="0" u="none" strike="noStrike" dirty="0">
-                <a:solidFill>
-                  <a:srgbClr val="7F7F7F"/>
-                </a:solidFill>
-                <a:effectLst/>
-                <a:latin typeface="Proxima Nova"/>
-              </a:rPr>
-              <a:t>)</a:t>
+              <a:t>Slides Originally Created by Albert Lionelle (Albert.Lionelle@colostate.edu), updated by Marcia Moraes (marcia.moraes@colostate.edu)</a:t>
             </a:r>
             <a:endParaRPr lang="en-US" sz="1000" b="0" dirty="0">
               <a:solidFill>
@@ -8277,6 +8495,1254 @@
           <p:cNvPr id="2" name="Title 1">
             <a:extLst>
               <a:ext uri="{FF2B5EF4-FFF2-40B4-BE49-F238E27FC236}">
+                <a16:creationId xmlns:a16="http://schemas.microsoft.com/office/drawing/2014/main" id="{6A5ACB51-79B1-3641-B014-C0C80F9AAB6F}"/>
+              </a:ext>
+            </a:extLst>
+          </p:cNvPr>
+          <p:cNvSpPr>
+            <a:spLocks noGrp="1"/>
+          </p:cNvSpPr>
+          <p:nvPr>
+            <p:ph type="title"/>
+          </p:nvPr>
+        </p:nvSpPr>
+        <p:spPr/>
+        <p:txBody>
+          <a:bodyPr/>
+          <a:lstStyle/>
+          <a:p>
+            <a:r>
+              <a:rPr lang="en-US" dirty="0"/>
+              <a:t>In Class Activity: Group Practice 1</a:t>
+            </a:r>
+          </a:p>
+        </p:txBody>
+      </p:sp>
+      <p:sp>
+        <p:nvSpPr>
+          <p:cNvPr id="3" name="Text Placeholder 2">
+            <a:extLst>
+              <a:ext uri="{FF2B5EF4-FFF2-40B4-BE49-F238E27FC236}">
+                <a16:creationId xmlns:a16="http://schemas.microsoft.com/office/drawing/2014/main" id="{B8B00D82-A444-8540-A961-58D2BA6C1693}"/>
+              </a:ext>
+            </a:extLst>
+          </p:cNvPr>
+          <p:cNvSpPr>
+            <a:spLocks noGrp="1"/>
+          </p:cNvSpPr>
+          <p:nvPr>
+            <p:ph type="body" sz="quarter" idx="10"/>
+          </p:nvPr>
+        </p:nvSpPr>
+        <p:spPr>
+          <a:xfrm>
+            <a:off x="628075" y="1776683"/>
+            <a:ext cx="12561453" cy="481350"/>
+          </a:xfrm>
+        </p:spPr>
+        <p:txBody>
+          <a:bodyPr/>
+          <a:lstStyle/>
+          <a:p>
+            <a:r>
+              <a:rPr lang="en-US" dirty="0"/>
+              <a:t>Complete the following code with a conditional expression (available on canvas / in zyBooks)</a:t>
+            </a:r>
+          </a:p>
+        </p:txBody>
+      </p:sp>
+      <p:sp>
+        <p:nvSpPr>
+          <p:cNvPr id="5" name="TextBox 4">
+            <a:extLst>
+              <a:ext uri="{FF2B5EF4-FFF2-40B4-BE49-F238E27FC236}">
+                <a16:creationId xmlns:a16="http://schemas.microsoft.com/office/drawing/2014/main" id="{9A1F5827-1A17-7E4A-9A11-7CEC93EE05F0}"/>
+              </a:ext>
+            </a:extLst>
+          </p:cNvPr>
+          <p:cNvSpPr txBox="1"/>
+          <p:nvPr/>
+        </p:nvSpPr>
+        <p:spPr>
+          <a:xfrm>
+            <a:off x="1828800" y="2848739"/>
+            <a:ext cx="10160000" cy="2862322"/>
+          </a:xfrm>
+          <a:prstGeom prst="rect">
+            <a:avLst/>
+          </a:prstGeom>
+          <a:noFill/>
+        </p:spPr>
+        <p:txBody>
+          <a:bodyPr wrap="square">
+            <a:spAutoFit/>
+          </a:bodyPr>
+          <a:lstStyle/>
+          <a:p>
+            <a:r>
+              <a:rPr lang="en-US" dirty="0">
+                <a:solidFill>
+                  <a:srgbClr val="CC7832"/>
+                </a:solidFill>
+                <a:effectLst/>
+                <a:latin typeface="Consolas" panose="020B0609020204030204" pitchFamily="49" charset="0"/>
+                <a:cs typeface="Consolas" panose="020B0609020204030204" pitchFamily="49" charset="0"/>
+              </a:rPr>
+              <a:t>public static boolean </a:t>
+            </a:r>
+            <a:r>
+              <a:rPr lang="en-US" dirty="0">
+                <a:solidFill>
+                  <a:srgbClr val="FFC66D"/>
+                </a:solidFill>
+                <a:effectLst/>
+                <a:latin typeface="Consolas" panose="020B0609020204030204" pitchFamily="49" charset="0"/>
+                <a:cs typeface="Consolas" panose="020B0609020204030204" pitchFamily="49" charset="0"/>
+              </a:rPr>
+              <a:t>quickPractice1</a:t>
+            </a:r>
+            <a:r>
+              <a:rPr lang="en-US" dirty="0">
+                <a:latin typeface="Consolas" panose="020B0609020204030204" pitchFamily="49" charset="0"/>
+                <a:cs typeface="Consolas" panose="020B0609020204030204" pitchFamily="49" charset="0"/>
+              </a:rPr>
+              <a:t>(</a:t>
+            </a:r>
+            <a:r>
+              <a:rPr lang="en-US" dirty="0">
+                <a:solidFill>
+                  <a:srgbClr val="CC7832"/>
+                </a:solidFill>
+                <a:effectLst/>
+                <a:latin typeface="Consolas" panose="020B0609020204030204" pitchFamily="49" charset="0"/>
+                <a:cs typeface="Consolas" panose="020B0609020204030204" pitchFamily="49" charset="0"/>
+              </a:rPr>
+              <a:t>int </a:t>
+            </a:r>
+            <a:r>
+              <a:rPr lang="en-US" i="1" dirty="0">
+                <a:solidFill>
+                  <a:srgbClr val="9876AA"/>
+                </a:solidFill>
+                <a:effectLst/>
+                <a:latin typeface="Consolas" panose="020B0609020204030204" pitchFamily="49" charset="0"/>
+                <a:cs typeface="Consolas" panose="020B0609020204030204" pitchFamily="49" charset="0"/>
+              </a:rPr>
+              <a:t>value</a:t>
+            </a:r>
+            <a:r>
+              <a:rPr lang="en-US" dirty="0">
+                <a:latin typeface="Consolas" panose="020B0609020204030204" pitchFamily="49" charset="0"/>
+                <a:cs typeface="Consolas" panose="020B0609020204030204" pitchFamily="49" charset="0"/>
+              </a:rPr>
+              <a:t>) {</a:t>
+            </a:r>
+          </a:p>
+          <a:p>
+            <a:r>
+              <a:rPr lang="en-US" dirty="0">
+                <a:solidFill>
+                  <a:srgbClr val="808080"/>
+                </a:solidFill>
+                <a:latin typeface="Consolas" panose="020B0609020204030204" pitchFamily="49" charset="0"/>
+                <a:cs typeface="Consolas" panose="020B0609020204030204" pitchFamily="49" charset="0"/>
+              </a:rPr>
+              <a:t>      // just write the line of code that goes here!</a:t>
+            </a:r>
+            <a:br>
+              <a:rPr lang="en-US" dirty="0">
+                <a:latin typeface="Consolas" panose="020B0609020204030204" pitchFamily="49" charset="0"/>
+                <a:cs typeface="Consolas" panose="020B0609020204030204" pitchFamily="49" charset="0"/>
+              </a:rPr>
+            </a:br>
+            <a:r>
+              <a:rPr lang="en-US" dirty="0">
+                <a:latin typeface="Consolas" panose="020B0609020204030204" pitchFamily="49" charset="0"/>
+                <a:cs typeface="Consolas" panose="020B0609020204030204" pitchFamily="49" charset="0"/>
+              </a:rPr>
+              <a:t>}</a:t>
+            </a:r>
+            <a:br>
+              <a:rPr lang="en-US" dirty="0">
+                <a:latin typeface="Consolas" panose="020B0609020204030204" pitchFamily="49" charset="0"/>
+                <a:cs typeface="Consolas" panose="020B0609020204030204" pitchFamily="49" charset="0"/>
+              </a:rPr>
+            </a:br>
+            <a:br>
+              <a:rPr lang="en-US" dirty="0">
+                <a:latin typeface="Consolas" panose="020B0609020204030204" pitchFamily="49" charset="0"/>
+                <a:cs typeface="Consolas" panose="020B0609020204030204" pitchFamily="49" charset="0"/>
+              </a:rPr>
+            </a:br>
+            <a:r>
+              <a:rPr lang="en-US" dirty="0">
+                <a:solidFill>
+                  <a:srgbClr val="CC7832"/>
+                </a:solidFill>
+                <a:effectLst/>
+                <a:latin typeface="Consolas" panose="020B0609020204030204" pitchFamily="49" charset="0"/>
+                <a:cs typeface="Consolas" panose="020B0609020204030204" pitchFamily="49" charset="0"/>
+              </a:rPr>
+              <a:t>public static void </a:t>
+            </a:r>
+            <a:r>
+              <a:rPr lang="en-US" dirty="0">
+                <a:solidFill>
+                  <a:srgbClr val="FFC66D"/>
+                </a:solidFill>
+                <a:effectLst/>
+                <a:latin typeface="Consolas" panose="020B0609020204030204" pitchFamily="49" charset="0"/>
+                <a:cs typeface="Consolas" panose="020B0609020204030204" pitchFamily="49" charset="0"/>
+              </a:rPr>
+              <a:t>main</a:t>
+            </a:r>
+            <a:r>
+              <a:rPr lang="en-US" dirty="0">
+                <a:latin typeface="Consolas" panose="020B0609020204030204" pitchFamily="49" charset="0"/>
+                <a:cs typeface="Consolas" panose="020B0609020204030204" pitchFamily="49" charset="0"/>
+              </a:rPr>
+              <a:t>(String[] </a:t>
+            </a:r>
+            <a:r>
+              <a:rPr lang="en-US" i="1" dirty="0" err="1">
+                <a:solidFill>
+                  <a:srgbClr val="9876AA"/>
+                </a:solidFill>
+                <a:effectLst/>
+                <a:latin typeface="Consolas" panose="020B0609020204030204" pitchFamily="49" charset="0"/>
+                <a:cs typeface="Consolas" panose="020B0609020204030204" pitchFamily="49" charset="0"/>
+              </a:rPr>
+              <a:t>args</a:t>
+            </a:r>
+            <a:r>
+              <a:rPr lang="en-US" dirty="0">
+                <a:latin typeface="Consolas" panose="020B0609020204030204" pitchFamily="49" charset="0"/>
+                <a:cs typeface="Consolas" panose="020B0609020204030204" pitchFamily="49" charset="0"/>
+              </a:rPr>
+              <a:t>) {</a:t>
+            </a:r>
+            <a:br>
+              <a:rPr lang="en-US" dirty="0">
+                <a:latin typeface="Consolas" panose="020B0609020204030204" pitchFamily="49" charset="0"/>
+                <a:cs typeface="Consolas" panose="020B0609020204030204" pitchFamily="49" charset="0"/>
+              </a:rPr>
+            </a:br>
+            <a:r>
+              <a:rPr lang="en-US" dirty="0">
+                <a:latin typeface="Consolas" panose="020B0609020204030204" pitchFamily="49" charset="0"/>
+                <a:cs typeface="Consolas" panose="020B0609020204030204" pitchFamily="49" charset="0"/>
+              </a:rPr>
+              <a:t>    </a:t>
+            </a:r>
+            <a:r>
+              <a:rPr lang="en-US" dirty="0" err="1">
+                <a:latin typeface="Consolas" panose="020B0609020204030204" pitchFamily="49" charset="0"/>
+                <a:cs typeface="Consolas" panose="020B0609020204030204" pitchFamily="49" charset="0"/>
+              </a:rPr>
+              <a:t>System.</a:t>
+            </a:r>
+            <a:r>
+              <a:rPr lang="en-US" i="1" dirty="0" err="1">
+                <a:solidFill>
+                  <a:srgbClr val="9876AA"/>
+                </a:solidFill>
+                <a:effectLst/>
+                <a:latin typeface="Consolas" panose="020B0609020204030204" pitchFamily="49" charset="0"/>
+                <a:cs typeface="Consolas" panose="020B0609020204030204" pitchFamily="49" charset="0"/>
+              </a:rPr>
+              <a:t>out</a:t>
+            </a:r>
+            <a:r>
+              <a:rPr lang="en-US" dirty="0" err="1">
+                <a:latin typeface="Consolas" panose="020B0609020204030204" pitchFamily="49" charset="0"/>
+                <a:cs typeface="Consolas" panose="020B0609020204030204" pitchFamily="49" charset="0"/>
+              </a:rPr>
+              <a:t>.println</a:t>
+            </a:r>
+            <a:r>
+              <a:rPr lang="en-US" dirty="0">
+                <a:latin typeface="Consolas" panose="020B0609020204030204" pitchFamily="49" charset="0"/>
+                <a:cs typeface="Consolas" panose="020B0609020204030204" pitchFamily="49" charset="0"/>
+              </a:rPr>
+              <a:t>(</a:t>
+            </a:r>
+            <a:r>
+              <a:rPr lang="en-US" i="1" dirty="0">
+                <a:effectLst/>
+                <a:latin typeface="Consolas" panose="020B0609020204030204" pitchFamily="49" charset="0"/>
+                <a:cs typeface="Consolas" panose="020B0609020204030204" pitchFamily="49" charset="0"/>
+              </a:rPr>
+              <a:t>quickPractice1</a:t>
+            </a:r>
+            <a:r>
+              <a:rPr lang="en-US" dirty="0">
+                <a:latin typeface="Consolas" panose="020B0609020204030204" pitchFamily="49" charset="0"/>
+                <a:cs typeface="Consolas" panose="020B0609020204030204" pitchFamily="49" charset="0"/>
+              </a:rPr>
+              <a:t>(</a:t>
+            </a:r>
+            <a:r>
+              <a:rPr lang="en-US" dirty="0">
+                <a:solidFill>
+                  <a:srgbClr val="6897BB"/>
+                </a:solidFill>
+                <a:effectLst/>
+                <a:latin typeface="Consolas" panose="020B0609020204030204" pitchFamily="49" charset="0"/>
+                <a:cs typeface="Consolas" panose="020B0609020204030204" pitchFamily="49" charset="0"/>
+              </a:rPr>
+              <a:t>100</a:t>
+            </a:r>
+            <a:r>
+              <a:rPr lang="en-US" dirty="0">
+                <a:latin typeface="Consolas" panose="020B0609020204030204" pitchFamily="49" charset="0"/>
+                <a:cs typeface="Consolas" panose="020B0609020204030204" pitchFamily="49" charset="0"/>
+              </a:rPr>
+              <a:t>))</a:t>
+            </a:r>
+            <a:r>
+              <a:rPr lang="en-US" dirty="0">
+                <a:solidFill>
+                  <a:srgbClr val="CC7832"/>
+                </a:solidFill>
+                <a:effectLst/>
+                <a:latin typeface="Consolas" panose="020B0609020204030204" pitchFamily="49" charset="0"/>
+                <a:cs typeface="Consolas" panose="020B0609020204030204" pitchFamily="49" charset="0"/>
+              </a:rPr>
+              <a:t>;  </a:t>
+            </a:r>
+            <a:r>
+              <a:rPr lang="en-US" dirty="0">
+                <a:solidFill>
+                  <a:srgbClr val="808080"/>
+                </a:solidFill>
+                <a:effectLst/>
+                <a:latin typeface="Consolas" panose="020B0609020204030204" pitchFamily="49" charset="0"/>
+                <a:cs typeface="Consolas" panose="020B0609020204030204" pitchFamily="49" charset="0"/>
+              </a:rPr>
+              <a:t>// prints true</a:t>
+            </a:r>
+            <a:br>
+              <a:rPr lang="en-US" dirty="0">
+                <a:solidFill>
+                  <a:srgbClr val="808080"/>
+                </a:solidFill>
+                <a:effectLst/>
+                <a:latin typeface="Consolas" panose="020B0609020204030204" pitchFamily="49" charset="0"/>
+                <a:cs typeface="Consolas" panose="020B0609020204030204" pitchFamily="49" charset="0"/>
+              </a:rPr>
+            </a:br>
+            <a:r>
+              <a:rPr lang="en-US" dirty="0">
+                <a:solidFill>
+                  <a:srgbClr val="808080"/>
+                </a:solidFill>
+                <a:effectLst/>
+                <a:latin typeface="Consolas" panose="020B0609020204030204" pitchFamily="49" charset="0"/>
+                <a:cs typeface="Consolas" panose="020B0609020204030204" pitchFamily="49" charset="0"/>
+              </a:rPr>
+              <a:t>    </a:t>
+            </a:r>
+            <a:r>
+              <a:rPr lang="en-US" dirty="0" err="1">
+                <a:latin typeface="Consolas" panose="020B0609020204030204" pitchFamily="49" charset="0"/>
+                <a:cs typeface="Consolas" panose="020B0609020204030204" pitchFamily="49" charset="0"/>
+              </a:rPr>
+              <a:t>System.</a:t>
+            </a:r>
+            <a:r>
+              <a:rPr lang="en-US" i="1" dirty="0" err="1">
+                <a:solidFill>
+                  <a:srgbClr val="9876AA"/>
+                </a:solidFill>
+                <a:effectLst/>
+                <a:latin typeface="Consolas" panose="020B0609020204030204" pitchFamily="49" charset="0"/>
+                <a:cs typeface="Consolas" panose="020B0609020204030204" pitchFamily="49" charset="0"/>
+              </a:rPr>
+              <a:t>out</a:t>
+            </a:r>
+            <a:r>
+              <a:rPr lang="en-US" dirty="0" err="1">
+                <a:latin typeface="Consolas" panose="020B0609020204030204" pitchFamily="49" charset="0"/>
+                <a:cs typeface="Consolas" panose="020B0609020204030204" pitchFamily="49" charset="0"/>
+              </a:rPr>
+              <a:t>.println</a:t>
+            </a:r>
+            <a:r>
+              <a:rPr lang="en-US" dirty="0">
+                <a:latin typeface="Consolas" panose="020B0609020204030204" pitchFamily="49" charset="0"/>
+                <a:cs typeface="Consolas" panose="020B0609020204030204" pitchFamily="49" charset="0"/>
+              </a:rPr>
+              <a:t>(</a:t>
+            </a:r>
+            <a:r>
+              <a:rPr lang="en-US" i="1" dirty="0">
+                <a:effectLst/>
+                <a:latin typeface="Consolas" panose="020B0609020204030204" pitchFamily="49" charset="0"/>
+                <a:cs typeface="Consolas" panose="020B0609020204030204" pitchFamily="49" charset="0"/>
+              </a:rPr>
+              <a:t>quickPractice1</a:t>
+            </a:r>
+            <a:r>
+              <a:rPr lang="en-US" dirty="0">
+                <a:latin typeface="Consolas" panose="020B0609020204030204" pitchFamily="49" charset="0"/>
+                <a:cs typeface="Consolas" panose="020B0609020204030204" pitchFamily="49" charset="0"/>
+              </a:rPr>
+              <a:t>(</a:t>
+            </a:r>
+            <a:r>
+              <a:rPr lang="en-US" dirty="0">
+                <a:solidFill>
+                  <a:srgbClr val="6897BB"/>
+                </a:solidFill>
+                <a:effectLst/>
+                <a:latin typeface="Consolas" panose="020B0609020204030204" pitchFamily="49" charset="0"/>
+                <a:cs typeface="Consolas" panose="020B0609020204030204" pitchFamily="49" charset="0"/>
+              </a:rPr>
+              <a:t>101</a:t>
+            </a:r>
+            <a:r>
+              <a:rPr lang="en-US" dirty="0">
+                <a:latin typeface="Consolas" panose="020B0609020204030204" pitchFamily="49" charset="0"/>
+                <a:cs typeface="Consolas" panose="020B0609020204030204" pitchFamily="49" charset="0"/>
+              </a:rPr>
+              <a:t>))</a:t>
+            </a:r>
+            <a:r>
+              <a:rPr lang="en-US" dirty="0">
+                <a:solidFill>
+                  <a:srgbClr val="CC7832"/>
+                </a:solidFill>
+                <a:effectLst/>
+                <a:latin typeface="Consolas" panose="020B0609020204030204" pitchFamily="49" charset="0"/>
+                <a:cs typeface="Consolas" panose="020B0609020204030204" pitchFamily="49" charset="0"/>
+              </a:rPr>
+              <a:t>;  </a:t>
+            </a:r>
+            <a:r>
+              <a:rPr lang="en-US" dirty="0">
+                <a:solidFill>
+                  <a:srgbClr val="808080"/>
+                </a:solidFill>
+                <a:effectLst/>
+                <a:latin typeface="Consolas" panose="020B0609020204030204" pitchFamily="49" charset="0"/>
+                <a:cs typeface="Consolas" panose="020B0609020204030204" pitchFamily="49" charset="0"/>
+              </a:rPr>
+              <a:t>// prints true</a:t>
+            </a:r>
+            <a:br>
+              <a:rPr lang="en-US" dirty="0">
+                <a:solidFill>
+                  <a:srgbClr val="808080"/>
+                </a:solidFill>
+                <a:effectLst/>
+                <a:latin typeface="Consolas" panose="020B0609020204030204" pitchFamily="49" charset="0"/>
+                <a:cs typeface="Consolas" panose="020B0609020204030204" pitchFamily="49" charset="0"/>
+              </a:rPr>
+            </a:br>
+            <a:r>
+              <a:rPr lang="en-US" dirty="0">
+                <a:solidFill>
+                  <a:srgbClr val="808080"/>
+                </a:solidFill>
+                <a:effectLst/>
+                <a:latin typeface="Consolas" panose="020B0609020204030204" pitchFamily="49" charset="0"/>
+                <a:cs typeface="Consolas" panose="020B0609020204030204" pitchFamily="49" charset="0"/>
+              </a:rPr>
+              <a:t>    </a:t>
+            </a:r>
+            <a:r>
+              <a:rPr lang="en-US" dirty="0" err="1">
+                <a:latin typeface="Consolas" panose="020B0609020204030204" pitchFamily="49" charset="0"/>
+                <a:cs typeface="Consolas" panose="020B0609020204030204" pitchFamily="49" charset="0"/>
+              </a:rPr>
+              <a:t>System.</a:t>
+            </a:r>
+            <a:r>
+              <a:rPr lang="en-US" i="1" dirty="0" err="1">
+                <a:solidFill>
+                  <a:srgbClr val="9876AA"/>
+                </a:solidFill>
+                <a:effectLst/>
+                <a:latin typeface="Consolas" panose="020B0609020204030204" pitchFamily="49" charset="0"/>
+                <a:cs typeface="Consolas" panose="020B0609020204030204" pitchFamily="49" charset="0"/>
+              </a:rPr>
+              <a:t>out</a:t>
+            </a:r>
+            <a:r>
+              <a:rPr lang="en-US" dirty="0" err="1">
+                <a:latin typeface="Consolas" panose="020B0609020204030204" pitchFamily="49" charset="0"/>
+                <a:cs typeface="Consolas" panose="020B0609020204030204" pitchFamily="49" charset="0"/>
+              </a:rPr>
+              <a:t>.println</a:t>
+            </a:r>
+            <a:r>
+              <a:rPr lang="en-US" dirty="0">
+                <a:latin typeface="Consolas" panose="020B0609020204030204" pitchFamily="49" charset="0"/>
+                <a:cs typeface="Consolas" panose="020B0609020204030204" pitchFamily="49" charset="0"/>
+              </a:rPr>
+              <a:t>(</a:t>
+            </a:r>
+            <a:r>
+              <a:rPr lang="en-US" i="1" dirty="0">
+                <a:effectLst/>
+                <a:latin typeface="Consolas" panose="020B0609020204030204" pitchFamily="49" charset="0"/>
+                <a:cs typeface="Consolas" panose="020B0609020204030204" pitchFamily="49" charset="0"/>
+              </a:rPr>
+              <a:t>quickPractice1</a:t>
+            </a:r>
+            <a:r>
+              <a:rPr lang="en-US" dirty="0">
+                <a:latin typeface="Consolas" panose="020B0609020204030204" pitchFamily="49" charset="0"/>
+                <a:cs typeface="Consolas" panose="020B0609020204030204" pitchFamily="49" charset="0"/>
+              </a:rPr>
+              <a:t>(</a:t>
+            </a:r>
+            <a:r>
+              <a:rPr lang="en-US" dirty="0">
+                <a:solidFill>
+                  <a:srgbClr val="6897BB"/>
+                </a:solidFill>
+                <a:effectLst/>
+                <a:latin typeface="Consolas" panose="020B0609020204030204" pitchFamily="49" charset="0"/>
+                <a:cs typeface="Consolas" panose="020B0609020204030204" pitchFamily="49" charset="0"/>
+              </a:rPr>
+              <a:t>99</a:t>
+            </a:r>
+            <a:r>
+              <a:rPr lang="en-US" dirty="0">
+                <a:latin typeface="Consolas" panose="020B0609020204030204" pitchFamily="49" charset="0"/>
+                <a:cs typeface="Consolas" panose="020B0609020204030204" pitchFamily="49" charset="0"/>
+              </a:rPr>
+              <a:t>))</a:t>
+            </a:r>
+            <a:r>
+              <a:rPr lang="en-US" dirty="0">
+                <a:solidFill>
+                  <a:srgbClr val="CC7832"/>
+                </a:solidFill>
+                <a:effectLst/>
+                <a:latin typeface="Consolas" panose="020B0609020204030204" pitchFamily="49" charset="0"/>
+                <a:cs typeface="Consolas" panose="020B0609020204030204" pitchFamily="49" charset="0"/>
+              </a:rPr>
+              <a:t>;   </a:t>
+            </a:r>
+            <a:r>
+              <a:rPr lang="en-US" dirty="0">
+                <a:solidFill>
+                  <a:srgbClr val="808080"/>
+                </a:solidFill>
+                <a:effectLst/>
+                <a:latin typeface="Consolas" panose="020B0609020204030204" pitchFamily="49" charset="0"/>
+                <a:cs typeface="Consolas" panose="020B0609020204030204" pitchFamily="49" charset="0"/>
+              </a:rPr>
+              <a:t>// prints false</a:t>
+            </a:r>
+            <a:br>
+              <a:rPr lang="en-US" dirty="0">
+                <a:solidFill>
+                  <a:srgbClr val="808080"/>
+                </a:solidFill>
+                <a:effectLst/>
+                <a:latin typeface="Consolas" panose="020B0609020204030204" pitchFamily="49" charset="0"/>
+                <a:cs typeface="Consolas" panose="020B0609020204030204" pitchFamily="49" charset="0"/>
+              </a:rPr>
+            </a:br>
+            <a:r>
+              <a:rPr lang="en-US" dirty="0">
+                <a:latin typeface="Consolas" panose="020B0609020204030204" pitchFamily="49" charset="0"/>
+                <a:cs typeface="Consolas" panose="020B0609020204030204" pitchFamily="49" charset="0"/>
+              </a:rPr>
+              <a:t>}</a:t>
+            </a:r>
+          </a:p>
+        </p:txBody>
+      </p:sp>
+    </p:spTree>
+    <p:extLst>
+      <p:ext uri="{BB962C8B-B14F-4D97-AF65-F5344CB8AC3E}">
+        <p14:creationId xmlns:p14="http://schemas.microsoft.com/office/powerpoint/2010/main" val="1154569864"/>
+      </p:ext>
+    </p:extLst>
+  </p:cSld>
+  <p:clrMapOvr>
+    <a:masterClrMapping/>
+  </p:clrMapOvr>
+  <mc:AlternateContent xmlns:mc="http://schemas.openxmlformats.org/markup-compatibility/2006" xmlns:p14="http://schemas.microsoft.com/office/powerpoint/2010/main">
+    <mc:Choice Requires="p14">
+      <p:transition p14:dur="300">
+        <p:fade/>
+      </p:transition>
+    </mc:Choice>
+    <mc:Fallback xmlns="">
+      <p:transition>
+        <p:fade/>
+      </p:transition>
+    </mc:Fallback>
+  </mc:AlternateContent>
+</p:sld>
+</file>
+
+<file path=ppt/slides/slide12.xml><?xml version="1.0" encoding="utf-8"?>
+<p:sld xmlns:a="http://schemas.openxmlformats.org/drawingml/2006/main" xmlns:r="http://schemas.openxmlformats.org/officeDocument/2006/relationships" xmlns:p="http://schemas.openxmlformats.org/presentationml/2006/main">
+  <p:cSld>
+    <p:spTree>
+      <p:nvGrpSpPr>
+        <p:cNvPr id="1" name=""/>
+        <p:cNvGrpSpPr/>
+        <p:nvPr/>
+      </p:nvGrpSpPr>
+      <p:grpSpPr>
+        <a:xfrm>
+          <a:off x="0" y="0"/>
+          <a:ext cx="0" cy="0"/>
+          <a:chOff x="0" y="0"/>
+          <a:chExt cx="0" cy="0"/>
+        </a:xfrm>
+      </p:grpSpPr>
+      <p:sp>
+        <p:nvSpPr>
+          <p:cNvPr id="2" name="Title 1">
+            <a:extLst>
+              <a:ext uri="{FF2B5EF4-FFF2-40B4-BE49-F238E27FC236}">
+                <a16:creationId xmlns:a16="http://schemas.microsoft.com/office/drawing/2014/main" id="{6A5ACB51-79B1-3641-B014-C0C80F9AAB6F}"/>
+              </a:ext>
+            </a:extLst>
+          </p:cNvPr>
+          <p:cNvSpPr>
+            <a:spLocks noGrp="1"/>
+          </p:cNvSpPr>
+          <p:nvPr>
+            <p:ph type="title"/>
+          </p:nvPr>
+        </p:nvSpPr>
+        <p:spPr/>
+        <p:txBody>
+          <a:bodyPr/>
+          <a:lstStyle/>
+          <a:p>
+            <a:r>
+              <a:rPr lang="en-US" dirty="0"/>
+              <a:t>In Class Activity: Group Practice 2</a:t>
+            </a:r>
+          </a:p>
+        </p:txBody>
+      </p:sp>
+      <p:sp>
+        <p:nvSpPr>
+          <p:cNvPr id="3" name="Text Placeholder 2">
+            <a:extLst>
+              <a:ext uri="{FF2B5EF4-FFF2-40B4-BE49-F238E27FC236}">
+                <a16:creationId xmlns:a16="http://schemas.microsoft.com/office/drawing/2014/main" id="{B8B00D82-A444-8540-A961-58D2BA6C1693}"/>
+              </a:ext>
+            </a:extLst>
+          </p:cNvPr>
+          <p:cNvSpPr>
+            <a:spLocks noGrp="1"/>
+          </p:cNvSpPr>
+          <p:nvPr>
+            <p:ph type="body" sz="quarter" idx="10"/>
+          </p:nvPr>
+        </p:nvSpPr>
+        <p:spPr>
+          <a:xfrm>
+            <a:off x="628075" y="1776683"/>
+            <a:ext cx="12561453" cy="481350"/>
+          </a:xfrm>
+        </p:spPr>
+        <p:txBody>
+          <a:bodyPr/>
+          <a:lstStyle/>
+          <a:p>
+            <a:r>
+              <a:rPr lang="en-US" dirty="0"/>
+              <a:t>Complete the following code with a conditional expression. In zyBooks / canvas – same one. </a:t>
+            </a:r>
+          </a:p>
+        </p:txBody>
+      </p:sp>
+      <p:sp>
+        <p:nvSpPr>
+          <p:cNvPr id="5" name="TextBox 4">
+            <a:extLst>
+              <a:ext uri="{FF2B5EF4-FFF2-40B4-BE49-F238E27FC236}">
+                <a16:creationId xmlns:a16="http://schemas.microsoft.com/office/drawing/2014/main" id="{9A1F5827-1A17-7E4A-9A11-7CEC93EE05F0}"/>
+              </a:ext>
+            </a:extLst>
+          </p:cNvPr>
+          <p:cNvSpPr txBox="1"/>
+          <p:nvPr/>
+        </p:nvSpPr>
+        <p:spPr>
+          <a:xfrm>
+            <a:off x="1828800" y="2848739"/>
+            <a:ext cx="10160000" cy="2862322"/>
+          </a:xfrm>
+          <a:prstGeom prst="rect">
+            <a:avLst/>
+          </a:prstGeom>
+          <a:noFill/>
+        </p:spPr>
+        <p:txBody>
+          <a:bodyPr wrap="square">
+            <a:spAutoFit/>
+          </a:bodyPr>
+          <a:lstStyle/>
+          <a:p>
+            <a:r>
+              <a:rPr lang="en-US" dirty="0">
+                <a:solidFill>
+                  <a:srgbClr val="CC7832"/>
+                </a:solidFill>
+                <a:effectLst/>
+                <a:latin typeface="Consolas" panose="020B0609020204030204" pitchFamily="49" charset="0"/>
+                <a:cs typeface="Consolas" panose="020B0609020204030204" pitchFamily="49" charset="0"/>
+              </a:rPr>
+              <a:t>public static String </a:t>
+            </a:r>
+            <a:r>
+              <a:rPr lang="en-US" dirty="0">
+                <a:solidFill>
+                  <a:srgbClr val="FFC66D"/>
+                </a:solidFill>
+                <a:effectLst/>
+                <a:latin typeface="Consolas" panose="020B0609020204030204" pitchFamily="49" charset="0"/>
+                <a:cs typeface="Consolas" panose="020B0609020204030204" pitchFamily="49" charset="0"/>
+              </a:rPr>
+              <a:t>quickPractice2</a:t>
+            </a:r>
+            <a:r>
+              <a:rPr lang="en-US" dirty="0">
+                <a:latin typeface="Consolas" panose="020B0609020204030204" pitchFamily="49" charset="0"/>
+                <a:cs typeface="Consolas" panose="020B0609020204030204" pitchFamily="49" charset="0"/>
+              </a:rPr>
+              <a:t>(</a:t>
+            </a:r>
+            <a:r>
+              <a:rPr lang="en-US" dirty="0">
+                <a:solidFill>
+                  <a:srgbClr val="CC7832"/>
+                </a:solidFill>
+                <a:effectLst/>
+                <a:latin typeface="Consolas" panose="020B0609020204030204" pitchFamily="49" charset="0"/>
+                <a:cs typeface="Consolas" panose="020B0609020204030204" pitchFamily="49" charset="0"/>
+              </a:rPr>
+              <a:t>int </a:t>
+            </a:r>
+            <a:r>
+              <a:rPr lang="en-US" i="1" dirty="0">
+                <a:solidFill>
+                  <a:srgbClr val="9876AA"/>
+                </a:solidFill>
+                <a:effectLst/>
+                <a:latin typeface="Consolas" panose="020B0609020204030204" pitchFamily="49" charset="0"/>
+                <a:cs typeface="Consolas" panose="020B0609020204030204" pitchFamily="49" charset="0"/>
+              </a:rPr>
+              <a:t>value</a:t>
+            </a:r>
+            <a:r>
+              <a:rPr lang="en-US" dirty="0">
+                <a:latin typeface="Consolas" panose="020B0609020204030204" pitchFamily="49" charset="0"/>
+                <a:cs typeface="Consolas" panose="020B0609020204030204" pitchFamily="49" charset="0"/>
+              </a:rPr>
+              <a:t>) {</a:t>
+            </a:r>
+          </a:p>
+          <a:p>
+            <a:r>
+              <a:rPr lang="en-US" dirty="0">
+                <a:solidFill>
+                  <a:srgbClr val="808080"/>
+                </a:solidFill>
+                <a:latin typeface="Consolas" panose="020B0609020204030204" pitchFamily="49" charset="0"/>
+                <a:cs typeface="Consolas" panose="020B0609020204030204" pitchFamily="49" charset="0"/>
+              </a:rPr>
+              <a:t>      // just write the </a:t>
+            </a:r>
+            <a:r>
+              <a:rPr lang="en-US" u="sng" dirty="0">
+                <a:solidFill>
+                  <a:srgbClr val="808080"/>
+                </a:solidFill>
+                <a:latin typeface="Consolas" panose="020B0609020204030204" pitchFamily="49" charset="0"/>
+                <a:cs typeface="Consolas" panose="020B0609020204030204" pitchFamily="49" charset="0"/>
+              </a:rPr>
+              <a:t>lines</a:t>
+            </a:r>
+            <a:r>
+              <a:rPr lang="en-US" dirty="0">
+                <a:solidFill>
+                  <a:srgbClr val="808080"/>
+                </a:solidFill>
+                <a:latin typeface="Consolas" panose="020B0609020204030204" pitchFamily="49" charset="0"/>
+                <a:cs typeface="Consolas" panose="020B0609020204030204" pitchFamily="49" charset="0"/>
+              </a:rPr>
+              <a:t> of code that go here!</a:t>
+            </a:r>
+            <a:br>
+              <a:rPr lang="en-US" dirty="0">
+                <a:latin typeface="Consolas" panose="020B0609020204030204" pitchFamily="49" charset="0"/>
+                <a:cs typeface="Consolas" panose="020B0609020204030204" pitchFamily="49" charset="0"/>
+              </a:rPr>
+            </a:br>
+            <a:r>
+              <a:rPr lang="en-US" dirty="0">
+                <a:latin typeface="Consolas" panose="020B0609020204030204" pitchFamily="49" charset="0"/>
+                <a:cs typeface="Consolas" panose="020B0609020204030204" pitchFamily="49" charset="0"/>
+              </a:rPr>
+              <a:t>}</a:t>
+            </a:r>
+            <a:br>
+              <a:rPr lang="en-US" dirty="0">
+                <a:latin typeface="Consolas" panose="020B0609020204030204" pitchFamily="49" charset="0"/>
+                <a:cs typeface="Consolas" panose="020B0609020204030204" pitchFamily="49" charset="0"/>
+              </a:rPr>
+            </a:br>
+            <a:br>
+              <a:rPr lang="en-US" dirty="0">
+                <a:latin typeface="Consolas" panose="020B0609020204030204" pitchFamily="49" charset="0"/>
+                <a:cs typeface="Consolas" panose="020B0609020204030204" pitchFamily="49" charset="0"/>
+              </a:rPr>
+            </a:br>
+            <a:r>
+              <a:rPr lang="en-US" dirty="0">
+                <a:solidFill>
+                  <a:srgbClr val="CC7832"/>
+                </a:solidFill>
+                <a:effectLst/>
+                <a:latin typeface="Consolas" panose="020B0609020204030204" pitchFamily="49" charset="0"/>
+                <a:cs typeface="Consolas" panose="020B0609020204030204" pitchFamily="49" charset="0"/>
+              </a:rPr>
+              <a:t>public static void </a:t>
+            </a:r>
+            <a:r>
+              <a:rPr lang="en-US" dirty="0">
+                <a:solidFill>
+                  <a:srgbClr val="FFC66D"/>
+                </a:solidFill>
+                <a:effectLst/>
+                <a:latin typeface="Consolas" panose="020B0609020204030204" pitchFamily="49" charset="0"/>
+                <a:cs typeface="Consolas" panose="020B0609020204030204" pitchFamily="49" charset="0"/>
+              </a:rPr>
+              <a:t>main</a:t>
+            </a:r>
+            <a:r>
+              <a:rPr lang="en-US" dirty="0">
+                <a:latin typeface="Consolas" panose="020B0609020204030204" pitchFamily="49" charset="0"/>
+                <a:cs typeface="Consolas" panose="020B0609020204030204" pitchFamily="49" charset="0"/>
+              </a:rPr>
+              <a:t>(String[] </a:t>
+            </a:r>
+            <a:r>
+              <a:rPr lang="en-US" i="1" dirty="0" err="1">
+                <a:solidFill>
+                  <a:srgbClr val="9876AA"/>
+                </a:solidFill>
+                <a:effectLst/>
+                <a:latin typeface="Consolas" panose="020B0609020204030204" pitchFamily="49" charset="0"/>
+                <a:cs typeface="Consolas" panose="020B0609020204030204" pitchFamily="49" charset="0"/>
+              </a:rPr>
+              <a:t>args</a:t>
+            </a:r>
+            <a:r>
+              <a:rPr lang="en-US" dirty="0">
+                <a:latin typeface="Consolas" panose="020B0609020204030204" pitchFamily="49" charset="0"/>
+                <a:cs typeface="Consolas" panose="020B0609020204030204" pitchFamily="49" charset="0"/>
+              </a:rPr>
+              <a:t>) {</a:t>
+            </a:r>
+            <a:br>
+              <a:rPr lang="en-US" dirty="0">
+                <a:latin typeface="Consolas" panose="020B0609020204030204" pitchFamily="49" charset="0"/>
+                <a:cs typeface="Consolas" panose="020B0609020204030204" pitchFamily="49" charset="0"/>
+              </a:rPr>
+            </a:br>
+            <a:r>
+              <a:rPr lang="en-US" dirty="0">
+                <a:latin typeface="Consolas" panose="020B0609020204030204" pitchFamily="49" charset="0"/>
+                <a:cs typeface="Consolas" panose="020B0609020204030204" pitchFamily="49" charset="0"/>
+              </a:rPr>
+              <a:t>    </a:t>
+            </a:r>
+            <a:r>
+              <a:rPr lang="en-US" dirty="0" err="1">
+                <a:latin typeface="Consolas" panose="020B0609020204030204" pitchFamily="49" charset="0"/>
+                <a:cs typeface="Consolas" panose="020B0609020204030204" pitchFamily="49" charset="0"/>
+              </a:rPr>
+              <a:t>System.</a:t>
+            </a:r>
+            <a:r>
+              <a:rPr lang="en-US" i="1" dirty="0" err="1">
+                <a:solidFill>
+                  <a:srgbClr val="9876AA"/>
+                </a:solidFill>
+                <a:effectLst/>
+                <a:latin typeface="Consolas" panose="020B0609020204030204" pitchFamily="49" charset="0"/>
+                <a:cs typeface="Consolas" panose="020B0609020204030204" pitchFamily="49" charset="0"/>
+              </a:rPr>
+              <a:t>out</a:t>
+            </a:r>
+            <a:r>
+              <a:rPr lang="en-US" dirty="0" err="1">
+                <a:latin typeface="Consolas" panose="020B0609020204030204" pitchFamily="49" charset="0"/>
+                <a:cs typeface="Consolas" panose="020B0609020204030204" pitchFamily="49" charset="0"/>
+              </a:rPr>
+              <a:t>.println</a:t>
+            </a:r>
+            <a:r>
+              <a:rPr lang="en-US" dirty="0">
+                <a:latin typeface="Consolas" panose="020B0609020204030204" pitchFamily="49" charset="0"/>
+                <a:cs typeface="Consolas" panose="020B0609020204030204" pitchFamily="49" charset="0"/>
+              </a:rPr>
+              <a:t>(</a:t>
+            </a:r>
+            <a:r>
+              <a:rPr lang="en-US" i="1" dirty="0">
+                <a:effectLst/>
+                <a:latin typeface="Consolas" panose="020B0609020204030204" pitchFamily="49" charset="0"/>
+                <a:cs typeface="Consolas" panose="020B0609020204030204" pitchFamily="49" charset="0"/>
+              </a:rPr>
+              <a:t>quickPractice2</a:t>
+            </a:r>
+            <a:r>
+              <a:rPr lang="en-US" dirty="0">
+                <a:latin typeface="Consolas" panose="020B0609020204030204" pitchFamily="49" charset="0"/>
+                <a:cs typeface="Consolas" panose="020B0609020204030204" pitchFamily="49" charset="0"/>
+              </a:rPr>
+              <a:t>(</a:t>
+            </a:r>
+            <a:r>
+              <a:rPr lang="en-US" dirty="0">
+                <a:solidFill>
+                  <a:srgbClr val="6897BB"/>
+                </a:solidFill>
+                <a:effectLst/>
+                <a:latin typeface="Consolas" panose="020B0609020204030204" pitchFamily="49" charset="0"/>
+                <a:cs typeface="Consolas" panose="020B0609020204030204" pitchFamily="49" charset="0"/>
+              </a:rPr>
+              <a:t>100</a:t>
+            </a:r>
+            <a:r>
+              <a:rPr lang="en-US" dirty="0">
+                <a:latin typeface="Consolas" panose="020B0609020204030204" pitchFamily="49" charset="0"/>
+                <a:cs typeface="Consolas" panose="020B0609020204030204" pitchFamily="49" charset="0"/>
+              </a:rPr>
+              <a:t>))</a:t>
+            </a:r>
+            <a:r>
+              <a:rPr lang="en-US" dirty="0">
+                <a:solidFill>
+                  <a:srgbClr val="CC7832"/>
+                </a:solidFill>
+                <a:effectLst/>
+                <a:latin typeface="Consolas" panose="020B0609020204030204" pitchFamily="49" charset="0"/>
+                <a:cs typeface="Consolas" panose="020B0609020204030204" pitchFamily="49" charset="0"/>
+              </a:rPr>
+              <a:t>;  </a:t>
+            </a:r>
+            <a:r>
+              <a:rPr lang="en-US" dirty="0">
+                <a:solidFill>
+                  <a:srgbClr val="808080"/>
+                </a:solidFill>
+                <a:effectLst/>
+                <a:latin typeface="Consolas" panose="020B0609020204030204" pitchFamily="49" charset="0"/>
+                <a:cs typeface="Consolas" panose="020B0609020204030204" pitchFamily="49" charset="0"/>
+              </a:rPr>
+              <a:t>// prints YES, at min</a:t>
+            </a:r>
+            <a:br>
+              <a:rPr lang="en-US" dirty="0">
+                <a:solidFill>
+                  <a:srgbClr val="808080"/>
+                </a:solidFill>
+                <a:effectLst/>
+                <a:latin typeface="Consolas" panose="020B0609020204030204" pitchFamily="49" charset="0"/>
+                <a:cs typeface="Consolas" panose="020B0609020204030204" pitchFamily="49" charset="0"/>
+              </a:rPr>
+            </a:br>
+            <a:r>
+              <a:rPr lang="en-US" dirty="0">
+                <a:solidFill>
+                  <a:srgbClr val="808080"/>
+                </a:solidFill>
+                <a:effectLst/>
+                <a:latin typeface="Consolas" panose="020B0609020204030204" pitchFamily="49" charset="0"/>
+                <a:cs typeface="Consolas" panose="020B0609020204030204" pitchFamily="49" charset="0"/>
+              </a:rPr>
+              <a:t>    </a:t>
+            </a:r>
+            <a:r>
+              <a:rPr lang="en-US" dirty="0" err="1">
+                <a:latin typeface="Consolas" panose="020B0609020204030204" pitchFamily="49" charset="0"/>
+                <a:cs typeface="Consolas" panose="020B0609020204030204" pitchFamily="49" charset="0"/>
+              </a:rPr>
+              <a:t>System.</a:t>
+            </a:r>
+            <a:r>
+              <a:rPr lang="en-US" i="1" dirty="0" err="1">
+                <a:solidFill>
+                  <a:srgbClr val="9876AA"/>
+                </a:solidFill>
+                <a:effectLst/>
+                <a:latin typeface="Consolas" panose="020B0609020204030204" pitchFamily="49" charset="0"/>
+                <a:cs typeface="Consolas" panose="020B0609020204030204" pitchFamily="49" charset="0"/>
+              </a:rPr>
+              <a:t>out</a:t>
+            </a:r>
+            <a:r>
+              <a:rPr lang="en-US" dirty="0" err="1">
+                <a:latin typeface="Consolas" panose="020B0609020204030204" pitchFamily="49" charset="0"/>
+                <a:cs typeface="Consolas" panose="020B0609020204030204" pitchFamily="49" charset="0"/>
+              </a:rPr>
+              <a:t>.println</a:t>
+            </a:r>
+            <a:r>
+              <a:rPr lang="en-US" dirty="0">
+                <a:latin typeface="Consolas" panose="020B0609020204030204" pitchFamily="49" charset="0"/>
+                <a:cs typeface="Consolas" panose="020B0609020204030204" pitchFamily="49" charset="0"/>
+              </a:rPr>
+              <a:t>(</a:t>
+            </a:r>
+            <a:r>
+              <a:rPr lang="en-US" i="1" dirty="0">
+                <a:effectLst/>
+                <a:latin typeface="Consolas" panose="020B0609020204030204" pitchFamily="49" charset="0"/>
+                <a:cs typeface="Consolas" panose="020B0609020204030204" pitchFamily="49" charset="0"/>
+              </a:rPr>
+              <a:t>quickPractice2</a:t>
+            </a:r>
+            <a:r>
+              <a:rPr lang="en-US" dirty="0">
+                <a:latin typeface="Consolas" panose="020B0609020204030204" pitchFamily="49" charset="0"/>
+                <a:cs typeface="Consolas" panose="020B0609020204030204" pitchFamily="49" charset="0"/>
+              </a:rPr>
+              <a:t>(</a:t>
+            </a:r>
+            <a:r>
+              <a:rPr lang="en-US" dirty="0">
+                <a:solidFill>
+                  <a:srgbClr val="6897BB"/>
+                </a:solidFill>
+                <a:effectLst/>
+                <a:latin typeface="Consolas" panose="020B0609020204030204" pitchFamily="49" charset="0"/>
+                <a:cs typeface="Consolas" panose="020B0609020204030204" pitchFamily="49" charset="0"/>
+              </a:rPr>
+              <a:t>101</a:t>
+            </a:r>
+            <a:r>
+              <a:rPr lang="en-US" dirty="0">
+                <a:latin typeface="Consolas" panose="020B0609020204030204" pitchFamily="49" charset="0"/>
+                <a:cs typeface="Consolas" panose="020B0609020204030204" pitchFamily="49" charset="0"/>
+              </a:rPr>
+              <a:t>))</a:t>
+            </a:r>
+            <a:r>
+              <a:rPr lang="en-US" dirty="0">
+                <a:solidFill>
+                  <a:srgbClr val="CC7832"/>
+                </a:solidFill>
+                <a:effectLst/>
+                <a:latin typeface="Consolas" panose="020B0609020204030204" pitchFamily="49" charset="0"/>
+                <a:cs typeface="Consolas" panose="020B0609020204030204" pitchFamily="49" charset="0"/>
+              </a:rPr>
+              <a:t>;  </a:t>
+            </a:r>
+            <a:r>
+              <a:rPr lang="en-US" dirty="0">
+                <a:solidFill>
+                  <a:srgbClr val="808080"/>
+                </a:solidFill>
+                <a:effectLst/>
+                <a:latin typeface="Consolas" panose="020B0609020204030204" pitchFamily="49" charset="0"/>
+                <a:cs typeface="Consolas" panose="020B0609020204030204" pitchFamily="49" charset="0"/>
+              </a:rPr>
+              <a:t>// prints YES, over</a:t>
+            </a:r>
+            <a:br>
+              <a:rPr lang="en-US" dirty="0">
+                <a:solidFill>
+                  <a:srgbClr val="808080"/>
+                </a:solidFill>
+                <a:effectLst/>
+                <a:latin typeface="Consolas" panose="020B0609020204030204" pitchFamily="49" charset="0"/>
+                <a:cs typeface="Consolas" panose="020B0609020204030204" pitchFamily="49" charset="0"/>
+              </a:rPr>
+            </a:br>
+            <a:r>
+              <a:rPr lang="en-US" dirty="0">
+                <a:solidFill>
+                  <a:srgbClr val="808080"/>
+                </a:solidFill>
+                <a:effectLst/>
+                <a:latin typeface="Consolas" panose="020B0609020204030204" pitchFamily="49" charset="0"/>
+                <a:cs typeface="Consolas" panose="020B0609020204030204" pitchFamily="49" charset="0"/>
+              </a:rPr>
+              <a:t>    </a:t>
+            </a:r>
+            <a:r>
+              <a:rPr lang="en-US" dirty="0" err="1">
+                <a:latin typeface="Consolas" panose="020B0609020204030204" pitchFamily="49" charset="0"/>
+                <a:cs typeface="Consolas" panose="020B0609020204030204" pitchFamily="49" charset="0"/>
+              </a:rPr>
+              <a:t>System.</a:t>
+            </a:r>
+            <a:r>
+              <a:rPr lang="en-US" i="1" dirty="0" err="1">
+                <a:solidFill>
+                  <a:srgbClr val="9876AA"/>
+                </a:solidFill>
+                <a:effectLst/>
+                <a:latin typeface="Consolas" panose="020B0609020204030204" pitchFamily="49" charset="0"/>
+                <a:cs typeface="Consolas" panose="020B0609020204030204" pitchFamily="49" charset="0"/>
+              </a:rPr>
+              <a:t>out</a:t>
+            </a:r>
+            <a:r>
+              <a:rPr lang="en-US" dirty="0" err="1">
+                <a:latin typeface="Consolas" panose="020B0609020204030204" pitchFamily="49" charset="0"/>
+                <a:cs typeface="Consolas" panose="020B0609020204030204" pitchFamily="49" charset="0"/>
+              </a:rPr>
+              <a:t>.println</a:t>
+            </a:r>
+            <a:r>
+              <a:rPr lang="en-US" dirty="0">
+                <a:latin typeface="Consolas" panose="020B0609020204030204" pitchFamily="49" charset="0"/>
+                <a:cs typeface="Consolas" panose="020B0609020204030204" pitchFamily="49" charset="0"/>
+              </a:rPr>
+              <a:t>(</a:t>
+            </a:r>
+            <a:r>
+              <a:rPr lang="en-US" i="1" dirty="0">
+                <a:effectLst/>
+                <a:latin typeface="Consolas" panose="020B0609020204030204" pitchFamily="49" charset="0"/>
+                <a:cs typeface="Consolas" panose="020B0609020204030204" pitchFamily="49" charset="0"/>
+              </a:rPr>
+              <a:t>quickPractice2</a:t>
+            </a:r>
+            <a:r>
+              <a:rPr lang="en-US" dirty="0">
+                <a:latin typeface="Consolas" panose="020B0609020204030204" pitchFamily="49" charset="0"/>
+                <a:cs typeface="Consolas" panose="020B0609020204030204" pitchFamily="49" charset="0"/>
+              </a:rPr>
+              <a:t>(</a:t>
+            </a:r>
+            <a:r>
+              <a:rPr lang="en-US" dirty="0">
+                <a:solidFill>
+                  <a:srgbClr val="6897BB"/>
+                </a:solidFill>
+                <a:effectLst/>
+                <a:latin typeface="Consolas" panose="020B0609020204030204" pitchFamily="49" charset="0"/>
+                <a:cs typeface="Consolas" panose="020B0609020204030204" pitchFamily="49" charset="0"/>
+              </a:rPr>
+              <a:t>99</a:t>
+            </a:r>
+            <a:r>
+              <a:rPr lang="en-US" dirty="0">
+                <a:latin typeface="Consolas" panose="020B0609020204030204" pitchFamily="49" charset="0"/>
+                <a:cs typeface="Consolas" panose="020B0609020204030204" pitchFamily="49" charset="0"/>
+              </a:rPr>
+              <a:t>))</a:t>
+            </a:r>
+            <a:r>
+              <a:rPr lang="en-US" dirty="0">
+                <a:solidFill>
+                  <a:srgbClr val="CC7832"/>
+                </a:solidFill>
+                <a:effectLst/>
+                <a:latin typeface="Consolas" panose="020B0609020204030204" pitchFamily="49" charset="0"/>
+                <a:cs typeface="Consolas" panose="020B0609020204030204" pitchFamily="49" charset="0"/>
+              </a:rPr>
+              <a:t>;   </a:t>
+            </a:r>
+            <a:r>
+              <a:rPr lang="en-US" dirty="0">
+                <a:solidFill>
+                  <a:srgbClr val="808080"/>
+                </a:solidFill>
+                <a:effectLst/>
+                <a:latin typeface="Consolas" panose="020B0609020204030204" pitchFamily="49" charset="0"/>
+                <a:cs typeface="Consolas" panose="020B0609020204030204" pitchFamily="49" charset="0"/>
+              </a:rPr>
+              <a:t>// prints </a:t>
+            </a:r>
+            <a:r>
+              <a:rPr lang="en-US" dirty="0">
+                <a:solidFill>
+                  <a:srgbClr val="808080"/>
+                </a:solidFill>
+                <a:latin typeface="Consolas" panose="020B0609020204030204" pitchFamily="49" charset="0"/>
+                <a:cs typeface="Consolas" panose="020B0609020204030204" pitchFamily="49" charset="0"/>
+              </a:rPr>
+              <a:t>NO, under</a:t>
+            </a:r>
+            <a:br>
+              <a:rPr lang="en-US" dirty="0">
+                <a:solidFill>
+                  <a:srgbClr val="808080"/>
+                </a:solidFill>
+                <a:effectLst/>
+                <a:latin typeface="Consolas" panose="020B0609020204030204" pitchFamily="49" charset="0"/>
+                <a:cs typeface="Consolas" panose="020B0609020204030204" pitchFamily="49" charset="0"/>
+              </a:rPr>
+            </a:br>
+            <a:r>
+              <a:rPr lang="en-US" dirty="0">
+                <a:latin typeface="Consolas" panose="020B0609020204030204" pitchFamily="49" charset="0"/>
+                <a:cs typeface="Consolas" panose="020B0609020204030204" pitchFamily="49" charset="0"/>
+              </a:rPr>
+              <a:t>}</a:t>
+            </a:r>
+          </a:p>
+        </p:txBody>
+      </p:sp>
+    </p:spTree>
+    <p:extLst>
+      <p:ext uri="{BB962C8B-B14F-4D97-AF65-F5344CB8AC3E}">
+        <p14:creationId xmlns:p14="http://schemas.microsoft.com/office/powerpoint/2010/main" val="202079882"/>
+      </p:ext>
+    </p:extLst>
+  </p:cSld>
+  <p:clrMapOvr>
+    <a:masterClrMapping/>
+  </p:clrMapOvr>
+  <mc:AlternateContent xmlns:mc="http://schemas.openxmlformats.org/markup-compatibility/2006" xmlns:p14="http://schemas.microsoft.com/office/powerpoint/2010/main">
+    <mc:Choice Requires="p14">
+      <p:transition p14:dur="300">
+        <p:fade/>
+      </p:transition>
+    </mc:Choice>
+    <mc:Fallback xmlns="">
+      <p:transition>
+        <p:fade/>
+      </p:transition>
+    </mc:Fallback>
+  </mc:AlternateContent>
+</p:sld>
+</file>
+
+<file path=ppt/slides/slide13.xml><?xml version="1.0" encoding="utf-8"?>
+<p:sld xmlns:a="http://schemas.openxmlformats.org/drawingml/2006/main" xmlns:r="http://schemas.openxmlformats.org/officeDocument/2006/relationships" xmlns:p="http://schemas.openxmlformats.org/presentationml/2006/main">
+  <p:cSld>
+    <p:spTree>
+      <p:nvGrpSpPr>
+        <p:cNvPr id="1" name=""/>
+        <p:cNvGrpSpPr/>
+        <p:nvPr/>
+      </p:nvGrpSpPr>
+      <p:grpSpPr>
+        <a:xfrm>
+          <a:off x="0" y="0"/>
+          <a:ext cx="0" cy="0"/>
+          <a:chOff x="0" y="0"/>
+          <a:chExt cx="0" cy="0"/>
+        </a:xfrm>
+      </p:grpSpPr>
+      <p:sp>
+        <p:nvSpPr>
+          <p:cNvPr id="2" name="Title 1">
+            <a:extLst>
+              <a:ext uri="{FF2B5EF4-FFF2-40B4-BE49-F238E27FC236}">
                 <a16:creationId xmlns:a16="http://schemas.microsoft.com/office/drawing/2014/main" id="{63420226-FDB6-7544-AA77-83C2EABED697}"/>
               </a:ext>
             </a:extLst>
@@ -9508,7 +10974,7 @@
 </p:sld>
 </file>
 
-<file path=ppt/slides/slide12.xml><?xml version="1.0" encoding="utf-8"?>
+<file path=ppt/slides/slide14.xml><?xml version="1.0" encoding="utf-8"?>
 <p:sld xmlns:a="http://schemas.openxmlformats.org/drawingml/2006/main" xmlns:r="http://schemas.openxmlformats.org/officeDocument/2006/relationships" xmlns:p="http://schemas.openxmlformats.org/presentationml/2006/main">
   <p:cSld>
     <p:spTree>
@@ -10131,7 +11597,7 @@
 </p:sld>
 </file>
 
-<file path=ppt/slides/slide13.xml><?xml version="1.0" encoding="utf-8"?>
+<file path=ppt/slides/slide15.xml><?xml version="1.0" encoding="utf-8"?>
 <p:sld xmlns:a="http://schemas.openxmlformats.org/drawingml/2006/main" xmlns:r="http://schemas.openxmlformats.org/officeDocument/2006/relationships" xmlns:p="http://schemas.openxmlformats.org/presentationml/2006/main">
   <p:cSld>
     <p:spTree>
@@ -10422,7 +11888,7 @@
         <p:spPr>
           <a:xfrm>
             <a:off x="628075" y="1776683"/>
-            <a:ext cx="6574699" cy="4174733"/>
+            <a:ext cx="8548582" cy="5584349"/>
           </a:xfrm>
         </p:spPr>
         <p:txBody>
@@ -10533,6 +11999,16 @@
                   <a:srgbClr val="092529"/>
                 </a:solidFill>
               </a:rPr>
+              <a:t>Tuesday lab – you need to go to lab to have your participation points for self-explanation activity</a:t>
+            </a:r>
+          </a:p>
+          <a:p>
+            <a:r>
+              <a:rPr lang="en-US" dirty="0">
+                <a:solidFill>
+                  <a:srgbClr val="092529"/>
+                </a:solidFill>
+              </a:rPr>
               <a:t>Thursday </a:t>
             </a:r>
             <a:r>
@@ -10553,45 +12029,83 @@
           </a:p>
         </p:txBody>
       </p:sp>
-      <p:sp>
-        <p:nvSpPr>
-          <p:cNvPr id="8" name="TextBox 7">
+      <p:pic>
+        <p:nvPicPr>
+          <p:cNvPr id="1026" name="Picture 2" descr="Theodore Roosevelt Quote: &quot;Believe you can and you're ...">
             <a:extLst>
               <a:ext uri="{FF2B5EF4-FFF2-40B4-BE49-F238E27FC236}">
-                <a16:creationId xmlns:a16="http://schemas.microsoft.com/office/drawing/2014/main" id="{0143AC70-D4B9-42A1-ABE1-CE635EEDB153}"/>
+                <a16:creationId xmlns:a16="http://schemas.microsoft.com/office/drawing/2014/main" id="{F0820100-1EAE-498A-9BB6-E3F4CCF2FC78}"/>
               </a:ext>
             </a:extLst>
           </p:cNvPr>
-          <p:cNvSpPr txBox="1"/>
+          <p:cNvPicPr>
+            <a:picLocks noChangeAspect="1" noChangeArrowheads="1"/>
+          </p:cNvPicPr>
+          <p:nvPr/>
+        </p:nvPicPr>
+        <p:blipFill>
+          <a:blip r:embed="rId2">
+            <a:extLst>
+              <a:ext uri="{28A0092B-C50C-407E-A947-70E740481C1C}">
+                <a14:useLocalDpi xmlns:a14="http://schemas.microsoft.com/office/drawing/2010/main" val="0"/>
+              </a:ext>
+            </a:extLst>
+          </a:blip>
+          <a:srcRect/>
+          <a:stretch>
+            <a:fillRect/>
+          </a:stretch>
+        </p:blipFill>
+        <p:spPr bwMode="auto">
+          <a:xfrm>
+            <a:off x="10203543" y="-30346"/>
+            <a:ext cx="3614057" cy="3614057"/>
+          </a:xfrm>
+          <a:prstGeom prst="rect">
+            <a:avLst/>
+          </a:prstGeom>
+          <a:noFill/>
+          <a:extLst>
+            <a:ext uri="{909E8E84-426E-40DD-AFC4-6F175D3DCCD1}">
+              <a14:hiddenFill xmlns:a14="http://schemas.microsoft.com/office/drawing/2010/main">
+                <a:solidFill>
+                  <a:srgbClr val="FFFFFF"/>
+                </a:solidFill>
+              </a14:hiddenFill>
+            </a:ext>
+          </a:extLst>
+        </p:spPr>
+      </p:pic>
+      <p:sp>
+        <p:nvSpPr>
+          <p:cNvPr id="2" name="Rectangle 1">
+            <a:extLst>
+              <a:ext uri="{FF2B5EF4-FFF2-40B4-BE49-F238E27FC236}">
+                <a16:creationId xmlns:a16="http://schemas.microsoft.com/office/drawing/2014/main" id="{A819D97A-CF56-429D-B04E-6034D3E5DD2E}"/>
+              </a:ext>
+            </a:extLst>
+          </p:cNvPr>
+          <p:cNvSpPr/>
           <p:nvPr/>
         </p:nvSpPr>
         <p:spPr>
           <a:xfrm>
-            <a:off x="2651665" y="6264377"/>
-            <a:ext cx="7880153" cy="1015663"/>
+            <a:off x="10203543" y="3650451"/>
+            <a:ext cx="3614057" cy="400110"/>
           </a:xfrm>
           <a:prstGeom prst="rect">
             <a:avLst/>
           </a:prstGeom>
-          <a:solidFill>
-            <a:schemeClr val="accent2"/>
-          </a:solidFill>
         </p:spPr>
         <p:txBody>
-          <a:bodyPr wrap="square" rtlCol="0">
+          <a:bodyPr wrap="square">
             <a:spAutoFit/>
           </a:bodyPr>
           <a:lstStyle/>
           <a:p>
             <a:r>
-              <a:rPr lang="en-US" b="1" dirty="0"/>
-              <a:t>Opening Question</a:t>
-            </a:r>
-          </a:p>
-          <a:p>
-            <a:r>
-              <a:rPr lang="en-US" dirty="0"/>
-              <a:t>Try to recall a situation where you had to solve a problem you didn’t know the solution to (usually people interactions)?</a:t>
+              <a:rPr lang="en-US" sz="1000" dirty="0"/>
+              <a:t>https://theartofliving.com/quote/theodore-roosevelt-believe-you-can-and-youre/</a:t>
             </a:r>
           </a:p>
         </p:txBody>
@@ -10661,7 +12175,7 @@
           <a:p>
             <a:r>
               <a:rPr lang="en-US" dirty="0"/>
-              <a:t>Reading Check-in</a:t>
+              <a:t>Recall Activity</a:t>
             </a:r>
           </a:p>
         </p:txBody>
@@ -10682,8 +12196,8 @@
         </p:nvSpPr>
         <p:spPr bwMode="auto">
           <a:xfrm>
-            <a:off x="925530" y="1587501"/>
-            <a:ext cx="9461244" cy="3385542"/>
+            <a:off x="709508" y="1793198"/>
+            <a:ext cx="12398584" cy="3170099"/>
           </a:xfrm>
           <a:prstGeom prst="rect">
             <a:avLst/>
@@ -10723,7 +12237,7 @@
           </a:extLst>
         </p:spPr>
         <p:txBody>
-          <a:bodyPr vert="horz" wrap="none" lIns="91440" tIns="45720" rIns="91440" bIns="45720" numCol="1" anchor="ctr" anchorCtr="0" compatLnSpc="1">
+          <a:bodyPr vert="horz" wrap="square" lIns="91440" tIns="45720" rIns="91440" bIns="45720" numCol="1" anchor="ctr" anchorCtr="0" compatLnSpc="1">
             <a:prstTxWarp prst="textNoShape">
               <a:avLst/>
             </a:prstTxWarp>
@@ -10857,6 +12371,18 @@
               </a:defRPr>
             </a:lvl9pPr>
           </a:lstStyle>
+          <a:p>
+            <a:r>
+              <a:rPr lang="en-US" b="1" dirty="0"/>
+              <a:t>Grab a paper, write your name and your answers to the following questions. Turn this as your attendance for today’s lecture.</a:t>
+            </a:r>
+          </a:p>
+          <a:p>
+            <a:endParaRPr lang="en-US" b="1" dirty="0"/>
+          </a:p>
+          <a:p>
+            <a:endParaRPr lang="en-US" b="1" dirty="0"/>
+          </a:p>
           <a:p>
             <a:pPr marL="0" marR="0" lvl="0" indent="0" algn="l" defTabSz="914400" rtl="0" eaLnBrk="0" fontAlgn="base" latinLnBrk="0" hangingPunct="0">
               <a:lnSpc>
@@ -10875,40 +12401,47 @@
               <a:tabLst/>
             </a:pPr>
             <a:r>
-              <a:rPr kumimoji="0" lang="en-US" altLang="en-US" sz="1800" b="0" i="0" u="none" strike="noStrike" cap="none" normalizeH="0" baseline="0" dirty="0">
-                <a:ln>
-                  <a:noFill/>
-                </a:ln>
-                <a:solidFill>
-                  <a:srgbClr val="000000"/>
-                </a:solidFill>
-                <a:effectLst/>
-                <a:latin typeface="Arial" panose="020B0604020202020204" pitchFamily="34" charset="0"/>
-              </a:rPr>
-              <a:t>Given the output for the given code, what is conditional operator needed at </a:t>
-            </a:r>
-            <a:r>
-              <a:rPr kumimoji="0" lang="en-US" altLang="en-US" sz="1800" b="1" i="0" u="none" strike="noStrike" cap="none" normalizeH="0" baseline="0" dirty="0">
-                <a:ln>
-                  <a:noFill/>
-                </a:ln>
-                <a:solidFill>
-                  <a:srgbClr val="000000"/>
-                </a:solidFill>
-                <a:effectLst/>
-                <a:latin typeface="Arial" panose="020B0604020202020204" pitchFamily="34" charset="0"/>
-              </a:rPr>
-              <a:t>??</a:t>
-            </a:r>
-            <a:endParaRPr kumimoji="0" lang="en-US" altLang="en-US" sz="1800" b="0" i="0" u="none" strike="noStrike" cap="none" normalizeH="0" baseline="0" dirty="0">
-              <a:ln>
-                <a:noFill/>
-              </a:ln>
-              <a:solidFill>
-                <a:schemeClr val="tx1"/>
-              </a:solidFill>
-              <a:effectLst/>
-            </a:endParaRPr>
+              <a:rPr lang="en-US" altLang="en-US" b="1" dirty="0"/>
+              <a:t>List the conditional instructions that you can use in Java.</a:t>
+            </a:r>
+          </a:p>
+          <a:p>
+            <a:pPr marL="0" marR="0" lvl="0" indent="0" algn="l" defTabSz="914400" rtl="0" eaLnBrk="0" fontAlgn="base" latinLnBrk="0" hangingPunct="0">
+              <a:lnSpc>
+                <a:spcPct val="100000"/>
+              </a:lnSpc>
+              <a:spcBef>
+                <a:spcPct val="0"/>
+              </a:spcBef>
+              <a:spcAft>
+                <a:spcPct val="0"/>
+              </a:spcAft>
+              <a:buClrTx/>
+              <a:buSzTx/>
+              <a:buFontTx/>
+              <a:buNone/>
+              <a:tabLst/>
+            </a:pPr>
+            <a:endParaRPr lang="en-US" altLang="en-US" b="1" dirty="0"/>
+          </a:p>
+          <a:p>
+            <a:pPr marL="0" marR="0" lvl="0" indent="0" algn="l" defTabSz="914400" rtl="0" eaLnBrk="0" fontAlgn="base" latinLnBrk="0" hangingPunct="0">
+              <a:lnSpc>
+                <a:spcPct val="100000"/>
+              </a:lnSpc>
+              <a:spcBef>
+                <a:spcPct val="0"/>
+              </a:spcBef>
+              <a:spcAft>
+                <a:spcPct val="0"/>
+              </a:spcAft>
+              <a:buClrTx/>
+              <a:buSzTx/>
+              <a:buFontTx/>
+              <a:buNone/>
+              <a:tabLst/>
+            </a:pPr>
+            <a:endParaRPr lang="en-US" altLang="en-US" b="1" dirty="0"/>
           </a:p>
           <a:p>
             <a:pPr marL="0" marR="0" lvl="0" indent="0" algn="l" defTabSz="914400" rtl="0" eaLnBrk="0" fontAlgn="base" latinLnBrk="0" hangingPunct="0">
@@ -10928,1140 +12461,20 @@
               <a:tabLst/>
             </a:pPr>
             <a:br>
-              <a:rPr kumimoji="0" lang="en-US" altLang="en-US" sz="1800" b="0" i="0" u="none" strike="noStrike" cap="none" normalizeH="0" baseline="0" dirty="0">
-                <a:ln>
-                  <a:noFill/>
-                </a:ln>
-                <a:solidFill>
-                  <a:srgbClr val="000000"/>
-                </a:solidFill>
-                <a:effectLst/>
-                <a:latin typeface="Arial" panose="020B0604020202020204" pitchFamily="34" charset="0"/>
-              </a:rPr>
-            </a:br>
-            <a:endParaRPr kumimoji="0" lang="en-US" altLang="en-US" sz="1800" b="0" i="0" u="none" strike="noStrike" cap="none" normalizeH="0" baseline="0" dirty="0">
-              <a:ln>
-                <a:noFill/>
-              </a:ln>
-              <a:solidFill>
-                <a:schemeClr val="tx1"/>
-              </a:solidFill>
-              <a:effectLst/>
-            </a:endParaRPr>
-          </a:p>
-          <a:p>
-            <a:pPr marL="0" marR="0" lvl="0" indent="0" algn="l" defTabSz="914400" rtl="0" eaLnBrk="0" fontAlgn="base" latinLnBrk="0" hangingPunct="0">
-              <a:lnSpc>
-                <a:spcPct val="100000"/>
-              </a:lnSpc>
-              <a:spcBef>
-                <a:spcPct val="0"/>
-              </a:spcBef>
-              <a:spcAft>
-                <a:spcPct val="0"/>
-              </a:spcAft>
-              <a:buClrTx/>
-              <a:buSzTx/>
-              <a:buFontTx/>
-              <a:buNone/>
-              <a:tabLst/>
-            </a:pPr>
-            <a:r>
               <a:rPr kumimoji="0" lang="en-US" altLang="en-US" b="0" i="0" u="none" strike="noStrike" cap="none" normalizeH="0" baseline="0" dirty="0">
                 <a:ln>
                   <a:noFill/>
                 </a:ln>
                 <a:solidFill>
-                  <a:srgbClr val="0000FF"/>
-                </a:solidFill>
-                <a:effectLst/>
-                <a:latin typeface="Arial Unicode MS"/>
-              </a:rPr>
-              <a:t>public</a:t>
-            </a:r>
-            <a:r>
-              <a:rPr kumimoji="0" lang="en-US" altLang="en-US" b="0" i="0" u="none" strike="noStrike" cap="none" normalizeH="0" baseline="0" dirty="0">
-                <a:ln>
-                  <a:noFill/>
-                </a:ln>
-                <a:solidFill>
                   <a:srgbClr val="000000"/>
                 </a:solidFill>
                 <a:effectLst/>
-                <a:latin typeface="Arial Unicode MS"/>
-              </a:rPr>
-              <a:t> </a:t>
-            </a:r>
-            <a:r>
-              <a:rPr kumimoji="0" lang="en-US" altLang="en-US" b="0" i="0" u="none" strike="noStrike" cap="none" normalizeH="0" baseline="0" dirty="0">
-                <a:ln>
-                  <a:noFill/>
-                </a:ln>
-                <a:solidFill>
-                  <a:srgbClr val="0000FF"/>
-                </a:solidFill>
-                <a:effectLst/>
-                <a:latin typeface="Arial Unicode MS"/>
-              </a:rPr>
-              <a:t>static</a:t>
-            </a:r>
-            <a:r>
-              <a:rPr kumimoji="0" lang="en-US" altLang="en-US" b="0" i="0" u="none" strike="noStrike" cap="none" normalizeH="0" baseline="0" dirty="0">
-                <a:ln>
-                  <a:noFill/>
-                </a:ln>
-                <a:solidFill>
-                  <a:srgbClr val="000000"/>
-                </a:solidFill>
-                <a:effectLst/>
-                <a:latin typeface="Arial Unicode MS"/>
-              </a:rPr>
-              <a:t> </a:t>
-            </a:r>
-            <a:r>
-              <a:rPr kumimoji="0" lang="en-US" altLang="en-US" b="0" i="0" u="none" strike="noStrike" cap="none" normalizeH="0" baseline="0" dirty="0" err="1">
-                <a:ln>
-                  <a:noFill/>
-                </a:ln>
-                <a:solidFill>
-                  <a:srgbClr val="267F99"/>
-                </a:solidFill>
-                <a:effectLst/>
-                <a:latin typeface="Arial Unicode MS"/>
-              </a:rPr>
-              <a:t>boolean</a:t>
-            </a:r>
-            <a:r>
-              <a:rPr kumimoji="0" lang="en-US" altLang="en-US" b="0" i="0" u="none" strike="noStrike" cap="none" normalizeH="0" baseline="0" dirty="0">
-                <a:ln>
-                  <a:noFill/>
-                </a:ln>
-                <a:solidFill>
-                  <a:srgbClr val="000000"/>
-                </a:solidFill>
-                <a:effectLst/>
-                <a:latin typeface="Arial Unicode MS"/>
-              </a:rPr>
-              <a:t> </a:t>
-            </a:r>
-            <a:r>
-              <a:rPr kumimoji="0" lang="en-US" altLang="en-US" b="0" i="0" u="none" strike="noStrike" cap="none" normalizeH="0" baseline="0" dirty="0" err="1">
-                <a:ln>
-                  <a:noFill/>
-                </a:ln>
-                <a:solidFill>
-                  <a:srgbClr val="795E26"/>
-                </a:solidFill>
-                <a:effectLst/>
-                <a:latin typeface="Arial Unicode MS"/>
-              </a:rPr>
-              <a:t>signCheck</a:t>
-            </a:r>
-            <a:r>
-              <a:rPr kumimoji="0" lang="en-US" altLang="en-US" b="0" i="0" u="none" strike="noStrike" cap="none" normalizeH="0" baseline="0" dirty="0">
-                <a:ln>
-                  <a:noFill/>
-                </a:ln>
-                <a:solidFill>
-                  <a:srgbClr val="000000"/>
-                </a:solidFill>
-                <a:effectLst/>
-                <a:latin typeface="Arial Unicode MS"/>
-              </a:rPr>
-              <a:t>(</a:t>
-            </a:r>
-            <a:r>
-              <a:rPr kumimoji="0" lang="en-US" altLang="en-US" b="0" i="0" u="none" strike="noStrike" cap="none" normalizeH="0" baseline="0" dirty="0">
-                <a:ln>
-                  <a:noFill/>
-                </a:ln>
-                <a:solidFill>
-                  <a:srgbClr val="267F99"/>
-                </a:solidFill>
-                <a:effectLst/>
-                <a:latin typeface="Arial Unicode MS"/>
-              </a:rPr>
-              <a:t>int</a:t>
-            </a:r>
-            <a:r>
-              <a:rPr kumimoji="0" lang="en-US" altLang="en-US" b="0" i="0" u="none" strike="noStrike" cap="none" normalizeH="0" baseline="0" dirty="0">
-                <a:ln>
-                  <a:noFill/>
-                </a:ln>
-                <a:solidFill>
-                  <a:srgbClr val="000000"/>
-                </a:solidFill>
-                <a:effectLst/>
-                <a:latin typeface="Arial Unicode MS"/>
-              </a:rPr>
-              <a:t> </a:t>
-            </a:r>
-            <a:r>
-              <a:rPr kumimoji="0" lang="en-US" altLang="en-US" b="0" i="0" u="none" strike="noStrike" cap="none" normalizeH="0" baseline="0" dirty="0" err="1">
-                <a:ln>
-                  <a:noFill/>
-                </a:ln>
-                <a:solidFill>
-                  <a:srgbClr val="001080"/>
-                </a:solidFill>
-                <a:effectLst/>
-                <a:latin typeface="Arial Unicode MS"/>
-              </a:rPr>
-              <a:t>val</a:t>
-            </a:r>
-            <a:r>
-              <a:rPr kumimoji="0" lang="en-US" altLang="en-US" b="0" i="0" u="none" strike="noStrike" cap="none" normalizeH="0" baseline="0" dirty="0">
-                <a:ln>
-                  <a:noFill/>
-                </a:ln>
-                <a:solidFill>
-                  <a:srgbClr val="000000"/>
-                </a:solidFill>
-                <a:effectLst/>
-                <a:latin typeface="Arial Unicode MS"/>
-              </a:rPr>
-              <a:t>) {</a:t>
-            </a:r>
-            <a:br>
-              <a:rPr kumimoji="0" lang="en-US" altLang="en-US" b="0" i="0" u="none" strike="noStrike" cap="none" normalizeH="0" baseline="0" dirty="0">
-                <a:ln>
-                  <a:noFill/>
-                </a:ln>
-                <a:solidFill>
-                  <a:srgbClr val="000000"/>
-                </a:solidFill>
-                <a:effectLst/>
-                <a:latin typeface="Arial Unicode MS"/>
+                <a:latin typeface="Arial" panose="020B0604020202020204" pitchFamily="34" charset="0"/>
               </a:rPr>
             </a:br>
             <a:r>
-              <a:rPr kumimoji="0" lang="en-US" altLang="en-US" b="0" i="0" u="none" strike="noStrike" cap="none" normalizeH="0" baseline="0" dirty="0">
-                <a:ln>
-                  <a:noFill/>
-                </a:ln>
-                <a:solidFill>
-                  <a:srgbClr val="000000"/>
-                </a:solidFill>
-                <a:effectLst/>
-                <a:latin typeface="Arial Unicode MS"/>
-              </a:rPr>
-              <a:t>   </a:t>
-            </a:r>
-            <a:r>
-              <a:rPr kumimoji="0" lang="en-US" altLang="en-US" b="0" i="0" u="none" strike="noStrike" cap="none" normalizeH="0" baseline="0" dirty="0">
-                <a:ln>
-                  <a:noFill/>
-                </a:ln>
-                <a:solidFill>
-                  <a:srgbClr val="AF00DB"/>
-                </a:solidFill>
-                <a:effectLst/>
-                <a:latin typeface="Arial Unicode MS"/>
-              </a:rPr>
-              <a:t>return</a:t>
-            </a:r>
-            <a:r>
-              <a:rPr kumimoji="0" lang="en-US" altLang="en-US" b="0" i="0" u="none" strike="noStrike" cap="none" normalizeH="0" baseline="0" dirty="0">
-                <a:ln>
-                  <a:noFill/>
-                </a:ln>
-                <a:solidFill>
-                  <a:srgbClr val="000000"/>
-                </a:solidFill>
-                <a:effectLst/>
-                <a:latin typeface="Arial Unicode MS"/>
-              </a:rPr>
-              <a:t> </a:t>
-            </a:r>
-            <a:r>
-              <a:rPr kumimoji="0" lang="en-US" altLang="en-US" b="0" i="0" u="none" strike="noStrike" cap="none" normalizeH="0" baseline="0" dirty="0">
-                <a:ln>
-                  <a:noFill/>
-                </a:ln>
-                <a:solidFill>
-                  <a:srgbClr val="098658"/>
-                </a:solidFill>
-                <a:effectLst/>
-                <a:latin typeface="Arial Unicode MS"/>
-              </a:rPr>
-              <a:t>0</a:t>
-            </a:r>
-            <a:r>
-              <a:rPr kumimoji="0" lang="en-US" altLang="en-US" b="0" i="0" u="none" strike="noStrike" cap="none" normalizeH="0" baseline="0" dirty="0">
-                <a:ln>
-                  <a:noFill/>
-                </a:ln>
-                <a:solidFill>
-                  <a:srgbClr val="000000"/>
-                </a:solidFill>
-                <a:effectLst/>
-                <a:latin typeface="Arial Unicode MS"/>
-              </a:rPr>
-              <a:t> </a:t>
-            </a:r>
-            <a:r>
-              <a:rPr kumimoji="0" lang="en-US" altLang="en-US" b="1" i="0" u="none" strike="noStrike" cap="none" normalizeH="0" baseline="0" dirty="0">
-                <a:ln>
-                  <a:noFill/>
-                </a:ln>
-                <a:solidFill>
-                  <a:srgbClr val="000000"/>
-                </a:solidFill>
-                <a:effectLst/>
-                <a:latin typeface="Arial Unicode MS"/>
-              </a:rPr>
-              <a:t>??</a:t>
-            </a:r>
-            <a:r>
-              <a:rPr kumimoji="0" lang="en-US" altLang="en-US" b="0" i="0" u="none" strike="noStrike" cap="none" normalizeH="0" baseline="0" dirty="0">
-                <a:ln>
-                  <a:noFill/>
-                </a:ln>
-                <a:solidFill>
-                  <a:srgbClr val="000000"/>
-                </a:solidFill>
-                <a:effectLst/>
-                <a:latin typeface="Arial Unicode MS"/>
-              </a:rPr>
-              <a:t> </a:t>
-            </a:r>
-            <a:r>
-              <a:rPr kumimoji="0" lang="en-US" altLang="en-US" b="0" i="0" u="none" strike="noStrike" cap="none" normalizeH="0" baseline="0" dirty="0" err="1">
-                <a:ln>
-                  <a:noFill/>
-                </a:ln>
-                <a:solidFill>
-                  <a:srgbClr val="001080"/>
-                </a:solidFill>
-                <a:effectLst/>
-                <a:latin typeface="Arial Unicode MS"/>
-              </a:rPr>
-              <a:t>val</a:t>
-            </a:r>
-            <a:r>
-              <a:rPr kumimoji="0" lang="en-US" altLang="en-US" b="0" i="0" u="none" strike="noStrike" cap="none" normalizeH="0" baseline="0" dirty="0">
-                <a:ln>
-                  <a:noFill/>
-                </a:ln>
-                <a:solidFill>
-                  <a:srgbClr val="000000"/>
-                </a:solidFill>
-                <a:effectLst/>
-                <a:latin typeface="Arial Unicode MS"/>
-              </a:rPr>
-              <a:t>;</a:t>
-            </a:r>
-            <a:br>
-              <a:rPr kumimoji="0" lang="en-US" altLang="en-US" b="0" i="0" u="none" strike="noStrike" cap="none" normalizeH="0" baseline="0" dirty="0">
-                <a:ln>
-                  <a:noFill/>
-                </a:ln>
-                <a:solidFill>
-                  <a:srgbClr val="000000"/>
-                </a:solidFill>
-                <a:effectLst/>
-                <a:latin typeface="Arial Unicode MS"/>
-              </a:rPr>
-            </a:br>
-            <a:r>
-              <a:rPr kumimoji="0" lang="en-US" altLang="en-US" b="0" i="0" u="none" strike="noStrike" cap="none" normalizeH="0" baseline="0" dirty="0">
-                <a:ln>
-                  <a:noFill/>
-                </a:ln>
-                <a:solidFill>
-                  <a:srgbClr val="000000"/>
-                </a:solidFill>
-                <a:effectLst/>
-                <a:latin typeface="Arial Unicode MS"/>
-              </a:rPr>
-              <a:t>}</a:t>
-            </a:r>
-            <a:br>
-              <a:rPr kumimoji="0" lang="en-US" altLang="en-US" b="0" i="0" u="none" strike="noStrike" cap="none" normalizeH="0" baseline="0" dirty="0">
-                <a:ln>
-                  <a:noFill/>
-                </a:ln>
-                <a:solidFill>
-                  <a:srgbClr val="000000"/>
-                </a:solidFill>
-                <a:effectLst/>
-                <a:latin typeface="Arial Unicode MS"/>
-              </a:rPr>
-            </a:br>
-            <a:br>
-              <a:rPr kumimoji="0" lang="en-US" altLang="en-US" b="0" i="0" u="none" strike="noStrike" cap="none" normalizeH="0" baseline="0" dirty="0">
-                <a:ln>
-                  <a:noFill/>
-                </a:ln>
-                <a:solidFill>
-                  <a:srgbClr val="000000"/>
-                </a:solidFill>
-                <a:effectLst/>
-                <a:latin typeface="Arial Unicode MS"/>
-              </a:rPr>
-            </a:br>
-            <a:br>
-              <a:rPr kumimoji="0" lang="en-US" altLang="en-US" b="0" i="0" u="none" strike="noStrike" cap="none" normalizeH="0" baseline="0" dirty="0">
-                <a:ln>
-                  <a:noFill/>
-                </a:ln>
-                <a:solidFill>
-                  <a:srgbClr val="000000"/>
-                </a:solidFill>
-                <a:effectLst/>
-                <a:latin typeface="Arial Unicode MS"/>
-              </a:rPr>
-            </a:br>
-            <a:r>
-              <a:rPr kumimoji="0" lang="en-US" altLang="en-US" b="0" i="0" u="none" strike="noStrike" cap="none" normalizeH="0" baseline="0" dirty="0">
-                <a:ln>
-                  <a:noFill/>
-                </a:ln>
-                <a:solidFill>
-                  <a:srgbClr val="0000FF"/>
-                </a:solidFill>
-                <a:effectLst/>
-                <a:latin typeface="Arial Unicode MS"/>
-              </a:rPr>
-              <a:t>public</a:t>
-            </a:r>
-            <a:r>
-              <a:rPr kumimoji="0" lang="en-US" altLang="en-US" b="0" i="0" u="none" strike="noStrike" cap="none" normalizeH="0" baseline="0" dirty="0">
-                <a:ln>
-                  <a:noFill/>
-                </a:ln>
-                <a:solidFill>
-                  <a:srgbClr val="000000"/>
-                </a:solidFill>
-                <a:effectLst/>
-                <a:latin typeface="Arial Unicode MS"/>
-              </a:rPr>
-              <a:t> </a:t>
-            </a:r>
-            <a:r>
-              <a:rPr kumimoji="0" lang="en-US" altLang="en-US" b="0" i="0" u="none" strike="noStrike" cap="none" normalizeH="0" baseline="0" dirty="0">
-                <a:ln>
-                  <a:noFill/>
-                </a:ln>
-                <a:solidFill>
-                  <a:srgbClr val="0000FF"/>
-                </a:solidFill>
-                <a:effectLst/>
-                <a:latin typeface="Arial Unicode MS"/>
-              </a:rPr>
-              <a:t>static</a:t>
-            </a:r>
-            <a:r>
-              <a:rPr kumimoji="0" lang="en-US" altLang="en-US" b="0" i="0" u="none" strike="noStrike" cap="none" normalizeH="0" baseline="0" dirty="0">
-                <a:ln>
-                  <a:noFill/>
-                </a:ln>
-                <a:solidFill>
-                  <a:srgbClr val="000000"/>
-                </a:solidFill>
-                <a:effectLst/>
-                <a:latin typeface="Arial Unicode MS"/>
-              </a:rPr>
-              <a:t> </a:t>
-            </a:r>
-            <a:r>
-              <a:rPr kumimoji="0" lang="en-US" altLang="en-US" b="0" i="0" u="none" strike="noStrike" cap="none" normalizeH="0" baseline="0" dirty="0">
-                <a:ln>
-                  <a:noFill/>
-                </a:ln>
-                <a:solidFill>
-                  <a:srgbClr val="267F99"/>
-                </a:solidFill>
-                <a:effectLst/>
-                <a:latin typeface="Arial Unicode MS"/>
-              </a:rPr>
-              <a:t>void</a:t>
-            </a:r>
-            <a:r>
-              <a:rPr kumimoji="0" lang="en-US" altLang="en-US" b="0" i="0" u="none" strike="noStrike" cap="none" normalizeH="0" baseline="0" dirty="0">
-                <a:ln>
-                  <a:noFill/>
-                </a:ln>
-                <a:solidFill>
-                  <a:srgbClr val="000000"/>
-                </a:solidFill>
-                <a:effectLst/>
-                <a:latin typeface="Arial Unicode MS"/>
-              </a:rPr>
-              <a:t> </a:t>
-            </a:r>
-            <a:r>
-              <a:rPr kumimoji="0" lang="en-US" altLang="en-US" b="0" i="0" u="none" strike="noStrike" cap="none" normalizeH="0" baseline="0" dirty="0">
-                <a:ln>
-                  <a:noFill/>
-                </a:ln>
-                <a:solidFill>
-                  <a:srgbClr val="795E26"/>
-                </a:solidFill>
-                <a:effectLst/>
-                <a:latin typeface="Arial Unicode MS"/>
-              </a:rPr>
-              <a:t>main</a:t>
-            </a:r>
-            <a:r>
-              <a:rPr kumimoji="0" lang="en-US" altLang="en-US" b="0" i="0" u="none" strike="noStrike" cap="none" normalizeH="0" baseline="0" dirty="0">
-                <a:ln>
-                  <a:noFill/>
-                </a:ln>
-                <a:solidFill>
-                  <a:srgbClr val="000000"/>
-                </a:solidFill>
-                <a:effectLst/>
-                <a:latin typeface="Arial Unicode MS"/>
-              </a:rPr>
-              <a:t>(</a:t>
-            </a:r>
-            <a:r>
-              <a:rPr kumimoji="0" lang="en-US" altLang="en-US" b="0" i="0" u="none" strike="noStrike" cap="none" normalizeH="0" baseline="0" dirty="0">
-                <a:ln>
-                  <a:noFill/>
-                </a:ln>
-                <a:solidFill>
-                  <a:srgbClr val="267F99"/>
-                </a:solidFill>
-                <a:effectLst/>
-                <a:latin typeface="Arial Unicode MS"/>
-              </a:rPr>
-              <a:t>String</a:t>
-            </a:r>
-            <a:r>
-              <a:rPr kumimoji="0" lang="en-US" altLang="en-US" b="0" i="0" u="none" strike="noStrike" cap="none" normalizeH="0" baseline="0" dirty="0">
-                <a:ln>
-                  <a:noFill/>
-                </a:ln>
-                <a:solidFill>
-                  <a:srgbClr val="000000"/>
-                </a:solidFill>
-                <a:effectLst/>
-                <a:latin typeface="Arial Unicode MS"/>
-              </a:rPr>
-              <a:t>[] </a:t>
-            </a:r>
-            <a:r>
-              <a:rPr kumimoji="0" lang="en-US" altLang="en-US" b="0" i="0" u="none" strike="noStrike" cap="none" normalizeH="0" baseline="0" dirty="0" err="1">
-                <a:ln>
-                  <a:noFill/>
-                </a:ln>
-                <a:solidFill>
-                  <a:srgbClr val="001080"/>
-                </a:solidFill>
-                <a:effectLst/>
-                <a:latin typeface="Arial Unicode MS"/>
-              </a:rPr>
-              <a:t>args</a:t>
-            </a:r>
-            <a:r>
-              <a:rPr kumimoji="0" lang="en-US" altLang="en-US" b="0" i="0" u="none" strike="noStrike" cap="none" normalizeH="0" baseline="0" dirty="0">
-                <a:ln>
-                  <a:noFill/>
-                </a:ln>
-                <a:solidFill>
-                  <a:srgbClr val="000000"/>
-                </a:solidFill>
-                <a:effectLst/>
-                <a:latin typeface="Arial Unicode MS"/>
-              </a:rPr>
-              <a:t>) {</a:t>
-            </a:r>
-            <a:br>
-              <a:rPr kumimoji="0" lang="en-US" altLang="en-US" b="0" i="0" u="none" strike="noStrike" cap="none" normalizeH="0" baseline="0" dirty="0">
-                <a:ln>
-                  <a:noFill/>
-                </a:ln>
-                <a:solidFill>
-                  <a:srgbClr val="000000"/>
-                </a:solidFill>
-                <a:effectLst/>
-                <a:latin typeface="Arial Unicode MS"/>
-              </a:rPr>
-            </a:br>
-            <a:r>
-              <a:rPr kumimoji="0" lang="en-US" altLang="en-US" b="0" i="0" u="none" strike="noStrike" cap="none" normalizeH="0" baseline="0" dirty="0">
-                <a:ln>
-                  <a:noFill/>
-                </a:ln>
-                <a:solidFill>
-                  <a:srgbClr val="000000"/>
-                </a:solidFill>
-                <a:effectLst/>
-                <a:latin typeface="Arial Unicode MS"/>
-              </a:rPr>
-              <a:t>   </a:t>
-            </a:r>
-            <a:r>
-              <a:rPr kumimoji="0" lang="en-US" altLang="en-US" b="0" i="0" u="none" strike="noStrike" cap="none" normalizeH="0" baseline="0" dirty="0" err="1">
-                <a:ln>
-                  <a:noFill/>
-                </a:ln>
-                <a:solidFill>
-                  <a:srgbClr val="267F99"/>
-                </a:solidFill>
-                <a:effectLst/>
-                <a:latin typeface="Arial Unicode MS"/>
-              </a:rPr>
-              <a:t>System</a:t>
-            </a:r>
-            <a:r>
-              <a:rPr kumimoji="0" lang="en-US" altLang="en-US" b="0" i="0" u="none" strike="noStrike" cap="none" normalizeH="0" baseline="0" dirty="0" err="1">
-                <a:ln>
-                  <a:noFill/>
-                </a:ln>
-                <a:solidFill>
-                  <a:srgbClr val="000000"/>
-                </a:solidFill>
-                <a:effectLst/>
-                <a:latin typeface="Arial Unicode MS"/>
-              </a:rPr>
-              <a:t>.</a:t>
-            </a:r>
-            <a:r>
-              <a:rPr kumimoji="0" lang="en-US" altLang="en-US" b="0" i="0" u="none" strike="noStrike" cap="none" normalizeH="0" baseline="0" dirty="0" err="1">
-                <a:ln>
-                  <a:noFill/>
-                </a:ln>
-                <a:solidFill>
-                  <a:srgbClr val="0070C1"/>
-                </a:solidFill>
-                <a:effectLst/>
-                <a:latin typeface="Arial Unicode MS"/>
-              </a:rPr>
-              <a:t>out</a:t>
-            </a:r>
-            <a:r>
-              <a:rPr kumimoji="0" lang="en-US" altLang="en-US" b="0" i="0" u="none" strike="noStrike" cap="none" normalizeH="0" baseline="0" dirty="0" err="1">
-                <a:ln>
-                  <a:noFill/>
-                </a:ln>
-                <a:solidFill>
-                  <a:srgbClr val="000000"/>
-                </a:solidFill>
-                <a:effectLst/>
-                <a:latin typeface="Arial Unicode MS"/>
-              </a:rPr>
-              <a:t>.</a:t>
-            </a:r>
-            <a:r>
-              <a:rPr kumimoji="0" lang="en-US" altLang="en-US" b="0" i="0" u="none" strike="noStrike" cap="none" normalizeH="0" baseline="0" dirty="0" err="1">
-                <a:ln>
-                  <a:noFill/>
-                </a:ln>
-                <a:solidFill>
-                  <a:srgbClr val="795E26"/>
-                </a:solidFill>
-                <a:effectLst/>
-                <a:latin typeface="Arial Unicode MS"/>
-              </a:rPr>
-              <a:t>printf</a:t>
-            </a:r>
-            <a:r>
-              <a:rPr kumimoji="0" lang="en-US" altLang="en-US" b="0" i="0" u="none" strike="noStrike" cap="none" normalizeH="0" baseline="0" dirty="0">
-                <a:ln>
-                  <a:noFill/>
-                </a:ln>
-                <a:solidFill>
-                  <a:srgbClr val="000000"/>
-                </a:solidFill>
-                <a:effectLst/>
-                <a:latin typeface="Arial Unicode MS"/>
-              </a:rPr>
-              <a:t>(</a:t>
-            </a:r>
-            <a:r>
-              <a:rPr kumimoji="0" lang="en-US" altLang="en-US" b="0" i="0" u="none" strike="noStrike" cap="none" normalizeH="0" baseline="0" dirty="0">
-                <a:ln>
-                  <a:noFill/>
-                </a:ln>
-                <a:solidFill>
-                  <a:srgbClr val="A31515"/>
-                </a:solidFill>
-                <a:effectLst/>
-                <a:latin typeface="Arial Unicode MS"/>
-              </a:rPr>
-              <a:t>"%b, %b, %b"</a:t>
-            </a:r>
-            <a:r>
-              <a:rPr kumimoji="0" lang="en-US" altLang="en-US" b="0" i="0" u="none" strike="noStrike" cap="none" normalizeH="0" baseline="0" dirty="0">
-                <a:ln>
-                  <a:noFill/>
-                </a:ln>
-                <a:solidFill>
-                  <a:srgbClr val="000000"/>
-                </a:solidFill>
-                <a:effectLst/>
-                <a:latin typeface="Arial Unicode MS"/>
-              </a:rPr>
-              <a:t>, </a:t>
-            </a:r>
-            <a:r>
-              <a:rPr kumimoji="0" lang="en-US" altLang="en-US" b="0" i="0" u="none" strike="noStrike" cap="none" normalizeH="0" baseline="0" dirty="0" err="1">
-                <a:ln>
-                  <a:noFill/>
-                </a:ln>
-                <a:solidFill>
-                  <a:srgbClr val="795E26"/>
-                </a:solidFill>
-                <a:effectLst/>
-                <a:latin typeface="Arial Unicode MS"/>
-              </a:rPr>
-              <a:t>signCheck</a:t>
-            </a:r>
-            <a:r>
-              <a:rPr kumimoji="0" lang="en-US" altLang="en-US" b="0" i="0" u="none" strike="noStrike" cap="none" normalizeH="0" baseline="0" dirty="0">
-                <a:ln>
-                  <a:noFill/>
-                </a:ln>
-                <a:solidFill>
-                  <a:srgbClr val="000000"/>
-                </a:solidFill>
-                <a:effectLst/>
-                <a:latin typeface="Arial Unicode MS"/>
-              </a:rPr>
-              <a:t>(</a:t>
-            </a:r>
-            <a:r>
-              <a:rPr kumimoji="0" lang="en-US" altLang="en-US" b="0" i="0" u="none" strike="noStrike" cap="none" normalizeH="0" baseline="0" dirty="0">
-                <a:ln>
-                  <a:noFill/>
-                </a:ln>
-                <a:solidFill>
-                  <a:srgbClr val="098658"/>
-                </a:solidFill>
-                <a:effectLst/>
-                <a:latin typeface="Arial Unicode MS"/>
-              </a:rPr>
-              <a:t>10</a:t>
-            </a:r>
-            <a:r>
-              <a:rPr kumimoji="0" lang="en-US" altLang="en-US" b="0" i="0" u="none" strike="noStrike" cap="none" normalizeH="0" baseline="0" dirty="0">
-                <a:ln>
-                  <a:noFill/>
-                </a:ln>
-                <a:solidFill>
-                  <a:srgbClr val="000000"/>
-                </a:solidFill>
-                <a:effectLst/>
-                <a:latin typeface="Arial Unicode MS"/>
-              </a:rPr>
-              <a:t>), </a:t>
-            </a:r>
-            <a:r>
-              <a:rPr kumimoji="0" lang="en-US" altLang="en-US" b="0" i="0" u="none" strike="noStrike" cap="none" normalizeH="0" baseline="0" dirty="0" err="1">
-                <a:ln>
-                  <a:noFill/>
-                </a:ln>
-                <a:solidFill>
-                  <a:srgbClr val="795E26"/>
-                </a:solidFill>
-                <a:effectLst/>
-                <a:latin typeface="Arial Unicode MS"/>
-              </a:rPr>
-              <a:t>signCheck</a:t>
-            </a:r>
-            <a:r>
-              <a:rPr kumimoji="0" lang="en-US" altLang="en-US" b="0" i="0" u="none" strike="noStrike" cap="none" normalizeH="0" baseline="0" dirty="0">
-                <a:ln>
-                  <a:noFill/>
-                </a:ln>
-                <a:solidFill>
-                  <a:srgbClr val="000000"/>
-                </a:solidFill>
-                <a:effectLst/>
-                <a:latin typeface="Arial Unicode MS"/>
-              </a:rPr>
-              <a:t>(</a:t>
-            </a:r>
-            <a:r>
-              <a:rPr kumimoji="0" lang="en-US" altLang="en-US" b="0" i="0" u="none" strike="noStrike" cap="none" normalizeH="0" baseline="0" dirty="0">
-                <a:ln>
-                  <a:noFill/>
-                </a:ln>
-                <a:solidFill>
-                  <a:srgbClr val="098658"/>
-                </a:solidFill>
-                <a:effectLst/>
-                <a:latin typeface="Arial Unicode MS"/>
-              </a:rPr>
-              <a:t>0</a:t>
-            </a:r>
-            <a:r>
-              <a:rPr kumimoji="0" lang="en-US" altLang="en-US" b="0" i="0" u="none" strike="noStrike" cap="none" normalizeH="0" baseline="0" dirty="0">
-                <a:ln>
-                  <a:noFill/>
-                </a:ln>
-                <a:solidFill>
-                  <a:srgbClr val="000000"/>
-                </a:solidFill>
-                <a:effectLst/>
-                <a:latin typeface="Arial Unicode MS"/>
-              </a:rPr>
-              <a:t>), </a:t>
-            </a:r>
-            <a:r>
-              <a:rPr kumimoji="0" lang="en-US" altLang="en-US" b="0" i="0" u="none" strike="noStrike" cap="none" normalizeH="0" baseline="0" dirty="0" err="1">
-                <a:ln>
-                  <a:noFill/>
-                </a:ln>
-                <a:solidFill>
-                  <a:srgbClr val="795E26"/>
-                </a:solidFill>
-                <a:effectLst/>
-                <a:latin typeface="Arial Unicode MS"/>
-              </a:rPr>
-              <a:t>signCheck</a:t>
-            </a:r>
-            <a:r>
-              <a:rPr kumimoji="0" lang="en-US" altLang="en-US" b="0" i="0" u="none" strike="noStrike" cap="none" normalizeH="0" baseline="0" dirty="0">
-                <a:ln>
-                  <a:noFill/>
-                </a:ln>
-                <a:solidFill>
-                  <a:srgbClr val="000000"/>
-                </a:solidFill>
-                <a:effectLst/>
-                <a:latin typeface="Arial Unicode MS"/>
-              </a:rPr>
-              <a:t>(-</a:t>
-            </a:r>
-            <a:r>
-              <a:rPr kumimoji="0" lang="en-US" altLang="en-US" b="0" i="0" u="none" strike="noStrike" cap="none" normalizeH="0" baseline="0" dirty="0">
-                <a:ln>
-                  <a:noFill/>
-                </a:ln>
-                <a:solidFill>
-                  <a:srgbClr val="098658"/>
-                </a:solidFill>
-                <a:effectLst/>
-                <a:latin typeface="Arial Unicode MS"/>
-              </a:rPr>
-              <a:t>10</a:t>
-            </a:r>
-            <a:r>
-              <a:rPr kumimoji="0" lang="en-US" altLang="en-US" b="0" i="0" u="none" strike="noStrike" cap="none" normalizeH="0" baseline="0" dirty="0">
-                <a:ln>
-                  <a:noFill/>
-                </a:ln>
-                <a:solidFill>
-                  <a:srgbClr val="000000"/>
-                </a:solidFill>
-                <a:effectLst/>
-                <a:latin typeface="Arial Unicode MS"/>
-              </a:rPr>
-              <a:t>));</a:t>
-            </a:r>
-            <a:br>
-              <a:rPr kumimoji="0" lang="en-US" altLang="en-US" b="0" i="0" u="none" strike="noStrike" cap="none" normalizeH="0" baseline="0" dirty="0">
-                <a:ln>
-                  <a:noFill/>
-                </a:ln>
-                <a:solidFill>
-                  <a:srgbClr val="000000"/>
-                </a:solidFill>
-                <a:effectLst/>
-                <a:latin typeface="Arial Unicode MS"/>
-              </a:rPr>
-            </a:br>
-            <a:r>
-              <a:rPr kumimoji="0" lang="en-US" altLang="en-US" b="0" i="0" u="none" strike="noStrike" cap="none" normalizeH="0" baseline="0" dirty="0">
-                <a:ln>
-                  <a:noFill/>
-                </a:ln>
-                <a:solidFill>
-                  <a:srgbClr val="000000"/>
-                </a:solidFill>
-                <a:effectLst/>
-                <a:latin typeface="Arial Unicode MS"/>
-              </a:rPr>
-              <a:t>}</a:t>
-            </a:r>
-            <a:endParaRPr kumimoji="0" lang="en-US" altLang="en-US" b="0" i="0" u="none" strike="noStrike" cap="none" normalizeH="0" baseline="0" dirty="0">
-              <a:ln>
-                <a:noFill/>
-              </a:ln>
-              <a:solidFill>
-                <a:schemeClr val="tx1"/>
-              </a:solidFill>
-              <a:effectLst/>
-              <a:latin typeface="Arial" panose="020B0604020202020204" pitchFamily="34" charset="0"/>
-            </a:endParaRPr>
-          </a:p>
-        </p:txBody>
-      </p:sp>
-      <p:sp>
-        <p:nvSpPr>
-          <p:cNvPr id="9" name="TextBox 8">
-            <a:extLst>
-              <a:ext uri="{FF2B5EF4-FFF2-40B4-BE49-F238E27FC236}">
-                <a16:creationId xmlns:a16="http://schemas.microsoft.com/office/drawing/2014/main" id="{7F47CCFC-63FE-431E-BEDE-18869D514285}"/>
-              </a:ext>
-            </a:extLst>
-          </p:cNvPr>
-          <p:cNvSpPr txBox="1"/>
-          <p:nvPr/>
-        </p:nvSpPr>
-        <p:spPr>
-          <a:xfrm>
-            <a:off x="925529" y="5244029"/>
-            <a:ext cx="2049025" cy="400110"/>
-          </a:xfrm>
-          <a:prstGeom prst="rect">
-            <a:avLst/>
-          </a:prstGeom>
-          <a:noFill/>
-        </p:spPr>
-        <p:txBody>
-          <a:bodyPr wrap="square" rtlCol="0">
-            <a:spAutoFit/>
-          </a:bodyPr>
-          <a:lstStyle/>
-          <a:p>
-            <a:r>
-              <a:rPr lang="en-US" dirty="0"/>
-              <a:t>false, false, true</a:t>
-            </a:r>
-          </a:p>
-        </p:txBody>
-      </p:sp>
-      <p:sp>
-        <p:nvSpPr>
-          <p:cNvPr id="10" name="TextBox 9">
-            <a:extLst>
-              <a:ext uri="{FF2B5EF4-FFF2-40B4-BE49-F238E27FC236}">
-                <a16:creationId xmlns:a16="http://schemas.microsoft.com/office/drawing/2014/main" id="{4B5CE85D-FF7C-4B09-852D-36A7AF1F57F3}"/>
-              </a:ext>
-            </a:extLst>
-          </p:cNvPr>
-          <p:cNvSpPr txBox="1"/>
-          <p:nvPr/>
-        </p:nvSpPr>
-        <p:spPr>
-          <a:xfrm>
-            <a:off x="11391441" y="352540"/>
-            <a:ext cx="1685581" cy="1938992"/>
-          </a:xfrm>
-          <a:prstGeom prst="rect">
-            <a:avLst/>
-          </a:prstGeom>
-          <a:noFill/>
-        </p:spPr>
-        <p:txBody>
-          <a:bodyPr wrap="square" rtlCol="0">
-            <a:spAutoFit/>
-          </a:bodyPr>
-          <a:lstStyle/>
-          <a:p>
-            <a:r>
-              <a:rPr lang="en-US" dirty="0"/>
-              <a:t>Options:</a:t>
-            </a:r>
-          </a:p>
-          <a:p>
-            <a:r>
-              <a:rPr lang="en-US" dirty="0"/>
-              <a:t>A: &gt;</a:t>
-            </a:r>
-          </a:p>
-          <a:p>
-            <a:r>
-              <a:rPr lang="en-US" dirty="0"/>
-              <a:t>B: &lt;</a:t>
-            </a:r>
-          </a:p>
-          <a:p>
-            <a:r>
-              <a:rPr lang="en-US" dirty="0"/>
-              <a:t>C: &gt;=</a:t>
-            </a:r>
-          </a:p>
-          <a:p>
-            <a:r>
-              <a:rPr lang="en-US" dirty="0"/>
-              <a:t>D: &lt;=</a:t>
-            </a:r>
-          </a:p>
-          <a:p>
-            <a:r>
-              <a:rPr lang="en-US" dirty="0"/>
-              <a:t>E: ==</a:t>
-            </a:r>
-          </a:p>
-        </p:txBody>
-      </p:sp>
-      <p:sp>
-        <p:nvSpPr>
-          <p:cNvPr id="11" name="TextBox 10">
-            <a:extLst>
-              <a:ext uri="{FF2B5EF4-FFF2-40B4-BE49-F238E27FC236}">
-                <a16:creationId xmlns:a16="http://schemas.microsoft.com/office/drawing/2014/main" id="{DBC96204-A3FF-4169-B886-70750A703A34}"/>
-              </a:ext>
-            </a:extLst>
-          </p:cNvPr>
-          <p:cNvSpPr txBox="1"/>
-          <p:nvPr/>
-        </p:nvSpPr>
-        <p:spPr>
-          <a:xfrm>
-            <a:off x="3279354" y="5244029"/>
-            <a:ext cx="1557051" cy="400110"/>
-          </a:xfrm>
-          <a:prstGeom prst="rect">
-            <a:avLst/>
-          </a:prstGeom>
-          <a:noFill/>
-        </p:spPr>
-        <p:txBody>
-          <a:bodyPr wrap="square" rtlCol="0">
-            <a:spAutoFit/>
-          </a:bodyPr>
-          <a:lstStyle/>
-          <a:p>
-            <a:r>
-              <a:rPr lang="en-US" dirty="0"/>
-              <a:t>&gt; (A)</a:t>
-            </a:r>
-          </a:p>
-        </p:txBody>
-      </p:sp>
-      <p:sp>
-        <p:nvSpPr>
-          <p:cNvPr id="12" name="TextBox 11">
-            <a:extLst>
-              <a:ext uri="{FF2B5EF4-FFF2-40B4-BE49-F238E27FC236}">
-                <a16:creationId xmlns:a16="http://schemas.microsoft.com/office/drawing/2014/main" id="{8042A1A1-6E85-4749-AC5E-7ABEFC4F0107}"/>
-              </a:ext>
-            </a:extLst>
-          </p:cNvPr>
-          <p:cNvSpPr txBox="1"/>
-          <p:nvPr/>
-        </p:nvSpPr>
-        <p:spPr>
-          <a:xfrm>
-            <a:off x="925530" y="5700042"/>
-            <a:ext cx="2049025" cy="400110"/>
-          </a:xfrm>
-          <a:prstGeom prst="rect">
-            <a:avLst/>
-          </a:prstGeom>
-          <a:noFill/>
-        </p:spPr>
-        <p:txBody>
-          <a:bodyPr wrap="square" rtlCol="0">
-            <a:spAutoFit/>
-          </a:bodyPr>
-          <a:lstStyle/>
-          <a:p>
-            <a:r>
-              <a:rPr lang="en-US" dirty="0"/>
-              <a:t>true, true, false</a:t>
-            </a:r>
-          </a:p>
-        </p:txBody>
-      </p:sp>
-      <p:sp>
-        <p:nvSpPr>
-          <p:cNvPr id="13" name="TextBox 12">
-            <a:extLst>
-              <a:ext uri="{FF2B5EF4-FFF2-40B4-BE49-F238E27FC236}">
-                <a16:creationId xmlns:a16="http://schemas.microsoft.com/office/drawing/2014/main" id="{381023EC-747D-42C2-8B80-5FCABB2BC1DB}"/>
-              </a:ext>
-            </a:extLst>
-          </p:cNvPr>
-          <p:cNvSpPr txBox="1"/>
-          <p:nvPr/>
-        </p:nvSpPr>
-        <p:spPr>
-          <a:xfrm>
-            <a:off x="3279354" y="5715070"/>
-            <a:ext cx="1557051" cy="400110"/>
-          </a:xfrm>
-          <a:prstGeom prst="rect">
-            <a:avLst/>
-          </a:prstGeom>
-          <a:noFill/>
-        </p:spPr>
-        <p:txBody>
-          <a:bodyPr wrap="square" rtlCol="0">
-            <a:spAutoFit/>
-          </a:bodyPr>
-          <a:lstStyle/>
-          <a:p>
-            <a:r>
-              <a:rPr lang="en-US" dirty="0"/>
-              <a:t>&lt;= (D)</a:t>
-            </a:r>
-          </a:p>
-        </p:txBody>
-      </p:sp>
-      <p:sp>
-        <p:nvSpPr>
-          <p:cNvPr id="14" name="TextBox 13">
-            <a:extLst>
-              <a:ext uri="{FF2B5EF4-FFF2-40B4-BE49-F238E27FC236}">
-                <a16:creationId xmlns:a16="http://schemas.microsoft.com/office/drawing/2014/main" id="{AC6ABD88-72A7-4260-9077-6481BB1D2232}"/>
-              </a:ext>
-            </a:extLst>
-          </p:cNvPr>
-          <p:cNvSpPr txBox="1"/>
-          <p:nvPr/>
-        </p:nvSpPr>
-        <p:spPr>
-          <a:xfrm>
-            <a:off x="925530" y="6240518"/>
-            <a:ext cx="2049025" cy="400110"/>
-          </a:xfrm>
-          <a:prstGeom prst="rect">
-            <a:avLst/>
-          </a:prstGeom>
-          <a:noFill/>
-        </p:spPr>
-        <p:txBody>
-          <a:bodyPr wrap="square" rtlCol="0">
-            <a:spAutoFit/>
-          </a:bodyPr>
-          <a:lstStyle/>
-          <a:p>
-            <a:r>
-              <a:rPr lang="en-US" dirty="0"/>
-              <a:t>false, true, false</a:t>
-            </a:r>
-          </a:p>
-        </p:txBody>
-      </p:sp>
-      <p:sp>
-        <p:nvSpPr>
-          <p:cNvPr id="15" name="TextBox 14">
-            <a:extLst>
-              <a:ext uri="{FF2B5EF4-FFF2-40B4-BE49-F238E27FC236}">
-                <a16:creationId xmlns:a16="http://schemas.microsoft.com/office/drawing/2014/main" id="{6540EDA1-B0AD-47A4-9C61-E2B44D58BCCD}"/>
-              </a:ext>
-            </a:extLst>
-          </p:cNvPr>
-          <p:cNvSpPr txBox="1"/>
-          <p:nvPr/>
-        </p:nvSpPr>
-        <p:spPr>
-          <a:xfrm>
-            <a:off x="3279354" y="6255546"/>
-            <a:ext cx="1557051" cy="400110"/>
-          </a:xfrm>
-          <a:prstGeom prst="rect">
-            <a:avLst/>
-          </a:prstGeom>
-          <a:noFill/>
-        </p:spPr>
-        <p:txBody>
-          <a:bodyPr wrap="square" rtlCol="0">
-            <a:spAutoFit/>
-          </a:bodyPr>
-          <a:lstStyle/>
-          <a:p>
-            <a:r>
-              <a:rPr lang="en-US" dirty="0"/>
-              <a:t>== (E)</a:t>
+              <a:rPr lang="en-US" altLang="en-US" b="1" dirty="0"/>
+              <a:t>What is the difference between comparing primitive types, such as char, int, and float, with Strings for equality? Provide examples to support your answer.</a:t>
             </a:r>
           </a:p>
         </p:txBody>
@@ -12088,369 +12501,6 @@
       </p:transition>
     </mc:Fallback>
   </mc:AlternateContent>
-  <p:timing>
-    <p:tnLst>
-      <p:par>
-        <p:cTn id="1" dur="indefinite" restart="never" nodeType="tmRoot">
-          <p:childTnLst>
-            <p:seq concurrent="1" nextAc="seek">
-              <p:cTn id="2" dur="indefinite" nodeType="mainSeq">
-                <p:childTnLst>
-                  <p:par>
-                    <p:cTn id="3" fill="hold">
-                      <p:stCondLst>
-                        <p:cond delay="indefinite"/>
-                      </p:stCondLst>
-                      <p:childTnLst>
-                        <p:par>
-                          <p:cTn id="4" fill="hold">
-                            <p:stCondLst>
-                              <p:cond delay="0"/>
-                            </p:stCondLst>
-                            <p:childTnLst>
-                              <p:par>
-                                <p:cTn id="5" presetID="10" presetClass="entr" presetSubtype="0" fill="hold" grpId="0" nodeType="clickEffect">
-                                  <p:stCondLst>
-                                    <p:cond delay="0"/>
-                                  </p:stCondLst>
-                                  <p:childTnLst>
-                                    <p:set>
-                                      <p:cBhvr>
-                                        <p:cTn id="6" dur="1" fill="hold">
-                                          <p:stCondLst>
-                                            <p:cond delay="0"/>
-                                          </p:stCondLst>
-                                        </p:cTn>
-                                        <p:tgtEl>
-                                          <p:spTgt spid="9"/>
-                                        </p:tgtEl>
-                                        <p:attrNameLst>
-                                          <p:attrName>style.visibility</p:attrName>
-                                        </p:attrNameLst>
-                                      </p:cBhvr>
-                                      <p:to>
-                                        <p:strVal val="visible"/>
-                                      </p:to>
-                                    </p:set>
-                                    <p:animEffect transition="in" filter="fade">
-                                      <p:cBhvr>
-                                        <p:cTn id="7" dur="500"/>
-                                        <p:tgtEl>
-                                          <p:spTgt spid="9"/>
-                                        </p:tgtEl>
-                                      </p:cBhvr>
-                                    </p:animEffect>
-                                  </p:childTnLst>
-                                </p:cTn>
-                              </p:par>
-                            </p:childTnLst>
-                          </p:cTn>
-                        </p:par>
-                      </p:childTnLst>
-                    </p:cTn>
-                  </p:par>
-                  <p:par>
-                    <p:cTn id="8" fill="hold">
-                      <p:stCondLst>
-                        <p:cond delay="indefinite"/>
-                      </p:stCondLst>
-                      <p:childTnLst>
-                        <p:par>
-                          <p:cTn id="9" fill="hold">
-                            <p:stCondLst>
-                              <p:cond delay="0"/>
-                            </p:stCondLst>
-                            <p:childTnLst>
-                              <p:par>
-                                <p:cTn id="10" presetID="10" presetClass="entr" presetSubtype="0" fill="hold" grpId="0" nodeType="clickEffect">
-                                  <p:stCondLst>
-                                    <p:cond delay="0"/>
-                                  </p:stCondLst>
-                                  <p:childTnLst>
-                                    <p:set>
-                                      <p:cBhvr>
-                                        <p:cTn id="11" dur="1" fill="hold">
-                                          <p:stCondLst>
-                                            <p:cond delay="0"/>
-                                          </p:stCondLst>
-                                        </p:cTn>
-                                        <p:tgtEl>
-                                          <p:spTgt spid="11"/>
-                                        </p:tgtEl>
-                                        <p:attrNameLst>
-                                          <p:attrName>style.visibility</p:attrName>
-                                        </p:attrNameLst>
-                                      </p:cBhvr>
-                                      <p:to>
-                                        <p:strVal val="visible"/>
-                                      </p:to>
-                                    </p:set>
-                                    <p:animEffect transition="in" filter="fade">
-                                      <p:cBhvr>
-                                        <p:cTn id="12" dur="500"/>
-                                        <p:tgtEl>
-                                          <p:spTgt spid="11"/>
-                                        </p:tgtEl>
-                                      </p:cBhvr>
-                                    </p:animEffect>
-                                  </p:childTnLst>
-                                </p:cTn>
-                              </p:par>
-                            </p:childTnLst>
-                          </p:cTn>
-                        </p:par>
-                      </p:childTnLst>
-                    </p:cTn>
-                  </p:par>
-                  <p:par>
-                    <p:cTn id="13" fill="hold">
-                      <p:stCondLst>
-                        <p:cond delay="indefinite"/>
-                      </p:stCondLst>
-                      <p:childTnLst>
-                        <p:par>
-                          <p:cTn id="14" fill="hold">
-                            <p:stCondLst>
-                              <p:cond delay="0"/>
-                            </p:stCondLst>
-                            <p:childTnLst>
-                              <p:par>
-                                <p:cTn id="15" presetID="10" presetClass="entr" presetSubtype="0" fill="hold" grpId="0" nodeType="clickEffect">
-                                  <p:stCondLst>
-                                    <p:cond delay="0"/>
-                                  </p:stCondLst>
-                                  <p:childTnLst>
-                                    <p:set>
-                                      <p:cBhvr>
-                                        <p:cTn id="16" dur="1" fill="hold">
-                                          <p:stCondLst>
-                                            <p:cond delay="0"/>
-                                          </p:stCondLst>
-                                        </p:cTn>
-                                        <p:tgtEl>
-                                          <p:spTgt spid="12"/>
-                                        </p:tgtEl>
-                                        <p:attrNameLst>
-                                          <p:attrName>style.visibility</p:attrName>
-                                        </p:attrNameLst>
-                                      </p:cBhvr>
-                                      <p:to>
-                                        <p:strVal val="visible"/>
-                                      </p:to>
-                                    </p:set>
-                                    <p:animEffect transition="in" filter="fade">
-                                      <p:cBhvr>
-                                        <p:cTn id="17" dur="500"/>
-                                        <p:tgtEl>
-                                          <p:spTgt spid="12"/>
-                                        </p:tgtEl>
-                                      </p:cBhvr>
-                                    </p:animEffect>
-                                  </p:childTnLst>
-                                </p:cTn>
-                              </p:par>
-                            </p:childTnLst>
-                          </p:cTn>
-                        </p:par>
-                      </p:childTnLst>
-                    </p:cTn>
-                  </p:par>
-                  <p:par>
-                    <p:cTn id="18" fill="hold">
-                      <p:stCondLst>
-                        <p:cond delay="indefinite"/>
-                      </p:stCondLst>
-                      <p:childTnLst>
-                        <p:par>
-                          <p:cTn id="19" fill="hold">
-                            <p:stCondLst>
-                              <p:cond delay="0"/>
-                            </p:stCondLst>
-                            <p:childTnLst>
-                              <p:par>
-                                <p:cTn id="20" presetID="10" presetClass="entr" presetSubtype="0" fill="hold" nodeType="clickEffect">
-                                  <p:stCondLst>
-                                    <p:cond delay="0"/>
-                                  </p:stCondLst>
-                                  <p:childTnLst>
-                                    <p:set>
-                                      <p:cBhvr>
-                                        <p:cTn id="21" dur="1" fill="hold">
-                                          <p:stCondLst>
-                                            <p:cond delay="0"/>
-                                          </p:stCondLst>
-                                        </p:cTn>
-                                        <p:tgtEl>
-                                          <p:spTgt spid="13">
-                                            <p:txEl>
-                                              <p:pRg st="0" end="0"/>
-                                            </p:txEl>
-                                          </p:spTgt>
-                                        </p:tgtEl>
-                                        <p:attrNameLst>
-                                          <p:attrName>style.visibility</p:attrName>
-                                        </p:attrNameLst>
-                                      </p:cBhvr>
-                                      <p:to>
-                                        <p:strVal val="visible"/>
-                                      </p:to>
-                                    </p:set>
-                                    <p:animEffect transition="in" filter="fade">
-                                      <p:cBhvr>
-                                        <p:cTn id="22" dur="500"/>
-                                        <p:tgtEl>
-                                          <p:spTgt spid="13">
-                                            <p:txEl>
-                                              <p:pRg st="0" end="0"/>
-                                            </p:txEl>
-                                          </p:spTgt>
-                                        </p:tgtEl>
-                                      </p:cBhvr>
-                                    </p:animEffect>
-                                  </p:childTnLst>
-                                </p:cTn>
-                              </p:par>
-                            </p:childTnLst>
-                          </p:cTn>
-                        </p:par>
-                      </p:childTnLst>
-                    </p:cTn>
-                  </p:par>
-                  <p:par>
-                    <p:cTn id="23" fill="hold">
-                      <p:stCondLst>
-                        <p:cond delay="indefinite"/>
-                      </p:stCondLst>
-                      <p:childTnLst>
-                        <p:par>
-                          <p:cTn id="24" fill="hold">
-                            <p:stCondLst>
-                              <p:cond delay="0"/>
-                            </p:stCondLst>
-                            <p:childTnLst>
-                              <p:par>
-                                <p:cTn id="25" presetID="10" presetClass="entr" presetSubtype="0" fill="hold" grpId="0" nodeType="clickEffect">
-                                  <p:stCondLst>
-                                    <p:cond delay="0"/>
-                                  </p:stCondLst>
-                                  <p:childTnLst>
-                                    <p:set>
-                                      <p:cBhvr>
-                                        <p:cTn id="26" dur="1" fill="hold">
-                                          <p:stCondLst>
-                                            <p:cond delay="0"/>
-                                          </p:stCondLst>
-                                        </p:cTn>
-                                        <p:tgtEl>
-                                          <p:spTgt spid="14"/>
-                                        </p:tgtEl>
-                                        <p:attrNameLst>
-                                          <p:attrName>style.visibility</p:attrName>
-                                        </p:attrNameLst>
-                                      </p:cBhvr>
-                                      <p:to>
-                                        <p:strVal val="visible"/>
-                                      </p:to>
-                                    </p:set>
-                                    <p:animEffect transition="in" filter="fade">
-                                      <p:cBhvr>
-                                        <p:cTn id="27" dur="500"/>
-                                        <p:tgtEl>
-                                          <p:spTgt spid="14"/>
-                                        </p:tgtEl>
-                                      </p:cBhvr>
-                                    </p:animEffect>
-                                  </p:childTnLst>
-                                </p:cTn>
-                              </p:par>
-                            </p:childTnLst>
-                          </p:cTn>
-                        </p:par>
-                      </p:childTnLst>
-                    </p:cTn>
-                  </p:par>
-                  <p:par>
-                    <p:cTn id="28" fill="hold">
-                      <p:stCondLst>
-                        <p:cond delay="indefinite"/>
-                      </p:stCondLst>
-                      <p:childTnLst>
-                        <p:par>
-                          <p:cTn id="29" fill="hold">
-                            <p:stCondLst>
-                              <p:cond delay="0"/>
-                            </p:stCondLst>
-                            <p:childTnLst>
-                              <p:par>
-                                <p:cTn id="30" presetID="10" presetClass="entr" presetSubtype="0" fill="hold" grpId="0" nodeType="clickEffect">
-                                  <p:stCondLst>
-                                    <p:cond delay="0"/>
-                                  </p:stCondLst>
-                                  <p:childTnLst>
-                                    <p:set>
-                                      <p:cBhvr>
-                                        <p:cTn id="31" dur="1" fill="hold">
-                                          <p:stCondLst>
-                                            <p:cond delay="0"/>
-                                          </p:stCondLst>
-                                        </p:cTn>
-                                        <p:tgtEl>
-                                          <p:spTgt spid="15"/>
-                                        </p:tgtEl>
-                                        <p:attrNameLst>
-                                          <p:attrName>style.visibility</p:attrName>
-                                        </p:attrNameLst>
-                                      </p:cBhvr>
-                                      <p:to>
-                                        <p:strVal val="visible"/>
-                                      </p:to>
-                                    </p:set>
-                                    <p:animEffect transition="in" filter="fade">
-                                      <p:cBhvr>
-                                        <p:cTn id="32" dur="500"/>
-                                        <p:tgtEl>
-                                          <p:spTgt spid="15"/>
-                                        </p:tgtEl>
-                                      </p:cBhvr>
-                                    </p:animEffect>
-                                  </p:childTnLst>
-                                </p:cTn>
-                              </p:par>
-                            </p:childTnLst>
-                          </p:cTn>
-                        </p:par>
-                      </p:childTnLst>
-                    </p:cTn>
-                  </p:par>
-                </p:childTnLst>
-              </p:cTn>
-              <p:prevCondLst>
-                <p:cond evt="onPrev" delay="0">
-                  <p:tgtEl>
-                    <p:sldTgt/>
-                  </p:tgtEl>
-                </p:cond>
-              </p:prevCondLst>
-              <p:nextCondLst>
-                <p:cond evt="onNext" delay="0">
-                  <p:tgtEl>
-                    <p:sldTgt/>
-                  </p:tgtEl>
-                </p:cond>
-              </p:nextCondLst>
-            </p:seq>
-          </p:childTnLst>
-        </p:cTn>
-      </p:par>
-    </p:tnLst>
-    <p:bldLst>
-      <p:bldP spid="9" grpId="0"/>
-      <p:bldP spid="11" grpId="0"/>
-      <p:bldP spid="12" grpId="0"/>
-      <p:bldP spid="14" grpId="0"/>
-      <p:bldP spid="15" grpId="0"/>
-    </p:bldLst>
-  </p:timing>
 </p:sld>
 </file>
 
@@ -14227,615 +14277,6 @@
           <p:cNvPr id="2" name="Title 1">
             <a:extLst>
               <a:ext uri="{FF2B5EF4-FFF2-40B4-BE49-F238E27FC236}">
-                <a16:creationId xmlns:a16="http://schemas.microsoft.com/office/drawing/2014/main" id="{6A5ACB51-79B1-3641-B014-C0C80F9AAB6F}"/>
-              </a:ext>
-            </a:extLst>
-          </p:cNvPr>
-          <p:cNvSpPr>
-            <a:spLocks noGrp="1"/>
-          </p:cNvSpPr>
-          <p:nvPr>
-            <p:ph type="title"/>
-          </p:nvPr>
-        </p:nvSpPr>
-        <p:spPr/>
-        <p:txBody>
-          <a:bodyPr/>
-          <a:lstStyle/>
-          <a:p>
-            <a:r>
-              <a:rPr lang="en-US" dirty="0"/>
-              <a:t>In Class Activity: Group Practice 1</a:t>
-            </a:r>
-          </a:p>
-        </p:txBody>
-      </p:sp>
-      <p:sp>
-        <p:nvSpPr>
-          <p:cNvPr id="3" name="Text Placeholder 2">
-            <a:extLst>
-              <a:ext uri="{FF2B5EF4-FFF2-40B4-BE49-F238E27FC236}">
-                <a16:creationId xmlns:a16="http://schemas.microsoft.com/office/drawing/2014/main" id="{B8B00D82-A444-8540-A961-58D2BA6C1693}"/>
-              </a:ext>
-            </a:extLst>
-          </p:cNvPr>
-          <p:cNvSpPr>
-            <a:spLocks noGrp="1"/>
-          </p:cNvSpPr>
-          <p:nvPr>
-            <p:ph type="body" sz="quarter" idx="10"/>
-          </p:nvPr>
-        </p:nvSpPr>
-        <p:spPr>
-          <a:xfrm>
-            <a:off x="628075" y="1776683"/>
-            <a:ext cx="12561453" cy="481350"/>
-          </a:xfrm>
-        </p:spPr>
-        <p:txBody>
-          <a:bodyPr/>
-          <a:lstStyle/>
-          <a:p>
-            <a:r>
-              <a:rPr lang="en-US" dirty="0"/>
-              <a:t>Complete the following code with a conditional expression (available on canvas / in zyBooks)</a:t>
-            </a:r>
-          </a:p>
-        </p:txBody>
-      </p:sp>
-      <p:sp>
-        <p:nvSpPr>
-          <p:cNvPr id="5" name="TextBox 4">
-            <a:extLst>
-              <a:ext uri="{FF2B5EF4-FFF2-40B4-BE49-F238E27FC236}">
-                <a16:creationId xmlns:a16="http://schemas.microsoft.com/office/drawing/2014/main" id="{9A1F5827-1A17-7E4A-9A11-7CEC93EE05F0}"/>
-              </a:ext>
-            </a:extLst>
-          </p:cNvPr>
-          <p:cNvSpPr txBox="1"/>
-          <p:nvPr/>
-        </p:nvSpPr>
-        <p:spPr>
-          <a:xfrm>
-            <a:off x="1828800" y="2848739"/>
-            <a:ext cx="10160000" cy="2862322"/>
-          </a:xfrm>
-          <a:prstGeom prst="rect">
-            <a:avLst/>
-          </a:prstGeom>
-          <a:noFill/>
-        </p:spPr>
-        <p:txBody>
-          <a:bodyPr wrap="square">
-            <a:spAutoFit/>
-          </a:bodyPr>
-          <a:lstStyle/>
-          <a:p>
-            <a:r>
-              <a:rPr lang="en-US" dirty="0">
-                <a:solidFill>
-                  <a:srgbClr val="CC7832"/>
-                </a:solidFill>
-                <a:effectLst/>
-                <a:latin typeface="Consolas" panose="020B0609020204030204" pitchFamily="49" charset="0"/>
-                <a:cs typeface="Consolas" panose="020B0609020204030204" pitchFamily="49" charset="0"/>
-              </a:rPr>
-              <a:t>public static boolean </a:t>
-            </a:r>
-            <a:r>
-              <a:rPr lang="en-US" dirty="0">
-                <a:solidFill>
-                  <a:srgbClr val="FFC66D"/>
-                </a:solidFill>
-                <a:effectLst/>
-                <a:latin typeface="Consolas" panose="020B0609020204030204" pitchFamily="49" charset="0"/>
-                <a:cs typeface="Consolas" panose="020B0609020204030204" pitchFamily="49" charset="0"/>
-              </a:rPr>
-              <a:t>quickPractice1</a:t>
-            </a:r>
-            <a:r>
-              <a:rPr lang="en-US" dirty="0">
-                <a:latin typeface="Consolas" panose="020B0609020204030204" pitchFamily="49" charset="0"/>
-                <a:cs typeface="Consolas" panose="020B0609020204030204" pitchFamily="49" charset="0"/>
-              </a:rPr>
-              <a:t>(</a:t>
-            </a:r>
-            <a:r>
-              <a:rPr lang="en-US" dirty="0">
-                <a:solidFill>
-                  <a:srgbClr val="CC7832"/>
-                </a:solidFill>
-                <a:effectLst/>
-                <a:latin typeface="Consolas" panose="020B0609020204030204" pitchFamily="49" charset="0"/>
-                <a:cs typeface="Consolas" panose="020B0609020204030204" pitchFamily="49" charset="0"/>
-              </a:rPr>
-              <a:t>int </a:t>
-            </a:r>
-            <a:r>
-              <a:rPr lang="en-US" i="1" dirty="0">
-                <a:solidFill>
-                  <a:srgbClr val="9876AA"/>
-                </a:solidFill>
-                <a:effectLst/>
-                <a:latin typeface="Consolas" panose="020B0609020204030204" pitchFamily="49" charset="0"/>
-                <a:cs typeface="Consolas" panose="020B0609020204030204" pitchFamily="49" charset="0"/>
-              </a:rPr>
-              <a:t>value</a:t>
-            </a:r>
-            <a:r>
-              <a:rPr lang="en-US" dirty="0">
-                <a:latin typeface="Consolas" panose="020B0609020204030204" pitchFamily="49" charset="0"/>
-                <a:cs typeface="Consolas" panose="020B0609020204030204" pitchFamily="49" charset="0"/>
-              </a:rPr>
-              <a:t>) {</a:t>
-            </a:r>
-          </a:p>
-          <a:p>
-            <a:r>
-              <a:rPr lang="en-US" dirty="0">
-                <a:solidFill>
-                  <a:srgbClr val="808080"/>
-                </a:solidFill>
-                <a:latin typeface="Consolas" panose="020B0609020204030204" pitchFamily="49" charset="0"/>
-                <a:cs typeface="Consolas" panose="020B0609020204030204" pitchFamily="49" charset="0"/>
-              </a:rPr>
-              <a:t>      // just write the line of code that goes here!</a:t>
-            </a:r>
-            <a:br>
-              <a:rPr lang="en-US" dirty="0">
-                <a:latin typeface="Consolas" panose="020B0609020204030204" pitchFamily="49" charset="0"/>
-                <a:cs typeface="Consolas" panose="020B0609020204030204" pitchFamily="49" charset="0"/>
-              </a:rPr>
-            </a:br>
-            <a:r>
-              <a:rPr lang="en-US" dirty="0">
-                <a:latin typeface="Consolas" panose="020B0609020204030204" pitchFamily="49" charset="0"/>
-                <a:cs typeface="Consolas" panose="020B0609020204030204" pitchFamily="49" charset="0"/>
-              </a:rPr>
-              <a:t>}</a:t>
-            </a:r>
-            <a:br>
-              <a:rPr lang="en-US" dirty="0">
-                <a:latin typeface="Consolas" panose="020B0609020204030204" pitchFamily="49" charset="0"/>
-                <a:cs typeface="Consolas" panose="020B0609020204030204" pitchFamily="49" charset="0"/>
-              </a:rPr>
-            </a:br>
-            <a:br>
-              <a:rPr lang="en-US" dirty="0">
-                <a:latin typeface="Consolas" panose="020B0609020204030204" pitchFamily="49" charset="0"/>
-                <a:cs typeface="Consolas" panose="020B0609020204030204" pitchFamily="49" charset="0"/>
-              </a:rPr>
-            </a:br>
-            <a:r>
-              <a:rPr lang="en-US" dirty="0">
-                <a:solidFill>
-                  <a:srgbClr val="CC7832"/>
-                </a:solidFill>
-                <a:effectLst/>
-                <a:latin typeface="Consolas" panose="020B0609020204030204" pitchFamily="49" charset="0"/>
-                <a:cs typeface="Consolas" panose="020B0609020204030204" pitchFamily="49" charset="0"/>
-              </a:rPr>
-              <a:t>public static void </a:t>
-            </a:r>
-            <a:r>
-              <a:rPr lang="en-US" dirty="0">
-                <a:solidFill>
-                  <a:srgbClr val="FFC66D"/>
-                </a:solidFill>
-                <a:effectLst/>
-                <a:latin typeface="Consolas" panose="020B0609020204030204" pitchFamily="49" charset="0"/>
-                <a:cs typeface="Consolas" panose="020B0609020204030204" pitchFamily="49" charset="0"/>
-              </a:rPr>
-              <a:t>main</a:t>
-            </a:r>
-            <a:r>
-              <a:rPr lang="en-US" dirty="0">
-                <a:latin typeface="Consolas" panose="020B0609020204030204" pitchFamily="49" charset="0"/>
-                <a:cs typeface="Consolas" panose="020B0609020204030204" pitchFamily="49" charset="0"/>
-              </a:rPr>
-              <a:t>(String[] </a:t>
-            </a:r>
-            <a:r>
-              <a:rPr lang="en-US" i="1" dirty="0" err="1">
-                <a:solidFill>
-                  <a:srgbClr val="9876AA"/>
-                </a:solidFill>
-                <a:effectLst/>
-                <a:latin typeface="Consolas" panose="020B0609020204030204" pitchFamily="49" charset="0"/>
-                <a:cs typeface="Consolas" panose="020B0609020204030204" pitchFamily="49" charset="0"/>
-              </a:rPr>
-              <a:t>args</a:t>
-            </a:r>
-            <a:r>
-              <a:rPr lang="en-US" dirty="0">
-                <a:latin typeface="Consolas" panose="020B0609020204030204" pitchFamily="49" charset="0"/>
-                <a:cs typeface="Consolas" panose="020B0609020204030204" pitchFamily="49" charset="0"/>
-              </a:rPr>
-              <a:t>) {</a:t>
-            </a:r>
-            <a:br>
-              <a:rPr lang="en-US" dirty="0">
-                <a:latin typeface="Consolas" panose="020B0609020204030204" pitchFamily="49" charset="0"/>
-                <a:cs typeface="Consolas" panose="020B0609020204030204" pitchFamily="49" charset="0"/>
-              </a:rPr>
-            </a:br>
-            <a:r>
-              <a:rPr lang="en-US" dirty="0">
-                <a:latin typeface="Consolas" panose="020B0609020204030204" pitchFamily="49" charset="0"/>
-                <a:cs typeface="Consolas" panose="020B0609020204030204" pitchFamily="49" charset="0"/>
-              </a:rPr>
-              <a:t>    </a:t>
-            </a:r>
-            <a:r>
-              <a:rPr lang="en-US" dirty="0" err="1">
-                <a:latin typeface="Consolas" panose="020B0609020204030204" pitchFamily="49" charset="0"/>
-                <a:cs typeface="Consolas" panose="020B0609020204030204" pitchFamily="49" charset="0"/>
-              </a:rPr>
-              <a:t>System.</a:t>
-            </a:r>
-            <a:r>
-              <a:rPr lang="en-US" i="1" dirty="0" err="1">
-                <a:solidFill>
-                  <a:srgbClr val="9876AA"/>
-                </a:solidFill>
-                <a:effectLst/>
-                <a:latin typeface="Consolas" panose="020B0609020204030204" pitchFamily="49" charset="0"/>
-                <a:cs typeface="Consolas" panose="020B0609020204030204" pitchFamily="49" charset="0"/>
-              </a:rPr>
-              <a:t>out</a:t>
-            </a:r>
-            <a:r>
-              <a:rPr lang="en-US" dirty="0" err="1">
-                <a:latin typeface="Consolas" panose="020B0609020204030204" pitchFamily="49" charset="0"/>
-                <a:cs typeface="Consolas" panose="020B0609020204030204" pitchFamily="49" charset="0"/>
-              </a:rPr>
-              <a:t>.println</a:t>
-            </a:r>
-            <a:r>
-              <a:rPr lang="en-US" dirty="0">
-                <a:latin typeface="Consolas" panose="020B0609020204030204" pitchFamily="49" charset="0"/>
-                <a:cs typeface="Consolas" panose="020B0609020204030204" pitchFamily="49" charset="0"/>
-              </a:rPr>
-              <a:t>(</a:t>
-            </a:r>
-            <a:r>
-              <a:rPr lang="en-US" i="1" dirty="0">
-                <a:effectLst/>
-                <a:latin typeface="Consolas" panose="020B0609020204030204" pitchFamily="49" charset="0"/>
-                <a:cs typeface="Consolas" panose="020B0609020204030204" pitchFamily="49" charset="0"/>
-              </a:rPr>
-              <a:t>quickPractice1</a:t>
-            </a:r>
-            <a:r>
-              <a:rPr lang="en-US" dirty="0">
-                <a:latin typeface="Consolas" panose="020B0609020204030204" pitchFamily="49" charset="0"/>
-                <a:cs typeface="Consolas" panose="020B0609020204030204" pitchFamily="49" charset="0"/>
-              </a:rPr>
-              <a:t>(</a:t>
-            </a:r>
-            <a:r>
-              <a:rPr lang="en-US" dirty="0">
-                <a:solidFill>
-                  <a:srgbClr val="6897BB"/>
-                </a:solidFill>
-                <a:effectLst/>
-                <a:latin typeface="Consolas" panose="020B0609020204030204" pitchFamily="49" charset="0"/>
-                <a:cs typeface="Consolas" panose="020B0609020204030204" pitchFamily="49" charset="0"/>
-              </a:rPr>
-              <a:t>100</a:t>
-            </a:r>
-            <a:r>
-              <a:rPr lang="en-US" dirty="0">
-                <a:latin typeface="Consolas" panose="020B0609020204030204" pitchFamily="49" charset="0"/>
-                <a:cs typeface="Consolas" panose="020B0609020204030204" pitchFamily="49" charset="0"/>
-              </a:rPr>
-              <a:t>))</a:t>
-            </a:r>
-            <a:r>
-              <a:rPr lang="en-US" dirty="0">
-                <a:solidFill>
-                  <a:srgbClr val="CC7832"/>
-                </a:solidFill>
-                <a:effectLst/>
-                <a:latin typeface="Consolas" panose="020B0609020204030204" pitchFamily="49" charset="0"/>
-                <a:cs typeface="Consolas" panose="020B0609020204030204" pitchFamily="49" charset="0"/>
-              </a:rPr>
-              <a:t>;  </a:t>
-            </a:r>
-            <a:r>
-              <a:rPr lang="en-US" dirty="0">
-                <a:solidFill>
-                  <a:srgbClr val="808080"/>
-                </a:solidFill>
-                <a:effectLst/>
-                <a:latin typeface="Consolas" panose="020B0609020204030204" pitchFamily="49" charset="0"/>
-                <a:cs typeface="Consolas" panose="020B0609020204030204" pitchFamily="49" charset="0"/>
-              </a:rPr>
-              <a:t>// prints true</a:t>
-            </a:r>
-            <a:br>
-              <a:rPr lang="en-US" dirty="0">
-                <a:solidFill>
-                  <a:srgbClr val="808080"/>
-                </a:solidFill>
-                <a:effectLst/>
-                <a:latin typeface="Consolas" panose="020B0609020204030204" pitchFamily="49" charset="0"/>
-                <a:cs typeface="Consolas" panose="020B0609020204030204" pitchFamily="49" charset="0"/>
-              </a:rPr>
-            </a:br>
-            <a:r>
-              <a:rPr lang="en-US" dirty="0">
-                <a:solidFill>
-                  <a:srgbClr val="808080"/>
-                </a:solidFill>
-                <a:effectLst/>
-                <a:latin typeface="Consolas" panose="020B0609020204030204" pitchFamily="49" charset="0"/>
-                <a:cs typeface="Consolas" panose="020B0609020204030204" pitchFamily="49" charset="0"/>
-              </a:rPr>
-              <a:t>    </a:t>
-            </a:r>
-            <a:r>
-              <a:rPr lang="en-US" dirty="0" err="1">
-                <a:latin typeface="Consolas" panose="020B0609020204030204" pitchFamily="49" charset="0"/>
-                <a:cs typeface="Consolas" panose="020B0609020204030204" pitchFamily="49" charset="0"/>
-              </a:rPr>
-              <a:t>System.</a:t>
-            </a:r>
-            <a:r>
-              <a:rPr lang="en-US" i="1" dirty="0" err="1">
-                <a:solidFill>
-                  <a:srgbClr val="9876AA"/>
-                </a:solidFill>
-                <a:effectLst/>
-                <a:latin typeface="Consolas" panose="020B0609020204030204" pitchFamily="49" charset="0"/>
-                <a:cs typeface="Consolas" panose="020B0609020204030204" pitchFamily="49" charset="0"/>
-              </a:rPr>
-              <a:t>out</a:t>
-            </a:r>
-            <a:r>
-              <a:rPr lang="en-US" dirty="0" err="1">
-                <a:latin typeface="Consolas" panose="020B0609020204030204" pitchFamily="49" charset="0"/>
-                <a:cs typeface="Consolas" panose="020B0609020204030204" pitchFamily="49" charset="0"/>
-              </a:rPr>
-              <a:t>.println</a:t>
-            </a:r>
-            <a:r>
-              <a:rPr lang="en-US" dirty="0">
-                <a:latin typeface="Consolas" panose="020B0609020204030204" pitchFamily="49" charset="0"/>
-                <a:cs typeface="Consolas" panose="020B0609020204030204" pitchFamily="49" charset="0"/>
-              </a:rPr>
-              <a:t>(</a:t>
-            </a:r>
-            <a:r>
-              <a:rPr lang="en-US" i="1" dirty="0">
-                <a:effectLst/>
-                <a:latin typeface="Consolas" panose="020B0609020204030204" pitchFamily="49" charset="0"/>
-                <a:cs typeface="Consolas" panose="020B0609020204030204" pitchFamily="49" charset="0"/>
-              </a:rPr>
-              <a:t>quickPractice1</a:t>
-            </a:r>
-            <a:r>
-              <a:rPr lang="en-US" dirty="0">
-                <a:latin typeface="Consolas" panose="020B0609020204030204" pitchFamily="49" charset="0"/>
-                <a:cs typeface="Consolas" panose="020B0609020204030204" pitchFamily="49" charset="0"/>
-              </a:rPr>
-              <a:t>(</a:t>
-            </a:r>
-            <a:r>
-              <a:rPr lang="en-US" dirty="0">
-                <a:solidFill>
-                  <a:srgbClr val="6897BB"/>
-                </a:solidFill>
-                <a:effectLst/>
-                <a:latin typeface="Consolas" panose="020B0609020204030204" pitchFamily="49" charset="0"/>
-                <a:cs typeface="Consolas" panose="020B0609020204030204" pitchFamily="49" charset="0"/>
-              </a:rPr>
-              <a:t>101</a:t>
-            </a:r>
-            <a:r>
-              <a:rPr lang="en-US" dirty="0">
-                <a:latin typeface="Consolas" panose="020B0609020204030204" pitchFamily="49" charset="0"/>
-                <a:cs typeface="Consolas" panose="020B0609020204030204" pitchFamily="49" charset="0"/>
-              </a:rPr>
-              <a:t>))</a:t>
-            </a:r>
-            <a:r>
-              <a:rPr lang="en-US" dirty="0">
-                <a:solidFill>
-                  <a:srgbClr val="CC7832"/>
-                </a:solidFill>
-                <a:effectLst/>
-                <a:latin typeface="Consolas" panose="020B0609020204030204" pitchFamily="49" charset="0"/>
-                <a:cs typeface="Consolas" panose="020B0609020204030204" pitchFamily="49" charset="0"/>
-              </a:rPr>
-              <a:t>;  </a:t>
-            </a:r>
-            <a:r>
-              <a:rPr lang="en-US" dirty="0">
-                <a:solidFill>
-                  <a:srgbClr val="808080"/>
-                </a:solidFill>
-                <a:effectLst/>
-                <a:latin typeface="Consolas" panose="020B0609020204030204" pitchFamily="49" charset="0"/>
-                <a:cs typeface="Consolas" panose="020B0609020204030204" pitchFamily="49" charset="0"/>
-              </a:rPr>
-              <a:t>// prints true</a:t>
-            </a:r>
-            <a:br>
-              <a:rPr lang="en-US" dirty="0">
-                <a:solidFill>
-                  <a:srgbClr val="808080"/>
-                </a:solidFill>
-                <a:effectLst/>
-                <a:latin typeface="Consolas" panose="020B0609020204030204" pitchFamily="49" charset="0"/>
-                <a:cs typeface="Consolas" panose="020B0609020204030204" pitchFamily="49" charset="0"/>
-              </a:rPr>
-            </a:br>
-            <a:r>
-              <a:rPr lang="en-US" dirty="0">
-                <a:solidFill>
-                  <a:srgbClr val="808080"/>
-                </a:solidFill>
-                <a:effectLst/>
-                <a:latin typeface="Consolas" panose="020B0609020204030204" pitchFamily="49" charset="0"/>
-                <a:cs typeface="Consolas" panose="020B0609020204030204" pitchFamily="49" charset="0"/>
-              </a:rPr>
-              <a:t>    </a:t>
-            </a:r>
-            <a:r>
-              <a:rPr lang="en-US" dirty="0" err="1">
-                <a:latin typeface="Consolas" panose="020B0609020204030204" pitchFamily="49" charset="0"/>
-                <a:cs typeface="Consolas" panose="020B0609020204030204" pitchFamily="49" charset="0"/>
-              </a:rPr>
-              <a:t>System.</a:t>
-            </a:r>
-            <a:r>
-              <a:rPr lang="en-US" i="1" dirty="0" err="1">
-                <a:solidFill>
-                  <a:srgbClr val="9876AA"/>
-                </a:solidFill>
-                <a:effectLst/>
-                <a:latin typeface="Consolas" panose="020B0609020204030204" pitchFamily="49" charset="0"/>
-                <a:cs typeface="Consolas" panose="020B0609020204030204" pitchFamily="49" charset="0"/>
-              </a:rPr>
-              <a:t>out</a:t>
-            </a:r>
-            <a:r>
-              <a:rPr lang="en-US" dirty="0" err="1">
-                <a:latin typeface="Consolas" panose="020B0609020204030204" pitchFamily="49" charset="0"/>
-                <a:cs typeface="Consolas" panose="020B0609020204030204" pitchFamily="49" charset="0"/>
-              </a:rPr>
-              <a:t>.println</a:t>
-            </a:r>
-            <a:r>
-              <a:rPr lang="en-US" dirty="0">
-                <a:latin typeface="Consolas" panose="020B0609020204030204" pitchFamily="49" charset="0"/>
-                <a:cs typeface="Consolas" panose="020B0609020204030204" pitchFamily="49" charset="0"/>
-              </a:rPr>
-              <a:t>(</a:t>
-            </a:r>
-            <a:r>
-              <a:rPr lang="en-US" i="1" dirty="0">
-                <a:effectLst/>
-                <a:latin typeface="Consolas" panose="020B0609020204030204" pitchFamily="49" charset="0"/>
-                <a:cs typeface="Consolas" panose="020B0609020204030204" pitchFamily="49" charset="0"/>
-              </a:rPr>
-              <a:t>quickPractice1</a:t>
-            </a:r>
-            <a:r>
-              <a:rPr lang="en-US" dirty="0">
-                <a:latin typeface="Consolas" panose="020B0609020204030204" pitchFamily="49" charset="0"/>
-                <a:cs typeface="Consolas" panose="020B0609020204030204" pitchFamily="49" charset="0"/>
-              </a:rPr>
-              <a:t>(</a:t>
-            </a:r>
-            <a:r>
-              <a:rPr lang="en-US" dirty="0">
-                <a:solidFill>
-                  <a:srgbClr val="6897BB"/>
-                </a:solidFill>
-                <a:effectLst/>
-                <a:latin typeface="Consolas" panose="020B0609020204030204" pitchFamily="49" charset="0"/>
-                <a:cs typeface="Consolas" panose="020B0609020204030204" pitchFamily="49" charset="0"/>
-              </a:rPr>
-              <a:t>99</a:t>
-            </a:r>
-            <a:r>
-              <a:rPr lang="en-US" dirty="0">
-                <a:latin typeface="Consolas" panose="020B0609020204030204" pitchFamily="49" charset="0"/>
-                <a:cs typeface="Consolas" panose="020B0609020204030204" pitchFamily="49" charset="0"/>
-              </a:rPr>
-              <a:t>))</a:t>
-            </a:r>
-            <a:r>
-              <a:rPr lang="en-US" dirty="0">
-                <a:solidFill>
-                  <a:srgbClr val="CC7832"/>
-                </a:solidFill>
-                <a:effectLst/>
-                <a:latin typeface="Consolas" panose="020B0609020204030204" pitchFamily="49" charset="0"/>
-                <a:cs typeface="Consolas" panose="020B0609020204030204" pitchFamily="49" charset="0"/>
-              </a:rPr>
-              <a:t>;   </a:t>
-            </a:r>
-            <a:r>
-              <a:rPr lang="en-US" dirty="0">
-                <a:solidFill>
-                  <a:srgbClr val="808080"/>
-                </a:solidFill>
-                <a:effectLst/>
-                <a:latin typeface="Consolas" panose="020B0609020204030204" pitchFamily="49" charset="0"/>
-                <a:cs typeface="Consolas" panose="020B0609020204030204" pitchFamily="49" charset="0"/>
-              </a:rPr>
-              <a:t>// prints false</a:t>
-            </a:r>
-            <a:br>
-              <a:rPr lang="en-US" dirty="0">
-                <a:solidFill>
-                  <a:srgbClr val="808080"/>
-                </a:solidFill>
-                <a:effectLst/>
-                <a:latin typeface="Consolas" panose="020B0609020204030204" pitchFamily="49" charset="0"/>
-                <a:cs typeface="Consolas" panose="020B0609020204030204" pitchFamily="49" charset="0"/>
-              </a:rPr>
-            </a:br>
-            <a:r>
-              <a:rPr lang="en-US" dirty="0">
-                <a:latin typeface="Consolas" panose="020B0609020204030204" pitchFamily="49" charset="0"/>
-                <a:cs typeface="Consolas" panose="020B0609020204030204" pitchFamily="49" charset="0"/>
-              </a:rPr>
-              <a:t>}</a:t>
-            </a:r>
-          </a:p>
-        </p:txBody>
-      </p:sp>
-    </p:spTree>
-    <p:extLst>
-      <p:ext uri="{BB962C8B-B14F-4D97-AF65-F5344CB8AC3E}">
-        <p14:creationId xmlns:p14="http://schemas.microsoft.com/office/powerpoint/2010/main" val="1154569864"/>
-      </p:ext>
-    </p:extLst>
-  </p:cSld>
-  <p:clrMapOvr>
-    <a:masterClrMapping/>
-  </p:clrMapOvr>
-  <mc:AlternateContent xmlns:mc="http://schemas.openxmlformats.org/markup-compatibility/2006" xmlns:p14="http://schemas.microsoft.com/office/powerpoint/2010/main">
-    <mc:Choice Requires="p14">
-      <p:transition p14:dur="300">
-        <p:fade/>
-      </p:transition>
-    </mc:Choice>
-    <mc:Fallback xmlns="">
-      <p:transition>
-        <p:fade/>
-      </p:transition>
-    </mc:Fallback>
-  </mc:AlternateContent>
-</p:sld>
-</file>
-
-<file path=ppt/slides/slide7.xml><?xml version="1.0" encoding="utf-8"?>
-<p:sld xmlns:a="http://schemas.openxmlformats.org/drawingml/2006/main" xmlns:r="http://schemas.openxmlformats.org/officeDocument/2006/relationships" xmlns:p="http://schemas.openxmlformats.org/presentationml/2006/main">
-  <p:cSld>
-    <p:spTree>
-      <p:nvGrpSpPr>
-        <p:cNvPr id="1" name=""/>
-        <p:cNvGrpSpPr/>
-        <p:nvPr/>
-      </p:nvGrpSpPr>
-      <p:grpSpPr>
-        <a:xfrm>
-          <a:off x="0" y="0"/>
-          <a:ext cx="0" cy="0"/>
-          <a:chOff x="0" y="0"/>
-          <a:chExt cx="0" cy="0"/>
-        </a:xfrm>
-      </p:grpSpPr>
-      <p:sp>
-        <p:nvSpPr>
-          <p:cNvPr id="2" name="Title 1">
-            <a:extLst>
-              <a:ext uri="{FF2B5EF4-FFF2-40B4-BE49-F238E27FC236}">
                 <a16:creationId xmlns:a16="http://schemas.microsoft.com/office/drawing/2014/main" id="{F8787ADA-CBAE-4F40-8D7B-B49545ABD6DD}"/>
               </a:ext>
             </a:extLst>
@@ -15873,6 +15314,1330 @@
 </p:sld>
 </file>
 
+<file path=ppt/slides/slide7.xml><?xml version="1.0" encoding="utf-8"?>
+<p:sld xmlns:a="http://schemas.openxmlformats.org/drawingml/2006/main" xmlns:r="http://schemas.openxmlformats.org/officeDocument/2006/relationships" xmlns:p="http://schemas.openxmlformats.org/presentationml/2006/main">
+  <p:cSld>
+    <p:spTree>
+      <p:nvGrpSpPr>
+        <p:cNvPr id="1" name=""/>
+        <p:cNvGrpSpPr/>
+        <p:nvPr/>
+      </p:nvGrpSpPr>
+      <p:grpSpPr>
+        <a:xfrm>
+          <a:off x="0" y="0"/>
+          <a:ext cx="0" cy="0"/>
+          <a:chOff x="0" y="0"/>
+          <a:chExt cx="0" cy="0"/>
+        </a:xfrm>
+      </p:grpSpPr>
+      <p:sp>
+        <p:nvSpPr>
+          <p:cNvPr id="2" name="Title 1">
+            <a:extLst>
+              <a:ext uri="{FF2B5EF4-FFF2-40B4-BE49-F238E27FC236}">
+                <a16:creationId xmlns:a16="http://schemas.microsoft.com/office/drawing/2014/main" id="{F8787ADA-CBAE-4F40-8D7B-B49545ABD6DD}"/>
+              </a:ext>
+            </a:extLst>
+          </p:cNvPr>
+          <p:cNvSpPr>
+            <a:spLocks noGrp="1"/>
+          </p:cNvSpPr>
+          <p:nvPr>
+            <p:ph type="title"/>
+          </p:nvPr>
+        </p:nvSpPr>
+        <p:spPr/>
+        <p:txBody>
+          <a:bodyPr/>
+          <a:lstStyle/>
+          <a:p>
+            <a:r>
+              <a:rPr lang="en-US" dirty="0"/>
+              <a:t>If Statements – Coding Along Practice 1</a:t>
+            </a:r>
+          </a:p>
+        </p:txBody>
+      </p:sp>
+      <p:sp>
+        <p:nvSpPr>
+          <p:cNvPr id="3" name="Text Placeholder 2">
+            <a:extLst>
+              <a:ext uri="{FF2B5EF4-FFF2-40B4-BE49-F238E27FC236}">
+                <a16:creationId xmlns:a16="http://schemas.microsoft.com/office/drawing/2014/main" id="{18B63810-99DF-5947-AEB3-98BFCC0D0C44}"/>
+              </a:ext>
+            </a:extLst>
+          </p:cNvPr>
+          <p:cNvSpPr>
+            <a:spLocks noGrp="1"/>
+          </p:cNvSpPr>
+          <p:nvPr>
+            <p:ph type="body" sz="quarter" idx="10"/>
+          </p:nvPr>
+        </p:nvSpPr>
+        <p:spPr>
+          <a:xfrm>
+            <a:off x="628075" y="1618638"/>
+            <a:ext cx="12561453" cy="1776192"/>
+          </a:xfrm>
+        </p:spPr>
+        <p:txBody>
+          <a:bodyPr/>
+          <a:lstStyle/>
+          <a:p>
+            <a:r>
+              <a:rPr lang="en-US" sz="2000" dirty="0"/>
+              <a:t>In your table, write a method that receives two integer values and return the minimum value between the two parameters.</a:t>
+            </a:r>
+          </a:p>
+          <a:p>
+            <a:r>
+              <a:rPr lang="en-US" sz="2000" dirty="0"/>
+              <a:t>Write a call to the method you created from the following main method and print the minimum value returned.</a:t>
+            </a:r>
+          </a:p>
+        </p:txBody>
+      </p:sp>
+      <p:sp>
+        <p:nvSpPr>
+          <p:cNvPr id="6" name="Rectangle 1">
+            <a:extLst>
+              <a:ext uri="{FF2B5EF4-FFF2-40B4-BE49-F238E27FC236}">
+                <a16:creationId xmlns:a16="http://schemas.microsoft.com/office/drawing/2014/main" id="{F121217A-48EE-48F5-8726-2F9105887A61}"/>
+              </a:ext>
+            </a:extLst>
+          </p:cNvPr>
+          <p:cNvSpPr>
+            <a:spLocks noChangeArrowheads="1"/>
+          </p:cNvSpPr>
+          <p:nvPr/>
+        </p:nvSpPr>
+        <p:spPr bwMode="auto">
+          <a:xfrm>
+            <a:off x="979714" y="3356256"/>
+            <a:ext cx="9829800" cy="3785652"/>
+          </a:xfrm>
+          <a:prstGeom prst="rect">
+            <a:avLst/>
+          </a:prstGeom>
+          <a:solidFill>
+            <a:srgbClr val="FFFFFF"/>
+          </a:solidFill>
+          <a:ln>
+            <a:noFill/>
+          </a:ln>
+          <a:effectLst/>
+          <a:extLst>
+            <a:ext uri="{91240B29-F687-4F45-9708-019B960494DF}">
+              <a14:hiddenLine xmlns:a14="http://schemas.microsoft.com/office/drawing/2010/main" w="9525">
+                <a:solidFill>
+                  <a:schemeClr val="tx1"/>
+                </a:solidFill>
+                <a:miter lim="800000"/>
+                <a:headEnd/>
+                <a:tailEnd/>
+              </a14:hiddenLine>
+            </a:ext>
+            <a:ext uri="{AF507438-7753-43E0-B8FC-AC1667EBCBE1}">
+              <a14:hiddenEffects xmlns:a14="http://schemas.microsoft.com/office/drawing/2010/main">
+                <a:effectLst>
+                  <a:outerShdw dist="35921" dir="2700000" algn="ctr" rotWithShape="0">
+                    <a:schemeClr val="bg2"/>
+                  </a:outerShdw>
+                </a:effectLst>
+              </a14:hiddenEffects>
+            </a:ext>
+          </a:extLst>
+        </p:spPr>
+        <p:txBody>
+          <a:bodyPr vert="horz" wrap="square" lIns="91440" tIns="45720" rIns="91440" bIns="45720" numCol="1" anchor="ctr" anchorCtr="0" compatLnSpc="1">
+            <a:prstTxWarp prst="textNoShape">
+              <a:avLst/>
+            </a:prstTxWarp>
+            <a:spAutoFit/>
+          </a:bodyPr>
+          <a:lstStyle/>
+          <a:p>
+            <a:pPr marL="0" marR="0" lvl="0" indent="0" algn="l" defTabSz="914400" rtl="0" eaLnBrk="0" fontAlgn="base" latinLnBrk="0" hangingPunct="0">
+              <a:lnSpc>
+                <a:spcPct val="100000"/>
+              </a:lnSpc>
+              <a:spcBef>
+                <a:spcPct val="0"/>
+              </a:spcBef>
+              <a:spcAft>
+                <a:spcPct val="0"/>
+              </a:spcAft>
+              <a:buClrTx/>
+              <a:buSzTx/>
+              <a:buFontTx/>
+              <a:buNone/>
+              <a:tabLst/>
+            </a:pPr>
+            <a:r>
+              <a:rPr kumimoji="0" lang="en-US" altLang="en-US" b="0" i="0" u="none" strike="noStrike" cap="none" normalizeH="0" baseline="0" dirty="0">
+                <a:ln>
+                  <a:noFill/>
+                </a:ln>
+                <a:solidFill>
+                  <a:srgbClr val="0033B3"/>
+                </a:solidFill>
+                <a:effectLst/>
+                <a:latin typeface="JetBrains Mono"/>
+              </a:rPr>
+              <a:t>import </a:t>
+            </a:r>
+            <a:r>
+              <a:rPr kumimoji="0" lang="en-US" altLang="en-US" b="0" i="0" u="none" strike="noStrike" cap="none" normalizeH="0" baseline="0" dirty="0" err="1">
+                <a:ln>
+                  <a:noFill/>
+                </a:ln>
+                <a:solidFill>
+                  <a:srgbClr val="000000"/>
+                </a:solidFill>
+                <a:effectLst/>
+                <a:latin typeface="JetBrains Mono"/>
+              </a:rPr>
+              <a:t>java.util.Scanner</a:t>
+            </a:r>
+            <a:r>
+              <a:rPr kumimoji="0" lang="en-US" altLang="en-US" b="0" i="0" u="none" strike="noStrike" cap="none" normalizeH="0" baseline="0" dirty="0">
+                <a:ln>
+                  <a:noFill/>
+                </a:ln>
+                <a:solidFill>
+                  <a:srgbClr val="080808"/>
+                </a:solidFill>
+                <a:effectLst/>
+                <a:latin typeface="JetBrains Mono"/>
+              </a:rPr>
+              <a:t>;</a:t>
+            </a:r>
+            <a:br>
+              <a:rPr kumimoji="0" lang="en-US" altLang="en-US" b="0" i="0" u="none" strike="noStrike" cap="none" normalizeH="0" baseline="0" dirty="0">
+                <a:ln>
+                  <a:noFill/>
+                </a:ln>
+                <a:solidFill>
+                  <a:srgbClr val="080808"/>
+                </a:solidFill>
+                <a:effectLst/>
+                <a:latin typeface="JetBrains Mono"/>
+              </a:rPr>
+            </a:br>
+            <a:r>
+              <a:rPr kumimoji="0" lang="en-US" altLang="en-US" b="0" i="0" u="none" strike="noStrike" cap="none" normalizeH="0" baseline="0" dirty="0">
+                <a:ln>
+                  <a:noFill/>
+                </a:ln>
+                <a:solidFill>
+                  <a:srgbClr val="0033B3"/>
+                </a:solidFill>
+                <a:effectLst/>
+                <a:latin typeface="JetBrains Mono"/>
+              </a:rPr>
+              <a:t>public class </a:t>
+            </a:r>
+            <a:r>
+              <a:rPr kumimoji="0" lang="en-US" altLang="en-US" b="0" i="0" u="none" strike="noStrike" cap="none" normalizeH="0" baseline="0" dirty="0">
+                <a:ln>
+                  <a:noFill/>
+                </a:ln>
+                <a:solidFill>
+                  <a:srgbClr val="000000"/>
+                </a:solidFill>
+                <a:effectLst/>
+                <a:latin typeface="JetBrains Mono"/>
+              </a:rPr>
+              <a:t>Conditionals </a:t>
+            </a:r>
+            <a:r>
+              <a:rPr kumimoji="0" lang="en-US" altLang="en-US" b="0" i="0" u="none" strike="noStrike" cap="none" normalizeH="0" baseline="0" dirty="0">
+                <a:ln>
+                  <a:noFill/>
+                </a:ln>
+                <a:solidFill>
+                  <a:srgbClr val="080808"/>
+                </a:solidFill>
+                <a:effectLst/>
+                <a:latin typeface="JetBrains Mono"/>
+              </a:rPr>
+              <a:t>{</a:t>
+            </a:r>
+            <a:br>
+              <a:rPr kumimoji="0" lang="en-US" altLang="en-US" b="0" i="0" u="none" strike="noStrike" cap="none" normalizeH="0" baseline="0" dirty="0">
+                <a:ln>
+                  <a:noFill/>
+                </a:ln>
+                <a:solidFill>
+                  <a:srgbClr val="080808"/>
+                </a:solidFill>
+                <a:effectLst/>
+                <a:latin typeface="JetBrains Mono"/>
+              </a:rPr>
+            </a:br>
+            <a:r>
+              <a:rPr kumimoji="0" lang="en-US" altLang="en-US" b="0" i="0" u="none" strike="noStrike" cap="none" normalizeH="0" baseline="0" dirty="0">
+                <a:ln>
+                  <a:noFill/>
+                </a:ln>
+                <a:solidFill>
+                  <a:srgbClr val="080808"/>
+                </a:solidFill>
+                <a:effectLst/>
+                <a:latin typeface="JetBrains Mono"/>
+              </a:rPr>
+              <a:t>    </a:t>
+            </a:r>
+            <a:r>
+              <a:rPr kumimoji="0" lang="en-US" altLang="en-US" b="0" i="0" u="none" strike="noStrike" cap="none" normalizeH="0" baseline="0" dirty="0">
+                <a:ln>
+                  <a:noFill/>
+                </a:ln>
+                <a:solidFill>
+                  <a:srgbClr val="0033B3"/>
+                </a:solidFill>
+                <a:effectLst/>
+                <a:latin typeface="JetBrains Mono"/>
+              </a:rPr>
+              <a:t>public static void </a:t>
+            </a:r>
+            <a:r>
+              <a:rPr kumimoji="0" lang="en-US" altLang="en-US" b="0" i="0" u="none" strike="noStrike" cap="none" normalizeH="0" baseline="0" dirty="0">
+                <a:ln>
+                  <a:noFill/>
+                </a:ln>
+                <a:solidFill>
+                  <a:srgbClr val="00627A"/>
+                </a:solidFill>
+                <a:effectLst/>
+                <a:latin typeface="JetBrains Mono"/>
+              </a:rPr>
+              <a:t>main</a:t>
+            </a:r>
+            <a:r>
+              <a:rPr kumimoji="0" lang="en-US" altLang="en-US" b="0" i="0" u="none" strike="noStrike" cap="none" normalizeH="0" baseline="0" dirty="0">
+                <a:ln>
+                  <a:noFill/>
+                </a:ln>
+                <a:solidFill>
+                  <a:srgbClr val="080808"/>
+                </a:solidFill>
+                <a:effectLst/>
+                <a:latin typeface="JetBrains Mono"/>
+              </a:rPr>
+              <a:t>(</a:t>
+            </a:r>
+            <a:r>
+              <a:rPr kumimoji="0" lang="en-US" altLang="en-US" b="0" i="0" u="none" strike="noStrike" cap="none" normalizeH="0" baseline="0" dirty="0">
+                <a:ln>
+                  <a:noFill/>
+                </a:ln>
+                <a:solidFill>
+                  <a:srgbClr val="000000"/>
+                </a:solidFill>
+                <a:effectLst/>
+                <a:latin typeface="JetBrains Mono"/>
+              </a:rPr>
+              <a:t>String </a:t>
+            </a:r>
+            <a:r>
+              <a:rPr kumimoji="0" lang="en-US" altLang="en-US" b="0" i="0" u="none" strike="noStrike" cap="none" normalizeH="0" baseline="0" dirty="0" err="1">
+                <a:ln>
+                  <a:noFill/>
+                </a:ln>
+                <a:solidFill>
+                  <a:srgbClr val="080808"/>
+                </a:solidFill>
+                <a:effectLst/>
+                <a:latin typeface="JetBrains Mono"/>
+              </a:rPr>
+              <a:t>args</a:t>
+            </a:r>
+            <a:r>
+              <a:rPr kumimoji="0" lang="en-US" altLang="en-US" b="0" i="0" u="none" strike="noStrike" cap="none" normalizeH="0" baseline="0" dirty="0">
+                <a:ln>
+                  <a:noFill/>
+                </a:ln>
+                <a:solidFill>
+                  <a:srgbClr val="080808"/>
+                </a:solidFill>
+                <a:effectLst/>
+                <a:latin typeface="JetBrains Mono"/>
+              </a:rPr>
+              <a:t>[]){</a:t>
+            </a:r>
+            <a:br>
+              <a:rPr kumimoji="0" lang="en-US" altLang="en-US" b="0" i="0" u="none" strike="noStrike" cap="none" normalizeH="0" baseline="0" dirty="0">
+                <a:ln>
+                  <a:noFill/>
+                </a:ln>
+                <a:solidFill>
+                  <a:srgbClr val="080808"/>
+                </a:solidFill>
+                <a:effectLst/>
+                <a:latin typeface="JetBrains Mono"/>
+              </a:rPr>
+            </a:br>
+            <a:r>
+              <a:rPr kumimoji="0" lang="en-US" altLang="en-US" b="0" i="0" u="none" strike="noStrike" cap="none" normalizeH="0" baseline="0" dirty="0">
+                <a:ln>
+                  <a:noFill/>
+                </a:ln>
+                <a:solidFill>
+                  <a:srgbClr val="080808"/>
+                </a:solidFill>
+                <a:effectLst/>
+                <a:latin typeface="JetBrains Mono"/>
+              </a:rPr>
+              <a:t>        </a:t>
+            </a:r>
+            <a:r>
+              <a:rPr kumimoji="0" lang="en-US" altLang="en-US" b="0" i="0" u="none" strike="noStrike" cap="none" normalizeH="0" baseline="0" dirty="0">
+                <a:ln>
+                  <a:noFill/>
+                </a:ln>
+                <a:solidFill>
+                  <a:srgbClr val="000000"/>
+                </a:solidFill>
+                <a:effectLst/>
+                <a:latin typeface="JetBrains Mono"/>
+              </a:rPr>
+              <a:t>Scanner in </a:t>
+            </a:r>
+            <a:r>
+              <a:rPr kumimoji="0" lang="en-US" altLang="en-US" b="0" i="0" u="none" strike="noStrike" cap="none" normalizeH="0" baseline="0" dirty="0">
+                <a:ln>
+                  <a:noFill/>
+                </a:ln>
+                <a:solidFill>
+                  <a:srgbClr val="080808"/>
+                </a:solidFill>
+                <a:effectLst/>
+                <a:latin typeface="JetBrains Mono"/>
+              </a:rPr>
+              <a:t>= </a:t>
+            </a:r>
+            <a:r>
+              <a:rPr kumimoji="0" lang="en-US" altLang="en-US" b="0" i="0" u="none" strike="noStrike" cap="none" normalizeH="0" baseline="0" dirty="0">
+                <a:ln>
+                  <a:noFill/>
+                </a:ln>
+                <a:solidFill>
+                  <a:srgbClr val="0033B3"/>
+                </a:solidFill>
+                <a:effectLst/>
+                <a:latin typeface="JetBrains Mono"/>
+              </a:rPr>
+              <a:t>new </a:t>
+            </a:r>
+            <a:r>
+              <a:rPr kumimoji="0" lang="en-US" altLang="en-US" b="0" i="0" u="none" strike="noStrike" cap="none" normalizeH="0" baseline="0" dirty="0">
+                <a:ln>
+                  <a:noFill/>
+                </a:ln>
+                <a:solidFill>
+                  <a:srgbClr val="080808"/>
+                </a:solidFill>
+                <a:effectLst/>
+                <a:latin typeface="JetBrains Mono"/>
+              </a:rPr>
+              <a:t>Scanner(</a:t>
+            </a:r>
+            <a:r>
+              <a:rPr kumimoji="0" lang="en-US" altLang="en-US" b="0" i="0" u="none" strike="noStrike" cap="none" normalizeH="0" baseline="0" dirty="0">
+                <a:ln>
+                  <a:noFill/>
+                </a:ln>
+                <a:solidFill>
+                  <a:srgbClr val="000000"/>
+                </a:solidFill>
+                <a:effectLst/>
+                <a:latin typeface="JetBrains Mono"/>
+              </a:rPr>
+              <a:t>System</a:t>
+            </a:r>
+            <a:r>
+              <a:rPr kumimoji="0" lang="en-US" altLang="en-US" b="0" i="0" u="none" strike="noStrike" cap="none" normalizeH="0" baseline="0" dirty="0">
+                <a:ln>
+                  <a:noFill/>
+                </a:ln>
+                <a:solidFill>
+                  <a:srgbClr val="080808"/>
+                </a:solidFill>
+                <a:effectLst/>
+                <a:latin typeface="JetBrains Mono"/>
+              </a:rPr>
+              <a:t>.</a:t>
+            </a:r>
+            <a:r>
+              <a:rPr kumimoji="0" lang="en-US" altLang="en-US" b="0" i="1" u="none" strike="noStrike" cap="none" normalizeH="0" baseline="0" dirty="0">
+                <a:ln>
+                  <a:noFill/>
+                </a:ln>
+                <a:solidFill>
+                  <a:srgbClr val="871094"/>
+                </a:solidFill>
+                <a:effectLst/>
+                <a:latin typeface="JetBrains Mono"/>
+              </a:rPr>
+              <a:t>in</a:t>
+            </a:r>
+            <a:r>
+              <a:rPr kumimoji="0" lang="en-US" altLang="en-US" b="0" i="0" u="none" strike="noStrike" cap="none" normalizeH="0" baseline="0" dirty="0">
+                <a:ln>
+                  <a:noFill/>
+                </a:ln>
+                <a:solidFill>
+                  <a:srgbClr val="080808"/>
+                </a:solidFill>
+                <a:effectLst/>
+                <a:latin typeface="JetBrains Mono"/>
+              </a:rPr>
+              <a:t>);</a:t>
+            </a:r>
+            <a:br>
+              <a:rPr kumimoji="0" lang="en-US" altLang="en-US" b="0" i="0" u="none" strike="noStrike" cap="none" normalizeH="0" baseline="0" dirty="0">
+                <a:ln>
+                  <a:noFill/>
+                </a:ln>
+                <a:solidFill>
+                  <a:srgbClr val="080808"/>
+                </a:solidFill>
+                <a:effectLst/>
+                <a:latin typeface="JetBrains Mono"/>
+              </a:rPr>
+            </a:br>
+            <a:r>
+              <a:rPr kumimoji="0" lang="en-US" altLang="en-US" b="0" i="0" u="none" strike="noStrike" cap="none" normalizeH="0" baseline="0" dirty="0">
+                <a:ln>
+                  <a:noFill/>
+                </a:ln>
+                <a:solidFill>
+                  <a:srgbClr val="080808"/>
+                </a:solidFill>
+                <a:effectLst/>
+                <a:latin typeface="JetBrains Mono"/>
+              </a:rPr>
+              <a:t>        </a:t>
+            </a:r>
+            <a:r>
+              <a:rPr kumimoji="0" lang="en-US" altLang="en-US" b="0" i="0" u="none" strike="noStrike" cap="none" normalizeH="0" baseline="0" dirty="0" err="1">
+                <a:ln>
+                  <a:noFill/>
+                </a:ln>
+                <a:solidFill>
+                  <a:srgbClr val="000000"/>
+                </a:solidFill>
+                <a:effectLst/>
+                <a:latin typeface="JetBrains Mono"/>
+              </a:rPr>
+              <a:t>System</a:t>
+            </a:r>
+            <a:r>
+              <a:rPr kumimoji="0" lang="en-US" altLang="en-US" b="0" i="0" u="none" strike="noStrike" cap="none" normalizeH="0" baseline="0" dirty="0" err="1">
+                <a:ln>
+                  <a:noFill/>
+                </a:ln>
+                <a:solidFill>
+                  <a:srgbClr val="080808"/>
+                </a:solidFill>
+                <a:effectLst/>
+                <a:latin typeface="JetBrains Mono"/>
+              </a:rPr>
+              <a:t>.</a:t>
+            </a:r>
+            <a:r>
+              <a:rPr kumimoji="0" lang="en-US" altLang="en-US" b="0" i="1" u="none" strike="noStrike" cap="none" normalizeH="0" baseline="0" dirty="0" err="1">
+                <a:ln>
+                  <a:noFill/>
+                </a:ln>
+                <a:solidFill>
+                  <a:srgbClr val="871094"/>
+                </a:solidFill>
+                <a:effectLst/>
+                <a:latin typeface="JetBrains Mono"/>
+              </a:rPr>
+              <a:t>out</a:t>
+            </a:r>
+            <a:r>
+              <a:rPr kumimoji="0" lang="en-US" altLang="en-US" b="0" i="0" u="none" strike="noStrike" cap="none" normalizeH="0" baseline="0" dirty="0" err="1">
+                <a:ln>
+                  <a:noFill/>
+                </a:ln>
+                <a:solidFill>
+                  <a:srgbClr val="080808"/>
+                </a:solidFill>
+                <a:effectLst/>
+                <a:latin typeface="JetBrains Mono"/>
+              </a:rPr>
+              <a:t>.print</a:t>
+            </a:r>
+            <a:r>
+              <a:rPr kumimoji="0" lang="en-US" altLang="en-US" b="0" i="0" u="none" strike="noStrike" cap="none" normalizeH="0" baseline="0" dirty="0">
+                <a:ln>
+                  <a:noFill/>
+                </a:ln>
+                <a:solidFill>
+                  <a:srgbClr val="080808"/>
+                </a:solidFill>
+                <a:effectLst/>
+                <a:latin typeface="JetBrains Mono"/>
+              </a:rPr>
+              <a:t>(</a:t>
+            </a:r>
+            <a:r>
+              <a:rPr kumimoji="0" lang="en-US" altLang="en-US" b="0" i="0" u="none" strike="noStrike" cap="none" normalizeH="0" baseline="0" dirty="0">
+                <a:ln>
+                  <a:noFill/>
+                </a:ln>
+                <a:solidFill>
+                  <a:srgbClr val="067D17"/>
+                </a:solidFill>
+                <a:effectLst/>
+                <a:latin typeface="JetBrains Mono"/>
+              </a:rPr>
+              <a:t>"Enter fist value: "</a:t>
+            </a:r>
+            <a:r>
+              <a:rPr kumimoji="0" lang="en-US" altLang="en-US" b="0" i="0" u="none" strike="noStrike" cap="none" normalizeH="0" baseline="0" dirty="0">
+                <a:ln>
+                  <a:noFill/>
+                </a:ln>
+                <a:solidFill>
+                  <a:srgbClr val="080808"/>
+                </a:solidFill>
+                <a:effectLst/>
+                <a:latin typeface="JetBrains Mono"/>
+              </a:rPr>
+              <a:t>);</a:t>
+            </a:r>
+            <a:br>
+              <a:rPr kumimoji="0" lang="en-US" altLang="en-US" b="0" i="0" u="none" strike="noStrike" cap="none" normalizeH="0" baseline="0" dirty="0">
+                <a:ln>
+                  <a:noFill/>
+                </a:ln>
+                <a:solidFill>
+                  <a:srgbClr val="080808"/>
+                </a:solidFill>
+                <a:effectLst/>
+                <a:latin typeface="JetBrains Mono"/>
+              </a:rPr>
+            </a:br>
+            <a:r>
+              <a:rPr kumimoji="0" lang="en-US" altLang="en-US" b="0" i="0" u="none" strike="noStrike" cap="none" normalizeH="0" baseline="0" dirty="0">
+                <a:ln>
+                  <a:noFill/>
+                </a:ln>
+                <a:solidFill>
+                  <a:srgbClr val="080808"/>
+                </a:solidFill>
+                <a:effectLst/>
+                <a:latin typeface="JetBrains Mono"/>
+              </a:rPr>
+              <a:t>        </a:t>
+            </a:r>
+            <a:r>
+              <a:rPr kumimoji="0" lang="en-US" altLang="en-US" b="0" i="0" u="none" strike="noStrike" cap="none" normalizeH="0" baseline="0" dirty="0">
+                <a:ln>
+                  <a:noFill/>
+                </a:ln>
+                <a:solidFill>
+                  <a:srgbClr val="0033B3"/>
+                </a:solidFill>
+                <a:effectLst/>
+                <a:latin typeface="JetBrains Mono"/>
+              </a:rPr>
+              <a:t>int </a:t>
+            </a:r>
+            <a:r>
+              <a:rPr kumimoji="0" lang="en-US" altLang="en-US" b="0" i="0" u="none" strike="noStrike" cap="none" normalizeH="0" baseline="0" dirty="0">
+                <a:ln>
+                  <a:noFill/>
+                </a:ln>
+                <a:solidFill>
+                  <a:srgbClr val="000000"/>
+                </a:solidFill>
+                <a:effectLst/>
+                <a:latin typeface="JetBrains Mono"/>
+              </a:rPr>
+              <a:t>num1 </a:t>
+            </a:r>
+            <a:r>
+              <a:rPr kumimoji="0" lang="en-US" altLang="en-US" b="0" i="0" u="none" strike="noStrike" cap="none" normalizeH="0" baseline="0" dirty="0">
+                <a:ln>
+                  <a:noFill/>
+                </a:ln>
+                <a:solidFill>
+                  <a:srgbClr val="080808"/>
+                </a:solidFill>
+                <a:effectLst/>
+                <a:latin typeface="JetBrains Mono"/>
+              </a:rPr>
+              <a:t>= </a:t>
+            </a:r>
+            <a:r>
+              <a:rPr kumimoji="0" lang="en-US" altLang="en-US" b="0" i="0" u="none" strike="noStrike" cap="none" normalizeH="0" baseline="0" dirty="0" err="1">
+                <a:ln>
+                  <a:noFill/>
+                </a:ln>
+                <a:solidFill>
+                  <a:srgbClr val="000000"/>
+                </a:solidFill>
+                <a:effectLst/>
+                <a:latin typeface="JetBrains Mono"/>
+              </a:rPr>
+              <a:t>in</a:t>
+            </a:r>
+            <a:r>
+              <a:rPr kumimoji="0" lang="en-US" altLang="en-US" b="0" i="0" u="none" strike="noStrike" cap="none" normalizeH="0" baseline="0" dirty="0" err="1">
+                <a:ln>
+                  <a:noFill/>
+                </a:ln>
+                <a:solidFill>
+                  <a:srgbClr val="080808"/>
+                </a:solidFill>
+                <a:effectLst/>
+                <a:latin typeface="JetBrains Mono"/>
+              </a:rPr>
+              <a:t>.nextInt</a:t>
+            </a:r>
+            <a:r>
+              <a:rPr kumimoji="0" lang="en-US" altLang="en-US" b="0" i="0" u="none" strike="noStrike" cap="none" normalizeH="0" baseline="0" dirty="0">
+                <a:ln>
+                  <a:noFill/>
+                </a:ln>
+                <a:solidFill>
+                  <a:srgbClr val="080808"/>
+                </a:solidFill>
+                <a:effectLst/>
+                <a:latin typeface="JetBrains Mono"/>
+              </a:rPr>
+              <a:t>();</a:t>
+            </a:r>
+            <a:br>
+              <a:rPr kumimoji="0" lang="en-US" altLang="en-US" b="0" i="0" u="none" strike="noStrike" cap="none" normalizeH="0" baseline="0" dirty="0">
+                <a:ln>
+                  <a:noFill/>
+                </a:ln>
+                <a:solidFill>
+                  <a:srgbClr val="080808"/>
+                </a:solidFill>
+                <a:effectLst/>
+                <a:latin typeface="JetBrains Mono"/>
+              </a:rPr>
+            </a:br>
+            <a:r>
+              <a:rPr kumimoji="0" lang="en-US" altLang="en-US" b="0" i="0" u="none" strike="noStrike" cap="none" normalizeH="0" baseline="0" dirty="0">
+                <a:ln>
+                  <a:noFill/>
+                </a:ln>
+                <a:solidFill>
+                  <a:srgbClr val="080808"/>
+                </a:solidFill>
+                <a:effectLst/>
+                <a:latin typeface="JetBrains Mono"/>
+              </a:rPr>
+              <a:t>        </a:t>
+            </a:r>
+            <a:r>
+              <a:rPr kumimoji="0" lang="en-US" altLang="en-US" b="0" i="0" u="none" strike="noStrike" cap="none" normalizeH="0" baseline="0" dirty="0" err="1">
+                <a:ln>
+                  <a:noFill/>
+                </a:ln>
+                <a:solidFill>
+                  <a:srgbClr val="000000"/>
+                </a:solidFill>
+                <a:effectLst/>
+                <a:latin typeface="JetBrains Mono"/>
+              </a:rPr>
+              <a:t>System</a:t>
+            </a:r>
+            <a:r>
+              <a:rPr kumimoji="0" lang="en-US" altLang="en-US" b="0" i="0" u="none" strike="noStrike" cap="none" normalizeH="0" baseline="0" dirty="0" err="1">
+                <a:ln>
+                  <a:noFill/>
+                </a:ln>
+                <a:solidFill>
+                  <a:srgbClr val="080808"/>
+                </a:solidFill>
+                <a:effectLst/>
+                <a:latin typeface="JetBrains Mono"/>
+              </a:rPr>
+              <a:t>.</a:t>
+            </a:r>
+            <a:r>
+              <a:rPr kumimoji="0" lang="en-US" altLang="en-US" b="0" i="1" u="none" strike="noStrike" cap="none" normalizeH="0" baseline="0" dirty="0" err="1">
+                <a:ln>
+                  <a:noFill/>
+                </a:ln>
+                <a:solidFill>
+                  <a:srgbClr val="871094"/>
+                </a:solidFill>
+                <a:effectLst/>
+                <a:latin typeface="JetBrains Mono"/>
+              </a:rPr>
+              <a:t>out</a:t>
+            </a:r>
+            <a:r>
+              <a:rPr kumimoji="0" lang="en-US" altLang="en-US" b="0" i="0" u="none" strike="noStrike" cap="none" normalizeH="0" baseline="0" dirty="0" err="1">
+                <a:ln>
+                  <a:noFill/>
+                </a:ln>
+                <a:solidFill>
+                  <a:srgbClr val="080808"/>
+                </a:solidFill>
+                <a:effectLst/>
+                <a:latin typeface="JetBrains Mono"/>
+              </a:rPr>
+              <a:t>.print</a:t>
+            </a:r>
+            <a:r>
+              <a:rPr kumimoji="0" lang="en-US" altLang="en-US" b="0" i="0" u="none" strike="noStrike" cap="none" normalizeH="0" baseline="0" dirty="0">
+                <a:ln>
+                  <a:noFill/>
+                </a:ln>
+                <a:solidFill>
+                  <a:srgbClr val="080808"/>
+                </a:solidFill>
+                <a:effectLst/>
+                <a:latin typeface="JetBrains Mono"/>
+              </a:rPr>
+              <a:t>(</a:t>
+            </a:r>
+            <a:r>
+              <a:rPr kumimoji="0" lang="en-US" altLang="en-US" b="0" i="0" u="none" strike="noStrike" cap="none" normalizeH="0" baseline="0" dirty="0">
+                <a:ln>
+                  <a:noFill/>
+                </a:ln>
+                <a:solidFill>
+                  <a:srgbClr val="067D17"/>
+                </a:solidFill>
+                <a:effectLst/>
+                <a:latin typeface="JetBrains Mono"/>
+              </a:rPr>
+              <a:t>"Enter second value: "</a:t>
+            </a:r>
+            <a:r>
+              <a:rPr kumimoji="0" lang="en-US" altLang="en-US" b="0" i="0" u="none" strike="noStrike" cap="none" normalizeH="0" baseline="0" dirty="0">
+                <a:ln>
+                  <a:noFill/>
+                </a:ln>
+                <a:solidFill>
+                  <a:srgbClr val="080808"/>
+                </a:solidFill>
+                <a:effectLst/>
+                <a:latin typeface="JetBrains Mono"/>
+              </a:rPr>
+              <a:t>);</a:t>
+            </a:r>
+            <a:br>
+              <a:rPr kumimoji="0" lang="en-US" altLang="en-US" b="0" i="0" u="none" strike="noStrike" cap="none" normalizeH="0" baseline="0" dirty="0">
+                <a:ln>
+                  <a:noFill/>
+                </a:ln>
+                <a:solidFill>
+                  <a:srgbClr val="080808"/>
+                </a:solidFill>
+                <a:effectLst/>
+                <a:latin typeface="JetBrains Mono"/>
+              </a:rPr>
+            </a:br>
+            <a:r>
+              <a:rPr kumimoji="0" lang="en-US" altLang="en-US" b="0" i="0" u="none" strike="noStrike" cap="none" normalizeH="0" baseline="0" dirty="0">
+                <a:ln>
+                  <a:noFill/>
+                </a:ln>
+                <a:solidFill>
+                  <a:srgbClr val="080808"/>
+                </a:solidFill>
+                <a:effectLst/>
+                <a:latin typeface="JetBrains Mono"/>
+              </a:rPr>
+              <a:t>        </a:t>
+            </a:r>
+            <a:r>
+              <a:rPr kumimoji="0" lang="en-US" altLang="en-US" b="0" i="0" u="none" strike="noStrike" cap="none" normalizeH="0" baseline="0" dirty="0">
+                <a:ln>
+                  <a:noFill/>
+                </a:ln>
+                <a:solidFill>
+                  <a:srgbClr val="0033B3"/>
+                </a:solidFill>
+                <a:effectLst/>
+                <a:latin typeface="JetBrains Mono"/>
+              </a:rPr>
+              <a:t>int </a:t>
+            </a:r>
+            <a:r>
+              <a:rPr kumimoji="0" lang="en-US" altLang="en-US" b="0" i="0" u="none" strike="noStrike" cap="none" normalizeH="0" baseline="0" dirty="0">
+                <a:ln>
+                  <a:noFill/>
+                </a:ln>
+                <a:solidFill>
+                  <a:srgbClr val="000000"/>
+                </a:solidFill>
+                <a:effectLst/>
+                <a:latin typeface="JetBrains Mono"/>
+              </a:rPr>
+              <a:t>num2 </a:t>
+            </a:r>
+            <a:r>
+              <a:rPr kumimoji="0" lang="en-US" altLang="en-US" b="0" i="0" u="none" strike="noStrike" cap="none" normalizeH="0" baseline="0" dirty="0">
+                <a:ln>
+                  <a:noFill/>
+                </a:ln>
+                <a:solidFill>
+                  <a:srgbClr val="080808"/>
+                </a:solidFill>
+                <a:effectLst/>
+                <a:latin typeface="JetBrains Mono"/>
+              </a:rPr>
+              <a:t>= </a:t>
+            </a:r>
+            <a:r>
+              <a:rPr kumimoji="0" lang="en-US" altLang="en-US" b="0" i="0" u="none" strike="noStrike" cap="none" normalizeH="0" baseline="0" dirty="0" err="1">
+                <a:ln>
+                  <a:noFill/>
+                </a:ln>
+                <a:solidFill>
+                  <a:srgbClr val="000000"/>
+                </a:solidFill>
+                <a:effectLst/>
+                <a:latin typeface="JetBrains Mono"/>
+              </a:rPr>
+              <a:t>in</a:t>
+            </a:r>
+            <a:r>
+              <a:rPr kumimoji="0" lang="en-US" altLang="en-US" b="0" i="0" u="none" strike="noStrike" cap="none" normalizeH="0" baseline="0" dirty="0" err="1">
+                <a:ln>
+                  <a:noFill/>
+                </a:ln>
+                <a:solidFill>
+                  <a:srgbClr val="080808"/>
+                </a:solidFill>
+                <a:effectLst/>
+                <a:latin typeface="JetBrains Mono"/>
+              </a:rPr>
+              <a:t>.nextInt</a:t>
+            </a:r>
+            <a:r>
+              <a:rPr kumimoji="0" lang="en-US" altLang="en-US" b="0" i="0" u="none" strike="noStrike" cap="none" normalizeH="0" baseline="0" dirty="0">
+                <a:ln>
+                  <a:noFill/>
+                </a:ln>
+                <a:solidFill>
+                  <a:srgbClr val="080808"/>
+                </a:solidFill>
+                <a:effectLst/>
+                <a:latin typeface="JetBrains Mono"/>
+              </a:rPr>
+              <a:t>();</a:t>
+            </a:r>
+            <a:br>
+              <a:rPr kumimoji="0" lang="en-US" altLang="en-US" b="0" i="0" u="none" strike="noStrike" cap="none" normalizeH="0" baseline="0" dirty="0">
+                <a:ln>
+                  <a:noFill/>
+                </a:ln>
+                <a:solidFill>
+                  <a:srgbClr val="080808"/>
+                </a:solidFill>
+                <a:effectLst/>
+                <a:latin typeface="JetBrains Mono"/>
+              </a:rPr>
+            </a:br>
+            <a:r>
+              <a:rPr kumimoji="0" lang="en-US" altLang="en-US" b="0" i="0" u="none" strike="noStrike" cap="none" normalizeH="0" baseline="0" dirty="0">
+                <a:ln>
+                  <a:noFill/>
+                </a:ln>
+                <a:solidFill>
+                  <a:srgbClr val="080808"/>
+                </a:solidFill>
+                <a:effectLst/>
+                <a:latin typeface="JetBrains Mono"/>
+              </a:rPr>
+              <a:t>        </a:t>
+            </a:r>
+            <a:r>
+              <a:rPr kumimoji="0" lang="en-US" altLang="en-US" b="0" i="0" u="none" strike="noStrike" cap="none" normalizeH="0" baseline="0" dirty="0" err="1">
+                <a:ln>
+                  <a:noFill/>
+                </a:ln>
+                <a:solidFill>
+                  <a:srgbClr val="000000"/>
+                </a:solidFill>
+                <a:effectLst/>
+                <a:latin typeface="JetBrains Mono"/>
+              </a:rPr>
+              <a:t>System</a:t>
+            </a:r>
+            <a:r>
+              <a:rPr kumimoji="0" lang="en-US" altLang="en-US" b="0" i="0" u="none" strike="noStrike" cap="none" normalizeH="0" baseline="0" dirty="0" err="1">
+                <a:ln>
+                  <a:noFill/>
+                </a:ln>
+                <a:solidFill>
+                  <a:srgbClr val="080808"/>
+                </a:solidFill>
+                <a:effectLst/>
+                <a:latin typeface="JetBrains Mono"/>
+              </a:rPr>
+              <a:t>.</a:t>
+            </a:r>
+            <a:r>
+              <a:rPr kumimoji="0" lang="en-US" altLang="en-US" b="0" i="1" u="none" strike="noStrike" cap="none" normalizeH="0" baseline="0" dirty="0" err="1">
+                <a:ln>
+                  <a:noFill/>
+                </a:ln>
+                <a:solidFill>
+                  <a:srgbClr val="871094"/>
+                </a:solidFill>
+                <a:effectLst/>
+                <a:latin typeface="JetBrains Mono"/>
+              </a:rPr>
+              <a:t>out</a:t>
+            </a:r>
+            <a:r>
+              <a:rPr kumimoji="0" lang="en-US" altLang="en-US" b="0" i="0" u="none" strike="noStrike" cap="none" normalizeH="0" baseline="0" dirty="0" err="1">
+                <a:ln>
+                  <a:noFill/>
+                </a:ln>
+                <a:solidFill>
+                  <a:srgbClr val="080808"/>
+                </a:solidFill>
+                <a:effectLst/>
+                <a:latin typeface="JetBrains Mono"/>
+              </a:rPr>
+              <a:t>.printf</a:t>
+            </a:r>
+            <a:r>
+              <a:rPr kumimoji="0" lang="en-US" altLang="en-US" b="0" i="0" u="none" strike="noStrike" cap="none" normalizeH="0" baseline="0" dirty="0">
+                <a:ln>
+                  <a:noFill/>
+                </a:ln>
+                <a:solidFill>
+                  <a:srgbClr val="080808"/>
+                </a:solidFill>
+                <a:effectLst/>
+                <a:latin typeface="JetBrains Mono"/>
+              </a:rPr>
+              <a:t>(</a:t>
+            </a:r>
+            <a:r>
+              <a:rPr kumimoji="0" lang="en-US" altLang="en-US" b="0" i="0" u="none" strike="noStrike" cap="none" normalizeH="0" baseline="0" dirty="0">
+                <a:ln>
+                  <a:noFill/>
+                </a:ln>
+                <a:solidFill>
+                  <a:srgbClr val="067D17"/>
+                </a:solidFill>
+                <a:effectLst/>
+                <a:latin typeface="JetBrains Mono"/>
+              </a:rPr>
+              <a:t>"First number: %d, Second Number: %d"</a:t>
+            </a:r>
+            <a:r>
+              <a:rPr kumimoji="0" lang="en-US" altLang="en-US" b="0" i="0" u="none" strike="noStrike" cap="none" normalizeH="0" baseline="0" dirty="0">
+                <a:ln>
+                  <a:noFill/>
+                </a:ln>
+                <a:solidFill>
+                  <a:srgbClr val="080808"/>
+                </a:solidFill>
+                <a:effectLst/>
+                <a:latin typeface="JetBrains Mono"/>
+              </a:rPr>
+              <a:t>, </a:t>
+            </a:r>
+            <a:r>
+              <a:rPr kumimoji="0" lang="en-US" altLang="en-US" b="0" i="0" u="none" strike="noStrike" cap="none" normalizeH="0" baseline="0" dirty="0">
+                <a:ln>
+                  <a:noFill/>
+                </a:ln>
+                <a:solidFill>
+                  <a:srgbClr val="000000"/>
+                </a:solidFill>
+                <a:effectLst/>
+                <a:latin typeface="JetBrains Mono"/>
+              </a:rPr>
+              <a:t>num1</a:t>
+            </a:r>
+            <a:r>
+              <a:rPr kumimoji="0" lang="en-US" altLang="en-US" b="0" i="0" u="none" strike="noStrike" cap="none" normalizeH="0" baseline="0" dirty="0">
+                <a:ln>
+                  <a:noFill/>
+                </a:ln>
+                <a:solidFill>
+                  <a:srgbClr val="080808"/>
+                </a:solidFill>
+                <a:effectLst/>
+                <a:latin typeface="JetBrains Mono"/>
+              </a:rPr>
+              <a:t>, </a:t>
+            </a:r>
+            <a:r>
+              <a:rPr kumimoji="0" lang="en-US" altLang="en-US" b="0" i="0" u="none" strike="noStrike" cap="none" normalizeH="0" baseline="0" dirty="0">
+                <a:ln>
+                  <a:noFill/>
+                </a:ln>
+                <a:solidFill>
+                  <a:srgbClr val="000000"/>
+                </a:solidFill>
+                <a:effectLst/>
+                <a:latin typeface="JetBrains Mono"/>
+              </a:rPr>
+              <a:t>num2</a:t>
+            </a:r>
+            <a:r>
+              <a:rPr kumimoji="0" lang="en-US" altLang="en-US" b="0" i="0" u="none" strike="noStrike" cap="none" normalizeH="0" baseline="0" dirty="0">
+                <a:ln>
+                  <a:noFill/>
+                </a:ln>
+                <a:solidFill>
+                  <a:srgbClr val="080808"/>
+                </a:solidFill>
+                <a:effectLst/>
+                <a:latin typeface="JetBrains Mono"/>
+              </a:rPr>
+              <a:t>);</a:t>
+            </a:r>
+            <a:br>
+              <a:rPr kumimoji="0" lang="en-US" altLang="en-US" b="0" i="0" u="none" strike="noStrike" cap="none" normalizeH="0" baseline="0" dirty="0">
+                <a:ln>
+                  <a:noFill/>
+                </a:ln>
+                <a:solidFill>
+                  <a:srgbClr val="080808"/>
+                </a:solidFill>
+                <a:effectLst/>
+                <a:latin typeface="JetBrains Mono"/>
+              </a:rPr>
+            </a:br>
+            <a:br>
+              <a:rPr kumimoji="0" lang="en-US" altLang="en-US" b="0" i="0" u="none" strike="noStrike" cap="none" normalizeH="0" baseline="0" dirty="0">
+                <a:ln>
+                  <a:noFill/>
+                </a:ln>
+                <a:solidFill>
+                  <a:srgbClr val="080808"/>
+                </a:solidFill>
+                <a:effectLst/>
+                <a:latin typeface="JetBrains Mono"/>
+              </a:rPr>
+            </a:br>
+            <a:r>
+              <a:rPr kumimoji="0" lang="en-US" altLang="en-US" b="0" i="0" u="none" strike="noStrike" cap="none" normalizeH="0" baseline="0" dirty="0">
+                <a:ln>
+                  <a:noFill/>
+                </a:ln>
+                <a:solidFill>
+                  <a:srgbClr val="080808"/>
+                </a:solidFill>
+                <a:effectLst/>
+                <a:latin typeface="JetBrains Mono"/>
+              </a:rPr>
+              <a:t>    }</a:t>
+            </a:r>
+            <a:br>
+              <a:rPr kumimoji="0" lang="en-US" altLang="en-US" b="0" i="0" u="none" strike="noStrike" cap="none" normalizeH="0" baseline="0" dirty="0">
+                <a:ln>
+                  <a:noFill/>
+                </a:ln>
+                <a:solidFill>
+                  <a:srgbClr val="080808"/>
+                </a:solidFill>
+                <a:effectLst/>
+                <a:latin typeface="JetBrains Mono"/>
+              </a:rPr>
+            </a:br>
+            <a:r>
+              <a:rPr kumimoji="0" lang="en-US" altLang="en-US" b="0" i="0" u="none" strike="noStrike" cap="none" normalizeH="0" baseline="0" dirty="0">
+                <a:ln>
+                  <a:noFill/>
+                </a:ln>
+                <a:solidFill>
+                  <a:srgbClr val="080808"/>
+                </a:solidFill>
+                <a:effectLst/>
+                <a:latin typeface="JetBrains Mono"/>
+              </a:rPr>
+              <a:t>}</a:t>
+            </a:r>
+            <a:endParaRPr kumimoji="0" lang="en-US" altLang="en-US" b="0" i="0" u="none" strike="noStrike" cap="none" normalizeH="0" baseline="0" dirty="0">
+              <a:ln>
+                <a:noFill/>
+              </a:ln>
+              <a:solidFill>
+                <a:schemeClr val="tx1"/>
+              </a:solidFill>
+              <a:effectLst/>
+              <a:latin typeface="Arial" panose="020B0604020202020204" pitchFamily="34" charset="0"/>
+            </a:endParaRPr>
+          </a:p>
+        </p:txBody>
+      </p:sp>
+      <p:sp>
+        <p:nvSpPr>
+          <p:cNvPr id="8" name="TextBox 7">
+            <a:extLst>
+              <a:ext uri="{FF2B5EF4-FFF2-40B4-BE49-F238E27FC236}">
+                <a16:creationId xmlns:a16="http://schemas.microsoft.com/office/drawing/2014/main" id="{D6281277-9FDA-4295-A868-0A99FFBD9FBB}"/>
+              </a:ext>
+            </a:extLst>
+          </p:cNvPr>
+          <p:cNvSpPr txBox="1"/>
+          <p:nvPr/>
+        </p:nvSpPr>
+        <p:spPr>
+          <a:xfrm>
+            <a:off x="7508432" y="3549746"/>
+            <a:ext cx="5997989" cy="1569660"/>
+          </a:xfrm>
+          <a:prstGeom prst="rect">
+            <a:avLst/>
+          </a:prstGeom>
+          <a:solidFill>
+            <a:schemeClr val="accent2">
+              <a:lumMod val="20000"/>
+              <a:lumOff val="80000"/>
+            </a:schemeClr>
+          </a:solidFill>
+        </p:spPr>
+        <p:txBody>
+          <a:bodyPr wrap="none" rtlCol="0">
+            <a:spAutoFit/>
+          </a:bodyPr>
+          <a:lstStyle/>
+          <a:p>
+            <a:r>
+              <a:rPr lang="en-US" sz="2400" dirty="0"/>
+              <a:t>How can we use this method</a:t>
+            </a:r>
+          </a:p>
+          <a:p>
+            <a:r>
+              <a:rPr lang="en-US" sz="2400" dirty="0"/>
+              <a:t>to calculate the minimum between</a:t>
+            </a:r>
+          </a:p>
+          <a:p>
+            <a:r>
+              <a:rPr lang="en-US" sz="2400" dirty="0"/>
+              <a:t>three values?</a:t>
+            </a:r>
+          </a:p>
+          <a:p>
+            <a:r>
+              <a:rPr lang="en-US" sz="2400" dirty="0"/>
+              <a:t>Write the necessary changes in your code.</a:t>
+            </a:r>
+          </a:p>
+        </p:txBody>
+      </p:sp>
+    </p:spTree>
+    <p:extLst>
+      <p:ext uri="{BB962C8B-B14F-4D97-AF65-F5344CB8AC3E}">
+        <p14:creationId xmlns:p14="http://schemas.microsoft.com/office/powerpoint/2010/main" val="3265938945"/>
+      </p:ext>
+    </p:extLst>
+  </p:cSld>
+  <p:clrMapOvr>
+    <a:masterClrMapping/>
+  </p:clrMapOvr>
+  <mc:AlternateContent xmlns:mc="http://schemas.openxmlformats.org/markup-compatibility/2006" xmlns:p14="http://schemas.microsoft.com/office/powerpoint/2010/main">
+    <mc:Choice Requires="p14">
+      <p:transition p14:dur="300">
+        <p:fade/>
+      </p:transition>
+    </mc:Choice>
+    <mc:Fallback xmlns="">
+      <p:transition>
+        <p:fade/>
+      </p:transition>
+    </mc:Fallback>
+  </mc:AlternateContent>
+  <p:timing>
+    <p:tnLst>
+      <p:par>
+        <p:cTn id="1" dur="indefinite" restart="never" nodeType="tmRoot">
+          <p:childTnLst>
+            <p:seq concurrent="1" nextAc="seek">
+              <p:cTn id="2" dur="indefinite" nodeType="mainSeq">
+                <p:childTnLst>
+                  <p:par>
+                    <p:cTn id="3" fill="hold">
+                      <p:stCondLst>
+                        <p:cond delay="indefinite"/>
+                      </p:stCondLst>
+                      <p:childTnLst>
+                        <p:par>
+                          <p:cTn id="4" fill="hold">
+                            <p:stCondLst>
+                              <p:cond delay="0"/>
+                            </p:stCondLst>
+                            <p:childTnLst>
+                              <p:par>
+                                <p:cTn id="5" presetID="1" presetClass="entr" presetSubtype="0" fill="hold" grpId="0" nodeType="clickEffect">
+                                  <p:stCondLst>
+                                    <p:cond delay="0"/>
+                                  </p:stCondLst>
+                                  <p:childTnLst>
+                                    <p:set>
+                                      <p:cBhvr>
+                                        <p:cTn id="6" dur="1" fill="hold">
+                                          <p:stCondLst>
+                                            <p:cond delay="0"/>
+                                          </p:stCondLst>
+                                        </p:cTn>
+                                        <p:tgtEl>
+                                          <p:spTgt spid="8"/>
+                                        </p:tgtEl>
+                                        <p:attrNameLst>
+                                          <p:attrName>style.visibility</p:attrName>
+                                        </p:attrNameLst>
+                                      </p:cBhvr>
+                                      <p:to>
+                                        <p:strVal val="visible"/>
+                                      </p:to>
+                                    </p:set>
+                                  </p:childTnLst>
+                                </p:cTn>
+                              </p:par>
+                            </p:childTnLst>
+                          </p:cTn>
+                        </p:par>
+                      </p:childTnLst>
+                    </p:cTn>
+                  </p:par>
+                </p:childTnLst>
+              </p:cTn>
+              <p:prevCondLst>
+                <p:cond evt="onPrev" delay="0">
+                  <p:tgtEl>
+                    <p:sldTgt/>
+                  </p:tgtEl>
+                </p:cond>
+              </p:prevCondLst>
+              <p:nextCondLst>
+                <p:cond evt="onNext" delay="0">
+                  <p:tgtEl>
+                    <p:sldTgt/>
+                  </p:tgtEl>
+                </p:cond>
+              </p:nextCondLst>
+            </p:seq>
+          </p:childTnLst>
+        </p:cTn>
+      </p:par>
+    </p:tnLst>
+    <p:bldLst>
+      <p:bldP spid="8" grpId="0" animBg="1"/>
+    </p:bldLst>
+  </p:timing>
+</p:sld>
+</file>
+
 <file path=ppt/slides/slide8.xml><?xml version="1.0" encoding="utf-8"?>
 <p:sld xmlns:a="http://schemas.openxmlformats.org/drawingml/2006/main" xmlns:r="http://schemas.openxmlformats.org/officeDocument/2006/relationships" xmlns:p="http://schemas.openxmlformats.org/presentationml/2006/main">
   <p:cSld>
@@ -15895,7 +16660,7 @@
           <p:cNvPr id="2" name="Title 1">
             <a:extLst>
               <a:ext uri="{FF2B5EF4-FFF2-40B4-BE49-F238E27FC236}">
-                <a16:creationId xmlns:a16="http://schemas.microsoft.com/office/drawing/2014/main" id="{6A5ACB51-79B1-3641-B014-C0C80F9AAB6F}"/>
+                <a16:creationId xmlns:a16="http://schemas.microsoft.com/office/drawing/2014/main" id="{F8787ADA-CBAE-4F40-8D7B-B49545ABD6DD}"/>
               </a:ext>
             </a:extLst>
           </p:cNvPr>
@@ -15913,7 +16678,15 @@
           <a:p>
             <a:r>
               <a:rPr lang="en-US" dirty="0"/>
-              <a:t>In Class Activity: Group Practice 2</a:t>
+              <a:t>If Statements – </a:t>
+            </a:r>
+            <a:r>
+              <a:rPr lang="en-US"/>
+              <a:t>Coding Along Practice </a:t>
+            </a:r>
+            <a:r>
+              <a:rPr lang="en-US" dirty="0"/>
+              <a:t>2</a:t>
             </a:r>
           </a:p>
         </p:txBody>
@@ -15923,7 +16696,7 @@
           <p:cNvPr id="3" name="Text Placeholder 2">
             <a:extLst>
               <a:ext uri="{FF2B5EF4-FFF2-40B4-BE49-F238E27FC236}">
-                <a16:creationId xmlns:a16="http://schemas.microsoft.com/office/drawing/2014/main" id="{B8B00D82-A444-8540-A961-58D2BA6C1693}"/>
+                <a16:creationId xmlns:a16="http://schemas.microsoft.com/office/drawing/2014/main" id="{18B63810-99DF-5947-AEB3-98BFCC0D0C44}"/>
               </a:ext>
             </a:extLst>
           </p:cNvPr>
@@ -15936,8 +16709,8 @@
         </p:nvSpPr>
         <p:spPr>
           <a:xfrm>
-            <a:off x="628075" y="1776683"/>
-            <a:ext cx="12561453" cy="481350"/>
+            <a:off x="628075" y="1618638"/>
+            <a:ext cx="12561453" cy="1406860"/>
           </a:xfrm>
         </p:spPr>
         <p:txBody>
@@ -15945,552 +16718,1075 @@
           <a:lstStyle/>
           <a:p>
             <a:r>
-              <a:rPr lang="en-US" dirty="0"/>
-              <a:t>Complete the following code with a conditional expression. In zyBooks / canvas – same one. </a:t>
+              <a:rPr lang="en-US" sz="2000" dirty="0"/>
+              <a:t>In your table, write a method that receives two String objects and prints those strings in alphabetical order.</a:t>
+            </a:r>
+          </a:p>
+          <a:p>
+            <a:r>
+              <a:rPr lang="en-US" sz="2000" dirty="0"/>
+              <a:t>Write a call to the method you created from the following main method.</a:t>
             </a:r>
           </a:p>
         </p:txBody>
       </p:sp>
       <p:sp>
         <p:nvSpPr>
-          <p:cNvPr id="5" name="TextBox 4">
+          <p:cNvPr id="5" name="Rectangle 2">
             <a:extLst>
               <a:ext uri="{FF2B5EF4-FFF2-40B4-BE49-F238E27FC236}">
-                <a16:creationId xmlns:a16="http://schemas.microsoft.com/office/drawing/2014/main" id="{9A1F5827-1A17-7E4A-9A11-7CEC93EE05F0}"/>
+                <a16:creationId xmlns:a16="http://schemas.microsoft.com/office/drawing/2014/main" id="{46B3365D-5138-49C7-BF9E-D7DA50CA654A}"/>
               </a:ext>
             </a:extLst>
           </p:cNvPr>
-          <p:cNvSpPr txBox="1"/>
+          <p:cNvSpPr>
+            <a:spLocks noChangeArrowheads="1"/>
+          </p:cNvSpPr>
           <p:nvPr/>
         </p:nvSpPr>
-        <p:spPr>
+        <p:spPr bwMode="auto">
           <a:xfrm>
-            <a:off x="1828800" y="2848739"/>
-            <a:ext cx="10160000" cy="2862322"/>
+            <a:off x="1371600" y="3320637"/>
+            <a:ext cx="11342914" cy="3754874"/>
           </a:xfrm>
           <a:prstGeom prst="rect">
             <a:avLst/>
           </a:prstGeom>
-          <a:noFill/>
+          <a:solidFill>
+            <a:srgbClr val="FFFFFF"/>
+          </a:solidFill>
+          <a:ln>
+            <a:noFill/>
+          </a:ln>
+          <a:effectLst/>
+          <a:extLst>
+            <a:ext uri="{91240B29-F687-4F45-9708-019B960494DF}">
+              <a14:hiddenLine xmlns:a14="http://schemas.microsoft.com/office/drawing/2010/main" w="9525">
+                <a:solidFill>
+                  <a:schemeClr val="tx1"/>
+                </a:solidFill>
+                <a:miter lim="800000"/>
+                <a:headEnd/>
+                <a:tailEnd/>
+              </a14:hiddenLine>
+            </a:ext>
+            <a:ext uri="{AF507438-7753-43E0-B8FC-AC1667EBCBE1}">
+              <a14:hiddenEffects xmlns:a14="http://schemas.microsoft.com/office/drawing/2010/main">
+                <a:effectLst>
+                  <a:outerShdw dist="35921" dir="2700000" algn="ctr" rotWithShape="0">
+                    <a:schemeClr val="bg2"/>
+                  </a:outerShdw>
+                </a:effectLst>
+              </a14:hiddenEffects>
+            </a:ext>
+          </a:extLst>
         </p:spPr>
         <p:txBody>
-          <a:bodyPr wrap="square">
+          <a:bodyPr vert="horz" wrap="square" lIns="91440" tIns="45720" rIns="91440" bIns="45720" numCol="1" anchor="ctr" anchorCtr="0" compatLnSpc="1">
+            <a:prstTxWarp prst="textNoShape">
+              <a:avLst/>
+            </a:prstTxWarp>
             <a:spAutoFit/>
           </a:bodyPr>
           <a:lstStyle/>
           <a:p>
-            <a:r>
-              <a:rPr lang="en-US" dirty="0">
-                <a:solidFill>
-                  <a:srgbClr val="CC7832"/>
-                </a:solidFill>
-                <a:effectLst/>
-                <a:latin typeface="Consolas" panose="020B0609020204030204" pitchFamily="49" charset="0"/>
-                <a:cs typeface="Consolas" panose="020B0609020204030204" pitchFamily="49" charset="0"/>
-              </a:rPr>
-              <a:t>public static String </a:t>
-            </a:r>
-            <a:r>
-              <a:rPr lang="en-US" dirty="0">
-                <a:solidFill>
-                  <a:srgbClr val="FFC66D"/>
-                </a:solidFill>
-                <a:effectLst/>
-                <a:latin typeface="Consolas" panose="020B0609020204030204" pitchFamily="49" charset="0"/>
-                <a:cs typeface="Consolas" panose="020B0609020204030204" pitchFamily="49" charset="0"/>
-              </a:rPr>
-              <a:t>quickPractice2</a:t>
-            </a:r>
-            <a:r>
-              <a:rPr lang="en-US" dirty="0">
-                <a:latin typeface="Consolas" panose="020B0609020204030204" pitchFamily="49" charset="0"/>
-                <a:cs typeface="Consolas" panose="020B0609020204030204" pitchFamily="49" charset="0"/>
+            <a:pPr marL="0" marR="0" lvl="0" indent="0" algn="l" defTabSz="914400" rtl="0" eaLnBrk="0" fontAlgn="base" latinLnBrk="0" hangingPunct="0">
+              <a:lnSpc>
+                <a:spcPct val="100000"/>
+              </a:lnSpc>
+              <a:spcBef>
+                <a:spcPct val="0"/>
+              </a:spcBef>
+              <a:spcAft>
+                <a:spcPct val="0"/>
+              </a:spcAft>
+              <a:buClrTx/>
+              <a:buSzTx/>
+              <a:buFontTx/>
+              <a:buNone/>
+              <a:tabLst/>
+            </a:pPr>
+            <a:r>
+              <a:rPr kumimoji="0" lang="en-US" altLang="en-US" b="0" i="0" u="none" strike="noStrike" cap="none" normalizeH="0" baseline="0" dirty="0">
+                <a:ln>
+                  <a:noFill/>
+                </a:ln>
+                <a:solidFill>
+                  <a:srgbClr val="0033B3"/>
+                </a:solidFill>
+                <a:effectLst/>
+                <a:latin typeface="JetBrains Mono"/>
+              </a:rPr>
+              <a:t>import </a:t>
+            </a:r>
+            <a:r>
+              <a:rPr kumimoji="0" lang="en-US" altLang="en-US" b="0" i="0" u="none" strike="noStrike" cap="none" normalizeH="0" baseline="0" dirty="0" err="1">
+                <a:ln>
+                  <a:noFill/>
+                </a:ln>
+                <a:solidFill>
+                  <a:srgbClr val="000000"/>
+                </a:solidFill>
+                <a:effectLst/>
+                <a:latin typeface="JetBrains Mono"/>
+              </a:rPr>
+              <a:t>java.util.Scanner</a:t>
+            </a:r>
+            <a:r>
+              <a:rPr kumimoji="0" lang="en-US" altLang="en-US" b="0" i="0" u="none" strike="noStrike" cap="none" normalizeH="0" baseline="0" dirty="0">
+                <a:ln>
+                  <a:noFill/>
+                </a:ln>
+                <a:solidFill>
+                  <a:srgbClr val="080808"/>
+                </a:solidFill>
+                <a:effectLst/>
+                <a:latin typeface="JetBrains Mono"/>
+              </a:rPr>
+              <a:t>;</a:t>
+            </a:r>
+            <a:br>
+              <a:rPr kumimoji="0" lang="en-US" altLang="en-US" b="0" i="0" u="none" strike="noStrike" cap="none" normalizeH="0" baseline="0" dirty="0">
+                <a:ln>
+                  <a:noFill/>
+                </a:ln>
+                <a:solidFill>
+                  <a:srgbClr val="080808"/>
+                </a:solidFill>
+                <a:effectLst/>
+                <a:latin typeface="JetBrains Mono"/>
+              </a:rPr>
+            </a:br>
+            <a:r>
+              <a:rPr kumimoji="0" lang="en-US" altLang="en-US" b="0" i="0" u="none" strike="noStrike" cap="none" normalizeH="0" baseline="0" dirty="0">
+                <a:ln>
+                  <a:noFill/>
+                </a:ln>
+                <a:solidFill>
+                  <a:srgbClr val="0033B3"/>
+                </a:solidFill>
+                <a:effectLst/>
+                <a:latin typeface="JetBrains Mono"/>
+              </a:rPr>
+              <a:t>public class </a:t>
+            </a:r>
+            <a:r>
+              <a:rPr kumimoji="0" lang="en-US" altLang="en-US" b="0" i="0" u="none" strike="noStrike" cap="none" normalizeH="0" baseline="0" dirty="0">
+                <a:ln>
+                  <a:noFill/>
+                </a:ln>
+                <a:solidFill>
+                  <a:srgbClr val="000000"/>
+                </a:solidFill>
+                <a:effectLst/>
+                <a:latin typeface="JetBrains Mono"/>
+              </a:rPr>
+              <a:t>Conditionals </a:t>
+            </a:r>
+            <a:r>
+              <a:rPr kumimoji="0" lang="en-US" altLang="en-US" b="0" i="0" u="none" strike="noStrike" cap="none" normalizeH="0" baseline="0" dirty="0">
+                <a:ln>
+                  <a:noFill/>
+                </a:ln>
+                <a:solidFill>
+                  <a:srgbClr val="080808"/>
+                </a:solidFill>
+                <a:effectLst/>
+                <a:latin typeface="JetBrains Mono"/>
+              </a:rPr>
+              <a:t>{</a:t>
+            </a:r>
+            <a:br>
+              <a:rPr kumimoji="0" lang="en-US" altLang="en-US" b="0" i="0" u="none" strike="noStrike" cap="none" normalizeH="0" baseline="0" dirty="0">
+                <a:ln>
+                  <a:noFill/>
+                </a:ln>
+                <a:solidFill>
+                  <a:srgbClr val="080808"/>
+                </a:solidFill>
+                <a:effectLst/>
+                <a:latin typeface="JetBrains Mono"/>
+              </a:rPr>
+            </a:br>
+            <a:r>
+              <a:rPr kumimoji="0" lang="en-US" altLang="en-US" b="0" i="0" u="none" strike="noStrike" cap="none" normalizeH="0" baseline="0" dirty="0">
+                <a:ln>
+                  <a:noFill/>
+                </a:ln>
+                <a:solidFill>
+                  <a:srgbClr val="080808"/>
+                </a:solidFill>
+                <a:effectLst/>
+                <a:latin typeface="JetBrains Mono"/>
+              </a:rPr>
+              <a:t>    </a:t>
+            </a:r>
+            <a:r>
+              <a:rPr kumimoji="0" lang="en-US" altLang="en-US" b="0" i="0" u="none" strike="noStrike" cap="none" normalizeH="0" baseline="0" dirty="0">
+                <a:ln>
+                  <a:noFill/>
+                </a:ln>
+                <a:solidFill>
+                  <a:srgbClr val="0033B3"/>
+                </a:solidFill>
+                <a:effectLst/>
+                <a:latin typeface="JetBrains Mono"/>
+              </a:rPr>
+              <a:t>public static void </a:t>
+            </a:r>
+            <a:r>
+              <a:rPr kumimoji="0" lang="en-US" altLang="en-US" b="0" i="0" u="none" strike="noStrike" cap="none" normalizeH="0" baseline="0" dirty="0">
+                <a:ln>
+                  <a:noFill/>
+                </a:ln>
+                <a:solidFill>
+                  <a:srgbClr val="00627A"/>
+                </a:solidFill>
+                <a:effectLst/>
+                <a:latin typeface="JetBrains Mono"/>
+              </a:rPr>
+              <a:t>main</a:t>
+            </a:r>
+            <a:r>
+              <a:rPr kumimoji="0" lang="en-US" altLang="en-US" b="0" i="0" u="none" strike="noStrike" cap="none" normalizeH="0" baseline="0" dirty="0">
+                <a:ln>
+                  <a:noFill/>
+                </a:ln>
+                <a:solidFill>
+                  <a:srgbClr val="080808"/>
+                </a:solidFill>
+                <a:effectLst/>
+                <a:latin typeface="JetBrains Mono"/>
               </a:rPr>
               <a:t>(</a:t>
             </a:r>
             <a:r>
-              <a:rPr lang="en-US" dirty="0">
-                <a:solidFill>
-                  <a:srgbClr val="CC7832"/>
-                </a:solidFill>
-                <a:effectLst/>
-                <a:latin typeface="Consolas" panose="020B0609020204030204" pitchFamily="49" charset="0"/>
-                <a:cs typeface="Consolas" panose="020B0609020204030204" pitchFamily="49" charset="0"/>
-              </a:rPr>
-              <a:t>int </a:t>
-            </a:r>
-            <a:r>
-              <a:rPr lang="en-US" i="1" dirty="0">
-                <a:solidFill>
-                  <a:srgbClr val="9876AA"/>
-                </a:solidFill>
-                <a:effectLst/>
-                <a:latin typeface="Consolas" panose="020B0609020204030204" pitchFamily="49" charset="0"/>
-                <a:cs typeface="Consolas" panose="020B0609020204030204" pitchFamily="49" charset="0"/>
-              </a:rPr>
-              <a:t>value</a:t>
-            </a:r>
-            <a:r>
-              <a:rPr lang="en-US" dirty="0">
-                <a:latin typeface="Consolas" panose="020B0609020204030204" pitchFamily="49" charset="0"/>
-                <a:cs typeface="Consolas" panose="020B0609020204030204" pitchFamily="49" charset="0"/>
-              </a:rPr>
-              <a:t>) {</a:t>
-            </a:r>
-          </a:p>
-          <a:p>
-            <a:r>
-              <a:rPr lang="en-US" dirty="0">
-                <a:solidFill>
-                  <a:srgbClr val="808080"/>
-                </a:solidFill>
-                <a:latin typeface="Consolas" panose="020B0609020204030204" pitchFamily="49" charset="0"/>
-                <a:cs typeface="Consolas" panose="020B0609020204030204" pitchFamily="49" charset="0"/>
-              </a:rPr>
-              <a:t>      // just write the </a:t>
-            </a:r>
-            <a:r>
-              <a:rPr lang="en-US" u="sng" dirty="0">
-                <a:solidFill>
-                  <a:srgbClr val="808080"/>
-                </a:solidFill>
-                <a:latin typeface="Consolas" panose="020B0609020204030204" pitchFamily="49" charset="0"/>
-                <a:cs typeface="Consolas" panose="020B0609020204030204" pitchFamily="49" charset="0"/>
-              </a:rPr>
-              <a:t>lines</a:t>
-            </a:r>
-            <a:r>
-              <a:rPr lang="en-US" dirty="0">
-                <a:solidFill>
-                  <a:srgbClr val="808080"/>
-                </a:solidFill>
-                <a:latin typeface="Consolas" panose="020B0609020204030204" pitchFamily="49" charset="0"/>
-                <a:cs typeface="Consolas" panose="020B0609020204030204" pitchFamily="49" charset="0"/>
-              </a:rPr>
-              <a:t> of code that go here!</a:t>
+              <a:rPr kumimoji="0" lang="en-US" altLang="en-US" b="0" i="0" u="none" strike="noStrike" cap="none" normalizeH="0" baseline="0" dirty="0">
+                <a:ln>
+                  <a:noFill/>
+                </a:ln>
+                <a:solidFill>
+                  <a:srgbClr val="000000"/>
+                </a:solidFill>
+                <a:effectLst/>
+                <a:latin typeface="JetBrains Mono"/>
+              </a:rPr>
+              <a:t>String </a:t>
+            </a:r>
+            <a:r>
+              <a:rPr kumimoji="0" lang="en-US" altLang="en-US" b="0" i="0" u="none" strike="noStrike" cap="none" normalizeH="0" baseline="0" dirty="0" err="1">
+                <a:ln>
+                  <a:noFill/>
+                </a:ln>
+                <a:solidFill>
+                  <a:srgbClr val="080808"/>
+                </a:solidFill>
+                <a:effectLst/>
+                <a:latin typeface="JetBrains Mono"/>
+              </a:rPr>
+              <a:t>args</a:t>
+            </a:r>
+            <a:r>
+              <a:rPr kumimoji="0" lang="en-US" altLang="en-US" b="0" i="0" u="none" strike="noStrike" cap="none" normalizeH="0" baseline="0" dirty="0">
+                <a:ln>
+                  <a:noFill/>
+                </a:ln>
+                <a:solidFill>
+                  <a:srgbClr val="080808"/>
+                </a:solidFill>
+                <a:effectLst/>
+                <a:latin typeface="JetBrains Mono"/>
+              </a:rPr>
+              <a:t>[]){</a:t>
             </a:r>
             <a:br>
-              <a:rPr lang="en-US" dirty="0">
-                <a:latin typeface="Consolas" panose="020B0609020204030204" pitchFamily="49" charset="0"/>
-                <a:cs typeface="Consolas" panose="020B0609020204030204" pitchFamily="49" charset="0"/>
+              <a:rPr kumimoji="0" lang="en-US" altLang="en-US" b="0" i="0" u="none" strike="noStrike" cap="none" normalizeH="0" baseline="0" dirty="0">
+                <a:ln>
+                  <a:noFill/>
+                </a:ln>
+                <a:solidFill>
+                  <a:srgbClr val="080808"/>
+                </a:solidFill>
+                <a:effectLst/>
+                <a:latin typeface="JetBrains Mono"/>
               </a:rPr>
             </a:br>
             <a:r>
-              <a:rPr lang="en-US" dirty="0">
-                <a:latin typeface="Consolas" panose="020B0609020204030204" pitchFamily="49" charset="0"/>
-                <a:cs typeface="Consolas" panose="020B0609020204030204" pitchFamily="49" charset="0"/>
+              <a:rPr kumimoji="0" lang="en-US" altLang="en-US" b="0" i="0" u="none" strike="noStrike" cap="none" normalizeH="0" baseline="0" dirty="0">
+                <a:ln>
+                  <a:noFill/>
+                </a:ln>
+                <a:solidFill>
+                  <a:srgbClr val="080808"/>
+                </a:solidFill>
+                <a:effectLst/>
+                <a:latin typeface="JetBrains Mono"/>
+              </a:rPr>
+              <a:t>        </a:t>
+            </a:r>
+            <a:r>
+              <a:rPr kumimoji="0" lang="en-US" altLang="en-US" b="0" i="0" u="none" strike="noStrike" cap="none" normalizeH="0" baseline="0" dirty="0">
+                <a:ln>
+                  <a:noFill/>
+                </a:ln>
+                <a:solidFill>
+                  <a:srgbClr val="000000"/>
+                </a:solidFill>
+                <a:effectLst/>
+                <a:latin typeface="JetBrains Mono"/>
+              </a:rPr>
+              <a:t>Scanner in </a:t>
+            </a:r>
+            <a:r>
+              <a:rPr kumimoji="0" lang="en-US" altLang="en-US" b="0" i="0" u="none" strike="noStrike" cap="none" normalizeH="0" baseline="0" dirty="0">
+                <a:ln>
+                  <a:noFill/>
+                </a:ln>
+                <a:solidFill>
+                  <a:srgbClr val="080808"/>
+                </a:solidFill>
+                <a:effectLst/>
+                <a:latin typeface="JetBrains Mono"/>
+              </a:rPr>
+              <a:t>= </a:t>
+            </a:r>
+            <a:r>
+              <a:rPr kumimoji="0" lang="en-US" altLang="en-US" b="0" i="0" u="none" strike="noStrike" cap="none" normalizeH="0" baseline="0" dirty="0">
+                <a:ln>
+                  <a:noFill/>
+                </a:ln>
+                <a:solidFill>
+                  <a:srgbClr val="0033B3"/>
+                </a:solidFill>
+                <a:effectLst/>
+                <a:latin typeface="JetBrains Mono"/>
+              </a:rPr>
+              <a:t>new </a:t>
+            </a:r>
+            <a:r>
+              <a:rPr kumimoji="0" lang="en-US" altLang="en-US" b="0" i="0" u="none" strike="noStrike" cap="none" normalizeH="0" baseline="0" dirty="0">
+                <a:ln>
+                  <a:noFill/>
+                </a:ln>
+                <a:solidFill>
+                  <a:srgbClr val="080808"/>
+                </a:solidFill>
+                <a:effectLst/>
+                <a:latin typeface="JetBrains Mono"/>
+              </a:rPr>
+              <a:t>Scanner(</a:t>
+            </a:r>
+            <a:r>
+              <a:rPr kumimoji="0" lang="en-US" altLang="en-US" b="0" i="0" u="none" strike="noStrike" cap="none" normalizeH="0" baseline="0" dirty="0">
+                <a:ln>
+                  <a:noFill/>
+                </a:ln>
+                <a:solidFill>
+                  <a:srgbClr val="000000"/>
+                </a:solidFill>
+                <a:effectLst/>
+                <a:latin typeface="JetBrains Mono"/>
+              </a:rPr>
+              <a:t>System</a:t>
+            </a:r>
+            <a:r>
+              <a:rPr kumimoji="0" lang="en-US" altLang="en-US" b="0" i="0" u="none" strike="noStrike" cap="none" normalizeH="0" baseline="0" dirty="0">
+                <a:ln>
+                  <a:noFill/>
+                </a:ln>
+                <a:solidFill>
+                  <a:srgbClr val="080808"/>
+                </a:solidFill>
+                <a:effectLst/>
+                <a:latin typeface="JetBrains Mono"/>
+              </a:rPr>
+              <a:t>.</a:t>
+            </a:r>
+            <a:r>
+              <a:rPr kumimoji="0" lang="en-US" altLang="en-US" b="0" i="1" u="none" strike="noStrike" cap="none" normalizeH="0" baseline="0" dirty="0">
+                <a:ln>
+                  <a:noFill/>
+                </a:ln>
+                <a:solidFill>
+                  <a:srgbClr val="871094"/>
+                </a:solidFill>
+                <a:effectLst/>
+                <a:latin typeface="JetBrains Mono"/>
+              </a:rPr>
+              <a:t>in</a:t>
+            </a:r>
+            <a:r>
+              <a:rPr kumimoji="0" lang="en-US" altLang="en-US" b="0" i="0" u="none" strike="noStrike" cap="none" normalizeH="0" baseline="0" dirty="0">
+                <a:ln>
+                  <a:noFill/>
+                </a:ln>
+                <a:solidFill>
+                  <a:srgbClr val="080808"/>
+                </a:solidFill>
+                <a:effectLst/>
+                <a:latin typeface="JetBrains Mono"/>
+              </a:rPr>
+              <a:t>);</a:t>
+            </a:r>
+            <a:br>
+              <a:rPr kumimoji="0" lang="en-US" altLang="en-US" b="0" i="0" u="none" strike="noStrike" cap="none" normalizeH="0" baseline="0" dirty="0">
+                <a:ln>
+                  <a:noFill/>
+                </a:ln>
+                <a:solidFill>
+                  <a:srgbClr val="080808"/>
+                </a:solidFill>
+                <a:effectLst/>
+                <a:latin typeface="JetBrains Mono"/>
+              </a:rPr>
+            </a:br>
+            <a:r>
+              <a:rPr kumimoji="0" lang="en-US" altLang="en-US" b="0" i="0" u="none" strike="noStrike" cap="none" normalizeH="0" baseline="0" dirty="0">
+                <a:ln>
+                  <a:noFill/>
+                </a:ln>
+                <a:solidFill>
+                  <a:srgbClr val="080808"/>
+                </a:solidFill>
+                <a:effectLst/>
+                <a:latin typeface="JetBrains Mono"/>
+              </a:rPr>
+              <a:t>        </a:t>
+            </a:r>
+            <a:r>
+              <a:rPr kumimoji="0" lang="en-US" altLang="en-US" b="0" i="0" u="none" strike="noStrike" cap="none" normalizeH="0" baseline="0" dirty="0" err="1">
+                <a:ln>
+                  <a:noFill/>
+                </a:ln>
+                <a:solidFill>
+                  <a:srgbClr val="000000"/>
+                </a:solidFill>
+                <a:effectLst/>
+                <a:latin typeface="JetBrains Mono"/>
+              </a:rPr>
+              <a:t>System</a:t>
+            </a:r>
+            <a:r>
+              <a:rPr kumimoji="0" lang="en-US" altLang="en-US" b="0" i="0" u="none" strike="noStrike" cap="none" normalizeH="0" baseline="0" dirty="0" err="1">
+                <a:ln>
+                  <a:noFill/>
+                </a:ln>
+                <a:solidFill>
+                  <a:srgbClr val="080808"/>
+                </a:solidFill>
+                <a:effectLst/>
+                <a:latin typeface="JetBrains Mono"/>
+              </a:rPr>
+              <a:t>.</a:t>
+            </a:r>
+            <a:r>
+              <a:rPr kumimoji="0" lang="en-US" altLang="en-US" b="0" i="1" u="none" strike="noStrike" cap="none" normalizeH="0" baseline="0" dirty="0" err="1">
+                <a:ln>
+                  <a:noFill/>
+                </a:ln>
+                <a:solidFill>
+                  <a:srgbClr val="871094"/>
+                </a:solidFill>
+                <a:effectLst/>
+                <a:latin typeface="JetBrains Mono"/>
+              </a:rPr>
+              <a:t>out</a:t>
+            </a:r>
+            <a:r>
+              <a:rPr kumimoji="0" lang="en-US" altLang="en-US" b="0" i="0" u="none" strike="noStrike" cap="none" normalizeH="0" baseline="0" dirty="0" err="1">
+                <a:ln>
+                  <a:noFill/>
+                </a:ln>
+                <a:solidFill>
+                  <a:srgbClr val="080808"/>
+                </a:solidFill>
+                <a:effectLst/>
+                <a:latin typeface="JetBrains Mono"/>
+              </a:rPr>
+              <a:t>.print</a:t>
+            </a:r>
+            <a:r>
+              <a:rPr kumimoji="0" lang="en-US" altLang="en-US" b="0" i="0" u="none" strike="noStrike" cap="none" normalizeH="0" baseline="0" dirty="0">
+                <a:ln>
+                  <a:noFill/>
+                </a:ln>
+                <a:solidFill>
+                  <a:srgbClr val="080808"/>
+                </a:solidFill>
+                <a:effectLst/>
+                <a:latin typeface="JetBrains Mono"/>
+              </a:rPr>
+              <a:t>(</a:t>
+            </a:r>
+            <a:r>
+              <a:rPr kumimoji="0" lang="en-US" altLang="en-US" b="0" i="0" u="none" strike="noStrike" cap="none" normalizeH="0" baseline="0" dirty="0">
+                <a:ln>
+                  <a:noFill/>
+                </a:ln>
+                <a:solidFill>
+                  <a:srgbClr val="067D17"/>
+                </a:solidFill>
+                <a:effectLst/>
+                <a:latin typeface="JetBrains Mono"/>
+              </a:rPr>
+              <a:t>"Enter first string: "</a:t>
+            </a:r>
+            <a:r>
+              <a:rPr kumimoji="0" lang="en-US" altLang="en-US" b="0" i="0" u="none" strike="noStrike" cap="none" normalizeH="0" baseline="0" dirty="0">
+                <a:ln>
+                  <a:noFill/>
+                </a:ln>
+                <a:solidFill>
+                  <a:srgbClr val="080808"/>
+                </a:solidFill>
+                <a:effectLst/>
+                <a:latin typeface="JetBrains Mono"/>
+              </a:rPr>
+              <a:t>);</a:t>
+            </a:r>
+            <a:br>
+              <a:rPr kumimoji="0" lang="en-US" altLang="en-US" b="0" i="0" u="none" strike="noStrike" cap="none" normalizeH="0" baseline="0" dirty="0">
+                <a:ln>
+                  <a:noFill/>
+                </a:ln>
+                <a:solidFill>
+                  <a:srgbClr val="080808"/>
+                </a:solidFill>
+                <a:effectLst/>
+                <a:latin typeface="JetBrains Mono"/>
+              </a:rPr>
+            </a:br>
+            <a:r>
+              <a:rPr kumimoji="0" lang="en-US" altLang="en-US" b="0" i="1" u="none" strike="noStrike" cap="none" normalizeH="0" baseline="0" dirty="0">
+                <a:ln>
+                  <a:noFill/>
+                </a:ln>
+                <a:solidFill>
+                  <a:srgbClr val="8C8C8C"/>
+                </a:solidFill>
+                <a:effectLst/>
+                <a:latin typeface="JetBrains Mono"/>
+              </a:rPr>
+              <a:t>        </a:t>
+            </a:r>
+            <a:r>
+              <a:rPr kumimoji="0" lang="en-US" altLang="en-US" b="0" i="0" u="none" strike="noStrike" cap="none" normalizeH="0" baseline="0" dirty="0">
+                <a:ln>
+                  <a:noFill/>
+                </a:ln>
+                <a:solidFill>
+                  <a:srgbClr val="000000"/>
+                </a:solidFill>
+                <a:effectLst/>
+                <a:latin typeface="JetBrains Mono"/>
+              </a:rPr>
+              <a:t>String str1 </a:t>
+            </a:r>
+            <a:r>
+              <a:rPr kumimoji="0" lang="en-US" altLang="en-US" b="0" i="0" u="none" strike="noStrike" cap="none" normalizeH="0" baseline="0" dirty="0">
+                <a:ln>
+                  <a:noFill/>
+                </a:ln>
+                <a:solidFill>
+                  <a:srgbClr val="080808"/>
+                </a:solidFill>
+                <a:effectLst/>
+                <a:latin typeface="JetBrains Mono"/>
+              </a:rPr>
+              <a:t>= </a:t>
+            </a:r>
+            <a:r>
+              <a:rPr kumimoji="0" lang="en-US" altLang="en-US" b="0" i="0" u="none" strike="noStrike" cap="none" normalizeH="0" baseline="0" dirty="0" err="1">
+                <a:ln>
+                  <a:noFill/>
+                </a:ln>
+                <a:solidFill>
+                  <a:srgbClr val="000000"/>
+                </a:solidFill>
+                <a:effectLst/>
+                <a:latin typeface="JetBrains Mono"/>
+              </a:rPr>
+              <a:t>in</a:t>
+            </a:r>
+            <a:r>
+              <a:rPr kumimoji="0" lang="en-US" altLang="en-US" b="0" i="0" u="none" strike="noStrike" cap="none" normalizeH="0" baseline="0" dirty="0" err="1">
+                <a:ln>
+                  <a:noFill/>
+                </a:ln>
+                <a:solidFill>
+                  <a:srgbClr val="080808"/>
+                </a:solidFill>
+                <a:effectLst/>
+                <a:latin typeface="JetBrains Mono"/>
+              </a:rPr>
+              <a:t>.nextLine</a:t>
+            </a:r>
+            <a:r>
+              <a:rPr kumimoji="0" lang="en-US" altLang="en-US" b="0" i="0" u="none" strike="noStrike" cap="none" normalizeH="0" baseline="0" dirty="0">
+                <a:ln>
+                  <a:noFill/>
+                </a:ln>
+                <a:solidFill>
+                  <a:srgbClr val="080808"/>
+                </a:solidFill>
+                <a:effectLst/>
+                <a:latin typeface="JetBrains Mono"/>
+              </a:rPr>
+              <a:t>();</a:t>
+            </a:r>
+            <a:br>
+              <a:rPr kumimoji="0" lang="en-US" altLang="en-US" b="0" i="0" u="none" strike="noStrike" cap="none" normalizeH="0" baseline="0" dirty="0">
+                <a:ln>
+                  <a:noFill/>
+                </a:ln>
+                <a:solidFill>
+                  <a:srgbClr val="080808"/>
+                </a:solidFill>
+                <a:effectLst/>
+                <a:latin typeface="JetBrains Mono"/>
+              </a:rPr>
+            </a:br>
+            <a:r>
+              <a:rPr kumimoji="0" lang="en-US" altLang="en-US" b="0" i="0" u="none" strike="noStrike" cap="none" normalizeH="0" baseline="0" dirty="0">
+                <a:ln>
+                  <a:noFill/>
+                </a:ln>
+                <a:solidFill>
+                  <a:srgbClr val="080808"/>
+                </a:solidFill>
+                <a:effectLst/>
+                <a:latin typeface="JetBrains Mono"/>
+              </a:rPr>
+              <a:t>        </a:t>
+            </a:r>
+            <a:r>
+              <a:rPr kumimoji="0" lang="en-US" altLang="en-US" b="0" i="0" u="none" strike="noStrike" cap="none" normalizeH="0" baseline="0" dirty="0" err="1">
+                <a:ln>
+                  <a:noFill/>
+                </a:ln>
+                <a:solidFill>
+                  <a:srgbClr val="000000"/>
+                </a:solidFill>
+                <a:effectLst/>
+                <a:latin typeface="JetBrains Mono"/>
+              </a:rPr>
+              <a:t>System</a:t>
+            </a:r>
+            <a:r>
+              <a:rPr kumimoji="0" lang="en-US" altLang="en-US" b="0" i="0" u="none" strike="noStrike" cap="none" normalizeH="0" baseline="0" dirty="0" err="1">
+                <a:ln>
+                  <a:noFill/>
+                </a:ln>
+                <a:solidFill>
+                  <a:srgbClr val="080808"/>
+                </a:solidFill>
+                <a:effectLst/>
+                <a:latin typeface="JetBrains Mono"/>
+              </a:rPr>
+              <a:t>.</a:t>
+            </a:r>
+            <a:r>
+              <a:rPr kumimoji="0" lang="en-US" altLang="en-US" b="0" i="1" u="none" strike="noStrike" cap="none" normalizeH="0" baseline="0" dirty="0" err="1">
+                <a:ln>
+                  <a:noFill/>
+                </a:ln>
+                <a:solidFill>
+                  <a:srgbClr val="871094"/>
+                </a:solidFill>
+                <a:effectLst/>
+                <a:latin typeface="JetBrains Mono"/>
+              </a:rPr>
+              <a:t>out</a:t>
+            </a:r>
+            <a:r>
+              <a:rPr kumimoji="0" lang="en-US" altLang="en-US" b="0" i="0" u="none" strike="noStrike" cap="none" normalizeH="0" baseline="0" dirty="0" err="1">
+                <a:ln>
+                  <a:noFill/>
+                </a:ln>
+                <a:solidFill>
+                  <a:srgbClr val="080808"/>
+                </a:solidFill>
+                <a:effectLst/>
+                <a:latin typeface="JetBrains Mono"/>
+              </a:rPr>
+              <a:t>.print</a:t>
+            </a:r>
+            <a:r>
+              <a:rPr kumimoji="0" lang="en-US" altLang="en-US" b="0" i="0" u="none" strike="noStrike" cap="none" normalizeH="0" baseline="0" dirty="0">
+                <a:ln>
+                  <a:noFill/>
+                </a:ln>
+                <a:solidFill>
+                  <a:srgbClr val="080808"/>
+                </a:solidFill>
+                <a:effectLst/>
+                <a:latin typeface="JetBrains Mono"/>
+              </a:rPr>
+              <a:t>(</a:t>
+            </a:r>
+            <a:r>
+              <a:rPr kumimoji="0" lang="en-US" altLang="en-US" b="0" i="0" u="none" strike="noStrike" cap="none" normalizeH="0" baseline="0" dirty="0">
+                <a:ln>
+                  <a:noFill/>
+                </a:ln>
+                <a:solidFill>
+                  <a:srgbClr val="067D17"/>
+                </a:solidFill>
+                <a:effectLst/>
+                <a:latin typeface="JetBrains Mono"/>
+              </a:rPr>
+              <a:t>"Enter second string: "</a:t>
+            </a:r>
+            <a:r>
+              <a:rPr kumimoji="0" lang="en-US" altLang="en-US" b="0" i="0" u="none" strike="noStrike" cap="none" normalizeH="0" baseline="0" dirty="0">
+                <a:ln>
+                  <a:noFill/>
+                </a:ln>
+                <a:solidFill>
+                  <a:srgbClr val="080808"/>
+                </a:solidFill>
+                <a:effectLst/>
+                <a:latin typeface="JetBrains Mono"/>
+              </a:rPr>
+              <a:t>);</a:t>
+            </a:r>
+            <a:br>
+              <a:rPr kumimoji="0" lang="en-US" altLang="en-US" b="0" i="0" u="none" strike="noStrike" cap="none" normalizeH="0" baseline="0" dirty="0">
+                <a:ln>
+                  <a:noFill/>
+                </a:ln>
+                <a:solidFill>
+                  <a:srgbClr val="080808"/>
+                </a:solidFill>
+                <a:effectLst/>
+                <a:latin typeface="JetBrains Mono"/>
+              </a:rPr>
+            </a:br>
+            <a:r>
+              <a:rPr kumimoji="0" lang="en-US" altLang="en-US" b="0" i="0" u="none" strike="noStrike" cap="none" normalizeH="0" baseline="0" dirty="0">
+                <a:ln>
+                  <a:noFill/>
+                </a:ln>
+                <a:solidFill>
+                  <a:srgbClr val="080808"/>
+                </a:solidFill>
+                <a:effectLst/>
+                <a:latin typeface="JetBrains Mono"/>
+              </a:rPr>
+              <a:t>        </a:t>
+            </a:r>
+            <a:r>
+              <a:rPr kumimoji="0" lang="en-US" altLang="en-US" b="0" i="0" u="none" strike="noStrike" cap="none" normalizeH="0" baseline="0" dirty="0">
+                <a:ln>
+                  <a:noFill/>
+                </a:ln>
+                <a:solidFill>
+                  <a:srgbClr val="000000"/>
+                </a:solidFill>
+                <a:effectLst/>
+                <a:latin typeface="JetBrains Mono"/>
+              </a:rPr>
+              <a:t>String str2 </a:t>
+            </a:r>
+            <a:r>
+              <a:rPr kumimoji="0" lang="en-US" altLang="en-US" b="0" i="0" u="none" strike="noStrike" cap="none" normalizeH="0" baseline="0" dirty="0">
+                <a:ln>
+                  <a:noFill/>
+                </a:ln>
+                <a:solidFill>
+                  <a:srgbClr val="080808"/>
+                </a:solidFill>
+                <a:effectLst/>
+                <a:latin typeface="JetBrains Mono"/>
+              </a:rPr>
+              <a:t>= </a:t>
+            </a:r>
+            <a:r>
+              <a:rPr kumimoji="0" lang="en-US" altLang="en-US" b="0" i="0" u="none" strike="noStrike" cap="none" normalizeH="0" baseline="0" dirty="0" err="1">
+                <a:ln>
+                  <a:noFill/>
+                </a:ln>
+                <a:solidFill>
+                  <a:srgbClr val="000000"/>
+                </a:solidFill>
+                <a:effectLst/>
+                <a:latin typeface="JetBrains Mono"/>
+              </a:rPr>
+              <a:t>in</a:t>
+            </a:r>
+            <a:r>
+              <a:rPr kumimoji="0" lang="en-US" altLang="en-US" b="0" i="0" u="none" strike="noStrike" cap="none" normalizeH="0" baseline="0" dirty="0" err="1">
+                <a:ln>
+                  <a:noFill/>
+                </a:ln>
+                <a:solidFill>
+                  <a:srgbClr val="080808"/>
+                </a:solidFill>
+                <a:effectLst/>
+                <a:latin typeface="JetBrains Mono"/>
+              </a:rPr>
+              <a:t>.nextLine</a:t>
+            </a:r>
+            <a:r>
+              <a:rPr kumimoji="0" lang="en-US" altLang="en-US" b="0" i="0" u="none" strike="noStrike" cap="none" normalizeH="0" baseline="0" dirty="0">
+                <a:ln>
+                  <a:noFill/>
+                </a:ln>
+                <a:solidFill>
+                  <a:srgbClr val="080808"/>
+                </a:solidFill>
+                <a:effectLst/>
+                <a:latin typeface="JetBrains Mono"/>
+              </a:rPr>
+              <a:t>();</a:t>
+            </a:r>
+            <a:br>
+              <a:rPr kumimoji="0" lang="en-US" altLang="en-US" b="0" i="0" u="none" strike="noStrike" cap="none" normalizeH="0" baseline="0" dirty="0">
+                <a:ln>
+                  <a:noFill/>
+                </a:ln>
+                <a:solidFill>
+                  <a:srgbClr val="080808"/>
+                </a:solidFill>
+                <a:effectLst/>
+                <a:latin typeface="JetBrains Mono"/>
+              </a:rPr>
+            </a:br>
+            <a:r>
+              <a:rPr kumimoji="0" lang="en-US" altLang="en-US" b="0" i="0" u="none" strike="noStrike" cap="none" normalizeH="0" baseline="0" dirty="0">
+                <a:ln>
+                  <a:noFill/>
+                </a:ln>
+                <a:solidFill>
+                  <a:srgbClr val="080808"/>
+                </a:solidFill>
+                <a:effectLst/>
+                <a:latin typeface="JetBrains Mono"/>
+              </a:rPr>
+              <a:t>        </a:t>
+            </a:r>
+            <a:r>
+              <a:rPr kumimoji="0" lang="en-US" altLang="en-US" b="0" i="0" u="none" strike="noStrike" cap="none" normalizeH="0" baseline="0" dirty="0" err="1">
+                <a:ln>
+                  <a:noFill/>
+                </a:ln>
+                <a:solidFill>
+                  <a:srgbClr val="000000"/>
+                </a:solidFill>
+                <a:effectLst/>
+                <a:latin typeface="JetBrains Mono"/>
+              </a:rPr>
+              <a:t>System</a:t>
+            </a:r>
+            <a:r>
+              <a:rPr kumimoji="0" lang="en-US" altLang="en-US" b="0" i="0" u="none" strike="noStrike" cap="none" normalizeH="0" baseline="0" dirty="0" err="1">
+                <a:ln>
+                  <a:noFill/>
+                </a:ln>
+                <a:solidFill>
+                  <a:srgbClr val="080808"/>
+                </a:solidFill>
+                <a:effectLst/>
+                <a:latin typeface="JetBrains Mono"/>
+              </a:rPr>
+              <a:t>.</a:t>
+            </a:r>
+            <a:r>
+              <a:rPr kumimoji="0" lang="en-US" altLang="en-US" b="0" i="1" u="none" strike="noStrike" cap="none" normalizeH="0" baseline="0" dirty="0" err="1">
+                <a:ln>
+                  <a:noFill/>
+                </a:ln>
+                <a:solidFill>
+                  <a:srgbClr val="871094"/>
+                </a:solidFill>
+                <a:effectLst/>
+                <a:latin typeface="JetBrains Mono"/>
+              </a:rPr>
+              <a:t>out</a:t>
+            </a:r>
+            <a:r>
+              <a:rPr kumimoji="0" lang="en-US" altLang="en-US" b="0" i="0" u="none" strike="noStrike" cap="none" normalizeH="0" baseline="0" dirty="0" err="1">
+                <a:ln>
+                  <a:noFill/>
+                </a:ln>
+                <a:solidFill>
+                  <a:srgbClr val="080808"/>
+                </a:solidFill>
+                <a:effectLst/>
+                <a:latin typeface="JetBrains Mono"/>
+              </a:rPr>
+              <a:t>.printf</a:t>
+            </a:r>
+            <a:r>
+              <a:rPr kumimoji="0" lang="en-US" altLang="en-US" b="0" i="0" u="none" strike="noStrike" cap="none" normalizeH="0" baseline="0" dirty="0">
+                <a:ln>
+                  <a:noFill/>
+                </a:ln>
+                <a:solidFill>
+                  <a:srgbClr val="080808"/>
+                </a:solidFill>
+                <a:effectLst/>
+                <a:latin typeface="JetBrains Mono"/>
+              </a:rPr>
+              <a:t>(</a:t>
+            </a:r>
+            <a:r>
+              <a:rPr kumimoji="0" lang="en-US" altLang="en-US" b="0" i="0" u="none" strike="noStrike" cap="none" normalizeH="0" baseline="0" dirty="0">
+                <a:ln>
+                  <a:noFill/>
+                </a:ln>
+                <a:solidFill>
+                  <a:srgbClr val="067D17"/>
+                </a:solidFill>
+                <a:effectLst/>
+                <a:latin typeface="JetBrains Mono"/>
+              </a:rPr>
+              <a:t>"First string entered: %s, Second string entered: %s"</a:t>
+            </a:r>
+            <a:r>
+              <a:rPr kumimoji="0" lang="en-US" altLang="en-US" b="0" i="0" u="none" strike="noStrike" cap="none" normalizeH="0" baseline="0" dirty="0">
+                <a:ln>
+                  <a:noFill/>
+                </a:ln>
+                <a:solidFill>
+                  <a:srgbClr val="080808"/>
+                </a:solidFill>
+                <a:effectLst/>
+                <a:latin typeface="JetBrains Mono"/>
+              </a:rPr>
+              <a:t>, </a:t>
+            </a:r>
+            <a:r>
+              <a:rPr kumimoji="0" lang="en-US" altLang="en-US" b="0" i="0" u="none" strike="noStrike" cap="none" normalizeH="0" baseline="0" dirty="0">
+                <a:ln>
+                  <a:noFill/>
+                </a:ln>
+                <a:solidFill>
+                  <a:srgbClr val="000000"/>
+                </a:solidFill>
+                <a:effectLst/>
+                <a:latin typeface="JetBrains Mono"/>
+              </a:rPr>
+              <a:t>str1</a:t>
+            </a:r>
+            <a:r>
+              <a:rPr kumimoji="0" lang="en-US" altLang="en-US" b="0" i="0" u="none" strike="noStrike" cap="none" normalizeH="0" baseline="0" dirty="0">
+                <a:ln>
+                  <a:noFill/>
+                </a:ln>
+                <a:solidFill>
+                  <a:srgbClr val="080808"/>
+                </a:solidFill>
+                <a:effectLst/>
+                <a:latin typeface="JetBrains Mono"/>
+              </a:rPr>
+              <a:t>, </a:t>
+            </a:r>
+            <a:r>
+              <a:rPr kumimoji="0" lang="en-US" altLang="en-US" b="0" i="0" u="none" strike="noStrike" cap="none" normalizeH="0" baseline="0" dirty="0">
+                <a:ln>
+                  <a:noFill/>
+                </a:ln>
+                <a:solidFill>
+                  <a:srgbClr val="000000"/>
+                </a:solidFill>
+                <a:effectLst/>
+                <a:latin typeface="JetBrains Mono"/>
+              </a:rPr>
+              <a:t>str2</a:t>
+            </a:r>
+            <a:r>
+              <a:rPr kumimoji="0" lang="en-US" altLang="en-US" b="0" i="0" u="none" strike="noStrike" cap="none" normalizeH="0" baseline="0" dirty="0">
+                <a:ln>
+                  <a:noFill/>
+                </a:ln>
+                <a:solidFill>
+                  <a:srgbClr val="080808"/>
+                </a:solidFill>
+                <a:effectLst/>
+                <a:latin typeface="JetBrains Mono"/>
+              </a:rPr>
+              <a:t>);</a:t>
+            </a:r>
+            <a:br>
+              <a:rPr kumimoji="0" lang="en-US" altLang="en-US" b="0" i="0" u="none" strike="noStrike" cap="none" normalizeH="0" baseline="0" dirty="0">
+                <a:ln>
+                  <a:noFill/>
+                </a:ln>
+                <a:solidFill>
+                  <a:srgbClr val="080808"/>
+                </a:solidFill>
+                <a:effectLst/>
+                <a:latin typeface="JetBrains Mono"/>
+              </a:rPr>
+            </a:br>
+            <a:r>
+              <a:rPr kumimoji="0" lang="en-US" altLang="en-US" b="0" i="0" u="none" strike="noStrike" cap="none" normalizeH="0" baseline="0" dirty="0">
+                <a:ln>
+                  <a:noFill/>
+                </a:ln>
+                <a:solidFill>
+                  <a:srgbClr val="080808"/>
+                </a:solidFill>
+                <a:effectLst/>
+                <a:latin typeface="JetBrains Mono"/>
+              </a:rPr>
+              <a:t>    }</a:t>
+            </a:r>
+            <a:br>
+              <a:rPr kumimoji="0" lang="en-US" altLang="en-US" b="0" i="0" u="none" strike="noStrike" cap="none" normalizeH="0" baseline="0" dirty="0">
+                <a:ln>
+                  <a:noFill/>
+                </a:ln>
+                <a:solidFill>
+                  <a:srgbClr val="080808"/>
+                </a:solidFill>
+                <a:effectLst/>
+                <a:latin typeface="JetBrains Mono"/>
+              </a:rPr>
+            </a:br>
+            <a:r>
+              <a:rPr kumimoji="0" lang="en-US" altLang="en-US" b="0" i="0" u="none" strike="noStrike" cap="none" normalizeH="0" baseline="0" dirty="0">
+                <a:ln>
+                  <a:noFill/>
+                </a:ln>
+                <a:solidFill>
+                  <a:srgbClr val="080808"/>
+                </a:solidFill>
+                <a:effectLst/>
+                <a:latin typeface="JetBrains Mono"/>
               </a:rPr>
               <a:t>}</a:t>
             </a:r>
             <a:br>
-              <a:rPr lang="en-US" dirty="0">
-                <a:latin typeface="Consolas" panose="020B0609020204030204" pitchFamily="49" charset="0"/>
-                <a:cs typeface="Consolas" panose="020B0609020204030204" pitchFamily="49" charset="0"/>
+              <a:rPr kumimoji="0" lang="en-US" altLang="en-US" sz="1800" b="0" i="0" u="none" strike="noStrike" cap="none" normalizeH="0" baseline="0" dirty="0">
+                <a:ln>
+                  <a:noFill/>
+                </a:ln>
+                <a:solidFill>
+                  <a:srgbClr val="080808"/>
+                </a:solidFill>
+                <a:effectLst/>
+                <a:latin typeface="JetBrains Mono"/>
               </a:rPr>
             </a:br>
-            <a:br>
-              <a:rPr lang="en-US" dirty="0">
-                <a:latin typeface="Consolas" panose="020B0609020204030204" pitchFamily="49" charset="0"/>
-                <a:cs typeface="Consolas" panose="020B0609020204030204" pitchFamily="49" charset="0"/>
-              </a:rPr>
-            </a:br>
-            <a:r>
-              <a:rPr lang="en-US" dirty="0">
-                <a:solidFill>
-                  <a:srgbClr val="CC7832"/>
-                </a:solidFill>
-                <a:effectLst/>
-                <a:latin typeface="Consolas" panose="020B0609020204030204" pitchFamily="49" charset="0"/>
-                <a:cs typeface="Consolas" panose="020B0609020204030204" pitchFamily="49" charset="0"/>
-              </a:rPr>
-              <a:t>public static void </a:t>
-            </a:r>
-            <a:r>
-              <a:rPr lang="en-US" dirty="0">
-                <a:solidFill>
-                  <a:srgbClr val="FFC66D"/>
-                </a:solidFill>
-                <a:effectLst/>
-                <a:latin typeface="Consolas" panose="020B0609020204030204" pitchFamily="49" charset="0"/>
-                <a:cs typeface="Consolas" panose="020B0609020204030204" pitchFamily="49" charset="0"/>
-              </a:rPr>
-              <a:t>main</a:t>
-            </a:r>
-            <a:r>
-              <a:rPr lang="en-US" dirty="0">
-                <a:latin typeface="Consolas" panose="020B0609020204030204" pitchFamily="49" charset="0"/>
-                <a:cs typeface="Consolas" panose="020B0609020204030204" pitchFamily="49" charset="0"/>
-              </a:rPr>
-              <a:t>(String[] </a:t>
-            </a:r>
-            <a:r>
-              <a:rPr lang="en-US" i="1" dirty="0" err="1">
-                <a:solidFill>
-                  <a:srgbClr val="9876AA"/>
-                </a:solidFill>
-                <a:effectLst/>
-                <a:latin typeface="Consolas" panose="020B0609020204030204" pitchFamily="49" charset="0"/>
-                <a:cs typeface="Consolas" panose="020B0609020204030204" pitchFamily="49" charset="0"/>
-              </a:rPr>
-              <a:t>args</a:t>
-            </a:r>
-            <a:r>
-              <a:rPr lang="en-US" dirty="0">
-                <a:latin typeface="Consolas" panose="020B0609020204030204" pitchFamily="49" charset="0"/>
-                <a:cs typeface="Consolas" panose="020B0609020204030204" pitchFamily="49" charset="0"/>
-              </a:rPr>
-              <a:t>) {</a:t>
-            </a:r>
-            <a:br>
-              <a:rPr lang="en-US" dirty="0">
-                <a:latin typeface="Consolas" panose="020B0609020204030204" pitchFamily="49" charset="0"/>
-                <a:cs typeface="Consolas" panose="020B0609020204030204" pitchFamily="49" charset="0"/>
-              </a:rPr>
-            </a:br>
-            <a:r>
-              <a:rPr lang="en-US" dirty="0">
-                <a:latin typeface="Consolas" panose="020B0609020204030204" pitchFamily="49" charset="0"/>
-                <a:cs typeface="Consolas" panose="020B0609020204030204" pitchFamily="49" charset="0"/>
-              </a:rPr>
-              <a:t>    </a:t>
-            </a:r>
-            <a:r>
-              <a:rPr lang="en-US" dirty="0" err="1">
-                <a:latin typeface="Consolas" panose="020B0609020204030204" pitchFamily="49" charset="0"/>
-                <a:cs typeface="Consolas" panose="020B0609020204030204" pitchFamily="49" charset="0"/>
-              </a:rPr>
-              <a:t>System.</a:t>
-            </a:r>
-            <a:r>
-              <a:rPr lang="en-US" i="1" dirty="0" err="1">
-                <a:solidFill>
-                  <a:srgbClr val="9876AA"/>
-                </a:solidFill>
-                <a:effectLst/>
-                <a:latin typeface="Consolas" panose="020B0609020204030204" pitchFamily="49" charset="0"/>
-                <a:cs typeface="Consolas" panose="020B0609020204030204" pitchFamily="49" charset="0"/>
-              </a:rPr>
-              <a:t>out</a:t>
-            </a:r>
-            <a:r>
-              <a:rPr lang="en-US" dirty="0" err="1">
-                <a:latin typeface="Consolas" panose="020B0609020204030204" pitchFamily="49" charset="0"/>
-                <a:cs typeface="Consolas" panose="020B0609020204030204" pitchFamily="49" charset="0"/>
-              </a:rPr>
-              <a:t>.println</a:t>
-            </a:r>
-            <a:r>
-              <a:rPr lang="en-US" dirty="0">
-                <a:latin typeface="Consolas" panose="020B0609020204030204" pitchFamily="49" charset="0"/>
-                <a:cs typeface="Consolas" panose="020B0609020204030204" pitchFamily="49" charset="0"/>
-              </a:rPr>
-              <a:t>(</a:t>
-            </a:r>
-            <a:r>
-              <a:rPr lang="en-US" i="1" dirty="0">
-                <a:effectLst/>
-                <a:latin typeface="Consolas" panose="020B0609020204030204" pitchFamily="49" charset="0"/>
-                <a:cs typeface="Consolas" panose="020B0609020204030204" pitchFamily="49" charset="0"/>
-              </a:rPr>
-              <a:t>quickPractice2</a:t>
-            </a:r>
-            <a:r>
-              <a:rPr lang="en-US" dirty="0">
-                <a:latin typeface="Consolas" panose="020B0609020204030204" pitchFamily="49" charset="0"/>
-                <a:cs typeface="Consolas" panose="020B0609020204030204" pitchFamily="49" charset="0"/>
-              </a:rPr>
-              <a:t>(</a:t>
-            </a:r>
-            <a:r>
-              <a:rPr lang="en-US" dirty="0">
-                <a:solidFill>
-                  <a:srgbClr val="6897BB"/>
-                </a:solidFill>
-                <a:effectLst/>
-                <a:latin typeface="Consolas" panose="020B0609020204030204" pitchFamily="49" charset="0"/>
-                <a:cs typeface="Consolas" panose="020B0609020204030204" pitchFamily="49" charset="0"/>
-              </a:rPr>
-              <a:t>100</a:t>
-            </a:r>
-            <a:r>
-              <a:rPr lang="en-US" dirty="0">
-                <a:latin typeface="Consolas" panose="020B0609020204030204" pitchFamily="49" charset="0"/>
-                <a:cs typeface="Consolas" panose="020B0609020204030204" pitchFamily="49" charset="0"/>
-              </a:rPr>
-              <a:t>))</a:t>
-            </a:r>
-            <a:r>
-              <a:rPr lang="en-US" dirty="0">
-                <a:solidFill>
-                  <a:srgbClr val="CC7832"/>
-                </a:solidFill>
-                <a:effectLst/>
-                <a:latin typeface="Consolas" panose="020B0609020204030204" pitchFamily="49" charset="0"/>
-                <a:cs typeface="Consolas" panose="020B0609020204030204" pitchFamily="49" charset="0"/>
-              </a:rPr>
-              <a:t>;  </a:t>
-            </a:r>
-            <a:r>
-              <a:rPr lang="en-US" dirty="0">
-                <a:solidFill>
-                  <a:srgbClr val="808080"/>
-                </a:solidFill>
-                <a:effectLst/>
-                <a:latin typeface="Consolas" panose="020B0609020204030204" pitchFamily="49" charset="0"/>
-                <a:cs typeface="Consolas" panose="020B0609020204030204" pitchFamily="49" charset="0"/>
-              </a:rPr>
-              <a:t>// prints YES, at min</a:t>
-            </a:r>
-            <a:br>
-              <a:rPr lang="en-US" dirty="0">
-                <a:solidFill>
-                  <a:srgbClr val="808080"/>
-                </a:solidFill>
-                <a:effectLst/>
-                <a:latin typeface="Consolas" panose="020B0609020204030204" pitchFamily="49" charset="0"/>
-                <a:cs typeface="Consolas" panose="020B0609020204030204" pitchFamily="49" charset="0"/>
-              </a:rPr>
-            </a:br>
-            <a:r>
-              <a:rPr lang="en-US" dirty="0">
-                <a:solidFill>
-                  <a:srgbClr val="808080"/>
-                </a:solidFill>
-                <a:effectLst/>
-                <a:latin typeface="Consolas" panose="020B0609020204030204" pitchFamily="49" charset="0"/>
-                <a:cs typeface="Consolas" panose="020B0609020204030204" pitchFamily="49" charset="0"/>
-              </a:rPr>
-              <a:t>    </a:t>
-            </a:r>
-            <a:r>
-              <a:rPr lang="en-US" dirty="0" err="1">
-                <a:latin typeface="Consolas" panose="020B0609020204030204" pitchFamily="49" charset="0"/>
-                <a:cs typeface="Consolas" panose="020B0609020204030204" pitchFamily="49" charset="0"/>
-              </a:rPr>
-              <a:t>System.</a:t>
-            </a:r>
-            <a:r>
-              <a:rPr lang="en-US" i="1" dirty="0" err="1">
-                <a:solidFill>
-                  <a:srgbClr val="9876AA"/>
-                </a:solidFill>
-                <a:effectLst/>
-                <a:latin typeface="Consolas" panose="020B0609020204030204" pitchFamily="49" charset="0"/>
-                <a:cs typeface="Consolas" panose="020B0609020204030204" pitchFamily="49" charset="0"/>
-              </a:rPr>
-              <a:t>out</a:t>
-            </a:r>
-            <a:r>
-              <a:rPr lang="en-US" dirty="0" err="1">
-                <a:latin typeface="Consolas" panose="020B0609020204030204" pitchFamily="49" charset="0"/>
-                <a:cs typeface="Consolas" panose="020B0609020204030204" pitchFamily="49" charset="0"/>
-              </a:rPr>
-              <a:t>.println</a:t>
-            </a:r>
-            <a:r>
-              <a:rPr lang="en-US" dirty="0">
-                <a:latin typeface="Consolas" panose="020B0609020204030204" pitchFamily="49" charset="0"/>
-                <a:cs typeface="Consolas" panose="020B0609020204030204" pitchFamily="49" charset="0"/>
-              </a:rPr>
-              <a:t>(</a:t>
-            </a:r>
-            <a:r>
-              <a:rPr lang="en-US" i="1" dirty="0">
-                <a:effectLst/>
-                <a:latin typeface="Consolas" panose="020B0609020204030204" pitchFamily="49" charset="0"/>
-                <a:cs typeface="Consolas" panose="020B0609020204030204" pitchFamily="49" charset="0"/>
-              </a:rPr>
-              <a:t>quickPractice2</a:t>
-            </a:r>
-            <a:r>
-              <a:rPr lang="en-US" dirty="0">
-                <a:latin typeface="Consolas" panose="020B0609020204030204" pitchFamily="49" charset="0"/>
-                <a:cs typeface="Consolas" panose="020B0609020204030204" pitchFamily="49" charset="0"/>
-              </a:rPr>
-              <a:t>(</a:t>
-            </a:r>
-            <a:r>
-              <a:rPr lang="en-US" dirty="0">
-                <a:solidFill>
-                  <a:srgbClr val="6897BB"/>
-                </a:solidFill>
-                <a:effectLst/>
-                <a:latin typeface="Consolas" panose="020B0609020204030204" pitchFamily="49" charset="0"/>
-                <a:cs typeface="Consolas" panose="020B0609020204030204" pitchFamily="49" charset="0"/>
-              </a:rPr>
-              <a:t>101</a:t>
-            </a:r>
-            <a:r>
-              <a:rPr lang="en-US" dirty="0">
-                <a:latin typeface="Consolas" panose="020B0609020204030204" pitchFamily="49" charset="0"/>
-                <a:cs typeface="Consolas" panose="020B0609020204030204" pitchFamily="49" charset="0"/>
-              </a:rPr>
-              <a:t>))</a:t>
-            </a:r>
-            <a:r>
-              <a:rPr lang="en-US" dirty="0">
-                <a:solidFill>
-                  <a:srgbClr val="CC7832"/>
-                </a:solidFill>
-                <a:effectLst/>
-                <a:latin typeface="Consolas" panose="020B0609020204030204" pitchFamily="49" charset="0"/>
-                <a:cs typeface="Consolas" panose="020B0609020204030204" pitchFamily="49" charset="0"/>
-              </a:rPr>
-              <a:t>;  </a:t>
-            </a:r>
-            <a:r>
-              <a:rPr lang="en-US" dirty="0">
-                <a:solidFill>
-                  <a:srgbClr val="808080"/>
-                </a:solidFill>
-                <a:effectLst/>
-                <a:latin typeface="Consolas" panose="020B0609020204030204" pitchFamily="49" charset="0"/>
-                <a:cs typeface="Consolas" panose="020B0609020204030204" pitchFamily="49" charset="0"/>
-              </a:rPr>
-              <a:t>// prints YES, over</a:t>
-            </a:r>
-            <a:br>
-              <a:rPr lang="en-US" dirty="0">
-                <a:solidFill>
-                  <a:srgbClr val="808080"/>
-                </a:solidFill>
-                <a:effectLst/>
-                <a:latin typeface="Consolas" panose="020B0609020204030204" pitchFamily="49" charset="0"/>
-                <a:cs typeface="Consolas" panose="020B0609020204030204" pitchFamily="49" charset="0"/>
-              </a:rPr>
-            </a:br>
-            <a:r>
-              <a:rPr lang="en-US" dirty="0">
-                <a:solidFill>
-                  <a:srgbClr val="808080"/>
-                </a:solidFill>
-                <a:effectLst/>
-                <a:latin typeface="Consolas" panose="020B0609020204030204" pitchFamily="49" charset="0"/>
-                <a:cs typeface="Consolas" panose="020B0609020204030204" pitchFamily="49" charset="0"/>
-              </a:rPr>
-              <a:t>    </a:t>
-            </a:r>
-            <a:r>
-              <a:rPr lang="en-US" dirty="0" err="1">
-                <a:latin typeface="Consolas" panose="020B0609020204030204" pitchFamily="49" charset="0"/>
-                <a:cs typeface="Consolas" panose="020B0609020204030204" pitchFamily="49" charset="0"/>
-              </a:rPr>
-              <a:t>System.</a:t>
-            </a:r>
-            <a:r>
-              <a:rPr lang="en-US" i="1" dirty="0" err="1">
-                <a:solidFill>
-                  <a:srgbClr val="9876AA"/>
-                </a:solidFill>
-                <a:effectLst/>
-                <a:latin typeface="Consolas" panose="020B0609020204030204" pitchFamily="49" charset="0"/>
-                <a:cs typeface="Consolas" panose="020B0609020204030204" pitchFamily="49" charset="0"/>
-              </a:rPr>
-              <a:t>out</a:t>
-            </a:r>
-            <a:r>
-              <a:rPr lang="en-US" dirty="0" err="1">
-                <a:latin typeface="Consolas" panose="020B0609020204030204" pitchFamily="49" charset="0"/>
-                <a:cs typeface="Consolas" panose="020B0609020204030204" pitchFamily="49" charset="0"/>
-              </a:rPr>
-              <a:t>.println</a:t>
-            </a:r>
-            <a:r>
-              <a:rPr lang="en-US" dirty="0">
-                <a:latin typeface="Consolas" panose="020B0609020204030204" pitchFamily="49" charset="0"/>
-                <a:cs typeface="Consolas" panose="020B0609020204030204" pitchFamily="49" charset="0"/>
-              </a:rPr>
-              <a:t>(</a:t>
-            </a:r>
-            <a:r>
-              <a:rPr lang="en-US" i="1" dirty="0">
-                <a:effectLst/>
-                <a:latin typeface="Consolas" panose="020B0609020204030204" pitchFamily="49" charset="0"/>
-                <a:cs typeface="Consolas" panose="020B0609020204030204" pitchFamily="49" charset="0"/>
-              </a:rPr>
-              <a:t>quickPractice2</a:t>
-            </a:r>
-            <a:r>
-              <a:rPr lang="en-US" dirty="0">
-                <a:latin typeface="Consolas" panose="020B0609020204030204" pitchFamily="49" charset="0"/>
-                <a:cs typeface="Consolas" panose="020B0609020204030204" pitchFamily="49" charset="0"/>
-              </a:rPr>
-              <a:t>(</a:t>
-            </a:r>
-            <a:r>
-              <a:rPr lang="en-US" dirty="0">
-                <a:solidFill>
-                  <a:srgbClr val="6897BB"/>
-                </a:solidFill>
-                <a:effectLst/>
-                <a:latin typeface="Consolas" panose="020B0609020204030204" pitchFamily="49" charset="0"/>
-                <a:cs typeface="Consolas" panose="020B0609020204030204" pitchFamily="49" charset="0"/>
-              </a:rPr>
-              <a:t>99</a:t>
-            </a:r>
-            <a:r>
-              <a:rPr lang="en-US" dirty="0">
-                <a:latin typeface="Consolas" panose="020B0609020204030204" pitchFamily="49" charset="0"/>
-                <a:cs typeface="Consolas" panose="020B0609020204030204" pitchFamily="49" charset="0"/>
-              </a:rPr>
-              <a:t>))</a:t>
-            </a:r>
-            <a:r>
-              <a:rPr lang="en-US" dirty="0">
-                <a:solidFill>
-                  <a:srgbClr val="CC7832"/>
-                </a:solidFill>
-                <a:effectLst/>
-                <a:latin typeface="Consolas" panose="020B0609020204030204" pitchFamily="49" charset="0"/>
-                <a:cs typeface="Consolas" panose="020B0609020204030204" pitchFamily="49" charset="0"/>
-              </a:rPr>
-              <a:t>;   </a:t>
-            </a:r>
-            <a:r>
-              <a:rPr lang="en-US" dirty="0">
-                <a:solidFill>
-                  <a:srgbClr val="808080"/>
-                </a:solidFill>
-                <a:effectLst/>
-                <a:latin typeface="Consolas" panose="020B0609020204030204" pitchFamily="49" charset="0"/>
-                <a:cs typeface="Consolas" panose="020B0609020204030204" pitchFamily="49" charset="0"/>
-              </a:rPr>
-              <a:t>// prints </a:t>
-            </a:r>
-            <a:r>
-              <a:rPr lang="en-US" dirty="0">
-                <a:solidFill>
-                  <a:srgbClr val="808080"/>
-                </a:solidFill>
-                <a:latin typeface="Consolas" panose="020B0609020204030204" pitchFamily="49" charset="0"/>
-                <a:cs typeface="Consolas" panose="020B0609020204030204" pitchFamily="49" charset="0"/>
-              </a:rPr>
-              <a:t>NO, under</a:t>
-            </a:r>
-            <a:br>
-              <a:rPr lang="en-US" dirty="0">
-                <a:solidFill>
-                  <a:srgbClr val="808080"/>
-                </a:solidFill>
-                <a:effectLst/>
-                <a:latin typeface="Consolas" panose="020B0609020204030204" pitchFamily="49" charset="0"/>
-                <a:cs typeface="Consolas" panose="020B0609020204030204" pitchFamily="49" charset="0"/>
-              </a:rPr>
-            </a:br>
-            <a:r>
-              <a:rPr lang="en-US" dirty="0">
-                <a:latin typeface="Consolas" panose="020B0609020204030204" pitchFamily="49" charset="0"/>
-                <a:cs typeface="Consolas" panose="020B0609020204030204" pitchFamily="49" charset="0"/>
-              </a:rPr>
-              <a:t>}</a:t>
-            </a:r>
+            <a:endParaRPr kumimoji="0" lang="en-US" altLang="en-US" sz="1800" b="0" i="0" u="none" strike="noStrike" cap="none" normalizeH="0" baseline="0" dirty="0">
+              <a:ln>
+                <a:noFill/>
+              </a:ln>
+              <a:solidFill>
+                <a:schemeClr val="tx1"/>
+              </a:solidFill>
+              <a:effectLst/>
+              <a:latin typeface="Arial" panose="020B0604020202020204" pitchFamily="34" charset="0"/>
+            </a:endParaRPr>
           </a:p>
         </p:txBody>
       </p:sp>
     </p:spTree>
     <p:extLst>
       <p:ext uri="{BB962C8B-B14F-4D97-AF65-F5344CB8AC3E}">
-        <p14:creationId xmlns:p14="http://schemas.microsoft.com/office/powerpoint/2010/main" val="202079882"/>
+        <p14:creationId xmlns:p14="http://schemas.microsoft.com/office/powerpoint/2010/main" val="3620451227"/>
       </p:ext>
     </p:extLst>
   </p:cSld>
@@ -18084,4 +19380,300 @@
   </a:objectDefaults>
   <a:extraClrSchemeLst/>
 </a:theme>
+</file>
+
+<file path=customXml/item1.xml><?xml version="1.0" encoding="utf-8"?>
+<ct:contentTypeSchema xmlns:ct="http://schemas.microsoft.com/office/2006/metadata/contentType" xmlns:ma="http://schemas.microsoft.com/office/2006/metadata/properties/metaAttributes" ct:_="" ma:_="" ma:contentTypeName="Document" ma:contentTypeID="0x010100074387D78AC76C4289401EF66FB51FCC" ma:contentTypeVersion="15" ma:contentTypeDescription="Create a new document." ma:contentTypeScope="" ma:versionID="d3659bec8b8330148a03d82a9d99f412">
+  <xsd:schema xmlns:xsd="http://www.w3.org/2001/XMLSchema" xmlns:xs="http://www.w3.org/2001/XMLSchema" xmlns:p="http://schemas.microsoft.com/office/2006/metadata/properties" xmlns:ns3="92c41bee-f0ee-4aa6-9399-a35fbb883510" xmlns:ns4="e06ed288-fd75-4b50-bbed-f5a5df88c31c" targetNamespace="http://schemas.microsoft.com/office/2006/metadata/properties" ma:root="true" ma:fieldsID="1a21d371127b63848c9a2290f5945250" ns3:_="" ns4:_="">
+    <xsd:import namespace="92c41bee-f0ee-4aa6-9399-a35fbb883510"/>
+    <xsd:import namespace="e06ed288-fd75-4b50-bbed-f5a5df88c31c"/>
+    <xsd:element name="properties">
+      <xsd:complexType>
+        <xsd:sequence>
+          <xsd:element name="documentManagement">
+            <xsd:complexType>
+              <xsd:all>
+                <xsd:element ref="ns3:MediaServiceMetadata" minOccurs="0"/>
+                <xsd:element ref="ns3:MediaServiceFastMetadata" minOccurs="0"/>
+                <xsd:element ref="ns4:SharedWithUsers" minOccurs="0"/>
+                <xsd:element ref="ns4:SharedWithDetails" minOccurs="0"/>
+                <xsd:element ref="ns4:SharingHintHash" minOccurs="0"/>
+                <xsd:element ref="ns3:MediaServiceAutoKeyPoints" minOccurs="0"/>
+                <xsd:element ref="ns3:MediaServiceKeyPoints" minOccurs="0"/>
+                <xsd:element ref="ns3:MediaServiceAutoTags" minOccurs="0"/>
+                <xsd:element ref="ns3:MediaServiceOCR" minOccurs="0"/>
+                <xsd:element ref="ns3:MediaServiceGenerationTime" minOccurs="0"/>
+                <xsd:element ref="ns3:MediaServiceEventHashCode" minOccurs="0"/>
+                <xsd:element ref="ns3:MediaServiceDateTaken" minOccurs="0"/>
+                <xsd:element ref="ns3:MediaLengthInSeconds" minOccurs="0"/>
+                <xsd:element ref="ns3:MediaServiceLocation" minOccurs="0"/>
+                <xsd:element ref="ns3:_activity" minOccurs="0"/>
+              </xsd:all>
+            </xsd:complexType>
+          </xsd:element>
+        </xsd:sequence>
+      </xsd:complexType>
+    </xsd:element>
+  </xsd:schema>
+  <xsd:schema xmlns:xsd="http://www.w3.org/2001/XMLSchema" xmlns:xs="http://www.w3.org/2001/XMLSchema" xmlns:dms="http://schemas.microsoft.com/office/2006/documentManagement/types" xmlns:pc="http://schemas.microsoft.com/office/infopath/2007/PartnerControls" targetNamespace="92c41bee-f0ee-4aa6-9399-a35fbb883510" elementFormDefault="qualified">
+    <xsd:import namespace="http://schemas.microsoft.com/office/2006/documentManagement/types"/>
+    <xsd:import namespace="http://schemas.microsoft.com/office/infopath/2007/PartnerControls"/>
+    <xsd:element name="MediaServiceMetadata" ma:index="8" nillable="true" ma:displayName="MediaServiceMetadata" ma:hidden="true" ma:internalName="MediaServiceMetadata" ma:readOnly="true">
+      <xsd:simpleType>
+        <xsd:restriction base="dms:Note"/>
+      </xsd:simpleType>
+    </xsd:element>
+    <xsd:element name="MediaServiceFastMetadata" ma:index="9" nillable="true" ma:displayName="MediaServiceFastMetadata" ma:hidden="true" ma:internalName="MediaServiceFastMetadata" ma:readOnly="true">
+      <xsd:simpleType>
+        <xsd:restriction base="dms:Note"/>
+      </xsd:simpleType>
+    </xsd:element>
+    <xsd:element name="MediaServiceAutoKeyPoints" ma:index="13" nillable="true" ma:displayName="MediaServiceAutoKeyPoints" ma:hidden="true" ma:internalName="MediaServiceAutoKeyPoints" ma:readOnly="true">
+      <xsd:simpleType>
+        <xsd:restriction base="dms:Note"/>
+      </xsd:simpleType>
+    </xsd:element>
+    <xsd:element name="MediaServiceKeyPoints" ma:index="14" nillable="true" ma:displayName="KeyPoints" ma:internalName="MediaServiceKeyPoints" ma:readOnly="true">
+      <xsd:simpleType>
+        <xsd:restriction base="dms:Note">
+          <xsd:maxLength value="255"/>
+        </xsd:restriction>
+      </xsd:simpleType>
+    </xsd:element>
+    <xsd:element name="MediaServiceAutoTags" ma:index="15" nillable="true" ma:displayName="Tags" ma:internalName="MediaServiceAutoTags" ma:readOnly="true">
+      <xsd:simpleType>
+        <xsd:restriction base="dms:Text"/>
+      </xsd:simpleType>
+    </xsd:element>
+    <xsd:element name="MediaServiceOCR" ma:index="16" nillable="true" ma:displayName="Extracted Text" ma:internalName="MediaServiceOCR" ma:readOnly="true">
+      <xsd:simpleType>
+        <xsd:restriction base="dms:Note">
+          <xsd:maxLength value="255"/>
+        </xsd:restriction>
+      </xsd:simpleType>
+    </xsd:element>
+    <xsd:element name="MediaServiceGenerationTime" ma:index="17" nillable="true" ma:displayName="MediaServiceGenerationTime" ma:hidden="true" ma:internalName="MediaServiceGenerationTime" ma:readOnly="true">
+      <xsd:simpleType>
+        <xsd:restriction base="dms:Text"/>
+      </xsd:simpleType>
+    </xsd:element>
+    <xsd:element name="MediaServiceEventHashCode" ma:index="18" nillable="true" ma:displayName="MediaServiceEventHashCode" ma:hidden="true" ma:internalName="MediaServiceEventHashCode" ma:readOnly="true">
+      <xsd:simpleType>
+        <xsd:restriction base="dms:Text"/>
+      </xsd:simpleType>
+    </xsd:element>
+    <xsd:element name="MediaServiceDateTaken" ma:index="19" nillable="true" ma:displayName="MediaServiceDateTaken" ma:hidden="true" ma:internalName="MediaServiceDateTaken" ma:readOnly="true">
+      <xsd:simpleType>
+        <xsd:restriction base="dms:Text"/>
+      </xsd:simpleType>
+    </xsd:element>
+    <xsd:element name="MediaLengthInSeconds" ma:index="20" nillable="true" ma:displayName="Length (seconds)" ma:internalName="MediaLengthInSeconds" ma:readOnly="true">
+      <xsd:simpleType>
+        <xsd:restriction base="dms:Unknown"/>
+      </xsd:simpleType>
+    </xsd:element>
+    <xsd:element name="MediaServiceLocation" ma:index="21" nillable="true" ma:displayName="Location" ma:internalName="MediaServiceLocation" ma:readOnly="true">
+      <xsd:simpleType>
+        <xsd:restriction base="dms:Text"/>
+      </xsd:simpleType>
+    </xsd:element>
+    <xsd:element name="_activity" ma:index="22" nillable="true" ma:displayName="_activity" ma:hidden="true" ma:internalName="_activity">
+      <xsd:simpleType>
+        <xsd:restriction base="dms:Note"/>
+      </xsd:simpleType>
+    </xsd:element>
+  </xsd:schema>
+  <xsd:schema xmlns:xsd="http://www.w3.org/2001/XMLSchema" xmlns:xs="http://www.w3.org/2001/XMLSchema" xmlns:dms="http://schemas.microsoft.com/office/2006/documentManagement/types" xmlns:pc="http://schemas.microsoft.com/office/infopath/2007/PartnerControls" targetNamespace="e06ed288-fd75-4b50-bbed-f5a5df88c31c" elementFormDefault="qualified">
+    <xsd:import namespace="http://schemas.microsoft.com/office/2006/documentManagement/types"/>
+    <xsd:import namespace="http://schemas.microsoft.com/office/infopath/2007/PartnerControls"/>
+    <xsd:element name="SharedWithUsers" ma:index="10" nillable="true" ma:displayName="Shared With" ma:internalName="SharedWithUsers" ma:readOnly="true">
+      <xsd:complexType>
+        <xsd:complexContent>
+          <xsd:extension base="dms:UserMulti">
+            <xsd:sequence>
+              <xsd:element name="UserInfo" minOccurs="0" maxOccurs="unbounded">
+                <xsd:complexType>
+                  <xsd:sequence>
+                    <xsd:element name="DisplayName" type="xsd:string" minOccurs="0"/>
+                    <xsd:element name="AccountId" type="dms:UserId" minOccurs="0" nillable="true"/>
+                    <xsd:element name="AccountType" type="xsd:string" minOccurs="0"/>
+                  </xsd:sequence>
+                </xsd:complexType>
+              </xsd:element>
+            </xsd:sequence>
+          </xsd:extension>
+        </xsd:complexContent>
+      </xsd:complexType>
+    </xsd:element>
+    <xsd:element name="SharedWithDetails" ma:index="11" nillable="true" ma:displayName="Shared With Details" ma:internalName="SharedWithDetails" ma:readOnly="true">
+      <xsd:simpleType>
+        <xsd:restriction base="dms:Note">
+          <xsd:maxLength value="255"/>
+        </xsd:restriction>
+      </xsd:simpleType>
+    </xsd:element>
+    <xsd:element name="SharingHintHash" ma:index="12" nillable="true" ma:displayName="Sharing Hint Hash" ma:hidden="true" ma:internalName="SharingHintHash" ma:readOnly="true">
+      <xsd:simpleType>
+        <xsd:restriction base="dms:Text"/>
+      </xsd:simpleType>
+    </xsd:element>
+  </xsd:schema>
+  <xsd:schema xmlns="http://schemas.openxmlformats.org/package/2006/metadata/core-properties" xmlns:xsd="http://www.w3.org/2001/XMLSchema" xmlns:xsi="http://www.w3.org/2001/XMLSchema-instance" xmlns:dc="http://purl.org/dc/elements/1.1/" xmlns:dcterms="http://purl.org/dc/terms/" xmlns:odoc="http://schemas.microsoft.com/internal/obd" targetNamespace="http://schemas.openxmlformats.org/package/2006/metadata/core-properties" elementFormDefault="qualified" attributeFormDefault="unqualified" blockDefault="#all">
+    <xsd:import namespace="http://purl.org/dc/elements/1.1/" schemaLocation="http://dublincore.org/schemas/xmls/qdc/2003/04/02/dc.xsd"/>
+    <xsd:import namespace="http://purl.org/dc/terms/" schemaLocation="http://dublincore.org/schemas/xmls/qdc/2003/04/02/dcterms.xsd"/>
+    <xsd:element name="coreProperties" type="CT_coreProperties"/>
+    <xsd:complexType name="CT_coreProperties">
+      <xsd:all>
+        <xsd:element ref="dc:creator" minOccurs="0" maxOccurs="1"/>
+        <xsd:element ref="dcterms:created" minOccurs="0" maxOccurs="1"/>
+        <xsd:element ref="dc:identifier" minOccurs="0" maxOccurs="1"/>
+        <xsd:element name="contentType" minOccurs="0" maxOccurs="1" type="xsd:string" ma:index="0" ma:displayName="Content Type"/>
+        <xsd:element ref="dc:title" minOccurs="0" maxOccurs="1" ma:index="4" ma:displayName="Title"/>
+        <xsd:element ref="dc:subject" minOccurs="0" maxOccurs="1"/>
+        <xsd:element ref="dc:description" minOccurs="0" maxOccurs="1"/>
+        <xsd:element name="keywords" minOccurs="0" maxOccurs="1" type="xsd:string"/>
+        <xsd:element ref="dc:language" minOccurs="0" maxOccurs="1"/>
+        <xsd:element name="category" minOccurs="0" maxOccurs="1" type="xsd:string"/>
+        <xsd:element name="version" minOccurs="0" maxOccurs="1" type="xsd:string"/>
+        <xsd:element name="revision" minOccurs="0" maxOccurs="1" type="xsd:string">
+          <xsd:annotation>
+            <xsd:documentation>
+                        This value indicates the number of saves or revisions. The application is responsible for updating this value after each revision.
+                    </xsd:documentation>
+          </xsd:annotation>
+        </xsd:element>
+        <xsd:element name="lastModifiedBy" minOccurs="0" maxOccurs="1" type="xsd:string"/>
+        <xsd:element ref="dcterms:modified" minOccurs="0" maxOccurs="1"/>
+        <xsd:element name="contentStatus" minOccurs="0" maxOccurs="1" type="xsd:string"/>
+      </xsd:all>
+    </xsd:complexType>
+  </xsd:schema>
+  <xs:schema xmlns:pc="http://schemas.microsoft.com/office/infopath/2007/PartnerControls" xmlns:xs="http://www.w3.org/2001/XMLSchema" targetNamespace="http://schemas.microsoft.com/office/infopath/2007/PartnerControls" elementFormDefault="qualified" attributeFormDefault="unqualified">
+    <xs:element name="Person">
+      <xs:complexType>
+        <xs:sequence>
+          <xs:element ref="pc:DisplayName" minOccurs="0"/>
+          <xs:element ref="pc:AccountId" minOccurs="0"/>
+          <xs:element ref="pc:AccountType" minOccurs="0"/>
+        </xs:sequence>
+      </xs:complexType>
+    </xs:element>
+    <xs:element name="DisplayName" type="xs:string"/>
+    <xs:element name="AccountId" type="xs:string"/>
+    <xs:element name="AccountType" type="xs:string"/>
+    <xs:element name="BDCAssociatedEntity">
+      <xs:complexType>
+        <xs:sequence>
+          <xs:element ref="pc:BDCEntity" minOccurs="0" maxOccurs="unbounded"/>
+        </xs:sequence>
+        <xs:attribute ref="pc:EntityNamespace"/>
+        <xs:attribute ref="pc:EntityName"/>
+        <xs:attribute ref="pc:SystemInstanceName"/>
+        <xs:attribute ref="pc:AssociationName"/>
+      </xs:complexType>
+    </xs:element>
+    <xs:attribute name="EntityNamespace" type="xs:string"/>
+    <xs:attribute name="EntityName" type="xs:string"/>
+    <xs:attribute name="SystemInstanceName" type="xs:string"/>
+    <xs:attribute name="AssociationName" type="xs:string"/>
+    <xs:element name="BDCEntity">
+      <xs:complexType>
+        <xs:sequence>
+          <xs:element ref="pc:EntityDisplayName" minOccurs="0"/>
+          <xs:element ref="pc:EntityInstanceReference" minOccurs="0"/>
+          <xs:element ref="pc:EntityId1" minOccurs="0"/>
+          <xs:element ref="pc:EntityId2" minOccurs="0"/>
+          <xs:element ref="pc:EntityId3" minOccurs="0"/>
+          <xs:element ref="pc:EntityId4" minOccurs="0"/>
+          <xs:element ref="pc:EntityId5" minOccurs="0"/>
+        </xs:sequence>
+      </xs:complexType>
+    </xs:element>
+    <xs:element name="EntityDisplayName" type="xs:string"/>
+    <xs:element name="EntityInstanceReference" type="xs:string"/>
+    <xs:element name="EntityId1" type="xs:string"/>
+    <xs:element name="EntityId2" type="xs:string"/>
+    <xs:element name="EntityId3" type="xs:string"/>
+    <xs:element name="EntityId4" type="xs:string"/>
+    <xs:element name="EntityId5" type="xs:string"/>
+    <xs:element name="Terms">
+      <xs:complexType>
+        <xs:sequence>
+          <xs:element ref="pc:TermInfo" minOccurs="0" maxOccurs="unbounded"/>
+        </xs:sequence>
+      </xs:complexType>
+    </xs:element>
+    <xs:element name="TermInfo">
+      <xs:complexType>
+        <xs:sequence>
+          <xs:element ref="pc:TermName" minOccurs="0"/>
+          <xs:element ref="pc:TermId" minOccurs="0"/>
+        </xs:sequence>
+      </xs:complexType>
+    </xs:element>
+    <xs:element name="TermName" type="xs:string"/>
+    <xs:element name="TermId" type="xs:string"/>
+  </xs:schema>
+</ct:contentTypeSchema>
+</file>
+
+<file path=customXml/item2.xml><?xml version="1.0" encoding="utf-8"?>
+<?mso-contentType ?>
+<FormTemplates xmlns="http://schemas.microsoft.com/sharepoint/v3/contenttype/forms">
+  <Display>DocumentLibraryForm</Display>
+  <Edit>DocumentLibraryForm</Edit>
+  <New>DocumentLibraryForm</New>
+</FormTemplates>
+</file>
+
+<file path=customXml/item3.xml><?xml version="1.0" encoding="utf-8"?>
+<p:properties xmlns:p="http://schemas.microsoft.com/office/2006/metadata/properties" xmlns:xsi="http://www.w3.org/2001/XMLSchema-instance" xmlns:pc="http://schemas.microsoft.com/office/infopath/2007/PartnerControls">
+  <documentManagement>
+    <_activity xmlns="92c41bee-f0ee-4aa6-9399-a35fbb883510" xsi:nil="true"/>
+  </documentManagement>
+</p:properties>
+</file>
+
+<file path=customXml/itemProps1.xml><?xml version="1.0" encoding="utf-8"?>
+<ds:datastoreItem xmlns:ds="http://schemas.openxmlformats.org/officeDocument/2006/customXml" ds:itemID="{5F39B75D-6A1E-4978-ABD7-1AD73F5345C6}">
+  <ds:schemaRefs>
+    <ds:schemaRef ds:uri="http://schemas.microsoft.com/office/2006/metadata/contentType"/>
+    <ds:schemaRef ds:uri="http://schemas.microsoft.com/office/2006/metadata/properties/metaAttributes"/>
+    <ds:schemaRef ds:uri="http://www.w3.org/2001/XMLSchema"/>
+    <ds:schemaRef ds:uri="http://schemas.microsoft.com/office/2006/metadata/properties"/>
+    <ds:schemaRef ds:uri="92c41bee-f0ee-4aa6-9399-a35fbb883510"/>
+    <ds:schemaRef ds:uri="e06ed288-fd75-4b50-bbed-f5a5df88c31c"/>
+    <ds:schemaRef ds:uri="http://schemas.microsoft.com/office/2006/documentManagement/types"/>
+    <ds:schemaRef ds:uri="http://schemas.microsoft.com/office/infopath/2007/PartnerControls"/>
+    <ds:schemaRef ds:uri="http://schemas.openxmlformats.org/package/2006/metadata/core-properties"/>
+    <ds:schemaRef ds:uri="http://purl.org/dc/elements/1.1/"/>
+    <ds:schemaRef ds:uri="http://purl.org/dc/terms/"/>
+    <ds:schemaRef ds:uri="http://schemas.microsoft.com/internal/obd"/>
+  </ds:schemaRefs>
+</ds:datastoreItem>
+</file>
+
+<file path=customXml/itemProps2.xml><?xml version="1.0" encoding="utf-8"?>
+<ds:datastoreItem xmlns:ds="http://schemas.openxmlformats.org/officeDocument/2006/customXml" ds:itemID="{6719E9C6-1C5B-4CC4-B7EC-7A2EC61E8917}">
+  <ds:schemaRefs>
+    <ds:schemaRef ds:uri="http://schemas.microsoft.com/sharepoint/v3/contenttype/forms"/>
+  </ds:schemaRefs>
+</ds:datastoreItem>
+</file>
+
+<file path=customXml/itemProps3.xml><?xml version="1.0" encoding="utf-8"?>
+<ds:datastoreItem xmlns:ds="http://schemas.openxmlformats.org/officeDocument/2006/customXml" ds:itemID="{F3BEF7F0-08D6-4980-8D6D-7CFA5FD6D552}">
+  <ds:schemaRefs>
+    <ds:schemaRef ds:uri="92c41bee-f0ee-4aa6-9399-a35fbb883510"/>
+    <ds:schemaRef ds:uri="http://schemas.microsoft.com/office/2006/metadata/properties"/>
+    <ds:schemaRef ds:uri="http://schemas.microsoft.com/office/2006/documentManagement/types"/>
+    <ds:schemaRef ds:uri="http://purl.org/dc/dcmitype/"/>
+    <ds:schemaRef ds:uri="http://schemas.microsoft.com/office/infopath/2007/PartnerControls"/>
+    <ds:schemaRef ds:uri="http://purl.org/dc/elements/1.1/"/>
+    <ds:schemaRef ds:uri="http://schemas.openxmlformats.org/package/2006/metadata/core-properties"/>
+    <ds:schemaRef ds:uri="e06ed288-fd75-4b50-bbed-f5a5df88c31c"/>
+    <ds:schemaRef ds:uri="http://www.w3.org/XML/1998/namespace"/>
+    <ds:schemaRef ds:uri="http://purl.org/dc/terms/"/>
+  </ds:schemaRefs>
+</ds:datastoreItem>
 </file>
--- a/slides/On-Campus/03_01_Branching.pptx
+++ b/slides/On-Campus/03_01_Branching.pptx
@@ -149,287 +149,63 @@
 <file path=ppt/changesInfos/changesInfo1.xml><?xml version="1.0" encoding="utf-8"?>
 <pc:chgInfo xmlns:a="http://schemas.openxmlformats.org/drawingml/2006/main" xmlns:r="http://schemas.openxmlformats.org/officeDocument/2006/relationships" xmlns:ac="http://schemas.microsoft.com/office/drawing/2013/main/command" xmlns:pc="http://schemas.microsoft.com/office/powerpoint/2013/main/command">
   <pc:docChgLst>
+    <pc:chgData name="Marcia Moraes" userId="c9c67e8a-58e2-4733-9a1c-5d44fec4775b" providerId="ADAL" clId="{855530AE-2A12-49C5-A4EF-72AB02B4522F}"/>
+  </pc:docChgLst>
+  <pc:docChgLst>
     <pc:chgData name="Moraes,Marcia" userId="c9c67e8a-58e2-4733-9a1c-5d44fec4775b" providerId="ADAL" clId="{855530AE-2A12-49C5-A4EF-72AB02B4522F}"/>
-    <pc:docChg chg="undo custSel addSld modSld sldOrd modMainMaster">
-      <pc:chgData name="Moraes,Marcia" userId="c9c67e8a-58e2-4733-9a1c-5d44fec4775b" providerId="ADAL" clId="{855530AE-2A12-49C5-A4EF-72AB02B4522F}" dt="2023-01-29T23:53:38.353" v="1103" actId="20577"/>
+  </pc:docChgLst>
+  <pc:docChgLst>
+    <pc:chgData name="Marcia Moraes" userId="c9c67e8a-58e2-4733-9a1c-5d44fec4775b" providerId="ADAL" clId="{0421D4C7-F277-43BC-A595-54C6856944C1}"/>
+    <pc:docChg chg="modSld">
+      <pc:chgData name="Marcia Moraes" userId="c9c67e8a-58e2-4733-9a1c-5d44fec4775b" providerId="ADAL" clId="{0421D4C7-F277-43BC-A595-54C6856944C1}" dt="2023-08-10T21:32:55.120" v="28" actId="6549"/>
       <pc:docMkLst>
         <pc:docMk/>
       </pc:docMkLst>
-      <pc:sldChg chg="ord">
-        <pc:chgData name="Moraes,Marcia" userId="c9c67e8a-58e2-4733-9a1c-5d44fec4775b" providerId="ADAL" clId="{855530AE-2A12-49C5-A4EF-72AB02B4522F}" dt="2023-01-29T23:16:44.854" v="340"/>
+      <pc:sldChg chg="modSp">
+        <pc:chgData name="Marcia Moraes" userId="c9c67e8a-58e2-4733-9a1c-5d44fec4775b" providerId="ADAL" clId="{0421D4C7-F277-43BC-A595-54C6856944C1}" dt="2023-08-10T21:32:55.120" v="28" actId="6549"/>
         <pc:sldMkLst>
           <pc:docMk/>
-          <pc:sldMk cId="2027279746" sldId="259"/>
+          <pc:sldMk cId="3877744934" sldId="262"/>
         </pc:sldMkLst>
+        <pc:spChg chg="mod">
+          <ac:chgData name="Marcia Moraes" userId="c9c67e8a-58e2-4733-9a1c-5d44fec4775b" providerId="ADAL" clId="{0421D4C7-F277-43BC-A595-54C6856944C1}" dt="2023-08-10T21:32:55.120" v="28" actId="6549"/>
+          <ac:spMkLst>
+            <pc:docMk/>
+            <pc:sldMk cId="3877744934" sldId="262"/>
+            <ac:spMk id="3" creationId="{58623002-8530-7041-8EE6-F33173423322}"/>
+          </ac:spMkLst>
+        </pc:spChg>
       </pc:sldChg>
-      <pc:sldChg chg="ord">
-        <pc:chgData name="Moraes,Marcia" userId="c9c67e8a-58e2-4733-9a1c-5d44fec4775b" providerId="ADAL" clId="{855530AE-2A12-49C5-A4EF-72AB02B4522F}" dt="2023-01-29T23:16:58.659" v="341"/>
-        <pc:sldMkLst>
-          <pc:docMk/>
-          <pc:sldMk cId="1852027059" sldId="260"/>
-        </pc:sldMkLst>
-      </pc:sldChg>
-      <pc:sldChg chg="ord">
-        <pc:chgData name="Moraes,Marcia" userId="c9c67e8a-58e2-4733-9a1c-5d44fec4775b" providerId="ADAL" clId="{855530AE-2A12-49C5-A4EF-72AB02B4522F}" dt="2023-01-29T23:17:34.978" v="342"/>
-        <pc:sldMkLst>
-          <pc:docMk/>
-          <pc:sldMk cId="2992215749" sldId="261"/>
-        </pc:sldMkLst>
-      </pc:sldChg>
-      <pc:sldChg chg="addSp delSp modSp delAnim">
-        <pc:chgData name="Moraes,Marcia" userId="c9c67e8a-58e2-4733-9a1c-5d44fec4775b" providerId="ADAL" clId="{855530AE-2A12-49C5-A4EF-72AB02B4522F}" dt="2023-01-29T23:14:56.154" v="339" actId="1076"/>
+      <pc:sldChg chg="modSp">
+        <pc:chgData name="Marcia Moraes" userId="c9c67e8a-58e2-4733-9a1c-5d44fec4775b" providerId="ADAL" clId="{0421D4C7-F277-43BC-A595-54C6856944C1}" dt="2023-08-10T21:27:15.168" v="22" actId="20577"/>
         <pc:sldMkLst>
           <pc:docMk/>
           <pc:sldMk cId="43283813" sldId="264"/>
         </pc:sldMkLst>
         <pc:spChg chg="mod">
-          <ac:chgData name="Moraes,Marcia" userId="c9c67e8a-58e2-4733-9a1c-5d44fec4775b" providerId="ADAL" clId="{855530AE-2A12-49C5-A4EF-72AB02B4522F}" dt="2023-01-29T23:14:36.199" v="336" actId="20577"/>
-          <ac:spMkLst>
-            <pc:docMk/>
-            <pc:sldMk cId="43283813" sldId="264"/>
-            <ac:spMk id="2" creationId="{83DD6C50-9D9F-9842-A32B-19B9DF43486E}"/>
-          </ac:spMkLst>
-        </pc:spChg>
-        <pc:spChg chg="add del mod">
-          <ac:chgData name="Moraes,Marcia" userId="c9c67e8a-58e2-4733-9a1c-5d44fec4775b" providerId="ADAL" clId="{855530AE-2A12-49C5-A4EF-72AB02B4522F}" dt="2023-01-29T23:14:56.154" v="339" actId="1076"/>
+          <ac:chgData name="Marcia Moraes" userId="c9c67e8a-58e2-4733-9a1c-5d44fec4775b" providerId="ADAL" clId="{0421D4C7-F277-43BC-A595-54C6856944C1}" dt="2023-08-10T21:27:15.168" v="22" actId="20577"/>
           <ac:spMkLst>
             <pc:docMk/>
             <pc:sldMk cId="43283813" sldId="264"/>
             <ac:spMk id="8" creationId="{42CAB46C-2D5A-466F-ACC8-A913721D5440}"/>
           </ac:spMkLst>
         </pc:spChg>
-        <pc:spChg chg="del">
-          <ac:chgData name="Moraes,Marcia" userId="c9c67e8a-58e2-4733-9a1c-5d44fec4775b" providerId="ADAL" clId="{855530AE-2A12-49C5-A4EF-72AB02B4522F}" dt="2023-01-29T23:08:54.663" v="7" actId="478"/>
+      </pc:sldChg>
+      <pc:sldChg chg="modSp">
+        <pc:chgData name="Marcia Moraes" userId="c9c67e8a-58e2-4733-9a1c-5d44fec4775b" providerId="ADAL" clId="{0421D4C7-F277-43BC-A595-54C6856944C1}" dt="2023-08-10T21:30:03.998" v="27" actId="20577"/>
+        <pc:sldMkLst>
+          <pc:docMk/>
+          <pc:sldMk cId="876244202" sldId="270"/>
+        </pc:sldMkLst>
+        <pc:spChg chg="mod">
+          <ac:chgData name="Marcia Moraes" userId="c9c67e8a-58e2-4733-9a1c-5d44fec4775b" providerId="ADAL" clId="{0421D4C7-F277-43BC-A595-54C6856944C1}" dt="2023-08-10T21:30:03.998" v="27" actId="20577"/>
           <ac:spMkLst>
             <pc:docMk/>
-            <pc:sldMk cId="43283813" sldId="264"/>
-            <ac:spMk id="9" creationId="{7F47CCFC-63FE-431E-BEDE-18869D514285}"/>
-          </ac:spMkLst>
-        </pc:spChg>
-        <pc:spChg chg="del">
-          <ac:chgData name="Moraes,Marcia" userId="c9c67e8a-58e2-4733-9a1c-5d44fec4775b" providerId="ADAL" clId="{855530AE-2A12-49C5-A4EF-72AB02B4522F}" dt="2023-01-29T23:08:41.516" v="3" actId="478"/>
-          <ac:spMkLst>
-            <pc:docMk/>
-            <pc:sldMk cId="43283813" sldId="264"/>
-            <ac:spMk id="10" creationId="{4B5CE85D-FF7C-4B09-852D-36A7AF1F57F3}"/>
-          </ac:spMkLst>
-        </pc:spChg>
-        <pc:spChg chg="del">
-          <ac:chgData name="Moraes,Marcia" userId="c9c67e8a-58e2-4733-9a1c-5d44fec4775b" providerId="ADAL" clId="{855530AE-2A12-49C5-A4EF-72AB02B4522F}" dt="2023-01-29T23:08:54.663" v="7" actId="478"/>
-          <ac:spMkLst>
-            <pc:docMk/>
-            <pc:sldMk cId="43283813" sldId="264"/>
-            <ac:spMk id="11" creationId="{DBC96204-A3FF-4169-B886-70750A703A34}"/>
-          </ac:spMkLst>
-        </pc:spChg>
-        <pc:spChg chg="del">
-          <ac:chgData name="Moraes,Marcia" userId="c9c67e8a-58e2-4733-9a1c-5d44fec4775b" providerId="ADAL" clId="{855530AE-2A12-49C5-A4EF-72AB02B4522F}" dt="2023-01-29T23:08:54.663" v="7" actId="478"/>
-          <ac:spMkLst>
-            <pc:docMk/>
-            <pc:sldMk cId="43283813" sldId="264"/>
-            <ac:spMk id="12" creationId="{8042A1A1-6E85-4749-AC5E-7ABEFC4F0107}"/>
-          </ac:spMkLst>
-        </pc:spChg>
-        <pc:spChg chg="del">
-          <ac:chgData name="Moraes,Marcia" userId="c9c67e8a-58e2-4733-9a1c-5d44fec4775b" providerId="ADAL" clId="{855530AE-2A12-49C5-A4EF-72AB02B4522F}" dt="2023-01-29T23:08:54.663" v="7" actId="478"/>
-          <ac:spMkLst>
-            <pc:docMk/>
-            <pc:sldMk cId="43283813" sldId="264"/>
-            <ac:spMk id="13" creationId="{381023EC-747D-42C2-8B80-5FCABB2BC1DB}"/>
-          </ac:spMkLst>
-        </pc:spChg>
-        <pc:spChg chg="del">
-          <ac:chgData name="Moraes,Marcia" userId="c9c67e8a-58e2-4733-9a1c-5d44fec4775b" providerId="ADAL" clId="{855530AE-2A12-49C5-A4EF-72AB02B4522F}" dt="2023-01-29T23:08:54.663" v="7" actId="478"/>
-          <ac:spMkLst>
-            <pc:docMk/>
-            <pc:sldMk cId="43283813" sldId="264"/>
-            <ac:spMk id="14" creationId="{AC6ABD88-72A7-4260-9077-6481BB1D2232}"/>
-          </ac:spMkLst>
-        </pc:spChg>
-        <pc:spChg chg="del">
-          <ac:chgData name="Moraes,Marcia" userId="c9c67e8a-58e2-4733-9a1c-5d44fec4775b" providerId="ADAL" clId="{855530AE-2A12-49C5-A4EF-72AB02B4522F}" dt="2023-01-29T23:08:54.663" v="7" actId="478"/>
-          <ac:spMkLst>
-            <pc:docMk/>
-            <pc:sldMk cId="43283813" sldId="264"/>
-            <ac:spMk id="15" creationId="{6540EDA1-B0AD-47A4-9C61-E2B44D58BCCD}"/>
+            <pc:sldMk cId="876244202" sldId="270"/>
+            <ac:spMk id="5" creationId="{D45B7610-981A-7441-A483-AB5BABDA0AB4}"/>
           </ac:spMkLst>
         </pc:spChg>
       </pc:sldChg>
-      <pc:sldChg chg="modSp">
-        <pc:chgData name="Moraes,Marcia" userId="c9c67e8a-58e2-4733-9a1c-5d44fec4775b" providerId="ADAL" clId="{855530AE-2A12-49C5-A4EF-72AB02B4522F}" dt="2023-01-29T23:51:57.130" v="1077" actId="20577"/>
-        <pc:sldMkLst>
-          <pc:docMk/>
-          <pc:sldMk cId="1154569864" sldId="268"/>
-        </pc:sldMkLst>
-        <pc:spChg chg="mod">
-          <ac:chgData name="Moraes,Marcia" userId="c9c67e8a-58e2-4733-9a1c-5d44fec4775b" providerId="ADAL" clId="{855530AE-2A12-49C5-A4EF-72AB02B4522F}" dt="2023-01-29T23:51:57.130" v="1077" actId="20577"/>
-          <ac:spMkLst>
-            <pc:docMk/>
-            <pc:sldMk cId="1154569864" sldId="268"/>
-            <ac:spMk id="2" creationId="{6A5ACB51-79B1-3641-B014-C0C80F9AAB6F}"/>
-          </ac:spMkLst>
-        </pc:spChg>
-      </pc:sldChg>
-      <pc:sldChg chg="addSp delSp modSp add delAnim modAnim">
-        <pc:chgData name="Moraes,Marcia" userId="c9c67e8a-58e2-4733-9a1c-5d44fec4775b" providerId="ADAL" clId="{855530AE-2A12-49C5-A4EF-72AB02B4522F}" dt="2023-01-29T23:53:22.309" v="1090" actId="20577"/>
-        <pc:sldMkLst>
-          <pc:docMk/>
-          <pc:sldMk cId="3265938945" sldId="271"/>
-        </pc:sldMkLst>
-        <pc:spChg chg="mod">
-          <ac:chgData name="Moraes,Marcia" userId="c9c67e8a-58e2-4733-9a1c-5d44fec4775b" providerId="ADAL" clId="{855530AE-2A12-49C5-A4EF-72AB02B4522F}" dt="2023-01-29T23:53:22.309" v="1090" actId="20577"/>
-          <ac:spMkLst>
-            <pc:docMk/>
-            <pc:sldMk cId="3265938945" sldId="271"/>
-            <ac:spMk id="2" creationId="{F8787ADA-CBAE-4F40-8D7B-B49545ABD6DD}"/>
-          </ac:spMkLst>
-        </pc:spChg>
-        <pc:spChg chg="mod">
-          <ac:chgData name="Moraes,Marcia" userId="c9c67e8a-58e2-4733-9a1c-5d44fec4775b" providerId="ADAL" clId="{855530AE-2A12-49C5-A4EF-72AB02B4522F}" dt="2023-01-29T23:31:02.616" v="698" actId="20577"/>
-          <ac:spMkLst>
-            <pc:docMk/>
-            <pc:sldMk cId="3265938945" sldId="271"/>
-            <ac:spMk id="3" creationId="{18B63810-99DF-5947-AEB3-98BFCC0D0C44}"/>
-          </ac:spMkLst>
-        </pc:spChg>
-        <pc:spChg chg="del">
-          <ac:chgData name="Moraes,Marcia" userId="c9c67e8a-58e2-4733-9a1c-5d44fec4775b" providerId="ADAL" clId="{855530AE-2A12-49C5-A4EF-72AB02B4522F}" dt="2023-01-29T23:21:02.982" v="652" actId="478"/>
-          <ac:spMkLst>
-            <pc:docMk/>
-            <pc:sldMk cId="3265938945" sldId="271"/>
-            <ac:spMk id="4" creationId="{C09C2107-6E4C-4B4B-9688-13F50F01E673}"/>
-          </ac:spMkLst>
-        </pc:spChg>
-        <pc:spChg chg="del">
-          <ac:chgData name="Moraes,Marcia" userId="c9c67e8a-58e2-4733-9a1c-5d44fec4775b" providerId="ADAL" clId="{855530AE-2A12-49C5-A4EF-72AB02B4522F}" dt="2023-01-29T23:21:04.508" v="653" actId="478"/>
-          <ac:spMkLst>
-            <pc:docMk/>
-            <pc:sldMk cId="3265938945" sldId="271"/>
-            <ac:spMk id="5" creationId="{6A2C0F37-DE6A-C54E-872A-6094374694F6}"/>
-          </ac:spMkLst>
-        </pc:spChg>
-        <pc:spChg chg="add mod">
-          <ac:chgData name="Moraes,Marcia" userId="c9c67e8a-58e2-4733-9a1c-5d44fec4775b" providerId="ADAL" clId="{855530AE-2A12-49C5-A4EF-72AB02B4522F}" dt="2023-01-29T23:29:11.742" v="661" actId="1076"/>
-          <ac:spMkLst>
-            <pc:docMk/>
-            <pc:sldMk cId="3265938945" sldId="271"/>
-            <ac:spMk id="6" creationId="{F121217A-48EE-48F5-8726-2F9105887A61}"/>
-          </ac:spMkLst>
-        </pc:spChg>
-        <pc:spChg chg="del">
-          <ac:chgData name="Moraes,Marcia" userId="c9c67e8a-58e2-4733-9a1c-5d44fec4775b" providerId="ADAL" clId="{855530AE-2A12-49C5-A4EF-72AB02B4522F}" dt="2023-01-29T23:21:05.586" v="654" actId="478"/>
-          <ac:spMkLst>
-            <pc:docMk/>
-            <pc:sldMk cId="3265938945" sldId="271"/>
-            <ac:spMk id="7" creationId="{0B3EF042-33BF-FF4F-A4D4-0EE79BD11192}"/>
-          </ac:spMkLst>
-        </pc:spChg>
-        <pc:spChg chg="add mod">
-          <ac:chgData name="Moraes,Marcia" userId="c9c67e8a-58e2-4733-9a1c-5d44fec4775b" providerId="ADAL" clId="{855530AE-2A12-49C5-A4EF-72AB02B4522F}" dt="2023-01-29T23:32:26.842" v="890" actId="1076"/>
-          <ac:spMkLst>
-            <pc:docMk/>
-            <pc:sldMk cId="3265938945" sldId="271"/>
-            <ac:spMk id="8" creationId="{D6281277-9FDA-4295-A868-0A99FFBD9FBB}"/>
-          </ac:spMkLst>
-        </pc:spChg>
-      </pc:sldChg>
-      <pc:sldChg chg="addSp delSp modSp add delAnim">
-        <pc:chgData name="Moraes,Marcia" userId="c9c67e8a-58e2-4733-9a1c-5d44fec4775b" providerId="ADAL" clId="{855530AE-2A12-49C5-A4EF-72AB02B4522F}" dt="2023-01-29T23:53:38.353" v="1103" actId="20577"/>
-        <pc:sldMkLst>
-          <pc:docMk/>
-          <pc:sldMk cId="3620451227" sldId="272"/>
-        </pc:sldMkLst>
-        <pc:spChg chg="mod">
-          <ac:chgData name="Moraes,Marcia" userId="c9c67e8a-58e2-4733-9a1c-5d44fec4775b" providerId="ADAL" clId="{855530AE-2A12-49C5-A4EF-72AB02B4522F}" dt="2023-01-29T23:53:38.353" v="1103" actId="20577"/>
-          <ac:spMkLst>
-            <pc:docMk/>
-            <pc:sldMk cId="3620451227" sldId="272"/>
-            <ac:spMk id="2" creationId="{F8787ADA-CBAE-4F40-8D7B-B49545ABD6DD}"/>
-          </ac:spMkLst>
-        </pc:spChg>
-        <pc:spChg chg="mod">
-          <ac:chgData name="Moraes,Marcia" userId="c9c67e8a-58e2-4733-9a1c-5d44fec4775b" providerId="ADAL" clId="{855530AE-2A12-49C5-A4EF-72AB02B4522F}" dt="2023-01-29T23:41:23.856" v="966" actId="20577"/>
-          <ac:spMkLst>
-            <pc:docMk/>
-            <pc:sldMk cId="3620451227" sldId="272"/>
-            <ac:spMk id="3" creationId="{18B63810-99DF-5947-AEB3-98BFCC0D0C44}"/>
-          </ac:spMkLst>
-        </pc:spChg>
-        <pc:spChg chg="add del">
-          <ac:chgData name="Moraes,Marcia" userId="c9c67e8a-58e2-4733-9a1c-5d44fec4775b" providerId="ADAL" clId="{855530AE-2A12-49C5-A4EF-72AB02B4522F}" dt="2023-01-29T23:48:38.508" v="1053"/>
-          <ac:spMkLst>
-            <pc:docMk/>
-            <pc:sldMk cId="3620451227" sldId="272"/>
-            <ac:spMk id="4" creationId="{9C341A3B-E657-4B95-8964-E76FCC685879}"/>
-          </ac:spMkLst>
-        </pc:spChg>
-        <pc:spChg chg="add mod">
-          <ac:chgData name="Moraes,Marcia" userId="c9c67e8a-58e2-4733-9a1c-5d44fec4775b" providerId="ADAL" clId="{855530AE-2A12-49C5-A4EF-72AB02B4522F}" dt="2023-01-29T23:49:26.425" v="1071" actId="14100"/>
-          <ac:spMkLst>
-            <pc:docMk/>
-            <pc:sldMk cId="3620451227" sldId="272"/>
-            <ac:spMk id="5" creationId="{46B3365D-5138-49C7-BF9E-D7DA50CA654A}"/>
-          </ac:spMkLst>
-        </pc:spChg>
-        <pc:spChg chg="del mod">
-          <ac:chgData name="Moraes,Marcia" userId="c9c67e8a-58e2-4733-9a1c-5d44fec4775b" providerId="ADAL" clId="{855530AE-2A12-49C5-A4EF-72AB02B4522F}" dt="2023-01-29T23:48:41.656" v="1054" actId="478"/>
-          <ac:spMkLst>
-            <pc:docMk/>
-            <pc:sldMk cId="3620451227" sldId="272"/>
-            <ac:spMk id="6" creationId="{F121217A-48EE-48F5-8726-2F9105887A61}"/>
-          </ac:spMkLst>
-        </pc:spChg>
-        <pc:spChg chg="del">
-          <ac:chgData name="Moraes,Marcia" userId="c9c67e8a-58e2-4733-9a1c-5d44fec4775b" providerId="ADAL" clId="{855530AE-2A12-49C5-A4EF-72AB02B4522F}" dt="2023-01-29T23:41:28.312" v="967" actId="478"/>
-          <ac:spMkLst>
-            <pc:docMk/>
-            <pc:sldMk cId="3620451227" sldId="272"/>
-            <ac:spMk id="8" creationId="{D6281277-9FDA-4295-A868-0A99FFBD9FBB}"/>
-          </ac:spMkLst>
-        </pc:spChg>
-      </pc:sldChg>
-      <pc:sldMasterChg chg="modSldLayout">
-        <pc:chgData name="Moraes,Marcia" userId="c9c67e8a-58e2-4733-9a1c-5d44fec4775b" providerId="ADAL" clId="{855530AE-2A12-49C5-A4EF-72AB02B4522F}" dt="2023-01-29T23:18:59.475" v="424" actId="20577"/>
-        <pc:sldMasterMkLst>
-          <pc:docMk/>
-          <pc:sldMasterMk cId="3965733437" sldId="2147483648"/>
-        </pc:sldMasterMkLst>
-        <pc:sldLayoutChg chg="modSp">
-          <pc:chgData name="Moraes,Marcia" userId="c9c67e8a-58e2-4733-9a1c-5d44fec4775b" providerId="ADAL" clId="{855530AE-2A12-49C5-A4EF-72AB02B4522F}" dt="2023-01-29T23:18:59.475" v="424" actId="20577"/>
-          <pc:sldLayoutMkLst>
-            <pc:docMk/>
-            <pc:sldMasterMk cId="3965733437" sldId="2147483648"/>
-            <pc:sldLayoutMk cId="0" sldId="2147483689"/>
-          </pc:sldLayoutMkLst>
-          <pc:spChg chg="mod">
-            <ac:chgData name="Moraes,Marcia" userId="c9c67e8a-58e2-4733-9a1c-5d44fec4775b" providerId="ADAL" clId="{855530AE-2A12-49C5-A4EF-72AB02B4522F}" dt="2023-01-29T23:18:34.451" v="344" actId="1076"/>
-            <ac:spMkLst>
-              <pc:docMk/>
-              <pc:sldMasterMk cId="3965733437" sldId="2147483648"/>
-              <pc:sldLayoutMk cId="0" sldId="2147483689"/>
-              <ac:spMk id="9" creationId="{518974DB-51D0-2C49-9088-48CE2D84AB1C}"/>
-            </ac:spMkLst>
-          </pc:spChg>
-          <pc:spChg chg="mod">
-            <ac:chgData name="Moraes,Marcia" userId="c9c67e8a-58e2-4733-9a1c-5d44fec4775b" providerId="ADAL" clId="{855530AE-2A12-49C5-A4EF-72AB02B4522F}" dt="2023-01-29T23:18:59.475" v="424" actId="20577"/>
-            <ac:spMkLst>
-              <pc:docMk/>
-              <pc:sldMasterMk cId="3965733437" sldId="2147483648"/>
-              <pc:sldLayoutMk cId="0" sldId="2147483689"/>
-              <ac:spMk id="11" creationId="{F621E987-BD36-AF48-B11C-CC4BAD65092F}"/>
-            </ac:spMkLst>
-          </pc:spChg>
-          <pc:picChg chg="mod">
-            <ac:chgData name="Moraes,Marcia" userId="c9c67e8a-58e2-4733-9a1c-5d44fec4775b" providerId="ADAL" clId="{855530AE-2A12-49C5-A4EF-72AB02B4522F}" dt="2023-01-29T23:18:32.567" v="343" actId="1076"/>
-            <ac:picMkLst>
-              <pc:docMk/>
-              <pc:sldMasterMk cId="3965733437" sldId="2147483648"/>
-              <pc:sldLayoutMk cId="0" sldId="2147483689"/>
-              <ac:picMk id="7" creationId="{00000000-0000-0000-0000-000000000000}"/>
-            </ac:picMkLst>
-          </pc:picChg>
-        </pc:sldLayoutChg>
-      </pc:sldMasterChg>
     </pc:docChg>
   </pc:docChgLst>
 </pc:chgInfo>
@@ -517,7 +293,7 @@
           <a:p>
             <a:fld id="{4D7E51A5-B478-1E40-8CBB-0DAA8831E99D}" type="datetimeFigureOut">
               <a:rPr lang="en-US" smtClean="0"/>
-              <a:t>1/29/2023</a:t>
+              <a:t>8/10/2023</a:t>
             </a:fld>
             <a:endParaRPr lang="en-US"/>
           </a:p>
@@ -682,7 +458,7 @@
           <a:p>
             <a:fld id="{D0ED587F-861E-6740-9643-E3DDAE89B8D6}" type="datetimeFigureOut">
               <a:rPr lang="en-US" smtClean="0"/>
-              <a:t>1/29/2023</a:t>
+              <a:t>8/10/2023</a:t>
             </a:fld>
             <a:endParaRPr lang="en-US"/>
           </a:p>
@@ -11661,7 +11437,7 @@
         <p:spPr>
           <a:xfrm>
             <a:off x="628075" y="1776683"/>
-            <a:ext cx="12561453" cy="5405839"/>
+            <a:ext cx="12561453" cy="5033429"/>
           </a:xfrm>
         </p:spPr>
         <p:txBody>
@@ -11785,13 +11561,6 @@
             <a:r>
               <a:rPr lang="en-US" dirty="0"/>
               <a:t>Really, makes them a lot easier, especially when nested</a:t>
-            </a:r>
-          </a:p>
-          <a:p>
-            <a:pPr lvl="1" fontAlgn="base"/>
-            <a:r>
-              <a:rPr lang="en-US" dirty="0"/>
-              <a:t>“never the two shall pass”</a:t>
             </a:r>
           </a:p>
           <a:p>
@@ -11888,7 +11657,7 @@
         <p:spPr>
           <a:xfrm>
             <a:off x="628075" y="1776683"/>
-            <a:ext cx="8548582" cy="5584349"/>
+            <a:ext cx="9256154" cy="3389902"/>
           </a:xfrm>
         </p:spPr>
         <p:txBody>
@@ -11960,68 +11729,17 @@
                   <a:srgbClr val="092529"/>
                 </a:solidFill>
               </a:rPr>
-              <a:t>Help Sessions</a:t>
-            </a:r>
-          </a:p>
-          <a:p>
-            <a:pPr lvl="1"/>
-            <a:r>
-              <a:rPr lang="en-US" dirty="0"/>
-              <a:t>Go to them! They make a difference</a:t>
-            </a:r>
-          </a:p>
-          <a:p>
-            <a:pPr lvl="1"/>
-            <a:r>
-              <a:rPr lang="en-US" dirty="0"/>
-              <a:t>Lab teams should be setup</a:t>
-            </a:r>
-          </a:p>
-          <a:p>
-            <a:pPr lvl="2"/>
+              <a:t>Labs – you need to go to lab to have your participation points</a:t>
+            </a:r>
+          </a:p>
+          <a:p>
             <a:r>
               <a:rPr lang="en-US" dirty="0">
                 <a:solidFill>
                   <a:srgbClr val="092529"/>
                 </a:solidFill>
               </a:rPr>
-              <a:t>If you are not on a private </a:t>
-            </a:r>
-            <a:r>
-              <a:rPr lang="en-US" dirty="0"/>
-              <a:t>channel with your other lab mates, let us know </a:t>
-            </a:r>
-          </a:p>
-          <a:p>
-            <a:r>
-              <a:rPr lang="en-US" dirty="0">
-                <a:solidFill>
-                  <a:srgbClr val="092529"/>
-                </a:solidFill>
-              </a:rPr>
-              <a:t>Tuesday lab – you need to go to lab to have your participation points for self-explanation activity</a:t>
-            </a:r>
-          </a:p>
-          <a:p>
-            <a:r>
-              <a:rPr lang="en-US" dirty="0">
-                <a:solidFill>
-                  <a:srgbClr val="092529"/>
-                </a:solidFill>
-              </a:rPr>
-              <a:t>Thursday </a:t>
-            </a:r>
-            <a:r>
-              <a:rPr lang="en-US" dirty="0"/>
-              <a:t>lab – meant to be done by Tuesday</a:t>
-            </a:r>
-            <a:r>
-              <a:rPr lang="en-US" dirty="0">
-                <a:solidFill>
-                  <a:srgbClr val="092529"/>
-                </a:solidFill>
-              </a:rPr>
-              <a:t> </a:t>
+              <a:t>NEXT WEEK – EXAM 1 Week – you need to work to have your module open for the Exam</a:t>
             </a:r>
           </a:p>
           <a:p>
@@ -12374,7 +12092,7 @@
           <a:p>
             <a:r>
               <a:rPr lang="en-US" b="1" dirty="0"/>
-              <a:t>Grab a paper, write your name and your answers to the following questions. Turn this as your attendance for today’s lecture.</a:t>
+              <a:t>Grab a paper, write your name as it is in Canvas, and your answers to the following questions. Turn this as your attendance for today’s lecture.</a:t>
             </a:r>
           </a:p>
           <a:p>
@@ -19664,16 +19382,16 @@
 <file path=customXml/itemProps3.xml><?xml version="1.0" encoding="utf-8"?>
 <ds:datastoreItem xmlns:ds="http://schemas.openxmlformats.org/officeDocument/2006/customXml" ds:itemID="{F3BEF7F0-08D6-4980-8D6D-7CFA5FD6D552}">
   <ds:schemaRefs>
-    <ds:schemaRef ds:uri="92c41bee-f0ee-4aa6-9399-a35fbb883510"/>
     <ds:schemaRef ds:uri="http://schemas.microsoft.com/office/2006/metadata/properties"/>
     <ds:schemaRef ds:uri="http://schemas.microsoft.com/office/2006/documentManagement/types"/>
+    <ds:schemaRef ds:uri="92c41bee-f0ee-4aa6-9399-a35fbb883510"/>
+    <ds:schemaRef ds:uri="http://www.w3.org/XML/1998/namespace"/>
+    <ds:schemaRef ds:uri="http://purl.org/dc/elements/1.1/"/>
+    <ds:schemaRef ds:uri="e06ed288-fd75-4b50-bbed-f5a5df88c31c"/>
+    <ds:schemaRef ds:uri="http://purl.org/dc/terms/"/>
+    <ds:schemaRef ds:uri="http://schemas.microsoft.com/office/infopath/2007/PartnerControls"/>
+    <ds:schemaRef ds:uri="http://schemas.openxmlformats.org/package/2006/metadata/core-properties"/>
     <ds:schemaRef ds:uri="http://purl.org/dc/dcmitype/"/>
-    <ds:schemaRef ds:uri="http://schemas.microsoft.com/office/infopath/2007/PartnerControls"/>
-    <ds:schemaRef ds:uri="http://purl.org/dc/elements/1.1/"/>
-    <ds:schemaRef ds:uri="http://schemas.openxmlformats.org/package/2006/metadata/core-properties"/>
-    <ds:schemaRef ds:uri="e06ed288-fd75-4b50-bbed-f5a5df88c31c"/>
-    <ds:schemaRef ds:uri="http://www.w3.org/XML/1998/namespace"/>
-    <ds:schemaRef ds:uri="http://purl.org/dc/terms/"/>
   </ds:schemaRefs>
 </ds:datastoreItem>
 </file>